--- a/Word/Diagrams/chapter9/chap 9.figures.pptx
+++ b/Word/Diagrams/chapter9/chap 9.figures.pptx
@@ -5,10 +5,11 @@
     <p:sldMasterId id="2147483660" r:id="rId1"/>
   </p:sldMasterIdLst>
   <p:notesMasterIdLst>
-    <p:notesMasterId r:id="rId3"/>
+    <p:notesMasterId r:id="rId4"/>
   </p:notesMasterIdLst>
   <p:sldIdLst>
     <p:sldId id="304" r:id="rId2"/>
+    <p:sldId id="305" r:id="rId3"/>
   </p:sldIdLst>
   <p:sldSz cx="9144000" cy="6858000" type="screen4x3"/>
   <p:notesSz cx="6858000" cy="9144000"/>
@@ -209,7 +210,7 @@
             <a:fld id="{9CCF083D-F2BC-4786-8C77-844DFCD3515B}" type="datetimeFigureOut">
               <a:rPr lang="zh-TW" altLang="en-US" smtClean="0"/>
               <a:pPr/>
-              <a:t>2021/6/10</a:t>
+              <a:t>2021/6/13</a:t>
             </a:fld>
             <a:endParaRPr lang="zh-TW" altLang="en-US"/>
           </a:p>
@@ -673,7 +674,7 @@
             <a:fld id="{E3D07B0C-BD95-41BE-BB3E-AC75822DF381}" type="datetimeFigureOut">
               <a:rPr lang="en-US" smtClean="0"/>
               <a:pPr/>
-              <a:t>6/10/2021</a:t>
+              <a:t>6/13/2021</a:t>
             </a:fld>
             <a:endParaRPr lang="en-US" dirty="0"/>
           </a:p>
@@ -838,7 +839,7 @@
             <a:fld id="{E3D07B0C-BD95-41BE-BB3E-AC75822DF381}" type="datetimeFigureOut">
               <a:rPr lang="en-US" smtClean="0"/>
               <a:pPr/>
-              <a:t>6/10/2021</a:t>
+              <a:t>6/13/2021</a:t>
             </a:fld>
             <a:endParaRPr lang="en-US" dirty="0"/>
           </a:p>
@@ -1014,7 +1015,7 @@
             <a:fld id="{E3D07B0C-BD95-41BE-BB3E-AC75822DF381}" type="datetimeFigureOut">
               <a:rPr lang="en-US" smtClean="0"/>
               <a:pPr/>
-              <a:t>6/10/2021</a:t>
+              <a:t>6/13/2021</a:t>
             </a:fld>
             <a:endParaRPr lang="en-US" dirty="0"/>
           </a:p>
@@ -1179,7 +1180,7 @@
             <a:fld id="{E3D07B0C-BD95-41BE-BB3E-AC75822DF381}" type="datetimeFigureOut">
               <a:rPr lang="en-US" smtClean="0"/>
               <a:pPr/>
-              <a:t>6/10/2021</a:t>
+              <a:t>6/13/2021</a:t>
             </a:fld>
             <a:endParaRPr lang="en-US" dirty="0"/>
           </a:p>
@@ -1422,7 +1423,7 @@
             <a:fld id="{E3D07B0C-BD95-41BE-BB3E-AC75822DF381}" type="datetimeFigureOut">
               <a:rPr lang="en-US" smtClean="0"/>
               <a:pPr/>
-              <a:t>6/10/2021</a:t>
+              <a:t>6/13/2021</a:t>
             </a:fld>
             <a:endParaRPr lang="en-US" dirty="0"/>
           </a:p>
@@ -1706,7 +1707,7 @@
             <a:fld id="{E3D07B0C-BD95-41BE-BB3E-AC75822DF381}" type="datetimeFigureOut">
               <a:rPr lang="en-US" smtClean="0"/>
               <a:pPr/>
-              <a:t>6/10/2021</a:t>
+              <a:t>6/13/2021</a:t>
             </a:fld>
             <a:endParaRPr lang="en-US" dirty="0"/>
           </a:p>
@@ -2135,7 +2136,7 @@
             <a:fld id="{E3D07B0C-BD95-41BE-BB3E-AC75822DF381}" type="datetimeFigureOut">
               <a:rPr lang="en-US" smtClean="0"/>
               <a:pPr/>
-              <a:t>6/10/2021</a:t>
+              <a:t>6/13/2021</a:t>
             </a:fld>
             <a:endParaRPr lang="en-US" dirty="0"/>
           </a:p>
@@ -2249,7 +2250,7 @@
             <a:fld id="{E3D07B0C-BD95-41BE-BB3E-AC75822DF381}" type="datetimeFigureOut">
               <a:rPr lang="en-US" smtClean="0"/>
               <a:pPr/>
-              <a:t>6/10/2021</a:t>
+              <a:t>6/13/2021</a:t>
             </a:fld>
             <a:endParaRPr lang="en-US" dirty="0"/>
           </a:p>
@@ -2341,7 +2342,7 @@
             <a:fld id="{E3D07B0C-BD95-41BE-BB3E-AC75822DF381}" type="datetimeFigureOut">
               <a:rPr lang="en-US" smtClean="0"/>
               <a:pPr/>
-              <a:t>6/10/2021</a:t>
+              <a:t>6/13/2021</a:t>
             </a:fld>
             <a:endParaRPr lang="en-US" dirty="0"/>
           </a:p>
@@ -2532,7 +2533,7 @@
             <a:fld id="{E3D07B0C-BD95-41BE-BB3E-AC75822DF381}" type="datetimeFigureOut">
               <a:rPr lang="en-US" smtClean="0"/>
               <a:pPr/>
-              <a:t>6/10/2021</a:t>
+              <a:t>6/13/2021</a:t>
             </a:fld>
             <a:endParaRPr lang="en-US" dirty="0"/>
           </a:p>
@@ -2850,7 +2851,7 @@
             <a:fld id="{E3D07B0C-BD95-41BE-BB3E-AC75822DF381}" type="datetimeFigureOut">
               <a:rPr lang="en-US" smtClean="0"/>
               <a:pPr/>
-              <a:t>6/10/2021</a:t>
+              <a:t>6/13/2021</a:t>
             </a:fld>
             <a:endParaRPr lang="en-US" dirty="0"/>
           </a:p>
@@ -3232,7 +3233,7 @@
             <a:fld id="{E3D07B0C-BD95-41BE-BB3E-AC75822DF381}" type="datetimeFigureOut">
               <a:rPr lang="en-US" smtClean="0"/>
               <a:pPr/>
-              <a:t>6/10/2021</a:t>
+              <a:t>6/13/2021</a:t>
             </a:fld>
             <a:endParaRPr lang="en-US" dirty="0"/>
           </a:p>
@@ -4867,6 +4868,1830 @@
     <p:extLst>
       <p:ext uri="{BB962C8B-B14F-4D97-AF65-F5344CB8AC3E}">
         <p14:creationId xmlns:p14="http://schemas.microsoft.com/office/powerpoint/2010/main" val="3972070070"/>
+      </p:ext>
+    </p:extLst>
+  </p:cSld>
+  <p:clrMapOvr>
+    <a:masterClrMapping/>
+  </p:clrMapOvr>
+</p:sld>
+</file>
+
+<file path=ppt/slides/slide2.xml><?xml version="1.0" encoding="utf-8"?>
+<p:sld xmlns:a="http://schemas.openxmlformats.org/drawingml/2006/main" xmlns:r="http://schemas.openxmlformats.org/officeDocument/2006/relationships" xmlns:p="http://schemas.openxmlformats.org/presentationml/2006/main">
+  <p:cSld>
+    <p:spTree>
+      <p:nvGrpSpPr>
+        <p:cNvPr id="1" name=""/>
+        <p:cNvGrpSpPr/>
+        <p:nvPr/>
+      </p:nvGrpSpPr>
+      <p:grpSpPr>
+        <a:xfrm>
+          <a:off x="0" y="0"/>
+          <a:ext cx="0" cy="0"/>
+          <a:chOff x="0" y="0"/>
+          <a:chExt cx="0" cy="0"/>
+        </a:xfrm>
+      </p:grpSpPr>
+      <p:sp>
+        <p:nvSpPr>
+          <p:cNvPr id="2" name="Rectangle 1">
+            <a:extLst>
+              <a:ext uri="{FF2B5EF4-FFF2-40B4-BE49-F238E27FC236}">
+                <a16:creationId xmlns:a16="http://schemas.microsoft.com/office/drawing/2014/main" id="{EB8882E5-958E-4CFB-A842-782165B455EA}"/>
+              </a:ext>
+            </a:extLst>
+          </p:cNvPr>
+          <p:cNvSpPr/>
+          <p:nvPr/>
+        </p:nvSpPr>
+        <p:spPr>
+          <a:xfrm>
+            <a:off x="1676400" y="1974675"/>
+            <a:ext cx="4267200" cy="2324099"/>
+          </a:xfrm>
+          <a:prstGeom prst="rect">
+            <a:avLst/>
+          </a:prstGeom>
+          <a:noFill/>
+          <a:ln w="9525">
+            <a:prstDash val="sysDash"/>
+          </a:ln>
+        </p:spPr>
+        <p:style>
+          <a:lnRef idx="2">
+            <a:schemeClr val="accent1">
+              <a:shade val="50000"/>
+            </a:schemeClr>
+          </a:lnRef>
+          <a:fillRef idx="1">
+            <a:schemeClr val="accent1"/>
+          </a:fillRef>
+          <a:effectRef idx="0">
+            <a:schemeClr val="accent1"/>
+          </a:effectRef>
+          <a:fontRef idx="minor">
+            <a:schemeClr val="lt1"/>
+          </a:fontRef>
+        </p:style>
+        <p:txBody>
+          <a:bodyPr rtlCol="0" anchor="ctr"/>
+          <a:lstStyle/>
+          <a:p>
+            <a:pPr algn="ctr"/>
+            <a:endParaRPr lang="en-US" sz="800"/>
+          </a:p>
+        </p:txBody>
+      </p:sp>
+      <p:sp>
+        <p:nvSpPr>
+          <p:cNvPr id="4" name="TextBox 3">
+            <a:extLst>
+              <a:ext uri="{FF2B5EF4-FFF2-40B4-BE49-F238E27FC236}">
+                <a16:creationId xmlns:a16="http://schemas.microsoft.com/office/drawing/2014/main" id="{4D4D587B-C2B2-4A79-9EEC-081B53BD20A2}"/>
+              </a:ext>
+            </a:extLst>
+          </p:cNvPr>
+          <p:cNvSpPr txBox="1"/>
+          <p:nvPr/>
+        </p:nvSpPr>
+        <p:spPr>
+          <a:xfrm>
+            <a:off x="3903354" y="2485893"/>
+            <a:ext cx="105798" cy="230832"/>
+          </a:xfrm>
+          <a:prstGeom prst="rect">
+            <a:avLst/>
+          </a:prstGeom>
+          <a:noFill/>
+        </p:spPr>
+        <p:txBody>
+          <a:bodyPr wrap="none" lIns="0" rIns="0" rtlCol="0">
+            <a:spAutoFit/>
+          </a:bodyPr>
+          <a:lstStyle/>
+          <a:p>
+            <a:r>
+              <a:rPr lang="en-US" altLang="zh-CN" sz="900" dirty="0"/>
+              <a:t>c1</a:t>
+            </a:r>
+            <a:endParaRPr lang="zh-CN" altLang="en-US" sz="900" dirty="0"/>
+          </a:p>
+        </p:txBody>
+      </p:sp>
+      <p:sp>
+        <p:nvSpPr>
+          <p:cNvPr id="5" name="TextBox 4">
+            <a:extLst>
+              <a:ext uri="{FF2B5EF4-FFF2-40B4-BE49-F238E27FC236}">
+                <a16:creationId xmlns:a16="http://schemas.microsoft.com/office/drawing/2014/main" id="{ADA11600-75FA-4BDE-A5BF-6D6309DA810A}"/>
+              </a:ext>
+            </a:extLst>
+          </p:cNvPr>
+          <p:cNvSpPr txBox="1"/>
+          <p:nvPr/>
+        </p:nvSpPr>
+        <p:spPr>
+          <a:xfrm>
+            <a:off x="3540772" y="2856840"/>
+            <a:ext cx="97784" cy="230832"/>
+          </a:xfrm>
+          <a:prstGeom prst="rect">
+            <a:avLst/>
+          </a:prstGeom>
+          <a:noFill/>
+        </p:spPr>
+        <p:txBody>
+          <a:bodyPr wrap="none" lIns="0" rIns="0" rtlCol="0">
+            <a:spAutoFit/>
+          </a:bodyPr>
+          <a:lstStyle/>
+          <a:p>
+            <a:r>
+              <a:rPr lang="en-US" altLang="zh-CN" sz="900" dirty="0"/>
+              <a:t>r1</a:t>
+            </a:r>
+            <a:endParaRPr lang="zh-CN" altLang="en-US" sz="900" dirty="0"/>
+          </a:p>
+        </p:txBody>
+      </p:sp>
+      <p:cxnSp>
+        <p:nvCxnSpPr>
+          <p:cNvPr id="6" name="直接箭头连接符 5">
+            <a:extLst>
+              <a:ext uri="{FF2B5EF4-FFF2-40B4-BE49-F238E27FC236}">
+                <a16:creationId xmlns:a16="http://schemas.microsoft.com/office/drawing/2014/main" id="{F24CC412-E532-4383-A6D6-20B40AA377CC}"/>
+              </a:ext>
+            </a:extLst>
+          </p:cNvPr>
+          <p:cNvCxnSpPr>
+            <a:stCxn id="7" idx="4"/>
+          </p:cNvCxnSpPr>
+          <p:nvPr/>
+        </p:nvCxnSpPr>
+        <p:spPr>
+          <a:xfrm>
+            <a:off x="3960239" y="2858047"/>
+            <a:ext cx="0" cy="110258"/>
+          </a:xfrm>
+          <a:prstGeom prst="straightConnector1">
+            <a:avLst/>
+          </a:prstGeom>
+          <a:ln w="9525">
+            <a:solidFill>
+              <a:schemeClr val="tx1"/>
+            </a:solidFill>
+            <a:headEnd w="sm" len="sm"/>
+            <a:tailEnd type="triangle" w="sm" len="sm"/>
+          </a:ln>
+        </p:spPr>
+        <p:style>
+          <a:lnRef idx="1">
+            <a:schemeClr val="accent1"/>
+          </a:lnRef>
+          <a:fillRef idx="0">
+            <a:schemeClr val="accent1"/>
+          </a:fillRef>
+          <a:effectRef idx="0">
+            <a:schemeClr val="accent1"/>
+          </a:effectRef>
+          <a:fontRef idx="minor">
+            <a:schemeClr val="tx1"/>
+          </a:fontRef>
+        </p:style>
+      </p:cxnSp>
+      <p:sp>
+        <p:nvSpPr>
+          <p:cNvPr id="7" name="椭圆 12">
+            <a:extLst>
+              <a:ext uri="{FF2B5EF4-FFF2-40B4-BE49-F238E27FC236}">
+                <a16:creationId xmlns:a16="http://schemas.microsoft.com/office/drawing/2014/main" id="{05D580DA-E635-4722-BD82-A9DB48F7D41D}"/>
+              </a:ext>
+            </a:extLst>
+          </p:cNvPr>
+          <p:cNvSpPr/>
+          <p:nvPr/>
+        </p:nvSpPr>
+        <p:spPr>
+          <a:xfrm>
+            <a:off x="3942239" y="2822047"/>
+            <a:ext cx="36000" cy="36000"/>
+          </a:xfrm>
+          <a:prstGeom prst="ellipse">
+            <a:avLst/>
+          </a:prstGeom>
+          <a:solidFill>
+            <a:schemeClr val="tx1"/>
+          </a:solidFill>
+          <a:ln>
+            <a:noFill/>
+          </a:ln>
+        </p:spPr>
+        <p:style>
+          <a:lnRef idx="2">
+            <a:schemeClr val="accent1">
+              <a:shade val="50000"/>
+            </a:schemeClr>
+          </a:lnRef>
+          <a:fillRef idx="1">
+            <a:schemeClr val="accent1"/>
+          </a:fillRef>
+          <a:effectRef idx="0">
+            <a:schemeClr val="accent1"/>
+          </a:effectRef>
+          <a:fontRef idx="minor">
+            <a:schemeClr val="lt1"/>
+          </a:fontRef>
+        </p:style>
+        <p:txBody>
+          <a:bodyPr rtlCol="0" anchor="ctr"/>
+          <a:lstStyle/>
+          <a:p>
+            <a:pPr algn="ctr"/>
+            <a:endParaRPr lang="zh-CN" altLang="en-US"/>
+          </a:p>
+        </p:txBody>
+      </p:sp>
+      <p:sp>
+        <p:nvSpPr>
+          <p:cNvPr id="8" name="TextBox 7">
+            <a:extLst>
+              <a:ext uri="{FF2B5EF4-FFF2-40B4-BE49-F238E27FC236}">
+                <a16:creationId xmlns:a16="http://schemas.microsoft.com/office/drawing/2014/main" id="{9192073E-DD37-4578-9027-570FEF892025}"/>
+              </a:ext>
+            </a:extLst>
+          </p:cNvPr>
+          <p:cNvSpPr txBox="1"/>
+          <p:nvPr/>
+        </p:nvSpPr>
+        <p:spPr>
+          <a:xfrm>
+            <a:off x="4987567" y="2607395"/>
+            <a:ext cx="310983" cy="215444"/>
+          </a:xfrm>
+          <a:prstGeom prst="rect">
+            <a:avLst/>
+          </a:prstGeom>
+          <a:noFill/>
+        </p:spPr>
+        <p:txBody>
+          <a:bodyPr wrap="none" lIns="0" rIns="0" rtlCol="0">
+            <a:spAutoFit/>
+          </a:bodyPr>
+          <a:lstStyle/>
+          <a:p>
+            <a:r>
+              <a:rPr lang="en-US" altLang="zh-CN" sz="800" dirty="0"/>
+              <a:t>Normal</a:t>
+            </a:r>
+            <a:endParaRPr lang="zh-CN" altLang="en-US" sz="800" dirty="0"/>
+          </a:p>
+        </p:txBody>
+      </p:sp>
+      <p:cxnSp>
+        <p:nvCxnSpPr>
+          <p:cNvPr id="9" name="曲线连接符 14">
+            <a:extLst>
+              <a:ext uri="{FF2B5EF4-FFF2-40B4-BE49-F238E27FC236}">
+                <a16:creationId xmlns:a16="http://schemas.microsoft.com/office/drawing/2014/main" id="{B892252F-0CA7-4E3C-BA16-07868A901544}"/>
+              </a:ext>
+            </a:extLst>
+          </p:cNvPr>
+          <p:cNvCxnSpPr/>
+          <p:nvPr/>
+        </p:nvCxnSpPr>
+        <p:spPr>
+          <a:xfrm flipV="1">
+            <a:off x="4310021" y="2579966"/>
+            <a:ext cx="623043" cy="174387"/>
+          </a:xfrm>
+          <a:prstGeom prst="bentConnector3">
+            <a:avLst>
+              <a:gd name="adj1" fmla="val -832"/>
+            </a:avLst>
+          </a:prstGeom>
+          <a:ln w="6350" cmpd="sng">
+            <a:solidFill>
+              <a:schemeClr val="tx1"/>
+            </a:solidFill>
+            <a:prstDash val="sysDot"/>
+            <a:tailEnd type="arrow" w="sm" len="sm"/>
+          </a:ln>
+        </p:spPr>
+        <p:style>
+          <a:lnRef idx="1">
+            <a:schemeClr val="accent1"/>
+          </a:lnRef>
+          <a:fillRef idx="0">
+            <a:schemeClr val="accent1"/>
+          </a:fillRef>
+          <a:effectRef idx="0">
+            <a:schemeClr val="accent1"/>
+          </a:effectRef>
+          <a:fontRef idx="minor">
+            <a:schemeClr val="tx1"/>
+          </a:fontRef>
+        </p:style>
+      </p:cxnSp>
+      <p:cxnSp>
+        <p:nvCxnSpPr>
+          <p:cNvPr id="10" name="直接连接符 62">
+            <a:extLst>
+              <a:ext uri="{FF2B5EF4-FFF2-40B4-BE49-F238E27FC236}">
+                <a16:creationId xmlns:a16="http://schemas.microsoft.com/office/drawing/2014/main" id="{FE1E1A7E-535D-4F6F-A52A-66DA84381F15}"/>
+              </a:ext>
+            </a:extLst>
+          </p:cNvPr>
+          <p:cNvCxnSpPr/>
+          <p:nvPr/>
+        </p:nvCxnSpPr>
+        <p:spPr>
+          <a:xfrm>
+            <a:off x="3966587" y="2968305"/>
+            <a:ext cx="640080" cy="0"/>
+          </a:xfrm>
+          <a:prstGeom prst="line">
+            <a:avLst/>
+          </a:prstGeom>
+          <a:ln w="6350">
+            <a:solidFill>
+              <a:schemeClr val="tx1"/>
+            </a:solidFill>
+            <a:prstDash val="dash"/>
+          </a:ln>
+        </p:spPr>
+        <p:style>
+          <a:lnRef idx="1">
+            <a:schemeClr val="accent1"/>
+          </a:lnRef>
+          <a:fillRef idx="0">
+            <a:schemeClr val="accent1"/>
+          </a:fillRef>
+          <a:effectRef idx="0">
+            <a:schemeClr val="accent1"/>
+          </a:effectRef>
+          <a:fontRef idx="minor">
+            <a:schemeClr val="tx1"/>
+          </a:fontRef>
+        </p:style>
+      </p:cxnSp>
+      <p:cxnSp>
+        <p:nvCxnSpPr>
+          <p:cNvPr id="11" name="直接连接符 64">
+            <a:extLst>
+              <a:ext uri="{FF2B5EF4-FFF2-40B4-BE49-F238E27FC236}">
+                <a16:creationId xmlns:a16="http://schemas.microsoft.com/office/drawing/2014/main" id="{5DC7D2A0-138C-4F86-9382-8615376D9CDA}"/>
+              </a:ext>
+            </a:extLst>
+          </p:cNvPr>
+          <p:cNvCxnSpPr/>
+          <p:nvPr/>
+        </p:nvCxnSpPr>
+        <p:spPr>
+          <a:xfrm>
+            <a:off x="3966587" y="2837649"/>
+            <a:ext cx="640080" cy="0"/>
+          </a:xfrm>
+          <a:prstGeom prst="line">
+            <a:avLst/>
+          </a:prstGeom>
+          <a:ln w="6350">
+            <a:solidFill>
+              <a:schemeClr val="tx1"/>
+            </a:solidFill>
+            <a:prstDash val="dash"/>
+          </a:ln>
+        </p:spPr>
+        <p:style>
+          <a:lnRef idx="1">
+            <a:schemeClr val="accent1"/>
+          </a:lnRef>
+          <a:fillRef idx="0">
+            <a:schemeClr val="accent1"/>
+          </a:fillRef>
+          <a:effectRef idx="0">
+            <a:schemeClr val="accent1"/>
+          </a:effectRef>
+          <a:fontRef idx="minor">
+            <a:schemeClr val="tx1"/>
+          </a:fontRef>
+        </p:style>
+      </p:cxnSp>
+      <p:sp>
+        <p:nvSpPr>
+          <p:cNvPr id="12" name="TextBox 11">
+            <a:extLst>
+              <a:ext uri="{FF2B5EF4-FFF2-40B4-BE49-F238E27FC236}">
+                <a16:creationId xmlns:a16="http://schemas.microsoft.com/office/drawing/2014/main" id="{A451027A-D6E3-4AC1-A678-87664902D5A8}"/>
+              </a:ext>
+            </a:extLst>
+          </p:cNvPr>
+          <p:cNvSpPr txBox="1"/>
+          <p:nvPr/>
+        </p:nvSpPr>
+        <p:spPr>
+          <a:xfrm>
+            <a:off x="4987567" y="2783785"/>
+            <a:ext cx="256480" cy="215444"/>
+          </a:xfrm>
+          <a:prstGeom prst="rect">
+            <a:avLst/>
+          </a:prstGeom>
+          <a:noFill/>
+        </p:spPr>
+        <p:txBody>
+          <a:bodyPr wrap="none" lIns="0" rIns="0" rtlCol="0">
+            <a:spAutoFit/>
+          </a:bodyPr>
+          <a:lstStyle/>
+          <a:p>
+            <a:r>
+              <a:rPr lang="en-US" altLang="zh-CN" sz="800" dirty="0"/>
+              <a:t>Depth</a:t>
+            </a:r>
+            <a:endParaRPr lang="zh-CN" altLang="en-US" sz="800" dirty="0"/>
+          </a:p>
+        </p:txBody>
+      </p:sp>
+      <p:sp>
+        <p:nvSpPr>
+          <p:cNvPr id="13" name="矩形 2">
+            <a:extLst>
+              <a:ext uri="{FF2B5EF4-FFF2-40B4-BE49-F238E27FC236}">
+                <a16:creationId xmlns:a16="http://schemas.microsoft.com/office/drawing/2014/main" id="{A87D4C47-4FC5-484B-B613-33DE4D8CB887}"/>
+              </a:ext>
+            </a:extLst>
+          </p:cNvPr>
+          <p:cNvSpPr/>
+          <p:nvPr/>
+        </p:nvSpPr>
+        <p:spPr>
+          <a:xfrm>
+            <a:off x="3460718" y="2837649"/>
+            <a:ext cx="999042" cy="806786"/>
+          </a:xfrm>
+          <a:prstGeom prst="rect">
+            <a:avLst/>
+          </a:prstGeom>
+          <a:noFill/>
+          <a:ln w="12700">
+            <a:solidFill>
+              <a:schemeClr val="tx1"/>
+            </a:solidFill>
+          </a:ln>
+        </p:spPr>
+        <p:style>
+          <a:lnRef idx="2">
+            <a:schemeClr val="accent1">
+              <a:shade val="50000"/>
+            </a:schemeClr>
+          </a:lnRef>
+          <a:fillRef idx="1">
+            <a:schemeClr val="accent1"/>
+          </a:fillRef>
+          <a:effectRef idx="0">
+            <a:schemeClr val="accent1"/>
+          </a:effectRef>
+          <a:fontRef idx="minor">
+            <a:schemeClr val="lt1"/>
+          </a:fontRef>
+        </p:style>
+        <p:txBody>
+          <a:bodyPr rtlCol="0" anchor="ctr"/>
+          <a:lstStyle/>
+          <a:p>
+            <a:pPr algn="ctr"/>
+            <a:endParaRPr lang="zh-CN" altLang="en-US"/>
+          </a:p>
+        </p:txBody>
+      </p:sp>
+      <p:sp>
+        <p:nvSpPr>
+          <p:cNvPr id="14" name="椭圆 25">
+            <a:extLst>
+              <a:ext uri="{FF2B5EF4-FFF2-40B4-BE49-F238E27FC236}">
+                <a16:creationId xmlns:a16="http://schemas.microsoft.com/office/drawing/2014/main" id="{DAC5C954-FD26-468D-A90F-7069923BABFA}"/>
+              </a:ext>
+            </a:extLst>
+          </p:cNvPr>
+          <p:cNvSpPr/>
+          <p:nvPr/>
+        </p:nvSpPr>
+        <p:spPr>
+          <a:xfrm>
+            <a:off x="3942239" y="2950305"/>
+            <a:ext cx="36000" cy="36000"/>
+          </a:xfrm>
+          <a:prstGeom prst="ellipse">
+            <a:avLst/>
+          </a:prstGeom>
+          <a:solidFill>
+            <a:schemeClr val="tx1"/>
+          </a:solidFill>
+          <a:ln>
+            <a:noFill/>
+          </a:ln>
+        </p:spPr>
+        <p:style>
+          <a:lnRef idx="2">
+            <a:schemeClr val="accent1">
+              <a:shade val="50000"/>
+            </a:schemeClr>
+          </a:lnRef>
+          <a:fillRef idx="1">
+            <a:schemeClr val="accent1"/>
+          </a:fillRef>
+          <a:effectRef idx="0">
+            <a:schemeClr val="accent1"/>
+          </a:effectRef>
+          <a:fontRef idx="minor">
+            <a:schemeClr val="lt1"/>
+          </a:fontRef>
+        </p:style>
+        <p:txBody>
+          <a:bodyPr rtlCol="0" anchor="ctr"/>
+          <a:lstStyle/>
+          <a:p>
+            <a:pPr algn="ctr"/>
+            <a:endParaRPr lang="zh-CN" altLang="en-US"/>
+          </a:p>
+        </p:txBody>
+      </p:sp>
+      <p:sp>
+        <p:nvSpPr>
+          <p:cNvPr id="15" name="TextBox 14">
+            <a:extLst>
+              <a:ext uri="{FF2B5EF4-FFF2-40B4-BE49-F238E27FC236}">
+                <a16:creationId xmlns:a16="http://schemas.microsoft.com/office/drawing/2014/main" id="{89F3A4F0-487F-4585-B20C-DE2EF3427637}"/>
+              </a:ext>
+            </a:extLst>
+          </p:cNvPr>
+          <p:cNvSpPr txBox="1"/>
+          <p:nvPr/>
+        </p:nvSpPr>
+        <p:spPr>
+          <a:xfrm>
+            <a:off x="4987567" y="2995287"/>
+            <a:ext cx="158698" cy="215444"/>
+          </a:xfrm>
+          <a:prstGeom prst="rect">
+            <a:avLst/>
+          </a:prstGeom>
+          <a:noFill/>
+        </p:spPr>
+        <p:txBody>
+          <a:bodyPr wrap="none" lIns="0" rIns="0" rtlCol="0">
+            <a:spAutoFit/>
+          </a:bodyPr>
+          <a:lstStyle/>
+          <a:p>
+            <a:r>
+              <a:rPr lang="en-US" altLang="zh-CN" sz="800" dirty="0"/>
+              <a:t>End</a:t>
+            </a:r>
+            <a:endParaRPr lang="zh-CN" altLang="en-US" sz="800" dirty="0"/>
+          </a:p>
+        </p:txBody>
+      </p:sp>
+      <p:cxnSp>
+        <p:nvCxnSpPr>
+          <p:cNvPr id="16" name="直接箭头连接符 36">
+            <a:extLst>
+              <a:ext uri="{FF2B5EF4-FFF2-40B4-BE49-F238E27FC236}">
+                <a16:creationId xmlns:a16="http://schemas.microsoft.com/office/drawing/2014/main" id="{2055DA3C-6482-44D7-9565-FC209400F69F}"/>
+              </a:ext>
+            </a:extLst>
+          </p:cNvPr>
+          <p:cNvCxnSpPr/>
+          <p:nvPr/>
+        </p:nvCxnSpPr>
+        <p:spPr>
+          <a:xfrm flipV="1">
+            <a:off x="3459662" y="3487663"/>
+            <a:ext cx="160894" cy="160994"/>
+          </a:xfrm>
+          <a:prstGeom prst="straightConnector1">
+            <a:avLst/>
+          </a:prstGeom>
+          <a:ln w="9525">
+            <a:solidFill>
+              <a:schemeClr val="tx1"/>
+            </a:solidFill>
+            <a:headEnd w="sm" len="sm"/>
+            <a:tailEnd type="triangle" w="sm" len="sm"/>
+          </a:ln>
+        </p:spPr>
+        <p:style>
+          <a:lnRef idx="1">
+            <a:schemeClr val="accent1"/>
+          </a:lnRef>
+          <a:fillRef idx="0">
+            <a:schemeClr val="accent1"/>
+          </a:fillRef>
+          <a:effectRef idx="0">
+            <a:schemeClr val="accent1"/>
+          </a:effectRef>
+          <a:fontRef idx="minor">
+            <a:schemeClr val="tx1"/>
+          </a:fontRef>
+        </p:style>
+      </p:cxnSp>
+      <p:sp>
+        <p:nvSpPr>
+          <p:cNvPr id="17" name="TextBox 16">
+            <a:extLst>
+              <a:ext uri="{FF2B5EF4-FFF2-40B4-BE49-F238E27FC236}">
+                <a16:creationId xmlns:a16="http://schemas.microsoft.com/office/drawing/2014/main" id="{4897BC1D-649C-4F1D-BEF3-AD4FAA107850}"/>
+              </a:ext>
+            </a:extLst>
+          </p:cNvPr>
+          <p:cNvSpPr txBox="1"/>
+          <p:nvPr/>
+        </p:nvSpPr>
+        <p:spPr>
+          <a:xfrm>
+            <a:off x="3309281" y="3810000"/>
+            <a:ext cx="105798" cy="230832"/>
+          </a:xfrm>
+          <a:prstGeom prst="rect">
+            <a:avLst/>
+          </a:prstGeom>
+          <a:noFill/>
+        </p:spPr>
+        <p:txBody>
+          <a:bodyPr wrap="none" lIns="0" rIns="0" rtlCol="0">
+            <a:spAutoFit/>
+          </a:bodyPr>
+          <a:lstStyle/>
+          <a:p>
+            <a:r>
+              <a:rPr lang="en-US" altLang="zh-CN" sz="900" dirty="0"/>
+              <a:t>c2</a:t>
+            </a:r>
+            <a:endParaRPr lang="zh-CN" altLang="en-US" sz="900" dirty="0"/>
+          </a:p>
+        </p:txBody>
+      </p:sp>
+      <p:sp>
+        <p:nvSpPr>
+          <p:cNvPr id="18" name="椭圆 53">
+            <a:extLst>
+              <a:ext uri="{FF2B5EF4-FFF2-40B4-BE49-F238E27FC236}">
+                <a16:creationId xmlns:a16="http://schemas.microsoft.com/office/drawing/2014/main" id="{9A2BCB88-AE2C-4381-9683-9F0FD1D53625}"/>
+              </a:ext>
+            </a:extLst>
+          </p:cNvPr>
+          <p:cNvSpPr/>
+          <p:nvPr/>
+        </p:nvSpPr>
+        <p:spPr>
+          <a:xfrm>
+            <a:off x="3442717" y="3626435"/>
+            <a:ext cx="36000" cy="36000"/>
+          </a:xfrm>
+          <a:prstGeom prst="ellipse">
+            <a:avLst/>
+          </a:prstGeom>
+          <a:solidFill>
+            <a:schemeClr val="tx1"/>
+          </a:solidFill>
+          <a:ln>
+            <a:noFill/>
+          </a:ln>
+        </p:spPr>
+        <p:style>
+          <a:lnRef idx="2">
+            <a:schemeClr val="accent1">
+              <a:shade val="50000"/>
+            </a:schemeClr>
+          </a:lnRef>
+          <a:fillRef idx="1">
+            <a:schemeClr val="accent1"/>
+          </a:fillRef>
+          <a:effectRef idx="0">
+            <a:schemeClr val="accent1"/>
+          </a:effectRef>
+          <a:fontRef idx="minor">
+            <a:schemeClr val="lt1"/>
+          </a:fontRef>
+        </p:style>
+        <p:txBody>
+          <a:bodyPr rtlCol="0" anchor="ctr"/>
+          <a:lstStyle/>
+          <a:p>
+            <a:pPr algn="ctr"/>
+            <a:endParaRPr lang="zh-CN" altLang="en-US"/>
+          </a:p>
+        </p:txBody>
+      </p:sp>
+      <p:sp>
+        <p:nvSpPr>
+          <p:cNvPr id="19" name="椭圆 54">
+            <a:extLst>
+              <a:ext uri="{FF2B5EF4-FFF2-40B4-BE49-F238E27FC236}">
+                <a16:creationId xmlns:a16="http://schemas.microsoft.com/office/drawing/2014/main" id="{58E1C866-9664-4601-A534-E935C0FD2A1A}"/>
+              </a:ext>
+            </a:extLst>
+          </p:cNvPr>
+          <p:cNvSpPr/>
+          <p:nvPr/>
+        </p:nvSpPr>
+        <p:spPr>
+          <a:xfrm>
+            <a:off x="3602556" y="3469663"/>
+            <a:ext cx="36000" cy="36000"/>
+          </a:xfrm>
+          <a:prstGeom prst="ellipse">
+            <a:avLst/>
+          </a:prstGeom>
+          <a:solidFill>
+            <a:schemeClr val="tx1"/>
+          </a:solidFill>
+          <a:ln>
+            <a:noFill/>
+          </a:ln>
+        </p:spPr>
+        <p:style>
+          <a:lnRef idx="2">
+            <a:schemeClr val="accent1">
+              <a:shade val="50000"/>
+            </a:schemeClr>
+          </a:lnRef>
+          <a:fillRef idx="1">
+            <a:schemeClr val="accent1"/>
+          </a:fillRef>
+          <a:effectRef idx="0">
+            <a:schemeClr val="accent1"/>
+          </a:effectRef>
+          <a:fontRef idx="minor">
+            <a:schemeClr val="lt1"/>
+          </a:fontRef>
+        </p:style>
+        <p:txBody>
+          <a:bodyPr rtlCol="0" anchor="ctr"/>
+          <a:lstStyle/>
+          <a:p>
+            <a:pPr algn="ctr"/>
+            <a:endParaRPr lang="zh-CN" altLang="en-US"/>
+          </a:p>
+        </p:txBody>
+      </p:sp>
+      <p:sp>
+        <p:nvSpPr>
+          <p:cNvPr id="20" name="TextBox 19">
+            <a:extLst>
+              <a:ext uri="{FF2B5EF4-FFF2-40B4-BE49-F238E27FC236}">
+                <a16:creationId xmlns:a16="http://schemas.microsoft.com/office/drawing/2014/main" id="{2F48BA93-14CA-435B-9DCE-AF6FD633B419}"/>
+              </a:ext>
+            </a:extLst>
+          </p:cNvPr>
+          <p:cNvSpPr txBox="1"/>
+          <p:nvPr/>
+        </p:nvSpPr>
+        <p:spPr>
+          <a:xfrm>
+            <a:off x="2167951" y="3172225"/>
+            <a:ext cx="256480" cy="215444"/>
+          </a:xfrm>
+          <a:prstGeom prst="rect">
+            <a:avLst/>
+          </a:prstGeom>
+          <a:noFill/>
+        </p:spPr>
+        <p:txBody>
+          <a:bodyPr wrap="none" lIns="0" rIns="0" rtlCol="0">
+            <a:spAutoFit/>
+          </a:bodyPr>
+          <a:lstStyle/>
+          <a:p>
+            <a:r>
+              <a:rPr lang="en-US" altLang="zh-CN" sz="800" dirty="0"/>
+              <a:t>Depth</a:t>
+            </a:r>
+            <a:endParaRPr lang="zh-CN" altLang="en-US" sz="800" dirty="0"/>
+          </a:p>
+        </p:txBody>
+      </p:sp>
+      <p:cxnSp>
+        <p:nvCxnSpPr>
+          <p:cNvPr id="21" name="曲线连接符 57">
+            <a:extLst>
+              <a:ext uri="{FF2B5EF4-FFF2-40B4-BE49-F238E27FC236}">
+                <a16:creationId xmlns:a16="http://schemas.microsoft.com/office/drawing/2014/main" id="{DC4E1035-C869-4FAF-A716-733A9BE78014}"/>
+              </a:ext>
+            </a:extLst>
+          </p:cNvPr>
+          <p:cNvCxnSpPr/>
+          <p:nvPr/>
+        </p:nvCxnSpPr>
+        <p:spPr>
+          <a:xfrm rot="16200000" flipH="1">
+            <a:off x="4380066" y="2548478"/>
+            <a:ext cx="133173" cy="972826"/>
+          </a:xfrm>
+          <a:prstGeom prst="bentConnector2">
+            <a:avLst/>
+          </a:prstGeom>
+          <a:ln w="6350" cmpd="sng">
+            <a:solidFill>
+              <a:schemeClr val="tx1"/>
+            </a:solidFill>
+            <a:prstDash val="sysDot"/>
+            <a:tailEnd type="arrow" w="sm" len="sm"/>
+          </a:ln>
+        </p:spPr>
+        <p:style>
+          <a:lnRef idx="1">
+            <a:schemeClr val="accent1"/>
+          </a:lnRef>
+          <a:fillRef idx="0">
+            <a:schemeClr val="accent1"/>
+          </a:fillRef>
+          <a:effectRef idx="0">
+            <a:schemeClr val="accent1"/>
+          </a:effectRef>
+          <a:fontRef idx="minor">
+            <a:schemeClr val="tx1"/>
+          </a:fontRef>
+        </p:style>
+      </p:cxnSp>
+      <p:cxnSp>
+        <p:nvCxnSpPr>
+          <p:cNvPr id="22" name="曲线连接符 63">
+            <a:extLst>
+              <a:ext uri="{FF2B5EF4-FFF2-40B4-BE49-F238E27FC236}">
+                <a16:creationId xmlns:a16="http://schemas.microsoft.com/office/drawing/2014/main" id="{153AF9EB-133C-479A-8B26-11F59502B66B}"/>
+              </a:ext>
+            </a:extLst>
+          </p:cNvPr>
+          <p:cNvCxnSpPr/>
+          <p:nvPr/>
+        </p:nvCxnSpPr>
+        <p:spPr>
+          <a:xfrm flipV="1">
+            <a:off x="3960242" y="2714913"/>
+            <a:ext cx="972822" cy="174724"/>
+          </a:xfrm>
+          <a:prstGeom prst="bentConnector3">
+            <a:avLst>
+              <a:gd name="adj1" fmla="val 43636"/>
+            </a:avLst>
+          </a:prstGeom>
+          <a:ln w="6350" cmpd="sng">
+            <a:solidFill>
+              <a:schemeClr val="tx1"/>
+            </a:solidFill>
+            <a:prstDash val="sysDot"/>
+            <a:tailEnd type="arrow" w="sm" len="sm"/>
+          </a:ln>
+        </p:spPr>
+        <p:style>
+          <a:lnRef idx="1">
+            <a:schemeClr val="accent1"/>
+          </a:lnRef>
+          <a:fillRef idx="0">
+            <a:schemeClr val="accent1"/>
+          </a:fillRef>
+          <a:effectRef idx="0">
+            <a:schemeClr val="accent1"/>
+          </a:effectRef>
+          <a:fontRef idx="minor">
+            <a:schemeClr val="tx1"/>
+          </a:fontRef>
+        </p:style>
+      </p:cxnSp>
+      <p:sp>
+        <p:nvSpPr>
+          <p:cNvPr id="23" name="TextBox 22">
+            <a:extLst>
+              <a:ext uri="{FF2B5EF4-FFF2-40B4-BE49-F238E27FC236}">
+                <a16:creationId xmlns:a16="http://schemas.microsoft.com/office/drawing/2014/main" id="{A153B6E5-D186-48CD-8D6D-E90498FC0E37}"/>
+              </a:ext>
+            </a:extLst>
+          </p:cNvPr>
+          <p:cNvSpPr txBox="1"/>
+          <p:nvPr/>
+        </p:nvSpPr>
+        <p:spPr>
+          <a:xfrm>
+            <a:off x="2218516" y="3527184"/>
+            <a:ext cx="198772" cy="215444"/>
+          </a:xfrm>
+          <a:prstGeom prst="rect">
+            <a:avLst/>
+          </a:prstGeom>
+          <a:noFill/>
+        </p:spPr>
+        <p:txBody>
+          <a:bodyPr wrap="none" lIns="0" rIns="0" rtlCol="0">
+            <a:spAutoFit/>
+          </a:bodyPr>
+          <a:lstStyle/>
+          <a:p>
+            <a:r>
+              <a:rPr lang="en-US" altLang="zh-CN" sz="800" dirty="0"/>
+              <a:t>Start</a:t>
+            </a:r>
+            <a:endParaRPr lang="zh-CN" altLang="en-US" sz="800" dirty="0"/>
+          </a:p>
+        </p:txBody>
+      </p:sp>
+      <p:sp>
+        <p:nvSpPr>
+          <p:cNvPr id="24" name="TextBox 23">
+            <a:extLst>
+              <a:ext uri="{FF2B5EF4-FFF2-40B4-BE49-F238E27FC236}">
+                <a16:creationId xmlns:a16="http://schemas.microsoft.com/office/drawing/2014/main" id="{F671D058-0C6D-4108-9D6C-80A0B3281DFD}"/>
+              </a:ext>
+            </a:extLst>
+          </p:cNvPr>
+          <p:cNvSpPr txBox="1"/>
+          <p:nvPr/>
+        </p:nvSpPr>
+        <p:spPr>
+          <a:xfrm>
+            <a:off x="2106305" y="3415194"/>
+            <a:ext cx="310983" cy="215444"/>
+          </a:xfrm>
+          <a:prstGeom prst="rect">
+            <a:avLst/>
+          </a:prstGeom>
+          <a:noFill/>
+        </p:spPr>
+        <p:txBody>
+          <a:bodyPr wrap="none" lIns="0" rIns="0" rtlCol="0">
+            <a:spAutoFit/>
+          </a:bodyPr>
+          <a:lstStyle/>
+          <a:p>
+            <a:r>
+              <a:rPr lang="en-US" altLang="zh-CN" sz="800" dirty="0"/>
+              <a:t>Normal</a:t>
+            </a:r>
+            <a:endParaRPr lang="zh-CN" altLang="en-US" sz="800" dirty="0"/>
+          </a:p>
+        </p:txBody>
+      </p:sp>
+      <p:sp>
+        <p:nvSpPr>
+          <p:cNvPr id="25" name="TextBox 24">
+            <a:extLst>
+              <a:ext uri="{FF2B5EF4-FFF2-40B4-BE49-F238E27FC236}">
+                <a16:creationId xmlns:a16="http://schemas.microsoft.com/office/drawing/2014/main" id="{1556854E-D85B-4C93-B6BA-0E38E8CA8BC1}"/>
+              </a:ext>
+            </a:extLst>
+          </p:cNvPr>
+          <p:cNvSpPr txBox="1"/>
+          <p:nvPr/>
+        </p:nvSpPr>
+        <p:spPr>
+          <a:xfrm>
+            <a:off x="2258590" y="3029034"/>
+            <a:ext cx="158698" cy="215444"/>
+          </a:xfrm>
+          <a:prstGeom prst="rect">
+            <a:avLst/>
+          </a:prstGeom>
+          <a:noFill/>
+        </p:spPr>
+        <p:txBody>
+          <a:bodyPr wrap="none" lIns="0" rIns="0" rtlCol="0">
+            <a:spAutoFit/>
+          </a:bodyPr>
+          <a:lstStyle/>
+          <a:p>
+            <a:r>
+              <a:rPr lang="en-US" altLang="zh-CN" sz="800" dirty="0"/>
+              <a:t>End</a:t>
+            </a:r>
+            <a:endParaRPr lang="zh-CN" altLang="en-US" sz="800" dirty="0"/>
+          </a:p>
+        </p:txBody>
+      </p:sp>
+      <p:cxnSp>
+        <p:nvCxnSpPr>
+          <p:cNvPr id="26" name="Elbow Connector 58">
+            <a:extLst>
+              <a:ext uri="{FF2B5EF4-FFF2-40B4-BE49-F238E27FC236}">
+                <a16:creationId xmlns:a16="http://schemas.microsoft.com/office/drawing/2014/main" id="{E90A6D53-B008-46F5-A716-77287E3AA91E}"/>
+              </a:ext>
+            </a:extLst>
+          </p:cNvPr>
+          <p:cNvCxnSpPr>
+            <a:stCxn id="7" idx="0"/>
+          </p:cNvCxnSpPr>
+          <p:nvPr/>
+        </p:nvCxnSpPr>
+        <p:spPr>
+          <a:xfrm rot="5400000" flipH="1" flipV="1">
+            <a:off x="4103395" y="2615421"/>
+            <a:ext cx="63471" cy="349782"/>
+          </a:xfrm>
+          <a:prstGeom prst="bentConnector2">
+            <a:avLst/>
+          </a:prstGeom>
+          <a:ln w="6350">
+            <a:solidFill>
+              <a:schemeClr val="tx1"/>
+            </a:solidFill>
+            <a:prstDash val="sysDot"/>
+            <a:tailEnd type="none" w="sm" len="sm"/>
+          </a:ln>
+        </p:spPr>
+        <p:style>
+          <a:lnRef idx="1">
+            <a:schemeClr val="accent1"/>
+          </a:lnRef>
+          <a:fillRef idx="0">
+            <a:schemeClr val="accent1"/>
+          </a:fillRef>
+          <a:effectRef idx="0">
+            <a:schemeClr val="accent1"/>
+          </a:effectRef>
+          <a:fontRef idx="minor">
+            <a:schemeClr val="tx1"/>
+          </a:fontRef>
+        </p:style>
+      </p:cxnSp>
+      <p:cxnSp>
+        <p:nvCxnSpPr>
+          <p:cNvPr id="27" name="Straight Arrow Connector 26">
+            <a:extLst>
+              <a:ext uri="{FF2B5EF4-FFF2-40B4-BE49-F238E27FC236}">
+                <a16:creationId xmlns:a16="http://schemas.microsoft.com/office/drawing/2014/main" id="{15AE8A07-0BFB-4B34-BDAD-E34E6633A3F7}"/>
+              </a:ext>
+            </a:extLst>
+          </p:cNvPr>
+          <p:cNvCxnSpPr/>
+          <p:nvPr/>
+        </p:nvCxnSpPr>
+        <p:spPr>
+          <a:xfrm>
+            <a:off x="4658744" y="2900474"/>
+            <a:ext cx="274320" cy="0"/>
+          </a:xfrm>
+          <a:prstGeom prst="straightConnector1">
+            <a:avLst/>
+          </a:prstGeom>
+          <a:ln w="6350">
+            <a:solidFill>
+              <a:schemeClr val="tx1"/>
+            </a:solidFill>
+            <a:prstDash val="sysDot"/>
+            <a:tailEnd type="arrow" w="sm" len="sm"/>
+          </a:ln>
+        </p:spPr>
+        <p:style>
+          <a:lnRef idx="1">
+            <a:schemeClr val="accent1"/>
+          </a:lnRef>
+          <a:fillRef idx="0">
+            <a:schemeClr val="accent1"/>
+          </a:fillRef>
+          <a:effectRef idx="0">
+            <a:schemeClr val="accent1"/>
+          </a:effectRef>
+          <a:fontRef idx="minor">
+            <a:schemeClr val="tx1"/>
+          </a:fontRef>
+        </p:style>
+      </p:cxnSp>
+      <p:cxnSp>
+        <p:nvCxnSpPr>
+          <p:cNvPr id="28" name="Straight Arrow Connector 27">
+            <a:extLst>
+              <a:ext uri="{FF2B5EF4-FFF2-40B4-BE49-F238E27FC236}">
+                <a16:creationId xmlns:a16="http://schemas.microsoft.com/office/drawing/2014/main" id="{E9A70E9F-DC98-4BB5-A178-6A768781BDA2}"/>
+              </a:ext>
+            </a:extLst>
+          </p:cNvPr>
+          <p:cNvCxnSpPr/>
+          <p:nvPr/>
+        </p:nvCxnSpPr>
+        <p:spPr>
+          <a:xfrm flipH="1">
+            <a:off x="2469489" y="3526631"/>
+            <a:ext cx="1114292" cy="3429"/>
+          </a:xfrm>
+          <a:prstGeom prst="straightConnector1">
+            <a:avLst/>
+          </a:prstGeom>
+          <a:ln w="6350">
+            <a:solidFill>
+              <a:schemeClr val="tx1"/>
+            </a:solidFill>
+            <a:prstDash val="sysDot"/>
+            <a:tailEnd type="arrow" w="sm" len="sm"/>
+          </a:ln>
+        </p:spPr>
+        <p:style>
+          <a:lnRef idx="1">
+            <a:schemeClr val="accent1"/>
+          </a:lnRef>
+          <a:fillRef idx="0">
+            <a:schemeClr val="accent1"/>
+          </a:fillRef>
+          <a:effectRef idx="0">
+            <a:schemeClr val="accent1"/>
+          </a:effectRef>
+          <a:fontRef idx="minor">
+            <a:schemeClr val="tx1"/>
+          </a:fontRef>
+        </p:style>
+      </p:cxnSp>
+      <p:cxnSp>
+        <p:nvCxnSpPr>
+          <p:cNvPr id="29" name="Elbow Connector 159">
+            <a:extLst>
+              <a:ext uri="{FF2B5EF4-FFF2-40B4-BE49-F238E27FC236}">
+                <a16:creationId xmlns:a16="http://schemas.microsoft.com/office/drawing/2014/main" id="{E7152AC5-BFFB-44A2-A401-5D6B5C47D429}"/>
+              </a:ext>
+            </a:extLst>
+          </p:cNvPr>
+          <p:cNvCxnSpPr>
+            <a:stCxn id="19" idx="0"/>
+          </p:cNvCxnSpPr>
+          <p:nvPr/>
+        </p:nvCxnSpPr>
+        <p:spPr>
+          <a:xfrm rot="16200000" flipV="1">
+            <a:off x="2880014" y="2729120"/>
+            <a:ext cx="330019" cy="1151067"/>
+          </a:xfrm>
+          <a:prstGeom prst="bentConnector2">
+            <a:avLst/>
+          </a:prstGeom>
+          <a:ln w="6350">
+            <a:solidFill>
+              <a:schemeClr val="tx1"/>
+            </a:solidFill>
+            <a:prstDash val="sysDot"/>
+            <a:tailEnd type="arrow" w="sm" len="sm"/>
+          </a:ln>
+        </p:spPr>
+        <p:style>
+          <a:lnRef idx="1">
+            <a:schemeClr val="accent1"/>
+          </a:lnRef>
+          <a:fillRef idx="0">
+            <a:schemeClr val="accent1"/>
+          </a:fillRef>
+          <a:effectRef idx="0">
+            <a:schemeClr val="accent1"/>
+          </a:effectRef>
+          <a:fontRef idx="minor">
+            <a:schemeClr val="tx1"/>
+          </a:fontRef>
+        </p:style>
+      </p:cxnSp>
+      <p:cxnSp>
+        <p:nvCxnSpPr>
+          <p:cNvPr id="30" name="Straight Arrow Connector 29">
+            <a:extLst>
+              <a:ext uri="{FF2B5EF4-FFF2-40B4-BE49-F238E27FC236}">
+                <a16:creationId xmlns:a16="http://schemas.microsoft.com/office/drawing/2014/main" id="{F360A038-9E46-44BB-8BB2-2B865AFB3344}"/>
+              </a:ext>
+            </a:extLst>
+          </p:cNvPr>
+          <p:cNvCxnSpPr/>
+          <p:nvPr/>
+        </p:nvCxnSpPr>
+        <p:spPr>
+          <a:xfrm flipH="1" flipV="1">
+            <a:off x="2466663" y="3276233"/>
+            <a:ext cx="768096" cy="0"/>
+          </a:xfrm>
+          <a:prstGeom prst="straightConnector1">
+            <a:avLst/>
+          </a:prstGeom>
+          <a:ln w="6350">
+            <a:solidFill>
+              <a:schemeClr val="tx1"/>
+            </a:solidFill>
+            <a:prstDash val="sysDot"/>
+            <a:tailEnd type="arrow" w="sm" len="sm"/>
+          </a:ln>
+        </p:spPr>
+        <p:style>
+          <a:lnRef idx="1">
+            <a:schemeClr val="accent1"/>
+          </a:lnRef>
+          <a:fillRef idx="0">
+            <a:schemeClr val="accent1"/>
+          </a:fillRef>
+          <a:effectRef idx="0">
+            <a:schemeClr val="accent1"/>
+          </a:effectRef>
+          <a:fontRef idx="minor">
+            <a:schemeClr val="tx1"/>
+          </a:fontRef>
+        </p:style>
+      </p:cxnSp>
+      <p:sp>
+        <p:nvSpPr>
+          <p:cNvPr id="31" name="TextBox 30">
+            <a:extLst>
+              <a:ext uri="{FF2B5EF4-FFF2-40B4-BE49-F238E27FC236}">
+                <a16:creationId xmlns:a16="http://schemas.microsoft.com/office/drawing/2014/main" id="{CF509C40-D393-4AA1-952F-B1B538D31C8C}"/>
+              </a:ext>
+            </a:extLst>
+          </p:cNvPr>
+          <p:cNvSpPr txBox="1"/>
+          <p:nvPr/>
+        </p:nvSpPr>
+        <p:spPr>
+          <a:xfrm>
+            <a:off x="4987567" y="2459139"/>
+            <a:ext cx="198772" cy="215444"/>
+          </a:xfrm>
+          <a:prstGeom prst="rect">
+            <a:avLst/>
+          </a:prstGeom>
+          <a:noFill/>
+        </p:spPr>
+        <p:txBody>
+          <a:bodyPr wrap="none" lIns="0" rIns="0" rtlCol="0">
+            <a:spAutoFit/>
+          </a:bodyPr>
+          <a:lstStyle/>
+          <a:p>
+            <a:r>
+              <a:rPr lang="en-US" altLang="zh-CN" sz="800" dirty="0"/>
+              <a:t>Start</a:t>
+            </a:r>
+            <a:endParaRPr lang="zh-CN" altLang="en-US" sz="800" dirty="0"/>
+          </a:p>
+        </p:txBody>
+      </p:sp>
+      <p:sp>
+        <p:nvSpPr>
+          <p:cNvPr id="32" name="Right Brace 31">
+            <a:extLst>
+              <a:ext uri="{FF2B5EF4-FFF2-40B4-BE49-F238E27FC236}">
+                <a16:creationId xmlns:a16="http://schemas.microsoft.com/office/drawing/2014/main" id="{2A4F11B8-896D-4D98-B697-EECBFD8A8368}"/>
+              </a:ext>
+            </a:extLst>
+          </p:cNvPr>
+          <p:cNvSpPr/>
+          <p:nvPr/>
+        </p:nvSpPr>
+        <p:spPr>
+          <a:xfrm rot="-5400000">
+            <a:off x="4598683" y="2841229"/>
+            <a:ext cx="45719" cy="128016"/>
+          </a:xfrm>
+          <a:prstGeom prst="rightBrace">
+            <a:avLst>
+              <a:gd name="adj1" fmla="val 147059"/>
+              <a:gd name="adj2" fmla="val 50000"/>
+            </a:avLst>
+          </a:prstGeom>
+          <a:ln w="6350">
+            <a:solidFill>
+              <a:schemeClr val="tx1"/>
+            </a:solidFill>
+          </a:ln>
+          <a:scene3d>
+            <a:camera prst="orthographicFront">
+              <a:rot lat="0" lon="0" rev="16200000"/>
+            </a:camera>
+            <a:lightRig rig="threePt" dir="t"/>
+          </a:scene3d>
+        </p:spPr>
+        <p:style>
+          <a:lnRef idx="1">
+            <a:schemeClr val="accent1"/>
+          </a:lnRef>
+          <a:fillRef idx="0">
+            <a:schemeClr val="accent1"/>
+          </a:fillRef>
+          <a:effectRef idx="0">
+            <a:schemeClr val="accent1"/>
+          </a:effectRef>
+          <a:fontRef idx="minor">
+            <a:schemeClr val="tx1"/>
+          </a:fontRef>
+        </p:style>
+        <p:txBody>
+          <a:bodyPr rtlCol="0" anchor="ctr"/>
+          <a:lstStyle/>
+          <a:p>
+            <a:pPr algn="ctr"/>
+            <a:endParaRPr lang="en-US"/>
+          </a:p>
+        </p:txBody>
+      </p:sp>
+      <p:sp>
+        <p:nvSpPr>
+          <p:cNvPr id="33" name="Right Brace 32">
+            <a:extLst>
+              <a:ext uri="{FF2B5EF4-FFF2-40B4-BE49-F238E27FC236}">
+                <a16:creationId xmlns:a16="http://schemas.microsoft.com/office/drawing/2014/main" id="{F3CF90A6-9C41-40AC-BF7B-942377B3091A}"/>
+              </a:ext>
+            </a:extLst>
+          </p:cNvPr>
+          <p:cNvSpPr/>
+          <p:nvPr/>
+        </p:nvSpPr>
+        <p:spPr>
+          <a:xfrm rot="8040000">
+            <a:off x="3235158" y="3184386"/>
+            <a:ext cx="45719" cy="228600"/>
+          </a:xfrm>
+          <a:prstGeom prst="rightBrace">
+            <a:avLst>
+              <a:gd name="adj1" fmla="val 147059"/>
+              <a:gd name="adj2" fmla="val 50000"/>
+            </a:avLst>
+          </a:prstGeom>
+          <a:ln w="6350">
+            <a:solidFill>
+              <a:schemeClr val="tx1"/>
+            </a:solidFill>
+          </a:ln>
+          <a:scene3d>
+            <a:camera prst="orthographicFront">
+              <a:rot lat="0" lon="0" rev="16200000"/>
+            </a:camera>
+            <a:lightRig rig="threePt" dir="t"/>
+          </a:scene3d>
+        </p:spPr>
+        <p:style>
+          <a:lnRef idx="1">
+            <a:schemeClr val="accent1"/>
+          </a:lnRef>
+          <a:fillRef idx="0">
+            <a:schemeClr val="accent1"/>
+          </a:fillRef>
+          <a:effectRef idx="0">
+            <a:schemeClr val="accent1"/>
+          </a:effectRef>
+          <a:fontRef idx="minor">
+            <a:schemeClr val="tx1"/>
+          </a:fontRef>
+        </p:style>
+        <p:txBody>
+          <a:bodyPr rtlCol="0" anchor="ctr"/>
+          <a:lstStyle/>
+          <a:p>
+            <a:pPr algn="ctr"/>
+            <a:endParaRPr lang="en-US"/>
+          </a:p>
+        </p:txBody>
+      </p:sp>
+      <p:cxnSp>
+        <p:nvCxnSpPr>
+          <p:cNvPr id="34" name="直接连接符 51">
+            <a:extLst>
+              <a:ext uri="{FF2B5EF4-FFF2-40B4-BE49-F238E27FC236}">
+                <a16:creationId xmlns:a16="http://schemas.microsoft.com/office/drawing/2014/main" id="{8E2A7B04-DC31-4AAE-9B9D-F405EA3A70F7}"/>
+              </a:ext>
+            </a:extLst>
+          </p:cNvPr>
+          <p:cNvCxnSpPr/>
+          <p:nvPr/>
+        </p:nvCxnSpPr>
+        <p:spPr>
+          <a:xfrm>
+            <a:off x="3350419" y="3228975"/>
+            <a:ext cx="263619" cy="249691"/>
+          </a:xfrm>
+          <a:prstGeom prst="line">
+            <a:avLst/>
+          </a:prstGeom>
+          <a:ln w="6350">
+            <a:solidFill>
+              <a:schemeClr val="tx1"/>
+            </a:solidFill>
+            <a:prstDash val="dash"/>
+          </a:ln>
+        </p:spPr>
+        <p:style>
+          <a:lnRef idx="1">
+            <a:schemeClr val="accent1"/>
+          </a:lnRef>
+          <a:fillRef idx="0">
+            <a:schemeClr val="accent1"/>
+          </a:fillRef>
+          <a:effectRef idx="0">
+            <a:schemeClr val="accent1"/>
+          </a:effectRef>
+          <a:fontRef idx="minor">
+            <a:schemeClr val="tx1"/>
+          </a:fontRef>
+        </p:style>
+      </p:cxnSp>
+      <p:sp>
+        <p:nvSpPr>
+          <p:cNvPr id="35" name="Oval 34">
+            <a:extLst>
+              <a:ext uri="{FF2B5EF4-FFF2-40B4-BE49-F238E27FC236}">
+                <a16:creationId xmlns:a16="http://schemas.microsoft.com/office/drawing/2014/main" id="{6C3C55B6-CA85-4B4D-9CB3-0692CA9E13F3}"/>
+              </a:ext>
+            </a:extLst>
+          </p:cNvPr>
+          <p:cNvSpPr>
+            <a:spLocks noChangeAspect="1"/>
+          </p:cNvSpPr>
+          <p:nvPr/>
+        </p:nvSpPr>
+        <p:spPr>
+          <a:xfrm>
+            <a:off x="2996420" y="3382410"/>
+            <a:ext cx="731520" cy="731520"/>
+          </a:xfrm>
+          <a:prstGeom prst="ellipse">
+            <a:avLst/>
+          </a:prstGeom>
+          <a:noFill/>
+          <a:ln w="12700">
+            <a:solidFill>
+              <a:schemeClr val="tx1"/>
+            </a:solidFill>
+          </a:ln>
+        </p:spPr>
+        <p:style>
+          <a:lnRef idx="2">
+            <a:schemeClr val="accent1">
+              <a:shade val="50000"/>
+            </a:schemeClr>
+          </a:lnRef>
+          <a:fillRef idx="1">
+            <a:schemeClr val="accent1"/>
+          </a:fillRef>
+          <a:effectRef idx="0">
+            <a:schemeClr val="accent1"/>
+          </a:effectRef>
+          <a:fontRef idx="minor">
+            <a:schemeClr val="lt1"/>
+          </a:fontRef>
+        </p:style>
+        <p:txBody>
+          <a:bodyPr rtlCol="0" anchor="ctr"/>
+          <a:lstStyle/>
+          <a:p>
+            <a:pPr algn="ctr"/>
+            <a:endParaRPr lang="en-US"/>
+          </a:p>
+        </p:txBody>
+      </p:sp>
+      <p:sp>
+        <p:nvSpPr>
+          <p:cNvPr id="36" name="椭圆 54">
+            <a:extLst>
+              <a:ext uri="{FF2B5EF4-FFF2-40B4-BE49-F238E27FC236}">
+                <a16:creationId xmlns:a16="http://schemas.microsoft.com/office/drawing/2014/main" id="{8C7A4C8E-F809-471B-9F56-9241B388E3DA}"/>
+              </a:ext>
+            </a:extLst>
+          </p:cNvPr>
+          <p:cNvSpPr>
+            <a:spLocks noChangeAspect="1"/>
+          </p:cNvSpPr>
+          <p:nvPr/>
+        </p:nvSpPr>
+        <p:spPr>
+          <a:xfrm>
+            <a:off x="3348464" y="3734454"/>
+            <a:ext cx="27432" cy="27432"/>
+          </a:xfrm>
+          <a:prstGeom prst="ellipse">
+            <a:avLst/>
+          </a:prstGeom>
+          <a:solidFill>
+            <a:schemeClr val="tx1"/>
+          </a:solidFill>
+          <a:ln>
+            <a:noFill/>
+          </a:ln>
+        </p:spPr>
+        <p:style>
+          <a:lnRef idx="2">
+            <a:schemeClr val="accent1">
+              <a:shade val="50000"/>
+            </a:schemeClr>
+          </a:lnRef>
+          <a:fillRef idx="1">
+            <a:schemeClr val="accent1"/>
+          </a:fillRef>
+          <a:effectRef idx="0">
+            <a:schemeClr val="accent1"/>
+          </a:effectRef>
+          <a:fontRef idx="minor">
+            <a:schemeClr val="lt1"/>
+          </a:fontRef>
+        </p:style>
+        <p:txBody>
+          <a:bodyPr rtlCol="0" anchor="ctr"/>
+          <a:lstStyle/>
+          <a:p>
+            <a:pPr algn="ctr"/>
+            <a:endParaRPr lang="zh-CN" altLang="en-US"/>
+          </a:p>
+        </p:txBody>
+      </p:sp>
+      <p:sp>
+        <p:nvSpPr>
+          <p:cNvPr id="37" name="Oval 36">
+            <a:extLst>
+              <a:ext uri="{FF2B5EF4-FFF2-40B4-BE49-F238E27FC236}">
+                <a16:creationId xmlns:a16="http://schemas.microsoft.com/office/drawing/2014/main" id="{7582BD40-04DE-424B-95E2-94E472939584}"/>
+              </a:ext>
+            </a:extLst>
+          </p:cNvPr>
+          <p:cNvSpPr>
+            <a:spLocks noChangeAspect="1"/>
+          </p:cNvSpPr>
+          <p:nvPr/>
+        </p:nvSpPr>
+        <p:spPr>
+          <a:xfrm>
+            <a:off x="3704793" y="2463453"/>
+            <a:ext cx="502920" cy="502920"/>
+          </a:xfrm>
+          <a:prstGeom prst="ellipse">
+            <a:avLst/>
+          </a:prstGeom>
+          <a:noFill/>
+          <a:ln w="12700">
+            <a:solidFill>
+              <a:schemeClr val="tx1"/>
+            </a:solidFill>
+          </a:ln>
+        </p:spPr>
+        <p:style>
+          <a:lnRef idx="2">
+            <a:schemeClr val="accent1">
+              <a:shade val="50000"/>
+            </a:schemeClr>
+          </a:lnRef>
+          <a:fillRef idx="1">
+            <a:schemeClr val="accent1"/>
+          </a:fillRef>
+          <a:effectRef idx="0">
+            <a:schemeClr val="accent1"/>
+          </a:effectRef>
+          <a:fontRef idx="minor">
+            <a:schemeClr val="lt1"/>
+          </a:fontRef>
+        </p:style>
+        <p:txBody>
+          <a:bodyPr rtlCol="0" anchor="ctr"/>
+          <a:lstStyle/>
+          <a:p>
+            <a:pPr algn="ctr"/>
+            <a:endParaRPr lang="en-US"/>
+          </a:p>
+        </p:txBody>
+      </p:sp>
+      <p:sp>
+        <p:nvSpPr>
+          <p:cNvPr id="38" name="椭圆 54">
+            <a:extLst>
+              <a:ext uri="{FF2B5EF4-FFF2-40B4-BE49-F238E27FC236}">
+                <a16:creationId xmlns:a16="http://schemas.microsoft.com/office/drawing/2014/main" id="{5D10EFFE-4626-48D9-A671-820FFFB6C029}"/>
+              </a:ext>
+            </a:extLst>
+          </p:cNvPr>
+          <p:cNvSpPr>
+            <a:spLocks noChangeAspect="1"/>
+          </p:cNvSpPr>
+          <p:nvPr/>
+        </p:nvSpPr>
+        <p:spPr>
+          <a:xfrm>
+            <a:off x="3942537" y="2701197"/>
+            <a:ext cx="27432" cy="27432"/>
+          </a:xfrm>
+          <a:prstGeom prst="ellipse">
+            <a:avLst/>
+          </a:prstGeom>
+          <a:solidFill>
+            <a:schemeClr val="tx1"/>
+          </a:solidFill>
+          <a:ln>
+            <a:noFill/>
+          </a:ln>
+        </p:spPr>
+        <p:style>
+          <a:lnRef idx="2">
+            <a:schemeClr val="accent1">
+              <a:shade val="50000"/>
+            </a:schemeClr>
+          </a:lnRef>
+          <a:fillRef idx="1">
+            <a:schemeClr val="accent1"/>
+          </a:fillRef>
+          <a:effectRef idx="0">
+            <a:schemeClr val="accent1"/>
+          </a:effectRef>
+          <a:fontRef idx="minor">
+            <a:schemeClr val="lt1"/>
+          </a:fontRef>
+        </p:style>
+        <p:txBody>
+          <a:bodyPr rtlCol="0" anchor="ctr"/>
+          <a:lstStyle/>
+          <a:p>
+            <a:pPr algn="ctr"/>
+            <a:endParaRPr lang="zh-CN" altLang="en-US"/>
+          </a:p>
+        </p:txBody>
+      </p:sp>
+      <p:cxnSp>
+        <p:nvCxnSpPr>
+          <p:cNvPr id="39" name="Straight Arrow Connector 38">
+            <a:extLst>
+              <a:ext uri="{FF2B5EF4-FFF2-40B4-BE49-F238E27FC236}">
+                <a16:creationId xmlns:a16="http://schemas.microsoft.com/office/drawing/2014/main" id="{7983FBCE-C394-4687-A30E-5B8110B77CDB}"/>
+              </a:ext>
+            </a:extLst>
+          </p:cNvPr>
+          <p:cNvCxnSpPr/>
+          <p:nvPr/>
+        </p:nvCxnSpPr>
+        <p:spPr>
+          <a:xfrm flipH="1">
+            <a:off x="2471872" y="3643313"/>
+            <a:ext cx="973797" cy="1046"/>
+          </a:xfrm>
+          <a:prstGeom prst="straightConnector1">
+            <a:avLst/>
+          </a:prstGeom>
+          <a:ln w="6350">
+            <a:solidFill>
+              <a:schemeClr val="tx1"/>
+            </a:solidFill>
+            <a:prstDash val="sysDot"/>
+            <a:tailEnd type="arrow" w="sm" len="sm"/>
+          </a:ln>
+        </p:spPr>
+        <p:style>
+          <a:lnRef idx="1">
+            <a:schemeClr val="accent1"/>
+          </a:lnRef>
+          <a:fillRef idx="0">
+            <a:schemeClr val="accent1"/>
+          </a:fillRef>
+          <a:effectRef idx="0">
+            <a:schemeClr val="accent1"/>
+          </a:effectRef>
+          <a:fontRef idx="minor">
+            <a:schemeClr val="tx1"/>
+          </a:fontRef>
+        </p:style>
+      </p:cxnSp>
+      <p:cxnSp>
+        <p:nvCxnSpPr>
+          <p:cNvPr id="40" name="直接连接符 51">
+            <a:extLst>
+              <a:ext uri="{FF2B5EF4-FFF2-40B4-BE49-F238E27FC236}">
+                <a16:creationId xmlns:a16="http://schemas.microsoft.com/office/drawing/2014/main" id="{1407682C-72E5-47E7-887B-527CB13E069E}"/>
+              </a:ext>
+            </a:extLst>
+          </p:cNvPr>
+          <p:cNvCxnSpPr/>
+          <p:nvPr/>
+        </p:nvCxnSpPr>
+        <p:spPr>
+          <a:xfrm>
+            <a:off x="3188494" y="3395663"/>
+            <a:ext cx="263619" cy="249691"/>
+          </a:xfrm>
+          <a:prstGeom prst="line">
+            <a:avLst/>
+          </a:prstGeom>
+          <a:ln w="6350">
+            <a:solidFill>
+              <a:schemeClr val="tx1"/>
+            </a:solidFill>
+            <a:prstDash val="dash"/>
+          </a:ln>
+        </p:spPr>
+        <p:style>
+          <a:lnRef idx="1">
+            <a:schemeClr val="accent1"/>
+          </a:lnRef>
+          <a:fillRef idx="0">
+            <a:schemeClr val="accent1"/>
+          </a:fillRef>
+          <a:effectRef idx="0">
+            <a:schemeClr val="accent1"/>
+          </a:effectRef>
+          <a:fontRef idx="minor">
+            <a:schemeClr val="tx1"/>
+          </a:fontRef>
+        </p:style>
+      </p:cxnSp>
+      <mc:AlternateContent xmlns:mc="http://schemas.openxmlformats.org/markup-compatibility/2006">
+        <mc:Choice xmlns:a14="http://schemas.microsoft.com/office/drawing/2010/main" Requires="a14">
+          <p:sp>
+            <p:nvSpPr>
+              <p:cNvPr id="41" name="TextBox 40">
+                <a:extLst>
+                  <a:ext uri="{FF2B5EF4-FFF2-40B4-BE49-F238E27FC236}">
+                    <a16:creationId xmlns:a16="http://schemas.microsoft.com/office/drawing/2014/main" id="{6B281A28-F58A-48FF-B09E-4CC8DF693622}"/>
+                  </a:ext>
+                </a:extLst>
+              </p:cNvPr>
+              <p:cNvSpPr txBox="1"/>
+              <p:nvPr/>
+            </p:nvSpPr>
+            <p:spPr>
+              <a:xfrm>
+                <a:off x="2819400" y="4445951"/>
+                <a:ext cx="2259849" cy="584775"/>
+              </a:xfrm>
+              <a:prstGeom prst="rect">
+                <a:avLst/>
+              </a:prstGeom>
+              <a:noFill/>
+            </p:spPr>
+            <p:txBody>
+              <a:bodyPr wrap="none" lIns="0" rIns="0" rtlCol="0">
+                <a:spAutoFit/>
+              </a:bodyPr>
+              <a:lstStyle/>
+              <a:p>
+                <a:pPr/>
+                <a14:m>
+                  <m:oMathPara xmlns:m="http://schemas.openxmlformats.org/officeDocument/2006/math">
+                    <m:oMathParaPr>
+                      <m:jc m:val="left"/>
+                    </m:oMathParaPr>
+                    <m:oMath xmlns:m="http://schemas.openxmlformats.org/officeDocument/2006/math">
+                      <m:r>
+                        <m:rPr>
+                          <m:sty m:val="p"/>
+                        </m:rPr>
+                        <a:rPr lang="en-US" altLang="zh-CN" sz="3200" b="0" i="0" smtClean="0">
+                          <a:latin typeface="Cambria Math" panose="02040503050406030204" pitchFamily="18" charset="0"/>
+                        </a:rPr>
+                        <m:t>Figure</m:t>
+                      </m:r>
+                      <m:r>
+                        <a:rPr lang="en-US" altLang="zh-CN" sz="3200" b="0" i="0" smtClean="0">
+                          <a:latin typeface="Cambria Math" panose="02040503050406030204" pitchFamily="18" charset="0"/>
+                        </a:rPr>
+                        <m:t> 9−3</m:t>
+                      </m:r>
+                    </m:oMath>
+                  </m:oMathPara>
+                </a14:m>
+                <a:endParaRPr sz="3200" dirty="0"/>
+              </a:p>
+            </p:txBody>
+          </p:sp>
+        </mc:Choice>
+        <mc:Fallback>
+          <p:sp>
+            <p:nvSpPr>
+              <p:cNvPr id="41" name="TextBox 40">
+                <a:extLst>
+                  <a:ext uri="{FF2B5EF4-FFF2-40B4-BE49-F238E27FC236}">
+                    <a16:creationId xmlns:a16="http://schemas.microsoft.com/office/drawing/2014/main" id="{6B281A28-F58A-48FF-B09E-4CC8DF693622}"/>
+                  </a:ext>
+                </a:extLst>
+              </p:cNvPr>
+              <p:cNvSpPr txBox="1">
+                <a:spLocks noRot="1" noChangeAspect="1" noMove="1" noResize="1" noEditPoints="1" noAdjustHandles="1" noChangeArrowheads="1" noChangeShapeType="1" noTextEdit="1"/>
+              </p:cNvSpPr>
+              <p:nvPr/>
+            </p:nvSpPr>
+            <p:spPr>
+              <a:xfrm>
+                <a:off x="2819400" y="4445951"/>
+                <a:ext cx="2259849" cy="584775"/>
+              </a:xfrm>
+              <a:prstGeom prst="rect">
+                <a:avLst/>
+              </a:prstGeom>
+              <a:blipFill>
+                <a:blip r:embed="rId2"/>
+                <a:stretch>
+                  <a:fillRect/>
+                </a:stretch>
+              </a:blipFill>
+            </p:spPr>
+            <p:txBody>
+              <a:bodyPr/>
+              <a:lstStyle/>
+              <a:p>
+                <a:r>
+                  <a:rPr lang="en-US">
+                    <a:noFill/>
+                  </a:rPr>
+                  <a:t> </a:t>
+                </a:r>
+              </a:p>
+            </p:txBody>
+          </p:sp>
+        </mc:Fallback>
+      </mc:AlternateContent>
+    </p:spTree>
+    <p:extLst>
+      <p:ext uri="{BB962C8B-B14F-4D97-AF65-F5344CB8AC3E}">
+        <p14:creationId xmlns:p14="http://schemas.microsoft.com/office/powerpoint/2010/main" val="2859792798"/>
       </p:ext>
     </p:extLst>
   </p:cSld>

--- a/Word/Diagrams/chapter9/chap 9.figures.pptx
+++ b/Word/Diagrams/chapter9/chap 9.figures.pptx
@@ -5,11 +5,12 @@
     <p:sldMasterId id="2147483660" r:id="rId1"/>
   </p:sldMasterIdLst>
   <p:notesMasterIdLst>
-    <p:notesMasterId r:id="rId4"/>
+    <p:notesMasterId r:id="rId5"/>
   </p:notesMasterIdLst>
   <p:sldIdLst>
-    <p:sldId id="304" r:id="rId2"/>
-    <p:sldId id="305" r:id="rId3"/>
+    <p:sldId id="306" r:id="rId2"/>
+    <p:sldId id="304" r:id="rId3"/>
+    <p:sldId id="305" r:id="rId4"/>
   </p:sldIdLst>
   <p:sldSz cx="9144000" cy="6858000" type="screen4x3"/>
   <p:notesSz cx="6858000" cy="9144000"/>
@@ -3540,6 +3541,1376 @@
 </file>
 
 <file path=ppt/slides/slide1.xml><?xml version="1.0" encoding="utf-8"?>
+<p:sld xmlns:a="http://schemas.openxmlformats.org/drawingml/2006/main" xmlns:r="http://schemas.openxmlformats.org/officeDocument/2006/relationships" xmlns:p="http://schemas.openxmlformats.org/presentationml/2006/main">
+  <p:cSld>
+    <p:spTree>
+      <p:nvGrpSpPr>
+        <p:cNvPr id="1" name=""/>
+        <p:cNvGrpSpPr/>
+        <p:nvPr/>
+      </p:nvGrpSpPr>
+      <p:grpSpPr>
+        <a:xfrm>
+          <a:off x="0" y="0"/>
+          <a:ext cx="0" cy="0"/>
+          <a:chOff x="0" y="0"/>
+          <a:chExt cx="0" cy="0"/>
+        </a:xfrm>
+      </p:grpSpPr>
+      <p:sp>
+        <p:nvSpPr>
+          <p:cNvPr id="2" name="Rectangle 1">
+            <a:extLst>
+              <a:ext uri="{FF2B5EF4-FFF2-40B4-BE49-F238E27FC236}">
+                <a16:creationId xmlns:a16="http://schemas.microsoft.com/office/drawing/2014/main" id="{2CBB8EEB-1A09-4615-B61E-F862E7766A21}"/>
+              </a:ext>
+            </a:extLst>
+          </p:cNvPr>
+          <p:cNvSpPr/>
+          <p:nvPr/>
+        </p:nvSpPr>
+        <p:spPr>
+          <a:xfrm>
+            <a:off x="1676400" y="1974675"/>
+            <a:ext cx="4267200" cy="2324099"/>
+          </a:xfrm>
+          <a:prstGeom prst="rect">
+            <a:avLst/>
+          </a:prstGeom>
+          <a:noFill/>
+          <a:ln w="9525">
+            <a:prstDash val="sysDash"/>
+          </a:ln>
+        </p:spPr>
+        <p:style>
+          <a:lnRef idx="2">
+            <a:schemeClr val="accent1">
+              <a:shade val="50000"/>
+            </a:schemeClr>
+          </a:lnRef>
+          <a:fillRef idx="1">
+            <a:schemeClr val="accent1"/>
+          </a:fillRef>
+          <a:effectRef idx="0">
+            <a:schemeClr val="accent1"/>
+          </a:effectRef>
+          <a:fontRef idx="minor">
+            <a:schemeClr val="lt1"/>
+          </a:fontRef>
+        </p:style>
+        <p:txBody>
+          <a:bodyPr rtlCol="0" anchor="ctr"/>
+          <a:lstStyle/>
+          <a:p>
+            <a:pPr algn="ctr"/>
+            <a:endParaRPr lang="en-US" sz="800"/>
+          </a:p>
+        </p:txBody>
+      </p:sp>
+      <p:sp>
+        <p:nvSpPr>
+          <p:cNvPr id="3" name="TextBox 2">
+            <a:extLst>
+              <a:ext uri="{FF2B5EF4-FFF2-40B4-BE49-F238E27FC236}">
+                <a16:creationId xmlns:a16="http://schemas.microsoft.com/office/drawing/2014/main" id="{755CC65D-C0A1-415E-9A65-B89F76673A35}"/>
+              </a:ext>
+            </a:extLst>
+          </p:cNvPr>
+          <p:cNvSpPr txBox="1"/>
+          <p:nvPr/>
+        </p:nvSpPr>
+        <p:spPr>
+          <a:xfrm>
+            <a:off x="2953968" y="4724400"/>
+            <a:ext cx="2125158" cy="338554"/>
+          </a:xfrm>
+          <a:prstGeom prst="rect">
+            <a:avLst/>
+          </a:prstGeom>
+          <a:noFill/>
+          <a:ln>
+            <a:noFill/>
+          </a:ln>
+        </p:spPr>
+        <p:txBody>
+          <a:bodyPr wrap="square" lIns="0" rIns="0" rtlCol="0">
+            <a:spAutoFit/>
+          </a:bodyPr>
+          <a:lstStyle/>
+          <a:p>
+            <a:r>
+              <a:rPr lang="en-US" altLang="zh-TW" sz="1600" dirty="0"/>
+              <a:t>Figure 9-2</a:t>
+            </a:r>
+          </a:p>
+        </p:txBody>
+      </p:sp>
+      <p:sp>
+        <p:nvSpPr>
+          <p:cNvPr id="4" name="同心圆 36">
+            <a:extLst>
+              <a:ext uri="{FF2B5EF4-FFF2-40B4-BE49-F238E27FC236}">
+                <a16:creationId xmlns:a16="http://schemas.microsoft.com/office/drawing/2014/main" id="{D53CB4F1-27E8-46E9-8B7D-180BFE7DE5CF}"/>
+              </a:ext>
+            </a:extLst>
+          </p:cNvPr>
+          <p:cNvSpPr/>
+          <p:nvPr/>
+        </p:nvSpPr>
+        <p:spPr>
+          <a:xfrm>
+            <a:off x="3744366" y="3018541"/>
+            <a:ext cx="504000" cy="503854"/>
+          </a:xfrm>
+          <a:prstGeom prst="donut">
+            <a:avLst>
+              <a:gd name="adj" fmla="val 48659"/>
+            </a:avLst>
+          </a:prstGeom>
+          <a:solidFill>
+            <a:schemeClr val="bg1"/>
+          </a:solidFill>
+          <a:ln w="12700">
+            <a:solidFill>
+              <a:schemeClr val="tx1"/>
+            </a:solidFill>
+          </a:ln>
+        </p:spPr>
+        <p:style>
+          <a:lnRef idx="2">
+            <a:schemeClr val="accent1">
+              <a:shade val="50000"/>
+            </a:schemeClr>
+          </a:lnRef>
+          <a:fillRef idx="1">
+            <a:schemeClr val="accent1"/>
+          </a:fillRef>
+          <a:effectRef idx="0">
+            <a:schemeClr val="accent1"/>
+          </a:effectRef>
+          <a:fontRef idx="minor">
+            <a:schemeClr val="lt1"/>
+          </a:fontRef>
+        </p:style>
+        <p:txBody>
+          <a:bodyPr rtlCol="0" anchor="ctr"/>
+          <a:lstStyle/>
+          <a:p>
+            <a:pPr algn="ctr"/>
+            <a:endParaRPr lang="zh-CN" altLang="en-US" dirty="0">
+              <a:solidFill>
+                <a:schemeClr val="tx1"/>
+              </a:solidFill>
+            </a:endParaRPr>
+          </a:p>
+        </p:txBody>
+      </p:sp>
+      <p:sp>
+        <p:nvSpPr>
+          <p:cNvPr id="5" name="同心圆 8">
+            <a:extLst>
+              <a:ext uri="{FF2B5EF4-FFF2-40B4-BE49-F238E27FC236}">
+                <a16:creationId xmlns:a16="http://schemas.microsoft.com/office/drawing/2014/main" id="{4C190744-BB0E-4D23-8180-FBF93DBBEB7F}"/>
+              </a:ext>
+            </a:extLst>
+          </p:cNvPr>
+          <p:cNvSpPr/>
+          <p:nvPr/>
+        </p:nvSpPr>
+        <p:spPr>
+          <a:xfrm>
+            <a:off x="2322262" y="3018541"/>
+            <a:ext cx="504000" cy="503854"/>
+          </a:xfrm>
+          <a:prstGeom prst="donut">
+            <a:avLst>
+              <a:gd name="adj" fmla="val 48659"/>
+            </a:avLst>
+          </a:prstGeom>
+          <a:solidFill>
+            <a:schemeClr val="bg1"/>
+          </a:solidFill>
+          <a:ln w="12700">
+            <a:solidFill>
+              <a:schemeClr val="tx1"/>
+            </a:solidFill>
+          </a:ln>
+        </p:spPr>
+        <p:style>
+          <a:lnRef idx="2">
+            <a:schemeClr val="accent1">
+              <a:shade val="50000"/>
+            </a:schemeClr>
+          </a:lnRef>
+          <a:fillRef idx="1">
+            <a:schemeClr val="accent1"/>
+          </a:fillRef>
+          <a:effectRef idx="0">
+            <a:schemeClr val="accent1"/>
+          </a:effectRef>
+          <a:fontRef idx="minor">
+            <a:schemeClr val="lt1"/>
+          </a:fontRef>
+        </p:style>
+        <p:txBody>
+          <a:bodyPr rtlCol="0" anchor="ctr"/>
+          <a:lstStyle/>
+          <a:p>
+            <a:pPr algn="ctr"/>
+            <a:endParaRPr lang="zh-CN" altLang="en-US" dirty="0">
+              <a:solidFill>
+                <a:schemeClr val="tx1"/>
+              </a:solidFill>
+            </a:endParaRPr>
+          </a:p>
+        </p:txBody>
+      </p:sp>
+      <p:sp>
+        <p:nvSpPr>
+          <p:cNvPr id="6" name="同心圆 20">
+            <a:extLst>
+              <a:ext uri="{FF2B5EF4-FFF2-40B4-BE49-F238E27FC236}">
+                <a16:creationId xmlns:a16="http://schemas.microsoft.com/office/drawing/2014/main" id="{B6FC61DC-489F-4B8F-8097-AF0AB9EC2061}"/>
+              </a:ext>
+            </a:extLst>
+          </p:cNvPr>
+          <p:cNvSpPr/>
+          <p:nvPr/>
+        </p:nvSpPr>
+        <p:spPr>
+          <a:xfrm>
+            <a:off x="2978662" y="3018541"/>
+            <a:ext cx="504000" cy="503854"/>
+          </a:xfrm>
+          <a:prstGeom prst="donut">
+            <a:avLst>
+              <a:gd name="adj" fmla="val 48659"/>
+            </a:avLst>
+          </a:prstGeom>
+          <a:solidFill>
+            <a:schemeClr val="bg1"/>
+          </a:solidFill>
+          <a:ln w="12700">
+            <a:solidFill>
+              <a:schemeClr val="tx1"/>
+            </a:solidFill>
+          </a:ln>
+        </p:spPr>
+        <p:style>
+          <a:lnRef idx="2">
+            <a:schemeClr val="accent1">
+              <a:shade val="50000"/>
+            </a:schemeClr>
+          </a:lnRef>
+          <a:fillRef idx="1">
+            <a:schemeClr val="accent1"/>
+          </a:fillRef>
+          <a:effectRef idx="0">
+            <a:schemeClr val="accent1"/>
+          </a:effectRef>
+          <a:fontRef idx="minor">
+            <a:schemeClr val="lt1"/>
+          </a:fontRef>
+        </p:style>
+        <p:txBody>
+          <a:bodyPr rtlCol="0" anchor="ctr"/>
+          <a:lstStyle/>
+          <a:p>
+            <a:pPr algn="ctr"/>
+            <a:endParaRPr lang="zh-CN" altLang="en-US">
+              <a:solidFill>
+                <a:schemeClr val="tx1"/>
+              </a:solidFill>
+            </a:endParaRPr>
+          </a:p>
+        </p:txBody>
+      </p:sp>
+      <p:cxnSp>
+        <p:nvCxnSpPr>
+          <p:cNvPr id="7" name="直接箭头连接符 32">
+            <a:extLst>
+              <a:ext uri="{FF2B5EF4-FFF2-40B4-BE49-F238E27FC236}">
+                <a16:creationId xmlns:a16="http://schemas.microsoft.com/office/drawing/2014/main" id="{197B24EF-2007-4EEE-8BEC-746D74FFCC91}"/>
+              </a:ext>
+            </a:extLst>
+          </p:cNvPr>
+          <p:cNvCxnSpPr/>
+          <p:nvPr/>
+        </p:nvCxnSpPr>
+        <p:spPr>
+          <a:xfrm flipH="1" flipV="1">
+            <a:off x="2574262" y="3522395"/>
+            <a:ext cx="671626" cy="8554"/>
+          </a:xfrm>
+          <a:prstGeom prst="straightConnector1">
+            <a:avLst/>
+          </a:prstGeom>
+          <a:ln w="6350">
+            <a:solidFill>
+              <a:schemeClr val="tx1"/>
+            </a:solidFill>
+            <a:headEnd type="triangle" w="sm" len="sm"/>
+            <a:tailEnd type="triangle" w="sm" len="sm"/>
+          </a:ln>
+        </p:spPr>
+        <p:style>
+          <a:lnRef idx="1">
+            <a:schemeClr val="accent1"/>
+          </a:lnRef>
+          <a:fillRef idx="0">
+            <a:schemeClr val="accent1"/>
+          </a:fillRef>
+          <a:effectRef idx="0">
+            <a:schemeClr val="accent1"/>
+          </a:effectRef>
+          <a:fontRef idx="minor">
+            <a:schemeClr val="tx1"/>
+          </a:fontRef>
+        </p:style>
+      </p:cxnSp>
+      <p:sp>
+        <p:nvSpPr>
+          <p:cNvPr id="8" name="TextBox 7">
+            <a:extLst>
+              <a:ext uri="{FF2B5EF4-FFF2-40B4-BE49-F238E27FC236}">
+                <a16:creationId xmlns:a16="http://schemas.microsoft.com/office/drawing/2014/main" id="{5E6107DF-F3ED-45FA-98A3-9B27F0DA97AB}"/>
+              </a:ext>
+            </a:extLst>
+          </p:cNvPr>
+          <p:cNvSpPr txBox="1"/>
+          <p:nvPr/>
+        </p:nvSpPr>
+        <p:spPr>
+          <a:xfrm>
+            <a:off x="2846135" y="3490025"/>
+            <a:ext cx="152286" cy="215444"/>
+          </a:xfrm>
+          <a:prstGeom prst="rect">
+            <a:avLst/>
+          </a:prstGeom>
+          <a:noFill/>
+        </p:spPr>
+        <p:txBody>
+          <a:bodyPr wrap="none" lIns="0" rIns="0" rtlCol="0">
+            <a:spAutoFit/>
+          </a:bodyPr>
+          <a:lstStyle/>
+          <a:p>
+            <a:r>
+              <a:rPr lang="en-US" altLang="zh-CN" sz="800" dirty="0" err="1"/>
+              <a:t>dist</a:t>
+            </a:r>
+            <a:endParaRPr lang="zh-CN" altLang="en-US" sz="800" dirty="0"/>
+          </a:p>
+        </p:txBody>
+      </p:sp>
+      <p:sp>
+        <p:nvSpPr>
+          <p:cNvPr id="9" name="TextBox 8">
+            <a:extLst>
+              <a:ext uri="{FF2B5EF4-FFF2-40B4-BE49-F238E27FC236}">
+                <a16:creationId xmlns:a16="http://schemas.microsoft.com/office/drawing/2014/main" id="{EC9473ED-1420-4D00-929B-933B24DB3538}"/>
+              </a:ext>
+            </a:extLst>
+          </p:cNvPr>
+          <p:cNvSpPr txBox="1"/>
+          <p:nvPr/>
+        </p:nvSpPr>
+        <p:spPr>
+          <a:xfrm>
+            <a:off x="2393908" y="3848215"/>
+            <a:ext cx="1123706" cy="215444"/>
+          </a:xfrm>
+          <a:prstGeom prst="rect">
+            <a:avLst/>
+          </a:prstGeom>
+          <a:noFill/>
+        </p:spPr>
+        <p:txBody>
+          <a:bodyPr wrap="none" lIns="0" rIns="0" rtlCol="0">
+            <a:spAutoFit/>
+          </a:bodyPr>
+          <a:lstStyle/>
+          <a:p>
+            <a:r>
+              <a:rPr lang="en-US" altLang="zh-CN" sz="800" dirty="0"/>
+              <a:t>(a) No collision (</a:t>
+            </a:r>
+            <a:r>
+              <a:rPr lang="en-US" altLang="zh-CN" sz="800" dirty="0" err="1"/>
+              <a:t>dist</a:t>
+            </a:r>
+            <a:r>
+              <a:rPr lang="en-US" altLang="zh-CN" sz="800" dirty="0"/>
+              <a:t>&gt;</a:t>
+            </a:r>
+            <a:r>
+              <a:rPr lang="en-US" altLang="zh-CN" sz="800" dirty="0" err="1"/>
+              <a:t>rSum</a:t>
+            </a:r>
+            <a:r>
+              <a:rPr lang="en-US" altLang="zh-CN" sz="800" dirty="0"/>
+              <a:t>)</a:t>
+            </a:r>
+            <a:endParaRPr lang="zh-CN" altLang="en-US" sz="800" dirty="0"/>
+          </a:p>
+        </p:txBody>
+      </p:sp>
+      <p:sp>
+        <p:nvSpPr>
+          <p:cNvPr id="10" name="同心圆 37">
+            <a:extLst>
+              <a:ext uri="{FF2B5EF4-FFF2-40B4-BE49-F238E27FC236}">
+                <a16:creationId xmlns:a16="http://schemas.microsoft.com/office/drawing/2014/main" id="{FC239550-EA35-4214-AC96-6303ED2F5C2C}"/>
+              </a:ext>
+            </a:extLst>
+          </p:cNvPr>
+          <p:cNvSpPr/>
+          <p:nvPr/>
+        </p:nvSpPr>
+        <p:spPr>
+          <a:xfrm>
+            <a:off x="4188399" y="3018541"/>
+            <a:ext cx="504000" cy="503854"/>
+          </a:xfrm>
+          <a:prstGeom prst="donut">
+            <a:avLst>
+              <a:gd name="adj" fmla="val 48659"/>
+            </a:avLst>
+          </a:prstGeom>
+          <a:noFill/>
+          <a:ln w="12700">
+            <a:solidFill>
+              <a:schemeClr val="tx1"/>
+            </a:solidFill>
+          </a:ln>
+        </p:spPr>
+        <p:style>
+          <a:lnRef idx="2">
+            <a:schemeClr val="accent1">
+              <a:shade val="50000"/>
+            </a:schemeClr>
+          </a:lnRef>
+          <a:fillRef idx="1">
+            <a:schemeClr val="accent1"/>
+          </a:fillRef>
+          <a:effectRef idx="0">
+            <a:schemeClr val="accent1"/>
+          </a:effectRef>
+          <a:fontRef idx="minor">
+            <a:schemeClr val="lt1"/>
+          </a:fontRef>
+        </p:style>
+        <p:txBody>
+          <a:bodyPr rtlCol="0" anchor="ctr"/>
+          <a:lstStyle/>
+          <a:p>
+            <a:pPr algn="ctr"/>
+            <a:endParaRPr lang="zh-CN" altLang="en-US">
+              <a:solidFill>
+                <a:schemeClr val="tx1"/>
+              </a:solidFill>
+            </a:endParaRPr>
+          </a:p>
+        </p:txBody>
+      </p:sp>
+      <p:sp>
+        <p:nvSpPr>
+          <p:cNvPr id="11" name="TextBox 10">
+            <a:extLst>
+              <a:ext uri="{FF2B5EF4-FFF2-40B4-BE49-F238E27FC236}">
+                <a16:creationId xmlns:a16="http://schemas.microsoft.com/office/drawing/2014/main" id="{DE5D4C59-E5D2-4652-BC9A-ACE9747EC580}"/>
+              </a:ext>
+            </a:extLst>
+          </p:cNvPr>
+          <p:cNvSpPr txBox="1"/>
+          <p:nvPr/>
+        </p:nvSpPr>
+        <p:spPr>
+          <a:xfrm>
+            <a:off x="4078674" y="2332865"/>
+            <a:ext cx="86562" cy="215444"/>
+          </a:xfrm>
+          <a:prstGeom prst="rect">
+            <a:avLst/>
+          </a:prstGeom>
+          <a:noFill/>
+        </p:spPr>
+        <p:txBody>
+          <a:bodyPr wrap="none" lIns="0" rIns="0" rtlCol="0">
+            <a:spAutoFit/>
+          </a:bodyPr>
+          <a:lstStyle/>
+          <a:p>
+            <a:r>
+              <a:rPr lang="en-US" altLang="zh-CN" sz="800" dirty="0"/>
+              <a:t>r1</a:t>
+            </a:r>
+            <a:endParaRPr lang="zh-CN" altLang="en-US" sz="800" dirty="0"/>
+          </a:p>
+        </p:txBody>
+      </p:sp>
+      <p:cxnSp>
+        <p:nvCxnSpPr>
+          <p:cNvPr id="12" name="直接箭头连接符 42">
+            <a:extLst>
+              <a:ext uri="{FF2B5EF4-FFF2-40B4-BE49-F238E27FC236}">
+                <a16:creationId xmlns:a16="http://schemas.microsoft.com/office/drawing/2014/main" id="{CD0110B8-B44E-4326-BDF2-89D4F7BAB6C3}"/>
+              </a:ext>
+            </a:extLst>
+          </p:cNvPr>
+          <p:cNvCxnSpPr/>
+          <p:nvPr/>
+        </p:nvCxnSpPr>
+        <p:spPr>
+          <a:xfrm flipH="1">
+            <a:off x="3996366" y="3522395"/>
+            <a:ext cx="444033" cy="0"/>
+          </a:xfrm>
+          <a:prstGeom prst="straightConnector1">
+            <a:avLst/>
+          </a:prstGeom>
+          <a:ln w="6350">
+            <a:solidFill>
+              <a:schemeClr val="tx1"/>
+            </a:solidFill>
+            <a:headEnd type="triangle" w="sm" len="sm"/>
+            <a:tailEnd type="triangle" w="sm" len="sm"/>
+          </a:ln>
+        </p:spPr>
+        <p:style>
+          <a:lnRef idx="1">
+            <a:schemeClr val="accent1"/>
+          </a:lnRef>
+          <a:fillRef idx="0">
+            <a:schemeClr val="accent1"/>
+          </a:fillRef>
+          <a:effectRef idx="0">
+            <a:schemeClr val="accent1"/>
+          </a:effectRef>
+          <a:fontRef idx="minor">
+            <a:schemeClr val="tx1"/>
+          </a:fontRef>
+        </p:style>
+      </p:cxnSp>
+      <p:sp>
+        <p:nvSpPr>
+          <p:cNvPr id="13" name="TextBox 12">
+            <a:extLst>
+              <a:ext uri="{FF2B5EF4-FFF2-40B4-BE49-F238E27FC236}">
+                <a16:creationId xmlns:a16="http://schemas.microsoft.com/office/drawing/2014/main" id="{27DCBC0B-8DF7-43A2-90AC-C670544366A5}"/>
+              </a:ext>
+            </a:extLst>
+          </p:cNvPr>
+          <p:cNvSpPr txBox="1"/>
+          <p:nvPr/>
+        </p:nvSpPr>
+        <p:spPr>
+          <a:xfrm>
+            <a:off x="4152216" y="3490025"/>
+            <a:ext cx="152286" cy="215444"/>
+          </a:xfrm>
+          <a:prstGeom prst="rect">
+            <a:avLst/>
+          </a:prstGeom>
+          <a:noFill/>
+        </p:spPr>
+        <p:txBody>
+          <a:bodyPr wrap="none" lIns="0" rIns="0" rtlCol="0">
+            <a:spAutoFit/>
+          </a:bodyPr>
+          <a:lstStyle/>
+          <a:p>
+            <a:r>
+              <a:rPr lang="en-US" altLang="zh-CN" sz="800" dirty="0" err="1"/>
+              <a:t>dist</a:t>
+            </a:r>
+            <a:endParaRPr lang="zh-CN" altLang="en-US" sz="800" dirty="0"/>
+          </a:p>
+        </p:txBody>
+      </p:sp>
+      <p:sp>
+        <p:nvSpPr>
+          <p:cNvPr id="14" name="TextBox 13">
+            <a:extLst>
+              <a:ext uri="{FF2B5EF4-FFF2-40B4-BE49-F238E27FC236}">
+                <a16:creationId xmlns:a16="http://schemas.microsoft.com/office/drawing/2014/main" id="{F79F6B3F-1630-43FF-B13D-692B2B811C03}"/>
+              </a:ext>
+            </a:extLst>
+          </p:cNvPr>
+          <p:cNvSpPr txBox="1"/>
+          <p:nvPr/>
+        </p:nvSpPr>
+        <p:spPr>
+          <a:xfrm>
+            <a:off x="3765767" y="3848215"/>
+            <a:ext cx="997068" cy="215444"/>
+          </a:xfrm>
+          <a:prstGeom prst="rect">
+            <a:avLst/>
+          </a:prstGeom>
+          <a:noFill/>
+        </p:spPr>
+        <p:txBody>
+          <a:bodyPr wrap="none" lIns="0" rIns="0" rtlCol="0">
+            <a:spAutoFit/>
+          </a:bodyPr>
+          <a:lstStyle/>
+          <a:p>
+            <a:r>
+              <a:rPr lang="en-US" altLang="zh-CN" sz="800" dirty="0"/>
+              <a:t>(b) Collision (</a:t>
+            </a:r>
+            <a:r>
+              <a:rPr lang="en-US" altLang="zh-CN" sz="800" dirty="0" err="1"/>
+              <a:t>dist</a:t>
+            </a:r>
+            <a:r>
+              <a:rPr lang="en-US" altLang="zh-CN" sz="800" dirty="0"/>
+              <a:t>&lt;</a:t>
+            </a:r>
+            <a:r>
+              <a:rPr lang="en-US" altLang="zh-CN" sz="800" dirty="0" err="1"/>
+              <a:t>rSum</a:t>
+            </a:r>
+            <a:r>
+              <a:rPr lang="en-US" altLang="zh-CN" sz="800" dirty="0"/>
+              <a:t>)</a:t>
+            </a:r>
+            <a:endParaRPr lang="zh-CN" altLang="en-US" sz="800" dirty="0"/>
+          </a:p>
+        </p:txBody>
+      </p:sp>
+      <p:cxnSp>
+        <p:nvCxnSpPr>
+          <p:cNvPr id="15" name="Straight Connector 14">
+            <a:extLst>
+              <a:ext uri="{FF2B5EF4-FFF2-40B4-BE49-F238E27FC236}">
+                <a16:creationId xmlns:a16="http://schemas.microsoft.com/office/drawing/2014/main" id="{7A822451-91DE-41D7-8C70-AF17432CAFA5}"/>
+              </a:ext>
+            </a:extLst>
+          </p:cNvPr>
+          <p:cNvCxnSpPr/>
+          <p:nvPr/>
+        </p:nvCxnSpPr>
+        <p:spPr>
+          <a:xfrm>
+            <a:off x="4440399" y="2811411"/>
+            <a:ext cx="0" cy="457200"/>
+          </a:xfrm>
+          <a:prstGeom prst="line">
+            <a:avLst/>
+          </a:prstGeom>
+          <a:ln w="6350">
+            <a:solidFill>
+              <a:schemeClr val="tx1"/>
+            </a:solidFill>
+            <a:prstDash val="dash"/>
+          </a:ln>
+        </p:spPr>
+        <p:style>
+          <a:lnRef idx="1">
+            <a:schemeClr val="accent1"/>
+          </a:lnRef>
+          <a:fillRef idx="0">
+            <a:schemeClr val="accent1"/>
+          </a:fillRef>
+          <a:effectRef idx="0">
+            <a:schemeClr val="accent1"/>
+          </a:effectRef>
+          <a:fontRef idx="minor">
+            <a:schemeClr val="tx1"/>
+          </a:fontRef>
+        </p:style>
+      </p:cxnSp>
+      <p:cxnSp>
+        <p:nvCxnSpPr>
+          <p:cNvPr id="16" name="Straight Connector 15">
+            <a:extLst>
+              <a:ext uri="{FF2B5EF4-FFF2-40B4-BE49-F238E27FC236}">
+                <a16:creationId xmlns:a16="http://schemas.microsoft.com/office/drawing/2014/main" id="{39DF9D48-E408-4ECC-99FB-E5D7312C76F6}"/>
+              </a:ext>
+            </a:extLst>
+          </p:cNvPr>
+          <p:cNvCxnSpPr/>
+          <p:nvPr/>
+        </p:nvCxnSpPr>
+        <p:spPr>
+          <a:xfrm>
+            <a:off x="4192835" y="2811411"/>
+            <a:ext cx="0" cy="457200"/>
+          </a:xfrm>
+          <a:prstGeom prst="line">
+            <a:avLst/>
+          </a:prstGeom>
+          <a:ln w="6350">
+            <a:solidFill>
+              <a:schemeClr val="tx1"/>
+            </a:solidFill>
+            <a:prstDash val="dash"/>
+          </a:ln>
+        </p:spPr>
+        <p:style>
+          <a:lnRef idx="1">
+            <a:schemeClr val="accent1"/>
+          </a:lnRef>
+          <a:fillRef idx="0">
+            <a:schemeClr val="accent1"/>
+          </a:fillRef>
+          <a:effectRef idx="0">
+            <a:schemeClr val="accent1"/>
+          </a:effectRef>
+          <a:fontRef idx="minor">
+            <a:schemeClr val="tx1"/>
+          </a:fontRef>
+        </p:style>
+      </p:cxnSp>
+      <p:cxnSp>
+        <p:nvCxnSpPr>
+          <p:cNvPr id="17" name="Straight Connector 16">
+            <a:extLst>
+              <a:ext uri="{FF2B5EF4-FFF2-40B4-BE49-F238E27FC236}">
+                <a16:creationId xmlns:a16="http://schemas.microsoft.com/office/drawing/2014/main" id="{60974AA1-04B7-4C89-95AA-80482AC36C28}"/>
+              </a:ext>
+            </a:extLst>
+          </p:cNvPr>
+          <p:cNvCxnSpPr/>
+          <p:nvPr/>
+        </p:nvCxnSpPr>
+        <p:spPr>
+          <a:xfrm>
+            <a:off x="4244939" y="2546459"/>
+            <a:ext cx="0" cy="731520"/>
+          </a:xfrm>
+          <a:prstGeom prst="line">
+            <a:avLst/>
+          </a:prstGeom>
+          <a:ln w="6350">
+            <a:solidFill>
+              <a:schemeClr val="tx1"/>
+            </a:solidFill>
+            <a:prstDash val="dash"/>
+          </a:ln>
+        </p:spPr>
+        <p:style>
+          <a:lnRef idx="1">
+            <a:schemeClr val="accent1"/>
+          </a:lnRef>
+          <a:fillRef idx="0">
+            <a:schemeClr val="accent1"/>
+          </a:fillRef>
+          <a:effectRef idx="0">
+            <a:schemeClr val="accent1"/>
+          </a:effectRef>
+          <a:fontRef idx="minor">
+            <a:schemeClr val="tx1"/>
+          </a:fontRef>
+        </p:style>
+      </p:cxnSp>
+      <p:cxnSp>
+        <p:nvCxnSpPr>
+          <p:cNvPr id="18" name="Straight Connector 17">
+            <a:extLst>
+              <a:ext uri="{FF2B5EF4-FFF2-40B4-BE49-F238E27FC236}">
+                <a16:creationId xmlns:a16="http://schemas.microsoft.com/office/drawing/2014/main" id="{29875AE9-E54C-4972-A4D9-A84B7860A0D1}"/>
+              </a:ext>
+            </a:extLst>
+          </p:cNvPr>
+          <p:cNvCxnSpPr/>
+          <p:nvPr/>
+        </p:nvCxnSpPr>
+        <p:spPr>
+          <a:xfrm>
+            <a:off x="3992939" y="2546459"/>
+            <a:ext cx="0" cy="731520"/>
+          </a:xfrm>
+          <a:prstGeom prst="line">
+            <a:avLst/>
+          </a:prstGeom>
+          <a:ln w="6350">
+            <a:solidFill>
+              <a:schemeClr val="tx1"/>
+            </a:solidFill>
+            <a:prstDash val="dash"/>
+          </a:ln>
+        </p:spPr>
+        <p:style>
+          <a:lnRef idx="1">
+            <a:schemeClr val="accent1"/>
+          </a:lnRef>
+          <a:fillRef idx="0">
+            <a:schemeClr val="accent1"/>
+          </a:fillRef>
+          <a:effectRef idx="0">
+            <a:schemeClr val="accent1"/>
+          </a:effectRef>
+          <a:fontRef idx="minor">
+            <a:schemeClr val="tx1"/>
+          </a:fontRef>
+        </p:style>
+      </p:cxnSp>
+      <p:sp>
+        <p:nvSpPr>
+          <p:cNvPr id="19" name="Right Brace 18">
+            <a:extLst>
+              <a:ext uri="{FF2B5EF4-FFF2-40B4-BE49-F238E27FC236}">
+                <a16:creationId xmlns:a16="http://schemas.microsoft.com/office/drawing/2014/main" id="{1DC7A156-0602-41DB-AA7E-4ED9241D14A9}"/>
+              </a:ext>
+            </a:extLst>
+          </p:cNvPr>
+          <p:cNvSpPr/>
+          <p:nvPr/>
+        </p:nvSpPr>
+        <p:spPr>
+          <a:xfrm rot="10800000">
+            <a:off x="4100313" y="2408100"/>
+            <a:ext cx="46101" cy="246888"/>
+          </a:xfrm>
+          <a:prstGeom prst="rightBrace">
+            <a:avLst>
+              <a:gd name="adj1" fmla="val 147059"/>
+              <a:gd name="adj2" fmla="val 50000"/>
+            </a:avLst>
+          </a:prstGeom>
+          <a:ln w="6350">
+            <a:solidFill>
+              <a:schemeClr val="tx1"/>
+            </a:solidFill>
+          </a:ln>
+          <a:scene3d>
+            <a:camera prst="orthographicFront">
+              <a:rot lat="0" lon="0" rev="16200000"/>
+            </a:camera>
+            <a:lightRig rig="threePt" dir="t"/>
+          </a:scene3d>
+        </p:spPr>
+        <p:style>
+          <a:lnRef idx="1">
+            <a:schemeClr val="accent1"/>
+          </a:lnRef>
+          <a:fillRef idx="0">
+            <a:schemeClr val="accent1"/>
+          </a:fillRef>
+          <a:effectRef idx="0">
+            <a:schemeClr val="accent1"/>
+          </a:effectRef>
+          <a:fontRef idx="minor">
+            <a:schemeClr val="tx1"/>
+          </a:fontRef>
+        </p:style>
+        <p:txBody>
+          <a:bodyPr rtlCol="0" anchor="ctr"/>
+          <a:lstStyle/>
+          <a:p>
+            <a:pPr algn="ctr"/>
+            <a:endParaRPr lang="en-US"/>
+          </a:p>
+        </p:txBody>
+      </p:sp>
+      <p:sp>
+        <p:nvSpPr>
+          <p:cNvPr id="20" name="TextBox 19">
+            <a:extLst>
+              <a:ext uri="{FF2B5EF4-FFF2-40B4-BE49-F238E27FC236}">
+                <a16:creationId xmlns:a16="http://schemas.microsoft.com/office/drawing/2014/main" id="{B664F767-AFE7-44C7-9C6E-99B19961D6AA}"/>
+              </a:ext>
+            </a:extLst>
+          </p:cNvPr>
+          <p:cNvSpPr txBox="1"/>
+          <p:nvPr/>
+        </p:nvSpPr>
+        <p:spPr>
+          <a:xfrm>
+            <a:off x="4279202" y="2579315"/>
+            <a:ext cx="86562" cy="215444"/>
+          </a:xfrm>
+          <a:prstGeom prst="rect">
+            <a:avLst/>
+          </a:prstGeom>
+          <a:noFill/>
+        </p:spPr>
+        <p:txBody>
+          <a:bodyPr wrap="none" lIns="0" rIns="0" rtlCol="0">
+            <a:spAutoFit/>
+          </a:bodyPr>
+          <a:lstStyle/>
+          <a:p>
+            <a:r>
+              <a:rPr lang="en-US" altLang="zh-CN" sz="800" dirty="0"/>
+              <a:t>r2</a:t>
+            </a:r>
+            <a:endParaRPr lang="zh-CN" altLang="en-US" sz="800" dirty="0"/>
+          </a:p>
+        </p:txBody>
+      </p:sp>
+      <p:sp>
+        <p:nvSpPr>
+          <p:cNvPr id="21" name="Right Brace 20">
+            <a:extLst>
+              <a:ext uri="{FF2B5EF4-FFF2-40B4-BE49-F238E27FC236}">
+                <a16:creationId xmlns:a16="http://schemas.microsoft.com/office/drawing/2014/main" id="{400B6243-9243-4C18-9667-3EB19C9FB9DF}"/>
+              </a:ext>
+            </a:extLst>
+          </p:cNvPr>
+          <p:cNvSpPr/>
+          <p:nvPr/>
+        </p:nvSpPr>
+        <p:spPr>
+          <a:xfrm rot="10800000">
+            <a:off x="4299433" y="2660148"/>
+            <a:ext cx="46101" cy="246888"/>
+          </a:xfrm>
+          <a:prstGeom prst="rightBrace">
+            <a:avLst>
+              <a:gd name="adj1" fmla="val 147059"/>
+              <a:gd name="adj2" fmla="val 50000"/>
+            </a:avLst>
+          </a:prstGeom>
+          <a:ln w="6350">
+            <a:solidFill>
+              <a:schemeClr val="tx1"/>
+            </a:solidFill>
+          </a:ln>
+          <a:scene3d>
+            <a:camera prst="orthographicFront">
+              <a:rot lat="0" lon="0" rev="16200000"/>
+            </a:camera>
+            <a:lightRig rig="threePt" dir="t"/>
+          </a:scene3d>
+        </p:spPr>
+        <p:style>
+          <a:lnRef idx="1">
+            <a:schemeClr val="accent1"/>
+          </a:lnRef>
+          <a:fillRef idx="0">
+            <a:schemeClr val="accent1"/>
+          </a:fillRef>
+          <a:effectRef idx="0">
+            <a:schemeClr val="accent1"/>
+          </a:effectRef>
+          <a:fontRef idx="minor">
+            <a:schemeClr val="tx1"/>
+          </a:fontRef>
+        </p:style>
+        <p:txBody>
+          <a:bodyPr rtlCol="0" anchor="ctr"/>
+          <a:lstStyle/>
+          <a:p>
+            <a:pPr algn="ctr"/>
+            <a:endParaRPr lang="en-US"/>
+          </a:p>
+        </p:txBody>
+      </p:sp>
+      <p:sp>
+        <p:nvSpPr>
+          <p:cNvPr id="22" name="TextBox 21">
+            <a:extLst>
+              <a:ext uri="{FF2B5EF4-FFF2-40B4-BE49-F238E27FC236}">
+                <a16:creationId xmlns:a16="http://schemas.microsoft.com/office/drawing/2014/main" id="{0D0B6E98-5D25-4764-9D9D-A7E39BF77BDF}"/>
+              </a:ext>
+            </a:extLst>
+          </p:cNvPr>
+          <p:cNvSpPr txBox="1"/>
+          <p:nvPr/>
+        </p:nvSpPr>
+        <p:spPr>
+          <a:xfrm>
+            <a:off x="2663722" y="2332865"/>
+            <a:ext cx="86562" cy="215444"/>
+          </a:xfrm>
+          <a:prstGeom prst="rect">
+            <a:avLst/>
+          </a:prstGeom>
+          <a:noFill/>
+        </p:spPr>
+        <p:txBody>
+          <a:bodyPr wrap="none" lIns="0" rIns="0" rtlCol="0">
+            <a:spAutoFit/>
+          </a:bodyPr>
+          <a:lstStyle/>
+          <a:p>
+            <a:r>
+              <a:rPr lang="en-US" altLang="zh-CN" sz="800" dirty="0"/>
+              <a:t>r1</a:t>
+            </a:r>
+            <a:endParaRPr lang="zh-CN" altLang="en-US" sz="800" dirty="0"/>
+          </a:p>
+        </p:txBody>
+      </p:sp>
+      <p:cxnSp>
+        <p:nvCxnSpPr>
+          <p:cNvPr id="23" name="Straight Connector 22">
+            <a:extLst>
+              <a:ext uri="{FF2B5EF4-FFF2-40B4-BE49-F238E27FC236}">
+                <a16:creationId xmlns:a16="http://schemas.microsoft.com/office/drawing/2014/main" id="{3C5542E7-43FF-4684-B269-756D6DFF06E0}"/>
+              </a:ext>
+            </a:extLst>
+          </p:cNvPr>
+          <p:cNvCxnSpPr/>
+          <p:nvPr/>
+        </p:nvCxnSpPr>
+        <p:spPr>
+          <a:xfrm>
+            <a:off x="3233549" y="2806534"/>
+            <a:ext cx="0" cy="457200"/>
+          </a:xfrm>
+          <a:prstGeom prst="line">
+            <a:avLst/>
+          </a:prstGeom>
+          <a:ln w="6350">
+            <a:solidFill>
+              <a:schemeClr val="tx1"/>
+            </a:solidFill>
+            <a:prstDash val="dash"/>
+          </a:ln>
+        </p:spPr>
+        <p:style>
+          <a:lnRef idx="1">
+            <a:schemeClr val="accent1"/>
+          </a:lnRef>
+          <a:fillRef idx="0">
+            <a:schemeClr val="accent1"/>
+          </a:fillRef>
+          <a:effectRef idx="0">
+            <a:schemeClr val="accent1"/>
+          </a:effectRef>
+          <a:fontRef idx="minor">
+            <a:schemeClr val="tx1"/>
+          </a:fontRef>
+        </p:style>
+      </p:cxnSp>
+      <p:cxnSp>
+        <p:nvCxnSpPr>
+          <p:cNvPr id="24" name="Straight Connector 23">
+            <a:extLst>
+              <a:ext uri="{FF2B5EF4-FFF2-40B4-BE49-F238E27FC236}">
+                <a16:creationId xmlns:a16="http://schemas.microsoft.com/office/drawing/2014/main" id="{96ED4EF0-C76A-4A48-A1FD-602B9C0CB58D}"/>
+              </a:ext>
+            </a:extLst>
+          </p:cNvPr>
+          <p:cNvCxnSpPr/>
+          <p:nvPr/>
+        </p:nvCxnSpPr>
+        <p:spPr>
+          <a:xfrm>
+            <a:off x="2985985" y="2806534"/>
+            <a:ext cx="0" cy="457200"/>
+          </a:xfrm>
+          <a:prstGeom prst="line">
+            <a:avLst/>
+          </a:prstGeom>
+          <a:ln w="6350">
+            <a:solidFill>
+              <a:schemeClr val="tx1"/>
+            </a:solidFill>
+            <a:prstDash val="dash"/>
+          </a:ln>
+        </p:spPr>
+        <p:style>
+          <a:lnRef idx="1">
+            <a:schemeClr val="accent1"/>
+          </a:lnRef>
+          <a:fillRef idx="0">
+            <a:schemeClr val="accent1"/>
+          </a:fillRef>
+          <a:effectRef idx="0">
+            <a:schemeClr val="accent1"/>
+          </a:effectRef>
+          <a:fontRef idx="minor">
+            <a:schemeClr val="tx1"/>
+          </a:fontRef>
+        </p:style>
+      </p:cxnSp>
+      <p:cxnSp>
+        <p:nvCxnSpPr>
+          <p:cNvPr id="25" name="Straight Connector 24">
+            <a:extLst>
+              <a:ext uri="{FF2B5EF4-FFF2-40B4-BE49-F238E27FC236}">
+                <a16:creationId xmlns:a16="http://schemas.microsoft.com/office/drawing/2014/main" id="{1E660422-CEEF-4E12-B281-BBAFB8126D14}"/>
+              </a:ext>
+            </a:extLst>
+          </p:cNvPr>
+          <p:cNvCxnSpPr/>
+          <p:nvPr/>
+        </p:nvCxnSpPr>
+        <p:spPr>
+          <a:xfrm>
+            <a:off x="2824222" y="2544180"/>
+            <a:ext cx="0" cy="731520"/>
+          </a:xfrm>
+          <a:prstGeom prst="line">
+            <a:avLst/>
+          </a:prstGeom>
+          <a:ln w="6350">
+            <a:solidFill>
+              <a:schemeClr val="tx1"/>
+            </a:solidFill>
+            <a:prstDash val="dash"/>
+          </a:ln>
+        </p:spPr>
+        <p:style>
+          <a:lnRef idx="1">
+            <a:schemeClr val="accent1"/>
+          </a:lnRef>
+          <a:fillRef idx="0">
+            <a:schemeClr val="accent1"/>
+          </a:fillRef>
+          <a:effectRef idx="0">
+            <a:schemeClr val="accent1"/>
+          </a:effectRef>
+          <a:fontRef idx="minor">
+            <a:schemeClr val="tx1"/>
+          </a:fontRef>
+        </p:style>
+      </p:cxnSp>
+      <p:cxnSp>
+        <p:nvCxnSpPr>
+          <p:cNvPr id="26" name="Straight Connector 25">
+            <a:extLst>
+              <a:ext uri="{FF2B5EF4-FFF2-40B4-BE49-F238E27FC236}">
+                <a16:creationId xmlns:a16="http://schemas.microsoft.com/office/drawing/2014/main" id="{8C9787D7-8521-4511-8F1E-018224575440}"/>
+              </a:ext>
+            </a:extLst>
+          </p:cNvPr>
+          <p:cNvCxnSpPr/>
+          <p:nvPr/>
+        </p:nvCxnSpPr>
+        <p:spPr>
+          <a:xfrm>
+            <a:off x="2572222" y="2544180"/>
+            <a:ext cx="0" cy="731520"/>
+          </a:xfrm>
+          <a:prstGeom prst="line">
+            <a:avLst/>
+          </a:prstGeom>
+          <a:ln w="6350">
+            <a:solidFill>
+              <a:schemeClr val="tx1"/>
+            </a:solidFill>
+            <a:prstDash val="dash"/>
+          </a:ln>
+        </p:spPr>
+        <p:style>
+          <a:lnRef idx="1">
+            <a:schemeClr val="accent1"/>
+          </a:lnRef>
+          <a:fillRef idx="0">
+            <a:schemeClr val="accent1"/>
+          </a:fillRef>
+          <a:effectRef idx="0">
+            <a:schemeClr val="accent1"/>
+          </a:effectRef>
+          <a:fontRef idx="minor">
+            <a:schemeClr val="tx1"/>
+          </a:fontRef>
+        </p:style>
+      </p:cxnSp>
+      <p:sp>
+        <p:nvSpPr>
+          <p:cNvPr id="27" name="Right Brace 26">
+            <a:extLst>
+              <a:ext uri="{FF2B5EF4-FFF2-40B4-BE49-F238E27FC236}">
+                <a16:creationId xmlns:a16="http://schemas.microsoft.com/office/drawing/2014/main" id="{F4BA4FE1-C15E-4431-875A-05B518EC96B9}"/>
+              </a:ext>
+            </a:extLst>
+          </p:cNvPr>
+          <p:cNvSpPr/>
+          <p:nvPr/>
+        </p:nvSpPr>
+        <p:spPr>
+          <a:xfrm rot="10800000">
+            <a:off x="2679596" y="2405821"/>
+            <a:ext cx="46101" cy="246888"/>
+          </a:xfrm>
+          <a:prstGeom prst="rightBrace">
+            <a:avLst>
+              <a:gd name="adj1" fmla="val 147059"/>
+              <a:gd name="adj2" fmla="val 50000"/>
+            </a:avLst>
+          </a:prstGeom>
+          <a:ln w="6350">
+            <a:solidFill>
+              <a:schemeClr val="tx1"/>
+            </a:solidFill>
+          </a:ln>
+          <a:scene3d>
+            <a:camera prst="orthographicFront">
+              <a:rot lat="0" lon="0" rev="16200000"/>
+            </a:camera>
+            <a:lightRig rig="threePt" dir="t"/>
+          </a:scene3d>
+        </p:spPr>
+        <p:style>
+          <a:lnRef idx="1">
+            <a:schemeClr val="accent1"/>
+          </a:lnRef>
+          <a:fillRef idx="0">
+            <a:schemeClr val="accent1"/>
+          </a:fillRef>
+          <a:effectRef idx="0">
+            <a:schemeClr val="accent1"/>
+          </a:effectRef>
+          <a:fontRef idx="minor">
+            <a:schemeClr val="tx1"/>
+          </a:fontRef>
+        </p:style>
+        <p:txBody>
+          <a:bodyPr rtlCol="0" anchor="ctr"/>
+          <a:lstStyle/>
+          <a:p>
+            <a:pPr algn="ctr"/>
+            <a:endParaRPr lang="en-US"/>
+          </a:p>
+        </p:txBody>
+      </p:sp>
+      <p:sp>
+        <p:nvSpPr>
+          <p:cNvPr id="28" name="TextBox 27">
+            <a:extLst>
+              <a:ext uri="{FF2B5EF4-FFF2-40B4-BE49-F238E27FC236}">
+                <a16:creationId xmlns:a16="http://schemas.microsoft.com/office/drawing/2014/main" id="{2F730095-2668-48A1-BBA7-9D2024B08144}"/>
+              </a:ext>
+            </a:extLst>
+          </p:cNvPr>
+          <p:cNvSpPr txBox="1"/>
+          <p:nvPr/>
+        </p:nvSpPr>
+        <p:spPr>
+          <a:xfrm>
+            <a:off x="3072796" y="2579315"/>
+            <a:ext cx="86562" cy="215444"/>
+          </a:xfrm>
+          <a:prstGeom prst="rect">
+            <a:avLst/>
+          </a:prstGeom>
+          <a:noFill/>
+        </p:spPr>
+        <p:txBody>
+          <a:bodyPr wrap="none" lIns="0" rIns="0" rtlCol="0">
+            <a:spAutoFit/>
+          </a:bodyPr>
+          <a:lstStyle/>
+          <a:p>
+            <a:r>
+              <a:rPr lang="en-US" altLang="zh-CN" sz="800" dirty="0"/>
+              <a:t>r2</a:t>
+            </a:r>
+            <a:endParaRPr lang="zh-CN" altLang="en-US" sz="800" dirty="0"/>
+          </a:p>
+        </p:txBody>
+      </p:sp>
+      <p:sp>
+        <p:nvSpPr>
+          <p:cNvPr id="29" name="Right Brace 28">
+            <a:extLst>
+              <a:ext uri="{FF2B5EF4-FFF2-40B4-BE49-F238E27FC236}">
+                <a16:creationId xmlns:a16="http://schemas.microsoft.com/office/drawing/2014/main" id="{D07A72FD-1E19-4DD9-8ED7-77BF1D097781}"/>
+              </a:ext>
+            </a:extLst>
+          </p:cNvPr>
+          <p:cNvSpPr/>
+          <p:nvPr/>
+        </p:nvSpPr>
+        <p:spPr>
+          <a:xfrm rot="10800000">
+            <a:off x="3092583" y="2655271"/>
+            <a:ext cx="46101" cy="246888"/>
+          </a:xfrm>
+          <a:prstGeom prst="rightBrace">
+            <a:avLst>
+              <a:gd name="adj1" fmla="val 147059"/>
+              <a:gd name="adj2" fmla="val 50000"/>
+            </a:avLst>
+          </a:prstGeom>
+          <a:ln w="6350">
+            <a:solidFill>
+              <a:schemeClr val="tx1"/>
+            </a:solidFill>
+          </a:ln>
+          <a:scene3d>
+            <a:camera prst="orthographicFront">
+              <a:rot lat="0" lon="0" rev="16200000"/>
+            </a:camera>
+            <a:lightRig rig="threePt" dir="t"/>
+          </a:scene3d>
+        </p:spPr>
+        <p:style>
+          <a:lnRef idx="1">
+            <a:schemeClr val="accent1"/>
+          </a:lnRef>
+          <a:fillRef idx="0">
+            <a:schemeClr val="accent1"/>
+          </a:fillRef>
+          <a:effectRef idx="0">
+            <a:schemeClr val="accent1"/>
+          </a:effectRef>
+          <a:fontRef idx="minor">
+            <a:schemeClr val="tx1"/>
+          </a:fontRef>
+        </p:style>
+        <p:txBody>
+          <a:bodyPr rtlCol="0" anchor="ctr"/>
+          <a:lstStyle/>
+          <a:p>
+            <a:pPr algn="ctr"/>
+            <a:endParaRPr lang="en-US"/>
+          </a:p>
+        </p:txBody>
+      </p:sp>
+      <p:sp>
+        <p:nvSpPr>
+          <p:cNvPr id="30" name="TextBox 29">
+            <a:extLst>
+              <a:ext uri="{FF2B5EF4-FFF2-40B4-BE49-F238E27FC236}">
+                <a16:creationId xmlns:a16="http://schemas.microsoft.com/office/drawing/2014/main" id="{AD3C17E8-46B8-49D7-A188-5387334CD23F}"/>
+              </a:ext>
+            </a:extLst>
+          </p:cNvPr>
+          <p:cNvSpPr txBox="1"/>
+          <p:nvPr/>
+        </p:nvSpPr>
+        <p:spPr>
+          <a:xfrm>
+            <a:off x="3386855" y="3656374"/>
+            <a:ext cx="538609" cy="215444"/>
+          </a:xfrm>
+          <a:prstGeom prst="rect">
+            <a:avLst/>
+          </a:prstGeom>
+          <a:noFill/>
+        </p:spPr>
+        <p:txBody>
+          <a:bodyPr wrap="none" lIns="0" rIns="0" rtlCol="0">
+            <a:spAutoFit/>
+          </a:bodyPr>
+          <a:lstStyle/>
+          <a:p>
+            <a:r>
+              <a:rPr lang="en-US" altLang="zh-CN" sz="800" dirty="0" err="1"/>
+              <a:t>rSum</a:t>
+            </a:r>
+            <a:r>
+              <a:rPr lang="en-US" altLang="zh-CN" sz="800" dirty="0"/>
+              <a:t> = r1+r2</a:t>
+            </a:r>
+            <a:endParaRPr lang="zh-CN" altLang="en-US" sz="800" dirty="0"/>
+          </a:p>
+        </p:txBody>
+      </p:sp>
+    </p:spTree>
+    <p:extLst>
+      <p:ext uri="{BB962C8B-B14F-4D97-AF65-F5344CB8AC3E}">
+        <p14:creationId xmlns:p14="http://schemas.microsoft.com/office/powerpoint/2010/main" val="2798051584"/>
+      </p:ext>
+    </p:extLst>
+  </p:cSld>
+  <p:clrMapOvr>
+    <a:masterClrMapping/>
+  </p:clrMapOvr>
+</p:sld>
+</file>
+
+<file path=ppt/slides/slide2.xml><?xml version="1.0" encoding="utf-8"?>
 <p:sld xmlns:a="http://schemas.openxmlformats.org/drawingml/2006/main" xmlns:r="http://schemas.openxmlformats.org/officeDocument/2006/relationships" xmlns:p="http://schemas.openxmlformats.org/presentationml/2006/main">
   <p:cSld>
     <p:spTree>
@@ -4759,8 +6130,8 @@
           </a:p>
         </p:txBody>
       </p:sp>
-      <mc:AlternateContent xmlns:mc="http://schemas.openxmlformats.org/markup-compatibility/2006" xmlns:a14="http://schemas.microsoft.com/office/drawing/2010/main">
-        <mc:Choice Requires="a14">
+      <mc:AlternateContent xmlns:mc="http://schemas.openxmlformats.org/markup-compatibility/2006">
+        <mc:Choice xmlns:a14="http://schemas.microsoft.com/office/drawing/2010/main" Requires="a14">
           <p:sp>
             <p:nvSpPr>
               <p:cNvPr id="23" name="TextBox 22">
@@ -4809,7 +6180,7 @@
                         <a:rPr lang="en-US" altLang="zh-CN" sz="3200" b="0" i="0" smtClean="0">
                           <a:latin typeface="Cambria Math" panose="02040503050406030204" pitchFamily="18" charset="0"/>
                         </a:rPr>
-                        <m:t> 9−2</m:t>
+                        <m:t> 9−3</m:t>
                       </m:r>
                     </m:oMath>
                   </m:oMathPara>
@@ -4819,7 +6190,7 @@
             </p:txBody>
           </p:sp>
         </mc:Choice>
-        <mc:Fallback xmlns="">
+        <mc:Fallback>
           <p:sp>
             <p:nvSpPr>
               <p:cNvPr id="23" name="TextBox 22">
@@ -4877,7 +6248,7 @@
 </p:sld>
 </file>
 
-<file path=ppt/slides/slide2.xml><?xml version="1.0" encoding="utf-8"?>
+<file path=ppt/slides/slide3.xml><?xml version="1.0" encoding="utf-8"?>
 <p:sld xmlns:a="http://schemas.openxmlformats.org/drawingml/2006/main" xmlns:r="http://schemas.openxmlformats.org/officeDocument/2006/relationships" xmlns:p="http://schemas.openxmlformats.org/presentationml/2006/main">
   <p:cSld>
     <p:spTree>

--- a/Word/Diagrams/chapter9/chap 9.figures.pptx
+++ b/Word/Diagrams/chapter9/chap 9.figures.pptx
@@ -5,12 +5,13 @@
     <p:sldMasterId id="2147483660" r:id="rId1"/>
   </p:sldMasterIdLst>
   <p:notesMasterIdLst>
-    <p:notesMasterId r:id="rId5"/>
+    <p:notesMasterId r:id="rId6"/>
   </p:notesMasterIdLst>
   <p:sldIdLst>
     <p:sldId id="306" r:id="rId2"/>
     <p:sldId id="304" r:id="rId3"/>
     <p:sldId id="305" r:id="rId4"/>
+    <p:sldId id="307" r:id="rId5"/>
   </p:sldIdLst>
   <p:sldSz cx="9144000" cy="6858000" type="screen4x3"/>
   <p:notesSz cx="6858000" cy="9144000"/>
@@ -7971,7 +7972,7 @@
             <p:spPr>
               <a:xfrm>
                 <a:off x="2819400" y="4445951"/>
-                <a:ext cx="2259849" cy="584775"/>
+                <a:ext cx="2056460" cy="584775"/>
               </a:xfrm>
               <a:prstGeom prst="rect">
                 <a:avLst/>
@@ -7986,29 +7987,28 @@
               <a:p>
                 <a:pPr/>
                 <a14:m>
-                  <m:oMathPara xmlns:m="http://schemas.openxmlformats.org/officeDocument/2006/math">
-                    <m:oMathParaPr>
-                      <m:jc m:val="left"/>
-                    </m:oMathParaPr>
-                    <m:oMath xmlns:m="http://schemas.openxmlformats.org/officeDocument/2006/math">
-                      <m:r>
-                        <m:rPr>
-                          <m:sty m:val="p"/>
-                        </m:rPr>
-                        <a:rPr lang="en-US" altLang="zh-CN" sz="3200" b="0" i="0" smtClean="0">
-                          <a:latin typeface="Cambria Math" panose="02040503050406030204" pitchFamily="18" charset="0"/>
-                        </a:rPr>
-                        <m:t>Figure</m:t>
-                      </m:r>
-                      <m:r>
-                        <a:rPr lang="en-US" altLang="zh-CN" sz="3200" b="0" i="0" smtClean="0">
-                          <a:latin typeface="Cambria Math" panose="02040503050406030204" pitchFamily="18" charset="0"/>
-                        </a:rPr>
-                        <m:t> 9−3</m:t>
-                      </m:r>
-                    </m:oMath>
-                  </m:oMathPara>
+                  <m:oMath xmlns:m="http://schemas.openxmlformats.org/officeDocument/2006/math">
+                    <m:r>
+                      <m:rPr>
+                        <m:sty m:val="p"/>
+                      </m:rPr>
+                      <a:rPr lang="en-US" altLang="zh-CN" sz="3200" b="0" i="0" smtClean="0">
+                        <a:latin typeface="Cambria Math" panose="02040503050406030204" pitchFamily="18" charset="0"/>
+                      </a:rPr>
+                      <m:t>Figure</m:t>
+                    </m:r>
+                    <m:r>
+                      <a:rPr lang="en-US" altLang="zh-CN" sz="3200" b="0" i="0" smtClean="0">
+                        <a:latin typeface="Cambria Math" panose="02040503050406030204" pitchFamily="18" charset="0"/>
+                      </a:rPr>
+                      <m:t> 9−</m:t>
+                    </m:r>
+                  </m:oMath>
                 </a14:m>
+                <a:r>
+                  <a:rPr lang="en-US" sz="3200" dirty="0"/>
+                  <a:t>4</a:t>
+                </a:r>
                 <a:endParaRPr sz="3200" dirty="0"/>
               </a:p>
             </p:txBody>
@@ -8032,7 +8032,7 @@
             <p:spPr>
               <a:xfrm>
                 <a:off x="2819400" y="4445951"/>
-                <a:ext cx="2259849" cy="584775"/>
+                <a:ext cx="2056460" cy="584775"/>
               </a:xfrm>
               <a:prstGeom prst="rect">
                 <a:avLst/>
@@ -8040,7 +8040,7 @@
               <a:blipFill>
                 <a:blip r:embed="rId2"/>
                 <a:stretch>
-                  <a:fillRect/>
+                  <a:fillRect t="-12500" r="-10979" b="-34375"/>
                 </a:stretch>
               </a:blipFill>
             </p:spPr>
@@ -8063,6 +8063,1472 @@
     <p:extLst>
       <p:ext uri="{BB962C8B-B14F-4D97-AF65-F5344CB8AC3E}">
         <p14:creationId xmlns:p14="http://schemas.microsoft.com/office/powerpoint/2010/main" val="2859792798"/>
+      </p:ext>
+    </p:extLst>
+  </p:cSld>
+  <p:clrMapOvr>
+    <a:masterClrMapping/>
+  </p:clrMapOvr>
+</p:sld>
+</file>
+
+<file path=ppt/slides/slide4.xml><?xml version="1.0" encoding="utf-8"?>
+<p:sld xmlns:a="http://schemas.openxmlformats.org/drawingml/2006/main" xmlns:r="http://schemas.openxmlformats.org/officeDocument/2006/relationships" xmlns:p="http://schemas.openxmlformats.org/presentationml/2006/main">
+  <p:cSld>
+    <p:spTree>
+      <p:nvGrpSpPr>
+        <p:cNvPr id="1" name=""/>
+        <p:cNvGrpSpPr/>
+        <p:nvPr/>
+      </p:nvGrpSpPr>
+      <p:grpSpPr>
+        <a:xfrm>
+          <a:off x="0" y="0"/>
+          <a:ext cx="0" cy="0"/>
+          <a:chOff x="0" y="0"/>
+          <a:chExt cx="0" cy="0"/>
+        </a:xfrm>
+      </p:grpSpPr>
+      <p:sp>
+        <p:nvSpPr>
+          <p:cNvPr id="2" name="Rectangle 1">
+            <a:extLst>
+              <a:ext uri="{FF2B5EF4-FFF2-40B4-BE49-F238E27FC236}">
+                <a16:creationId xmlns:a16="http://schemas.microsoft.com/office/drawing/2014/main" id="{21AC6B1C-E8CD-420B-9818-142FA0ED43BB}"/>
+              </a:ext>
+            </a:extLst>
+          </p:cNvPr>
+          <p:cNvSpPr/>
+          <p:nvPr/>
+        </p:nvSpPr>
+        <p:spPr>
+          <a:xfrm>
+            <a:off x="1676400" y="1974675"/>
+            <a:ext cx="4267200" cy="2324099"/>
+          </a:xfrm>
+          <a:prstGeom prst="rect">
+            <a:avLst/>
+          </a:prstGeom>
+          <a:noFill/>
+          <a:ln w="9525">
+            <a:prstDash val="sysDash"/>
+          </a:ln>
+        </p:spPr>
+        <p:style>
+          <a:lnRef idx="2">
+            <a:schemeClr val="accent1">
+              <a:shade val="50000"/>
+            </a:schemeClr>
+          </a:lnRef>
+          <a:fillRef idx="1">
+            <a:schemeClr val="accent1"/>
+          </a:fillRef>
+          <a:effectRef idx="0">
+            <a:schemeClr val="accent1"/>
+          </a:effectRef>
+          <a:fontRef idx="minor">
+            <a:schemeClr val="lt1"/>
+          </a:fontRef>
+        </p:style>
+        <p:txBody>
+          <a:bodyPr rtlCol="0" anchor="ctr"/>
+          <a:lstStyle/>
+          <a:p>
+            <a:pPr algn="ctr"/>
+            <a:endParaRPr lang="en-US" sz="800"/>
+          </a:p>
+        </p:txBody>
+      </p:sp>
+      <p:sp>
+        <p:nvSpPr>
+          <p:cNvPr id="3" name="TextBox 2">
+            <a:extLst>
+              <a:ext uri="{FF2B5EF4-FFF2-40B4-BE49-F238E27FC236}">
+                <a16:creationId xmlns:a16="http://schemas.microsoft.com/office/drawing/2014/main" id="{9079339F-0892-4094-B87C-F308FDB5C453}"/>
+              </a:ext>
+            </a:extLst>
+          </p:cNvPr>
+          <p:cNvSpPr txBox="1"/>
+          <p:nvPr/>
+        </p:nvSpPr>
+        <p:spPr>
+          <a:xfrm>
+            <a:off x="3056442" y="4301734"/>
+            <a:ext cx="2125158" cy="338554"/>
+          </a:xfrm>
+          <a:prstGeom prst="rect">
+            <a:avLst/>
+          </a:prstGeom>
+          <a:noFill/>
+          <a:ln>
+            <a:noFill/>
+          </a:ln>
+        </p:spPr>
+        <p:txBody>
+          <a:bodyPr wrap="square" lIns="0" rIns="0" rtlCol="0">
+            <a:spAutoFit/>
+          </a:bodyPr>
+          <a:lstStyle/>
+          <a:p>
+            <a:r>
+              <a:rPr lang="en-US" altLang="zh-TW" sz="1600"/>
+              <a:t>Figure 9-6</a:t>
+            </a:r>
+            <a:endParaRPr lang="en-US" altLang="zh-TW" sz="1600" dirty="0"/>
+          </a:p>
+        </p:txBody>
+      </p:sp>
+      <p:sp>
+        <p:nvSpPr>
+          <p:cNvPr id="4" name="同心圆 20">
+            <a:extLst>
+              <a:ext uri="{FF2B5EF4-FFF2-40B4-BE49-F238E27FC236}">
+                <a16:creationId xmlns:a16="http://schemas.microsoft.com/office/drawing/2014/main" id="{90431658-A535-4D95-9345-8393B315083E}"/>
+              </a:ext>
+            </a:extLst>
+          </p:cNvPr>
+          <p:cNvSpPr>
+            <a:spLocks noChangeAspect="1"/>
+          </p:cNvSpPr>
+          <p:nvPr/>
+        </p:nvSpPr>
+        <p:spPr>
+          <a:xfrm>
+            <a:off x="3075701" y="2966754"/>
+            <a:ext cx="720000" cy="720000"/>
+          </a:xfrm>
+          <a:prstGeom prst="donut">
+            <a:avLst>
+              <a:gd name="adj" fmla="val 49118"/>
+            </a:avLst>
+          </a:prstGeom>
+          <a:solidFill>
+            <a:schemeClr val="bg1"/>
+          </a:solidFill>
+          <a:ln w="12700">
+            <a:solidFill>
+              <a:schemeClr val="tx1"/>
+            </a:solidFill>
+          </a:ln>
+        </p:spPr>
+        <p:style>
+          <a:lnRef idx="2">
+            <a:schemeClr val="accent1">
+              <a:shade val="50000"/>
+            </a:schemeClr>
+          </a:lnRef>
+          <a:fillRef idx="1">
+            <a:schemeClr val="accent1"/>
+          </a:fillRef>
+          <a:effectRef idx="0">
+            <a:schemeClr val="accent1"/>
+          </a:effectRef>
+          <a:fontRef idx="minor">
+            <a:schemeClr val="lt1"/>
+          </a:fontRef>
+        </p:style>
+        <p:txBody>
+          <a:bodyPr rtlCol="0" anchor="ctr"/>
+          <a:lstStyle/>
+          <a:p>
+            <a:pPr algn="ctr"/>
+            <a:endParaRPr lang="zh-CN" altLang="en-US">
+              <a:solidFill>
+                <a:schemeClr val="tx1"/>
+              </a:solidFill>
+            </a:endParaRPr>
+          </a:p>
+        </p:txBody>
+      </p:sp>
+      <p:sp>
+        <p:nvSpPr>
+          <p:cNvPr id="5" name="TextBox 4">
+            <a:extLst>
+              <a:ext uri="{FF2B5EF4-FFF2-40B4-BE49-F238E27FC236}">
+                <a16:creationId xmlns:a16="http://schemas.microsoft.com/office/drawing/2014/main" id="{74F26769-B139-4E96-89D9-AA76D8766DBB}"/>
+              </a:ext>
+            </a:extLst>
+          </p:cNvPr>
+          <p:cNvSpPr txBox="1"/>
+          <p:nvPr/>
+        </p:nvSpPr>
+        <p:spPr>
+          <a:xfrm>
+            <a:off x="3290469" y="2600073"/>
+            <a:ext cx="290464" cy="230832"/>
+          </a:xfrm>
+          <a:prstGeom prst="rect">
+            <a:avLst/>
+          </a:prstGeom>
+          <a:noFill/>
+        </p:spPr>
+        <p:txBody>
+          <a:bodyPr wrap="none" rtlCol="0">
+            <a:spAutoFit/>
+          </a:bodyPr>
+          <a:lstStyle/>
+          <a:p>
+            <a:r>
+              <a:rPr lang="en-US" altLang="zh-CN" sz="900" dirty="0"/>
+              <a:t>c1</a:t>
+            </a:r>
+            <a:endParaRPr lang="zh-CN" altLang="en-US" sz="900" dirty="0"/>
+          </a:p>
+        </p:txBody>
+      </p:sp>
+      <p:sp>
+        <p:nvSpPr>
+          <p:cNvPr id="6" name="TextBox 5">
+            <a:extLst>
+              <a:ext uri="{FF2B5EF4-FFF2-40B4-BE49-F238E27FC236}">
+                <a16:creationId xmlns:a16="http://schemas.microsoft.com/office/drawing/2014/main" id="{C9BE202B-4E1F-43B3-8D4B-5D839CCEB59A}"/>
+              </a:ext>
+            </a:extLst>
+          </p:cNvPr>
+          <p:cNvSpPr txBox="1"/>
+          <p:nvPr/>
+        </p:nvSpPr>
+        <p:spPr>
+          <a:xfrm>
+            <a:off x="3290469" y="3451693"/>
+            <a:ext cx="290464" cy="230832"/>
+          </a:xfrm>
+          <a:prstGeom prst="rect">
+            <a:avLst/>
+          </a:prstGeom>
+          <a:noFill/>
+        </p:spPr>
+        <p:txBody>
+          <a:bodyPr wrap="none" rtlCol="0">
+            <a:spAutoFit/>
+          </a:bodyPr>
+          <a:lstStyle/>
+          <a:p>
+            <a:r>
+              <a:rPr lang="en-US" altLang="zh-CN" sz="900" dirty="0"/>
+              <a:t>c2</a:t>
+            </a:r>
+            <a:endParaRPr lang="zh-CN" altLang="en-US" sz="900" dirty="0"/>
+          </a:p>
+        </p:txBody>
+      </p:sp>
+      <p:sp>
+        <p:nvSpPr>
+          <p:cNvPr id="7" name="TextBox 6">
+            <a:extLst>
+              <a:ext uri="{FF2B5EF4-FFF2-40B4-BE49-F238E27FC236}">
+                <a16:creationId xmlns:a16="http://schemas.microsoft.com/office/drawing/2014/main" id="{F6565BED-121E-4EF3-8B09-A09370F1FF88}"/>
+              </a:ext>
+            </a:extLst>
+          </p:cNvPr>
+          <p:cNvSpPr txBox="1"/>
+          <p:nvPr/>
+        </p:nvSpPr>
+        <p:spPr>
+          <a:xfrm>
+            <a:off x="2251311" y="3126581"/>
+            <a:ext cx="455253" cy="215444"/>
+          </a:xfrm>
+          <a:prstGeom prst="rect">
+            <a:avLst/>
+          </a:prstGeom>
+          <a:noFill/>
+        </p:spPr>
+        <p:txBody>
+          <a:bodyPr wrap="none" lIns="0" rIns="0" rtlCol="0">
+            <a:spAutoFit/>
+          </a:bodyPr>
+          <a:lstStyle/>
+          <a:p>
+            <a:r>
+              <a:rPr lang="en-US" altLang="zh-CN" sz="800" dirty="0"/>
+              <a:t>vFrom1to2</a:t>
+            </a:r>
+            <a:endParaRPr lang="zh-CN" altLang="en-US" sz="800" dirty="0"/>
+          </a:p>
+        </p:txBody>
+      </p:sp>
+      <p:sp>
+        <p:nvSpPr>
+          <p:cNvPr id="8" name="同心圆 8">
+            <a:extLst>
+              <a:ext uri="{FF2B5EF4-FFF2-40B4-BE49-F238E27FC236}">
+                <a16:creationId xmlns:a16="http://schemas.microsoft.com/office/drawing/2014/main" id="{C6987532-0A3C-41D7-B99A-26EC200D7A31}"/>
+              </a:ext>
+            </a:extLst>
+          </p:cNvPr>
+          <p:cNvSpPr/>
+          <p:nvPr/>
+        </p:nvSpPr>
+        <p:spPr>
+          <a:xfrm>
+            <a:off x="3183701" y="2624970"/>
+            <a:ext cx="504000" cy="503854"/>
+          </a:xfrm>
+          <a:prstGeom prst="donut">
+            <a:avLst>
+              <a:gd name="adj" fmla="val 48659"/>
+            </a:avLst>
+          </a:prstGeom>
+          <a:noFill/>
+          <a:ln w="12700">
+            <a:solidFill>
+              <a:schemeClr val="tx1"/>
+            </a:solidFill>
+          </a:ln>
+        </p:spPr>
+        <p:style>
+          <a:lnRef idx="2">
+            <a:schemeClr val="accent1">
+              <a:shade val="50000"/>
+            </a:schemeClr>
+          </a:lnRef>
+          <a:fillRef idx="1">
+            <a:schemeClr val="accent1"/>
+          </a:fillRef>
+          <a:effectRef idx="0">
+            <a:schemeClr val="accent1"/>
+          </a:effectRef>
+          <a:fontRef idx="minor">
+            <a:schemeClr val="lt1"/>
+          </a:fontRef>
+        </p:style>
+        <p:txBody>
+          <a:bodyPr rtlCol="0" anchor="ctr"/>
+          <a:lstStyle/>
+          <a:p>
+            <a:pPr algn="ctr"/>
+            <a:endParaRPr lang="zh-CN" altLang="en-US" dirty="0">
+              <a:solidFill>
+                <a:schemeClr val="tx1"/>
+              </a:solidFill>
+            </a:endParaRPr>
+          </a:p>
+        </p:txBody>
+      </p:sp>
+      <p:cxnSp>
+        <p:nvCxnSpPr>
+          <p:cNvPr id="9" name="直接箭头连接符 5">
+            <a:extLst>
+              <a:ext uri="{FF2B5EF4-FFF2-40B4-BE49-F238E27FC236}">
+                <a16:creationId xmlns:a16="http://schemas.microsoft.com/office/drawing/2014/main" id="{CB40CDEE-8EE4-4B3F-99F9-5C10865FA500}"/>
+              </a:ext>
+            </a:extLst>
+          </p:cNvPr>
+          <p:cNvCxnSpPr/>
+          <p:nvPr/>
+        </p:nvCxnSpPr>
+        <p:spPr>
+          <a:xfrm>
+            <a:off x="3435701" y="2876897"/>
+            <a:ext cx="0" cy="449857"/>
+          </a:xfrm>
+          <a:prstGeom prst="straightConnector1">
+            <a:avLst/>
+          </a:prstGeom>
+          <a:ln w="9525">
+            <a:solidFill>
+              <a:schemeClr val="tx1"/>
+            </a:solidFill>
+            <a:headEnd w="sm" len="sm"/>
+            <a:tailEnd type="triangle" w="sm" len="sm"/>
+          </a:ln>
+        </p:spPr>
+        <p:style>
+          <a:lnRef idx="1">
+            <a:schemeClr val="accent1"/>
+          </a:lnRef>
+          <a:fillRef idx="0">
+            <a:schemeClr val="accent1"/>
+          </a:fillRef>
+          <a:effectRef idx="0">
+            <a:schemeClr val="accent1"/>
+          </a:effectRef>
+          <a:fontRef idx="minor">
+            <a:schemeClr val="tx1"/>
+          </a:fontRef>
+        </p:style>
+      </p:cxnSp>
+      <p:sp>
+        <p:nvSpPr>
+          <p:cNvPr id="10" name="椭圆 12">
+            <a:extLst>
+              <a:ext uri="{FF2B5EF4-FFF2-40B4-BE49-F238E27FC236}">
+                <a16:creationId xmlns:a16="http://schemas.microsoft.com/office/drawing/2014/main" id="{949871F9-8A99-4AED-B017-538673AD14D8}"/>
+              </a:ext>
+            </a:extLst>
+          </p:cNvPr>
+          <p:cNvSpPr/>
+          <p:nvPr/>
+        </p:nvSpPr>
+        <p:spPr>
+          <a:xfrm>
+            <a:off x="3417701" y="2948754"/>
+            <a:ext cx="36000" cy="36000"/>
+          </a:xfrm>
+          <a:prstGeom prst="ellipse">
+            <a:avLst/>
+          </a:prstGeom>
+          <a:solidFill>
+            <a:schemeClr val="tx1"/>
+          </a:solidFill>
+          <a:ln>
+            <a:noFill/>
+          </a:ln>
+        </p:spPr>
+        <p:style>
+          <a:lnRef idx="2">
+            <a:schemeClr val="accent1">
+              <a:shade val="50000"/>
+            </a:schemeClr>
+          </a:lnRef>
+          <a:fillRef idx="1">
+            <a:schemeClr val="accent1"/>
+          </a:fillRef>
+          <a:effectRef idx="0">
+            <a:schemeClr val="accent1"/>
+          </a:effectRef>
+          <a:fontRef idx="minor">
+            <a:schemeClr val="lt1"/>
+          </a:fontRef>
+        </p:style>
+        <p:txBody>
+          <a:bodyPr rtlCol="0" anchor="ctr"/>
+          <a:lstStyle/>
+          <a:p>
+            <a:pPr algn="ctr"/>
+            <a:endParaRPr lang="zh-CN" altLang="en-US"/>
+          </a:p>
+        </p:txBody>
+      </p:sp>
+      <p:sp>
+        <p:nvSpPr>
+          <p:cNvPr id="11" name="TextBox 10">
+            <a:extLst>
+              <a:ext uri="{FF2B5EF4-FFF2-40B4-BE49-F238E27FC236}">
+                <a16:creationId xmlns:a16="http://schemas.microsoft.com/office/drawing/2014/main" id="{4981F974-F1AA-403C-8D30-26C321B438DF}"/>
+              </a:ext>
+            </a:extLst>
+          </p:cNvPr>
+          <p:cNvSpPr txBox="1"/>
+          <p:nvPr/>
+        </p:nvSpPr>
+        <p:spPr>
+          <a:xfrm>
+            <a:off x="1890635" y="2859826"/>
+            <a:ext cx="815929" cy="215444"/>
+          </a:xfrm>
+          <a:prstGeom prst="rect">
+            <a:avLst/>
+          </a:prstGeom>
+          <a:noFill/>
+        </p:spPr>
+        <p:txBody>
+          <a:bodyPr wrap="none" lIns="0" rIns="0" rtlCol="0">
+            <a:spAutoFit/>
+          </a:bodyPr>
+          <a:lstStyle/>
+          <a:p>
+            <a:r>
+              <a:rPr lang="en-US" altLang="zh-CN" sz="800" dirty="0"/>
+              <a:t>collisionInfo.mStart</a:t>
+            </a:r>
+            <a:endParaRPr lang="zh-CN" altLang="en-US" sz="800" dirty="0"/>
+          </a:p>
+        </p:txBody>
+      </p:sp>
+      <p:cxnSp>
+        <p:nvCxnSpPr>
+          <p:cNvPr id="12" name="直接连接符 55">
+            <a:extLst>
+              <a:ext uri="{FF2B5EF4-FFF2-40B4-BE49-F238E27FC236}">
+                <a16:creationId xmlns:a16="http://schemas.microsoft.com/office/drawing/2014/main" id="{329CA3D8-99B8-4AF2-BE89-D90CC99343CE}"/>
+              </a:ext>
+            </a:extLst>
+          </p:cNvPr>
+          <p:cNvCxnSpPr/>
+          <p:nvPr/>
+        </p:nvCxnSpPr>
+        <p:spPr>
+          <a:xfrm>
+            <a:off x="3435699" y="3326755"/>
+            <a:ext cx="1645920" cy="1667"/>
+          </a:xfrm>
+          <a:prstGeom prst="line">
+            <a:avLst/>
+          </a:prstGeom>
+          <a:ln w="6350">
+            <a:solidFill>
+              <a:schemeClr val="tx1"/>
+            </a:solidFill>
+            <a:prstDash val="dash"/>
+          </a:ln>
+        </p:spPr>
+        <p:style>
+          <a:lnRef idx="1">
+            <a:schemeClr val="accent1"/>
+          </a:lnRef>
+          <a:fillRef idx="0">
+            <a:schemeClr val="accent1"/>
+          </a:fillRef>
+          <a:effectRef idx="0">
+            <a:schemeClr val="accent1"/>
+          </a:effectRef>
+          <a:fontRef idx="minor">
+            <a:schemeClr val="tx1"/>
+          </a:fontRef>
+        </p:style>
+      </p:cxnSp>
+      <p:cxnSp>
+        <p:nvCxnSpPr>
+          <p:cNvPr id="13" name="直接连接符 57">
+            <a:extLst>
+              <a:ext uri="{FF2B5EF4-FFF2-40B4-BE49-F238E27FC236}">
+                <a16:creationId xmlns:a16="http://schemas.microsoft.com/office/drawing/2014/main" id="{881F0809-9703-430D-B55D-946475A42EEE}"/>
+              </a:ext>
+            </a:extLst>
+          </p:cNvPr>
+          <p:cNvCxnSpPr/>
+          <p:nvPr/>
+        </p:nvCxnSpPr>
+        <p:spPr>
+          <a:xfrm flipV="1">
+            <a:off x="3435700" y="2867056"/>
+            <a:ext cx="1645920" cy="0"/>
+          </a:xfrm>
+          <a:prstGeom prst="line">
+            <a:avLst/>
+          </a:prstGeom>
+          <a:ln w="6350">
+            <a:solidFill>
+              <a:schemeClr val="tx1"/>
+            </a:solidFill>
+            <a:prstDash val="dash"/>
+          </a:ln>
+        </p:spPr>
+        <p:style>
+          <a:lnRef idx="1">
+            <a:schemeClr val="accent1"/>
+          </a:lnRef>
+          <a:fillRef idx="0">
+            <a:schemeClr val="accent1"/>
+          </a:fillRef>
+          <a:effectRef idx="0">
+            <a:schemeClr val="accent1"/>
+          </a:effectRef>
+          <a:fontRef idx="minor">
+            <a:schemeClr val="tx1"/>
+          </a:fontRef>
+        </p:style>
+      </p:cxnSp>
+      <p:sp>
+        <p:nvSpPr>
+          <p:cNvPr id="14" name="TextBox 13">
+            <a:extLst>
+              <a:ext uri="{FF2B5EF4-FFF2-40B4-BE49-F238E27FC236}">
+                <a16:creationId xmlns:a16="http://schemas.microsoft.com/office/drawing/2014/main" id="{1EADE33F-5D42-443A-95E7-B0B9976839C5}"/>
+              </a:ext>
+            </a:extLst>
+          </p:cNvPr>
+          <p:cNvSpPr txBox="1"/>
+          <p:nvPr/>
+        </p:nvSpPr>
+        <p:spPr>
+          <a:xfrm>
+            <a:off x="5230197" y="2936176"/>
+            <a:ext cx="152286" cy="215444"/>
+          </a:xfrm>
+          <a:prstGeom prst="rect">
+            <a:avLst/>
+          </a:prstGeom>
+          <a:noFill/>
+        </p:spPr>
+        <p:txBody>
+          <a:bodyPr wrap="none" lIns="0" rIns="0" rtlCol="0">
+            <a:spAutoFit/>
+          </a:bodyPr>
+          <a:lstStyle/>
+          <a:p>
+            <a:r>
+              <a:rPr lang="en-US" altLang="zh-CN" sz="800" dirty="0"/>
+              <a:t>dist</a:t>
+            </a:r>
+            <a:endParaRPr lang="zh-CN" altLang="en-US" sz="800" dirty="0"/>
+          </a:p>
+        </p:txBody>
+      </p:sp>
+      <p:cxnSp>
+        <p:nvCxnSpPr>
+          <p:cNvPr id="15" name="直接连接符 62">
+            <a:extLst>
+              <a:ext uri="{FF2B5EF4-FFF2-40B4-BE49-F238E27FC236}">
+                <a16:creationId xmlns:a16="http://schemas.microsoft.com/office/drawing/2014/main" id="{6D00169A-FA3E-4226-8A92-E1A5FC1331F5}"/>
+              </a:ext>
+            </a:extLst>
+          </p:cNvPr>
+          <p:cNvCxnSpPr/>
+          <p:nvPr/>
+        </p:nvCxnSpPr>
+        <p:spPr>
+          <a:xfrm>
+            <a:off x="3442050" y="3128824"/>
+            <a:ext cx="437951" cy="0"/>
+          </a:xfrm>
+          <a:prstGeom prst="line">
+            <a:avLst/>
+          </a:prstGeom>
+          <a:ln w="6350">
+            <a:solidFill>
+              <a:schemeClr val="tx1"/>
+            </a:solidFill>
+            <a:prstDash val="dash"/>
+          </a:ln>
+        </p:spPr>
+        <p:style>
+          <a:lnRef idx="1">
+            <a:schemeClr val="accent1"/>
+          </a:lnRef>
+          <a:fillRef idx="0">
+            <a:schemeClr val="accent1"/>
+          </a:fillRef>
+          <a:effectRef idx="0">
+            <a:schemeClr val="accent1"/>
+          </a:effectRef>
+          <a:fontRef idx="minor">
+            <a:schemeClr val="tx1"/>
+          </a:fontRef>
+        </p:style>
+      </p:cxnSp>
+      <p:cxnSp>
+        <p:nvCxnSpPr>
+          <p:cNvPr id="16" name="直接连接符 64">
+            <a:extLst>
+              <a:ext uri="{FF2B5EF4-FFF2-40B4-BE49-F238E27FC236}">
+                <a16:creationId xmlns:a16="http://schemas.microsoft.com/office/drawing/2014/main" id="{56598C45-D13C-4013-A7F3-358AFBC406DC}"/>
+              </a:ext>
+            </a:extLst>
+          </p:cNvPr>
+          <p:cNvCxnSpPr/>
+          <p:nvPr/>
+        </p:nvCxnSpPr>
+        <p:spPr>
+          <a:xfrm>
+            <a:off x="3435700" y="2968879"/>
+            <a:ext cx="437951" cy="0"/>
+          </a:xfrm>
+          <a:prstGeom prst="line">
+            <a:avLst/>
+          </a:prstGeom>
+          <a:ln w="6350">
+            <a:solidFill>
+              <a:schemeClr val="tx1"/>
+            </a:solidFill>
+            <a:prstDash val="dash"/>
+          </a:ln>
+        </p:spPr>
+        <p:style>
+          <a:lnRef idx="1">
+            <a:schemeClr val="accent1"/>
+          </a:lnRef>
+          <a:fillRef idx="0">
+            <a:schemeClr val="accent1"/>
+          </a:fillRef>
+          <a:effectRef idx="0">
+            <a:schemeClr val="accent1"/>
+          </a:effectRef>
+          <a:fontRef idx="minor">
+            <a:schemeClr val="tx1"/>
+          </a:fontRef>
+        </p:style>
+      </p:cxnSp>
+      <p:sp>
+        <p:nvSpPr>
+          <p:cNvPr id="17" name="TextBox 16">
+            <a:extLst>
+              <a:ext uri="{FF2B5EF4-FFF2-40B4-BE49-F238E27FC236}">
+                <a16:creationId xmlns:a16="http://schemas.microsoft.com/office/drawing/2014/main" id="{F0F39A1A-C5FE-4D06-8A86-A508FDA3A422}"/>
+              </a:ext>
+            </a:extLst>
+          </p:cNvPr>
+          <p:cNvSpPr txBox="1"/>
+          <p:nvPr/>
+        </p:nvSpPr>
+        <p:spPr>
+          <a:xfrm>
+            <a:off x="3985374" y="2936176"/>
+            <a:ext cx="945772" cy="215444"/>
+          </a:xfrm>
+          <a:prstGeom prst="rect">
+            <a:avLst/>
+          </a:prstGeom>
+          <a:noFill/>
+        </p:spPr>
+        <p:txBody>
+          <a:bodyPr wrap="none" lIns="0" rIns="0" rtlCol="0">
+            <a:spAutoFit/>
+          </a:bodyPr>
+          <a:lstStyle/>
+          <a:p>
+            <a:r>
+              <a:rPr lang="en-US" altLang="zh-CN" sz="800" dirty="0" err="1"/>
+              <a:t>mDepth</a:t>
+            </a:r>
+            <a:r>
+              <a:rPr lang="en-US" altLang="zh-CN" sz="800" dirty="0"/>
+              <a:t> = </a:t>
+            </a:r>
+            <a:r>
+              <a:rPr lang="en-US" altLang="zh-CN" sz="800" dirty="0" err="1"/>
+              <a:t>rSum</a:t>
+            </a:r>
+            <a:r>
+              <a:rPr lang="en-US" altLang="zh-CN" sz="800" dirty="0"/>
+              <a:t>  –  dist</a:t>
+            </a:r>
+            <a:endParaRPr lang="zh-CN" altLang="en-US" sz="800" dirty="0"/>
+          </a:p>
+        </p:txBody>
+      </p:sp>
+      <p:sp>
+        <p:nvSpPr>
+          <p:cNvPr id="18" name="Right Brace 17">
+            <a:extLst>
+              <a:ext uri="{FF2B5EF4-FFF2-40B4-BE49-F238E27FC236}">
+                <a16:creationId xmlns:a16="http://schemas.microsoft.com/office/drawing/2014/main" id="{48728CAB-EE38-4ED1-BEE2-B91A1EB015C8}"/>
+              </a:ext>
+            </a:extLst>
+          </p:cNvPr>
+          <p:cNvSpPr/>
+          <p:nvPr/>
+        </p:nvSpPr>
+        <p:spPr>
+          <a:xfrm rot="-5400000">
+            <a:off x="5112312" y="2869393"/>
+            <a:ext cx="46101" cy="457200"/>
+          </a:xfrm>
+          <a:prstGeom prst="rightBrace">
+            <a:avLst>
+              <a:gd name="adj1" fmla="val 147059"/>
+              <a:gd name="adj2" fmla="val 50000"/>
+            </a:avLst>
+          </a:prstGeom>
+          <a:ln w="6350">
+            <a:solidFill>
+              <a:schemeClr val="tx1"/>
+            </a:solidFill>
+          </a:ln>
+          <a:scene3d>
+            <a:camera prst="orthographicFront">
+              <a:rot lat="0" lon="0" rev="16200000"/>
+            </a:camera>
+            <a:lightRig rig="threePt" dir="t"/>
+          </a:scene3d>
+        </p:spPr>
+        <p:style>
+          <a:lnRef idx="1">
+            <a:schemeClr val="accent1"/>
+          </a:lnRef>
+          <a:fillRef idx="0">
+            <a:schemeClr val="accent1"/>
+          </a:fillRef>
+          <a:effectRef idx="0">
+            <a:schemeClr val="accent1"/>
+          </a:effectRef>
+          <a:fontRef idx="minor">
+            <a:schemeClr val="tx1"/>
+          </a:fontRef>
+        </p:style>
+        <p:txBody>
+          <a:bodyPr rtlCol="0" anchor="ctr"/>
+          <a:lstStyle/>
+          <a:p>
+            <a:pPr algn="ctr"/>
+            <a:endParaRPr lang="en-US"/>
+          </a:p>
+        </p:txBody>
+      </p:sp>
+      <p:sp>
+        <p:nvSpPr>
+          <p:cNvPr id="19" name="Right Brace 18">
+            <a:extLst>
+              <a:ext uri="{FF2B5EF4-FFF2-40B4-BE49-F238E27FC236}">
+                <a16:creationId xmlns:a16="http://schemas.microsoft.com/office/drawing/2014/main" id="{19259D30-3878-4D49-9CFC-11FB9F4B4FE5}"/>
+              </a:ext>
+            </a:extLst>
+          </p:cNvPr>
+          <p:cNvSpPr/>
+          <p:nvPr/>
+        </p:nvSpPr>
+        <p:spPr>
+          <a:xfrm rot="-5400000">
+            <a:off x="3898964" y="2988152"/>
+            <a:ext cx="46101" cy="137160"/>
+          </a:xfrm>
+          <a:prstGeom prst="rightBrace">
+            <a:avLst>
+              <a:gd name="adj1" fmla="val 147059"/>
+              <a:gd name="adj2" fmla="val 50000"/>
+            </a:avLst>
+          </a:prstGeom>
+          <a:ln w="6350">
+            <a:solidFill>
+              <a:schemeClr val="tx1"/>
+            </a:solidFill>
+          </a:ln>
+          <a:scene3d>
+            <a:camera prst="orthographicFront">
+              <a:rot lat="0" lon="0" rev="16200000"/>
+            </a:camera>
+            <a:lightRig rig="threePt" dir="t"/>
+          </a:scene3d>
+        </p:spPr>
+        <p:style>
+          <a:lnRef idx="1">
+            <a:schemeClr val="accent1"/>
+          </a:lnRef>
+          <a:fillRef idx="0">
+            <a:schemeClr val="accent1"/>
+          </a:fillRef>
+          <a:effectRef idx="0">
+            <a:schemeClr val="accent1"/>
+          </a:effectRef>
+          <a:fontRef idx="minor">
+            <a:schemeClr val="tx1"/>
+          </a:fontRef>
+        </p:style>
+        <p:txBody>
+          <a:bodyPr rtlCol="0" anchor="ctr"/>
+          <a:lstStyle/>
+          <a:p>
+            <a:pPr algn="ctr"/>
+            <a:endParaRPr lang="en-US"/>
+          </a:p>
+        </p:txBody>
+      </p:sp>
+      <p:sp>
+        <p:nvSpPr>
+          <p:cNvPr id="20" name="Freeform 23">
+            <a:extLst>
+              <a:ext uri="{FF2B5EF4-FFF2-40B4-BE49-F238E27FC236}">
+                <a16:creationId xmlns:a16="http://schemas.microsoft.com/office/drawing/2014/main" id="{1E21B988-0BB9-4CFA-B726-985F64CFD8AF}"/>
+              </a:ext>
+            </a:extLst>
+          </p:cNvPr>
+          <p:cNvSpPr/>
+          <p:nvPr/>
+        </p:nvSpPr>
+        <p:spPr>
+          <a:xfrm rot="16441678">
+            <a:off x="3031902" y="2891509"/>
+            <a:ext cx="119424" cy="690145"/>
+          </a:xfrm>
+          <a:custGeom>
+            <a:avLst/>
+            <a:gdLst>
+              <a:gd name="connsiteX0" fmla="*/ 156390 w 156390"/>
+              <a:gd name="connsiteY0" fmla="*/ 0 h 567708"/>
+              <a:gd name="connsiteX1" fmla="*/ 378 w 156390"/>
+              <a:gd name="connsiteY1" fmla="*/ 177679 h 567708"/>
+              <a:gd name="connsiteX2" fmla="*/ 113053 w 156390"/>
+              <a:gd name="connsiteY2" fmla="*/ 407363 h 567708"/>
+              <a:gd name="connsiteX3" fmla="*/ 130388 w 156390"/>
+              <a:gd name="connsiteY3" fmla="*/ 567708 h 567708"/>
+              <a:gd name="connsiteX4" fmla="*/ 130388 w 156390"/>
+              <a:gd name="connsiteY4" fmla="*/ 567708 h 567708"/>
+              <a:gd name="connsiteX0" fmla="*/ 156390 w 157057"/>
+              <a:gd name="connsiteY0" fmla="*/ 0 h 567708"/>
+              <a:gd name="connsiteX1" fmla="*/ 378 w 157057"/>
+              <a:gd name="connsiteY1" fmla="*/ 177679 h 567708"/>
+              <a:gd name="connsiteX2" fmla="*/ 113053 w 157057"/>
+              <a:gd name="connsiteY2" fmla="*/ 407363 h 567708"/>
+              <a:gd name="connsiteX3" fmla="*/ 130388 w 157057"/>
+              <a:gd name="connsiteY3" fmla="*/ 567708 h 567708"/>
+              <a:gd name="connsiteX4" fmla="*/ 130388 w 157057"/>
+              <a:gd name="connsiteY4" fmla="*/ 567708 h 567708"/>
+              <a:gd name="connsiteX0" fmla="*/ 156390 w 168460"/>
+              <a:gd name="connsiteY0" fmla="*/ 0 h 567708"/>
+              <a:gd name="connsiteX1" fmla="*/ 378 w 168460"/>
+              <a:gd name="connsiteY1" fmla="*/ 177679 h 567708"/>
+              <a:gd name="connsiteX2" fmla="*/ 113053 w 168460"/>
+              <a:gd name="connsiteY2" fmla="*/ 407363 h 567708"/>
+              <a:gd name="connsiteX3" fmla="*/ 130388 w 168460"/>
+              <a:gd name="connsiteY3" fmla="*/ 567708 h 567708"/>
+              <a:gd name="connsiteX4" fmla="*/ 130388 w 168460"/>
+              <a:gd name="connsiteY4" fmla="*/ 567708 h 567708"/>
+              <a:gd name="connsiteX0" fmla="*/ 139118 w 152058"/>
+              <a:gd name="connsiteY0" fmla="*/ 0 h 567708"/>
+              <a:gd name="connsiteX1" fmla="*/ 441 w 152058"/>
+              <a:gd name="connsiteY1" fmla="*/ 234016 h 567708"/>
+              <a:gd name="connsiteX2" fmla="*/ 95781 w 152058"/>
+              <a:gd name="connsiteY2" fmla="*/ 407363 h 567708"/>
+              <a:gd name="connsiteX3" fmla="*/ 113116 w 152058"/>
+              <a:gd name="connsiteY3" fmla="*/ 567708 h 567708"/>
+              <a:gd name="connsiteX4" fmla="*/ 113116 w 152058"/>
+              <a:gd name="connsiteY4" fmla="*/ 567708 h 567708"/>
+              <a:gd name="connsiteX0" fmla="*/ 138981 w 197949"/>
+              <a:gd name="connsiteY0" fmla="*/ 0 h 567708"/>
+              <a:gd name="connsiteX1" fmla="*/ 304 w 197949"/>
+              <a:gd name="connsiteY1" fmla="*/ 234016 h 567708"/>
+              <a:gd name="connsiteX2" fmla="*/ 195318 w 197949"/>
+              <a:gd name="connsiteY2" fmla="*/ 312023 h 567708"/>
+              <a:gd name="connsiteX3" fmla="*/ 112979 w 197949"/>
+              <a:gd name="connsiteY3" fmla="*/ 567708 h 567708"/>
+              <a:gd name="connsiteX4" fmla="*/ 112979 w 197949"/>
+              <a:gd name="connsiteY4" fmla="*/ 567708 h 567708"/>
+              <a:gd name="connsiteX0" fmla="*/ 138964 w 197932"/>
+              <a:gd name="connsiteY0" fmla="*/ 0 h 567708"/>
+              <a:gd name="connsiteX1" fmla="*/ 287 w 197932"/>
+              <a:gd name="connsiteY1" fmla="*/ 234016 h 567708"/>
+              <a:gd name="connsiteX2" fmla="*/ 195301 w 197932"/>
+              <a:gd name="connsiteY2" fmla="*/ 312023 h 567708"/>
+              <a:gd name="connsiteX3" fmla="*/ 112962 w 197932"/>
+              <a:gd name="connsiteY3" fmla="*/ 567708 h 567708"/>
+              <a:gd name="connsiteX4" fmla="*/ 112962 w 197932"/>
+              <a:gd name="connsiteY4" fmla="*/ 567708 h 567708"/>
+              <a:gd name="connsiteX0" fmla="*/ 108671 w 166544"/>
+              <a:gd name="connsiteY0" fmla="*/ 0 h 567708"/>
+              <a:gd name="connsiteX1" fmla="*/ 330 w 166544"/>
+              <a:gd name="connsiteY1" fmla="*/ 303355 h 567708"/>
+              <a:gd name="connsiteX2" fmla="*/ 165008 w 166544"/>
+              <a:gd name="connsiteY2" fmla="*/ 312023 h 567708"/>
+              <a:gd name="connsiteX3" fmla="*/ 82669 w 166544"/>
+              <a:gd name="connsiteY3" fmla="*/ 567708 h 567708"/>
+              <a:gd name="connsiteX4" fmla="*/ 82669 w 166544"/>
+              <a:gd name="connsiteY4" fmla="*/ 567708 h 567708"/>
+              <a:gd name="connsiteX0" fmla="*/ 108831 w 179543"/>
+              <a:gd name="connsiteY0" fmla="*/ 0 h 567708"/>
+              <a:gd name="connsiteX1" fmla="*/ 490 w 179543"/>
+              <a:gd name="connsiteY1" fmla="*/ 303355 h 567708"/>
+              <a:gd name="connsiteX2" fmla="*/ 178169 w 179543"/>
+              <a:gd name="connsiteY2" fmla="*/ 403030 h 567708"/>
+              <a:gd name="connsiteX3" fmla="*/ 82829 w 179543"/>
+              <a:gd name="connsiteY3" fmla="*/ 567708 h 567708"/>
+              <a:gd name="connsiteX4" fmla="*/ 82829 w 179543"/>
+              <a:gd name="connsiteY4" fmla="*/ 567708 h 567708"/>
+              <a:gd name="connsiteX0" fmla="*/ 146275 w 387603"/>
+              <a:gd name="connsiteY0" fmla="*/ 0 h 567708"/>
+              <a:gd name="connsiteX1" fmla="*/ 37934 w 387603"/>
+              <a:gd name="connsiteY1" fmla="*/ 303355 h 567708"/>
+              <a:gd name="connsiteX2" fmla="*/ 373880 w 387603"/>
+              <a:gd name="connsiteY2" fmla="*/ 336933 h 567708"/>
+              <a:gd name="connsiteX3" fmla="*/ 120273 w 387603"/>
+              <a:gd name="connsiteY3" fmla="*/ 567708 h 567708"/>
+              <a:gd name="connsiteX4" fmla="*/ 120273 w 387603"/>
+              <a:gd name="connsiteY4" fmla="*/ 567708 h 567708"/>
+              <a:gd name="connsiteX0" fmla="*/ 111084 w 188367"/>
+              <a:gd name="connsiteY0" fmla="*/ 0 h 567708"/>
+              <a:gd name="connsiteX1" fmla="*/ 2743 w 188367"/>
+              <a:gd name="connsiteY1" fmla="*/ 303355 h 567708"/>
+              <a:gd name="connsiteX2" fmla="*/ 94624 w 188367"/>
+              <a:gd name="connsiteY2" fmla="*/ 336099 h 567708"/>
+              <a:gd name="connsiteX3" fmla="*/ 85082 w 188367"/>
+              <a:gd name="connsiteY3" fmla="*/ 567708 h 567708"/>
+              <a:gd name="connsiteX4" fmla="*/ 85082 w 188367"/>
+              <a:gd name="connsiteY4" fmla="*/ 567708 h 567708"/>
+              <a:gd name="connsiteX0" fmla="*/ 26002 w 103285"/>
+              <a:gd name="connsiteY0" fmla="*/ 0 h 567708"/>
+              <a:gd name="connsiteX1" fmla="*/ 9542 w 103285"/>
+              <a:gd name="connsiteY1" fmla="*/ 218890 h 567708"/>
+              <a:gd name="connsiteX2" fmla="*/ 9542 w 103285"/>
+              <a:gd name="connsiteY2" fmla="*/ 336099 h 567708"/>
+              <a:gd name="connsiteX3" fmla="*/ 0 w 103285"/>
+              <a:gd name="connsiteY3" fmla="*/ 567708 h 567708"/>
+              <a:gd name="connsiteX4" fmla="*/ 0 w 103285"/>
+              <a:gd name="connsiteY4" fmla="*/ 567708 h 567708"/>
+              <a:gd name="connsiteX0" fmla="*/ 26002 w 103285"/>
+              <a:gd name="connsiteY0" fmla="*/ 0 h 567708"/>
+              <a:gd name="connsiteX1" fmla="*/ 9542 w 103285"/>
+              <a:gd name="connsiteY1" fmla="*/ 218890 h 567708"/>
+              <a:gd name="connsiteX2" fmla="*/ 14894 w 103285"/>
+              <a:gd name="connsiteY2" fmla="*/ 275610 h 567708"/>
+              <a:gd name="connsiteX3" fmla="*/ 0 w 103285"/>
+              <a:gd name="connsiteY3" fmla="*/ 567708 h 567708"/>
+              <a:gd name="connsiteX4" fmla="*/ 0 w 103285"/>
+              <a:gd name="connsiteY4" fmla="*/ 567708 h 567708"/>
+              <a:gd name="connsiteX0" fmla="*/ 94323 w 171606"/>
+              <a:gd name="connsiteY0" fmla="*/ 0 h 567708"/>
+              <a:gd name="connsiteX1" fmla="*/ 1851 w 171606"/>
+              <a:gd name="connsiteY1" fmla="*/ 222884 h 567708"/>
+              <a:gd name="connsiteX2" fmla="*/ 83215 w 171606"/>
+              <a:gd name="connsiteY2" fmla="*/ 275610 h 567708"/>
+              <a:gd name="connsiteX3" fmla="*/ 68321 w 171606"/>
+              <a:gd name="connsiteY3" fmla="*/ 567708 h 567708"/>
+              <a:gd name="connsiteX4" fmla="*/ 68321 w 171606"/>
+              <a:gd name="connsiteY4" fmla="*/ 567708 h 567708"/>
+              <a:gd name="connsiteX0" fmla="*/ 179 w 108679"/>
+              <a:gd name="connsiteY0" fmla="*/ 0 h 514982"/>
+              <a:gd name="connsiteX1" fmla="*/ 16237 w 108679"/>
+              <a:gd name="connsiteY1" fmla="*/ 170158 h 514982"/>
+              <a:gd name="connsiteX2" fmla="*/ 97601 w 108679"/>
+              <a:gd name="connsiteY2" fmla="*/ 222884 h 514982"/>
+              <a:gd name="connsiteX3" fmla="*/ 82707 w 108679"/>
+              <a:gd name="connsiteY3" fmla="*/ 514982 h 514982"/>
+              <a:gd name="connsiteX4" fmla="*/ 82707 w 108679"/>
+              <a:gd name="connsiteY4" fmla="*/ 514982 h 514982"/>
+              <a:gd name="connsiteX0" fmla="*/ 179 w 108679"/>
+              <a:gd name="connsiteY0" fmla="*/ 0 h 514982"/>
+              <a:gd name="connsiteX1" fmla="*/ 16237 w 108679"/>
+              <a:gd name="connsiteY1" fmla="*/ 170158 h 514982"/>
+              <a:gd name="connsiteX2" fmla="*/ 97601 w 108679"/>
+              <a:gd name="connsiteY2" fmla="*/ 222884 h 514982"/>
+              <a:gd name="connsiteX3" fmla="*/ 82707 w 108679"/>
+              <a:gd name="connsiteY3" fmla="*/ 514982 h 514982"/>
+              <a:gd name="connsiteX4" fmla="*/ 82707 w 108679"/>
+              <a:gd name="connsiteY4" fmla="*/ 514982 h 514982"/>
+              <a:gd name="connsiteX0" fmla="*/ 179 w 108679"/>
+              <a:gd name="connsiteY0" fmla="*/ 0 h 514982"/>
+              <a:gd name="connsiteX1" fmla="*/ 16237 w 108679"/>
+              <a:gd name="connsiteY1" fmla="*/ 170158 h 514982"/>
+              <a:gd name="connsiteX2" fmla="*/ 97601 w 108679"/>
+              <a:gd name="connsiteY2" fmla="*/ 222884 h 514982"/>
+              <a:gd name="connsiteX3" fmla="*/ 82707 w 108679"/>
+              <a:gd name="connsiteY3" fmla="*/ 514982 h 514982"/>
+              <a:gd name="connsiteX4" fmla="*/ 82707 w 108679"/>
+              <a:gd name="connsiteY4" fmla="*/ 514982 h 514982"/>
+              <a:gd name="connsiteX0" fmla="*/ 179 w 108679"/>
+              <a:gd name="connsiteY0" fmla="*/ 0 h 514982"/>
+              <a:gd name="connsiteX1" fmla="*/ 16237 w 108679"/>
+              <a:gd name="connsiteY1" fmla="*/ 170158 h 514982"/>
+              <a:gd name="connsiteX2" fmla="*/ 97601 w 108679"/>
+              <a:gd name="connsiteY2" fmla="*/ 222884 h 514982"/>
+              <a:gd name="connsiteX3" fmla="*/ 82707 w 108679"/>
+              <a:gd name="connsiteY3" fmla="*/ 514982 h 514982"/>
+              <a:gd name="connsiteX4" fmla="*/ 82707 w 108679"/>
+              <a:gd name="connsiteY4" fmla="*/ 514982 h 514982"/>
+              <a:gd name="connsiteX0" fmla="*/ 179 w 108679"/>
+              <a:gd name="connsiteY0" fmla="*/ 0 h 514982"/>
+              <a:gd name="connsiteX1" fmla="*/ 16237 w 108679"/>
+              <a:gd name="connsiteY1" fmla="*/ 170158 h 514982"/>
+              <a:gd name="connsiteX2" fmla="*/ 97601 w 108679"/>
+              <a:gd name="connsiteY2" fmla="*/ 222884 h 514982"/>
+              <a:gd name="connsiteX3" fmla="*/ 82707 w 108679"/>
+              <a:gd name="connsiteY3" fmla="*/ 514982 h 514982"/>
+              <a:gd name="connsiteX4" fmla="*/ 82707 w 108679"/>
+              <a:gd name="connsiteY4" fmla="*/ 514982 h 514982"/>
+              <a:gd name="connsiteX0" fmla="*/ 0 w 82528"/>
+              <a:gd name="connsiteY0" fmla="*/ 0 h 514982"/>
+              <a:gd name="connsiteX1" fmla="*/ 16058 w 82528"/>
+              <a:gd name="connsiteY1" fmla="*/ 170158 h 514982"/>
+              <a:gd name="connsiteX2" fmla="*/ 53362 w 82528"/>
+              <a:gd name="connsiteY2" fmla="*/ 225190 h 514982"/>
+              <a:gd name="connsiteX3" fmla="*/ 82528 w 82528"/>
+              <a:gd name="connsiteY3" fmla="*/ 514982 h 514982"/>
+              <a:gd name="connsiteX4" fmla="*/ 82528 w 82528"/>
+              <a:gd name="connsiteY4" fmla="*/ 514982 h 514982"/>
+              <a:gd name="connsiteX0" fmla="*/ 36896 w 119424"/>
+              <a:gd name="connsiteY0" fmla="*/ 0 h 514982"/>
+              <a:gd name="connsiteX1" fmla="*/ 8894 w 119424"/>
+              <a:gd name="connsiteY1" fmla="*/ 172463 h 514982"/>
+              <a:gd name="connsiteX2" fmla="*/ 90258 w 119424"/>
+              <a:gd name="connsiteY2" fmla="*/ 225190 h 514982"/>
+              <a:gd name="connsiteX3" fmla="*/ 119424 w 119424"/>
+              <a:gd name="connsiteY3" fmla="*/ 514982 h 514982"/>
+              <a:gd name="connsiteX4" fmla="*/ 119424 w 119424"/>
+              <a:gd name="connsiteY4" fmla="*/ 514982 h 514982"/>
+              <a:gd name="connsiteX0" fmla="*/ 36896 w 119424"/>
+              <a:gd name="connsiteY0" fmla="*/ 0 h 514982"/>
+              <a:gd name="connsiteX1" fmla="*/ 8894 w 119424"/>
+              <a:gd name="connsiteY1" fmla="*/ 172463 h 514982"/>
+              <a:gd name="connsiteX2" fmla="*/ 90258 w 119424"/>
+              <a:gd name="connsiteY2" fmla="*/ 225190 h 514982"/>
+              <a:gd name="connsiteX3" fmla="*/ 119424 w 119424"/>
+              <a:gd name="connsiteY3" fmla="*/ 514982 h 514982"/>
+              <a:gd name="connsiteX4" fmla="*/ 119424 w 119424"/>
+              <a:gd name="connsiteY4" fmla="*/ 514982 h 514982"/>
+            </a:gdLst>
+            <a:ahLst/>
+            <a:cxnLst>
+              <a:cxn ang="0">
+                <a:pos x="connsiteX0" y="connsiteY0"/>
+              </a:cxn>
+              <a:cxn ang="0">
+                <a:pos x="connsiteX1" y="connsiteY1"/>
+              </a:cxn>
+              <a:cxn ang="0">
+                <a:pos x="connsiteX2" y="connsiteY2"/>
+              </a:cxn>
+              <a:cxn ang="0">
+                <a:pos x="connsiteX3" y="connsiteY3"/>
+              </a:cxn>
+              <a:cxn ang="0">
+                <a:pos x="connsiteX4" y="connsiteY4"/>
+              </a:cxn>
+            </a:cxnLst>
+            <a:rect l="l" t="t" r="r" b="b"/>
+            <a:pathLst>
+              <a:path w="119424" h="514982">
+                <a:moveTo>
+                  <a:pt x="36896" y="0"/>
+                </a:moveTo>
+                <a:cubicBezTo>
+                  <a:pt x="55096" y="60495"/>
+                  <a:pt x="0" y="134931"/>
+                  <a:pt x="8894" y="172463"/>
+                </a:cubicBezTo>
+                <a:cubicBezTo>
+                  <a:pt x="17788" y="209995"/>
+                  <a:pt x="71836" y="168103"/>
+                  <a:pt x="90258" y="225190"/>
+                </a:cubicBezTo>
+                <a:cubicBezTo>
+                  <a:pt x="108680" y="282277"/>
+                  <a:pt x="106273" y="382188"/>
+                  <a:pt x="119424" y="514982"/>
+                </a:cubicBezTo>
+                <a:lnTo>
+                  <a:pt x="119424" y="514982"/>
+                </a:lnTo>
+              </a:path>
+            </a:pathLst>
+          </a:custGeom>
+          <a:noFill/>
+          <a:ln w="6350">
+            <a:solidFill>
+              <a:schemeClr val="tx1"/>
+            </a:solidFill>
+            <a:prstDash val="sysDot"/>
+            <a:headEnd type="arrow" w="sm" len="sm"/>
+          </a:ln>
+        </p:spPr>
+        <p:style>
+          <a:lnRef idx="2">
+            <a:schemeClr val="accent1">
+              <a:shade val="50000"/>
+            </a:schemeClr>
+          </a:lnRef>
+          <a:fillRef idx="1">
+            <a:schemeClr val="accent1"/>
+          </a:fillRef>
+          <a:effectRef idx="0">
+            <a:schemeClr val="accent1"/>
+          </a:effectRef>
+          <a:fontRef idx="minor">
+            <a:schemeClr val="lt1"/>
+          </a:fontRef>
+        </p:style>
+        <p:txBody>
+          <a:bodyPr rtlCol="0" anchor="ctr"/>
+          <a:lstStyle/>
+          <a:p>
+            <a:pPr algn="ctr"/>
+            <a:endParaRPr lang="en-US"/>
+          </a:p>
+        </p:txBody>
+      </p:sp>
+      <p:sp>
+        <p:nvSpPr>
+          <p:cNvPr id="21" name="Freeform 24">
+            <a:extLst>
+              <a:ext uri="{FF2B5EF4-FFF2-40B4-BE49-F238E27FC236}">
+                <a16:creationId xmlns:a16="http://schemas.microsoft.com/office/drawing/2014/main" id="{7EC7AA0C-C9F6-4D63-A61D-730B15F86419}"/>
+              </a:ext>
+            </a:extLst>
+          </p:cNvPr>
+          <p:cNvSpPr/>
+          <p:nvPr/>
+        </p:nvSpPr>
+        <p:spPr>
+          <a:xfrm rot="16441678">
+            <a:off x="3022377" y="2646241"/>
+            <a:ext cx="119424" cy="690145"/>
+          </a:xfrm>
+          <a:custGeom>
+            <a:avLst/>
+            <a:gdLst>
+              <a:gd name="connsiteX0" fmla="*/ 156390 w 156390"/>
+              <a:gd name="connsiteY0" fmla="*/ 0 h 567708"/>
+              <a:gd name="connsiteX1" fmla="*/ 378 w 156390"/>
+              <a:gd name="connsiteY1" fmla="*/ 177679 h 567708"/>
+              <a:gd name="connsiteX2" fmla="*/ 113053 w 156390"/>
+              <a:gd name="connsiteY2" fmla="*/ 407363 h 567708"/>
+              <a:gd name="connsiteX3" fmla="*/ 130388 w 156390"/>
+              <a:gd name="connsiteY3" fmla="*/ 567708 h 567708"/>
+              <a:gd name="connsiteX4" fmla="*/ 130388 w 156390"/>
+              <a:gd name="connsiteY4" fmla="*/ 567708 h 567708"/>
+              <a:gd name="connsiteX0" fmla="*/ 156390 w 157057"/>
+              <a:gd name="connsiteY0" fmla="*/ 0 h 567708"/>
+              <a:gd name="connsiteX1" fmla="*/ 378 w 157057"/>
+              <a:gd name="connsiteY1" fmla="*/ 177679 h 567708"/>
+              <a:gd name="connsiteX2" fmla="*/ 113053 w 157057"/>
+              <a:gd name="connsiteY2" fmla="*/ 407363 h 567708"/>
+              <a:gd name="connsiteX3" fmla="*/ 130388 w 157057"/>
+              <a:gd name="connsiteY3" fmla="*/ 567708 h 567708"/>
+              <a:gd name="connsiteX4" fmla="*/ 130388 w 157057"/>
+              <a:gd name="connsiteY4" fmla="*/ 567708 h 567708"/>
+              <a:gd name="connsiteX0" fmla="*/ 156390 w 168460"/>
+              <a:gd name="connsiteY0" fmla="*/ 0 h 567708"/>
+              <a:gd name="connsiteX1" fmla="*/ 378 w 168460"/>
+              <a:gd name="connsiteY1" fmla="*/ 177679 h 567708"/>
+              <a:gd name="connsiteX2" fmla="*/ 113053 w 168460"/>
+              <a:gd name="connsiteY2" fmla="*/ 407363 h 567708"/>
+              <a:gd name="connsiteX3" fmla="*/ 130388 w 168460"/>
+              <a:gd name="connsiteY3" fmla="*/ 567708 h 567708"/>
+              <a:gd name="connsiteX4" fmla="*/ 130388 w 168460"/>
+              <a:gd name="connsiteY4" fmla="*/ 567708 h 567708"/>
+              <a:gd name="connsiteX0" fmla="*/ 139118 w 152058"/>
+              <a:gd name="connsiteY0" fmla="*/ 0 h 567708"/>
+              <a:gd name="connsiteX1" fmla="*/ 441 w 152058"/>
+              <a:gd name="connsiteY1" fmla="*/ 234016 h 567708"/>
+              <a:gd name="connsiteX2" fmla="*/ 95781 w 152058"/>
+              <a:gd name="connsiteY2" fmla="*/ 407363 h 567708"/>
+              <a:gd name="connsiteX3" fmla="*/ 113116 w 152058"/>
+              <a:gd name="connsiteY3" fmla="*/ 567708 h 567708"/>
+              <a:gd name="connsiteX4" fmla="*/ 113116 w 152058"/>
+              <a:gd name="connsiteY4" fmla="*/ 567708 h 567708"/>
+              <a:gd name="connsiteX0" fmla="*/ 138981 w 197949"/>
+              <a:gd name="connsiteY0" fmla="*/ 0 h 567708"/>
+              <a:gd name="connsiteX1" fmla="*/ 304 w 197949"/>
+              <a:gd name="connsiteY1" fmla="*/ 234016 h 567708"/>
+              <a:gd name="connsiteX2" fmla="*/ 195318 w 197949"/>
+              <a:gd name="connsiteY2" fmla="*/ 312023 h 567708"/>
+              <a:gd name="connsiteX3" fmla="*/ 112979 w 197949"/>
+              <a:gd name="connsiteY3" fmla="*/ 567708 h 567708"/>
+              <a:gd name="connsiteX4" fmla="*/ 112979 w 197949"/>
+              <a:gd name="connsiteY4" fmla="*/ 567708 h 567708"/>
+              <a:gd name="connsiteX0" fmla="*/ 138964 w 197932"/>
+              <a:gd name="connsiteY0" fmla="*/ 0 h 567708"/>
+              <a:gd name="connsiteX1" fmla="*/ 287 w 197932"/>
+              <a:gd name="connsiteY1" fmla="*/ 234016 h 567708"/>
+              <a:gd name="connsiteX2" fmla="*/ 195301 w 197932"/>
+              <a:gd name="connsiteY2" fmla="*/ 312023 h 567708"/>
+              <a:gd name="connsiteX3" fmla="*/ 112962 w 197932"/>
+              <a:gd name="connsiteY3" fmla="*/ 567708 h 567708"/>
+              <a:gd name="connsiteX4" fmla="*/ 112962 w 197932"/>
+              <a:gd name="connsiteY4" fmla="*/ 567708 h 567708"/>
+              <a:gd name="connsiteX0" fmla="*/ 108671 w 166544"/>
+              <a:gd name="connsiteY0" fmla="*/ 0 h 567708"/>
+              <a:gd name="connsiteX1" fmla="*/ 330 w 166544"/>
+              <a:gd name="connsiteY1" fmla="*/ 303355 h 567708"/>
+              <a:gd name="connsiteX2" fmla="*/ 165008 w 166544"/>
+              <a:gd name="connsiteY2" fmla="*/ 312023 h 567708"/>
+              <a:gd name="connsiteX3" fmla="*/ 82669 w 166544"/>
+              <a:gd name="connsiteY3" fmla="*/ 567708 h 567708"/>
+              <a:gd name="connsiteX4" fmla="*/ 82669 w 166544"/>
+              <a:gd name="connsiteY4" fmla="*/ 567708 h 567708"/>
+              <a:gd name="connsiteX0" fmla="*/ 108831 w 179543"/>
+              <a:gd name="connsiteY0" fmla="*/ 0 h 567708"/>
+              <a:gd name="connsiteX1" fmla="*/ 490 w 179543"/>
+              <a:gd name="connsiteY1" fmla="*/ 303355 h 567708"/>
+              <a:gd name="connsiteX2" fmla="*/ 178169 w 179543"/>
+              <a:gd name="connsiteY2" fmla="*/ 403030 h 567708"/>
+              <a:gd name="connsiteX3" fmla="*/ 82829 w 179543"/>
+              <a:gd name="connsiteY3" fmla="*/ 567708 h 567708"/>
+              <a:gd name="connsiteX4" fmla="*/ 82829 w 179543"/>
+              <a:gd name="connsiteY4" fmla="*/ 567708 h 567708"/>
+              <a:gd name="connsiteX0" fmla="*/ 146275 w 387603"/>
+              <a:gd name="connsiteY0" fmla="*/ 0 h 567708"/>
+              <a:gd name="connsiteX1" fmla="*/ 37934 w 387603"/>
+              <a:gd name="connsiteY1" fmla="*/ 303355 h 567708"/>
+              <a:gd name="connsiteX2" fmla="*/ 373880 w 387603"/>
+              <a:gd name="connsiteY2" fmla="*/ 336933 h 567708"/>
+              <a:gd name="connsiteX3" fmla="*/ 120273 w 387603"/>
+              <a:gd name="connsiteY3" fmla="*/ 567708 h 567708"/>
+              <a:gd name="connsiteX4" fmla="*/ 120273 w 387603"/>
+              <a:gd name="connsiteY4" fmla="*/ 567708 h 567708"/>
+              <a:gd name="connsiteX0" fmla="*/ 111084 w 188367"/>
+              <a:gd name="connsiteY0" fmla="*/ 0 h 567708"/>
+              <a:gd name="connsiteX1" fmla="*/ 2743 w 188367"/>
+              <a:gd name="connsiteY1" fmla="*/ 303355 h 567708"/>
+              <a:gd name="connsiteX2" fmla="*/ 94624 w 188367"/>
+              <a:gd name="connsiteY2" fmla="*/ 336099 h 567708"/>
+              <a:gd name="connsiteX3" fmla="*/ 85082 w 188367"/>
+              <a:gd name="connsiteY3" fmla="*/ 567708 h 567708"/>
+              <a:gd name="connsiteX4" fmla="*/ 85082 w 188367"/>
+              <a:gd name="connsiteY4" fmla="*/ 567708 h 567708"/>
+              <a:gd name="connsiteX0" fmla="*/ 26002 w 103285"/>
+              <a:gd name="connsiteY0" fmla="*/ 0 h 567708"/>
+              <a:gd name="connsiteX1" fmla="*/ 9542 w 103285"/>
+              <a:gd name="connsiteY1" fmla="*/ 218890 h 567708"/>
+              <a:gd name="connsiteX2" fmla="*/ 9542 w 103285"/>
+              <a:gd name="connsiteY2" fmla="*/ 336099 h 567708"/>
+              <a:gd name="connsiteX3" fmla="*/ 0 w 103285"/>
+              <a:gd name="connsiteY3" fmla="*/ 567708 h 567708"/>
+              <a:gd name="connsiteX4" fmla="*/ 0 w 103285"/>
+              <a:gd name="connsiteY4" fmla="*/ 567708 h 567708"/>
+              <a:gd name="connsiteX0" fmla="*/ 26002 w 103285"/>
+              <a:gd name="connsiteY0" fmla="*/ 0 h 567708"/>
+              <a:gd name="connsiteX1" fmla="*/ 9542 w 103285"/>
+              <a:gd name="connsiteY1" fmla="*/ 218890 h 567708"/>
+              <a:gd name="connsiteX2" fmla="*/ 14894 w 103285"/>
+              <a:gd name="connsiteY2" fmla="*/ 275610 h 567708"/>
+              <a:gd name="connsiteX3" fmla="*/ 0 w 103285"/>
+              <a:gd name="connsiteY3" fmla="*/ 567708 h 567708"/>
+              <a:gd name="connsiteX4" fmla="*/ 0 w 103285"/>
+              <a:gd name="connsiteY4" fmla="*/ 567708 h 567708"/>
+              <a:gd name="connsiteX0" fmla="*/ 94323 w 171606"/>
+              <a:gd name="connsiteY0" fmla="*/ 0 h 567708"/>
+              <a:gd name="connsiteX1" fmla="*/ 1851 w 171606"/>
+              <a:gd name="connsiteY1" fmla="*/ 222884 h 567708"/>
+              <a:gd name="connsiteX2" fmla="*/ 83215 w 171606"/>
+              <a:gd name="connsiteY2" fmla="*/ 275610 h 567708"/>
+              <a:gd name="connsiteX3" fmla="*/ 68321 w 171606"/>
+              <a:gd name="connsiteY3" fmla="*/ 567708 h 567708"/>
+              <a:gd name="connsiteX4" fmla="*/ 68321 w 171606"/>
+              <a:gd name="connsiteY4" fmla="*/ 567708 h 567708"/>
+              <a:gd name="connsiteX0" fmla="*/ 179 w 108679"/>
+              <a:gd name="connsiteY0" fmla="*/ 0 h 514982"/>
+              <a:gd name="connsiteX1" fmla="*/ 16237 w 108679"/>
+              <a:gd name="connsiteY1" fmla="*/ 170158 h 514982"/>
+              <a:gd name="connsiteX2" fmla="*/ 97601 w 108679"/>
+              <a:gd name="connsiteY2" fmla="*/ 222884 h 514982"/>
+              <a:gd name="connsiteX3" fmla="*/ 82707 w 108679"/>
+              <a:gd name="connsiteY3" fmla="*/ 514982 h 514982"/>
+              <a:gd name="connsiteX4" fmla="*/ 82707 w 108679"/>
+              <a:gd name="connsiteY4" fmla="*/ 514982 h 514982"/>
+              <a:gd name="connsiteX0" fmla="*/ 179 w 108679"/>
+              <a:gd name="connsiteY0" fmla="*/ 0 h 514982"/>
+              <a:gd name="connsiteX1" fmla="*/ 16237 w 108679"/>
+              <a:gd name="connsiteY1" fmla="*/ 170158 h 514982"/>
+              <a:gd name="connsiteX2" fmla="*/ 97601 w 108679"/>
+              <a:gd name="connsiteY2" fmla="*/ 222884 h 514982"/>
+              <a:gd name="connsiteX3" fmla="*/ 82707 w 108679"/>
+              <a:gd name="connsiteY3" fmla="*/ 514982 h 514982"/>
+              <a:gd name="connsiteX4" fmla="*/ 82707 w 108679"/>
+              <a:gd name="connsiteY4" fmla="*/ 514982 h 514982"/>
+              <a:gd name="connsiteX0" fmla="*/ 179 w 108679"/>
+              <a:gd name="connsiteY0" fmla="*/ 0 h 514982"/>
+              <a:gd name="connsiteX1" fmla="*/ 16237 w 108679"/>
+              <a:gd name="connsiteY1" fmla="*/ 170158 h 514982"/>
+              <a:gd name="connsiteX2" fmla="*/ 97601 w 108679"/>
+              <a:gd name="connsiteY2" fmla="*/ 222884 h 514982"/>
+              <a:gd name="connsiteX3" fmla="*/ 82707 w 108679"/>
+              <a:gd name="connsiteY3" fmla="*/ 514982 h 514982"/>
+              <a:gd name="connsiteX4" fmla="*/ 82707 w 108679"/>
+              <a:gd name="connsiteY4" fmla="*/ 514982 h 514982"/>
+              <a:gd name="connsiteX0" fmla="*/ 179 w 108679"/>
+              <a:gd name="connsiteY0" fmla="*/ 0 h 514982"/>
+              <a:gd name="connsiteX1" fmla="*/ 16237 w 108679"/>
+              <a:gd name="connsiteY1" fmla="*/ 170158 h 514982"/>
+              <a:gd name="connsiteX2" fmla="*/ 97601 w 108679"/>
+              <a:gd name="connsiteY2" fmla="*/ 222884 h 514982"/>
+              <a:gd name="connsiteX3" fmla="*/ 82707 w 108679"/>
+              <a:gd name="connsiteY3" fmla="*/ 514982 h 514982"/>
+              <a:gd name="connsiteX4" fmla="*/ 82707 w 108679"/>
+              <a:gd name="connsiteY4" fmla="*/ 514982 h 514982"/>
+              <a:gd name="connsiteX0" fmla="*/ 179 w 108679"/>
+              <a:gd name="connsiteY0" fmla="*/ 0 h 514982"/>
+              <a:gd name="connsiteX1" fmla="*/ 16237 w 108679"/>
+              <a:gd name="connsiteY1" fmla="*/ 170158 h 514982"/>
+              <a:gd name="connsiteX2" fmla="*/ 97601 w 108679"/>
+              <a:gd name="connsiteY2" fmla="*/ 222884 h 514982"/>
+              <a:gd name="connsiteX3" fmla="*/ 82707 w 108679"/>
+              <a:gd name="connsiteY3" fmla="*/ 514982 h 514982"/>
+              <a:gd name="connsiteX4" fmla="*/ 82707 w 108679"/>
+              <a:gd name="connsiteY4" fmla="*/ 514982 h 514982"/>
+              <a:gd name="connsiteX0" fmla="*/ 0 w 82528"/>
+              <a:gd name="connsiteY0" fmla="*/ 0 h 514982"/>
+              <a:gd name="connsiteX1" fmla="*/ 16058 w 82528"/>
+              <a:gd name="connsiteY1" fmla="*/ 170158 h 514982"/>
+              <a:gd name="connsiteX2" fmla="*/ 53362 w 82528"/>
+              <a:gd name="connsiteY2" fmla="*/ 225190 h 514982"/>
+              <a:gd name="connsiteX3" fmla="*/ 82528 w 82528"/>
+              <a:gd name="connsiteY3" fmla="*/ 514982 h 514982"/>
+              <a:gd name="connsiteX4" fmla="*/ 82528 w 82528"/>
+              <a:gd name="connsiteY4" fmla="*/ 514982 h 514982"/>
+              <a:gd name="connsiteX0" fmla="*/ 36896 w 119424"/>
+              <a:gd name="connsiteY0" fmla="*/ 0 h 514982"/>
+              <a:gd name="connsiteX1" fmla="*/ 8894 w 119424"/>
+              <a:gd name="connsiteY1" fmla="*/ 172463 h 514982"/>
+              <a:gd name="connsiteX2" fmla="*/ 90258 w 119424"/>
+              <a:gd name="connsiteY2" fmla="*/ 225190 h 514982"/>
+              <a:gd name="connsiteX3" fmla="*/ 119424 w 119424"/>
+              <a:gd name="connsiteY3" fmla="*/ 514982 h 514982"/>
+              <a:gd name="connsiteX4" fmla="*/ 119424 w 119424"/>
+              <a:gd name="connsiteY4" fmla="*/ 514982 h 514982"/>
+              <a:gd name="connsiteX0" fmla="*/ 36896 w 119424"/>
+              <a:gd name="connsiteY0" fmla="*/ 0 h 514982"/>
+              <a:gd name="connsiteX1" fmla="*/ 8894 w 119424"/>
+              <a:gd name="connsiteY1" fmla="*/ 172463 h 514982"/>
+              <a:gd name="connsiteX2" fmla="*/ 90258 w 119424"/>
+              <a:gd name="connsiteY2" fmla="*/ 225190 h 514982"/>
+              <a:gd name="connsiteX3" fmla="*/ 119424 w 119424"/>
+              <a:gd name="connsiteY3" fmla="*/ 514982 h 514982"/>
+              <a:gd name="connsiteX4" fmla="*/ 119424 w 119424"/>
+              <a:gd name="connsiteY4" fmla="*/ 514982 h 514982"/>
+            </a:gdLst>
+            <a:ahLst/>
+            <a:cxnLst>
+              <a:cxn ang="0">
+                <a:pos x="connsiteX0" y="connsiteY0"/>
+              </a:cxn>
+              <a:cxn ang="0">
+                <a:pos x="connsiteX1" y="connsiteY1"/>
+              </a:cxn>
+              <a:cxn ang="0">
+                <a:pos x="connsiteX2" y="connsiteY2"/>
+              </a:cxn>
+              <a:cxn ang="0">
+                <a:pos x="connsiteX3" y="connsiteY3"/>
+              </a:cxn>
+              <a:cxn ang="0">
+                <a:pos x="connsiteX4" y="connsiteY4"/>
+              </a:cxn>
+            </a:cxnLst>
+            <a:rect l="l" t="t" r="r" b="b"/>
+            <a:pathLst>
+              <a:path w="119424" h="514982">
+                <a:moveTo>
+                  <a:pt x="36896" y="0"/>
+                </a:moveTo>
+                <a:cubicBezTo>
+                  <a:pt x="55096" y="60495"/>
+                  <a:pt x="0" y="134931"/>
+                  <a:pt x="8894" y="172463"/>
+                </a:cubicBezTo>
+                <a:cubicBezTo>
+                  <a:pt x="17788" y="209995"/>
+                  <a:pt x="71836" y="168103"/>
+                  <a:pt x="90258" y="225190"/>
+                </a:cubicBezTo>
+                <a:cubicBezTo>
+                  <a:pt x="108680" y="282277"/>
+                  <a:pt x="106273" y="382188"/>
+                  <a:pt x="119424" y="514982"/>
+                </a:cubicBezTo>
+                <a:lnTo>
+                  <a:pt x="119424" y="514982"/>
+                </a:lnTo>
+              </a:path>
+            </a:pathLst>
+          </a:custGeom>
+          <a:noFill/>
+          <a:ln w="6350">
+            <a:solidFill>
+              <a:schemeClr val="tx1"/>
+            </a:solidFill>
+            <a:prstDash val="sysDot"/>
+            <a:headEnd type="arrow" w="sm" len="sm"/>
+          </a:ln>
+        </p:spPr>
+        <p:style>
+          <a:lnRef idx="2">
+            <a:schemeClr val="accent1">
+              <a:shade val="50000"/>
+            </a:schemeClr>
+          </a:lnRef>
+          <a:fillRef idx="1">
+            <a:schemeClr val="accent1"/>
+          </a:fillRef>
+          <a:effectRef idx="0">
+            <a:schemeClr val="accent1"/>
+          </a:effectRef>
+          <a:fontRef idx="minor">
+            <a:schemeClr val="lt1"/>
+          </a:fontRef>
+        </p:style>
+        <p:txBody>
+          <a:bodyPr rtlCol="0" anchor="ctr"/>
+          <a:lstStyle/>
+          <a:p>
+            <a:pPr algn="ctr"/>
+            <a:endParaRPr lang="en-US"/>
+          </a:p>
+        </p:txBody>
+      </p:sp>
+    </p:spTree>
+    <p:extLst>
+      <p:ext uri="{BB962C8B-B14F-4D97-AF65-F5344CB8AC3E}">
+        <p14:creationId xmlns:p14="http://schemas.microsoft.com/office/powerpoint/2010/main" val="4256783562"/>
       </p:ext>
     </p:extLst>
   </p:cSld>

--- a/Word/Diagrams/chapter9/chap 9.figures.pptx
+++ b/Word/Diagrams/chapter9/chap 9.figures.pptx
@@ -5,13 +5,20 @@
     <p:sldMasterId id="2147483660" r:id="rId1"/>
   </p:sldMasterIdLst>
   <p:notesMasterIdLst>
-    <p:notesMasterId r:id="rId6"/>
+    <p:notesMasterId r:id="rId13"/>
   </p:notesMasterIdLst>
   <p:sldIdLst>
     <p:sldId id="306" r:id="rId2"/>
     <p:sldId id="304" r:id="rId3"/>
     <p:sldId id="305" r:id="rId4"/>
     <p:sldId id="307" r:id="rId5"/>
+    <p:sldId id="308" r:id="rId6"/>
+    <p:sldId id="309" r:id="rId7"/>
+    <p:sldId id="310" r:id="rId8"/>
+    <p:sldId id="311" r:id="rId9"/>
+    <p:sldId id="312" r:id="rId10"/>
+    <p:sldId id="313" r:id="rId11"/>
+    <p:sldId id="314" r:id="rId12"/>
   </p:sldIdLst>
   <p:sldSz cx="9144000" cy="6858000" type="screen4x3"/>
   <p:notesSz cx="6858000" cy="9144000"/>
@@ -212,7 +219,7 @@
             <a:fld id="{9CCF083D-F2BC-4786-8C77-844DFCD3515B}" type="datetimeFigureOut">
               <a:rPr lang="zh-TW" altLang="en-US" smtClean="0"/>
               <a:pPr/>
-              <a:t>2021/6/13</a:t>
+              <a:t>2021/6/14</a:t>
             </a:fld>
             <a:endParaRPr lang="zh-TW" altLang="en-US"/>
           </a:p>
@@ -676,7 +683,7 @@
             <a:fld id="{E3D07B0C-BD95-41BE-BB3E-AC75822DF381}" type="datetimeFigureOut">
               <a:rPr lang="en-US" smtClean="0"/>
               <a:pPr/>
-              <a:t>6/13/2021</a:t>
+              <a:t>6/14/2021</a:t>
             </a:fld>
             <a:endParaRPr lang="en-US" dirty="0"/>
           </a:p>
@@ -841,7 +848,7 @@
             <a:fld id="{E3D07B0C-BD95-41BE-BB3E-AC75822DF381}" type="datetimeFigureOut">
               <a:rPr lang="en-US" smtClean="0"/>
               <a:pPr/>
-              <a:t>6/13/2021</a:t>
+              <a:t>6/14/2021</a:t>
             </a:fld>
             <a:endParaRPr lang="en-US" dirty="0"/>
           </a:p>
@@ -1017,7 +1024,7 @@
             <a:fld id="{E3D07B0C-BD95-41BE-BB3E-AC75822DF381}" type="datetimeFigureOut">
               <a:rPr lang="en-US" smtClean="0"/>
               <a:pPr/>
-              <a:t>6/13/2021</a:t>
+              <a:t>6/14/2021</a:t>
             </a:fld>
             <a:endParaRPr lang="en-US" dirty="0"/>
           </a:p>
@@ -1182,7 +1189,7 @@
             <a:fld id="{E3D07B0C-BD95-41BE-BB3E-AC75822DF381}" type="datetimeFigureOut">
               <a:rPr lang="en-US" smtClean="0"/>
               <a:pPr/>
-              <a:t>6/13/2021</a:t>
+              <a:t>6/14/2021</a:t>
             </a:fld>
             <a:endParaRPr lang="en-US" dirty="0"/>
           </a:p>
@@ -1425,7 +1432,7 @@
             <a:fld id="{E3D07B0C-BD95-41BE-BB3E-AC75822DF381}" type="datetimeFigureOut">
               <a:rPr lang="en-US" smtClean="0"/>
               <a:pPr/>
-              <a:t>6/13/2021</a:t>
+              <a:t>6/14/2021</a:t>
             </a:fld>
             <a:endParaRPr lang="en-US" dirty="0"/>
           </a:p>
@@ -1709,7 +1716,7 @@
             <a:fld id="{E3D07B0C-BD95-41BE-BB3E-AC75822DF381}" type="datetimeFigureOut">
               <a:rPr lang="en-US" smtClean="0"/>
               <a:pPr/>
-              <a:t>6/13/2021</a:t>
+              <a:t>6/14/2021</a:t>
             </a:fld>
             <a:endParaRPr lang="en-US" dirty="0"/>
           </a:p>
@@ -2138,7 +2145,7 @@
             <a:fld id="{E3D07B0C-BD95-41BE-BB3E-AC75822DF381}" type="datetimeFigureOut">
               <a:rPr lang="en-US" smtClean="0"/>
               <a:pPr/>
-              <a:t>6/13/2021</a:t>
+              <a:t>6/14/2021</a:t>
             </a:fld>
             <a:endParaRPr lang="en-US" dirty="0"/>
           </a:p>
@@ -2252,7 +2259,7 @@
             <a:fld id="{E3D07B0C-BD95-41BE-BB3E-AC75822DF381}" type="datetimeFigureOut">
               <a:rPr lang="en-US" smtClean="0"/>
               <a:pPr/>
-              <a:t>6/13/2021</a:t>
+              <a:t>6/14/2021</a:t>
             </a:fld>
             <a:endParaRPr lang="en-US" dirty="0"/>
           </a:p>
@@ -2344,7 +2351,7 @@
             <a:fld id="{E3D07B0C-BD95-41BE-BB3E-AC75822DF381}" type="datetimeFigureOut">
               <a:rPr lang="en-US" smtClean="0"/>
               <a:pPr/>
-              <a:t>6/13/2021</a:t>
+              <a:t>6/14/2021</a:t>
             </a:fld>
             <a:endParaRPr lang="en-US" dirty="0"/>
           </a:p>
@@ -2535,7 +2542,7 @@
             <a:fld id="{E3D07B0C-BD95-41BE-BB3E-AC75822DF381}" type="datetimeFigureOut">
               <a:rPr lang="en-US" smtClean="0"/>
               <a:pPr/>
-              <a:t>6/13/2021</a:t>
+              <a:t>6/14/2021</a:t>
             </a:fld>
             <a:endParaRPr lang="en-US" dirty="0"/>
           </a:p>
@@ -2853,7 +2860,7 @@
             <a:fld id="{E3D07B0C-BD95-41BE-BB3E-AC75822DF381}" type="datetimeFigureOut">
               <a:rPr lang="en-US" smtClean="0"/>
               <a:pPr/>
-              <a:t>6/13/2021</a:t>
+              <a:t>6/14/2021</a:t>
             </a:fld>
             <a:endParaRPr lang="en-US" dirty="0"/>
           </a:p>
@@ -3235,7 +3242,7 @@
             <a:fld id="{E3D07B0C-BD95-41BE-BB3E-AC75822DF381}" type="datetimeFigureOut">
               <a:rPr lang="en-US" smtClean="0"/>
               <a:pPr/>
-              <a:t>6/13/2021</a:t>
+              <a:t>6/14/2021</a:t>
             </a:fld>
             <a:endParaRPr lang="en-US" dirty="0"/>
           </a:p>
@@ -4902,6 +4909,4468 @@
     <p:extLst>
       <p:ext uri="{BB962C8B-B14F-4D97-AF65-F5344CB8AC3E}">
         <p14:creationId xmlns:p14="http://schemas.microsoft.com/office/powerpoint/2010/main" val="2798051584"/>
+      </p:ext>
+    </p:extLst>
+  </p:cSld>
+  <p:clrMapOvr>
+    <a:masterClrMapping/>
+  </p:clrMapOvr>
+</p:sld>
+</file>
+
+<file path=ppt/slides/slide10.xml><?xml version="1.0" encoding="utf-8"?>
+<p:sld xmlns:a="http://schemas.openxmlformats.org/drawingml/2006/main" xmlns:r="http://schemas.openxmlformats.org/officeDocument/2006/relationships" xmlns:p="http://schemas.openxmlformats.org/presentationml/2006/main">
+  <p:cSld>
+    <p:spTree>
+      <p:nvGrpSpPr>
+        <p:cNvPr id="1" name=""/>
+        <p:cNvGrpSpPr/>
+        <p:nvPr/>
+      </p:nvGrpSpPr>
+      <p:grpSpPr>
+        <a:xfrm>
+          <a:off x="0" y="0"/>
+          <a:ext cx="0" cy="0"/>
+          <a:chOff x="0" y="0"/>
+          <a:chExt cx="0" cy="0"/>
+        </a:xfrm>
+      </p:grpSpPr>
+      <p:sp>
+        <p:nvSpPr>
+          <p:cNvPr id="2" name="TextBox 1">
+            <a:extLst>
+              <a:ext uri="{FF2B5EF4-FFF2-40B4-BE49-F238E27FC236}">
+                <a16:creationId xmlns:a16="http://schemas.microsoft.com/office/drawing/2014/main" id="{746B4C6C-9A88-4603-B7F6-CE2E10BD113F}"/>
+              </a:ext>
+            </a:extLst>
+          </p:cNvPr>
+          <p:cNvSpPr txBox="1"/>
+          <p:nvPr/>
+        </p:nvSpPr>
+        <p:spPr>
+          <a:xfrm>
+            <a:off x="2991477" y="3138324"/>
+            <a:ext cx="67326" cy="230832"/>
+          </a:xfrm>
+          <a:prstGeom prst="rect">
+            <a:avLst/>
+          </a:prstGeom>
+          <a:noFill/>
+        </p:spPr>
+        <p:txBody>
+          <a:bodyPr wrap="none" lIns="0" rIns="0" rtlCol="0">
+            <a:spAutoFit/>
+          </a:bodyPr>
+          <a:lstStyle/>
+          <a:p>
+            <a:r>
+              <a:rPr lang="en-US" altLang="zh-CN" sz="900" dirty="0"/>
+              <a:t>A</a:t>
+            </a:r>
+            <a:endParaRPr lang="zh-CN" altLang="en-US" sz="900" dirty="0"/>
+          </a:p>
+        </p:txBody>
+      </p:sp>
+      <p:sp>
+        <p:nvSpPr>
+          <p:cNvPr id="3" name="TextBox 2">
+            <a:extLst>
+              <a:ext uri="{FF2B5EF4-FFF2-40B4-BE49-F238E27FC236}">
+                <a16:creationId xmlns:a16="http://schemas.microsoft.com/office/drawing/2014/main" id="{F8DFAFE8-CC8D-4336-BD2A-CE6F606D5BD5}"/>
+              </a:ext>
+            </a:extLst>
+          </p:cNvPr>
+          <p:cNvSpPr txBox="1"/>
+          <p:nvPr/>
+        </p:nvSpPr>
+        <p:spPr>
+          <a:xfrm>
+            <a:off x="3340050" y="2661242"/>
+            <a:ext cx="62518" cy="230832"/>
+          </a:xfrm>
+          <a:prstGeom prst="rect">
+            <a:avLst/>
+          </a:prstGeom>
+          <a:noFill/>
+        </p:spPr>
+        <p:txBody>
+          <a:bodyPr wrap="none" lIns="0" rIns="0" rtlCol="0">
+            <a:spAutoFit/>
+          </a:bodyPr>
+          <a:lstStyle/>
+          <a:p>
+            <a:r>
+              <a:rPr lang="en-US" altLang="zh-CN" sz="900" dirty="0"/>
+              <a:t>B</a:t>
+            </a:r>
+            <a:endParaRPr lang="zh-CN" altLang="en-US" sz="900" dirty="0"/>
+          </a:p>
+        </p:txBody>
+      </p:sp>
+      <p:sp>
+        <p:nvSpPr>
+          <p:cNvPr id="4" name="TextBox 3">
+            <a:extLst>
+              <a:ext uri="{FF2B5EF4-FFF2-40B4-BE49-F238E27FC236}">
+                <a16:creationId xmlns:a16="http://schemas.microsoft.com/office/drawing/2014/main" id="{A889A948-A099-408B-BA60-6D5C07A2145A}"/>
+              </a:ext>
+            </a:extLst>
+          </p:cNvPr>
+          <p:cNvSpPr txBox="1"/>
+          <p:nvPr/>
+        </p:nvSpPr>
+        <p:spPr>
+          <a:xfrm>
+            <a:off x="3962400" y="2981949"/>
+            <a:ext cx="121828" cy="215444"/>
+          </a:xfrm>
+          <a:prstGeom prst="rect">
+            <a:avLst/>
+          </a:prstGeom>
+          <a:noFill/>
+        </p:spPr>
+        <p:txBody>
+          <a:bodyPr wrap="none" lIns="0" rIns="0" rtlCol="0">
+            <a:spAutoFit/>
+          </a:bodyPr>
+          <a:lstStyle/>
+          <a:p>
+            <a:r>
+              <a:rPr lang="en-US" altLang="zh-CN" sz="800" dirty="0"/>
+              <a:t>S</a:t>
+            </a:r>
+            <a:r>
+              <a:rPr lang="en-US" altLang="zh-CN" sz="800" baseline="-25000" dirty="0"/>
+              <a:t>A1</a:t>
+            </a:r>
+            <a:endParaRPr lang="zh-CN" altLang="en-US" sz="800" dirty="0"/>
+          </a:p>
+        </p:txBody>
+      </p:sp>
+      <p:cxnSp>
+        <p:nvCxnSpPr>
+          <p:cNvPr id="5" name="直接连接符 25">
+            <a:extLst>
+              <a:ext uri="{FF2B5EF4-FFF2-40B4-BE49-F238E27FC236}">
+                <a16:creationId xmlns:a16="http://schemas.microsoft.com/office/drawing/2014/main" id="{D5C9231B-B001-4BC9-B194-E37D1F065FDD}"/>
+              </a:ext>
+            </a:extLst>
+          </p:cNvPr>
+          <p:cNvCxnSpPr/>
+          <p:nvPr/>
+        </p:nvCxnSpPr>
+        <p:spPr>
+          <a:xfrm flipV="1">
+            <a:off x="2819400" y="3462338"/>
+            <a:ext cx="0" cy="137160"/>
+          </a:xfrm>
+          <a:prstGeom prst="line">
+            <a:avLst/>
+          </a:prstGeom>
+          <a:ln w="6350">
+            <a:solidFill>
+              <a:schemeClr val="tx1"/>
+            </a:solidFill>
+            <a:prstDash val="dash"/>
+          </a:ln>
+        </p:spPr>
+        <p:style>
+          <a:lnRef idx="1">
+            <a:schemeClr val="accent1"/>
+          </a:lnRef>
+          <a:fillRef idx="0">
+            <a:schemeClr val="accent1"/>
+          </a:fillRef>
+          <a:effectRef idx="0">
+            <a:schemeClr val="accent1"/>
+          </a:effectRef>
+          <a:fontRef idx="minor">
+            <a:schemeClr val="tx1"/>
+          </a:fontRef>
+        </p:style>
+      </p:cxnSp>
+      <p:cxnSp>
+        <p:nvCxnSpPr>
+          <p:cNvPr id="6" name="直接连接符 30">
+            <a:extLst>
+              <a:ext uri="{FF2B5EF4-FFF2-40B4-BE49-F238E27FC236}">
+                <a16:creationId xmlns:a16="http://schemas.microsoft.com/office/drawing/2014/main" id="{3E7DD24B-2231-4832-A646-0879A6DC2C03}"/>
+              </a:ext>
+            </a:extLst>
+          </p:cNvPr>
+          <p:cNvCxnSpPr/>
+          <p:nvPr/>
+        </p:nvCxnSpPr>
+        <p:spPr>
+          <a:xfrm rot="-2700000" flipH="1" flipV="1">
+            <a:off x="3058728" y="2658867"/>
+            <a:ext cx="3903" cy="457200"/>
+          </a:xfrm>
+          <a:prstGeom prst="line">
+            <a:avLst/>
+          </a:prstGeom>
+          <a:ln w="6350">
+            <a:solidFill>
+              <a:schemeClr val="tx1"/>
+            </a:solidFill>
+            <a:prstDash val="dash"/>
+          </a:ln>
+        </p:spPr>
+        <p:style>
+          <a:lnRef idx="1">
+            <a:schemeClr val="accent1"/>
+          </a:lnRef>
+          <a:fillRef idx="0">
+            <a:schemeClr val="accent1"/>
+          </a:fillRef>
+          <a:effectRef idx="0">
+            <a:schemeClr val="accent1"/>
+          </a:effectRef>
+          <a:fontRef idx="minor">
+            <a:schemeClr val="tx1"/>
+          </a:fontRef>
+        </p:style>
+      </p:cxnSp>
+      <p:cxnSp>
+        <p:nvCxnSpPr>
+          <p:cNvPr id="7" name="直接连接符 31">
+            <a:extLst>
+              <a:ext uri="{FF2B5EF4-FFF2-40B4-BE49-F238E27FC236}">
+                <a16:creationId xmlns:a16="http://schemas.microsoft.com/office/drawing/2014/main" id="{8FD08811-049A-4EC8-B880-A96BD01B4284}"/>
+              </a:ext>
+            </a:extLst>
+          </p:cNvPr>
+          <p:cNvCxnSpPr/>
+          <p:nvPr/>
+        </p:nvCxnSpPr>
+        <p:spPr>
+          <a:xfrm flipH="1" flipV="1">
+            <a:off x="3933826" y="3150035"/>
+            <a:ext cx="0" cy="457200"/>
+          </a:xfrm>
+          <a:prstGeom prst="line">
+            <a:avLst/>
+          </a:prstGeom>
+          <a:ln w="6350">
+            <a:solidFill>
+              <a:schemeClr val="tx1"/>
+            </a:solidFill>
+            <a:prstDash val="dash"/>
+          </a:ln>
+        </p:spPr>
+        <p:style>
+          <a:lnRef idx="1">
+            <a:schemeClr val="accent1"/>
+          </a:lnRef>
+          <a:fillRef idx="0">
+            <a:schemeClr val="accent1"/>
+          </a:fillRef>
+          <a:effectRef idx="0">
+            <a:schemeClr val="accent1"/>
+          </a:effectRef>
+          <a:fontRef idx="minor">
+            <a:schemeClr val="tx1"/>
+          </a:fontRef>
+        </p:style>
+      </p:cxnSp>
+      <p:sp>
+        <p:nvSpPr>
+          <p:cNvPr id="8" name="Rectangle 7">
+            <a:extLst>
+              <a:ext uri="{FF2B5EF4-FFF2-40B4-BE49-F238E27FC236}">
+                <a16:creationId xmlns:a16="http://schemas.microsoft.com/office/drawing/2014/main" id="{2D165ABD-F140-49DD-8282-25BAE88F6A3D}"/>
+              </a:ext>
+            </a:extLst>
+          </p:cNvPr>
+          <p:cNvSpPr/>
+          <p:nvPr/>
+        </p:nvSpPr>
+        <p:spPr>
+          <a:xfrm>
+            <a:off x="1042987" y="1936575"/>
+            <a:ext cx="4267200" cy="2597325"/>
+          </a:xfrm>
+          <a:prstGeom prst="rect">
+            <a:avLst/>
+          </a:prstGeom>
+          <a:noFill/>
+          <a:ln w="9525">
+            <a:prstDash val="sysDash"/>
+          </a:ln>
+        </p:spPr>
+        <p:style>
+          <a:lnRef idx="2">
+            <a:schemeClr val="accent1">
+              <a:shade val="50000"/>
+            </a:schemeClr>
+          </a:lnRef>
+          <a:fillRef idx="1">
+            <a:schemeClr val="accent1"/>
+          </a:fillRef>
+          <a:effectRef idx="0">
+            <a:schemeClr val="accent1"/>
+          </a:effectRef>
+          <a:fontRef idx="minor">
+            <a:schemeClr val="lt1"/>
+          </a:fontRef>
+        </p:style>
+        <p:txBody>
+          <a:bodyPr rtlCol="0" anchor="ctr"/>
+          <a:lstStyle/>
+          <a:p>
+            <a:pPr algn="ctr"/>
+            <a:endParaRPr lang="en-US" sz="800"/>
+          </a:p>
+        </p:txBody>
+      </p:sp>
+      <p:sp>
+        <p:nvSpPr>
+          <p:cNvPr id="9" name="TextBox 8">
+            <a:extLst>
+              <a:ext uri="{FF2B5EF4-FFF2-40B4-BE49-F238E27FC236}">
+                <a16:creationId xmlns:a16="http://schemas.microsoft.com/office/drawing/2014/main" id="{CBE7C490-5E03-45F3-9719-A9C1A4F21EDD}"/>
+              </a:ext>
+            </a:extLst>
+          </p:cNvPr>
+          <p:cNvSpPr txBox="1"/>
+          <p:nvPr/>
+        </p:nvSpPr>
+        <p:spPr>
+          <a:xfrm>
+            <a:off x="2953968" y="4724400"/>
+            <a:ext cx="2125158" cy="338554"/>
+          </a:xfrm>
+          <a:prstGeom prst="rect">
+            <a:avLst/>
+          </a:prstGeom>
+          <a:noFill/>
+          <a:ln>
+            <a:noFill/>
+          </a:ln>
+        </p:spPr>
+        <p:txBody>
+          <a:bodyPr wrap="square" lIns="0" rIns="0" rtlCol="0">
+            <a:spAutoFit/>
+          </a:bodyPr>
+          <a:lstStyle/>
+          <a:p>
+            <a:r>
+              <a:rPr lang="en-US" altLang="zh-CN" sz="1600" dirty="0"/>
+              <a:t>Figure 9</a:t>
+            </a:r>
+            <a:r>
+              <a:rPr lang="en-US" altLang="zh-TW" sz="1600" dirty="0"/>
+              <a:t>-12</a:t>
+            </a:r>
+          </a:p>
+        </p:txBody>
+      </p:sp>
+      <p:sp>
+        <p:nvSpPr>
+          <p:cNvPr id="10" name="矩形 7">
+            <a:extLst>
+              <a:ext uri="{FF2B5EF4-FFF2-40B4-BE49-F238E27FC236}">
+                <a16:creationId xmlns:a16="http://schemas.microsoft.com/office/drawing/2014/main" id="{BCDF1F66-64BA-4D7B-A64A-C36F4CE5A1A7}"/>
+              </a:ext>
+            </a:extLst>
+          </p:cNvPr>
+          <p:cNvSpPr>
+            <a:spLocks noChangeAspect="1"/>
+          </p:cNvSpPr>
+          <p:nvPr/>
+        </p:nvSpPr>
+        <p:spPr>
+          <a:xfrm>
+            <a:off x="2819400" y="3048000"/>
+            <a:ext cx="411480" cy="411480"/>
+          </a:xfrm>
+          <a:prstGeom prst="rect">
+            <a:avLst/>
+          </a:prstGeom>
+          <a:noFill/>
+          <a:ln w="12700">
+            <a:solidFill>
+              <a:schemeClr val="tx1"/>
+            </a:solidFill>
+          </a:ln>
+        </p:spPr>
+        <p:style>
+          <a:lnRef idx="2">
+            <a:schemeClr val="accent1">
+              <a:shade val="50000"/>
+            </a:schemeClr>
+          </a:lnRef>
+          <a:fillRef idx="1">
+            <a:schemeClr val="accent1"/>
+          </a:fillRef>
+          <a:effectRef idx="0">
+            <a:schemeClr val="accent1"/>
+          </a:effectRef>
+          <a:fontRef idx="minor">
+            <a:schemeClr val="lt1"/>
+          </a:fontRef>
+        </p:style>
+        <p:txBody>
+          <a:bodyPr rtlCol="0" anchor="ctr"/>
+          <a:lstStyle/>
+          <a:p>
+            <a:pPr algn="ctr"/>
+            <a:endParaRPr lang="zh-CN" altLang="en-US" dirty="0"/>
+          </a:p>
+        </p:txBody>
+      </p:sp>
+      <p:sp>
+        <p:nvSpPr>
+          <p:cNvPr id="11" name="矩形 28">
+            <a:extLst>
+              <a:ext uri="{FF2B5EF4-FFF2-40B4-BE49-F238E27FC236}">
+                <a16:creationId xmlns:a16="http://schemas.microsoft.com/office/drawing/2014/main" id="{888F2B2D-3181-4879-8C1B-37421A11E8DA}"/>
+              </a:ext>
+            </a:extLst>
+          </p:cNvPr>
+          <p:cNvSpPr>
+            <a:spLocks/>
+          </p:cNvSpPr>
+          <p:nvPr/>
+        </p:nvSpPr>
+        <p:spPr>
+          <a:xfrm rot="2700000">
+            <a:off x="3054353" y="2776727"/>
+            <a:ext cx="914400" cy="274320"/>
+          </a:xfrm>
+          <a:prstGeom prst="rect">
+            <a:avLst/>
+          </a:prstGeom>
+          <a:noFill/>
+          <a:ln w="12700">
+            <a:solidFill>
+              <a:schemeClr val="tx1"/>
+            </a:solidFill>
+          </a:ln>
+        </p:spPr>
+        <p:style>
+          <a:lnRef idx="2">
+            <a:schemeClr val="accent1">
+              <a:shade val="50000"/>
+            </a:schemeClr>
+          </a:lnRef>
+          <a:fillRef idx="1">
+            <a:schemeClr val="accent1"/>
+          </a:fillRef>
+          <a:effectRef idx="0">
+            <a:schemeClr val="accent1"/>
+          </a:effectRef>
+          <a:fontRef idx="minor">
+            <a:schemeClr val="lt1"/>
+          </a:fontRef>
+        </p:style>
+        <p:txBody>
+          <a:bodyPr rtlCol="0" anchor="ctr"/>
+          <a:lstStyle/>
+          <a:p>
+            <a:pPr algn="ctr"/>
+            <a:endParaRPr lang="zh-CN" altLang="en-US"/>
+          </a:p>
+        </p:txBody>
+      </p:sp>
+      <p:sp>
+        <p:nvSpPr>
+          <p:cNvPr id="12" name="Right Brace 11">
+            <a:extLst>
+              <a:ext uri="{FF2B5EF4-FFF2-40B4-BE49-F238E27FC236}">
+                <a16:creationId xmlns:a16="http://schemas.microsoft.com/office/drawing/2014/main" id="{B1233DD4-1234-4EF4-87F3-2437C5B9825D}"/>
+              </a:ext>
+            </a:extLst>
+          </p:cNvPr>
+          <p:cNvSpPr/>
+          <p:nvPr/>
+        </p:nvSpPr>
+        <p:spPr>
+          <a:xfrm>
+            <a:off x="3351778" y="3091095"/>
+            <a:ext cx="46101" cy="1106424"/>
+          </a:xfrm>
+          <a:prstGeom prst="rightBrace">
+            <a:avLst>
+              <a:gd name="adj1" fmla="val 147059"/>
+              <a:gd name="adj2" fmla="val 50000"/>
+            </a:avLst>
+          </a:prstGeom>
+          <a:ln w="6350">
+            <a:solidFill>
+              <a:schemeClr val="tx1"/>
+            </a:solidFill>
+          </a:ln>
+          <a:scene3d>
+            <a:camera prst="orthographicFront">
+              <a:rot lat="0" lon="0" rev="16200000"/>
+            </a:camera>
+            <a:lightRig rig="threePt" dir="t"/>
+          </a:scene3d>
+        </p:spPr>
+        <p:style>
+          <a:lnRef idx="1">
+            <a:schemeClr val="accent1"/>
+          </a:lnRef>
+          <a:fillRef idx="0">
+            <a:schemeClr val="accent1"/>
+          </a:fillRef>
+          <a:effectRef idx="0">
+            <a:schemeClr val="accent1"/>
+          </a:effectRef>
+          <a:fontRef idx="minor">
+            <a:schemeClr val="tx1"/>
+          </a:fontRef>
+        </p:style>
+        <p:txBody>
+          <a:bodyPr rtlCol="0" anchor="ctr"/>
+          <a:lstStyle/>
+          <a:p>
+            <a:pPr algn="ctr"/>
+            <a:endParaRPr lang="en-US"/>
+          </a:p>
+        </p:txBody>
+      </p:sp>
+      <p:sp>
+        <p:nvSpPr>
+          <p:cNvPr id="13" name="TextBox 12">
+            <a:extLst>
+              <a:ext uri="{FF2B5EF4-FFF2-40B4-BE49-F238E27FC236}">
+                <a16:creationId xmlns:a16="http://schemas.microsoft.com/office/drawing/2014/main" id="{CBC25F86-7897-4300-AE7F-B9A1639D617D}"/>
+              </a:ext>
+            </a:extLst>
+          </p:cNvPr>
+          <p:cNvSpPr txBox="1"/>
+          <p:nvPr/>
+        </p:nvSpPr>
+        <p:spPr>
+          <a:xfrm>
+            <a:off x="2533649" y="3146018"/>
+            <a:ext cx="110608" cy="215444"/>
+          </a:xfrm>
+          <a:prstGeom prst="rect">
+            <a:avLst/>
+          </a:prstGeom>
+          <a:noFill/>
+        </p:spPr>
+        <p:txBody>
+          <a:bodyPr wrap="none" lIns="0" rIns="0" rtlCol="0">
+            <a:spAutoFit/>
+          </a:bodyPr>
+          <a:lstStyle/>
+          <a:p>
+            <a:r>
+              <a:rPr lang="en-US" altLang="zh-CN" sz="800" dirty="0"/>
+              <a:t>A1</a:t>
+            </a:r>
+            <a:endParaRPr lang="zh-CN" altLang="en-US" sz="800" dirty="0"/>
+          </a:p>
+        </p:txBody>
+      </p:sp>
+      <p:sp>
+        <p:nvSpPr>
+          <p:cNvPr id="14" name="TextBox 13">
+            <a:extLst>
+              <a:ext uri="{FF2B5EF4-FFF2-40B4-BE49-F238E27FC236}">
+                <a16:creationId xmlns:a16="http://schemas.microsoft.com/office/drawing/2014/main" id="{3CBE29EE-4ADD-4665-B7D0-EE0E09D8441B}"/>
+              </a:ext>
+            </a:extLst>
+          </p:cNvPr>
+          <p:cNvSpPr txBox="1"/>
+          <p:nvPr/>
+        </p:nvSpPr>
+        <p:spPr>
+          <a:xfrm>
+            <a:off x="2827844" y="3146018"/>
+            <a:ext cx="126638" cy="215444"/>
+          </a:xfrm>
+          <a:prstGeom prst="rect">
+            <a:avLst/>
+          </a:prstGeom>
+          <a:noFill/>
+        </p:spPr>
+        <p:txBody>
+          <a:bodyPr wrap="none" lIns="0" rIns="0" rtlCol="0">
+            <a:spAutoFit/>
+          </a:bodyPr>
+          <a:lstStyle/>
+          <a:p>
+            <a:r>
+              <a:rPr lang="en-US" altLang="zh-CN" sz="800" dirty="0"/>
+              <a:t>e</a:t>
+            </a:r>
+            <a:r>
+              <a:rPr lang="en-US" altLang="zh-CN" sz="800" baseline="-25000" dirty="0"/>
+              <a:t>A1</a:t>
+            </a:r>
+            <a:endParaRPr lang="zh-CN" altLang="en-US" sz="800" baseline="-25000" dirty="0"/>
+          </a:p>
+        </p:txBody>
+      </p:sp>
+      <p:sp>
+        <p:nvSpPr>
+          <p:cNvPr id="15" name="TextBox 14">
+            <a:extLst>
+              <a:ext uri="{FF2B5EF4-FFF2-40B4-BE49-F238E27FC236}">
+                <a16:creationId xmlns:a16="http://schemas.microsoft.com/office/drawing/2014/main" id="{2ED0F75A-6DBF-4EE1-844E-8D90E15FA8E5}"/>
+              </a:ext>
+            </a:extLst>
+          </p:cNvPr>
+          <p:cNvSpPr txBox="1"/>
+          <p:nvPr/>
+        </p:nvSpPr>
+        <p:spPr>
+          <a:xfrm>
+            <a:off x="3362325" y="3010525"/>
+            <a:ext cx="110608" cy="215444"/>
+          </a:xfrm>
+          <a:prstGeom prst="rect">
+            <a:avLst/>
+          </a:prstGeom>
+          <a:noFill/>
+        </p:spPr>
+        <p:txBody>
+          <a:bodyPr wrap="none" lIns="0" rIns="0" rtlCol="0">
+            <a:spAutoFit/>
+          </a:bodyPr>
+          <a:lstStyle/>
+          <a:p>
+            <a:r>
+              <a:rPr lang="en-US" altLang="zh-CN" sz="800" dirty="0"/>
+              <a:t>B1</a:t>
+            </a:r>
+            <a:endParaRPr lang="zh-CN" altLang="en-US" sz="800" dirty="0"/>
+          </a:p>
+        </p:txBody>
+      </p:sp>
+      <p:cxnSp>
+        <p:nvCxnSpPr>
+          <p:cNvPr id="16" name="Straight Arrow Connector 15">
+            <a:extLst>
+              <a:ext uri="{FF2B5EF4-FFF2-40B4-BE49-F238E27FC236}">
+                <a16:creationId xmlns:a16="http://schemas.microsoft.com/office/drawing/2014/main" id="{2EE449E6-CDDD-498B-8A5F-93F0387713DD}"/>
+              </a:ext>
+            </a:extLst>
+          </p:cNvPr>
+          <p:cNvCxnSpPr/>
+          <p:nvPr/>
+        </p:nvCxnSpPr>
+        <p:spPr>
+          <a:xfrm rot="16200000" flipH="1" flipV="1">
+            <a:off x="2728913" y="3162301"/>
+            <a:ext cx="0" cy="182880"/>
+          </a:xfrm>
+          <a:prstGeom prst="straightConnector1">
+            <a:avLst/>
+          </a:prstGeom>
+          <a:ln w="6350">
+            <a:solidFill>
+              <a:schemeClr val="tx1"/>
+            </a:solidFill>
+            <a:tailEnd type="triangle" w="sm" len="sm"/>
+          </a:ln>
+        </p:spPr>
+        <p:style>
+          <a:lnRef idx="1">
+            <a:schemeClr val="accent1"/>
+          </a:lnRef>
+          <a:fillRef idx="0">
+            <a:schemeClr val="accent1"/>
+          </a:fillRef>
+          <a:effectRef idx="0">
+            <a:schemeClr val="accent1"/>
+          </a:effectRef>
+          <a:fontRef idx="minor">
+            <a:schemeClr val="tx1"/>
+          </a:fontRef>
+        </p:style>
+      </p:cxnSp>
+      <p:sp>
+        <p:nvSpPr>
+          <p:cNvPr id="17" name="TextBox 16">
+            <a:extLst>
+              <a:ext uri="{FF2B5EF4-FFF2-40B4-BE49-F238E27FC236}">
+                <a16:creationId xmlns:a16="http://schemas.microsoft.com/office/drawing/2014/main" id="{EB5A43AF-B5BA-47A2-8BA4-F14D486D970C}"/>
+              </a:ext>
+            </a:extLst>
+          </p:cNvPr>
+          <p:cNvSpPr txBox="1"/>
+          <p:nvPr/>
+        </p:nvSpPr>
+        <p:spPr>
+          <a:xfrm>
+            <a:off x="3394669" y="2830505"/>
+            <a:ext cx="123432" cy="215444"/>
+          </a:xfrm>
+          <a:prstGeom prst="rect">
+            <a:avLst/>
+          </a:prstGeom>
+          <a:noFill/>
+        </p:spPr>
+        <p:txBody>
+          <a:bodyPr wrap="none" lIns="0" rIns="0" rtlCol="0">
+            <a:spAutoFit/>
+          </a:bodyPr>
+          <a:lstStyle/>
+          <a:p>
+            <a:r>
+              <a:rPr lang="en-US" altLang="zh-CN" sz="800" dirty="0"/>
+              <a:t>e</a:t>
+            </a:r>
+            <a:r>
+              <a:rPr lang="en-US" altLang="zh-CN" sz="800" baseline="-25000" dirty="0"/>
+              <a:t>B1</a:t>
+            </a:r>
+            <a:endParaRPr lang="zh-CN" altLang="en-US" sz="800" baseline="-25000" dirty="0"/>
+          </a:p>
+        </p:txBody>
+      </p:sp>
+      <p:cxnSp>
+        <p:nvCxnSpPr>
+          <p:cNvPr id="18" name="Straight Arrow Connector 17">
+            <a:extLst>
+              <a:ext uri="{FF2B5EF4-FFF2-40B4-BE49-F238E27FC236}">
+                <a16:creationId xmlns:a16="http://schemas.microsoft.com/office/drawing/2014/main" id="{86812159-F3F0-42F3-9031-4B79C6386297}"/>
+              </a:ext>
+            </a:extLst>
+          </p:cNvPr>
+          <p:cNvCxnSpPr/>
+          <p:nvPr/>
+        </p:nvCxnSpPr>
+        <p:spPr>
+          <a:xfrm rot="13500000" flipH="1" flipV="1">
+            <a:off x="3351331" y="2982376"/>
+            <a:ext cx="0" cy="182880"/>
+          </a:xfrm>
+          <a:prstGeom prst="straightConnector1">
+            <a:avLst/>
+          </a:prstGeom>
+          <a:ln w="6350">
+            <a:solidFill>
+              <a:schemeClr val="tx1"/>
+            </a:solidFill>
+            <a:tailEnd type="triangle" w="sm" len="sm"/>
+          </a:ln>
+        </p:spPr>
+        <p:style>
+          <a:lnRef idx="1">
+            <a:schemeClr val="accent1"/>
+          </a:lnRef>
+          <a:fillRef idx="0">
+            <a:schemeClr val="accent1"/>
+          </a:fillRef>
+          <a:effectRef idx="0">
+            <a:schemeClr val="accent1"/>
+          </a:effectRef>
+          <a:fontRef idx="minor">
+            <a:schemeClr val="tx1"/>
+          </a:fontRef>
+        </p:style>
+      </p:cxnSp>
+      <p:sp>
+        <p:nvSpPr>
+          <p:cNvPr id="19" name="TextBox 18">
+            <a:extLst>
+              <a:ext uri="{FF2B5EF4-FFF2-40B4-BE49-F238E27FC236}">
+                <a16:creationId xmlns:a16="http://schemas.microsoft.com/office/drawing/2014/main" id="{3DFD5795-A687-4F05-A70C-86F87ADF22B2}"/>
+              </a:ext>
+            </a:extLst>
+          </p:cNvPr>
+          <p:cNvSpPr txBox="1"/>
+          <p:nvPr/>
+        </p:nvSpPr>
+        <p:spPr>
+          <a:xfrm>
+            <a:off x="2859137" y="3619886"/>
+            <a:ext cx="1037143" cy="215444"/>
+          </a:xfrm>
+          <a:prstGeom prst="rect">
+            <a:avLst/>
+          </a:prstGeom>
+          <a:noFill/>
+        </p:spPr>
+        <p:txBody>
+          <a:bodyPr wrap="none" lIns="0" rIns="0" rtlCol="0">
+            <a:spAutoFit/>
+          </a:bodyPr>
+          <a:lstStyle/>
+          <a:p>
+            <a:pPr algn="ctr"/>
+            <a:r>
+              <a:rPr lang="en-US" altLang="zh-CN" sz="800" dirty="0"/>
+              <a:t>Negative distance to e</a:t>
+            </a:r>
+            <a:r>
+              <a:rPr lang="en-US" altLang="zh-CN" sz="800" baseline="-25000" dirty="0"/>
+              <a:t>A1</a:t>
+            </a:r>
+            <a:endParaRPr lang="zh-CN" altLang="en-US" sz="800" baseline="-25000" dirty="0"/>
+          </a:p>
+        </p:txBody>
+      </p:sp>
+      <p:sp>
+        <p:nvSpPr>
+          <p:cNvPr id="20" name="椭圆 35">
+            <a:extLst>
+              <a:ext uri="{FF2B5EF4-FFF2-40B4-BE49-F238E27FC236}">
+                <a16:creationId xmlns:a16="http://schemas.microsoft.com/office/drawing/2014/main" id="{73393974-9A78-47C5-918C-95E4A545BDD2}"/>
+              </a:ext>
+            </a:extLst>
+          </p:cNvPr>
+          <p:cNvSpPr/>
+          <p:nvPr/>
+        </p:nvSpPr>
+        <p:spPr>
+          <a:xfrm>
+            <a:off x="3913444" y="3123283"/>
+            <a:ext cx="36000" cy="36000"/>
+          </a:xfrm>
+          <a:prstGeom prst="ellipse">
+            <a:avLst/>
+          </a:prstGeom>
+          <a:solidFill>
+            <a:schemeClr val="tx1"/>
+          </a:solidFill>
+          <a:ln>
+            <a:noFill/>
+          </a:ln>
+        </p:spPr>
+        <p:style>
+          <a:lnRef idx="2">
+            <a:schemeClr val="accent1">
+              <a:shade val="50000"/>
+            </a:schemeClr>
+          </a:lnRef>
+          <a:fillRef idx="1">
+            <a:schemeClr val="accent1"/>
+          </a:fillRef>
+          <a:effectRef idx="0">
+            <a:schemeClr val="accent1"/>
+          </a:effectRef>
+          <a:fontRef idx="minor">
+            <a:schemeClr val="lt1"/>
+          </a:fontRef>
+        </p:style>
+        <p:txBody>
+          <a:bodyPr rtlCol="0" anchor="ctr"/>
+          <a:lstStyle/>
+          <a:p>
+            <a:pPr algn="ctr"/>
+            <a:endParaRPr lang="zh-CN" altLang="en-US"/>
+          </a:p>
+        </p:txBody>
+      </p:sp>
+      <p:sp>
+        <p:nvSpPr>
+          <p:cNvPr id="21" name="椭圆 35">
+            <a:extLst>
+              <a:ext uri="{FF2B5EF4-FFF2-40B4-BE49-F238E27FC236}">
+                <a16:creationId xmlns:a16="http://schemas.microsoft.com/office/drawing/2014/main" id="{86C7133B-1ED4-4637-895E-69541553EAF0}"/>
+              </a:ext>
+            </a:extLst>
+          </p:cNvPr>
+          <p:cNvSpPr/>
+          <p:nvPr/>
+        </p:nvSpPr>
+        <p:spPr>
+          <a:xfrm>
+            <a:off x="3213357" y="3032795"/>
+            <a:ext cx="36000" cy="36000"/>
+          </a:xfrm>
+          <a:prstGeom prst="ellipse">
+            <a:avLst/>
+          </a:prstGeom>
+          <a:solidFill>
+            <a:schemeClr val="tx1"/>
+          </a:solidFill>
+          <a:ln>
+            <a:noFill/>
+          </a:ln>
+        </p:spPr>
+        <p:style>
+          <a:lnRef idx="2">
+            <a:schemeClr val="accent1">
+              <a:shade val="50000"/>
+            </a:schemeClr>
+          </a:lnRef>
+          <a:fillRef idx="1">
+            <a:schemeClr val="accent1"/>
+          </a:fillRef>
+          <a:effectRef idx="0">
+            <a:schemeClr val="accent1"/>
+          </a:effectRef>
+          <a:fontRef idx="minor">
+            <a:schemeClr val="lt1"/>
+          </a:fontRef>
+        </p:style>
+        <p:txBody>
+          <a:bodyPr rtlCol="0" anchor="ctr"/>
+          <a:lstStyle/>
+          <a:p>
+            <a:pPr algn="ctr"/>
+            <a:endParaRPr lang="zh-CN" altLang="en-US"/>
+          </a:p>
+        </p:txBody>
+      </p:sp>
+      <p:cxnSp>
+        <p:nvCxnSpPr>
+          <p:cNvPr id="22" name="直接连接符 30">
+            <a:extLst>
+              <a:ext uri="{FF2B5EF4-FFF2-40B4-BE49-F238E27FC236}">
+                <a16:creationId xmlns:a16="http://schemas.microsoft.com/office/drawing/2014/main" id="{EAD0B58C-C194-427D-8AF0-96F190B8DC4F}"/>
+              </a:ext>
+            </a:extLst>
+          </p:cNvPr>
+          <p:cNvCxnSpPr/>
+          <p:nvPr/>
+        </p:nvCxnSpPr>
+        <p:spPr>
+          <a:xfrm rot="-2700000" flipH="1" flipV="1">
+            <a:off x="3046265" y="2589351"/>
+            <a:ext cx="3903" cy="118872"/>
+          </a:xfrm>
+          <a:prstGeom prst="line">
+            <a:avLst/>
+          </a:prstGeom>
+          <a:ln w="6350">
+            <a:solidFill>
+              <a:schemeClr val="tx1"/>
+            </a:solidFill>
+            <a:prstDash val="dash"/>
+          </a:ln>
+        </p:spPr>
+        <p:style>
+          <a:lnRef idx="1">
+            <a:schemeClr val="accent1"/>
+          </a:lnRef>
+          <a:fillRef idx="0">
+            <a:schemeClr val="accent1"/>
+          </a:fillRef>
+          <a:effectRef idx="0">
+            <a:schemeClr val="accent1"/>
+          </a:effectRef>
+          <a:fontRef idx="minor">
+            <a:schemeClr val="tx1"/>
+          </a:fontRef>
+        </p:style>
+      </p:cxnSp>
+      <p:sp>
+        <p:nvSpPr>
+          <p:cNvPr id="23" name="Right Brace 22">
+            <a:extLst>
+              <a:ext uri="{FF2B5EF4-FFF2-40B4-BE49-F238E27FC236}">
+                <a16:creationId xmlns:a16="http://schemas.microsoft.com/office/drawing/2014/main" id="{C836654C-DE2D-4780-BBC9-8BD94454BDC0}"/>
+              </a:ext>
+            </a:extLst>
+          </p:cNvPr>
+          <p:cNvSpPr/>
+          <p:nvPr/>
+        </p:nvSpPr>
+        <p:spPr>
+          <a:xfrm rot="8100000">
+            <a:off x="2911164" y="2580407"/>
+            <a:ext cx="46101" cy="146304"/>
+          </a:xfrm>
+          <a:prstGeom prst="rightBrace">
+            <a:avLst>
+              <a:gd name="adj1" fmla="val 147059"/>
+              <a:gd name="adj2" fmla="val 50000"/>
+            </a:avLst>
+          </a:prstGeom>
+          <a:ln w="6350">
+            <a:solidFill>
+              <a:schemeClr val="tx1"/>
+            </a:solidFill>
+          </a:ln>
+          <a:scene3d>
+            <a:camera prst="orthographicFront">
+              <a:rot lat="0" lon="0" rev="16200000"/>
+            </a:camera>
+            <a:lightRig rig="threePt" dir="t"/>
+          </a:scene3d>
+        </p:spPr>
+        <p:style>
+          <a:lnRef idx="1">
+            <a:schemeClr val="accent1"/>
+          </a:lnRef>
+          <a:fillRef idx="0">
+            <a:schemeClr val="accent1"/>
+          </a:fillRef>
+          <a:effectRef idx="0">
+            <a:schemeClr val="accent1"/>
+          </a:effectRef>
+          <a:fontRef idx="minor">
+            <a:schemeClr val="tx1"/>
+          </a:fontRef>
+        </p:style>
+        <p:txBody>
+          <a:bodyPr rtlCol="0" anchor="ctr"/>
+          <a:lstStyle/>
+          <a:p>
+            <a:pPr algn="ctr"/>
+            <a:endParaRPr lang="en-US"/>
+          </a:p>
+        </p:txBody>
+      </p:sp>
+      <p:sp>
+        <p:nvSpPr>
+          <p:cNvPr id="24" name="TextBox 23">
+            <a:extLst>
+              <a:ext uri="{FF2B5EF4-FFF2-40B4-BE49-F238E27FC236}">
+                <a16:creationId xmlns:a16="http://schemas.microsoft.com/office/drawing/2014/main" id="{0648A0D7-8974-4928-B506-20D78EBBFFF8}"/>
+              </a:ext>
+            </a:extLst>
+          </p:cNvPr>
+          <p:cNvSpPr txBox="1"/>
+          <p:nvPr/>
+        </p:nvSpPr>
+        <p:spPr>
+          <a:xfrm>
+            <a:off x="1448676" y="2417355"/>
+            <a:ext cx="1524455" cy="338554"/>
+          </a:xfrm>
+          <a:prstGeom prst="rect">
+            <a:avLst/>
+          </a:prstGeom>
+          <a:noFill/>
+        </p:spPr>
+        <p:txBody>
+          <a:bodyPr wrap="none" lIns="0" rIns="0" rtlCol="0">
+            <a:spAutoFit/>
+          </a:bodyPr>
+          <a:lstStyle/>
+          <a:p>
+            <a:pPr algn="ctr"/>
+            <a:r>
+              <a:rPr lang="en-US" altLang="zh-CN" sz="800" dirty="0"/>
+              <a:t>Minimum distance to e</a:t>
+            </a:r>
+            <a:r>
+              <a:rPr lang="en-US" altLang="zh-CN" sz="800" baseline="-25000" dirty="0"/>
+              <a:t>B1</a:t>
+            </a:r>
+            <a:r>
+              <a:rPr lang="en-US" altLang="zh-CN" sz="800" dirty="0"/>
+              <a:t> is positive. </a:t>
+            </a:r>
+          </a:p>
+          <a:p>
+            <a:pPr algn="ctr"/>
+            <a:r>
+              <a:rPr lang="en-US" altLang="zh-CN" sz="800" dirty="0"/>
+              <a:t>Thus no support point for e</a:t>
+            </a:r>
+            <a:r>
+              <a:rPr lang="en-US" altLang="zh-CN" sz="800" baseline="-25000" dirty="0"/>
+              <a:t>B1</a:t>
+            </a:r>
+            <a:r>
+              <a:rPr lang="en-US" altLang="zh-CN" sz="800" dirty="0"/>
+              <a:t>. </a:t>
+            </a:r>
+            <a:endParaRPr lang="zh-CN" altLang="en-US" sz="800" baseline="-25000" dirty="0"/>
+          </a:p>
+        </p:txBody>
+      </p:sp>
+    </p:spTree>
+    <p:extLst>
+      <p:ext uri="{BB962C8B-B14F-4D97-AF65-F5344CB8AC3E}">
+        <p14:creationId xmlns:p14="http://schemas.microsoft.com/office/powerpoint/2010/main" val="3832348918"/>
+      </p:ext>
+    </p:extLst>
+  </p:cSld>
+  <p:clrMapOvr>
+    <a:masterClrMapping/>
+  </p:clrMapOvr>
+</p:sld>
+</file>
+
+<file path=ppt/slides/slide11.xml><?xml version="1.0" encoding="utf-8"?>
+<p:sld xmlns:a="http://schemas.openxmlformats.org/drawingml/2006/main" xmlns:r="http://schemas.openxmlformats.org/officeDocument/2006/relationships" xmlns:p="http://schemas.openxmlformats.org/presentationml/2006/main">
+  <p:cSld>
+    <p:spTree>
+      <p:nvGrpSpPr>
+        <p:cNvPr id="1" name=""/>
+        <p:cNvGrpSpPr/>
+        <p:nvPr/>
+      </p:nvGrpSpPr>
+      <p:grpSpPr>
+        <a:xfrm>
+          <a:off x="0" y="0"/>
+          <a:ext cx="0" cy="0"/>
+          <a:chOff x="0" y="0"/>
+          <a:chExt cx="0" cy="0"/>
+        </a:xfrm>
+      </p:grpSpPr>
+      <p:sp>
+        <p:nvSpPr>
+          <p:cNvPr id="2" name="TextBox 1">
+            <a:extLst>
+              <a:ext uri="{FF2B5EF4-FFF2-40B4-BE49-F238E27FC236}">
+                <a16:creationId xmlns:a16="http://schemas.microsoft.com/office/drawing/2014/main" id="{D1B2EC04-30C4-442B-BFA5-D555DE5FCD86}"/>
+              </a:ext>
+            </a:extLst>
+          </p:cNvPr>
+          <p:cNvSpPr txBox="1"/>
+          <p:nvPr/>
+        </p:nvSpPr>
+        <p:spPr>
+          <a:xfrm>
+            <a:off x="1497805" y="3231980"/>
+            <a:ext cx="118622" cy="215444"/>
+          </a:xfrm>
+          <a:prstGeom prst="rect">
+            <a:avLst/>
+          </a:prstGeom>
+          <a:noFill/>
+        </p:spPr>
+        <p:txBody>
+          <a:bodyPr wrap="none" lIns="0" rIns="0" rtlCol="0">
+            <a:spAutoFit/>
+          </a:bodyPr>
+          <a:lstStyle/>
+          <a:p>
+            <a:r>
+              <a:rPr lang="en-US" altLang="zh-CN" sz="800" dirty="0"/>
+              <a:t>S</a:t>
+            </a:r>
+            <a:r>
+              <a:rPr lang="en-US" altLang="zh-CN" sz="800" baseline="-25000" dirty="0"/>
+              <a:t>B2</a:t>
+            </a:r>
+            <a:endParaRPr lang="zh-CN" altLang="en-US" sz="800" dirty="0"/>
+          </a:p>
+        </p:txBody>
+      </p:sp>
+      <p:sp>
+        <p:nvSpPr>
+          <p:cNvPr id="3" name="TextBox 2">
+            <a:extLst>
+              <a:ext uri="{FF2B5EF4-FFF2-40B4-BE49-F238E27FC236}">
+                <a16:creationId xmlns:a16="http://schemas.microsoft.com/office/drawing/2014/main" id="{2D45A1FD-2D46-42BB-BBE3-ED07620F04A6}"/>
+              </a:ext>
+            </a:extLst>
+          </p:cNvPr>
+          <p:cNvSpPr txBox="1"/>
+          <p:nvPr/>
+        </p:nvSpPr>
+        <p:spPr>
+          <a:xfrm>
+            <a:off x="1800852" y="3390737"/>
+            <a:ext cx="67326" cy="230832"/>
+          </a:xfrm>
+          <a:prstGeom prst="rect">
+            <a:avLst/>
+          </a:prstGeom>
+          <a:noFill/>
+        </p:spPr>
+        <p:txBody>
+          <a:bodyPr wrap="none" lIns="0" rIns="0" rtlCol="0">
+            <a:spAutoFit/>
+          </a:bodyPr>
+          <a:lstStyle/>
+          <a:p>
+            <a:r>
+              <a:rPr lang="en-US" altLang="zh-CN" sz="900" dirty="0"/>
+              <a:t>A</a:t>
+            </a:r>
+            <a:endParaRPr lang="zh-CN" altLang="en-US" sz="900" dirty="0"/>
+          </a:p>
+        </p:txBody>
+      </p:sp>
+      <p:sp>
+        <p:nvSpPr>
+          <p:cNvPr id="4" name="TextBox 3">
+            <a:extLst>
+              <a:ext uri="{FF2B5EF4-FFF2-40B4-BE49-F238E27FC236}">
+                <a16:creationId xmlns:a16="http://schemas.microsoft.com/office/drawing/2014/main" id="{8609ECE7-D8C9-4272-B869-5858898BBF29}"/>
+              </a:ext>
+            </a:extLst>
+          </p:cNvPr>
+          <p:cNvSpPr txBox="1"/>
+          <p:nvPr/>
+        </p:nvSpPr>
+        <p:spPr>
+          <a:xfrm>
+            <a:off x="1873200" y="2956517"/>
+            <a:ext cx="62518" cy="230832"/>
+          </a:xfrm>
+          <a:prstGeom prst="rect">
+            <a:avLst/>
+          </a:prstGeom>
+          <a:noFill/>
+        </p:spPr>
+        <p:txBody>
+          <a:bodyPr wrap="none" lIns="0" rIns="0" rtlCol="0">
+            <a:spAutoFit/>
+          </a:bodyPr>
+          <a:lstStyle/>
+          <a:p>
+            <a:r>
+              <a:rPr lang="en-US" altLang="zh-CN" sz="900" dirty="0"/>
+              <a:t>B</a:t>
+            </a:r>
+            <a:endParaRPr lang="zh-CN" altLang="en-US" sz="900" dirty="0"/>
+          </a:p>
+        </p:txBody>
+      </p:sp>
+      <p:sp>
+        <p:nvSpPr>
+          <p:cNvPr id="5" name="TextBox 4">
+            <a:extLst>
+              <a:ext uri="{FF2B5EF4-FFF2-40B4-BE49-F238E27FC236}">
+                <a16:creationId xmlns:a16="http://schemas.microsoft.com/office/drawing/2014/main" id="{5A80A543-D89B-4EDF-9156-DE9E5FAFA363}"/>
+              </a:ext>
+            </a:extLst>
+          </p:cNvPr>
+          <p:cNvSpPr txBox="1"/>
+          <p:nvPr/>
+        </p:nvSpPr>
+        <p:spPr>
+          <a:xfrm>
+            <a:off x="2076450" y="3231980"/>
+            <a:ext cx="121828" cy="215444"/>
+          </a:xfrm>
+          <a:prstGeom prst="rect">
+            <a:avLst/>
+          </a:prstGeom>
+          <a:noFill/>
+        </p:spPr>
+        <p:txBody>
+          <a:bodyPr wrap="none" lIns="0" rIns="0" rtlCol="0">
+            <a:spAutoFit/>
+          </a:bodyPr>
+          <a:lstStyle/>
+          <a:p>
+            <a:r>
+              <a:rPr lang="en-US" altLang="zh-CN" sz="800" dirty="0"/>
+              <a:t>S</a:t>
+            </a:r>
+            <a:r>
+              <a:rPr lang="en-US" altLang="zh-CN" sz="800" baseline="-25000" dirty="0"/>
+              <a:t>B1</a:t>
+            </a:r>
+            <a:endParaRPr lang="zh-CN" altLang="en-US" sz="800" dirty="0"/>
+          </a:p>
+        </p:txBody>
+      </p:sp>
+      <p:sp>
+        <p:nvSpPr>
+          <p:cNvPr id="6" name="Rectangle 5">
+            <a:extLst>
+              <a:ext uri="{FF2B5EF4-FFF2-40B4-BE49-F238E27FC236}">
+                <a16:creationId xmlns:a16="http://schemas.microsoft.com/office/drawing/2014/main" id="{718A3302-D5DB-427E-ADAB-52305770C74C}"/>
+              </a:ext>
+            </a:extLst>
+          </p:cNvPr>
+          <p:cNvSpPr/>
+          <p:nvPr/>
+        </p:nvSpPr>
+        <p:spPr>
+          <a:xfrm>
+            <a:off x="1042987" y="1936575"/>
+            <a:ext cx="4267200" cy="2597325"/>
+          </a:xfrm>
+          <a:prstGeom prst="rect">
+            <a:avLst/>
+          </a:prstGeom>
+          <a:noFill/>
+          <a:ln w="9525">
+            <a:prstDash val="sysDash"/>
+          </a:ln>
+        </p:spPr>
+        <p:style>
+          <a:lnRef idx="2">
+            <a:schemeClr val="accent1">
+              <a:shade val="50000"/>
+            </a:schemeClr>
+          </a:lnRef>
+          <a:fillRef idx="1">
+            <a:schemeClr val="accent1"/>
+          </a:fillRef>
+          <a:effectRef idx="0">
+            <a:schemeClr val="accent1"/>
+          </a:effectRef>
+          <a:fontRef idx="minor">
+            <a:schemeClr val="lt1"/>
+          </a:fontRef>
+        </p:style>
+        <p:txBody>
+          <a:bodyPr rtlCol="0" anchor="ctr"/>
+          <a:lstStyle/>
+          <a:p>
+            <a:pPr algn="ctr"/>
+            <a:endParaRPr lang="en-US" sz="800"/>
+          </a:p>
+        </p:txBody>
+      </p:sp>
+      <p:sp>
+        <p:nvSpPr>
+          <p:cNvPr id="7" name="TextBox 6">
+            <a:extLst>
+              <a:ext uri="{FF2B5EF4-FFF2-40B4-BE49-F238E27FC236}">
+                <a16:creationId xmlns:a16="http://schemas.microsoft.com/office/drawing/2014/main" id="{721199F1-4A2D-4D89-BC87-14297ABA87F6}"/>
+              </a:ext>
+            </a:extLst>
+          </p:cNvPr>
+          <p:cNvSpPr txBox="1"/>
+          <p:nvPr/>
+        </p:nvSpPr>
+        <p:spPr>
+          <a:xfrm>
+            <a:off x="2953968" y="4724400"/>
+            <a:ext cx="2125158" cy="338554"/>
+          </a:xfrm>
+          <a:prstGeom prst="rect">
+            <a:avLst/>
+          </a:prstGeom>
+          <a:noFill/>
+          <a:ln>
+            <a:noFill/>
+          </a:ln>
+        </p:spPr>
+        <p:txBody>
+          <a:bodyPr wrap="square" lIns="0" rIns="0" rtlCol="0">
+            <a:spAutoFit/>
+          </a:bodyPr>
+          <a:lstStyle/>
+          <a:p>
+            <a:r>
+              <a:rPr lang="en-US" altLang="zh-CN" sz="1600" dirty="0"/>
+              <a:t>Figure 9</a:t>
+            </a:r>
+            <a:r>
+              <a:rPr lang="en-US" altLang="zh-TW" sz="1600" dirty="0"/>
+              <a:t>-13</a:t>
+            </a:r>
+          </a:p>
+        </p:txBody>
+      </p:sp>
+      <p:sp>
+        <p:nvSpPr>
+          <p:cNvPr id="8" name="矩形 7">
+            <a:extLst>
+              <a:ext uri="{FF2B5EF4-FFF2-40B4-BE49-F238E27FC236}">
+                <a16:creationId xmlns:a16="http://schemas.microsoft.com/office/drawing/2014/main" id="{7F461FA7-F997-41C4-A874-9DBD1DC6FE27}"/>
+              </a:ext>
+            </a:extLst>
+          </p:cNvPr>
+          <p:cNvSpPr>
+            <a:spLocks noChangeAspect="1"/>
+          </p:cNvSpPr>
+          <p:nvPr/>
+        </p:nvSpPr>
+        <p:spPr>
+          <a:xfrm>
+            <a:off x="1628775" y="3300413"/>
+            <a:ext cx="411480" cy="411480"/>
+          </a:xfrm>
+          <a:prstGeom prst="rect">
+            <a:avLst/>
+          </a:prstGeom>
+          <a:noFill/>
+          <a:ln w="12700">
+            <a:solidFill>
+              <a:schemeClr val="tx1"/>
+            </a:solidFill>
+          </a:ln>
+        </p:spPr>
+        <p:style>
+          <a:lnRef idx="2">
+            <a:schemeClr val="accent1">
+              <a:shade val="50000"/>
+            </a:schemeClr>
+          </a:lnRef>
+          <a:fillRef idx="1">
+            <a:schemeClr val="accent1"/>
+          </a:fillRef>
+          <a:effectRef idx="0">
+            <a:schemeClr val="accent1"/>
+          </a:effectRef>
+          <a:fontRef idx="minor">
+            <a:schemeClr val="lt1"/>
+          </a:fontRef>
+        </p:style>
+        <p:txBody>
+          <a:bodyPr rtlCol="0" anchor="ctr"/>
+          <a:lstStyle/>
+          <a:p>
+            <a:pPr algn="ctr"/>
+            <a:endParaRPr lang="zh-CN" altLang="en-US" dirty="0"/>
+          </a:p>
+        </p:txBody>
+      </p:sp>
+      <p:sp>
+        <p:nvSpPr>
+          <p:cNvPr id="9" name="椭圆 35">
+            <a:extLst>
+              <a:ext uri="{FF2B5EF4-FFF2-40B4-BE49-F238E27FC236}">
+                <a16:creationId xmlns:a16="http://schemas.microsoft.com/office/drawing/2014/main" id="{0346EAD4-C75C-4084-8CDA-2439F7A0081A}"/>
+              </a:ext>
+            </a:extLst>
+          </p:cNvPr>
+          <p:cNvSpPr/>
+          <p:nvPr/>
+        </p:nvSpPr>
+        <p:spPr>
+          <a:xfrm>
+            <a:off x="2025113" y="3694783"/>
+            <a:ext cx="36000" cy="36000"/>
+          </a:xfrm>
+          <a:prstGeom prst="ellipse">
+            <a:avLst/>
+          </a:prstGeom>
+          <a:solidFill>
+            <a:schemeClr val="tx1"/>
+          </a:solidFill>
+          <a:ln>
+            <a:noFill/>
+          </a:ln>
+        </p:spPr>
+        <p:style>
+          <a:lnRef idx="2">
+            <a:schemeClr val="accent1">
+              <a:shade val="50000"/>
+            </a:schemeClr>
+          </a:lnRef>
+          <a:fillRef idx="1">
+            <a:schemeClr val="accent1"/>
+          </a:fillRef>
+          <a:effectRef idx="0">
+            <a:schemeClr val="accent1"/>
+          </a:effectRef>
+          <a:fontRef idx="minor">
+            <a:schemeClr val="lt1"/>
+          </a:fontRef>
+        </p:style>
+        <p:txBody>
+          <a:bodyPr rtlCol="0" anchor="ctr"/>
+          <a:lstStyle/>
+          <a:p>
+            <a:pPr algn="ctr"/>
+            <a:endParaRPr lang="zh-CN" altLang="en-US"/>
+          </a:p>
+        </p:txBody>
+      </p:sp>
+      <p:sp>
+        <p:nvSpPr>
+          <p:cNvPr id="10" name="椭圆 35">
+            <a:extLst>
+              <a:ext uri="{FF2B5EF4-FFF2-40B4-BE49-F238E27FC236}">
+                <a16:creationId xmlns:a16="http://schemas.microsoft.com/office/drawing/2014/main" id="{BB6F2407-0C07-4318-817E-BC3529C8DD70}"/>
+              </a:ext>
+            </a:extLst>
+          </p:cNvPr>
+          <p:cNvSpPr/>
+          <p:nvPr/>
+        </p:nvSpPr>
+        <p:spPr>
+          <a:xfrm>
+            <a:off x="2025113" y="3285208"/>
+            <a:ext cx="36000" cy="36000"/>
+          </a:xfrm>
+          <a:prstGeom prst="ellipse">
+            <a:avLst/>
+          </a:prstGeom>
+          <a:solidFill>
+            <a:schemeClr val="tx1"/>
+          </a:solidFill>
+          <a:ln>
+            <a:noFill/>
+          </a:ln>
+        </p:spPr>
+        <p:style>
+          <a:lnRef idx="2">
+            <a:schemeClr val="accent1">
+              <a:shade val="50000"/>
+            </a:schemeClr>
+          </a:lnRef>
+          <a:fillRef idx="1">
+            <a:schemeClr val="accent1"/>
+          </a:fillRef>
+          <a:effectRef idx="0">
+            <a:schemeClr val="accent1"/>
+          </a:effectRef>
+          <a:fontRef idx="minor">
+            <a:schemeClr val="lt1"/>
+          </a:fontRef>
+        </p:style>
+        <p:txBody>
+          <a:bodyPr rtlCol="0" anchor="ctr"/>
+          <a:lstStyle/>
+          <a:p>
+            <a:pPr algn="ctr"/>
+            <a:endParaRPr lang="zh-CN" altLang="en-US"/>
+          </a:p>
+        </p:txBody>
+      </p:sp>
+      <p:sp>
+        <p:nvSpPr>
+          <p:cNvPr id="11" name="Right Brace 10">
+            <a:extLst>
+              <a:ext uri="{FF2B5EF4-FFF2-40B4-BE49-F238E27FC236}">
+                <a16:creationId xmlns:a16="http://schemas.microsoft.com/office/drawing/2014/main" id="{B16B2A7A-63B6-4CCA-9B7D-DF2C901CB357}"/>
+              </a:ext>
+            </a:extLst>
+          </p:cNvPr>
+          <p:cNvSpPr/>
+          <p:nvPr/>
+        </p:nvSpPr>
+        <p:spPr>
+          <a:xfrm rot="-2700000">
+            <a:off x="3999883" y="3460812"/>
+            <a:ext cx="46101" cy="320040"/>
+          </a:xfrm>
+          <a:prstGeom prst="rightBrace">
+            <a:avLst>
+              <a:gd name="adj1" fmla="val 147059"/>
+              <a:gd name="adj2" fmla="val 50000"/>
+            </a:avLst>
+          </a:prstGeom>
+          <a:ln w="6350">
+            <a:solidFill>
+              <a:schemeClr val="tx1"/>
+            </a:solidFill>
+          </a:ln>
+          <a:scene3d>
+            <a:camera prst="orthographicFront">
+              <a:rot lat="0" lon="0" rev="16200000"/>
+            </a:camera>
+            <a:lightRig rig="threePt" dir="t"/>
+          </a:scene3d>
+        </p:spPr>
+        <p:style>
+          <a:lnRef idx="1">
+            <a:schemeClr val="accent1"/>
+          </a:lnRef>
+          <a:fillRef idx="0">
+            <a:schemeClr val="accent1"/>
+          </a:fillRef>
+          <a:effectRef idx="0">
+            <a:schemeClr val="accent1"/>
+          </a:effectRef>
+          <a:fontRef idx="minor">
+            <a:schemeClr val="tx1"/>
+          </a:fontRef>
+        </p:style>
+        <p:txBody>
+          <a:bodyPr rtlCol="0" anchor="ctr"/>
+          <a:lstStyle/>
+          <a:p>
+            <a:pPr algn="ctr"/>
+            <a:endParaRPr lang="en-US"/>
+          </a:p>
+        </p:txBody>
+      </p:sp>
+      <p:sp>
+        <p:nvSpPr>
+          <p:cNvPr id="12" name="TextBox 11">
+            <a:extLst>
+              <a:ext uri="{FF2B5EF4-FFF2-40B4-BE49-F238E27FC236}">
+                <a16:creationId xmlns:a16="http://schemas.microsoft.com/office/drawing/2014/main" id="{7FF543A3-4F03-4F73-A2ED-4B12B29165B0}"/>
+              </a:ext>
+            </a:extLst>
+          </p:cNvPr>
+          <p:cNvSpPr txBox="1"/>
+          <p:nvPr/>
+        </p:nvSpPr>
+        <p:spPr>
+          <a:xfrm>
+            <a:off x="3105778" y="3646318"/>
+            <a:ext cx="160301" cy="215444"/>
+          </a:xfrm>
+          <a:prstGeom prst="rect">
+            <a:avLst/>
+          </a:prstGeom>
+          <a:noFill/>
+        </p:spPr>
+        <p:txBody>
+          <a:bodyPr wrap="none" lIns="0" rIns="0" rtlCol="0">
+            <a:spAutoFit/>
+          </a:bodyPr>
+          <a:lstStyle/>
+          <a:p>
+            <a:pPr algn="ctr"/>
+            <a:r>
+              <a:rPr lang="en-US" altLang="zh-CN" sz="800" dirty="0"/>
+              <a:t>end</a:t>
+            </a:r>
+            <a:endParaRPr lang="zh-CN" altLang="en-US" sz="800" baseline="-25000" dirty="0"/>
+          </a:p>
+        </p:txBody>
+      </p:sp>
+      <p:sp>
+        <p:nvSpPr>
+          <p:cNvPr id="13" name="TextBox 12">
+            <a:extLst>
+              <a:ext uri="{FF2B5EF4-FFF2-40B4-BE49-F238E27FC236}">
+                <a16:creationId xmlns:a16="http://schemas.microsoft.com/office/drawing/2014/main" id="{422698EC-E6EE-45CD-8945-8C03F0F0E353}"/>
+              </a:ext>
+            </a:extLst>
+          </p:cNvPr>
+          <p:cNvSpPr txBox="1"/>
+          <p:nvPr/>
+        </p:nvSpPr>
+        <p:spPr>
+          <a:xfrm>
+            <a:off x="1497805" y="3646318"/>
+            <a:ext cx="118622" cy="215444"/>
+          </a:xfrm>
+          <a:prstGeom prst="rect">
+            <a:avLst/>
+          </a:prstGeom>
+          <a:noFill/>
+        </p:spPr>
+        <p:txBody>
+          <a:bodyPr wrap="none" lIns="0" rIns="0" rtlCol="0">
+            <a:spAutoFit/>
+          </a:bodyPr>
+          <a:lstStyle/>
+          <a:p>
+            <a:r>
+              <a:rPr lang="en-US" altLang="zh-CN" sz="800" dirty="0"/>
+              <a:t>S</a:t>
+            </a:r>
+            <a:r>
+              <a:rPr lang="en-US" altLang="zh-CN" sz="800" baseline="-25000" dirty="0"/>
+              <a:t>B3</a:t>
+            </a:r>
+            <a:endParaRPr lang="zh-CN" altLang="en-US" sz="800" dirty="0"/>
+          </a:p>
+        </p:txBody>
+      </p:sp>
+      <p:sp>
+        <p:nvSpPr>
+          <p:cNvPr id="14" name="TextBox 13">
+            <a:extLst>
+              <a:ext uri="{FF2B5EF4-FFF2-40B4-BE49-F238E27FC236}">
+                <a16:creationId xmlns:a16="http://schemas.microsoft.com/office/drawing/2014/main" id="{19B5C395-ADAA-45E1-AA0D-B3822E72F17E}"/>
+              </a:ext>
+            </a:extLst>
+          </p:cNvPr>
+          <p:cNvSpPr txBox="1"/>
+          <p:nvPr/>
+        </p:nvSpPr>
+        <p:spPr>
+          <a:xfrm>
+            <a:off x="2074893" y="3646318"/>
+            <a:ext cx="118622" cy="215444"/>
+          </a:xfrm>
+          <a:prstGeom prst="rect">
+            <a:avLst/>
+          </a:prstGeom>
+          <a:noFill/>
+        </p:spPr>
+        <p:txBody>
+          <a:bodyPr wrap="none" lIns="0" rIns="0" rtlCol="0">
+            <a:spAutoFit/>
+          </a:bodyPr>
+          <a:lstStyle/>
+          <a:p>
+            <a:r>
+              <a:rPr lang="en-US" altLang="zh-CN" sz="800" dirty="0"/>
+              <a:t>S</a:t>
+            </a:r>
+            <a:r>
+              <a:rPr lang="en-US" altLang="zh-CN" sz="800" baseline="-25000" dirty="0"/>
+              <a:t>B4</a:t>
+            </a:r>
+            <a:endParaRPr lang="zh-CN" altLang="en-US" sz="800" dirty="0"/>
+          </a:p>
+        </p:txBody>
+      </p:sp>
+      <p:sp>
+        <p:nvSpPr>
+          <p:cNvPr id="15" name="椭圆 35">
+            <a:extLst>
+              <a:ext uri="{FF2B5EF4-FFF2-40B4-BE49-F238E27FC236}">
+                <a16:creationId xmlns:a16="http://schemas.microsoft.com/office/drawing/2014/main" id="{483E4AA4-A456-4561-B53F-CC4E566A94CF}"/>
+              </a:ext>
+            </a:extLst>
+          </p:cNvPr>
+          <p:cNvSpPr/>
+          <p:nvPr/>
+        </p:nvSpPr>
+        <p:spPr>
+          <a:xfrm>
+            <a:off x="1610775" y="3694783"/>
+            <a:ext cx="36000" cy="36000"/>
+          </a:xfrm>
+          <a:prstGeom prst="ellipse">
+            <a:avLst/>
+          </a:prstGeom>
+          <a:solidFill>
+            <a:schemeClr val="tx1"/>
+          </a:solidFill>
+          <a:ln>
+            <a:noFill/>
+          </a:ln>
+        </p:spPr>
+        <p:style>
+          <a:lnRef idx="2">
+            <a:schemeClr val="accent1">
+              <a:shade val="50000"/>
+            </a:schemeClr>
+          </a:lnRef>
+          <a:fillRef idx="1">
+            <a:schemeClr val="accent1"/>
+          </a:fillRef>
+          <a:effectRef idx="0">
+            <a:schemeClr val="accent1"/>
+          </a:effectRef>
+          <a:fontRef idx="minor">
+            <a:schemeClr val="lt1"/>
+          </a:fontRef>
+        </p:style>
+        <p:txBody>
+          <a:bodyPr rtlCol="0" anchor="ctr"/>
+          <a:lstStyle/>
+          <a:p>
+            <a:pPr algn="ctr"/>
+            <a:endParaRPr lang="zh-CN" altLang="en-US"/>
+          </a:p>
+        </p:txBody>
+      </p:sp>
+      <p:sp>
+        <p:nvSpPr>
+          <p:cNvPr id="16" name="椭圆 35">
+            <a:extLst>
+              <a:ext uri="{FF2B5EF4-FFF2-40B4-BE49-F238E27FC236}">
+                <a16:creationId xmlns:a16="http://schemas.microsoft.com/office/drawing/2014/main" id="{A047F741-5AA7-4173-AE4E-94AD17D6C6EA}"/>
+              </a:ext>
+            </a:extLst>
+          </p:cNvPr>
+          <p:cNvSpPr/>
+          <p:nvPr/>
+        </p:nvSpPr>
+        <p:spPr>
+          <a:xfrm>
+            <a:off x="1613156" y="3285208"/>
+            <a:ext cx="36000" cy="36000"/>
+          </a:xfrm>
+          <a:prstGeom prst="ellipse">
+            <a:avLst/>
+          </a:prstGeom>
+          <a:solidFill>
+            <a:schemeClr val="tx1"/>
+          </a:solidFill>
+          <a:ln>
+            <a:noFill/>
+          </a:ln>
+        </p:spPr>
+        <p:style>
+          <a:lnRef idx="2">
+            <a:schemeClr val="accent1">
+              <a:shade val="50000"/>
+            </a:schemeClr>
+          </a:lnRef>
+          <a:fillRef idx="1">
+            <a:schemeClr val="accent1"/>
+          </a:fillRef>
+          <a:effectRef idx="0">
+            <a:schemeClr val="accent1"/>
+          </a:effectRef>
+          <a:fontRef idx="minor">
+            <a:schemeClr val="lt1"/>
+          </a:fontRef>
+        </p:style>
+        <p:txBody>
+          <a:bodyPr rtlCol="0" anchor="ctr"/>
+          <a:lstStyle/>
+          <a:p>
+            <a:pPr algn="ctr"/>
+            <a:endParaRPr lang="zh-CN" altLang="en-US"/>
+          </a:p>
+        </p:txBody>
+      </p:sp>
+      <p:sp>
+        <p:nvSpPr>
+          <p:cNvPr id="17" name="椭圆 35">
+            <a:extLst>
+              <a:ext uri="{FF2B5EF4-FFF2-40B4-BE49-F238E27FC236}">
+                <a16:creationId xmlns:a16="http://schemas.microsoft.com/office/drawing/2014/main" id="{FA072D26-A2D9-4D27-BD9A-3EEEF022B8DB}"/>
+              </a:ext>
+            </a:extLst>
+          </p:cNvPr>
+          <p:cNvSpPr/>
+          <p:nvPr/>
+        </p:nvSpPr>
+        <p:spPr>
+          <a:xfrm>
+            <a:off x="3563400" y="2980408"/>
+            <a:ext cx="36000" cy="36000"/>
+          </a:xfrm>
+          <a:prstGeom prst="ellipse">
+            <a:avLst/>
+          </a:prstGeom>
+          <a:solidFill>
+            <a:schemeClr val="tx1"/>
+          </a:solidFill>
+          <a:ln>
+            <a:noFill/>
+          </a:ln>
+        </p:spPr>
+        <p:style>
+          <a:lnRef idx="2">
+            <a:schemeClr val="accent1">
+              <a:shade val="50000"/>
+            </a:schemeClr>
+          </a:lnRef>
+          <a:fillRef idx="1">
+            <a:schemeClr val="accent1"/>
+          </a:fillRef>
+          <a:effectRef idx="0">
+            <a:schemeClr val="accent1"/>
+          </a:effectRef>
+          <a:fontRef idx="minor">
+            <a:schemeClr val="lt1"/>
+          </a:fontRef>
+        </p:style>
+        <p:txBody>
+          <a:bodyPr rtlCol="0" anchor="ctr"/>
+          <a:lstStyle/>
+          <a:p>
+            <a:pPr algn="ctr"/>
+            <a:endParaRPr lang="zh-CN" altLang="en-US"/>
+          </a:p>
+        </p:txBody>
+      </p:sp>
+      <p:sp>
+        <p:nvSpPr>
+          <p:cNvPr id="18" name="矩形 28">
+            <a:extLst>
+              <a:ext uri="{FF2B5EF4-FFF2-40B4-BE49-F238E27FC236}">
+                <a16:creationId xmlns:a16="http://schemas.microsoft.com/office/drawing/2014/main" id="{A55696F4-80A6-4EB9-93AF-12DB09FF0CF5}"/>
+              </a:ext>
+            </a:extLst>
+          </p:cNvPr>
+          <p:cNvSpPr>
+            <a:spLocks/>
+          </p:cNvSpPr>
+          <p:nvPr/>
+        </p:nvSpPr>
+        <p:spPr>
+          <a:xfrm rot="2700000">
+            <a:off x="1646157" y="3152764"/>
+            <a:ext cx="914400" cy="274320"/>
+          </a:xfrm>
+          <a:prstGeom prst="rect">
+            <a:avLst/>
+          </a:prstGeom>
+          <a:noFill/>
+          <a:ln w="12700">
+            <a:solidFill>
+              <a:schemeClr val="tx1"/>
+            </a:solidFill>
+          </a:ln>
+        </p:spPr>
+        <p:style>
+          <a:lnRef idx="2">
+            <a:schemeClr val="accent1">
+              <a:shade val="50000"/>
+            </a:schemeClr>
+          </a:lnRef>
+          <a:fillRef idx="1">
+            <a:schemeClr val="accent1"/>
+          </a:fillRef>
+          <a:effectRef idx="0">
+            <a:schemeClr val="accent1"/>
+          </a:effectRef>
+          <a:fontRef idx="minor">
+            <a:schemeClr val="lt1"/>
+          </a:fontRef>
+        </p:style>
+        <p:txBody>
+          <a:bodyPr rtlCol="0" anchor="ctr"/>
+          <a:lstStyle/>
+          <a:p>
+            <a:pPr algn="ctr"/>
+            <a:endParaRPr lang="zh-CN" altLang="en-US"/>
+          </a:p>
+        </p:txBody>
+      </p:sp>
+      <p:cxnSp>
+        <p:nvCxnSpPr>
+          <p:cNvPr id="19" name="Straight Arrow Connector 18">
+            <a:extLst>
+              <a:ext uri="{FF2B5EF4-FFF2-40B4-BE49-F238E27FC236}">
+                <a16:creationId xmlns:a16="http://schemas.microsoft.com/office/drawing/2014/main" id="{36FDE949-58E9-49C0-B107-E8DCC83CB70F}"/>
+              </a:ext>
+            </a:extLst>
+          </p:cNvPr>
+          <p:cNvCxnSpPr/>
+          <p:nvPr/>
+        </p:nvCxnSpPr>
+        <p:spPr>
+          <a:xfrm rot="18900000" flipH="1" flipV="1">
+            <a:off x="1714733" y="2807113"/>
+            <a:ext cx="0" cy="182880"/>
+          </a:xfrm>
+          <a:prstGeom prst="straightConnector1">
+            <a:avLst/>
+          </a:prstGeom>
+          <a:ln w="6350">
+            <a:solidFill>
+              <a:schemeClr val="tx1"/>
+            </a:solidFill>
+            <a:tailEnd type="triangle" w="sm" len="sm"/>
+          </a:ln>
+        </p:spPr>
+        <p:style>
+          <a:lnRef idx="1">
+            <a:schemeClr val="accent1"/>
+          </a:lnRef>
+          <a:fillRef idx="0">
+            <a:schemeClr val="accent1"/>
+          </a:fillRef>
+          <a:effectRef idx="0">
+            <a:schemeClr val="accent1"/>
+          </a:effectRef>
+          <a:fontRef idx="minor">
+            <a:schemeClr val="tx1"/>
+          </a:fontRef>
+        </p:style>
+      </p:cxnSp>
+      <p:cxnSp>
+        <p:nvCxnSpPr>
+          <p:cNvPr id="20" name="Straight Arrow Connector 19">
+            <a:extLst>
+              <a:ext uri="{FF2B5EF4-FFF2-40B4-BE49-F238E27FC236}">
+                <a16:creationId xmlns:a16="http://schemas.microsoft.com/office/drawing/2014/main" id="{C7EC63D7-BA9D-4C11-A9E6-5443F0EF8581}"/>
+              </a:ext>
+            </a:extLst>
+          </p:cNvPr>
+          <p:cNvCxnSpPr/>
+          <p:nvPr/>
+        </p:nvCxnSpPr>
+        <p:spPr>
+          <a:xfrm rot="8100000" flipH="1" flipV="1">
+            <a:off x="2494558" y="3589684"/>
+            <a:ext cx="0" cy="182880"/>
+          </a:xfrm>
+          <a:prstGeom prst="straightConnector1">
+            <a:avLst/>
+          </a:prstGeom>
+          <a:ln w="6350">
+            <a:solidFill>
+              <a:schemeClr val="tx1"/>
+            </a:solidFill>
+            <a:tailEnd type="triangle" w="sm" len="sm"/>
+          </a:ln>
+        </p:spPr>
+        <p:style>
+          <a:lnRef idx="1">
+            <a:schemeClr val="accent1"/>
+          </a:lnRef>
+          <a:fillRef idx="0">
+            <a:schemeClr val="accent1"/>
+          </a:fillRef>
+          <a:effectRef idx="0">
+            <a:schemeClr val="accent1"/>
+          </a:effectRef>
+          <a:fontRef idx="minor">
+            <a:schemeClr val="tx1"/>
+          </a:fontRef>
+        </p:style>
+      </p:cxnSp>
+      <p:cxnSp>
+        <p:nvCxnSpPr>
+          <p:cNvPr id="21" name="Straight Arrow Connector 20">
+            <a:extLst>
+              <a:ext uri="{FF2B5EF4-FFF2-40B4-BE49-F238E27FC236}">
+                <a16:creationId xmlns:a16="http://schemas.microsoft.com/office/drawing/2014/main" id="{150F4C10-554F-42EF-849B-A747B2E8DCE1}"/>
+              </a:ext>
+            </a:extLst>
+          </p:cNvPr>
+          <p:cNvCxnSpPr/>
+          <p:nvPr/>
+        </p:nvCxnSpPr>
+        <p:spPr>
+          <a:xfrm rot="13500000" flipH="1" flipV="1">
+            <a:off x="1649987" y="3073208"/>
+            <a:ext cx="0" cy="182880"/>
+          </a:xfrm>
+          <a:prstGeom prst="straightConnector1">
+            <a:avLst/>
+          </a:prstGeom>
+          <a:ln w="6350">
+            <a:solidFill>
+              <a:schemeClr val="tx1"/>
+            </a:solidFill>
+            <a:tailEnd type="triangle" w="sm" len="sm"/>
+          </a:ln>
+        </p:spPr>
+        <p:style>
+          <a:lnRef idx="1">
+            <a:schemeClr val="accent1"/>
+          </a:lnRef>
+          <a:fillRef idx="0">
+            <a:schemeClr val="accent1"/>
+          </a:fillRef>
+          <a:effectRef idx="0">
+            <a:schemeClr val="accent1"/>
+          </a:effectRef>
+          <a:fontRef idx="minor">
+            <a:schemeClr val="tx1"/>
+          </a:fontRef>
+        </p:style>
+      </p:cxnSp>
+      <p:cxnSp>
+        <p:nvCxnSpPr>
+          <p:cNvPr id="22" name="Straight Arrow Connector 21">
+            <a:extLst>
+              <a:ext uri="{FF2B5EF4-FFF2-40B4-BE49-F238E27FC236}">
+                <a16:creationId xmlns:a16="http://schemas.microsoft.com/office/drawing/2014/main" id="{9293089C-9B86-479D-A5AC-D04D66B05547}"/>
+              </a:ext>
+            </a:extLst>
+          </p:cNvPr>
+          <p:cNvCxnSpPr/>
+          <p:nvPr/>
+        </p:nvCxnSpPr>
+        <p:spPr>
+          <a:xfrm rot="2700000" flipH="1" flipV="1">
+            <a:off x="2267157" y="3034684"/>
+            <a:ext cx="0" cy="182880"/>
+          </a:xfrm>
+          <a:prstGeom prst="straightConnector1">
+            <a:avLst/>
+          </a:prstGeom>
+          <a:ln w="6350">
+            <a:solidFill>
+              <a:schemeClr val="tx1"/>
+            </a:solidFill>
+            <a:tailEnd type="triangle" w="sm" len="sm"/>
+          </a:ln>
+        </p:spPr>
+        <p:style>
+          <a:lnRef idx="1">
+            <a:schemeClr val="accent1"/>
+          </a:lnRef>
+          <a:fillRef idx="0">
+            <a:schemeClr val="accent1"/>
+          </a:fillRef>
+          <a:effectRef idx="0">
+            <a:schemeClr val="accent1"/>
+          </a:effectRef>
+          <a:fontRef idx="minor">
+            <a:schemeClr val="tx1"/>
+          </a:fontRef>
+        </p:style>
+      </p:cxnSp>
+      <p:sp>
+        <p:nvSpPr>
+          <p:cNvPr id="23" name="TextBox 22">
+            <a:extLst>
+              <a:ext uri="{FF2B5EF4-FFF2-40B4-BE49-F238E27FC236}">
+                <a16:creationId xmlns:a16="http://schemas.microsoft.com/office/drawing/2014/main" id="{C45541E0-0CDB-4C2E-ADDD-98404ED788E0}"/>
+              </a:ext>
+            </a:extLst>
+          </p:cNvPr>
+          <p:cNvSpPr txBox="1"/>
+          <p:nvPr/>
+        </p:nvSpPr>
+        <p:spPr>
+          <a:xfrm>
+            <a:off x="1497805" y="3010524"/>
+            <a:ext cx="110608" cy="215444"/>
+          </a:xfrm>
+          <a:prstGeom prst="rect">
+            <a:avLst/>
+          </a:prstGeom>
+          <a:noFill/>
+        </p:spPr>
+        <p:txBody>
+          <a:bodyPr wrap="none" lIns="0" rIns="0" rtlCol="0">
+            <a:spAutoFit/>
+          </a:bodyPr>
+          <a:lstStyle/>
+          <a:p>
+            <a:r>
+              <a:rPr lang="en-US" altLang="zh-CN" sz="800" dirty="0"/>
+              <a:t>B1</a:t>
+            </a:r>
+            <a:endParaRPr lang="zh-CN" altLang="en-US" sz="800" dirty="0"/>
+          </a:p>
+        </p:txBody>
+      </p:sp>
+      <p:sp>
+        <p:nvSpPr>
+          <p:cNvPr id="24" name="TextBox 23">
+            <a:extLst>
+              <a:ext uri="{FF2B5EF4-FFF2-40B4-BE49-F238E27FC236}">
+                <a16:creationId xmlns:a16="http://schemas.microsoft.com/office/drawing/2014/main" id="{77FE2323-D0AF-4807-B509-8806A45638F8}"/>
+              </a:ext>
+            </a:extLst>
+          </p:cNvPr>
+          <p:cNvSpPr txBox="1"/>
+          <p:nvPr/>
+        </p:nvSpPr>
+        <p:spPr>
+          <a:xfrm>
+            <a:off x="1497805" y="2727156"/>
+            <a:ext cx="107402" cy="215444"/>
+          </a:xfrm>
+          <a:prstGeom prst="rect">
+            <a:avLst/>
+          </a:prstGeom>
+          <a:noFill/>
+        </p:spPr>
+        <p:txBody>
+          <a:bodyPr wrap="none" lIns="0" rIns="0" rtlCol="0">
+            <a:spAutoFit/>
+          </a:bodyPr>
+          <a:lstStyle/>
+          <a:p>
+            <a:r>
+              <a:rPr lang="en-US" altLang="zh-CN" sz="800" dirty="0"/>
+              <a:t>B4</a:t>
+            </a:r>
+            <a:endParaRPr lang="zh-CN" altLang="en-US" sz="800" dirty="0"/>
+          </a:p>
+        </p:txBody>
+      </p:sp>
+      <p:sp>
+        <p:nvSpPr>
+          <p:cNvPr id="25" name="TextBox 24">
+            <a:extLst>
+              <a:ext uri="{FF2B5EF4-FFF2-40B4-BE49-F238E27FC236}">
+                <a16:creationId xmlns:a16="http://schemas.microsoft.com/office/drawing/2014/main" id="{DCE52748-0D2D-43E6-8CAF-C12216528073}"/>
+              </a:ext>
+            </a:extLst>
+          </p:cNvPr>
+          <p:cNvSpPr txBox="1"/>
+          <p:nvPr/>
+        </p:nvSpPr>
+        <p:spPr>
+          <a:xfrm>
+            <a:off x="2569340" y="3646318"/>
+            <a:ext cx="107402" cy="215444"/>
+          </a:xfrm>
+          <a:prstGeom prst="rect">
+            <a:avLst/>
+          </a:prstGeom>
+          <a:noFill/>
+        </p:spPr>
+        <p:txBody>
+          <a:bodyPr wrap="none" lIns="0" rIns="0" rtlCol="0">
+            <a:spAutoFit/>
+          </a:bodyPr>
+          <a:lstStyle/>
+          <a:p>
+            <a:r>
+              <a:rPr lang="en-US" altLang="zh-CN" sz="800" dirty="0"/>
+              <a:t>B2</a:t>
+            </a:r>
+            <a:endParaRPr lang="zh-CN" altLang="en-US" sz="800" dirty="0"/>
+          </a:p>
+        </p:txBody>
+      </p:sp>
+      <p:sp>
+        <p:nvSpPr>
+          <p:cNvPr id="26" name="TextBox 25">
+            <a:extLst>
+              <a:ext uri="{FF2B5EF4-FFF2-40B4-BE49-F238E27FC236}">
+                <a16:creationId xmlns:a16="http://schemas.microsoft.com/office/drawing/2014/main" id="{4EF482D4-F3DA-453A-8634-4FFABBC3EC4B}"/>
+              </a:ext>
+            </a:extLst>
+          </p:cNvPr>
+          <p:cNvSpPr txBox="1"/>
+          <p:nvPr/>
+        </p:nvSpPr>
+        <p:spPr>
+          <a:xfrm>
+            <a:off x="2340740" y="2931943"/>
+            <a:ext cx="107402" cy="215444"/>
+          </a:xfrm>
+          <a:prstGeom prst="rect">
+            <a:avLst/>
+          </a:prstGeom>
+          <a:noFill/>
+        </p:spPr>
+        <p:txBody>
+          <a:bodyPr wrap="none" lIns="0" rIns="0" rtlCol="0">
+            <a:spAutoFit/>
+          </a:bodyPr>
+          <a:lstStyle/>
+          <a:p>
+            <a:r>
+              <a:rPr lang="en-US" altLang="zh-CN" sz="800" dirty="0"/>
+              <a:t>B3</a:t>
+            </a:r>
+            <a:endParaRPr lang="zh-CN" altLang="en-US" sz="800" dirty="0"/>
+          </a:p>
+        </p:txBody>
+      </p:sp>
+      <p:sp>
+        <p:nvSpPr>
+          <p:cNvPr id="27" name="Oval 26">
+            <a:extLst>
+              <a:ext uri="{FF2B5EF4-FFF2-40B4-BE49-F238E27FC236}">
+                <a16:creationId xmlns:a16="http://schemas.microsoft.com/office/drawing/2014/main" id="{84283210-F55D-42B4-A460-0E938D21ED4A}"/>
+              </a:ext>
+            </a:extLst>
+          </p:cNvPr>
+          <p:cNvSpPr>
+            <a:spLocks noChangeAspect="1"/>
+          </p:cNvSpPr>
+          <p:nvPr/>
+        </p:nvSpPr>
+        <p:spPr>
+          <a:xfrm>
+            <a:off x="1885951" y="3138486"/>
+            <a:ext cx="323849" cy="323849"/>
+          </a:xfrm>
+          <a:prstGeom prst="ellipse">
+            <a:avLst/>
+          </a:prstGeom>
+          <a:noFill/>
+          <a:ln w="6350">
+            <a:solidFill>
+              <a:schemeClr val="tx1"/>
+            </a:solidFill>
+            <a:prstDash val="dash"/>
+          </a:ln>
+        </p:spPr>
+        <p:style>
+          <a:lnRef idx="2">
+            <a:schemeClr val="accent1">
+              <a:shade val="50000"/>
+            </a:schemeClr>
+          </a:lnRef>
+          <a:fillRef idx="1">
+            <a:schemeClr val="accent1"/>
+          </a:fillRef>
+          <a:effectRef idx="0">
+            <a:schemeClr val="accent1"/>
+          </a:effectRef>
+          <a:fontRef idx="minor">
+            <a:schemeClr val="lt1"/>
+          </a:fontRef>
+        </p:style>
+        <p:txBody>
+          <a:bodyPr rtlCol="0" anchor="ctr"/>
+          <a:lstStyle/>
+          <a:p>
+            <a:pPr algn="ctr"/>
+            <a:endParaRPr lang="en-US"/>
+          </a:p>
+        </p:txBody>
+      </p:sp>
+      <p:sp>
+        <p:nvSpPr>
+          <p:cNvPr id="28" name="Oval 27">
+            <a:extLst>
+              <a:ext uri="{FF2B5EF4-FFF2-40B4-BE49-F238E27FC236}">
+                <a16:creationId xmlns:a16="http://schemas.microsoft.com/office/drawing/2014/main" id="{4D85687B-7857-480D-93CF-1C054ABD3B48}"/>
+              </a:ext>
+            </a:extLst>
+          </p:cNvPr>
+          <p:cNvSpPr>
+            <a:spLocks noChangeAspect="1"/>
+          </p:cNvSpPr>
+          <p:nvPr/>
+        </p:nvSpPr>
+        <p:spPr>
+          <a:xfrm>
+            <a:off x="2969421" y="2383630"/>
+            <a:ext cx="1231105" cy="1231105"/>
+          </a:xfrm>
+          <a:prstGeom prst="ellipse">
+            <a:avLst/>
+          </a:prstGeom>
+          <a:noFill/>
+          <a:ln w="6350">
+            <a:solidFill>
+              <a:schemeClr val="tx1"/>
+            </a:solidFill>
+            <a:prstDash val="dash"/>
+          </a:ln>
+        </p:spPr>
+        <p:style>
+          <a:lnRef idx="2">
+            <a:schemeClr val="accent1">
+              <a:shade val="50000"/>
+            </a:schemeClr>
+          </a:lnRef>
+          <a:fillRef idx="1">
+            <a:schemeClr val="accent1"/>
+          </a:fillRef>
+          <a:effectRef idx="0">
+            <a:schemeClr val="accent1"/>
+          </a:effectRef>
+          <a:fontRef idx="minor">
+            <a:schemeClr val="lt1"/>
+          </a:fontRef>
+        </p:style>
+        <p:txBody>
+          <a:bodyPr rtlCol="0" anchor="ctr"/>
+          <a:lstStyle/>
+          <a:p>
+            <a:pPr algn="ctr"/>
+            <a:endParaRPr lang="en-US"/>
+          </a:p>
+        </p:txBody>
+      </p:sp>
+      <p:cxnSp>
+        <p:nvCxnSpPr>
+          <p:cNvPr id="29" name="Straight Connector 28">
+            <a:extLst>
+              <a:ext uri="{FF2B5EF4-FFF2-40B4-BE49-F238E27FC236}">
+                <a16:creationId xmlns:a16="http://schemas.microsoft.com/office/drawing/2014/main" id="{2DDA53CA-7854-42EE-AA35-8C72AE05CBCF}"/>
+              </a:ext>
+            </a:extLst>
+          </p:cNvPr>
+          <p:cNvCxnSpPr/>
+          <p:nvPr/>
+        </p:nvCxnSpPr>
+        <p:spPr>
+          <a:xfrm>
+            <a:off x="3581400" y="2988468"/>
+            <a:ext cx="0" cy="822960"/>
+          </a:xfrm>
+          <a:prstGeom prst="line">
+            <a:avLst/>
+          </a:prstGeom>
+          <a:ln>
+            <a:solidFill>
+              <a:schemeClr val="tx1"/>
+            </a:solidFill>
+          </a:ln>
+        </p:spPr>
+        <p:style>
+          <a:lnRef idx="1">
+            <a:schemeClr val="accent1"/>
+          </a:lnRef>
+          <a:fillRef idx="0">
+            <a:schemeClr val="accent1"/>
+          </a:fillRef>
+          <a:effectRef idx="0">
+            <a:schemeClr val="accent1"/>
+          </a:effectRef>
+          <a:fontRef idx="minor">
+            <a:schemeClr val="tx1"/>
+          </a:fontRef>
+        </p:style>
+      </p:cxnSp>
+      <p:cxnSp>
+        <p:nvCxnSpPr>
+          <p:cNvPr id="30" name="Straight Connector 29">
+            <a:extLst>
+              <a:ext uri="{FF2B5EF4-FFF2-40B4-BE49-F238E27FC236}">
+                <a16:creationId xmlns:a16="http://schemas.microsoft.com/office/drawing/2014/main" id="{806F0691-C9C4-438E-9ACD-1FF2ADBDB282}"/>
+              </a:ext>
+            </a:extLst>
+          </p:cNvPr>
+          <p:cNvCxnSpPr/>
+          <p:nvPr/>
+        </p:nvCxnSpPr>
+        <p:spPr>
+          <a:xfrm rot="5400000">
+            <a:off x="3176587" y="2581274"/>
+            <a:ext cx="0" cy="822960"/>
+          </a:xfrm>
+          <a:prstGeom prst="line">
+            <a:avLst/>
+          </a:prstGeom>
+          <a:ln>
+            <a:solidFill>
+              <a:schemeClr val="tx1"/>
+            </a:solidFill>
+          </a:ln>
+        </p:spPr>
+        <p:style>
+          <a:lnRef idx="1">
+            <a:schemeClr val="accent1"/>
+          </a:lnRef>
+          <a:fillRef idx="0">
+            <a:schemeClr val="accent1"/>
+          </a:fillRef>
+          <a:effectRef idx="0">
+            <a:schemeClr val="accent1"/>
+          </a:effectRef>
+          <a:fontRef idx="minor">
+            <a:schemeClr val="tx1"/>
+          </a:fontRef>
+        </p:style>
+      </p:cxnSp>
+      <p:cxnSp>
+        <p:nvCxnSpPr>
+          <p:cNvPr id="31" name="Straight Connector 30">
+            <a:extLst>
+              <a:ext uri="{FF2B5EF4-FFF2-40B4-BE49-F238E27FC236}">
+                <a16:creationId xmlns:a16="http://schemas.microsoft.com/office/drawing/2014/main" id="{775CA44E-1655-42D7-B305-26BCF7D19454}"/>
+              </a:ext>
+            </a:extLst>
+          </p:cNvPr>
+          <p:cNvCxnSpPr/>
+          <p:nvPr/>
+        </p:nvCxnSpPr>
+        <p:spPr>
+          <a:xfrm rot="-2700000">
+            <a:off x="3339969" y="2419376"/>
+            <a:ext cx="0" cy="1554480"/>
+          </a:xfrm>
+          <a:prstGeom prst="line">
+            <a:avLst/>
+          </a:prstGeom>
+          <a:ln>
+            <a:solidFill>
+              <a:schemeClr val="tx1"/>
+            </a:solidFill>
+          </a:ln>
+        </p:spPr>
+        <p:style>
+          <a:lnRef idx="1">
+            <a:schemeClr val="accent1"/>
+          </a:lnRef>
+          <a:fillRef idx="0">
+            <a:schemeClr val="accent1"/>
+          </a:fillRef>
+          <a:effectRef idx="0">
+            <a:schemeClr val="accent1"/>
+          </a:effectRef>
+          <a:fontRef idx="minor">
+            <a:schemeClr val="tx1"/>
+          </a:fontRef>
+        </p:style>
+      </p:cxnSp>
+      <p:cxnSp>
+        <p:nvCxnSpPr>
+          <p:cNvPr id="32" name="Straight Arrow Connector 31">
+            <a:extLst>
+              <a:ext uri="{FF2B5EF4-FFF2-40B4-BE49-F238E27FC236}">
+                <a16:creationId xmlns:a16="http://schemas.microsoft.com/office/drawing/2014/main" id="{4754BF56-70C4-4D87-AED9-288AB5E1185C}"/>
+              </a:ext>
+            </a:extLst>
+          </p:cNvPr>
+          <p:cNvCxnSpPr/>
+          <p:nvPr/>
+        </p:nvCxnSpPr>
+        <p:spPr>
+          <a:xfrm rot="2700000" flipH="1">
+            <a:off x="3464038" y="2948286"/>
+            <a:ext cx="2381" cy="320040"/>
+          </a:xfrm>
+          <a:prstGeom prst="straightConnector1">
+            <a:avLst/>
+          </a:prstGeom>
+          <a:ln w="6350">
+            <a:solidFill>
+              <a:schemeClr val="tx1"/>
+            </a:solidFill>
+            <a:tailEnd type="triangle" w="sm" len="sm"/>
+          </a:ln>
+        </p:spPr>
+        <p:style>
+          <a:lnRef idx="1">
+            <a:schemeClr val="accent1"/>
+          </a:lnRef>
+          <a:fillRef idx="0">
+            <a:schemeClr val="accent1"/>
+          </a:fillRef>
+          <a:effectRef idx="0">
+            <a:schemeClr val="accent1"/>
+          </a:effectRef>
+          <a:fontRef idx="minor">
+            <a:schemeClr val="tx1"/>
+          </a:fontRef>
+        </p:style>
+      </p:cxnSp>
+      <p:cxnSp>
+        <p:nvCxnSpPr>
+          <p:cNvPr id="33" name="Straight Connector 32">
+            <a:extLst>
+              <a:ext uri="{FF2B5EF4-FFF2-40B4-BE49-F238E27FC236}">
+                <a16:creationId xmlns:a16="http://schemas.microsoft.com/office/drawing/2014/main" id="{5A66AE21-7F43-489A-83EC-07EB4B5D7243}"/>
+              </a:ext>
+            </a:extLst>
+          </p:cNvPr>
+          <p:cNvCxnSpPr/>
+          <p:nvPr/>
+        </p:nvCxnSpPr>
+        <p:spPr>
+          <a:xfrm>
+            <a:off x="3583782" y="2988470"/>
+            <a:ext cx="534379" cy="533904"/>
+          </a:xfrm>
+          <a:prstGeom prst="line">
+            <a:avLst/>
+          </a:prstGeom>
+          <a:ln w="6350">
+            <a:solidFill>
+              <a:schemeClr val="tx1"/>
+            </a:solidFill>
+            <a:prstDash val="dash"/>
+          </a:ln>
+        </p:spPr>
+        <p:style>
+          <a:lnRef idx="1">
+            <a:schemeClr val="accent1"/>
+          </a:lnRef>
+          <a:fillRef idx="0">
+            <a:schemeClr val="accent1"/>
+          </a:fillRef>
+          <a:effectRef idx="0">
+            <a:schemeClr val="accent1"/>
+          </a:effectRef>
+          <a:fontRef idx="minor">
+            <a:schemeClr val="tx1"/>
+          </a:fontRef>
+        </p:style>
+      </p:cxnSp>
+      <p:sp>
+        <p:nvSpPr>
+          <p:cNvPr id="34" name="TextBox 33">
+            <a:extLst>
+              <a:ext uri="{FF2B5EF4-FFF2-40B4-BE49-F238E27FC236}">
+                <a16:creationId xmlns:a16="http://schemas.microsoft.com/office/drawing/2014/main" id="{E3754DD5-F509-4C83-9974-0DB770896793}"/>
+              </a:ext>
+            </a:extLst>
+          </p:cNvPr>
+          <p:cNvSpPr txBox="1"/>
+          <p:nvPr/>
+        </p:nvSpPr>
+        <p:spPr>
+          <a:xfrm>
+            <a:off x="3652838" y="2817642"/>
+            <a:ext cx="121828" cy="215444"/>
+          </a:xfrm>
+          <a:prstGeom prst="rect">
+            <a:avLst/>
+          </a:prstGeom>
+          <a:noFill/>
+        </p:spPr>
+        <p:txBody>
+          <a:bodyPr wrap="none" lIns="0" rIns="0" rtlCol="0">
+            <a:spAutoFit/>
+          </a:bodyPr>
+          <a:lstStyle/>
+          <a:p>
+            <a:r>
+              <a:rPr lang="en-US" altLang="zh-CN" sz="800" dirty="0"/>
+              <a:t>S</a:t>
+            </a:r>
+            <a:r>
+              <a:rPr lang="en-US" altLang="zh-CN" sz="800" baseline="-25000" dirty="0"/>
+              <a:t>B1</a:t>
+            </a:r>
+            <a:endParaRPr lang="zh-CN" altLang="en-US" sz="800" dirty="0"/>
+          </a:p>
+        </p:txBody>
+      </p:sp>
+      <p:sp>
+        <p:nvSpPr>
+          <p:cNvPr id="35" name="TextBox 34">
+            <a:extLst>
+              <a:ext uri="{FF2B5EF4-FFF2-40B4-BE49-F238E27FC236}">
+                <a16:creationId xmlns:a16="http://schemas.microsoft.com/office/drawing/2014/main" id="{DDE7B4E0-E651-4AAD-966D-975BC764DAA6}"/>
+              </a:ext>
+            </a:extLst>
+          </p:cNvPr>
+          <p:cNvSpPr txBox="1"/>
+          <p:nvPr/>
+        </p:nvSpPr>
+        <p:spPr>
+          <a:xfrm>
+            <a:off x="3606751" y="2451692"/>
+            <a:ext cx="62518" cy="230832"/>
+          </a:xfrm>
+          <a:prstGeom prst="rect">
+            <a:avLst/>
+          </a:prstGeom>
+          <a:noFill/>
+        </p:spPr>
+        <p:txBody>
+          <a:bodyPr wrap="none" lIns="0" rIns="0" rtlCol="0">
+            <a:spAutoFit/>
+          </a:bodyPr>
+          <a:lstStyle/>
+          <a:p>
+            <a:r>
+              <a:rPr lang="en-US" altLang="zh-CN" sz="900" dirty="0"/>
+              <a:t>B</a:t>
+            </a:r>
+            <a:endParaRPr lang="zh-CN" altLang="en-US" sz="900" dirty="0"/>
+          </a:p>
+        </p:txBody>
+      </p:sp>
+      <p:sp>
+        <p:nvSpPr>
+          <p:cNvPr id="36" name="TextBox 35">
+            <a:extLst>
+              <a:ext uri="{FF2B5EF4-FFF2-40B4-BE49-F238E27FC236}">
+                <a16:creationId xmlns:a16="http://schemas.microsoft.com/office/drawing/2014/main" id="{A77B9DF3-212A-4911-8D48-A3D97878796D}"/>
+              </a:ext>
+            </a:extLst>
+          </p:cNvPr>
+          <p:cNvSpPr txBox="1"/>
+          <p:nvPr/>
+        </p:nvSpPr>
+        <p:spPr>
+          <a:xfrm>
+            <a:off x="3105778" y="3114512"/>
+            <a:ext cx="67326" cy="230832"/>
+          </a:xfrm>
+          <a:prstGeom prst="rect">
+            <a:avLst/>
+          </a:prstGeom>
+          <a:noFill/>
+        </p:spPr>
+        <p:txBody>
+          <a:bodyPr wrap="none" lIns="0" rIns="0" rtlCol="0">
+            <a:spAutoFit/>
+          </a:bodyPr>
+          <a:lstStyle/>
+          <a:p>
+            <a:r>
+              <a:rPr lang="en-US" altLang="zh-CN" sz="900" dirty="0"/>
+              <a:t>A</a:t>
+            </a:r>
+            <a:endParaRPr lang="zh-CN" altLang="en-US" sz="900" dirty="0"/>
+          </a:p>
+        </p:txBody>
+      </p:sp>
+      <p:sp>
+        <p:nvSpPr>
+          <p:cNvPr id="37" name="TextBox 36">
+            <a:extLst>
+              <a:ext uri="{FF2B5EF4-FFF2-40B4-BE49-F238E27FC236}">
+                <a16:creationId xmlns:a16="http://schemas.microsoft.com/office/drawing/2014/main" id="{811FBB42-79DA-497B-A5B0-9DA5408E4AB5}"/>
+              </a:ext>
+            </a:extLst>
+          </p:cNvPr>
+          <p:cNvSpPr txBox="1"/>
+          <p:nvPr/>
+        </p:nvSpPr>
+        <p:spPr>
+          <a:xfrm>
+            <a:off x="4276901" y="3122204"/>
+            <a:ext cx="192360" cy="215444"/>
+          </a:xfrm>
+          <a:prstGeom prst="rect">
+            <a:avLst/>
+          </a:prstGeom>
+          <a:noFill/>
+        </p:spPr>
+        <p:txBody>
+          <a:bodyPr wrap="none" lIns="0" rIns="0" rtlCol="0">
+            <a:spAutoFit/>
+          </a:bodyPr>
+          <a:lstStyle/>
+          <a:p>
+            <a:pPr algn="ctr"/>
+            <a:r>
+              <a:rPr lang="en-US" altLang="zh-CN" sz="800" dirty="0"/>
+              <a:t>start</a:t>
+            </a:r>
+            <a:endParaRPr lang="zh-CN" altLang="en-US" sz="800" baseline="-25000" dirty="0"/>
+          </a:p>
+        </p:txBody>
+      </p:sp>
+      <p:sp>
+        <p:nvSpPr>
+          <p:cNvPr id="38" name="TextBox 37">
+            <a:extLst>
+              <a:ext uri="{FF2B5EF4-FFF2-40B4-BE49-F238E27FC236}">
+                <a16:creationId xmlns:a16="http://schemas.microsoft.com/office/drawing/2014/main" id="{F9DAC063-91DC-4C31-97D6-014E0CB0CCE6}"/>
+              </a:ext>
+            </a:extLst>
+          </p:cNvPr>
+          <p:cNvSpPr txBox="1"/>
+          <p:nvPr/>
+        </p:nvSpPr>
+        <p:spPr>
+          <a:xfrm>
+            <a:off x="4046211" y="3593692"/>
+            <a:ext cx="625172" cy="215444"/>
+          </a:xfrm>
+          <a:prstGeom prst="rect">
+            <a:avLst/>
+          </a:prstGeom>
+          <a:noFill/>
+        </p:spPr>
+        <p:txBody>
+          <a:bodyPr wrap="none" lIns="0" rIns="0" rtlCol="0">
+            <a:spAutoFit/>
+          </a:bodyPr>
+          <a:lstStyle/>
+          <a:p>
+            <a:pPr algn="ctr"/>
+            <a:r>
+              <a:rPr lang="en-US" altLang="zh-CN" sz="800" dirty="0"/>
+              <a:t>Collision depth</a:t>
+            </a:r>
+            <a:endParaRPr lang="zh-CN" altLang="en-US" sz="800" baseline="-25000" dirty="0"/>
+          </a:p>
+        </p:txBody>
+      </p:sp>
+      <p:sp>
+        <p:nvSpPr>
+          <p:cNvPr id="39" name="TextBox 38">
+            <a:extLst>
+              <a:ext uri="{FF2B5EF4-FFF2-40B4-BE49-F238E27FC236}">
+                <a16:creationId xmlns:a16="http://schemas.microsoft.com/office/drawing/2014/main" id="{14B4565A-C5AD-4F53-A457-E02391808470}"/>
+              </a:ext>
+            </a:extLst>
+          </p:cNvPr>
+          <p:cNvSpPr txBox="1"/>
+          <p:nvPr/>
+        </p:nvSpPr>
+        <p:spPr>
+          <a:xfrm>
+            <a:off x="2525139" y="2217329"/>
+            <a:ext cx="676467" cy="215444"/>
+          </a:xfrm>
+          <a:prstGeom prst="rect">
+            <a:avLst/>
+          </a:prstGeom>
+          <a:noFill/>
+        </p:spPr>
+        <p:txBody>
+          <a:bodyPr wrap="none" lIns="0" rIns="0" rtlCol="0">
+            <a:spAutoFit/>
+          </a:bodyPr>
+          <a:lstStyle/>
+          <a:p>
+            <a:pPr algn="ctr"/>
+            <a:r>
+              <a:rPr lang="en-US" altLang="zh-CN" sz="800" dirty="0"/>
+              <a:t>Collision normal</a:t>
+            </a:r>
+            <a:endParaRPr lang="zh-CN" altLang="en-US" sz="800" baseline="-25000" dirty="0"/>
+          </a:p>
+        </p:txBody>
+      </p:sp>
+      <p:sp>
+        <p:nvSpPr>
+          <p:cNvPr id="40" name="Freeform 68">
+            <a:extLst>
+              <a:ext uri="{FF2B5EF4-FFF2-40B4-BE49-F238E27FC236}">
+                <a16:creationId xmlns:a16="http://schemas.microsoft.com/office/drawing/2014/main" id="{0B80F0E8-D393-4DD5-9830-5FDEDB72DD40}"/>
+              </a:ext>
+            </a:extLst>
+          </p:cNvPr>
+          <p:cNvSpPr/>
+          <p:nvPr/>
+        </p:nvSpPr>
+        <p:spPr>
+          <a:xfrm rot="16441678">
+            <a:off x="3915505" y="2691160"/>
+            <a:ext cx="136506" cy="770370"/>
+          </a:xfrm>
+          <a:custGeom>
+            <a:avLst/>
+            <a:gdLst>
+              <a:gd name="connsiteX0" fmla="*/ 156390 w 156390"/>
+              <a:gd name="connsiteY0" fmla="*/ 0 h 567708"/>
+              <a:gd name="connsiteX1" fmla="*/ 378 w 156390"/>
+              <a:gd name="connsiteY1" fmla="*/ 177679 h 567708"/>
+              <a:gd name="connsiteX2" fmla="*/ 113053 w 156390"/>
+              <a:gd name="connsiteY2" fmla="*/ 407363 h 567708"/>
+              <a:gd name="connsiteX3" fmla="*/ 130388 w 156390"/>
+              <a:gd name="connsiteY3" fmla="*/ 567708 h 567708"/>
+              <a:gd name="connsiteX4" fmla="*/ 130388 w 156390"/>
+              <a:gd name="connsiteY4" fmla="*/ 567708 h 567708"/>
+              <a:gd name="connsiteX0" fmla="*/ 156390 w 157057"/>
+              <a:gd name="connsiteY0" fmla="*/ 0 h 567708"/>
+              <a:gd name="connsiteX1" fmla="*/ 378 w 157057"/>
+              <a:gd name="connsiteY1" fmla="*/ 177679 h 567708"/>
+              <a:gd name="connsiteX2" fmla="*/ 113053 w 157057"/>
+              <a:gd name="connsiteY2" fmla="*/ 407363 h 567708"/>
+              <a:gd name="connsiteX3" fmla="*/ 130388 w 157057"/>
+              <a:gd name="connsiteY3" fmla="*/ 567708 h 567708"/>
+              <a:gd name="connsiteX4" fmla="*/ 130388 w 157057"/>
+              <a:gd name="connsiteY4" fmla="*/ 567708 h 567708"/>
+              <a:gd name="connsiteX0" fmla="*/ 156390 w 168460"/>
+              <a:gd name="connsiteY0" fmla="*/ 0 h 567708"/>
+              <a:gd name="connsiteX1" fmla="*/ 378 w 168460"/>
+              <a:gd name="connsiteY1" fmla="*/ 177679 h 567708"/>
+              <a:gd name="connsiteX2" fmla="*/ 113053 w 168460"/>
+              <a:gd name="connsiteY2" fmla="*/ 407363 h 567708"/>
+              <a:gd name="connsiteX3" fmla="*/ 130388 w 168460"/>
+              <a:gd name="connsiteY3" fmla="*/ 567708 h 567708"/>
+              <a:gd name="connsiteX4" fmla="*/ 130388 w 168460"/>
+              <a:gd name="connsiteY4" fmla="*/ 567708 h 567708"/>
+              <a:gd name="connsiteX0" fmla="*/ 139118 w 152058"/>
+              <a:gd name="connsiteY0" fmla="*/ 0 h 567708"/>
+              <a:gd name="connsiteX1" fmla="*/ 441 w 152058"/>
+              <a:gd name="connsiteY1" fmla="*/ 234016 h 567708"/>
+              <a:gd name="connsiteX2" fmla="*/ 95781 w 152058"/>
+              <a:gd name="connsiteY2" fmla="*/ 407363 h 567708"/>
+              <a:gd name="connsiteX3" fmla="*/ 113116 w 152058"/>
+              <a:gd name="connsiteY3" fmla="*/ 567708 h 567708"/>
+              <a:gd name="connsiteX4" fmla="*/ 113116 w 152058"/>
+              <a:gd name="connsiteY4" fmla="*/ 567708 h 567708"/>
+              <a:gd name="connsiteX0" fmla="*/ 138981 w 197949"/>
+              <a:gd name="connsiteY0" fmla="*/ 0 h 567708"/>
+              <a:gd name="connsiteX1" fmla="*/ 304 w 197949"/>
+              <a:gd name="connsiteY1" fmla="*/ 234016 h 567708"/>
+              <a:gd name="connsiteX2" fmla="*/ 195318 w 197949"/>
+              <a:gd name="connsiteY2" fmla="*/ 312023 h 567708"/>
+              <a:gd name="connsiteX3" fmla="*/ 112979 w 197949"/>
+              <a:gd name="connsiteY3" fmla="*/ 567708 h 567708"/>
+              <a:gd name="connsiteX4" fmla="*/ 112979 w 197949"/>
+              <a:gd name="connsiteY4" fmla="*/ 567708 h 567708"/>
+              <a:gd name="connsiteX0" fmla="*/ 138964 w 197932"/>
+              <a:gd name="connsiteY0" fmla="*/ 0 h 567708"/>
+              <a:gd name="connsiteX1" fmla="*/ 287 w 197932"/>
+              <a:gd name="connsiteY1" fmla="*/ 234016 h 567708"/>
+              <a:gd name="connsiteX2" fmla="*/ 195301 w 197932"/>
+              <a:gd name="connsiteY2" fmla="*/ 312023 h 567708"/>
+              <a:gd name="connsiteX3" fmla="*/ 112962 w 197932"/>
+              <a:gd name="connsiteY3" fmla="*/ 567708 h 567708"/>
+              <a:gd name="connsiteX4" fmla="*/ 112962 w 197932"/>
+              <a:gd name="connsiteY4" fmla="*/ 567708 h 567708"/>
+              <a:gd name="connsiteX0" fmla="*/ 108671 w 166544"/>
+              <a:gd name="connsiteY0" fmla="*/ 0 h 567708"/>
+              <a:gd name="connsiteX1" fmla="*/ 330 w 166544"/>
+              <a:gd name="connsiteY1" fmla="*/ 303355 h 567708"/>
+              <a:gd name="connsiteX2" fmla="*/ 165008 w 166544"/>
+              <a:gd name="connsiteY2" fmla="*/ 312023 h 567708"/>
+              <a:gd name="connsiteX3" fmla="*/ 82669 w 166544"/>
+              <a:gd name="connsiteY3" fmla="*/ 567708 h 567708"/>
+              <a:gd name="connsiteX4" fmla="*/ 82669 w 166544"/>
+              <a:gd name="connsiteY4" fmla="*/ 567708 h 567708"/>
+              <a:gd name="connsiteX0" fmla="*/ 108831 w 179543"/>
+              <a:gd name="connsiteY0" fmla="*/ 0 h 567708"/>
+              <a:gd name="connsiteX1" fmla="*/ 490 w 179543"/>
+              <a:gd name="connsiteY1" fmla="*/ 303355 h 567708"/>
+              <a:gd name="connsiteX2" fmla="*/ 178169 w 179543"/>
+              <a:gd name="connsiteY2" fmla="*/ 403030 h 567708"/>
+              <a:gd name="connsiteX3" fmla="*/ 82829 w 179543"/>
+              <a:gd name="connsiteY3" fmla="*/ 567708 h 567708"/>
+              <a:gd name="connsiteX4" fmla="*/ 82829 w 179543"/>
+              <a:gd name="connsiteY4" fmla="*/ 567708 h 567708"/>
+              <a:gd name="connsiteX0" fmla="*/ 146275 w 387603"/>
+              <a:gd name="connsiteY0" fmla="*/ 0 h 567708"/>
+              <a:gd name="connsiteX1" fmla="*/ 37934 w 387603"/>
+              <a:gd name="connsiteY1" fmla="*/ 303355 h 567708"/>
+              <a:gd name="connsiteX2" fmla="*/ 373880 w 387603"/>
+              <a:gd name="connsiteY2" fmla="*/ 336933 h 567708"/>
+              <a:gd name="connsiteX3" fmla="*/ 120273 w 387603"/>
+              <a:gd name="connsiteY3" fmla="*/ 567708 h 567708"/>
+              <a:gd name="connsiteX4" fmla="*/ 120273 w 387603"/>
+              <a:gd name="connsiteY4" fmla="*/ 567708 h 567708"/>
+              <a:gd name="connsiteX0" fmla="*/ 111084 w 188367"/>
+              <a:gd name="connsiteY0" fmla="*/ 0 h 567708"/>
+              <a:gd name="connsiteX1" fmla="*/ 2743 w 188367"/>
+              <a:gd name="connsiteY1" fmla="*/ 303355 h 567708"/>
+              <a:gd name="connsiteX2" fmla="*/ 94624 w 188367"/>
+              <a:gd name="connsiteY2" fmla="*/ 336099 h 567708"/>
+              <a:gd name="connsiteX3" fmla="*/ 85082 w 188367"/>
+              <a:gd name="connsiteY3" fmla="*/ 567708 h 567708"/>
+              <a:gd name="connsiteX4" fmla="*/ 85082 w 188367"/>
+              <a:gd name="connsiteY4" fmla="*/ 567708 h 567708"/>
+              <a:gd name="connsiteX0" fmla="*/ 26002 w 103285"/>
+              <a:gd name="connsiteY0" fmla="*/ 0 h 567708"/>
+              <a:gd name="connsiteX1" fmla="*/ 9542 w 103285"/>
+              <a:gd name="connsiteY1" fmla="*/ 218890 h 567708"/>
+              <a:gd name="connsiteX2" fmla="*/ 9542 w 103285"/>
+              <a:gd name="connsiteY2" fmla="*/ 336099 h 567708"/>
+              <a:gd name="connsiteX3" fmla="*/ 0 w 103285"/>
+              <a:gd name="connsiteY3" fmla="*/ 567708 h 567708"/>
+              <a:gd name="connsiteX4" fmla="*/ 0 w 103285"/>
+              <a:gd name="connsiteY4" fmla="*/ 567708 h 567708"/>
+              <a:gd name="connsiteX0" fmla="*/ 26002 w 103285"/>
+              <a:gd name="connsiteY0" fmla="*/ 0 h 567708"/>
+              <a:gd name="connsiteX1" fmla="*/ 9542 w 103285"/>
+              <a:gd name="connsiteY1" fmla="*/ 218890 h 567708"/>
+              <a:gd name="connsiteX2" fmla="*/ 14894 w 103285"/>
+              <a:gd name="connsiteY2" fmla="*/ 275610 h 567708"/>
+              <a:gd name="connsiteX3" fmla="*/ 0 w 103285"/>
+              <a:gd name="connsiteY3" fmla="*/ 567708 h 567708"/>
+              <a:gd name="connsiteX4" fmla="*/ 0 w 103285"/>
+              <a:gd name="connsiteY4" fmla="*/ 567708 h 567708"/>
+              <a:gd name="connsiteX0" fmla="*/ 94323 w 171606"/>
+              <a:gd name="connsiteY0" fmla="*/ 0 h 567708"/>
+              <a:gd name="connsiteX1" fmla="*/ 1851 w 171606"/>
+              <a:gd name="connsiteY1" fmla="*/ 222884 h 567708"/>
+              <a:gd name="connsiteX2" fmla="*/ 83215 w 171606"/>
+              <a:gd name="connsiteY2" fmla="*/ 275610 h 567708"/>
+              <a:gd name="connsiteX3" fmla="*/ 68321 w 171606"/>
+              <a:gd name="connsiteY3" fmla="*/ 567708 h 567708"/>
+              <a:gd name="connsiteX4" fmla="*/ 68321 w 171606"/>
+              <a:gd name="connsiteY4" fmla="*/ 567708 h 567708"/>
+              <a:gd name="connsiteX0" fmla="*/ 179 w 108679"/>
+              <a:gd name="connsiteY0" fmla="*/ 0 h 514982"/>
+              <a:gd name="connsiteX1" fmla="*/ 16237 w 108679"/>
+              <a:gd name="connsiteY1" fmla="*/ 170158 h 514982"/>
+              <a:gd name="connsiteX2" fmla="*/ 97601 w 108679"/>
+              <a:gd name="connsiteY2" fmla="*/ 222884 h 514982"/>
+              <a:gd name="connsiteX3" fmla="*/ 82707 w 108679"/>
+              <a:gd name="connsiteY3" fmla="*/ 514982 h 514982"/>
+              <a:gd name="connsiteX4" fmla="*/ 82707 w 108679"/>
+              <a:gd name="connsiteY4" fmla="*/ 514982 h 514982"/>
+              <a:gd name="connsiteX0" fmla="*/ 179 w 108679"/>
+              <a:gd name="connsiteY0" fmla="*/ 0 h 514982"/>
+              <a:gd name="connsiteX1" fmla="*/ 16237 w 108679"/>
+              <a:gd name="connsiteY1" fmla="*/ 170158 h 514982"/>
+              <a:gd name="connsiteX2" fmla="*/ 97601 w 108679"/>
+              <a:gd name="connsiteY2" fmla="*/ 222884 h 514982"/>
+              <a:gd name="connsiteX3" fmla="*/ 82707 w 108679"/>
+              <a:gd name="connsiteY3" fmla="*/ 514982 h 514982"/>
+              <a:gd name="connsiteX4" fmla="*/ 82707 w 108679"/>
+              <a:gd name="connsiteY4" fmla="*/ 514982 h 514982"/>
+              <a:gd name="connsiteX0" fmla="*/ 179 w 108679"/>
+              <a:gd name="connsiteY0" fmla="*/ 0 h 514982"/>
+              <a:gd name="connsiteX1" fmla="*/ 16237 w 108679"/>
+              <a:gd name="connsiteY1" fmla="*/ 170158 h 514982"/>
+              <a:gd name="connsiteX2" fmla="*/ 97601 w 108679"/>
+              <a:gd name="connsiteY2" fmla="*/ 222884 h 514982"/>
+              <a:gd name="connsiteX3" fmla="*/ 82707 w 108679"/>
+              <a:gd name="connsiteY3" fmla="*/ 514982 h 514982"/>
+              <a:gd name="connsiteX4" fmla="*/ 82707 w 108679"/>
+              <a:gd name="connsiteY4" fmla="*/ 514982 h 514982"/>
+              <a:gd name="connsiteX0" fmla="*/ 179 w 108679"/>
+              <a:gd name="connsiteY0" fmla="*/ 0 h 514982"/>
+              <a:gd name="connsiteX1" fmla="*/ 16237 w 108679"/>
+              <a:gd name="connsiteY1" fmla="*/ 170158 h 514982"/>
+              <a:gd name="connsiteX2" fmla="*/ 97601 w 108679"/>
+              <a:gd name="connsiteY2" fmla="*/ 222884 h 514982"/>
+              <a:gd name="connsiteX3" fmla="*/ 82707 w 108679"/>
+              <a:gd name="connsiteY3" fmla="*/ 514982 h 514982"/>
+              <a:gd name="connsiteX4" fmla="*/ 82707 w 108679"/>
+              <a:gd name="connsiteY4" fmla="*/ 514982 h 514982"/>
+              <a:gd name="connsiteX0" fmla="*/ 179 w 108679"/>
+              <a:gd name="connsiteY0" fmla="*/ 0 h 514982"/>
+              <a:gd name="connsiteX1" fmla="*/ 16237 w 108679"/>
+              <a:gd name="connsiteY1" fmla="*/ 170158 h 514982"/>
+              <a:gd name="connsiteX2" fmla="*/ 97601 w 108679"/>
+              <a:gd name="connsiteY2" fmla="*/ 222884 h 514982"/>
+              <a:gd name="connsiteX3" fmla="*/ 82707 w 108679"/>
+              <a:gd name="connsiteY3" fmla="*/ 514982 h 514982"/>
+              <a:gd name="connsiteX4" fmla="*/ 82707 w 108679"/>
+              <a:gd name="connsiteY4" fmla="*/ 514982 h 514982"/>
+              <a:gd name="connsiteX0" fmla="*/ 0 w 82528"/>
+              <a:gd name="connsiteY0" fmla="*/ 0 h 514982"/>
+              <a:gd name="connsiteX1" fmla="*/ 16058 w 82528"/>
+              <a:gd name="connsiteY1" fmla="*/ 170158 h 514982"/>
+              <a:gd name="connsiteX2" fmla="*/ 53362 w 82528"/>
+              <a:gd name="connsiteY2" fmla="*/ 225190 h 514982"/>
+              <a:gd name="connsiteX3" fmla="*/ 82528 w 82528"/>
+              <a:gd name="connsiteY3" fmla="*/ 514982 h 514982"/>
+              <a:gd name="connsiteX4" fmla="*/ 82528 w 82528"/>
+              <a:gd name="connsiteY4" fmla="*/ 514982 h 514982"/>
+              <a:gd name="connsiteX0" fmla="*/ 36896 w 119424"/>
+              <a:gd name="connsiteY0" fmla="*/ 0 h 514982"/>
+              <a:gd name="connsiteX1" fmla="*/ 8894 w 119424"/>
+              <a:gd name="connsiteY1" fmla="*/ 172463 h 514982"/>
+              <a:gd name="connsiteX2" fmla="*/ 90258 w 119424"/>
+              <a:gd name="connsiteY2" fmla="*/ 225190 h 514982"/>
+              <a:gd name="connsiteX3" fmla="*/ 119424 w 119424"/>
+              <a:gd name="connsiteY3" fmla="*/ 514982 h 514982"/>
+              <a:gd name="connsiteX4" fmla="*/ 119424 w 119424"/>
+              <a:gd name="connsiteY4" fmla="*/ 514982 h 514982"/>
+              <a:gd name="connsiteX0" fmla="*/ 36896 w 119424"/>
+              <a:gd name="connsiteY0" fmla="*/ 0 h 514982"/>
+              <a:gd name="connsiteX1" fmla="*/ 8894 w 119424"/>
+              <a:gd name="connsiteY1" fmla="*/ 172463 h 514982"/>
+              <a:gd name="connsiteX2" fmla="*/ 90258 w 119424"/>
+              <a:gd name="connsiteY2" fmla="*/ 225190 h 514982"/>
+              <a:gd name="connsiteX3" fmla="*/ 119424 w 119424"/>
+              <a:gd name="connsiteY3" fmla="*/ 514982 h 514982"/>
+              <a:gd name="connsiteX4" fmla="*/ 119424 w 119424"/>
+              <a:gd name="connsiteY4" fmla="*/ 514982 h 514982"/>
+              <a:gd name="connsiteX0" fmla="*/ 36896 w 119424"/>
+              <a:gd name="connsiteY0" fmla="*/ 0 h 514982"/>
+              <a:gd name="connsiteX1" fmla="*/ 8894 w 119424"/>
+              <a:gd name="connsiteY1" fmla="*/ 172463 h 514982"/>
+              <a:gd name="connsiteX2" fmla="*/ 90258 w 119424"/>
+              <a:gd name="connsiteY2" fmla="*/ 225190 h 514982"/>
+              <a:gd name="connsiteX3" fmla="*/ 119424 w 119424"/>
+              <a:gd name="connsiteY3" fmla="*/ 514982 h 514982"/>
+              <a:gd name="connsiteX4" fmla="*/ 119089 w 119424"/>
+              <a:gd name="connsiteY4" fmla="*/ 511436 h 514982"/>
+              <a:gd name="connsiteX0" fmla="*/ 125889 w 212505"/>
+              <a:gd name="connsiteY0" fmla="*/ 0 h 514982"/>
+              <a:gd name="connsiteX1" fmla="*/ 8894 w 212505"/>
+              <a:gd name="connsiteY1" fmla="*/ 241265 h 514982"/>
+              <a:gd name="connsiteX2" fmla="*/ 179251 w 212505"/>
+              <a:gd name="connsiteY2" fmla="*/ 225190 h 514982"/>
+              <a:gd name="connsiteX3" fmla="*/ 208417 w 212505"/>
+              <a:gd name="connsiteY3" fmla="*/ 514982 h 514982"/>
+              <a:gd name="connsiteX4" fmla="*/ 208082 w 212505"/>
+              <a:gd name="connsiteY4" fmla="*/ 511436 h 514982"/>
+              <a:gd name="connsiteX0" fmla="*/ 118306 w 200834"/>
+              <a:gd name="connsiteY0" fmla="*/ 0 h 514982"/>
+              <a:gd name="connsiteX1" fmla="*/ 1311 w 200834"/>
+              <a:gd name="connsiteY1" fmla="*/ 241265 h 514982"/>
+              <a:gd name="connsiteX2" fmla="*/ 110442 w 200834"/>
+              <a:gd name="connsiteY2" fmla="*/ 335283 h 514982"/>
+              <a:gd name="connsiteX3" fmla="*/ 200834 w 200834"/>
+              <a:gd name="connsiteY3" fmla="*/ 514982 h 514982"/>
+              <a:gd name="connsiteX4" fmla="*/ 200499 w 200834"/>
+              <a:gd name="connsiteY4" fmla="*/ 511436 h 514982"/>
+              <a:gd name="connsiteX0" fmla="*/ 118306 w 200834"/>
+              <a:gd name="connsiteY0" fmla="*/ 0 h 665501"/>
+              <a:gd name="connsiteX1" fmla="*/ 1311 w 200834"/>
+              <a:gd name="connsiteY1" fmla="*/ 241265 h 665501"/>
+              <a:gd name="connsiteX2" fmla="*/ 110442 w 200834"/>
+              <a:gd name="connsiteY2" fmla="*/ 335283 h 665501"/>
+              <a:gd name="connsiteX3" fmla="*/ 200834 w 200834"/>
+              <a:gd name="connsiteY3" fmla="*/ 514982 h 665501"/>
+              <a:gd name="connsiteX4" fmla="*/ 138538 w 200834"/>
+              <a:gd name="connsiteY4" fmla="*/ 664319 h 665501"/>
+              <a:gd name="connsiteX0" fmla="*/ 118306 w 200834"/>
+              <a:gd name="connsiteY0" fmla="*/ 0 h 576027"/>
+              <a:gd name="connsiteX1" fmla="*/ 1311 w 200834"/>
+              <a:gd name="connsiteY1" fmla="*/ 241265 h 576027"/>
+              <a:gd name="connsiteX2" fmla="*/ 110442 w 200834"/>
+              <a:gd name="connsiteY2" fmla="*/ 335283 h 576027"/>
+              <a:gd name="connsiteX3" fmla="*/ 200834 w 200834"/>
+              <a:gd name="connsiteY3" fmla="*/ 514982 h 576027"/>
+              <a:gd name="connsiteX4" fmla="*/ 10737 w 200834"/>
+              <a:gd name="connsiteY4" fmla="*/ 574845 h 576027"/>
+              <a:gd name="connsiteX0" fmla="*/ 118306 w 136506"/>
+              <a:gd name="connsiteY0" fmla="*/ 0 h 574845"/>
+              <a:gd name="connsiteX1" fmla="*/ 1311 w 136506"/>
+              <a:gd name="connsiteY1" fmla="*/ 241265 h 574845"/>
+              <a:gd name="connsiteX2" fmla="*/ 110442 w 136506"/>
+              <a:gd name="connsiteY2" fmla="*/ 335283 h 574845"/>
+              <a:gd name="connsiteX3" fmla="*/ 10737 w 136506"/>
+              <a:gd name="connsiteY3" fmla="*/ 574845 h 574845"/>
+              <a:gd name="connsiteX0" fmla="*/ 118306 w 136506"/>
+              <a:gd name="connsiteY0" fmla="*/ 0 h 574845"/>
+              <a:gd name="connsiteX1" fmla="*/ 1311 w 136506"/>
+              <a:gd name="connsiteY1" fmla="*/ 241265 h 574845"/>
+              <a:gd name="connsiteX2" fmla="*/ 110442 w 136506"/>
+              <a:gd name="connsiteY2" fmla="*/ 335283 h 574845"/>
+              <a:gd name="connsiteX3" fmla="*/ 10737 w 136506"/>
+              <a:gd name="connsiteY3" fmla="*/ 574845 h 574845"/>
+            </a:gdLst>
+            <a:ahLst/>
+            <a:cxnLst>
+              <a:cxn ang="0">
+                <a:pos x="connsiteX0" y="connsiteY0"/>
+              </a:cxn>
+              <a:cxn ang="0">
+                <a:pos x="connsiteX1" y="connsiteY1"/>
+              </a:cxn>
+              <a:cxn ang="0">
+                <a:pos x="connsiteX2" y="connsiteY2"/>
+              </a:cxn>
+              <a:cxn ang="0">
+                <a:pos x="connsiteX3" y="connsiteY3"/>
+              </a:cxn>
+            </a:cxnLst>
+            <a:rect l="l" t="t" r="r" b="b"/>
+            <a:pathLst>
+              <a:path w="136506" h="574845">
+                <a:moveTo>
+                  <a:pt x="118306" y="0"/>
+                </a:moveTo>
+                <a:cubicBezTo>
+                  <a:pt x="136506" y="60495"/>
+                  <a:pt x="2622" y="185385"/>
+                  <a:pt x="1311" y="241265"/>
+                </a:cubicBezTo>
+                <a:cubicBezTo>
+                  <a:pt x="0" y="297145"/>
+                  <a:pt x="108871" y="279686"/>
+                  <a:pt x="110442" y="335283"/>
+                </a:cubicBezTo>
+                <a:cubicBezTo>
+                  <a:pt x="112013" y="390880"/>
+                  <a:pt x="84436" y="529279"/>
+                  <a:pt x="10737" y="574845"/>
+                </a:cubicBezTo>
+              </a:path>
+            </a:pathLst>
+          </a:custGeom>
+          <a:noFill/>
+          <a:ln w="6350">
+            <a:solidFill>
+              <a:schemeClr val="tx1"/>
+            </a:solidFill>
+            <a:prstDash val="sysDot"/>
+            <a:headEnd type="arrow" w="sm" len="sm"/>
+          </a:ln>
+        </p:spPr>
+        <p:style>
+          <a:lnRef idx="2">
+            <a:schemeClr val="accent1">
+              <a:shade val="50000"/>
+            </a:schemeClr>
+          </a:lnRef>
+          <a:fillRef idx="1">
+            <a:schemeClr val="accent1"/>
+          </a:fillRef>
+          <a:effectRef idx="0">
+            <a:schemeClr val="accent1"/>
+          </a:effectRef>
+          <a:fontRef idx="minor">
+            <a:schemeClr val="lt1"/>
+          </a:fontRef>
+        </p:style>
+        <p:txBody>
+          <a:bodyPr rtlCol="0" anchor="ctr"/>
+          <a:lstStyle/>
+          <a:p>
+            <a:pPr algn="ctr"/>
+            <a:endParaRPr lang="en-US"/>
+          </a:p>
+        </p:txBody>
+      </p:sp>
+      <p:sp>
+        <p:nvSpPr>
+          <p:cNvPr id="41" name="Freeform 69">
+            <a:extLst>
+              <a:ext uri="{FF2B5EF4-FFF2-40B4-BE49-F238E27FC236}">
+                <a16:creationId xmlns:a16="http://schemas.microsoft.com/office/drawing/2014/main" id="{A8A30F55-0B71-4538-A063-2AD7E2FD038D}"/>
+              </a:ext>
+            </a:extLst>
+          </p:cNvPr>
+          <p:cNvSpPr/>
+          <p:nvPr/>
+        </p:nvSpPr>
+        <p:spPr>
+          <a:xfrm rot="6716027">
+            <a:off x="2882679" y="2327070"/>
+            <a:ext cx="440177" cy="870359"/>
+          </a:xfrm>
+          <a:custGeom>
+            <a:avLst/>
+            <a:gdLst>
+              <a:gd name="connsiteX0" fmla="*/ 156390 w 156390"/>
+              <a:gd name="connsiteY0" fmla="*/ 0 h 567708"/>
+              <a:gd name="connsiteX1" fmla="*/ 378 w 156390"/>
+              <a:gd name="connsiteY1" fmla="*/ 177679 h 567708"/>
+              <a:gd name="connsiteX2" fmla="*/ 113053 w 156390"/>
+              <a:gd name="connsiteY2" fmla="*/ 407363 h 567708"/>
+              <a:gd name="connsiteX3" fmla="*/ 130388 w 156390"/>
+              <a:gd name="connsiteY3" fmla="*/ 567708 h 567708"/>
+              <a:gd name="connsiteX4" fmla="*/ 130388 w 156390"/>
+              <a:gd name="connsiteY4" fmla="*/ 567708 h 567708"/>
+              <a:gd name="connsiteX0" fmla="*/ 156390 w 157057"/>
+              <a:gd name="connsiteY0" fmla="*/ 0 h 567708"/>
+              <a:gd name="connsiteX1" fmla="*/ 378 w 157057"/>
+              <a:gd name="connsiteY1" fmla="*/ 177679 h 567708"/>
+              <a:gd name="connsiteX2" fmla="*/ 113053 w 157057"/>
+              <a:gd name="connsiteY2" fmla="*/ 407363 h 567708"/>
+              <a:gd name="connsiteX3" fmla="*/ 130388 w 157057"/>
+              <a:gd name="connsiteY3" fmla="*/ 567708 h 567708"/>
+              <a:gd name="connsiteX4" fmla="*/ 130388 w 157057"/>
+              <a:gd name="connsiteY4" fmla="*/ 567708 h 567708"/>
+              <a:gd name="connsiteX0" fmla="*/ 156390 w 168460"/>
+              <a:gd name="connsiteY0" fmla="*/ 0 h 567708"/>
+              <a:gd name="connsiteX1" fmla="*/ 378 w 168460"/>
+              <a:gd name="connsiteY1" fmla="*/ 177679 h 567708"/>
+              <a:gd name="connsiteX2" fmla="*/ 113053 w 168460"/>
+              <a:gd name="connsiteY2" fmla="*/ 407363 h 567708"/>
+              <a:gd name="connsiteX3" fmla="*/ 130388 w 168460"/>
+              <a:gd name="connsiteY3" fmla="*/ 567708 h 567708"/>
+              <a:gd name="connsiteX4" fmla="*/ 130388 w 168460"/>
+              <a:gd name="connsiteY4" fmla="*/ 567708 h 567708"/>
+              <a:gd name="connsiteX0" fmla="*/ 139118 w 152058"/>
+              <a:gd name="connsiteY0" fmla="*/ 0 h 567708"/>
+              <a:gd name="connsiteX1" fmla="*/ 441 w 152058"/>
+              <a:gd name="connsiteY1" fmla="*/ 234016 h 567708"/>
+              <a:gd name="connsiteX2" fmla="*/ 95781 w 152058"/>
+              <a:gd name="connsiteY2" fmla="*/ 407363 h 567708"/>
+              <a:gd name="connsiteX3" fmla="*/ 113116 w 152058"/>
+              <a:gd name="connsiteY3" fmla="*/ 567708 h 567708"/>
+              <a:gd name="connsiteX4" fmla="*/ 113116 w 152058"/>
+              <a:gd name="connsiteY4" fmla="*/ 567708 h 567708"/>
+              <a:gd name="connsiteX0" fmla="*/ 138981 w 197949"/>
+              <a:gd name="connsiteY0" fmla="*/ 0 h 567708"/>
+              <a:gd name="connsiteX1" fmla="*/ 304 w 197949"/>
+              <a:gd name="connsiteY1" fmla="*/ 234016 h 567708"/>
+              <a:gd name="connsiteX2" fmla="*/ 195318 w 197949"/>
+              <a:gd name="connsiteY2" fmla="*/ 312023 h 567708"/>
+              <a:gd name="connsiteX3" fmla="*/ 112979 w 197949"/>
+              <a:gd name="connsiteY3" fmla="*/ 567708 h 567708"/>
+              <a:gd name="connsiteX4" fmla="*/ 112979 w 197949"/>
+              <a:gd name="connsiteY4" fmla="*/ 567708 h 567708"/>
+              <a:gd name="connsiteX0" fmla="*/ 138964 w 197932"/>
+              <a:gd name="connsiteY0" fmla="*/ 0 h 567708"/>
+              <a:gd name="connsiteX1" fmla="*/ 287 w 197932"/>
+              <a:gd name="connsiteY1" fmla="*/ 234016 h 567708"/>
+              <a:gd name="connsiteX2" fmla="*/ 195301 w 197932"/>
+              <a:gd name="connsiteY2" fmla="*/ 312023 h 567708"/>
+              <a:gd name="connsiteX3" fmla="*/ 112962 w 197932"/>
+              <a:gd name="connsiteY3" fmla="*/ 567708 h 567708"/>
+              <a:gd name="connsiteX4" fmla="*/ 112962 w 197932"/>
+              <a:gd name="connsiteY4" fmla="*/ 567708 h 567708"/>
+              <a:gd name="connsiteX0" fmla="*/ 108671 w 166544"/>
+              <a:gd name="connsiteY0" fmla="*/ 0 h 567708"/>
+              <a:gd name="connsiteX1" fmla="*/ 330 w 166544"/>
+              <a:gd name="connsiteY1" fmla="*/ 303355 h 567708"/>
+              <a:gd name="connsiteX2" fmla="*/ 165008 w 166544"/>
+              <a:gd name="connsiteY2" fmla="*/ 312023 h 567708"/>
+              <a:gd name="connsiteX3" fmla="*/ 82669 w 166544"/>
+              <a:gd name="connsiteY3" fmla="*/ 567708 h 567708"/>
+              <a:gd name="connsiteX4" fmla="*/ 82669 w 166544"/>
+              <a:gd name="connsiteY4" fmla="*/ 567708 h 567708"/>
+              <a:gd name="connsiteX0" fmla="*/ 108831 w 179543"/>
+              <a:gd name="connsiteY0" fmla="*/ 0 h 567708"/>
+              <a:gd name="connsiteX1" fmla="*/ 490 w 179543"/>
+              <a:gd name="connsiteY1" fmla="*/ 303355 h 567708"/>
+              <a:gd name="connsiteX2" fmla="*/ 178169 w 179543"/>
+              <a:gd name="connsiteY2" fmla="*/ 403030 h 567708"/>
+              <a:gd name="connsiteX3" fmla="*/ 82829 w 179543"/>
+              <a:gd name="connsiteY3" fmla="*/ 567708 h 567708"/>
+              <a:gd name="connsiteX4" fmla="*/ 82829 w 179543"/>
+              <a:gd name="connsiteY4" fmla="*/ 567708 h 567708"/>
+              <a:gd name="connsiteX0" fmla="*/ 146275 w 387603"/>
+              <a:gd name="connsiteY0" fmla="*/ 0 h 567708"/>
+              <a:gd name="connsiteX1" fmla="*/ 37934 w 387603"/>
+              <a:gd name="connsiteY1" fmla="*/ 303355 h 567708"/>
+              <a:gd name="connsiteX2" fmla="*/ 373880 w 387603"/>
+              <a:gd name="connsiteY2" fmla="*/ 336933 h 567708"/>
+              <a:gd name="connsiteX3" fmla="*/ 120273 w 387603"/>
+              <a:gd name="connsiteY3" fmla="*/ 567708 h 567708"/>
+              <a:gd name="connsiteX4" fmla="*/ 120273 w 387603"/>
+              <a:gd name="connsiteY4" fmla="*/ 567708 h 567708"/>
+              <a:gd name="connsiteX0" fmla="*/ 111084 w 188367"/>
+              <a:gd name="connsiteY0" fmla="*/ 0 h 567708"/>
+              <a:gd name="connsiteX1" fmla="*/ 2743 w 188367"/>
+              <a:gd name="connsiteY1" fmla="*/ 303355 h 567708"/>
+              <a:gd name="connsiteX2" fmla="*/ 94624 w 188367"/>
+              <a:gd name="connsiteY2" fmla="*/ 336099 h 567708"/>
+              <a:gd name="connsiteX3" fmla="*/ 85082 w 188367"/>
+              <a:gd name="connsiteY3" fmla="*/ 567708 h 567708"/>
+              <a:gd name="connsiteX4" fmla="*/ 85082 w 188367"/>
+              <a:gd name="connsiteY4" fmla="*/ 567708 h 567708"/>
+              <a:gd name="connsiteX0" fmla="*/ 26002 w 103285"/>
+              <a:gd name="connsiteY0" fmla="*/ 0 h 567708"/>
+              <a:gd name="connsiteX1" fmla="*/ 9542 w 103285"/>
+              <a:gd name="connsiteY1" fmla="*/ 218890 h 567708"/>
+              <a:gd name="connsiteX2" fmla="*/ 9542 w 103285"/>
+              <a:gd name="connsiteY2" fmla="*/ 336099 h 567708"/>
+              <a:gd name="connsiteX3" fmla="*/ 0 w 103285"/>
+              <a:gd name="connsiteY3" fmla="*/ 567708 h 567708"/>
+              <a:gd name="connsiteX4" fmla="*/ 0 w 103285"/>
+              <a:gd name="connsiteY4" fmla="*/ 567708 h 567708"/>
+              <a:gd name="connsiteX0" fmla="*/ 26002 w 103285"/>
+              <a:gd name="connsiteY0" fmla="*/ 0 h 567708"/>
+              <a:gd name="connsiteX1" fmla="*/ 9542 w 103285"/>
+              <a:gd name="connsiteY1" fmla="*/ 218890 h 567708"/>
+              <a:gd name="connsiteX2" fmla="*/ 14894 w 103285"/>
+              <a:gd name="connsiteY2" fmla="*/ 275610 h 567708"/>
+              <a:gd name="connsiteX3" fmla="*/ 0 w 103285"/>
+              <a:gd name="connsiteY3" fmla="*/ 567708 h 567708"/>
+              <a:gd name="connsiteX4" fmla="*/ 0 w 103285"/>
+              <a:gd name="connsiteY4" fmla="*/ 567708 h 567708"/>
+              <a:gd name="connsiteX0" fmla="*/ 94323 w 171606"/>
+              <a:gd name="connsiteY0" fmla="*/ 0 h 567708"/>
+              <a:gd name="connsiteX1" fmla="*/ 1851 w 171606"/>
+              <a:gd name="connsiteY1" fmla="*/ 222884 h 567708"/>
+              <a:gd name="connsiteX2" fmla="*/ 83215 w 171606"/>
+              <a:gd name="connsiteY2" fmla="*/ 275610 h 567708"/>
+              <a:gd name="connsiteX3" fmla="*/ 68321 w 171606"/>
+              <a:gd name="connsiteY3" fmla="*/ 567708 h 567708"/>
+              <a:gd name="connsiteX4" fmla="*/ 68321 w 171606"/>
+              <a:gd name="connsiteY4" fmla="*/ 567708 h 567708"/>
+              <a:gd name="connsiteX0" fmla="*/ 179 w 108679"/>
+              <a:gd name="connsiteY0" fmla="*/ 0 h 514982"/>
+              <a:gd name="connsiteX1" fmla="*/ 16237 w 108679"/>
+              <a:gd name="connsiteY1" fmla="*/ 170158 h 514982"/>
+              <a:gd name="connsiteX2" fmla="*/ 97601 w 108679"/>
+              <a:gd name="connsiteY2" fmla="*/ 222884 h 514982"/>
+              <a:gd name="connsiteX3" fmla="*/ 82707 w 108679"/>
+              <a:gd name="connsiteY3" fmla="*/ 514982 h 514982"/>
+              <a:gd name="connsiteX4" fmla="*/ 82707 w 108679"/>
+              <a:gd name="connsiteY4" fmla="*/ 514982 h 514982"/>
+              <a:gd name="connsiteX0" fmla="*/ 179 w 108679"/>
+              <a:gd name="connsiteY0" fmla="*/ 0 h 514982"/>
+              <a:gd name="connsiteX1" fmla="*/ 16237 w 108679"/>
+              <a:gd name="connsiteY1" fmla="*/ 170158 h 514982"/>
+              <a:gd name="connsiteX2" fmla="*/ 97601 w 108679"/>
+              <a:gd name="connsiteY2" fmla="*/ 222884 h 514982"/>
+              <a:gd name="connsiteX3" fmla="*/ 82707 w 108679"/>
+              <a:gd name="connsiteY3" fmla="*/ 514982 h 514982"/>
+              <a:gd name="connsiteX4" fmla="*/ 82707 w 108679"/>
+              <a:gd name="connsiteY4" fmla="*/ 514982 h 514982"/>
+              <a:gd name="connsiteX0" fmla="*/ 179 w 108679"/>
+              <a:gd name="connsiteY0" fmla="*/ 0 h 514982"/>
+              <a:gd name="connsiteX1" fmla="*/ 16237 w 108679"/>
+              <a:gd name="connsiteY1" fmla="*/ 170158 h 514982"/>
+              <a:gd name="connsiteX2" fmla="*/ 97601 w 108679"/>
+              <a:gd name="connsiteY2" fmla="*/ 222884 h 514982"/>
+              <a:gd name="connsiteX3" fmla="*/ 82707 w 108679"/>
+              <a:gd name="connsiteY3" fmla="*/ 514982 h 514982"/>
+              <a:gd name="connsiteX4" fmla="*/ 82707 w 108679"/>
+              <a:gd name="connsiteY4" fmla="*/ 514982 h 514982"/>
+              <a:gd name="connsiteX0" fmla="*/ 179 w 108679"/>
+              <a:gd name="connsiteY0" fmla="*/ 0 h 514982"/>
+              <a:gd name="connsiteX1" fmla="*/ 16237 w 108679"/>
+              <a:gd name="connsiteY1" fmla="*/ 170158 h 514982"/>
+              <a:gd name="connsiteX2" fmla="*/ 97601 w 108679"/>
+              <a:gd name="connsiteY2" fmla="*/ 222884 h 514982"/>
+              <a:gd name="connsiteX3" fmla="*/ 82707 w 108679"/>
+              <a:gd name="connsiteY3" fmla="*/ 514982 h 514982"/>
+              <a:gd name="connsiteX4" fmla="*/ 82707 w 108679"/>
+              <a:gd name="connsiteY4" fmla="*/ 514982 h 514982"/>
+              <a:gd name="connsiteX0" fmla="*/ 179 w 108679"/>
+              <a:gd name="connsiteY0" fmla="*/ 0 h 514982"/>
+              <a:gd name="connsiteX1" fmla="*/ 16237 w 108679"/>
+              <a:gd name="connsiteY1" fmla="*/ 170158 h 514982"/>
+              <a:gd name="connsiteX2" fmla="*/ 97601 w 108679"/>
+              <a:gd name="connsiteY2" fmla="*/ 222884 h 514982"/>
+              <a:gd name="connsiteX3" fmla="*/ 82707 w 108679"/>
+              <a:gd name="connsiteY3" fmla="*/ 514982 h 514982"/>
+              <a:gd name="connsiteX4" fmla="*/ 82707 w 108679"/>
+              <a:gd name="connsiteY4" fmla="*/ 514982 h 514982"/>
+              <a:gd name="connsiteX0" fmla="*/ 0 w 82528"/>
+              <a:gd name="connsiteY0" fmla="*/ 0 h 514982"/>
+              <a:gd name="connsiteX1" fmla="*/ 16058 w 82528"/>
+              <a:gd name="connsiteY1" fmla="*/ 170158 h 514982"/>
+              <a:gd name="connsiteX2" fmla="*/ 53362 w 82528"/>
+              <a:gd name="connsiteY2" fmla="*/ 225190 h 514982"/>
+              <a:gd name="connsiteX3" fmla="*/ 82528 w 82528"/>
+              <a:gd name="connsiteY3" fmla="*/ 514982 h 514982"/>
+              <a:gd name="connsiteX4" fmla="*/ 82528 w 82528"/>
+              <a:gd name="connsiteY4" fmla="*/ 514982 h 514982"/>
+              <a:gd name="connsiteX0" fmla="*/ 36896 w 119424"/>
+              <a:gd name="connsiteY0" fmla="*/ 0 h 514982"/>
+              <a:gd name="connsiteX1" fmla="*/ 8894 w 119424"/>
+              <a:gd name="connsiteY1" fmla="*/ 172463 h 514982"/>
+              <a:gd name="connsiteX2" fmla="*/ 90258 w 119424"/>
+              <a:gd name="connsiteY2" fmla="*/ 225190 h 514982"/>
+              <a:gd name="connsiteX3" fmla="*/ 119424 w 119424"/>
+              <a:gd name="connsiteY3" fmla="*/ 514982 h 514982"/>
+              <a:gd name="connsiteX4" fmla="*/ 119424 w 119424"/>
+              <a:gd name="connsiteY4" fmla="*/ 514982 h 514982"/>
+              <a:gd name="connsiteX0" fmla="*/ 36896 w 119424"/>
+              <a:gd name="connsiteY0" fmla="*/ 0 h 514982"/>
+              <a:gd name="connsiteX1" fmla="*/ 8894 w 119424"/>
+              <a:gd name="connsiteY1" fmla="*/ 172463 h 514982"/>
+              <a:gd name="connsiteX2" fmla="*/ 90258 w 119424"/>
+              <a:gd name="connsiteY2" fmla="*/ 225190 h 514982"/>
+              <a:gd name="connsiteX3" fmla="*/ 119424 w 119424"/>
+              <a:gd name="connsiteY3" fmla="*/ 514982 h 514982"/>
+              <a:gd name="connsiteX4" fmla="*/ 119424 w 119424"/>
+              <a:gd name="connsiteY4" fmla="*/ 514982 h 514982"/>
+              <a:gd name="connsiteX0" fmla="*/ 36896 w 119424"/>
+              <a:gd name="connsiteY0" fmla="*/ 0 h 514982"/>
+              <a:gd name="connsiteX1" fmla="*/ 8894 w 119424"/>
+              <a:gd name="connsiteY1" fmla="*/ 172463 h 514982"/>
+              <a:gd name="connsiteX2" fmla="*/ 90258 w 119424"/>
+              <a:gd name="connsiteY2" fmla="*/ 225190 h 514982"/>
+              <a:gd name="connsiteX3" fmla="*/ 119424 w 119424"/>
+              <a:gd name="connsiteY3" fmla="*/ 514982 h 514982"/>
+              <a:gd name="connsiteX4" fmla="*/ 119089 w 119424"/>
+              <a:gd name="connsiteY4" fmla="*/ 511436 h 514982"/>
+              <a:gd name="connsiteX0" fmla="*/ 125889 w 212505"/>
+              <a:gd name="connsiteY0" fmla="*/ 0 h 514982"/>
+              <a:gd name="connsiteX1" fmla="*/ 8894 w 212505"/>
+              <a:gd name="connsiteY1" fmla="*/ 241265 h 514982"/>
+              <a:gd name="connsiteX2" fmla="*/ 179251 w 212505"/>
+              <a:gd name="connsiteY2" fmla="*/ 225190 h 514982"/>
+              <a:gd name="connsiteX3" fmla="*/ 208417 w 212505"/>
+              <a:gd name="connsiteY3" fmla="*/ 514982 h 514982"/>
+              <a:gd name="connsiteX4" fmla="*/ 208082 w 212505"/>
+              <a:gd name="connsiteY4" fmla="*/ 511436 h 514982"/>
+              <a:gd name="connsiteX0" fmla="*/ 118306 w 200834"/>
+              <a:gd name="connsiteY0" fmla="*/ 0 h 514982"/>
+              <a:gd name="connsiteX1" fmla="*/ 1311 w 200834"/>
+              <a:gd name="connsiteY1" fmla="*/ 241265 h 514982"/>
+              <a:gd name="connsiteX2" fmla="*/ 110442 w 200834"/>
+              <a:gd name="connsiteY2" fmla="*/ 335283 h 514982"/>
+              <a:gd name="connsiteX3" fmla="*/ 200834 w 200834"/>
+              <a:gd name="connsiteY3" fmla="*/ 514982 h 514982"/>
+              <a:gd name="connsiteX4" fmla="*/ 200499 w 200834"/>
+              <a:gd name="connsiteY4" fmla="*/ 511436 h 514982"/>
+              <a:gd name="connsiteX0" fmla="*/ 118306 w 200834"/>
+              <a:gd name="connsiteY0" fmla="*/ 0 h 665501"/>
+              <a:gd name="connsiteX1" fmla="*/ 1311 w 200834"/>
+              <a:gd name="connsiteY1" fmla="*/ 241265 h 665501"/>
+              <a:gd name="connsiteX2" fmla="*/ 110442 w 200834"/>
+              <a:gd name="connsiteY2" fmla="*/ 335283 h 665501"/>
+              <a:gd name="connsiteX3" fmla="*/ 200834 w 200834"/>
+              <a:gd name="connsiteY3" fmla="*/ 514982 h 665501"/>
+              <a:gd name="connsiteX4" fmla="*/ 138538 w 200834"/>
+              <a:gd name="connsiteY4" fmla="*/ 664319 h 665501"/>
+              <a:gd name="connsiteX0" fmla="*/ 118306 w 200834"/>
+              <a:gd name="connsiteY0" fmla="*/ 0 h 576027"/>
+              <a:gd name="connsiteX1" fmla="*/ 1311 w 200834"/>
+              <a:gd name="connsiteY1" fmla="*/ 241265 h 576027"/>
+              <a:gd name="connsiteX2" fmla="*/ 110442 w 200834"/>
+              <a:gd name="connsiteY2" fmla="*/ 335283 h 576027"/>
+              <a:gd name="connsiteX3" fmla="*/ 200834 w 200834"/>
+              <a:gd name="connsiteY3" fmla="*/ 514982 h 576027"/>
+              <a:gd name="connsiteX4" fmla="*/ 10737 w 200834"/>
+              <a:gd name="connsiteY4" fmla="*/ 574845 h 576027"/>
+              <a:gd name="connsiteX0" fmla="*/ 118306 w 136506"/>
+              <a:gd name="connsiteY0" fmla="*/ 0 h 574845"/>
+              <a:gd name="connsiteX1" fmla="*/ 1311 w 136506"/>
+              <a:gd name="connsiteY1" fmla="*/ 241265 h 574845"/>
+              <a:gd name="connsiteX2" fmla="*/ 110442 w 136506"/>
+              <a:gd name="connsiteY2" fmla="*/ 335283 h 574845"/>
+              <a:gd name="connsiteX3" fmla="*/ 10737 w 136506"/>
+              <a:gd name="connsiteY3" fmla="*/ 574845 h 574845"/>
+              <a:gd name="connsiteX0" fmla="*/ 118306 w 136506"/>
+              <a:gd name="connsiteY0" fmla="*/ 0 h 574845"/>
+              <a:gd name="connsiteX1" fmla="*/ 1311 w 136506"/>
+              <a:gd name="connsiteY1" fmla="*/ 241265 h 574845"/>
+              <a:gd name="connsiteX2" fmla="*/ 110442 w 136506"/>
+              <a:gd name="connsiteY2" fmla="*/ 335283 h 574845"/>
+              <a:gd name="connsiteX3" fmla="*/ 10737 w 136506"/>
+              <a:gd name="connsiteY3" fmla="*/ 574845 h 574845"/>
+              <a:gd name="connsiteX0" fmla="*/ 118306 w 118306"/>
+              <a:gd name="connsiteY0" fmla="*/ 0 h 574845"/>
+              <a:gd name="connsiteX1" fmla="*/ 1311 w 118306"/>
+              <a:gd name="connsiteY1" fmla="*/ 241265 h 574845"/>
+              <a:gd name="connsiteX2" fmla="*/ 110442 w 118306"/>
+              <a:gd name="connsiteY2" fmla="*/ 335283 h 574845"/>
+              <a:gd name="connsiteX3" fmla="*/ 10737 w 118306"/>
+              <a:gd name="connsiteY3" fmla="*/ 574845 h 574845"/>
+              <a:gd name="connsiteX0" fmla="*/ 146881 w 146881"/>
+              <a:gd name="connsiteY0" fmla="*/ 0 h 574845"/>
+              <a:gd name="connsiteX1" fmla="*/ 1311 w 146881"/>
+              <a:gd name="connsiteY1" fmla="*/ 177298 h 574845"/>
+              <a:gd name="connsiteX2" fmla="*/ 139017 w 146881"/>
+              <a:gd name="connsiteY2" fmla="*/ 335283 h 574845"/>
+              <a:gd name="connsiteX3" fmla="*/ 39312 w 146881"/>
+              <a:gd name="connsiteY3" fmla="*/ 574845 h 574845"/>
+              <a:gd name="connsiteX0" fmla="*/ 179005 w 179005"/>
+              <a:gd name="connsiteY0" fmla="*/ 0 h 560630"/>
+              <a:gd name="connsiteX1" fmla="*/ 33435 w 179005"/>
+              <a:gd name="connsiteY1" fmla="*/ 177298 h 560630"/>
+              <a:gd name="connsiteX2" fmla="*/ 171141 w 179005"/>
+              <a:gd name="connsiteY2" fmla="*/ 335283 h 560630"/>
+              <a:gd name="connsiteX3" fmla="*/ 0 w 179005"/>
+              <a:gd name="connsiteY3" fmla="*/ 560630 h 560630"/>
+              <a:gd name="connsiteX0" fmla="*/ 179005 w 183103"/>
+              <a:gd name="connsiteY0" fmla="*/ 0 h 560630"/>
+              <a:gd name="connsiteX1" fmla="*/ 71773 w 183103"/>
+              <a:gd name="connsiteY1" fmla="*/ 174659 h 560630"/>
+              <a:gd name="connsiteX2" fmla="*/ 171141 w 183103"/>
+              <a:gd name="connsiteY2" fmla="*/ 335283 h 560630"/>
+              <a:gd name="connsiteX3" fmla="*/ 0 w 183103"/>
+              <a:gd name="connsiteY3" fmla="*/ 560630 h 560630"/>
+              <a:gd name="connsiteX0" fmla="*/ 179005 w 179005"/>
+              <a:gd name="connsiteY0" fmla="*/ 0 h 560630"/>
+              <a:gd name="connsiteX1" fmla="*/ 71773 w 179005"/>
+              <a:gd name="connsiteY1" fmla="*/ 174659 h 560630"/>
+              <a:gd name="connsiteX2" fmla="*/ 76357 w 179005"/>
+              <a:gd name="connsiteY2" fmla="*/ 374723 h 560630"/>
+              <a:gd name="connsiteX3" fmla="*/ 0 w 179005"/>
+              <a:gd name="connsiteY3" fmla="*/ 560630 h 560630"/>
+              <a:gd name="connsiteX0" fmla="*/ 179005 w 179005"/>
+              <a:gd name="connsiteY0" fmla="*/ 0 h 560630"/>
+              <a:gd name="connsiteX1" fmla="*/ 71773 w 179005"/>
+              <a:gd name="connsiteY1" fmla="*/ 174659 h 560630"/>
+              <a:gd name="connsiteX2" fmla="*/ 76357 w 179005"/>
+              <a:gd name="connsiteY2" fmla="*/ 374723 h 560630"/>
+              <a:gd name="connsiteX3" fmla="*/ 0 w 179005"/>
+              <a:gd name="connsiteY3" fmla="*/ 560630 h 560630"/>
+              <a:gd name="connsiteX0" fmla="*/ 179005 w 179005"/>
+              <a:gd name="connsiteY0" fmla="*/ 0 h 560630"/>
+              <a:gd name="connsiteX1" fmla="*/ 71773 w 179005"/>
+              <a:gd name="connsiteY1" fmla="*/ 174659 h 560630"/>
+              <a:gd name="connsiteX2" fmla="*/ 76357 w 179005"/>
+              <a:gd name="connsiteY2" fmla="*/ 374723 h 560630"/>
+              <a:gd name="connsiteX3" fmla="*/ 0 w 179005"/>
+              <a:gd name="connsiteY3" fmla="*/ 560630 h 560630"/>
+              <a:gd name="connsiteX0" fmla="*/ 179005 w 179005"/>
+              <a:gd name="connsiteY0" fmla="*/ 0 h 560630"/>
+              <a:gd name="connsiteX1" fmla="*/ 71773 w 179005"/>
+              <a:gd name="connsiteY1" fmla="*/ 174659 h 560630"/>
+              <a:gd name="connsiteX2" fmla="*/ 76357 w 179005"/>
+              <a:gd name="connsiteY2" fmla="*/ 374723 h 560630"/>
+              <a:gd name="connsiteX3" fmla="*/ 0 w 179005"/>
+              <a:gd name="connsiteY3" fmla="*/ 560630 h 560630"/>
+              <a:gd name="connsiteX0" fmla="*/ 179005 w 179005"/>
+              <a:gd name="connsiteY0" fmla="*/ 0 h 560630"/>
+              <a:gd name="connsiteX1" fmla="*/ 71773 w 179005"/>
+              <a:gd name="connsiteY1" fmla="*/ 174659 h 560630"/>
+              <a:gd name="connsiteX2" fmla="*/ 76357 w 179005"/>
+              <a:gd name="connsiteY2" fmla="*/ 374723 h 560630"/>
+              <a:gd name="connsiteX3" fmla="*/ 0 w 179005"/>
+              <a:gd name="connsiteY3" fmla="*/ 560630 h 560630"/>
+              <a:gd name="connsiteX0" fmla="*/ 179005 w 179005"/>
+              <a:gd name="connsiteY0" fmla="*/ 0 h 560630"/>
+              <a:gd name="connsiteX1" fmla="*/ 71773 w 179005"/>
+              <a:gd name="connsiteY1" fmla="*/ 174659 h 560630"/>
+              <a:gd name="connsiteX2" fmla="*/ 76357 w 179005"/>
+              <a:gd name="connsiteY2" fmla="*/ 374723 h 560630"/>
+              <a:gd name="connsiteX3" fmla="*/ 0 w 179005"/>
+              <a:gd name="connsiteY3" fmla="*/ 560630 h 560630"/>
+              <a:gd name="connsiteX0" fmla="*/ 179005 w 179005"/>
+              <a:gd name="connsiteY0" fmla="*/ 0 h 560630"/>
+              <a:gd name="connsiteX1" fmla="*/ 71773 w 179005"/>
+              <a:gd name="connsiteY1" fmla="*/ 174659 h 560630"/>
+              <a:gd name="connsiteX2" fmla="*/ 76357 w 179005"/>
+              <a:gd name="connsiteY2" fmla="*/ 374723 h 560630"/>
+              <a:gd name="connsiteX3" fmla="*/ 0 w 179005"/>
+              <a:gd name="connsiteY3" fmla="*/ 560630 h 560630"/>
+            </a:gdLst>
+            <a:ahLst/>
+            <a:cxnLst>
+              <a:cxn ang="0">
+                <a:pos x="connsiteX0" y="connsiteY0"/>
+              </a:cxn>
+              <a:cxn ang="0">
+                <a:pos x="connsiteX1" y="connsiteY1"/>
+              </a:cxn>
+              <a:cxn ang="0">
+                <a:pos x="connsiteX2" y="connsiteY2"/>
+              </a:cxn>
+              <a:cxn ang="0">
+                <a:pos x="connsiteX3" y="connsiteY3"/>
+              </a:cxn>
+            </a:cxnLst>
+            <a:rect l="l" t="t" r="r" b="b"/>
+            <a:pathLst>
+              <a:path w="179005" h="560630">
+                <a:moveTo>
+                  <a:pt x="179005" y="0"/>
+                </a:moveTo>
+                <a:cubicBezTo>
+                  <a:pt x="106717" y="67603"/>
+                  <a:pt x="88881" y="112205"/>
+                  <a:pt x="71773" y="174659"/>
+                </a:cubicBezTo>
+                <a:cubicBezTo>
+                  <a:pt x="54665" y="237113"/>
+                  <a:pt x="73858" y="308359"/>
+                  <a:pt x="76357" y="374723"/>
+                </a:cubicBezTo>
+                <a:cubicBezTo>
+                  <a:pt x="79212" y="450534"/>
+                  <a:pt x="73699" y="515064"/>
+                  <a:pt x="0" y="560630"/>
+                </a:cubicBezTo>
+              </a:path>
+            </a:pathLst>
+          </a:custGeom>
+          <a:noFill/>
+          <a:ln w="6350">
+            <a:solidFill>
+              <a:schemeClr val="tx1"/>
+            </a:solidFill>
+            <a:prstDash val="sysDot"/>
+            <a:headEnd type="arrow" w="sm" len="sm"/>
+          </a:ln>
+        </p:spPr>
+        <p:style>
+          <a:lnRef idx="2">
+            <a:schemeClr val="accent1">
+              <a:shade val="50000"/>
+            </a:schemeClr>
+          </a:lnRef>
+          <a:fillRef idx="1">
+            <a:schemeClr val="accent1"/>
+          </a:fillRef>
+          <a:effectRef idx="0">
+            <a:schemeClr val="accent1"/>
+          </a:effectRef>
+          <a:fontRef idx="minor">
+            <a:schemeClr val="lt1"/>
+          </a:fontRef>
+        </p:style>
+        <p:txBody>
+          <a:bodyPr rtlCol="0" anchor="ctr"/>
+          <a:lstStyle/>
+          <a:p>
+            <a:pPr algn="ctr"/>
+            <a:endParaRPr lang="en-US"/>
+          </a:p>
+        </p:txBody>
+      </p:sp>
+      <p:sp>
+        <p:nvSpPr>
+          <p:cNvPr id="42" name="Freeform 70">
+            <a:extLst>
+              <a:ext uri="{FF2B5EF4-FFF2-40B4-BE49-F238E27FC236}">
+                <a16:creationId xmlns:a16="http://schemas.microsoft.com/office/drawing/2014/main" id="{E26217FB-9CAC-406B-AA50-0C67AB1FF4B3}"/>
+              </a:ext>
+            </a:extLst>
+          </p:cNvPr>
+          <p:cNvSpPr/>
+          <p:nvPr/>
+        </p:nvSpPr>
+        <p:spPr>
+          <a:xfrm rot="21900000">
+            <a:off x="3204157" y="3222141"/>
+            <a:ext cx="133595" cy="495573"/>
+          </a:xfrm>
+          <a:custGeom>
+            <a:avLst/>
+            <a:gdLst>
+              <a:gd name="connsiteX0" fmla="*/ 156390 w 156390"/>
+              <a:gd name="connsiteY0" fmla="*/ 0 h 567708"/>
+              <a:gd name="connsiteX1" fmla="*/ 378 w 156390"/>
+              <a:gd name="connsiteY1" fmla="*/ 177679 h 567708"/>
+              <a:gd name="connsiteX2" fmla="*/ 113053 w 156390"/>
+              <a:gd name="connsiteY2" fmla="*/ 407363 h 567708"/>
+              <a:gd name="connsiteX3" fmla="*/ 130388 w 156390"/>
+              <a:gd name="connsiteY3" fmla="*/ 567708 h 567708"/>
+              <a:gd name="connsiteX4" fmla="*/ 130388 w 156390"/>
+              <a:gd name="connsiteY4" fmla="*/ 567708 h 567708"/>
+              <a:gd name="connsiteX0" fmla="*/ 156390 w 157057"/>
+              <a:gd name="connsiteY0" fmla="*/ 0 h 567708"/>
+              <a:gd name="connsiteX1" fmla="*/ 378 w 157057"/>
+              <a:gd name="connsiteY1" fmla="*/ 177679 h 567708"/>
+              <a:gd name="connsiteX2" fmla="*/ 113053 w 157057"/>
+              <a:gd name="connsiteY2" fmla="*/ 407363 h 567708"/>
+              <a:gd name="connsiteX3" fmla="*/ 130388 w 157057"/>
+              <a:gd name="connsiteY3" fmla="*/ 567708 h 567708"/>
+              <a:gd name="connsiteX4" fmla="*/ 130388 w 157057"/>
+              <a:gd name="connsiteY4" fmla="*/ 567708 h 567708"/>
+              <a:gd name="connsiteX0" fmla="*/ 156390 w 168460"/>
+              <a:gd name="connsiteY0" fmla="*/ 0 h 567708"/>
+              <a:gd name="connsiteX1" fmla="*/ 378 w 168460"/>
+              <a:gd name="connsiteY1" fmla="*/ 177679 h 567708"/>
+              <a:gd name="connsiteX2" fmla="*/ 113053 w 168460"/>
+              <a:gd name="connsiteY2" fmla="*/ 407363 h 567708"/>
+              <a:gd name="connsiteX3" fmla="*/ 130388 w 168460"/>
+              <a:gd name="connsiteY3" fmla="*/ 567708 h 567708"/>
+              <a:gd name="connsiteX4" fmla="*/ 130388 w 168460"/>
+              <a:gd name="connsiteY4" fmla="*/ 567708 h 567708"/>
+              <a:gd name="connsiteX0" fmla="*/ 139118 w 152058"/>
+              <a:gd name="connsiteY0" fmla="*/ 0 h 567708"/>
+              <a:gd name="connsiteX1" fmla="*/ 441 w 152058"/>
+              <a:gd name="connsiteY1" fmla="*/ 234016 h 567708"/>
+              <a:gd name="connsiteX2" fmla="*/ 95781 w 152058"/>
+              <a:gd name="connsiteY2" fmla="*/ 407363 h 567708"/>
+              <a:gd name="connsiteX3" fmla="*/ 113116 w 152058"/>
+              <a:gd name="connsiteY3" fmla="*/ 567708 h 567708"/>
+              <a:gd name="connsiteX4" fmla="*/ 113116 w 152058"/>
+              <a:gd name="connsiteY4" fmla="*/ 567708 h 567708"/>
+              <a:gd name="connsiteX0" fmla="*/ 138981 w 197949"/>
+              <a:gd name="connsiteY0" fmla="*/ 0 h 567708"/>
+              <a:gd name="connsiteX1" fmla="*/ 304 w 197949"/>
+              <a:gd name="connsiteY1" fmla="*/ 234016 h 567708"/>
+              <a:gd name="connsiteX2" fmla="*/ 195318 w 197949"/>
+              <a:gd name="connsiteY2" fmla="*/ 312023 h 567708"/>
+              <a:gd name="connsiteX3" fmla="*/ 112979 w 197949"/>
+              <a:gd name="connsiteY3" fmla="*/ 567708 h 567708"/>
+              <a:gd name="connsiteX4" fmla="*/ 112979 w 197949"/>
+              <a:gd name="connsiteY4" fmla="*/ 567708 h 567708"/>
+              <a:gd name="connsiteX0" fmla="*/ 138964 w 197932"/>
+              <a:gd name="connsiteY0" fmla="*/ 0 h 567708"/>
+              <a:gd name="connsiteX1" fmla="*/ 287 w 197932"/>
+              <a:gd name="connsiteY1" fmla="*/ 234016 h 567708"/>
+              <a:gd name="connsiteX2" fmla="*/ 195301 w 197932"/>
+              <a:gd name="connsiteY2" fmla="*/ 312023 h 567708"/>
+              <a:gd name="connsiteX3" fmla="*/ 112962 w 197932"/>
+              <a:gd name="connsiteY3" fmla="*/ 567708 h 567708"/>
+              <a:gd name="connsiteX4" fmla="*/ 112962 w 197932"/>
+              <a:gd name="connsiteY4" fmla="*/ 567708 h 567708"/>
+              <a:gd name="connsiteX0" fmla="*/ 108671 w 166544"/>
+              <a:gd name="connsiteY0" fmla="*/ 0 h 567708"/>
+              <a:gd name="connsiteX1" fmla="*/ 330 w 166544"/>
+              <a:gd name="connsiteY1" fmla="*/ 303355 h 567708"/>
+              <a:gd name="connsiteX2" fmla="*/ 165008 w 166544"/>
+              <a:gd name="connsiteY2" fmla="*/ 312023 h 567708"/>
+              <a:gd name="connsiteX3" fmla="*/ 82669 w 166544"/>
+              <a:gd name="connsiteY3" fmla="*/ 567708 h 567708"/>
+              <a:gd name="connsiteX4" fmla="*/ 82669 w 166544"/>
+              <a:gd name="connsiteY4" fmla="*/ 567708 h 567708"/>
+              <a:gd name="connsiteX0" fmla="*/ 108831 w 179543"/>
+              <a:gd name="connsiteY0" fmla="*/ 0 h 567708"/>
+              <a:gd name="connsiteX1" fmla="*/ 490 w 179543"/>
+              <a:gd name="connsiteY1" fmla="*/ 303355 h 567708"/>
+              <a:gd name="connsiteX2" fmla="*/ 178169 w 179543"/>
+              <a:gd name="connsiteY2" fmla="*/ 403030 h 567708"/>
+              <a:gd name="connsiteX3" fmla="*/ 82829 w 179543"/>
+              <a:gd name="connsiteY3" fmla="*/ 567708 h 567708"/>
+              <a:gd name="connsiteX4" fmla="*/ 82829 w 179543"/>
+              <a:gd name="connsiteY4" fmla="*/ 567708 h 567708"/>
+              <a:gd name="connsiteX0" fmla="*/ 146275 w 387603"/>
+              <a:gd name="connsiteY0" fmla="*/ 0 h 567708"/>
+              <a:gd name="connsiteX1" fmla="*/ 37934 w 387603"/>
+              <a:gd name="connsiteY1" fmla="*/ 303355 h 567708"/>
+              <a:gd name="connsiteX2" fmla="*/ 373880 w 387603"/>
+              <a:gd name="connsiteY2" fmla="*/ 336933 h 567708"/>
+              <a:gd name="connsiteX3" fmla="*/ 120273 w 387603"/>
+              <a:gd name="connsiteY3" fmla="*/ 567708 h 567708"/>
+              <a:gd name="connsiteX4" fmla="*/ 120273 w 387603"/>
+              <a:gd name="connsiteY4" fmla="*/ 567708 h 567708"/>
+              <a:gd name="connsiteX0" fmla="*/ 111084 w 188367"/>
+              <a:gd name="connsiteY0" fmla="*/ 0 h 567708"/>
+              <a:gd name="connsiteX1" fmla="*/ 2743 w 188367"/>
+              <a:gd name="connsiteY1" fmla="*/ 303355 h 567708"/>
+              <a:gd name="connsiteX2" fmla="*/ 94624 w 188367"/>
+              <a:gd name="connsiteY2" fmla="*/ 336099 h 567708"/>
+              <a:gd name="connsiteX3" fmla="*/ 85082 w 188367"/>
+              <a:gd name="connsiteY3" fmla="*/ 567708 h 567708"/>
+              <a:gd name="connsiteX4" fmla="*/ 85082 w 188367"/>
+              <a:gd name="connsiteY4" fmla="*/ 567708 h 567708"/>
+              <a:gd name="connsiteX0" fmla="*/ 26002 w 103285"/>
+              <a:gd name="connsiteY0" fmla="*/ 0 h 567708"/>
+              <a:gd name="connsiteX1" fmla="*/ 9542 w 103285"/>
+              <a:gd name="connsiteY1" fmla="*/ 218890 h 567708"/>
+              <a:gd name="connsiteX2" fmla="*/ 9542 w 103285"/>
+              <a:gd name="connsiteY2" fmla="*/ 336099 h 567708"/>
+              <a:gd name="connsiteX3" fmla="*/ 0 w 103285"/>
+              <a:gd name="connsiteY3" fmla="*/ 567708 h 567708"/>
+              <a:gd name="connsiteX4" fmla="*/ 0 w 103285"/>
+              <a:gd name="connsiteY4" fmla="*/ 567708 h 567708"/>
+              <a:gd name="connsiteX0" fmla="*/ 26002 w 103285"/>
+              <a:gd name="connsiteY0" fmla="*/ 0 h 567708"/>
+              <a:gd name="connsiteX1" fmla="*/ 9542 w 103285"/>
+              <a:gd name="connsiteY1" fmla="*/ 218890 h 567708"/>
+              <a:gd name="connsiteX2" fmla="*/ 14894 w 103285"/>
+              <a:gd name="connsiteY2" fmla="*/ 275610 h 567708"/>
+              <a:gd name="connsiteX3" fmla="*/ 0 w 103285"/>
+              <a:gd name="connsiteY3" fmla="*/ 567708 h 567708"/>
+              <a:gd name="connsiteX4" fmla="*/ 0 w 103285"/>
+              <a:gd name="connsiteY4" fmla="*/ 567708 h 567708"/>
+              <a:gd name="connsiteX0" fmla="*/ 94323 w 171606"/>
+              <a:gd name="connsiteY0" fmla="*/ 0 h 567708"/>
+              <a:gd name="connsiteX1" fmla="*/ 1851 w 171606"/>
+              <a:gd name="connsiteY1" fmla="*/ 222884 h 567708"/>
+              <a:gd name="connsiteX2" fmla="*/ 83215 w 171606"/>
+              <a:gd name="connsiteY2" fmla="*/ 275610 h 567708"/>
+              <a:gd name="connsiteX3" fmla="*/ 68321 w 171606"/>
+              <a:gd name="connsiteY3" fmla="*/ 567708 h 567708"/>
+              <a:gd name="connsiteX4" fmla="*/ 68321 w 171606"/>
+              <a:gd name="connsiteY4" fmla="*/ 567708 h 567708"/>
+              <a:gd name="connsiteX0" fmla="*/ 179 w 108679"/>
+              <a:gd name="connsiteY0" fmla="*/ 0 h 514982"/>
+              <a:gd name="connsiteX1" fmla="*/ 16237 w 108679"/>
+              <a:gd name="connsiteY1" fmla="*/ 170158 h 514982"/>
+              <a:gd name="connsiteX2" fmla="*/ 97601 w 108679"/>
+              <a:gd name="connsiteY2" fmla="*/ 222884 h 514982"/>
+              <a:gd name="connsiteX3" fmla="*/ 82707 w 108679"/>
+              <a:gd name="connsiteY3" fmla="*/ 514982 h 514982"/>
+              <a:gd name="connsiteX4" fmla="*/ 82707 w 108679"/>
+              <a:gd name="connsiteY4" fmla="*/ 514982 h 514982"/>
+              <a:gd name="connsiteX0" fmla="*/ 179 w 108679"/>
+              <a:gd name="connsiteY0" fmla="*/ 0 h 514982"/>
+              <a:gd name="connsiteX1" fmla="*/ 16237 w 108679"/>
+              <a:gd name="connsiteY1" fmla="*/ 170158 h 514982"/>
+              <a:gd name="connsiteX2" fmla="*/ 97601 w 108679"/>
+              <a:gd name="connsiteY2" fmla="*/ 222884 h 514982"/>
+              <a:gd name="connsiteX3" fmla="*/ 82707 w 108679"/>
+              <a:gd name="connsiteY3" fmla="*/ 514982 h 514982"/>
+              <a:gd name="connsiteX4" fmla="*/ 82707 w 108679"/>
+              <a:gd name="connsiteY4" fmla="*/ 514982 h 514982"/>
+              <a:gd name="connsiteX0" fmla="*/ 179 w 108679"/>
+              <a:gd name="connsiteY0" fmla="*/ 0 h 514982"/>
+              <a:gd name="connsiteX1" fmla="*/ 16237 w 108679"/>
+              <a:gd name="connsiteY1" fmla="*/ 170158 h 514982"/>
+              <a:gd name="connsiteX2" fmla="*/ 97601 w 108679"/>
+              <a:gd name="connsiteY2" fmla="*/ 222884 h 514982"/>
+              <a:gd name="connsiteX3" fmla="*/ 82707 w 108679"/>
+              <a:gd name="connsiteY3" fmla="*/ 514982 h 514982"/>
+              <a:gd name="connsiteX4" fmla="*/ 82707 w 108679"/>
+              <a:gd name="connsiteY4" fmla="*/ 514982 h 514982"/>
+              <a:gd name="connsiteX0" fmla="*/ 179 w 108679"/>
+              <a:gd name="connsiteY0" fmla="*/ 0 h 514982"/>
+              <a:gd name="connsiteX1" fmla="*/ 16237 w 108679"/>
+              <a:gd name="connsiteY1" fmla="*/ 170158 h 514982"/>
+              <a:gd name="connsiteX2" fmla="*/ 97601 w 108679"/>
+              <a:gd name="connsiteY2" fmla="*/ 222884 h 514982"/>
+              <a:gd name="connsiteX3" fmla="*/ 82707 w 108679"/>
+              <a:gd name="connsiteY3" fmla="*/ 514982 h 514982"/>
+              <a:gd name="connsiteX4" fmla="*/ 82707 w 108679"/>
+              <a:gd name="connsiteY4" fmla="*/ 514982 h 514982"/>
+              <a:gd name="connsiteX0" fmla="*/ 179 w 108679"/>
+              <a:gd name="connsiteY0" fmla="*/ 0 h 514982"/>
+              <a:gd name="connsiteX1" fmla="*/ 16237 w 108679"/>
+              <a:gd name="connsiteY1" fmla="*/ 170158 h 514982"/>
+              <a:gd name="connsiteX2" fmla="*/ 97601 w 108679"/>
+              <a:gd name="connsiteY2" fmla="*/ 222884 h 514982"/>
+              <a:gd name="connsiteX3" fmla="*/ 82707 w 108679"/>
+              <a:gd name="connsiteY3" fmla="*/ 514982 h 514982"/>
+              <a:gd name="connsiteX4" fmla="*/ 82707 w 108679"/>
+              <a:gd name="connsiteY4" fmla="*/ 514982 h 514982"/>
+              <a:gd name="connsiteX0" fmla="*/ 0 w 82528"/>
+              <a:gd name="connsiteY0" fmla="*/ 0 h 514982"/>
+              <a:gd name="connsiteX1" fmla="*/ 16058 w 82528"/>
+              <a:gd name="connsiteY1" fmla="*/ 170158 h 514982"/>
+              <a:gd name="connsiteX2" fmla="*/ 53362 w 82528"/>
+              <a:gd name="connsiteY2" fmla="*/ 225190 h 514982"/>
+              <a:gd name="connsiteX3" fmla="*/ 82528 w 82528"/>
+              <a:gd name="connsiteY3" fmla="*/ 514982 h 514982"/>
+              <a:gd name="connsiteX4" fmla="*/ 82528 w 82528"/>
+              <a:gd name="connsiteY4" fmla="*/ 514982 h 514982"/>
+              <a:gd name="connsiteX0" fmla="*/ 36896 w 119424"/>
+              <a:gd name="connsiteY0" fmla="*/ 0 h 514982"/>
+              <a:gd name="connsiteX1" fmla="*/ 8894 w 119424"/>
+              <a:gd name="connsiteY1" fmla="*/ 172463 h 514982"/>
+              <a:gd name="connsiteX2" fmla="*/ 90258 w 119424"/>
+              <a:gd name="connsiteY2" fmla="*/ 225190 h 514982"/>
+              <a:gd name="connsiteX3" fmla="*/ 119424 w 119424"/>
+              <a:gd name="connsiteY3" fmla="*/ 514982 h 514982"/>
+              <a:gd name="connsiteX4" fmla="*/ 119424 w 119424"/>
+              <a:gd name="connsiteY4" fmla="*/ 514982 h 514982"/>
+              <a:gd name="connsiteX0" fmla="*/ 36896 w 119424"/>
+              <a:gd name="connsiteY0" fmla="*/ 0 h 514982"/>
+              <a:gd name="connsiteX1" fmla="*/ 8894 w 119424"/>
+              <a:gd name="connsiteY1" fmla="*/ 172463 h 514982"/>
+              <a:gd name="connsiteX2" fmla="*/ 90258 w 119424"/>
+              <a:gd name="connsiteY2" fmla="*/ 225190 h 514982"/>
+              <a:gd name="connsiteX3" fmla="*/ 119424 w 119424"/>
+              <a:gd name="connsiteY3" fmla="*/ 514982 h 514982"/>
+              <a:gd name="connsiteX4" fmla="*/ 119424 w 119424"/>
+              <a:gd name="connsiteY4" fmla="*/ 514982 h 514982"/>
+              <a:gd name="connsiteX0" fmla="*/ 36896 w 119424"/>
+              <a:gd name="connsiteY0" fmla="*/ 0 h 514982"/>
+              <a:gd name="connsiteX1" fmla="*/ 8894 w 119424"/>
+              <a:gd name="connsiteY1" fmla="*/ 172463 h 514982"/>
+              <a:gd name="connsiteX2" fmla="*/ 90258 w 119424"/>
+              <a:gd name="connsiteY2" fmla="*/ 225190 h 514982"/>
+              <a:gd name="connsiteX3" fmla="*/ 119424 w 119424"/>
+              <a:gd name="connsiteY3" fmla="*/ 514982 h 514982"/>
+              <a:gd name="connsiteX4" fmla="*/ 119089 w 119424"/>
+              <a:gd name="connsiteY4" fmla="*/ 511436 h 514982"/>
+              <a:gd name="connsiteX0" fmla="*/ 125889 w 212505"/>
+              <a:gd name="connsiteY0" fmla="*/ 0 h 514982"/>
+              <a:gd name="connsiteX1" fmla="*/ 8894 w 212505"/>
+              <a:gd name="connsiteY1" fmla="*/ 241265 h 514982"/>
+              <a:gd name="connsiteX2" fmla="*/ 179251 w 212505"/>
+              <a:gd name="connsiteY2" fmla="*/ 225190 h 514982"/>
+              <a:gd name="connsiteX3" fmla="*/ 208417 w 212505"/>
+              <a:gd name="connsiteY3" fmla="*/ 514982 h 514982"/>
+              <a:gd name="connsiteX4" fmla="*/ 208082 w 212505"/>
+              <a:gd name="connsiteY4" fmla="*/ 511436 h 514982"/>
+              <a:gd name="connsiteX0" fmla="*/ 118306 w 200834"/>
+              <a:gd name="connsiteY0" fmla="*/ 0 h 514982"/>
+              <a:gd name="connsiteX1" fmla="*/ 1311 w 200834"/>
+              <a:gd name="connsiteY1" fmla="*/ 241265 h 514982"/>
+              <a:gd name="connsiteX2" fmla="*/ 110442 w 200834"/>
+              <a:gd name="connsiteY2" fmla="*/ 335283 h 514982"/>
+              <a:gd name="connsiteX3" fmla="*/ 200834 w 200834"/>
+              <a:gd name="connsiteY3" fmla="*/ 514982 h 514982"/>
+              <a:gd name="connsiteX4" fmla="*/ 200499 w 200834"/>
+              <a:gd name="connsiteY4" fmla="*/ 511436 h 514982"/>
+              <a:gd name="connsiteX0" fmla="*/ 118306 w 200834"/>
+              <a:gd name="connsiteY0" fmla="*/ 0 h 665501"/>
+              <a:gd name="connsiteX1" fmla="*/ 1311 w 200834"/>
+              <a:gd name="connsiteY1" fmla="*/ 241265 h 665501"/>
+              <a:gd name="connsiteX2" fmla="*/ 110442 w 200834"/>
+              <a:gd name="connsiteY2" fmla="*/ 335283 h 665501"/>
+              <a:gd name="connsiteX3" fmla="*/ 200834 w 200834"/>
+              <a:gd name="connsiteY3" fmla="*/ 514982 h 665501"/>
+              <a:gd name="connsiteX4" fmla="*/ 138538 w 200834"/>
+              <a:gd name="connsiteY4" fmla="*/ 664319 h 665501"/>
+              <a:gd name="connsiteX0" fmla="*/ 118306 w 200834"/>
+              <a:gd name="connsiteY0" fmla="*/ 0 h 576027"/>
+              <a:gd name="connsiteX1" fmla="*/ 1311 w 200834"/>
+              <a:gd name="connsiteY1" fmla="*/ 241265 h 576027"/>
+              <a:gd name="connsiteX2" fmla="*/ 110442 w 200834"/>
+              <a:gd name="connsiteY2" fmla="*/ 335283 h 576027"/>
+              <a:gd name="connsiteX3" fmla="*/ 200834 w 200834"/>
+              <a:gd name="connsiteY3" fmla="*/ 514982 h 576027"/>
+              <a:gd name="connsiteX4" fmla="*/ 10737 w 200834"/>
+              <a:gd name="connsiteY4" fmla="*/ 574845 h 576027"/>
+              <a:gd name="connsiteX0" fmla="*/ 118306 w 136506"/>
+              <a:gd name="connsiteY0" fmla="*/ 0 h 574845"/>
+              <a:gd name="connsiteX1" fmla="*/ 1311 w 136506"/>
+              <a:gd name="connsiteY1" fmla="*/ 241265 h 574845"/>
+              <a:gd name="connsiteX2" fmla="*/ 110442 w 136506"/>
+              <a:gd name="connsiteY2" fmla="*/ 335283 h 574845"/>
+              <a:gd name="connsiteX3" fmla="*/ 10737 w 136506"/>
+              <a:gd name="connsiteY3" fmla="*/ 574845 h 574845"/>
+              <a:gd name="connsiteX0" fmla="*/ 118306 w 136506"/>
+              <a:gd name="connsiteY0" fmla="*/ 0 h 574845"/>
+              <a:gd name="connsiteX1" fmla="*/ 1311 w 136506"/>
+              <a:gd name="connsiteY1" fmla="*/ 241265 h 574845"/>
+              <a:gd name="connsiteX2" fmla="*/ 110442 w 136506"/>
+              <a:gd name="connsiteY2" fmla="*/ 335283 h 574845"/>
+              <a:gd name="connsiteX3" fmla="*/ 10737 w 136506"/>
+              <a:gd name="connsiteY3" fmla="*/ 574845 h 574845"/>
+              <a:gd name="connsiteX0" fmla="*/ 118306 w 118306"/>
+              <a:gd name="connsiteY0" fmla="*/ 0 h 574845"/>
+              <a:gd name="connsiteX1" fmla="*/ 1311 w 118306"/>
+              <a:gd name="connsiteY1" fmla="*/ 241265 h 574845"/>
+              <a:gd name="connsiteX2" fmla="*/ 110442 w 118306"/>
+              <a:gd name="connsiteY2" fmla="*/ 335283 h 574845"/>
+              <a:gd name="connsiteX3" fmla="*/ 10737 w 118306"/>
+              <a:gd name="connsiteY3" fmla="*/ 574845 h 574845"/>
+              <a:gd name="connsiteX0" fmla="*/ 118306 w 118306"/>
+              <a:gd name="connsiteY0" fmla="*/ 0 h 574845"/>
+              <a:gd name="connsiteX1" fmla="*/ 1311 w 118306"/>
+              <a:gd name="connsiteY1" fmla="*/ 241265 h 574845"/>
+              <a:gd name="connsiteX2" fmla="*/ 110442 w 118306"/>
+              <a:gd name="connsiteY2" fmla="*/ 335283 h 574845"/>
+              <a:gd name="connsiteX3" fmla="*/ 10737 w 118306"/>
+              <a:gd name="connsiteY3" fmla="*/ 574845 h 574845"/>
+              <a:gd name="connsiteX0" fmla="*/ 130022 w 130022"/>
+              <a:gd name="connsiteY0" fmla="*/ 0 h 660349"/>
+              <a:gd name="connsiteX1" fmla="*/ 13027 w 130022"/>
+              <a:gd name="connsiteY1" fmla="*/ 241265 h 660349"/>
+              <a:gd name="connsiteX2" fmla="*/ 122158 w 130022"/>
+              <a:gd name="connsiteY2" fmla="*/ 335283 h 660349"/>
+              <a:gd name="connsiteX3" fmla="*/ 0 w 130022"/>
+              <a:gd name="connsiteY3" fmla="*/ 660348 h 660349"/>
+            </a:gdLst>
+            <a:ahLst/>
+            <a:cxnLst>
+              <a:cxn ang="0">
+                <a:pos x="connsiteX0" y="connsiteY0"/>
+              </a:cxn>
+              <a:cxn ang="0">
+                <a:pos x="connsiteX1" y="connsiteY1"/>
+              </a:cxn>
+              <a:cxn ang="0">
+                <a:pos x="connsiteX2" y="connsiteY2"/>
+              </a:cxn>
+              <a:cxn ang="0">
+                <a:pos x="connsiteX3" y="connsiteY3"/>
+              </a:cxn>
+            </a:cxnLst>
+            <a:rect l="l" t="t" r="r" b="b"/>
+            <a:pathLst>
+              <a:path w="130022" h="660349">
+                <a:moveTo>
+                  <a:pt x="130022" y="0"/>
+                </a:moveTo>
+                <a:cubicBezTo>
+                  <a:pt x="57847" y="78992"/>
+                  <a:pt x="14338" y="185385"/>
+                  <a:pt x="13027" y="241265"/>
+                </a:cubicBezTo>
+                <a:cubicBezTo>
+                  <a:pt x="11716" y="297145"/>
+                  <a:pt x="124329" y="265436"/>
+                  <a:pt x="122158" y="335283"/>
+                </a:cubicBezTo>
+                <a:cubicBezTo>
+                  <a:pt x="119987" y="405130"/>
+                  <a:pt x="66831" y="507309"/>
+                  <a:pt x="0" y="660348"/>
+                </a:cubicBezTo>
+              </a:path>
+            </a:pathLst>
+          </a:custGeom>
+          <a:noFill/>
+          <a:ln w="6350">
+            <a:solidFill>
+              <a:schemeClr val="tx1"/>
+            </a:solidFill>
+            <a:prstDash val="sysDot"/>
+            <a:headEnd type="arrow" w="sm" len="sm"/>
+          </a:ln>
+        </p:spPr>
+        <p:style>
+          <a:lnRef idx="2">
+            <a:schemeClr val="accent1">
+              <a:shade val="50000"/>
+            </a:schemeClr>
+          </a:lnRef>
+          <a:fillRef idx="1">
+            <a:schemeClr val="accent1"/>
+          </a:fillRef>
+          <a:effectRef idx="0">
+            <a:schemeClr val="accent1"/>
+          </a:effectRef>
+          <a:fontRef idx="minor">
+            <a:schemeClr val="lt1"/>
+          </a:fontRef>
+        </p:style>
+        <p:txBody>
+          <a:bodyPr rtlCol="0" anchor="ctr"/>
+          <a:lstStyle/>
+          <a:p>
+            <a:pPr algn="ctr"/>
+            <a:endParaRPr lang="en-US"/>
+          </a:p>
+        </p:txBody>
+      </p:sp>
+      <p:sp>
+        <p:nvSpPr>
+          <p:cNvPr id="43" name="TextBox 42">
+            <a:extLst>
+              <a:ext uri="{FF2B5EF4-FFF2-40B4-BE49-F238E27FC236}">
+                <a16:creationId xmlns:a16="http://schemas.microsoft.com/office/drawing/2014/main" id="{BBC7F206-09ED-4662-8273-FE89FC6F5FF3}"/>
+              </a:ext>
+            </a:extLst>
+          </p:cNvPr>
+          <p:cNvSpPr txBox="1"/>
+          <p:nvPr/>
+        </p:nvSpPr>
+        <p:spPr>
+          <a:xfrm>
+            <a:off x="3440905" y="3091487"/>
+            <a:ext cx="110608" cy="215444"/>
+          </a:xfrm>
+          <a:prstGeom prst="rect">
+            <a:avLst/>
+          </a:prstGeom>
+          <a:noFill/>
+        </p:spPr>
+        <p:txBody>
+          <a:bodyPr wrap="none" lIns="0" rIns="0" rtlCol="0">
+            <a:spAutoFit/>
+          </a:bodyPr>
+          <a:lstStyle/>
+          <a:p>
+            <a:r>
+              <a:rPr lang="en-US" altLang="zh-CN" sz="800" dirty="0"/>
+              <a:t>B1</a:t>
+            </a:r>
+            <a:endParaRPr lang="zh-CN" altLang="en-US" sz="800" dirty="0"/>
+          </a:p>
+        </p:txBody>
+      </p:sp>
+      <p:sp>
+        <p:nvSpPr>
+          <p:cNvPr id="44" name="Freeform 72">
+            <a:extLst>
+              <a:ext uri="{FF2B5EF4-FFF2-40B4-BE49-F238E27FC236}">
+                <a16:creationId xmlns:a16="http://schemas.microsoft.com/office/drawing/2014/main" id="{EE5632D3-D4E0-4061-97BA-507A4DEC0D7D}"/>
+              </a:ext>
+            </a:extLst>
+          </p:cNvPr>
+          <p:cNvSpPr/>
+          <p:nvPr/>
+        </p:nvSpPr>
+        <p:spPr>
+          <a:xfrm rot="1460766">
+            <a:off x="2276247" y="2960733"/>
+            <a:ext cx="619634" cy="460482"/>
+          </a:xfrm>
+          <a:custGeom>
+            <a:avLst/>
+            <a:gdLst>
+              <a:gd name="connsiteX0" fmla="*/ 156390 w 156390"/>
+              <a:gd name="connsiteY0" fmla="*/ 0 h 567708"/>
+              <a:gd name="connsiteX1" fmla="*/ 378 w 156390"/>
+              <a:gd name="connsiteY1" fmla="*/ 177679 h 567708"/>
+              <a:gd name="connsiteX2" fmla="*/ 113053 w 156390"/>
+              <a:gd name="connsiteY2" fmla="*/ 407363 h 567708"/>
+              <a:gd name="connsiteX3" fmla="*/ 130388 w 156390"/>
+              <a:gd name="connsiteY3" fmla="*/ 567708 h 567708"/>
+              <a:gd name="connsiteX4" fmla="*/ 130388 w 156390"/>
+              <a:gd name="connsiteY4" fmla="*/ 567708 h 567708"/>
+              <a:gd name="connsiteX0" fmla="*/ 156390 w 157057"/>
+              <a:gd name="connsiteY0" fmla="*/ 0 h 567708"/>
+              <a:gd name="connsiteX1" fmla="*/ 378 w 157057"/>
+              <a:gd name="connsiteY1" fmla="*/ 177679 h 567708"/>
+              <a:gd name="connsiteX2" fmla="*/ 113053 w 157057"/>
+              <a:gd name="connsiteY2" fmla="*/ 407363 h 567708"/>
+              <a:gd name="connsiteX3" fmla="*/ 130388 w 157057"/>
+              <a:gd name="connsiteY3" fmla="*/ 567708 h 567708"/>
+              <a:gd name="connsiteX4" fmla="*/ 130388 w 157057"/>
+              <a:gd name="connsiteY4" fmla="*/ 567708 h 567708"/>
+              <a:gd name="connsiteX0" fmla="*/ 156390 w 168460"/>
+              <a:gd name="connsiteY0" fmla="*/ 0 h 567708"/>
+              <a:gd name="connsiteX1" fmla="*/ 378 w 168460"/>
+              <a:gd name="connsiteY1" fmla="*/ 177679 h 567708"/>
+              <a:gd name="connsiteX2" fmla="*/ 113053 w 168460"/>
+              <a:gd name="connsiteY2" fmla="*/ 407363 h 567708"/>
+              <a:gd name="connsiteX3" fmla="*/ 130388 w 168460"/>
+              <a:gd name="connsiteY3" fmla="*/ 567708 h 567708"/>
+              <a:gd name="connsiteX4" fmla="*/ 130388 w 168460"/>
+              <a:gd name="connsiteY4" fmla="*/ 567708 h 567708"/>
+              <a:gd name="connsiteX0" fmla="*/ 139118 w 152058"/>
+              <a:gd name="connsiteY0" fmla="*/ 0 h 567708"/>
+              <a:gd name="connsiteX1" fmla="*/ 441 w 152058"/>
+              <a:gd name="connsiteY1" fmla="*/ 234016 h 567708"/>
+              <a:gd name="connsiteX2" fmla="*/ 95781 w 152058"/>
+              <a:gd name="connsiteY2" fmla="*/ 407363 h 567708"/>
+              <a:gd name="connsiteX3" fmla="*/ 113116 w 152058"/>
+              <a:gd name="connsiteY3" fmla="*/ 567708 h 567708"/>
+              <a:gd name="connsiteX4" fmla="*/ 113116 w 152058"/>
+              <a:gd name="connsiteY4" fmla="*/ 567708 h 567708"/>
+              <a:gd name="connsiteX0" fmla="*/ 138981 w 197949"/>
+              <a:gd name="connsiteY0" fmla="*/ 0 h 567708"/>
+              <a:gd name="connsiteX1" fmla="*/ 304 w 197949"/>
+              <a:gd name="connsiteY1" fmla="*/ 234016 h 567708"/>
+              <a:gd name="connsiteX2" fmla="*/ 195318 w 197949"/>
+              <a:gd name="connsiteY2" fmla="*/ 312023 h 567708"/>
+              <a:gd name="connsiteX3" fmla="*/ 112979 w 197949"/>
+              <a:gd name="connsiteY3" fmla="*/ 567708 h 567708"/>
+              <a:gd name="connsiteX4" fmla="*/ 112979 w 197949"/>
+              <a:gd name="connsiteY4" fmla="*/ 567708 h 567708"/>
+              <a:gd name="connsiteX0" fmla="*/ 138964 w 197932"/>
+              <a:gd name="connsiteY0" fmla="*/ 0 h 567708"/>
+              <a:gd name="connsiteX1" fmla="*/ 287 w 197932"/>
+              <a:gd name="connsiteY1" fmla="*/ 234016 h 567708"/>
+              <a:gd name="connsiteX2" fmla="*/ 195301 w 197932"/>
+              <a:gd name="connsiteY2" fmla="*/ 312023 h 567708"/>
+              <a:gd name="connsiteX3" fmla="*/ 112962 w 197932"/>
+              <a:gd name="connsiteY3" fmla="*/ 567708 h 567708"/>
+              <a:gd name="connsiteX4" fmla="*/ 112962 w 197932"/>
+              <a:gd name="connsiteY4" fmla="*/ 567708 h 567708"/>
+              <a:gd name="connsiteX0" fmla="*/ 108671 w 166544"/>
+              <a:gd name="connsiteY0" fmla="*/ 0 h 567708"/>
+              <a:gd name="connsiteX1" fmla="*/ 330 w 166544"/>
+              <a:gd name="connsiteY1" fmla="*/ 303355 h 567708"/>
+              <a:gd name="connsiteX2" fmla="*/ 165008 w 166544"/>
+              <a:gd name="connsiteY2" fmla="*/ 312023 h 567708"/>
+              <a:gd name="connsiteX3" fmla="*/ 82669 w 166544"/>
+              <a:gd name="connsiteY3" fmla="*/ 567708 h 567708"/>
+              <a:gd name="connsiteX4" fmla="*/ 82669 w 166544"/>
+              <a:gd name="connsiteY4" fmla="*/ 567708 h 567708"/>
+              <a:gd name="connsiteX0" fmla="*/ 108831 w 179543"/>
+              <a:gd name="connsiteY0" fmla="*/ 0 h 567708"/>
+              <a:gd name="connsiteX1" fmla="*/ 490 w 179543"/>
+              <a:gd name="connsiteY1" fmla="*/ 303355 h 567708"/>
+              <a:gd name="connsiteX2" fmla="*/ 178169 w 179543"/>
+              <a:gd name="connsiteY2" fmla="*/ 403030 h 567708"/>
+              <a:gd name="connsiteX3" fmla="*/ 82829 w 179543"/>
+              <a:gd name="connsiteY3" fmla="*/ 567708 h 567708"/>
+              <a:gd name="connsiteX4" fmla="*/ 82829 w 179543"/>
+              <a:gd name="connsiteY4" fmla="*/ 567708 h 567708"/>
+              <a:gd name="connsiteX0" fmla="*/ 146275 w 387603"/>
+              <a:gd name="connsiteY0" fmla="*/ 0 h 567708"/>
+              <a:gd name="connsiteX1" fmla="*/ 37934 w 387603"/>
+              <a:gd name="connsiteY1" fmla="*/ 303355 h 567708"/>
+              <a:gd name="connsiteX2" fmla="*/ 373880 w 387603"/>
+              <a:gd name="connsiteY2" fmla="*/ 336933 h 567708"/>
+              <a:gd name="connsiteX3" fmla="*/ 120273 w 387603"/>
+              <a:gd name="connsiteY3" fmla="*/ 567708 h 567708"/>
+              <a:gd name="connsiteX4" fmla="*/ 120273 w 387603"/>
+              <a:gd name="connsiteY4" fmla="*/ 567708 h 567708"/>
+              <a:gd name="connsiteX0" fmla="*/ 111084 w 188367"/>
+              <a:gd name="connsiteY0" fmla="*/ 0 h 567708"/>
+              <a:gd name="connsiteX1" fmla="*/ 2743 w 188367"/>
+              <a:gd name="connsiteY1" fmla="*/ 303355 h 567708"/>
+              <a:gd name="connsiteX2" fmla="*/ 94624 w 188367"/>
+              <a:gd name="connsiteY2" fmla="*/ 336099 h 567708"/>
+              <a:gd name="connsiteX3" fmla="*/ 85082 w 188367"/>
+              <a:gd name="connsiteY3" fmla="*/ 567708 h 567708"/>
+              <a:gd name="connsiteX4" fmla="*/ 85082 w 188367"/>
+              <a:gd name="connsiteY4" fmla="*/ 567708 h 567708"/>
+              <a:gd name="connsiteX0" fmla="*/ 26002 w 103285"/>
+              <a:gd name="connsiteY0" fmla="*/ 0 h 567708"/>
+              <a:gd name="connsiteX1" fmla="*/ 9542 w 103285"/>
+              <a:gd name="connsiteY1" fmla="*/ 218890 h 567708"/>
+              <a:gd name="connsiteX2" fmla="*/ 9542 w 103285"/>
+              <a:gd name="connsiteY2" fmla="*/ 336099 h 567708"/>
+              <a:gd name="connsiteX3" fmla="*/ 0 w 103285"/>
+              <a:gd name="connsiteY3" fmla="*/ 567708 h 567708"/>
+              <a:gd name="connsiteX4" fmla="*/ 0 w 103285"/>
+              <a:gd name="connsiteY4" fmla="*/ 567708 h 567708"/>
+              <a:gd name="connsiteX0" fmla="*/ 26002 w 103285"/>
+              <a:gd name="connsiteY0" fmla="*/ 0 h 567708"/>
+              <a:gd name="connsiteX1" fmla="*/ 9542 w 103285"/>
+              <a:gd name="connsiteY1" fmla="*/ 218890 h 567708"/>
+              <a:gd name="connsiteX2" fmla="*/ 14894 w 103285"/>
+              <a:gd name="connsiteY2" fmla="*/ 275610 h 567708"/>
+              <a:gd name="connsiteX3" fmla="*/ 0 w 103285"/>
+              <a:gd name="connsiteY3" fmla="*/ 567708 h 567708"/>
+              <a:gd name="connsiteX4" fmla="*/ 0 w 103285"/>
+              <a:gd name="connsiteY4" fmla="*/ 567708 h 567708"/>
+              <a:gd name="connsiteX0" fmla="*/ 94323 w 171606"/>
+              <a:gd name="connsiteY0" fmla="*/ 0 h 567708"/>
+              <a:gd name="connsiteX1" fmla="*/ 1851 w 171606"/>
+              <a:gd name="connsiteY1" fmla="*/ 222884 h 567708"/>
+              <a:gd name="connsiteX2" fmla="*/ 83215 w 171606"/>
+              <a:gd name="connsiteY2" fmla="*/ 275610 h 567708"/>
+              <a:gd name="connsiteX3" fmla="*/ 68321 w 171606"/>
+              <a:gd name="connsiteY3" fmla="*/ 567708 h 567708"/>
+              <a:gd name="connsiteX4" fmla="*/ 68321 w 171606"/>
+              <a:gd name="connsiteY4" fmla="*/ 567708 h 567708"/>
+              <a:gd name="connsiteX0" fmla="*/ 179 w 108679"/>
+              <a:gd name="connsiteY0" fmla="*/ 0 h 514982"/>
+              <a:gd name="connsiteX1" fmla="*/ 16237 w 108679"/>
+              <a:gd name="connsiteY1" fmla="*/ 170158 h 514982"/>
+              <a:gd name="connsiteX2" fmla="*/ 97601 w 108679"/>
+              <a:gd name="connsiteY2" fmla="*/ 222884 h 514982"/>
+              <a:gd name="connsiteX3" fmla="*/ 82707 w 108679"/>
+              <a:gd name="connsiteY3" fmla="*/ 514982 h 514982"/>
+              <a:gd name="connsiteX4" fmla="*/ 82707 w 108679"/>
+              <a:gd name="connsiteY4" fmla="*/ 514982 h 514982"/>
+              <a:gd name="connsiteX0" fmla="*/ 179 w 108679"/>
+              <a:gd name="connsiteY0" fmla="*/ 0 h 514982"/>
+              <a:gd name="connsiteX1" fmla="*/ 16237 w 108679"/>
+              <a:gd name="connsiteY1" fmla="*/ 170158 h 514982"/>
+              <a:gd name="connsiteX2" fmla="*/ 97601 w 108679"/>
+              <a:gd name="connsiteY2" fmla="*/ 222884 h 514982"/>
+              <a:gd name="connsiteX3" fmla="*/ 82707 w 108679"/>
+              <a:gd name="connsiteY3" fmla="*/ 514982 h 514982"/>
+              <a:gd name="connsiteX4" fmla="*/ 82707 w 108679"/>
+              <a:gd name="connsiteY4" fmla="*/ 514982 h 514982"/>
+              <a:gd name="connsiteX0" fmla="*/ 179 w 108679"/>
+              <a:gd name="connsiteY0" fmla="*/ 0 h 514982"/>
+              <a:gd name="connsiteX1" fmla="*/ 16237 w 108679"/>
+              <a:gd name="connsiteY1" fmla="*/ 170158 h 514982"/>
+              <a:gd name="connsiteX2" fmla="*/ 97601 w 108679"/>
+              <a:gd name="connsiteY2" fmla="*/ 222884 h 514982"/>
+              <a:gd name="connsiteX3" fmla="*/ 82707 w 108679"/>
+              <a:gd name="connsiteY3" fmla="*/ 514982 h 514982"/>
+              <a:gd name="connsiteX4" fmla="*/ 82707 w 108679"/>
+              <a:gd name="connsiteY4" fmla="*/ 514982 h 514982"/>
+              <a:gd name="connsiteX0" fmla="*/ 179 w 108679"/>
+              <a:gd name="connsiteY0" fmla="*/ 0 h 514982"/>
+              <a:gd name="connsiteX1" fmla="*/ 16237 w 108679"/>
+              <a:gd name="connsiteY1" fmla="*/ 170158 h 514982"/>
+              <a:gd name="connsiteX2" fmla="*/ 97601 w 108679"/>
+              <a:gd name="connsiteY2" fmla="*/ 222884 h 514982"/>
+              <a:gd name="connsiteX3" fmla="*/ 82707 w 108679"/>
+              <a:gd name="connsiteY3" fmla="*/ 514982 h 514982"/>
+              <a:gd name="connsiteX4" fmla="*/ 82707 w 108679"/>
+              <a:gd name="connsiteY4" fmla="*/ 514982 h 514982"/>
+              <a:gd name="connsiteX0" fmla="*/ 179 w 108679"/>
+              <a:gd name="connsiteY0" fmla="*/ 0 h 514982"/>
+              <a:gd name="connsiteX1" fmla="*/ 16237 w 108679"/>
+              <a:gd name="connsiteY1" fmla="*/ 170158 h 514982"/>
+              <a:gd name="connsiteX2" fmla="*/ 97601 w 108679"/>
+              <a:gd name="connsiteY2" fmla="*/ 222884 h 514982"/>
+              <a:gd name="connsiteX3" fmla="*/ 82707 w 108679"/>
+              <a:gd name="connsiteY3" fmla="*/ 514982 h 514982"/>
+              <a:gd name="connsiteX4" fmla="*/ 82707 w 108679"/>
+              <a:gd name="connsiteY4" fmla="*/ 514982 h 514982"/>
+              <a:gd name="connsiteX0" fmla="*/ 0 w 82528"/>
+              <a:gd name="connsiteY0" fmla="*/ 0 h 514982"/>
+              <a:gd name="connsiteX1" fmla="*/ 16058 w 82528"/>
+              <a:gd name="connsiteY1" fmla="*/ 170158 h 514982"/>
+              <a:gd name="connsiteX2" fmla="*/ 53362 w 82528"/>
+              <a:gd name="connsiteY2" fmla="*/ 225190 h 514982"/>
+              <a:gd name="connsiteX3" fmla="*/ 82528 w 82528"/>
+              <a:gd name="connsiteY3" fmla="*/ 514982 h 514982"/>
+              <a:gd name="connsiteX4" fmla="*/ 82528 w 82528"/>
+              <a:gd name="connsiteY4" fmla="*/ 514982 h 514982"/>
+              <a:gd name="connsiteX0" fmla="*/ 36896 w 119424"/>
+              <a:gd name="connsiteY0" fmla="*/ 0 h 514982"/>
+              <a:gd name="connsiteX1" fmla="*/ 8894 w 119424"/>
+              <a:gd name="connsiteY1" fmla="*/ 172463 h 514982"/>
+              <a:gd name="connsiteX2" fmla="*/ 90258 w 119424"/>
+              <a:gd name="connsiteY2" fmla="*/ 225190 h 514982"/>
+              <a:gd name="connsiteX3" fmla="*/ 119424 w 119424"/>
+              <a:gd name="connsiteY3" fmla="*/ 514982 h 514982"/>
+              <a:gd name="connsiteX4" fmla="*/ 119424 w 119424"/>
+              <a:gd name="connsiteY4" fmla="*/ 514982 h 514982"/>
+              <a:gd name="connsiteX0" fmla="*/ 36896 w 119424"/>
+              <a:gd name="connsiteY0" fmla="*/ 0 h 514982"/>
+              <a:gd name="connsiteX1" fmla="*/ 8894 w 119424"/>
+              <a:gd name="connsiteY1" fmla="*/ 172463 h 514982"/>
+              <a:gd name="connsiteX2" fmla="*/ 90258 w 119424"/>
+              <a:gd name="connsiteY2" fmla="*/ 225190 h 514982"/>
+              <a:gd name="connsiteX3" fmla="*/ 119424 w 119424"/>
+              <a:gd name="connsiteY3" fmla="*/ 514982 h 514982"/>
+              <a:gd name="connsiteX4" fmla="*/ 119424 w 119424"/>
+              <a:gd name="connsiteY4" fmla="*/ 514982 h 514982"/>
+              <a:gd name="connsiteX0" fmla="*/ 36896 w 119424"/>
+              <a:gd name="connsiteY0" fmla="*/ 0 h 514982"/>
+              <a:gd name="connsiteX1" fmla="*/ 8894 w 119424"/>
+              <a:gd name="connsiteY1" fmla="*/ 172463 h 514982"/>
+              <a:gd name="connsiteX2" fmla="*/ 90258 w 119424"/>
+              <a:gd name="connsiteY2" fmla="*/ 225190 h 514982"/>
+              <a:gd name="connsiteX3" fmla="*/ 119424 w 119424"/>
+              <a:gd name="connsiteY3" fmla="*/ 514982 h 514982"/>
+              <a:gd name="connsiteX4" fmla="*/ 119089 w 119424"/>
+              <a:gd name="connsiteY4" fmla="*/ 511436 h 514982"/>
+              <a:gd name="connsiteX0" fmla="*/ 125889 w 212505"/>
+              <a:gd name="connsiteY0" fmla="*/ 0 h 514982"/>
+              <a:gd name="connsiteX1" fmla="*/ 8894 w 212505"/>
+              <a:gd name="connsiteY1" fmla="*/ 241265 h 514982"/>
+              <a:gd name="connsiteX2" fmla="*/ 179251 w 212505"/>
+              <a:gd name="connsiteY2" fmla="*/ 225190 h 514982"/>
+              <a:gd name="connsiteX3" fmla="*/ 208417 w 212505"/>
+              <a:gd name="connsiteY3" fmla="*/ 514982 h 514982"/>
+              <a:gd name="connsiteX4" fmla="*/ 208082 w 212505"/>
+              <a:gd name="connsiteY4" fmla="*/ 511436 h 514982"/>
+              <a:gd name="connsiteX0" fmla="*/ 118306 w 200834"/>
+              <a:gd name="connsiteY0" fmla="*/ 0 h 514982"/>
+              <a:gd name="connsiteX1" fmla="*/ 1311 w 200834"/>
+              <a:gd name="connsiteY1" fmla="*/ 241265 h 514982"/>
+              <a:gd name="connsiteX2" fmla="*/ 110442 w 200834"/>
+              <a:gd name="connsiteY2" fmla="*/ 335283 h 514982"/>
+              <a:gd name="connsiteX3" fmla="*/ 200834 w 200834"/>
+              <a:gd name="connsiteY3" fmla="*/ 514982 h 514982"/>
+              <a:gd name="connsiteX4" fmla="*/ 200499 w 200834"/>
+              <a:gd name="connsiteY4" fmla="*/ 511436 h 514982"/>
+              <a:gd name="connsiteX0" fmla="*/ 118306 w 200834"/>
+              <a:gd name="connsiteY0" fmla="*/ 0 h 665501"/>
+              <a:gd name="connsiteX1" fmla="*/ 1311 w 200834"/>
+              <a:gd name="connsiteY1" fmla="*/ 241265 h 665501"/>
+              <a:gd name="connsiteX2" fmla="*/ 110442 w 200834"/>
+              <a:gd name="connsiteY2" fmla="*/ 335283 h 665501"/>
+              <a:gd name="connsiteX3" fmla="*/ 200834 w 200834"/>
+              <a:gd name="connsiteY3" fmla="*/ 514982 h 665501"/>
+              <a:gd name="connsiteX4" fmla="*/ 138538 w 200834"/>
+              <a:gd name="connsiteY4" fmla="*/ 664319 h 665501"/>
+              <a:gd name="connsiteX0" fmla="*/ 118306 w 200834"/>
+              <a:gd name="connsiteY0" fmla="*/ 0 h 576027"/>
+              <a:gd name="connsiteX1" fmla="*/ 1311 w 200834"/>
+              <a:gd name="connsiteY1" fmla="*/ 241265 h 576027"/>
+              <a:gd name="connsiteX2" fmla="*/ 110442 w 200834"/>
+              <a:gd name="connsiteY2" fmla="*/ 335283 h 576027"/>
+              <a:gd name="connsiteX3" fmla="*/ 200834 w 200834"/>
+              <a:gd name="connsiteY3" fmla="*/ 514982 h 576027"/>
+              <a:gd name="connsiteX4" fmla="*/ 10737 w 200834"/>
+              <a:gd name="connsiteY4" fmla="*/ 574845 h 576027"/>
+              <a:gd name="connsiteX0" fmla="*/ 118306 w 136506"/>
+              <a:gd name="connsiteY0" fmla="*/ 0 h 574845"/>
+              <a:gd name="connsiteX1" fmla="*/ 1311 w 136506"/>
+              <a:gd name="connsiteY1" fmla="*/ 241265 h 574845"/>
+              <a:gd name="connsiteX2" fmla="*/ 110442 w 136506"/>
+              <a:gd name="connsiteY2" fmla="*/ 335283 h 574845"/>
+              <a:gd name="connsiteX3" fmla="*/ 10737 w 136506"/>
+              <a:gd name="connsiteY3" fmla="*/ 574845 h 574845"/>
+              <a:gd name="connsiteX0" fmla="*/ 118306 w 136506"/>
+              <a:gd name="connsiteY0" fmla="*/ 0 h 574845"/>
+              <a:gd name="connsiteX1" fmla="*/ 1311 w 136506"/>
+              <a:gd name="connsiteY1" fmla="*/ 241265 h 574845"/>
+              <a:gd name="connsiteX2" fmla="*/ 110442 w 136506"/>
+              <a:gd name="connsiteY2" fmla="*/ 335283 h 574845"/>
+              <a:gd name="connsiteX3" fmla="*/ 10737 w 136506"/>
+              <a:gd name="connsiteY3" fmla="*/ 574845 h 574845"/>
+              <a:gd name="connsiteX0" fmla="*/ 118306 w 118306"/>
+              <a:gd name="connsiteY0" fmla="*/ 0 h 574845"/>
+              <a:gd name="connsiteX1" fmla="*/ 1311 w 118306"/>
+              <a:gd name="connsiteY1" fmla="*/ 241265 h 574845"/>
+              <a:gd name="connsiteX2" fmla="*/ 110442 w 118306"/>
+              <a:gd name="connsiteY2" fmla="*/ 335283 h 574845"/>
+              <a:gd name="connsiteX3" fmla="*/ 10737 w 118306"/>
+              <a:gd name="connsiteY3" fmla="*/ 574845 h 574845"/>
+              <a:gd name="connsiteX0" fmla="*/ 146881 w 146881"/>
+              <a:gd name="connsiteY0" fmla="*/ 0 h 574845"/>
+              <a:gd name="connsiteX1" fmla="*/ 1311 w 146881"/>
+              <a:gd name="connsiteY1" fmla="*/ 177298 h 574845"/>
+              <a:gd name="connsiteX2" fmla="*/ 139017 w 146881"/>
+              <a:gd name="connsiteY2" fmla="*/ 335283 h 574845"/>
+              <a:gd name="connsiteX3" fmla="*/ 39312 w 146881"/>
+              <a:gd name="connsiteY3" fmla="*/ 574845 h 574845"/>
+              <a:gd name="connsiteX0" fmla="*/ 179005 w 179005"/>
+              <a:gd name="connsiteY0" fmla="*/ 0 h 560630"/>
+              <a:gd name="connsiteX1" fmla="*/ 33435 w 179005"/>
+              <a:gd name="connsiteY1" fmla="*/ 177298 h 560630"/>
+              <a:gd name="connsiteX2" fmla="*/ 171141 w 179005"/>
+              <a:gd name="connsiteY2" fmla="*/ 335283 h 560630"/>
+              <a:gd name="connsiteX3" fmla="*/ 0 w 179005"/>
+              <a:gd name="connsiteY3" fmla="*/ 560630 h 560630"/>
+              <a:gd name="connsiteX0" fmla="*/ 179005 w 183103"/>
+              <a:gd name="connsiteY0" fmla="*/ 0 h 560630"/>
+              <a:gd name="connsiteX1" fmla="*/ 71773 w 183103"/>
+              <a:gd name="connsiteY1" fmla="*/ 174659 h 560630"/>
+              <a:gd name="connsiteX2" fmla="*/ 171141 w 183103"/>
+              <a:gd name="connsiteY2" fmla="*/ 335283 h 560630"/>
+              <a:gd name="connsiteX3" fmla="*/ 0 w 183103"/>
+              <a:gd name="connsiteY3" fmla="*/ 560630 h 560630"/>
+              <a:gd name="connsiteX0" fmla="*/ 179005 w 179005"/>
+              <a:gd name="connsiteY0" fmla="*/ 0 h 560630"/>
+              <a:gd name="connsiteX1" fmla="*/ 71773 w 179005"/>
+              <a:gd name="connsiteY1" fmla="*/ 174659 h 560630"/>
+              <a:gd name="connsiteX2" fmla="*/ 76357 w 179005"/>
+              <a:gd name="connsiteY2" fmla="*/ 374723 h 560630"/>
+              <a:gd name="connsiteX3" fmla="*/ 0 w 179005"/>
+              <a:gd name="connsiteY3" fmla="*/ 560630 h 560630"/>
+              <a:gd name="connsiteX0" fmla="*/ 179005 w 179005"/>
+              <a:gd name="connsiteY0" fmla="*/ 0 h 560630"/>
+              <a:gd name="connsiteX1" fmla="*/ 71773 w 179005"/>
+              <a:gd name="connsiteY1" fmla="*/ 174659 h 560630"/>
+              <a:gd name="connsiteX2" fmla="*/ 76357 w 179005"/>
+              <a:gd name="connsiteY2" fmla="*/ 374723 h 560630"/>
+              <a:gd name="connsiteX3" fmla="*/ 0 w 179005"/>
+              <a:gd name="connsiteY3" fmla="*/ 560630 h 560630"/>
+              <a:gd name="connsiteX0" fmla="*/ 179005 w 179005"/>
+              <a:gd name="connsiteY0" fmla="*/ 0 h 560630"/>
+              <a:gd name="connsiteX1" fmla="*/ 71773 w 179005"/>
+              <a:gd name="connsiteY1" fmla="*/ 174659 h 560630"/>
+              <a:gd name="connsiteX2" fmla="*/ 76357 w 179005"/>
+              <a:gd name="connsiteY2" fmla="*/ 374723 h 560630"/>
+              <a:gd name="connsiteX3" fmla="*/ 0 w 179005"/>
+              <a:gd name="connsiteY3" fmla="*/ 560630 h 560630"/>
+              <a:gd name="connsiteX0" fmla="*/ 179005 w 179005"/>
+              <a:gd name="connsiteY0" fmla="*/ 0 h 560630"/>
+              <a:gd name="connsiteX1" fmla="*/ 71773 w 179005"/>
+              <a:gd name="connsiteY1" fmla="*/ 174659 h 560630"/>
+              <a:gd name="connsiteX2" fmla="*/ 76357 w 179005"/>
+              <a:gd name="connsiteY2" fmla="*/ 374723 h 560630"/>
+              <a:gd name="connsiteX3" fmla="*/ 0 w 179005"/>
+              <a:gd name="connsiteY3" fmla="*/ 560630 h 560630"/>
+              <a:gd name="connsiteX0" fmla="*/ 179005 w 179005"/>
+              <a:gd name="connsiteY0" fmla="*/ 0 h 560630"/>
+              <a:gd name="connsiteX1" fmla="*/ 71773 w 179005"/>
+              <a:gd name="connsiteY1" fmla="*/ 174659 h 560630"/>
+              <a:gd name="connsiteX2" fmla="*/ 76357 w 179005"/>
+              <a:gd name="connsiteY2" fmla="*/ 374723 h 560630"/>
+              <a:gd name="connsiteX3" fmla="*/ 0 w 179005"/>
+              <a:gd name="connsiteY3" fmla="*/ 560630 h 560630"/>
+              <a:gd name="connsiteX0" fmla="*/ 179005 w 179005"/>
+              <a:gd name="connsiteY0" fmla="*/ 0 h 560630"/>
+              <a:gd name="connsiteX1" fmla="*/ 71773 w 179005"/>
+              <a:gd name="connsiteY1" fmla="*/ 174659 h 560630"/>
+              <a:gd name="connsiteX2" fmla="*/ 76357 w 179005"/>
+              <a:gd name="connsiteY2" fmla="*/ 374723 h 560630"/>
+              <a:gd name="connsiteX3" fmla="*/ 0 w 179005"/>
+              <a:gd name="connsiteY3" fmla="*/ 560630 h 560630"/>
+              <a:gd name="connsiteX0" fmla="*/ 179005 w 179005"/>
+              <a:gd name="connsiteY0" fmla="*/ 0 h 560630"/>
+              <a:gd name="connsiteX1" fmla="*/ 71773 w 179005"/>
+              <a:gd name="connsiteY1" fmla="*/ 174659 h 560630"/>
+              <a:gd name="connsiteX2" fmla="*/ 76357 w 179005"/>
+              <a:gd name="connsiteY2" fmla="*/ 374723 h 560630"/>
+              <a:gd name="connsiteX3" fmla="*/ 0 w 179005"/>
+              <a:gd name="connsiteY3" fmla="*/ 560630 h 560630"/>
+              <a:gd name="connsiteX0" fmla="*/ 179005 w 179005"/>
+              <a:gd name="connsiteY0" fmla="*/ 0 h 560630"/>
+              <a:gd name="connsiteX1" fmla="*/ 71773 w 179005"/>
+              <a:gd name="connsiteY1" fmla="*/ 174659 h 560630"/>
+              <a:gd name="connsiteX2" fmla="*/ 0 w 179005"/>
+              <a:gd name="connsiteY2" fmla="*/ 560630 h 560630"/>
+              <a:gd name="connsiteX0" fmla="*/ 209663 w 209663"/>
+              <a:gd name="connsiteY0" fmla="*/ 0 h 529627"/>
+              <a:gd name="connsiteX1" fmla="*/ 102431 w 209663"/>
+              <a:gd name="connsiteY1" fmla="*/ 174659 h 529627"/>
+              <a:gd name="connsiteX2" fmla="*/ 0 w 209663"/>
+              <a:gd name="connsiteY2" fmla="*/ 529627 h 529627"/>
+              <a:gd name="connsiteX0" fmla="*/ 209663 w 209663"/>
+              <a:gd name="connsiteY0" fmla="*/ 0 h 529627"/>
+              <a:gd name="connsiteX1" fmla="*/ 92154 w 209663"/>
+              <a:gd name="connsiteY1" fmla="*/ 190467 h 529627"/>
+              <a:gd name="connsiteX2" fmla="*/ 0 w 209663"/>
+              <a:gd name="connsiteY2" fmla="*/ 529627 h 529627"/>
+            </a:gdLst>
+            <a:ahLst/>
+            <a:cxnLst>
+              <a:cxn ang="0">
+                <a:pos x="connsiteX0" y="connsiteY0"/>
+              </a:cxn>
+              <a:cxn ang="0">
+                <a:pos x="connsiteX1" y="connsiteY1"/>
+              </a:cxn>
+              <a:cxn ang="0">
+                <a:pos x="connsiteX2" y="connsiteY2"/>
+              </a:cxn>
+            </a:cxnLst>
+            <a:rect l="l" t="t" r="r" b="b"/>
+            <a:pathLst>
+              <a:path w="209663" h="529627">
+                <a:moveTo>
+                  <a:pt x="209663" y="0"/>
+                </a:moveTo>
+                <a:cubicBezTo>
+                  <a:pt x="137375" y="67603"/>
+                  <a:pt x="127098" y="102196"/>
+                  <a:pt x="92154" y="190467"/>
+                </a:cubicBezTo>
+                <a:cubicBezTo>
+                  <a:pt x="57210" y="278738"/>
+                  <a:pt x="14953" y="449217"/>
+                  <a:pt x="0" y="529627"/>
+                </a:cubicBezTo>
+              </a:path>
+            </a:pathLst>
+          </a:custGeom>
+          <a:noFill/>
+          <a:ln w="6350">
+            <a:solidFill>
+              <a:schemeClr val="tx1"/>
+            </a:solidFill>
+            <a:prstDash val="sysDot"/>
+            <a:headEnd type="arrow" w="sm" len="sm"/>
+          </a:ln>
+        </p:spPr>
+        <p:style>
+          <a:lnRef idx="2">
+            <a:schemeClr val="accent1">
+              <a:shade val="50000"/>
+            </a:schemeClr>
+          </a:lnRef>
+          <a:fillRef idx="1">
+            <a:schemeClr val="accent1"/>
+          </a:fillRef>
+          <a:effectRef idx="0">
+            <a:schemeClr val="accent1"/>
+          </a:effectRef>
+          <a:fontRef idx="minor">
+            <a:schemeClr val="lt1"/>
+          </a:fontRef>
+        </p:style>
+        <p:txBody>
+          <a:bodyPr rtlCol="0" anchor="ctr"/>
+          <a:lstStyle/>
+          <a:p>
+            <a:pPr algn="ctr"/>
+            <a:endParaRPr lang="en-US"/>
+          </a:p>
+        </p:txBody>
+      </p:sp>
+    </p:spTree>
+    <p:extLst>
+      <p:ext uri="{BB962C8B-B14F-4D97-AF65-F5344CB8AC3E}">
+        <p14:creationId xmlns:p14="http://schemas.microsoft.com/office/powerpoint/2010/main" val="1594356318"/>
       </p:ext>
     </p:extLst>
   </p:cSld>
@@ -6131,8 +10600,8 @@
           </a:p>
         </p:txBody>
       </p:sp>
-      <mc:AlternateContent xmlns:mc="http://schemas.openxmlformats.org/markup-compatibility/2006">
-        <mc:Choice xmlns:a14="http://schemas.microsoft.com/office/drawing/2010/main" Requires="a14">
+      <mc:AlternateContent xmlns:mc="http://schemas.openxmlformats.org/markup-compatibility/2006" xmlns:a14="http://schemas.microsoft.com/office/drawing/2010/main">
+        <mc:Choice Requires="a14">
           <p:sp>
             <p:nvSpPr>
               <p:cNvPr id="23" name="TextBox 22">
@@ -6191,7 +10660,7 @@
             </p:txBody>
           </p:sp>
         </mc:Choice>
-        <mc:Fallback>
+        <mc:Fallback xmlns="">
           <p:sp>
             <p:nvSpPr>
               <p:cNvPr id="23" name="TextBox 22">
@@ -7955,8 +12424,8 @@
           </a:fontRef>
         </p:style>
       </p:cxnSp>
-      <mc:AlternateContent xmlns:mc="http://schemas.openxmlformats.org/markup-compatibility/2006">
-        <mc:Choice xmlns:a14="http://schemas.microsoft.com/office/drawing/2010/main" Requires="a14">
+      <mc:AlternateContent xmlns:mc="http://schemas.openxmlformats.org/markup-compatibility/2006" xmlns:a14="http://schemas.microsoft.com/office/drawing/2010/main">
+        <mc:Choice Requires="a14">
           <p:sp>
             <p:nvSpPr>
               <p:cNvPr id="41" name="TextBox 40">
@@ -7985,7 +12454,6 @@
               </a:bodyPr>
               <a:lstStyle/>
               <a:p>
-                <a:pPr/>
                 <a14:m>
                   <m:oMath xmlns:m="http://schemas.openxmlformats.org/officeDocument/2006/math">
                     <m:r>
@@ -8014,7 +12482,7 @@
             </p:txBody>
           </p:sp>
         </mc:Choice>
-        <mc:Fallback>
+        <mc:Fallback xmlns="">
           <p:sp>
             <p:nvSpPr>
               <p:cNvPr id="41" name="TextBox 40">
@@ -9529,6 +13997,5170 @@
     <p:extLst>
       <p:ext uri="{BB962C8B-B14F-4D97-AF65-F5344CB8AC3E}">
         <p14:creationId xmlns:p14="http://schemas.microsoft.com/office/powerpoint/2010/main" val="4256783562"/>
+      </p:ext>
+    </p:extLst>
+  </p:cSld>
+  <p:clrMapOvr>
+    <a:masterClrMapping/>
+  </p:clrMapOvr>
+</p:sld>
+</file>
+
+<file path=ppt/slides/slide5.xml><?xml version="1.0" encoding="utf-8"?>
+<p:sld xmlns:a="http://schemas.openxmlformats.org/drawingml/2006/main" xmlns:r="http://schemas.openxmlformats.org/officeDocument/2006/relationships" xmlns:p="http://schemas.openxmlformats.org/presentationml/2006/main">
+  <p:cSld>
+    <p:spTree>
+      <p:nvGrpSpPr>
+        <p:cNvPr id="1" name=""/>
+        <p:cNvGrpSpPr/>
+        <p:nvPr/>
+      </p:nvGrpSpPr>
+      <p:grpSpPr>
+        <a:xfrm>
+          <a:off x="0" y="0"/>
+          <a:ext cx="0" cy="0"/>
+          <a:chOff x="0" y="0"/>
+          <a:chExt cx="0" cy="0"/>
+        </a:xfrm>
+      </p:grpSpPr>
+      <p:sp>
+        <p:nvSpPr>
+          <p:cNvPr id="2" name="Rectangle 1">
+            <a:extLst>
+              <a:ext uri="{FF2B5EF4-FFF2-40B4-BE49-F238E27FC236}">
+                <a16:creationId xmlns:a16="http://schemas.microsoft.com/office/drawing/2014/main" id="{B18639E8-DD2C-4D3D-BF9B-2A86FB676CD3}"/>
+              </a:ext>
+            </a:extLst>
+          </p:cNvPr>
+          <p:cNvSpPr/>
+          <p:nvPr/>
+        </p:nvSpPr>
+        <p:spPr>
+          <a:xfrm>
+            <a:off x="1219200" y="1981200"/>
+            <a:ext cx="4267200" cy="2597325"/>
+          </a:xfrm>
+          <a:prstGeom prst="rect">
+            <a:avLst/>
+          </a:prstGeom>
+          <a:noFill/>
+          <a:ln w="9525">
+            <a:prstDash val="sysDash"/>
+          </a:ln>
+        </p:spPr>
+        <p:style>
+          <a:lnRef idx="2">
+            <a:schemeClr val="accent1">
+              <a:shade val="50000"/>
+            </a:schemeClr>
+          </a:lnRef>
+          <a:fillRef idx="1">
+            <a:schemeClr val="accent1"/>
+          </a:fillRef>
+          <a:effectRef idx="0">
+            <a:schemeClr val="accent1"/>
+          </a:effectRef>
+          <a:fontRef idx="minor">
+            <a:schemeClr val="lt1"/>
+          </a:fontRef>
+        </p:style>
+        <p:txBody>
+          <a:bodyPr rtlCol="0" anchor="ctr"/>
+          <a:lstStyle/>
+          <a:p>
+            <a:pPr algn="ctr"/>
+            <a:endParaRPr lang="en-US" sz="800"/>
+          </a:p>
+        </p:txBody>
+      </p:sp>
+      <p:sp>
+        <p:nvSpPr>
+          <p:cNvPr id="3" name="TextBox 2">
+            <a:extLst>
+              <a:ext uri="{FF2B5EF4-FFF2-40B4-BE49-F238E27FC236}">
+                <a16:creationId xmlns:a16="http://schemas.microsoft.com/office/drawing/2014/main" id="{4ED7A875-51B3-4FFB-95AC-6BA7F766C04F}"/>
+              </a:ext>
+            </a:extLst>
+          </p:cNvPr>
+          <p:cNvSpPr txBox="1"/>
+          <p:nvPr/>
+        </p:nvSpPr>
+        <p:spPr>
+          <a:xfrm>
+            <a:off x="2976191" y="4724400"/>
+            <a:ext cx="2125158" cy="338554"/>
+          </a:xfrm>
+          <a:prstGeom prst="rect">
+            <a:avLst/>
+          </a:prstGeom>
+          <a:noFill/>
+          <a:ln>
+            <a:noFill/>
+          </a:ln>
+        </p:spPr>
+        <p:txBody>
+          <a:bodyPr wrap="square" lIns="0" rIns="0" rtlCol="0">
+            <a:spAutoFit/>
+          </a:bodyPr>
+          <a:lstStyle/>
+          <a:p>
+            <a:r>
+              <a:rPr lang="en-US" altLang="zh-TW" sz="1600" dirty="0"/>
+              <a:t>Figure 9-7</a:t>
+            </a:r>
+          </a:p>
+        </p:txBody>
+      </p:sp>
+      <p:cxnSp>
+        <p:nvCxnSpPr>
+          <p:cNvPr id="4" name="直接箭头连接符 3">
+            <a:extLst>
+              <a:ext uri="{FF2B5EF4-FFF2-40B4-BE49-F238E27FC236}">
+                <a16:creationId xmlns:a16="http://schemas.microsoft.com/office/drawing/2014/main" id="{B8A6F595-6BD7-4766-BA36-EA0B8A09539D}"/>
+              </a:ext>
+            </a:extLst>
+          </p:cNvPr>
+          <p:cNvCxnSpPr/>
+          <p:nvPr/>
+        </p:nvCxnSpPr>
+        <p:spPr>
+          <a:xfrm>
+            <a:off x="2438400" y="3626662"/>
+            <a:ext cx="2057400" cy="0"/>
+          </a:xfrm>
+          <a:prstGeom prst="straightConnector1">
+            <a:avLst/>
+          </a:prstGeom>
+          <a:ln w="6350" cap="flat">
+            <a:solidFill>
+              <a:schemeClr val="tx1"/>
+            </a:solidFill>
+            <a:tailEnd type="triangle" w="sm" len="sm"/>
+          </a:ln>
+        </p:spPr>
+        <p:style>
+          <a:lnRef idx="1">
+            <a:schemeClr val="accent1"/>
+          </a:lnRef>
+          <a:fillRef idx="0">
+            <a:schemeClr val="accent1"/>
+          </a:fillRef>
+          <a:effectRef idx="0">
+            <a:schemeClr val="accent1"/>
+          </a:effectRef>
+          <a:fontRef idx="minor">
+            <a:schemeClr val="tx1"/>
+          </a:fontRef>
+        </p:style>
+      </p:cxnSp>
+      <p:cxnSp>
+        <p:nvCxnSpPr>
+          <p:cNvPr id="5" name="直接箭头连接符 22">
+            <a:extLst>
+              <a:ext uri="{FF2B5EF4-FFF2-40B4-BE49-F238E27FC236}">
+                <a16:creationId xmlns:a16="http://schemas.microsoft.com/office/drawing/2014/main" id="{2B2D6552-CDB2-482B-B39B-C97F08C1EDA9}"/>
+              </a:ext>
+            </a:extLst>
+          </p:cNvPr>
+          <p:cNvCxnSpPr/>
+          <p:nvPr/>
+        </p:nvCxnSpPr>
+        <p:spPr>
+          <a:xfrm flipV="1">
+            <a:off x="2440781" y="2710657"/>
+            <a:ext cx="0" cy="914400"/>
+          </a:xfrm>
+          <a:prstGeom prst="straightConnector1">
+            <a:avLst/>
+          </a:prstGeom>
+          <a:ln w="6350" cap="flat">
+            <a:solidFill>
+              <a:schemeClr val="tx1"/>
+            </a:solidFill>
+            <a:tailEnd type="triangle" w="sm" len="sm"/>
+          </a:ln>
+        </p:spPr>
+        <p:style>
+          <a:lnRef idx="1">
+            <a:schemeClr val="accent1"/>
+          </a:lnRef>
+          <a:fillRef idx="0">
+            <a:schemeClr val="accent1"/>
+          </a:fillRef>
+          <a:effectRef idx="0">
+            <a:schemeClr val="accent1"/>
+          </a:effectRef>
+          <a:fontRef idx="minor">
+            <a:schemeClr val="tx1"/>
+          </a:fontRef>
+        </p:style>
+      </p:cxnSp>
+      <p:sp>
+        <p:nvSpPr>
+          <p:cNvPr id="6" name="矩形 7">
+            <a:extLst>
+              <a:ext uri="{FF2B5EF4-FFF2-40B4-BE49-F238E27FC236}">
+                <a16:creationId xmlns:a16="http://schemas.microsoft.com/office/drawing/2014/main" id="{D04EB78F-7B31-447C-925D-2D27AA6FC495}"/>
+              </a:ext>
+            </a:extLst>
+          </p:cNvPr>
+          <p:cNvSpPr>
+            <a:spLocks noChangeAspect="1"/>
+          </p:cNvSpPr>
+          <p:nvPr/>
+        </p:nvSpPr>
+        <p:spPr>
+          <a:xfrm>
+            <a:off x="2819400" y="3048000"/>
+            <a:ext cx="411480" cy="411480"/>
+          </a:xfrm>
+          <a:prstGeom prst="rect">
+            <a:avLst/>
+          </a:prstGeom>
+          <a:noFill/>
+          <a:ln w="12700">
+            <a:solidFill>
+              <a:schemeClr val="tx1"/>
+            </a:solidFill>
+          </a:ln>
+        </p:spPr>
+        <p:style>
+          <a:lnRef idx="2">
+            <a:schemeClr val="accent1">
+              <a:shade val="50000"/>
+            </a:schemeClr>
+          </a:lnRef>
+          <a:fillRef idx="1">
+            <a:schemeClr val="accent1"/>
+          </a:fillRef>
+          <a:effectRef idx="0">
+            <a:schemeClr val="accent1"/>
+          </a:effectRef>
+          <a:fontRef idx="minor">
+            <a:schemeClr val="lt1"/>
+          </a:fontRef>
+        </p:style>
+        <p:txBody>
+          <a:bodyPr rtlCol="0" anchor="ctr"/>
+          <a:lstStyle/>
+          <a:p>
+            <a:pPr algn="ctr"/>
+            <a:endParaRPr lang="zh-CN" altLang="en-US" dirty="0"/>
+          </a:p>
+        </p:txBody>
+      </p:sp>
+      <p:sp>
+        <p:nvSpPr>
+          <p:cNvPr id="7" name="矩形 28">
+            <a:extLst>
+              <a:ext uri="{FF2B5EF4-FFF2-40B4-BE49-F238E27FC236}">
+                <a16:creationId xmlns:a16="http://schemas.microsoft.com/office/drawing/2014/main" id="{552049B9-DE69-4252-B89F-4BFE54E9E826}"/>
+              </a:ext>
+            </a:extLst>
+          </p:cNvPr>
+          <p:cNvSpPr>
+            <a:spLocks/>
+          </p:cNvSpPr>
+          <p:nvPr/>
+        </p:nvSpPr>
+        <p:spPr>
+          <a:xfrm>
+            <a:off x="3416300" y="2901696"/>
+            <a:ext cx="914400" cy="274320"/>
+          </a:xfrm>
+          <a:prstGeom prst="rect">
+            <a:avLst/>
+          </a:prstGeom>
+          <a:noFill/>
+          <a:ln w="12700">
+            <a:solidFill>
+              <a:schemeClr val="tx1"/>
+            </a:solidFill>
+          </a:ln>
+        </p:spPr>
+        <p:style>
+          <a:lnRef idx="2">
+            <a:schemeClr val="accent1">
+              <a:shade val="50000"/>
+            </a:schemeClr>
+          </a:lnRef>
+          <a:fillRef idx="1">
+            <a:schemeClr val="accent1"/>
+          </a:fillRef>
+          <a:effectRef idx="0">
+            <a:schemeClr val="accent1"/>
+          </a:effectRef>
+          <a:fontRef idx="minor">
+            <a:schemeClr val="lt1"/>
+          </a:fontRef>
+        </p:style>
+        <p:txBody>
+          <a:bodyPr rtlCol="0" anchor="ctr"/>
+          <a:lstStyle/>
+          <a:p>
+            <a:pPr algn="ctr"/>
+            <a:endParaRPr lang="zh-CN" altLang="en-US"/>
+          </a:p>
+        </p:txBody>
+      </p:sp>
+      <p:cxnSp>
+        <p:nvCxnSpPr>
+          <p:cNvPr id="8" name="直接连接符 14">
+            <a:extLst>
+              <a:ext uri="{FF2B5EF4-FFF2-40B4-BE49-F238E27FC236}">
+                <a16:creationId xmlns:a16="http://schemas.microsoft.com/office/drawing/2014/main" id="{9971CFC6-D500-4A82-B16C-138E1D62458C}"/>
+              </a:ext>
+            </a:extLst>
+          </p:cNvPr>
+          <p:cNvCxnSpPr/>
+          <p:nvPr/>
+        </p:nvCxnSpPr>
+        <p:spPr>
+          <a:xfrm>
+            <a:off x="2232660" y="3456920"/>
+            <a:ext cx="586740" cy="0"/>
+          </a:xfrm>
+          <a:prstGeom prst="line">
+            <a:avLst/>
+          </a:prstGeom>
+          <a:ln w="6350">
+            <a:solidFill>
+              <a:schemeClr val="tx1"/>
+            </a:solidFill>
+            <a:prstDash val="dash"/>
+          </a:ln>
+        </p:spPr>
+        <p:style>
+          <a:lnRef idx="1">
+            <a:schemeClr val="accent1"/>
+          </a:lnRef>
+          <a:fillRef idx="0">
+            <a:schemeClr val="accent1"/>
+          </a:fillRef>
+          <a:effectRef idx="0">
+            <a:schemeClr val="accent1"/>
+          </a:effectRef>
+          <a:fontRef idx="minor">
+            <a:schemeClr val="tx1"/>
+          </a:fontRef>
+        </p:style>
+      </p:cxnSp>
+      <p:cxnSp>
+        <p:nvCxnSpPr>
+          <p:cNvPr id="9" name="直接连接符 35">
+            <a:extLst>
+              <a:ext uri="{FF2B5EF4-FFF2-40B4-BE49-F238E27FC236}">
+                <a16:creationId xmlns:a16="http://schemas.microsoft.com/office/drawing/2014/main" id="{EFB424A2-065B-45FB-98E2-956DAA17114E}"/>
+              </a:ext>
+            </a:extLst>
+          </p:cNvPr>
+          <p:cNvCxnSpPr/>
+          <p:nvPr/>
+        </p:nvCxnSpPr>
+        <p:spPr>
+          <a:xfrm>
+            <a:off x="2112645" y="3048000"/>
+            <a:ext cx="706755" cy="0"/>
+          </a:xfrm>
+          <a:prstGeom prst="line">
+            <a:avLst/>
+          </a:prstGeom>
+          <a:ln w="6350">
+            <a:solidFill>
+              <a:schemeClr val="tx1"/>
+            </a:solidFill>
+            <a:prstDash val="dash"/>
+          </a:ln>
+        </p:spPr>
+        <p:style>
+          <a:lnRef idx="1">
+            <a:schemeClr val="accent1"/>
+          </a:lnRef>
+          <a:fillRef idx="0">
+            <a:schemeClr val="accent1"/>
+          </a:fillRef>
+          <a:effectRef idx="0">
+            <a:schemeClr val="accent1"/>
+          </a:effectRef>
+          <a:fontRef idx="minor">
+            <a:schemeClr val="tx1"/>
+          </a:fontRef>
+        </p:style>
+      </p:cxnSp>
+      <p:cxnSp>
+        <p:nvCxnSpPr>
+          <p:cNvPr id="10" name="直接连接符 39">
+            <a:extLst>
+              <a:ext uri="{FF2B5EF4-FFF2-40B4-BE49-F238E27FC236}">
+                <a16:creationId xmlns:a16="http://schemas.microsoft.com/office/drawing/2014/main" id="{D2FDC61A-AA62-4948-9128-7A4EED8C5464}"/>
+              </a:ext>
+            </a:extLst>
+          </p:cNvPr>
+          <p:cNvCxnSpPr/>
+          <p:nvPr/>
+        </p:nvCxnSpPr>
+        <p:spPr>
+          <a:xfrm>
+            <a:off x="2112645" y="3172198"/>
+            <a:ext cx="1297305" cy="7894"/>
+          </a:xfrm>
+          <a:prstGeom prst="line">
+            <a:avLst/>
+          </a:prstGeom>
+          <a:ln w="6350">
+            <a:solidFill>
+              <a:schemeClr val="tx1"/>
+            </a:solidFill>
+            <a:prstDash val="dash"/>
+          </a:ln>
+        </p:spPr>
+        <p:style>
+          <a:lnRef idx="1">
+            <a:schemeClr val="accent1"/>
+          </a:lnRef>
+          <a:fillRef idx="0">
+            <a:schemeClr val="accent1"/>
+          </a:fillRef>
+          <a:effectRef idx="0">
+            <a:schemeClr val="accent1"/>
+          </a:effectRef>
+          <a:fontRef idx="minor">
+            <a:schemeClr val="tx1"/>
+          </a:fontRef>
+        </p:style>
+      </p:cxnSp>
+      <p:cxnSp>
+        <p:nvCxnSpPr>
+          <p:cNvPr id="11" name="直接连接符 44">
+            <a:extLst>
+              <a:ext uri="{FF2B5EF4-FFF2-40B4-BE49-F238E27FC236}">
+                <a16:creationId xmlns:a16="http://schemas.microsoft.com/office/drawing/2014/main" id="{B9D5EE1F-F960-4BAA-998B-7909F65328D8}"/>
+              </a:ext>
+            </a:extLst>
+          </p:cNvPr>
+          <p:cNvCxnSpPr/>
+          <p:nvPr/>
+        </p:nvCxnSpPr>
+        <p:spPr>
+          <a:xfrm>
+            <a:off x="2362200" y="2905314"/>
+            <a:ext cx="1054100" cy="0"/>
+          </a:xfrm>
+          <a:prstGeom prst="line">
+            <a:avLst/>
+          </a:prstGeom>
+          <a:ln w="6350">
+            <a:solidFill>
+              <a:schemeClr val="tx1"/>
+            </a:solidFill>
+            <a:prstDash val="dash"/>
+          </a:ln>
+        </p:spPr>
+        <p:style>
+          <a:lnRef idx="1">
+            <a:schemeClr val="accent1"/>
+          </a:lnRef>
+          <a:fillRef idx="0">
+            <a:schemeClr val="accent1"/>
+          </a:fillRef>
+          <a:effectRef idx="0">
+            <a:schemeClr val="accent1"/>
+          </a:effectRef>
+          <a:fontRef idx="minor">
+            <a:schemeClr val="tx1"/>
+          </a:fontRef>
+        </p:style>
+      </p:cxnSp>
+      <p:sp>
+        <p:nvSpPr>
+          <p:cNvPr id="12" name="TextBox 11">
+            <a:extLst>
+              <a:ext uri="{FF2B5EF4-FFF2-40B4-BE49-F238E27FC236}">
+                <a16:creationId xmlns:a16="http://schemas.microsoft.com/office/drawing/2014/main" id="{12D4C808-E192-41CB-9AC2-A553CD5756CC}"/>
+              </a:ext>
+            </a:extLst>
+          </p:cNvPr>
+          <p:cNvSpPr txBox="1"/>
+          <p:nvPr/>
+        </p:nvSpPr>
+        <p:spPr>
+          <a:xfrm>
+            <a:off x="3113508" y="3008784"/>
+            <a:ext cx="67326" cy="230832"/>
+          </a:xfrm>
+          <a:prstGeom prst="rect">
+            <a:avLst/>
+          </a:prstGeom>
+          <a:noFill/>
+        </p:spPr>
+        <p:txBody>
+          <a:bodyPr wrap="none" lIns="0" rIns="0" rtlCol="0">
+            <a:spAutoFit/>
+          </a:bodyPr>
+          <a:lstStyle/>
+          <a:p>
+            <a:r>
+              <a:rPr lang="en-US" altLang="zh-CN" sz="900" dirty="0"/>
+              <a:t>A</a:t>
+            </a:r>
+            <a:endParaRPr lang="zh-CN" altLang="en-US" sz="900" dirty="0"/>
+          </a:p>
+        </p:txBody>
+      </p:sp>
+      <p:sp>
+        <p:nvSpPr>
+          <p:cNvPr id="13" name="TextBox 12">
+            <a:extLst>
+              <a:ext uri="{FF2B5EF4-FFF2-40B4-BE49-F238E27FC236}">
+                <a16:creationId xmlns:a16="http://schemas.microsoft.com/office/drawing/2014/main" id="{F0DCDC70-4DF0-4ED2-A2BE-CF523FC42487}"/>
+              </a:ext>
+            </a:extLst>
+          </p:cNvPr>
+          <p:cNvSpPr txBox="1"/>
+          <p:nvPr/>
+        </p:nvSpPr>
+        <p:spPr>
+          <a:xfrm>
+            <a:off x="4215278" y="2856254"/>
+            <a:ext cx="62518" cy="230832"/>
+          </a:xfrm>
+          <a:prstGeom prst="rect">
+            <a:avLst/>
+          </a:prstGeom>
+          <a:noFill/>
+        </p:spPr>
+        <p:txBody>
+          <a:bodyPr wrap="none" lIns="0" rIns="0" rtlCol="0">
+            <a:spAutoFit/>
+          </a:bodyPr>
+          <a:lstStyle/>
+          <a:p>
+            <a:r>
+              <a:rPr lang="en-US" altLang="zh-CN" sz="900" dirty="0"/>
+              <a:t>B</a:t>
+            </a:r>
+            <a:endParaRPr lang="zh-CN" altLang="en-US" sz="900" dirty="0"/>
+          </a:p>
+        </p:txBody>
+      </p:sp>
+      <p:sp>
+        <p:nvSpPr>
+          <p:cNvPr id="14" name="TextBox 13">
+            <a:extLst>
+              <a:ext uri="{FF2B5EF4-FFF2-40B4-BE49-F238E27FC236}">
+                <a16:creationId xmlns:a16="http://schemas.microsoft.com/office/drawing/2014/main" id="{208F97B6-A6C2-4073-8B16-D29298DE2BAB}"/>
+              </a:ext>
+            </a:extLst>
+          </p:cNvPr>
+          <p:cNvSpPr txBox="1"/>
+          <p:nvPr/>
+        </p:nvSpPr>
+        <p:spPr>
+          <a:xfrm>
+            <a:off x="2668950" y="3146018"/>
+            <a:ext cx="126638" cy="215444"/>
+          </a:xfrm>
+          <a:prstGeom prst="rect">
+            <a:avLst/>
+          </a:prstGeom>
+          <a:noFill/>
+        </p:spPr>
+        <p:txBody>
+          <a:bodyPr wrap="none" lIns="0" rIns="0" rtlCol="0">
+            <a:spAutoFit/>
+          </a:bodyPr>
+          <a:lstStyle/>
+          <a:p>
+            <a:r>
+              <a:rPr lang="en-US" altLang="zh-CN" sz="800" dirty="0"/>
+              <a:t>e</a:t>
+            </a:r>
+            <a:r>
+              <a:rPr lang="en-US" altLang="zh-CN" sz="800" baseline="-25000" dirty="0"/>
+              <a:t>A1</a:t>
+            </a:r>
+            <a:endParaRPr lang="zh-CN" altLang="en-US" sz="800" baseline="-25000" dirty="0"/>
+          </a:p>
+        </p:txBody>
+      </p:sp>
+      <p:sp>
+        <p:nvSpPr>
+          <p:cNvPr id="15" name="TextBox 14">
+            <a:extLst>
+              <a:ext uri="{FF2B5EF4-FFF2-40B4-BE49-F238E27FC236}">
+                <a16:creationId xmlns:a16="http://schemas.microsoft.com/office/drawing/2014/main" id="{5CA885B1-EDB6-4247-BDE4-F828CF35F4AD}"/>
+              </a:ext>
+            </a:extLst>
+          </p:cNvPr>
+          <p:cNvSpPr txBox="1"/>
+          <p:nvPr/>
+        </p:nvSpPr>
+        <p:spPr>
+          <a:xfrm>
+            <a:off x="2961821" y="3396120"/>
+            <a:ext cx="126638" cy="215444"/>
+          </a:xfrm>
+          <a:prstGeom prst="rect">
+            <a:avLst/>
+          </a:prstGeom>
+          <a:noFill/>
+        </p:spPr>
+        <p:txBody>
+          <a:bodyPr wrap="none" lIns="0" rIns="0" rtlCol="0">
+            <a:spAutoFit/>
+          </a:bodyPr>
+          <a:lstStyle/>
+          <a:p>
+            <a:r>
+              <a:rPr lang="en-US" altLang="zh-CN" sz="800" dirty="0"/>
+              <a:t>e</a:t>
+            </a:r>
+            <a:r>
+              <a:rPr lang="en-US" altLang="zh-CN" sz="800" baseline="-25000" dirty="0"/>
+              <a:t>A2</a:t>
+            </a:r>
+            <a:endParaRPr lang="zh-CN" altLang="en-US" sz="800" baseline="-25000" dirty="0"/>
+          </a:p>
+        </p:txBody>
+      </p:sp>
+      <p:sp>
+        <p:nvSpPr>
+          <p:cNvPr id="16" name="TextBox 15">
+            <a:extLst>
+              <a:ext uri="{FF2B5EF4-FFF2-40B4-BE49-F238E27FC236}">
+                <a16:creationId xmlns:a16="http://schemas.microsoft.com/office/drawing/2014/main" id="{22193A5F-7371-410A-8006-B5F256A17667}"/>
+              </a:ext>
+            </a:extLst>
+          </p:cNvPr>
+          <p:cNvSpPr txBox="1"/>
+          <p:nvPr/>
+        </p:nvSpPr>
+        <p:spPr>
+          <a:xfrm>
+            <a:off x="3278581" y="2931134"/>
+            <a:ext cx="123432" cy="215444"/>
+          </a:xfrm>
+          <a:prstGeom prst="rect">
+            <a:avLst/>
+          </a:prstGeom>
+          <a:noFill/>
+        </p:spPr>
+        <p:txBody>
+          <a:bodyPr wrap="none" lIns="0" rIns="0" rtlCol="0">
+            <a:spAutoFit/>
+          </a:bodyPr>
+          <a:lstStyle/>
+          <a:p>
+            <a:r>
+              <a:rPr lang="en-US" altLang="zh-CN" sz="800" dirty="0"/>
+              <a:t>e</a:t>
+            </a:r>
+            <a:r>
+              <a:rPr lang="en-US" altLang="zh-CN" sz="800" baseline="-25000" dirty="0"/>
+              <a:t>B1</a:t>
+            </a:r>
+            <a:endParaRPr lang="zh-CN" altLang="en-US" sz="800" baseline="-25000" dirty="0"/>
+          </a:p>
+        </p:txBody>
+      </p:sp>
+      <p:sp>
+        <p:nvSpPr>
+          <p:cNvPr id="17" name="TextBox 16">
+            <a:extLst>
+              <a:ext uri="{FF2B5EF4-FFF2-40B4-BE49-F238E27FC236}">
+                <a16:creationId xmlns:a16="http://schemas.microsoft.com/office/drawing/2014/main" id="{DC6A907D-F72B-45E9-AC34-91F70ACCDF4F}"/>
+              </a:ext>
+            </a:extLst>
+          </p:cNvPr>
+          <p:cNvSpPr txBox="1"/>
+          <p:nvPr/>
+        </p:nvSpPr>
+        <p:spPr>
+          <a:xfrm>
+            <a:off x="3811784" y="3122198"/>
+            <a:ext cx="123432" cy="215444"/>
+          </a:xfrm>
+          <a:prstGeom prst="rect">
+            <a:avLst/>
+          </a:prstGeom>
+          <a:noFill/>
+        </p:spPr>
+        <p:txBody>
+          <a:bodyPr wrap="none" lIns="0" rIns="0" rtlCol="0">
+            <a:spAutoFit/>
+          </a:bodyPr>
+          <a:lstStyle/>
+          <a:p>
+            <a:r>
+              <a:rPr lang="en-US" altLang="zh-CN" sz="800" dirty="0"/>
+              <a:t>e</a:t>
+            </a:r>
+            <a:r>
+              <a:rPr lang="en-US" altLang="zh-CN" sz="800" baseline="-25000" dirty="0"/>
+              <a:t>B2</a:t>
+            </a:r>
+            <a:endParaRPr lang="zh-CN" altLang="en-US" sz="800" baseline="-25000" dirty="0"/>
+          </a:p>
+        </p:txBody>
+      </p:sp>
+      <p:sp>
+        <p:nvSpPr>
+          <p:cNvPr id="18" name="TextBox 17">
+            <a:extLst>
+              <a:ext uri="{FF2B5EF4-FFF2-40B4-BE49-F238E27FC236}">
+                <a16:creationId xmlns:a16="http://schemas.microsoft.com/office/drawing/2014/main" id="{76A61A37-5BDE-4088-B069-BAD92C17E5F6}"/>
+              </a:ext>
+            </a:extLst>
+          </p:cNvPr>
+          <p:cNvSpPr txBox="1"/>
+          <p:nvPr/>
+        </p:nvSpPr>
+        <p:spPr>
+          <a:xfrm>
+            <a:off x="1528761" y="3263264"/>
+            <a:ext cx="549831" cy="215444"/>
+          </a:xfrm>
+          <a:prstGeom prst="rect">
+            <a:avLst/>
+          </a:prstGeom>
+          <a:noFill/>
+        </p:spPr>
+        <p:txBody>
+          <a:bodyPr wrap="none" lIns="0" rIns="0" rtlCol="0">
+            <a:spAutoFit/>
+          </a:bodyPr>
+          <a:lstStyle/>
+          <a:p>
+            <a:r>
+              <a:rPr lang="en-US" altLang="zh-CN" sz="800" dirty="0"/>
+              <a:t>Projected e</a:t>
+            </a:r>
+            <a:r>
+              <a:rPr lang="en-US" altLang="zh-CN" sz="800" baseline="-25000" dirty="0"/>
+              <a:t>A1</a:t>
+            </a:r>
+            <a:endParaRPr lang="zh-CN" altLang="en-US" sz="800" baseline="-25000" dirty="0"/>
+          </a:p>
+        </p:txBody>
+      </p:sp>
+      <p:sp>
+        <p:nvSpPr>
+          <p:cNvPr id="19" name="TextBox 18">
+            <a:extLst>
+              <a:ext uri="{FF2B5EF4-FFF2-40B4-BE49-F238E27FC236}">
+                <a16:creationId xmlns:a16="http://schemas.microsoft.com/office/drawing/2014/main" id="{2A735514-0EE7-4E03-BE90-C4870E528469}"/>
+              </a:ext>
+            </a:extLst>
+          </p:cNvPr>
+          <p:cNvSpPr txBox="1"/>
+          <p:nvPr/>
+        </p:nvSpPr>
+        <p:spPr>
+          <a:xfrm>
+            <a:off x="1526380" y="2791441"/>
+            <a:ext cx="546625" cy="215444"/>
+          </a:xfrm>
+          <a:prstGeom prst="rect">
+            <a:avLst/>
+          </a:prstGeom>
+          <a:noFill/>
+        </p:spPr>
+        <p:txBody>
+          <a:bodyPr wrap="none" lIns="0" rIns="0" rtlCol="0">
+            <a:spAutoFit/>
+          </a:bodyPr>
+          <a:lstStyle/>
+          <a:p>
+            <a:r>
+              <a:rPr lang="en-US" altLang="zh-CN" sz="800" dirty="0"/>
+              <a:t>Projected e</a:t>
+            </a:r>
+            <a:r>
+              <a:rPr lang="en-US" altLang="zh-CN" sz="800" baseline="-25000" dirty="0"/>
+              <a:t>B1</a:t>
+            </a:r>
+            <a:endParaRPr lang="zh-CN" altLang="en-US" sz="800" baseline="-25000" dirty="0"/>
+          </a:p>
+        </p:txBody>
+      </p:sp>
+      <p:sp>
+        <p:nvSpPr>
+          <p:cNvPr id="20" name="TextBox 19">
+            <a:extLst>
+              <a:ext uri="{FF2B5EF4-FFF2-40B4-BE49-F238E27FC236}">
+                <a16:creationId xmlns:a16="http://schemas.microsoft.com/office/drawing/2014/main" id="{FF2AB01E-BBEE-416F-8B2E-8B329CE2A081}"/>
+              </a:ext>
+            </a:extLst>
+          </p:cNvPr>
+          <p:cNvSpPr txBox="1"/>
+          <p:nvPr/>
+        </p:nvSpPr>
+        <p:spPr>
+          <a:xfrm>
+            <a:off x="1502567" y="3005441"/>
+            <a:ext cx="541405" cy="215444"/>
+          </a:xfrm>
+          <a:prstGeom prst="rect">
+            <a:avLst/>
+          </a:prstGeom>
+          <a:noFill/>
+        </p:spPr>
+        <p:txBody>
+          <a:bodyPr wrap="none" lIns="0" rIns="0" rtlCol="0">
+            <a:spAutoFit/>
+          </a:bodyPr>
+          <a:lstStyle/>
+          <a:p>
+            <a:r>
+              <a:rPr lang="en-US" altLang="zh-CN" sz="800" dirty="0"/>
+              <a:t>Overlap part</a:t>
+            </a:r>
+          </a:p>
+        </p:txBody>
+      </p:sp>
+      <p:cxnSp>
+        <p:nvCxnSpPr>
+          <p:cNvPr id="21" name="直接连接符 65">
+            <a:extLst>
+              <a:ext uri="{FF2B5EF4-FFF2-40B4-BE49-F238E27FC236}">
+                <a16:creationId xmlns:a16="http://schemas.microsoft.com/office/drawing/2014/main" id="{49F3AA6A-3564-41F1-872A-2D592EF5F619}"/>
+              </a:ext>
+            </a:extLst>
+          </p:cNvPr>
+          <p:cNvCxnSpPr/>
+          <p:nvPr/>
+        </p:nvCxnSpPr>
+        <p:spPr>
+          <a:xfrm flipV="1">
+            <a:off x="2819400" y="3463108"/>
+            <a:ext cx="0" cy="249074"/>
+          </a:xfrm>
+          <a:prstGeom prst="line">
+            <a:avLst/>
+          </a:prstGeom>
+          <a:ln w="6350">
+            <a:solidFill>
+              <a:schemeClr val="tx1"/>
+            </a:solidFill>
+            <a:prstDash val="dash"/>
+          </a:ln>
+        </p:spPr>
+        <p:style>
+          <a:lnRef idx="1">
+            <a:schemeClr val="accent1"/>
+          </a:lnRef>
+          <a:fillRef idx="0">
+            <a:schemeClr val="accent1"/>
+          </a:fillRef>
+          <a:effectRef idx="0">
+            <a:schemeClr val="accent1"/>
+          </a:effectRef>
+          <a:fontRef idx="minor">
+            <a:schemeClr val="tx1"/>
+          </a:fontRef>
+        </p:style>
+      </p:cxnSp>
+      <p:cxnSp>
+        <p:nvCxnSpPr>
+          <p:cNvPr id="22" name="直接连接符 66">
+            <a:extLst>
+              <a:ext uri="{FF2B5EF4-FFF2-40B4-BE49-F238E27FC236}">
+                <a16:creationId xmlns:a16="http://schemas.microsoft.com/office/drawing/2014/main" id="{96E56BDB-9A10-4CB1-AB35-950665EB2C13}"/>
+              </a:ext>
+            </a:extLst>
+          </p:cNvPr>
+          <p:cNvCxnSpPr/>
+          <p:nvPr/>
+        </p:nvCxnSpPr>
+        <p:spPr>
+          <a:xfrm flipH="1" flipV="1">
+            <a:off x="3232150" y="3460728"/>
+            <a:ext cx="1588" cy="251454"/>
+          </a:xfrm>
+          <a:prstGeom prst="line">
+            <a:avLst/>
+          </a:prstGeom>
+          <a:ln w="6350">
+            <a:solidFill>
+              <a:schemeClr val="tx1"/>
+            </a:solidFill>
+            <a:prstDash val="dash"/>
+          </a:ln>
+        </p:spPr>
+        <p:style>
+          <a:lnRef idx="1">
+            <a:schemeClr val="accent1"/>
+          </a:lnRef>
+          <a:fillRef idx="0">
+            <a:schemeClr val="accent1"/>
+          </a:fillRef>
+          <a:effectRef idx="0">
+            <a:schemeClr val="accent1"/>
+          </a:effectRef>
+          <a:fontRef idx="minor">
+            <a:schemeClr val="tx1"/>
+          </a:fontRef>
+        </p:style>
+      </p:cxnSp>
+      <p:cxnSp>
+        <p:nvCxnSpPr>
+          <p:cNvPr id="23" name="直接连接符 68">
+            <a:extLst>
+              <a:ext uri="{FF2B5EF4-FFF2-40B4-BE49-F238E27FC236}">
+                <a16:creationId xmlns:a16="http://schemas.microsoft.com/office/drawing/2014/main" id="{333A42E8-0D87-437B-BA5C-98C6816AFEC8}"/>
+              </a:ext>
+            </a:extLst>
+          </p:cNvPr>
+          <p:cNvCxnSpPr/>
+          <p:nvPr/>
+        </p:nvCxnSpPr>
+        <p:spPr>
+          <a:xfrm flipV="1">
+            <a:off x="3419474" y="3181830"/>
+            <a:ext cx="0" cy="530352"/>
+          </a:xfrm>
+          <a:prstGeom prst="line">
+            <a:avLst/>
+          </a:prstGeom>
+          <a:ln w="6350">
+            <a:solidFill>
+              <a:schemeClr val="tx1"/>
+            </a:solidFill>
+            <a:prstDash val="dash"/>
+          </a:ln>
+        </p:spPr>
+        <p:style>
+          <a:lnRef idx="1">
+            <a:schemeClr val="accent1"/>
+          </a:lnRef>
+          <a:fillRef idx="0">
+            <a:schemeClr val="accent1"/>
+          </a:fillRef>
+          <a:effectRef idx="0">
+            <a:schemeClr val="accent1"/>
+          </a:effectRef>
+          <a:fontRef idx="minor">
+            <a:schemeClr val="tx1"/>
+          </a:fontRef>
+        </p:style>
+      </p:cxnSp>
+      <p:cxnSp>
+        <p:nvCxnSpPr>
+          <p:cNvPr id="24" name="直接连接符 69">
+            <a:extLst>
+              <a:ext uri="{FF2B5EF4-FFF2-40B4-BE49-F238E27FC236}">
+                <a16:creationId xmlns:a16="http://schemas.microsoft.com/office/drawing/2014/main" id="{F4A38B27-FDA2-4A70-A62A-70984B564A59}"/>
+              </a:ext>
+            </a:extLst>
+          </p:cNvPr>
+          <p:cNvCxnSpPr/>
+          <p:nvPr/>
+        </p:nvCxnSpPr>
+        <p:spPr>
+          <a:xfrm flipV="1">
+            <a:off x="4331811" y="3181830"/>
+            <a:ext cx="0" cy="530352"/>
+          </a:xfrm>
+          <a:prstGeom prst="line">
+            <a:avLst/>
+          </a:prstGeom>
+          <a:ln w="6350">
+            <a:solidFill>
+              <a:schemeClr val="tx1"/>
+            </a:solidFill>
+            <a:prstDash val="dash"/>
+          </a:ln>
+        </p:spPr>
+        <p:style>
+          <a:lnRef idx="1">
+            <a:schemeClr val="accent1"/>
+          </a:lnRef>
+          <a:fillRef idx="0">
+            <a:schemeClr val="accent1"/>
+          </a:fillRef>
+          <a:effectRef idx="0">
+            <a:schemeClr val="accent1"/>
+          </a:effectRef>
+          <a:fontRef idx="minor">
+            <a:schemeClr val="tx1"/>
+          </a:fontRef>
+        </p:style>
+      </p:cxnSp>
+      <p:sp>
+        <p:nvSpPr>
+          <p:cNvPr id="25" name="TextBox 24">
+            <a:extLst>
+              <a:ext uri="{FF2B5EF4-FFF2-40B4-BE49-F238E27FC236}">
+                <a16:creationId xmlns:a16="http://schemas.microsoft.com/office/drawing/2014/main" id="{63FECCD2-E2D1-437A-BCB8-18EDD9C5157D}"/>
+              </a:ext>
+            </a:extLst>
+          </p:cNvPr>
+          <p:cNvSpPr txBox="1"/>
+          <p:nvPr/>
+        </p:nvSpPr>
+        <p:spPr>
+          <a:xfrm>
+            <a:off x="2795588" y="3717180"/>
+            <a:ext cx="549831" cy="215444"/>
+          </a:xfrm>
+          <a:prstGeom prst="rect">
+            <a:avLst/>
+          </a:prstGeom>
+          <a:noFill/>
+        </p:spPr>
+        <p:txBody>
+          <a:bodyPr wrap="none" lIns="0" rIns="0" rtlCol="0">
+            <a:spAutoFit/>
+          </a:bodyPr>
+          <a:lstStyle/>
+          <a:p>
+            <a:r>
+              <a:rPr lang="en-US" altLang="zh-CN" sz="800" dirty="0"/>
+              <a:t>Projected e</a:t>
+            </a:r>
+            <a:r>
+              <a:rPr lang="en-US" altLang="zh-CN" sz="800" baseline="-25000" dirty="0"/>
+              <a:t>A2</a:t>
+            </a:r>
+            <a:endParaRPr lang="zh-CN" altLang="en-US" sz="800" baseline="-25000" dirty="0"/>
+          </a:p>
+        </p:txBody>
+      </p:sp>
+      <p:sp>
+        <p:nvSpPr>
+          <p:cNvPr id="26" name="TextBox 25">
+            <a:extLst>
+              <a:ext uri="{FF2B5EF4-FFF2-40B4-BE49-F238E27FC236}">
+                <a16:creationId xmlns:a16="http://schemas.microsoft.com/office/drawing/2014/main" id="{2BAF168F-F767-4DC4-924A-2CD656634D8B}"/>
+              </a:ext>
+            </a:extLst>
+          </p:cNvPr>
+          <p:cNvSpPr txBox="1"/>
+          <p:nvPr/>
+        </p:nvSpPr>
+        <p:spPr>
+          <a:xfrm>
+            <a:off x="3639360" y="3710036"/>
+            <a:ext cx="546625" cy="215444"/>
+          </a:xfrm>
+          <a:prstGeom prst="rect">
+            <a:avLst/>
+          </a:prstGeom>
+          <a:noFill/>
+        </p:spPr>
+        <p:txBody>
+          <a:bodyPr wrap="none" lIns="0" rIns="0" rtlCol="0">
+            <a:spAutoFit/>
+          </a:bodyPr>
+          <a:lstStyle/>
+          <a:p>
+            <a:r>
+              <a:rPr lang="en-US" altLang="zh-CN" sz="800" dirty="0"/>
+              <a:t>Projected e</a:t>
+            </a:r>
+            <a:r>
+              <a:rPr lang="en-US" altLang="zh-CN" sz="800" baseline="-25000" dirty="0"/>
+              <a:t>B2</a:t>
+            </a:r>
+            <a:endParaRPr lang="zh-CN" altLang="en-US" sz="800" baseline="-25000" dirty="0"/>
+          </a:p>
+        </p:txBody>
+      </p:sp>
+      <p:sp>
+        <p:nvSpPr>
+          <p:cNvPr id="27" name="TextBox 26">
+            <a:extLst>
+              <a:ext uri="{FF2B5EF4-FFF2-40B4-BE49-F238E27FC236}">
+                <a16:creationId xmlns:a16="http://schemas.microsoft.com/office/drawing/2014/main" id="{3C727F2B-D8FD-43B4-BB74-FFB4CA3ABD1B}"/>
+              </a:ext>
+            </a:extLst>
+          </p:cNvPr>
+          <p:cNvSpPr txBox="1"/>
+          <p:nvPr/>
+        </p:nvSpPr>
+        <p:spPr>
+          <a:xfrm>
+            <a:off x="3176609" y="3893480"/>
+            <a:ext cx="498534" cy="215444"/>
+          </a:xfrm>
+          <a:prstGeom prst="rect">
+            <a:avLst/>
+          </a:prstGeom>
+          <a:noFill/>
+        </p:spPr>
+        <p:txBody>
+          <a:bodyPr wrap="none" lIns="0" rIns="0" rtlCol="0">
+            <a:spAutoFit/>
+          </a:bodyPr>
+          <a:lstStyle/>
+          <a:p>
+            <a:r>
+              <a:rPr lang="en-US" altLang="zh-CN" sz="800" dirty="0"/>
+              <a:t>No overlaps</a:t>
+            </a:r>
+          </a:p>
+        </p:txBody>
+      </p:sp>
+      <p:sp>
+        <p:nvSpPr>
+          <p:cNvPr id="28" name="Right Brace 27">
+            <a:extLst>
+              <a:ext uri="{FF2B5EF4-FFF2-40B4-BE49-F238E27FC236}">
+                <a16:creationId xmlns:a16="http://schemas.microsoft.com/office/drawing/2014/main" id="{701A0767-E5F0-4AEA-9E23-3CC4BD74AFCF}"/>
+              </a:ext>
+            </a:extLst>
+          </p:cNvPr>
+          <p:cNvSpPr/>
+          <p:nvPr/>
+        </p:nvSpPr>
+        <p:spPr>
+          <a:xfrm>
+            <a:off x="3854577" y="3281592"/>
+            <a:ext cx="46101" cy="914400"/>
+          </a:xfrm>
+          <a:prstGeom prst="rightBrace">
+            <a:avLst>
+              <a:gd name="adj1" fmla="val 147059"/>
+              <a:gd name="adj2" fmla="val 50000"/>
+            </a:avLst>
+          </a:prstGeom>
+          <a:ln w="6350">
+            <a:solidFill>
+              <a:schemeClr val="tx1"/>
+            </a:solidFill>
+          </a:ln>
+          <a:scene3d>
+            <a:camera prst="orthographicFront">
+              <a:rot lat="0" lon="0" rev="16200000"/>
+            </a:camera>
+            <a:lightRig rig="threePt" dir="t"/>
+          </a:scene3d>
+        </p:spPr>
+        <p:style>
+          <a:lnRef idx="1">
+            <a:schemeClr val="accent1"/>
+          </a:lnRef>
+          <a:fillRef idx="0">
+            <a:schemeClr val="accent1"/>
+          </a:fillRef>
+          <a:effectRef idx="0">
+            <a:schemeClr val="accent1"/>
+          </a:effectRef>
+          <a:fontRef idx="minor">
+            <a:schemeClr val="tx1"/>
+          </a:fontRef>
+        </p:style>
+        <p:txBody>
+          <a:bodyPr rtlCol="0" anchor="ctr"/>
+          <a:lstStyle/>
+          <a:p>
+            <a:pPr algn="ctr"/>
+            <a:endParaRPr lang="en-US"/>
+          </a:p>
+        </p:txBody>
+      </p:sp>
+      <p:sp>
+        <p:nvSpPr>
+          <p:cNvPr id="29" name="Right Brace 28">
+            <a:extLst>
+              <a:ext uri="{FF2B5EF4-FFF2-40B4-BE49-F238E27FC236}">
+                <a16:creationId xmlns:a16="http://schemas.microsoft.com/office/drawing/2014/main" id="{6D2D7998-DBD5-4433-B2C6-908C8E5A8105}"/>
+              </a:ext>
+            </a:extLst>
+          </p:cNvPr>
+          <p:cNvSpPr/>
+          <p:nvPr/>
+        </p:nvSpPr>
+        <p:spPr>
+          <a:xfrm rot="5400000">
+            <a:off x="2313340" y="2903834"/>
+            <a:ext cx="46101" cy="274320"/>
+          </a:xfrm>
+          <a:prstGeom prst="rightBrace">
+            <a:avLst>
+              <a:gd name="adj1" fmla="val 147059"/>
+              <a:gd name="adj2" fmla="val 50000"/>
+            </a:avLst>
+          </a:prstGeom>
+          <a:ln w="6350">
+            <a:solidFill>
+              <a:schemeClr val="tx1"/>
+            </a:solidFill>
+          </a:ln>
+          <a:scene3d>
+            <a:camera prst="orthographicFront">
+              <a:rot lat="0" lon="0" rev="16200000"/>
+            </a:camera>
+            <a:lightRig rig="threePt" dir="t"/>
+          </a:scene3d>
+        </p:spPr>
+        <p:style>
+          <a:lnRef idx="1">
+            <a:schemeClr val="accent1"/>
+          </a:lnRef>
+          <a:fillRef idx="0">
+            <a:schemeClr val="accent1"/>
+          </a:fillRef>
+          <a:effectRef idx="0">
+            <a:schemeClr val="accent1"/>
+          </a:effectRef>
+          <a:fontRef idx="minor">
+            <a:schemeClr val="tx1"/>
+          </a:fontRef>
+        </p:style>
+        <p:txBody>
+          <a:bodyPr rtlCol="0" anchor="ctr"/>
+          <a:lstStyle/>
+          <a:p>
+            <a:pPr algn="ctr"/>
+            <a:endParaRPr lang="en-US"/>
+          </a:p>
+        </p:txBody>
+      </p:sp>
+      <p:sp>
+        <p:nvSpPr>
+          <p:cNvPr id="30" name="Right Brace 29">
+            <a:extLst>
+              <a:ext uri="{FF2B5EF4-FFF2-40B4-BE49-F238E27FC236}">
+                <a16:creationId xmlns:a16="http://schemas.microsoft.com/office/drawing/2014/main" id="{593959AB-C3C1-403E-866B-F619018010E6}"/>
+              </a:ext>
+            </a:extLst>
+          </p:cNvPr>
+          <p:cNvSpPr/>
+          <p:nvPr/>
+        </p:nvSpPr>
+        <p:spPr>
+          <a:xfrm>
+            <a:off x="3005900" y="3526471"/>
+            <a:ext cx="46101" cy="411480"/>
+          </a:xfrm>
+          <a:prstGeom prst="rightBrace">
+            <a:avLst>
+              <a:gd name="adj1" fmla="val 147059"/>
+              <a:gd name="adj2" fmla="val 50000"/>
+            </a:avLst>
+          </a:prstGeom>
+          <a:ln w="6350">
+            <a:solidFill>
+              <a:schemeClr val="tx1"/>
+            </a:solidFill>
+          </a:ln>
+          <a:scene3d>
+            <a:camera prst="orthographicFront">
+              <a:rot lat="0" lon="0" rev="16200000"/>
+            </a:camera>
+            <a:lightRig rig="threePt" dir="t"/>
+          </a:scene3d>
+        </p:spPr>
+        <p:style>
+          <a:lnRef idx="1">
+            <a:schemeClr val="accent1"/>
+          </a:lnRef>
+          <a:fillRef idx="0">
+            <a:schemeClr val="accent1"/>
+          </a:fillRef>
+          <a:effectRef idx="0">
+            <a:schemeClr val="accent1"/>
+          </a:effectRef>
+          <a:fontRef idx="minor">
+            <a:schemeClr val="tx1"/>
+          </a:fontRef>
+        </p:style>
+        <p:txBody>
+          <a:bodyPr rtlCol="0" anchor="ctr"/>
+          <a:lstStyle/>
+          <a:p>
+            <a:pPr algn="ctr"/>
+            <a:endParaRPr lang="en-US"/>
+          </a:p>
+        </p:txBody>
+      </p:sp>
+      <p:sp>
+        <p:nvSpPr>
+          <p:cNvPr id="31" name="Right Brace 30">
+            <a:extLst>
+              <a:ext uri="{FF2B5EF4-FFF2-40B4-BE49-F238E27FC236}">
+                <a16:creationId xmlns:a16="http://schemas.microsoft.com/office/drawing/2014/main" id="{C7671857-9BB6-466B-AD03-A0A7AC31C6F8}"/>
+              </a:ext>
+            </a:extLst>
+          </p:cNvPr>
+          <p:cNvSpPr/>
+          <p:nvPr/>
+        </p:nvSpPr>
+        <p:spPr>
+          <a:xfrm rot="5400000">
+            <a:off x="2171509" y="3047231"/>
+            <a:ext cx="46101" cy="411480"/>
+          </a:xfrm>
+          <a:prstGeom prst="rightBrace">
+            <a:avLst>
+              <a:gd name="adj1" fmla="val 147059"/>
+              <a:gd name="adj2" fmla="val 50000"/>
+            </a:avLst>
+          </a:prstGeom>
+          <a:ln w="6350">
+            <a:solidFill>
+              <a:schemeClr val="tx1"/>
+            </a:solidFill>
+          </a:ln>
+          <a:scene3d>
+            <a:camera prst="orthographicFront">
+              <a:rot lat="0" lon="0" rev="16200000"/>
+            </a:camera>
+            <a:lightRig rig="threePt" dir="t"/>
+          </a:scene3d>
+        </p:spPr>
+        <p:style>
+          <a:lnRef idx="1">
+            <a:schemeClr val="accent1"/>
+          </a:lnRef>
+          <a:fillRef idx="0">
+            <a:schemeClr val="accent1"/>
+          </a:fillRef>
+          <a:effectRef idx="0">
+            <a:schemeClr val="accent1"/>
+          </a:effectRef>
+          <a:fontRef idx="minor">
+            <a:schemeClr val="tx1"/>
+          </a:fontRef>
+        </p:style>
+        <p:txBody>
+          <a:bodyPr rtlCol="0" anchor="ctr"/>
+          <a:lstStyle/>
+          <a:p>
+            <a:pPr algn="ctr"/>
+            <a:endParaRPr lang="en-US"/>
+          </a:p>
+        </p:txBody>
+      </p:sp>
+      <p:sp>
+        <p:nvSpPr>
+          <p:cNvPr id="32" name="Right Brace 31">
+            <a:extLst>
+              <a:ext uri="{FF2B5EF4-FFF2-40B4-BE49-F238E27FC236}">
+                <a16:creationId xmlns:a16="http://schemas.microsoft.com/office/drawing/2014/main" id="{228B9B32-9EC2-4925-8B8F-81F8D70B65BD}"/>
+              </a:ext>
+            </a:extLst>
+          </p:cNvPr>
+          <p:cNvSpPr/>
+          <p:nvPr/>
+        </p:nvSpPr>
+        <p:spPr>
+          <a:xfrm rot="5400000">
+            <a:off x="2054259" y="3062572"/>
+            <a:ext cx="46100" cy="109728"/>
+          </a:xfrm>
+          <a:prstGeom prst="rightBrace">
+            <a:avLst>
+              <a:gd name="adj1" fmla="val 147059"/>
+              <a:gd name="adj2" fmla="val 50000"/>
+            </a:avLst>
+          </a:prstGeom>
+          <a:ln w="6350">
+            <a:solidFill>
+              <a:schemeClr val="tx1"/>
+            </a:solidFill>
+          </a:ln>
+          <a:scene3d>
+            <a:camera prst="orthographicFront">
+              <a:rot lat="0" lon="0" rev="16200000"/>
+            </a:camera>
+            <a:lightRig rig="threePt" dir="t"/>
+          </a:scene3d>
+        </p:spPr>
+        <p:style>
+          <a:lnRef idx="1">
+            <a:schemeClr val="accent1"/>
+          </a:lnRef>
+          <a:fillRef idx="0">
+            <a:schemeClr val="accent1"/>
+          </a:fillRef>
+          <a:effectRef idx="0">
+            <a:schemeClr val="accent1"/>
+          </a:effectRef>
+          <a:fontRef idx="minor">
+            <a:schemeClr val="tx1"/>
+          </a:fontRef>
+        </p:style>
+        <p:txBody>
+          <a:bodyPr rtlCol="0" anchor="ctr"/>
+          <a:lstStyle/>
+          <a:p>
+            <a:pPr algn="ctr"/>
+            <a:endParaRPr lang="en-US"/>
+          </a:p>
+        </p:txBody>
+      </p:sp>
+    </p:spTree>
+    <p:extLst>
+      <p:ext uri="{BB962C8B-B14F-4D97-AF65-F5344CB8AC3E}">
+        <p14:creationId xmlns:p14="http://schemas.microsoft.com/office/powerpoint/2010/main" val="1896732215"/>
+      </p:ext>
+    </p:extLst>
+  </p:cSld>
+  <p:clrMapOvr>
+    <a:masterClrMapping/>
+  </p:clrMapOvr>
+</p:sld>
+</file>
+
+<file path=ppt/slides/slide6.xml><?xml version="1.0" encoding="utf-8"?>
+<p:sld xmlns:a="http://schemas.openxmlformats.org/drawingml/2006/main" xmlns:r="http://schemas.openxmlformats.org/officeDocument/2006/relationships" xmlns:p="http://schemas.openxmlformats.org/presentationml/2006/main">
+  <p:cSld>
+    <p:spTree>
+      <p:nvGrpSpPr>
+        <p:cNvPr id="1" name=""/>
+        <p:cNvGrpSpPr/>
+        <p:nvPr/>
+      </p:nvGrpSpPr>
+      <p:grpSpPr>
+        <a:xfrm>
+          <a:off x="0" y="0"/>
+          <a:ext cx="0" cy="0"/>
+          <a:chOff x="0" y="0"/>
+          <a:chExt cx="0" cy="0"/>
+        </a:xfrm>
+      </p:grpSpPr>
+      <p:sp>
+        <p:nvSpPr>
+          <p:cNvPr id="2" name="Rectangle 1">
+            <a:extLst>
+              <a:ext uri="{FF2B5EF4-FFF2-40B4-BE49-F238E27FC236}">
+                <a16:creationId xmlns:a16="http://schemas.microsoft.com/office/drawing/2014/main" id="{39357C40-A2A4-4001-BCF2-997315DA0E03}"/>
+              </a:ext>
+            </a:extLst>
+          </p:cNvPr>
+          <p:cNvSpPr/>
+          <p:nvPr/>
+        </p:nvSpPr>
+        <p:spPr>
+          <a:xfrm>
+            <a:off x="1676400" y="1974675"/>
+            <a:ext cx="4267200" cy="2597325"/>
+          </a:xfrm>
+          <a:prstGeom prst="rect">
+            <a:avLst/>
+          </a:prstGeom>
+          <a:noFill/>
+          <a:ln w="9525">
+            <a:prstDash val="sysDash"/>
+          </a:ln>
+        </p:spPr>
+        <p:style>
+          <a:lnRef idx="2">
+            <a:schemeClr val="accent1">
+              <a:shade val="50000"/>
+            </a:schemeClr>
+          </a:lnRef>
+          <a:fillRef idx="1">
+            <a:schemeClr val="accent1"/>
+          </a:fillRef>
+          <a:effectRef idx="0">
+            <a:schemeClr val="accent1"/>
+          </a:effectRef>
+          <a:fontRef idx="minor">
+            <a:schemeClr val="lt1"/>
+          </a:fontRef>
+        </p:style>
+        <p:txBody>
+          <a:bodyPr rtlCol="0" anchor="ctr"/>
+          <a:lstStyle/>
+          <a:p>
+            <a:pPr algn="ctr"/>
+            <a:endParaRPr lang="en-US" sz="800"/>
+          </a:p>
+        </p:txBody>
+      </p:sp>
+      <p:sp>
+        <p:nvSpPr>
+          <p:cNvPr id="3" name="TextBox 2">
+            <a:extLst>
+              <a:ext uri="{FF2B5EF4-FFF2-40B4-BE49-F238E27FC236}">
+                <a16:creationId xmlns:a16="http://schemas.microsoft.com/office/drawing/2014/main" id="{8BF2183C-3E3F-41FC-96E1-681C9CC3D52A}"/>
+              </a:ext>
+            </a:extLst>
+          </p:cNvPr>
+          <p:cNvSpPr txBox="1"/>
+          <p:nvPr/>
+        </p:nvSpPr>
+        <p:spPr>
+          <a:xfrm>
+            <a:off x="2953968" y="4724400"/>
+            <a:ext cx="2125158" cy="338554"/>
+          </a:xfrm>
+          <a:prstGeom prst="rect">
+            <a:avLst/>
+          </a:prstGeom>
+          <a:noFill/>
+          <a:ln>
+            <a:noFill/>
+          </a:ln>
+        </p:spPr>
+        <p:txBody>
+          <a:bodyPr wrap="square" lIns="0" rIns="0" rtlCol="0">
+            <a:spAutoFit/>
+          </a:bodyPr>
+          <a:lstStyle/>
+          <a:p>
+            <a:r>
+              <a:rPr lang="en-US" altLang="zh-CN" sz="1600" dirty="0"/>
+              <a:t>Figure 9</a:t>
+            </a:r>
+            <a:r>
+              <a:rPr lang="en-US" altLang="zh-TW" sz="1600" dirty="0"/>
+              <a:t>-8</a:t>
+            </a:r>
+          </a:p>
+        </p:txBody>
+      </p:sp>
+      <p:sp>
+        <p:nvSpPr>
+          <p:cNvPr id="4" name="TextBox 3">
+            <a:extLst>
+              <a:ext uri="{FF2B5EF4-FFF2-40B4-BE49-F238E27FC236}">
+                <a16:creationId xmlns:a16="http://schemas.microsoft.com/office/drawing/2014/main" id="{EDB3B00F-DAF7-41C3-85B4-0D89D9968007}"/>
+              </a:ext>
+            </a:extLst>
+          </p:cNvPr>
+          <p:cNvSpPr txBox="1"/>
+          <p:nvPr/>
+        </p:nvSpPr>
+        <p:spPr>
+          <a:xfrm>
+            <a:off x="3746305" y="3128799"/>
+            <a:ext cx="67326" cy="230832"/>
+          </a:xfrm>
+          <a:prstGeom prst="rect">
+            <a:avLst/>
+          </a:prstGeom>
+          <a:noFill/>
+        </p:spPr>
+        <p:txBody>
+          <a:bodyPr wrap="none" lIns="0" rIns="0" rtlCol="0">
+            <a:spAutoFit/>
+          </a:bodyPr>
+          <a:lstStyle/>
+          <a:p>
+            <a:r>
+              <a:rPr lang="en-US" altLang="zh-CN" sz="900" dirty="0"/>
+              <a:t>A</a:t>
+            </a:r>
+            <a:endParaRPr lang="zh-CN" altLang="en-US" sz="900" dirty="0"/>
+          </a:p>
+        </p:txBody>
+      </p:sp>
+      <p:sp>
+        <p:nvSpPr>
+          <p:cNvPr id="5" name="TextBox 4">
+            <a:extLst>
+              <a:ext uri="{FF2B5EF4-FFF2-40B4-BE49-F238E27FC236}">
+                <a16:creationId xmlns:a16="http://schemas.microsoft.com/office/drawing/2014/main" id="{8445A54B-46B7-49F9-AF0F-59F990F9E3A1}"/>
+              </a:ext>
+            </a:extLst>
+          </p:cNvPr>
+          <p:cNvSpPr txBox="1"/>
+          <p:nvPr/>
+        </p:nvSpPr>
+        <p:spPr>
+          <a:xfrm>
+            <a:off x="4094878" y="2651717"/>
+            <a:ext cx="62518" cy="230832"/>
+          </a:xfrm>
+          <a:prstGeom prst="rect">
+            <a:avLst/>
+          </a:prstGeom>
+          <a:noFill/>
+        </p:spPr>
+        <p:txBody>
+          <a:bodyPr wrap="none" lIns="0" rIns="0" rtlCol="0">
+            <a:spAutoFit/>
+          </a:bodyPr>
+          <a:lstStyle/>
+          <a:p>
+            <a:r>
+              <a:rPr lang="en-US" altLang="zh-CN" sz="900" dirty="0"/>
+              <a:t>B</a:t>
+            </a:r>
+            <a:endParaRPr lang="zh-CN" altLang="en-US" sz="900" dirty="0"/>
+          </a:p>
+        </p:txBody>
+      </p:sp>
+      <p:sp>
+        <p:nvSpPr>
+          <p:cNvPr id="6" name="TextBox 5">
+            <a:extLst>
+              <a:ext uri="{FF2B5EF4-FFF2-40B4-BE49-F238E27FC236}">
+                <a16:creationId xmlns:a16="http://schemas.microsoft.com/office/drawing/2014/main" id="{506DE735-3D1C-4D89-8412-70A806387E18}"/>
+              </a:ext>
+            </a:extLst>
+          </p:cNvPr>
+          <p:cNvSpPr txBox="1"/>
+          <p:nvPr/>
+        </p:nvSpPr>
+        <p:spPr>
+          <a:xfrm>
+            <a:off x="3062859" y="3136493"/>
+            <a:ext cx="110608" cy="215444"/>
+          </a:xfrm>
+          <a:prstGeom prst="rect">
+            <a:avLst/>
+          </a:prstGeom>
+          <a:noFill/>
+        </p:spPr>
+        <p:txBody>
+          <a:bodyPr wrap="none" lIns="0" rIns="0" rtlCol="0">
+            <a:spAutoFit/>
+          </a:bodyPr>
+          <a:lstStyle/>
+          <a:p>
+            <a:r>
+              <a:rPr lang="en-US" altLang="zh-CN" sz="800" dirty="0"/>
+              <a:t>A1</a:t>
+            </a:r>
+            <a:endParaRPr lang="zh-CN" altLang="en-US" sz="800" dirty="0"/>
+          </a:p>
+        </p:txBody>
+      </p:sp>
+      <p:sp>
+        <p:nvSpPr>
+          <p:cNvPr id="7" name="矩形 7">
+            <a:extLst>
+              <a:ext uri="{FF2B5EF4-FFF2-40B4-BE49-F238E27FC236}">
+                <a16:creationId xmlns:a16="http://schemas.microsoft.com/office/drawing/2014/main" id="{8AADCA36-D367-4DEC-9FE1-41B6CD7590F6}"/>
+              </a:ext>
+            </a:extLst>
+          </p:cNvPr>
+          <p:cNvSpPr>
+            <a:spLocks noChangeAspect="1"/>
+          </p:cNvSpPr>
+          <p:nvPr/>
+        </p:nvSpPr>
+        <p:spPr>
+          <a:xfrm>
+            <a:off x="3574228" y="3038475"/>
+            <a:ext cx="411480" cy="411480"/>
+          </a:xfrm>
+          <a:prstGeom prst="rect">
+            <a:avLst/>
+          </a:prstGeom>
+          <a:noFill/>
+          <a:ln w="12700">
+            <a:solidFill>
+              <a:schemeClr val="tx1"/>
+            </a:solidFill>
+          </a:ln>
+        </p:spPr>
+        <p:style>
+          <a:lnRef idx="2">
+            <a:schemeClr val="accent1">
+              <a:shade val="50000"/>
+            </a:schemeClr>
+          </a:lnRef>
+          <a:fillRef idx="1">
+            <a:schemeClr val="accent1"/>
+          </a:fillRef>
+          <a:effectRef idx="0">
+            <a:schemeClr val="accent1"/>
+          </a:effectRef>
+          <a:fontRef idx="minor">
+            <a:schemeClr val="lt1"/>
+          </a:fontRef>
+        </p:style>
+        <p:txBody>
+          <a:bodyPr rtlCol="0" anchor="ctr"/>
+          <a:lstStyle/>
+          <a:p>
+            <a:pPr algn="ctr"/>
+            <a:endParaRPr lang="zh-CN" altLang="en-US" dirty="0"/>
+          </a:p>
+        </p:txBody>
+      </p:sp>
+      <p:sp>
+        <p:nvSpPr>
+          <p:cNvPr id="8" name="TextBox 7">
+            <a:extLst>
+              <a:ext uri="{FF2B5EF4-FFF2-40B4-BE49-F238E27FC236}">
+                <a16:creationId xmlns:a16="http://schemas.microsoft.com/office/drawing/2014/main" id="{92B6FF58-AFE6-4112-B8DC-678B31BD9C79}"/>
+              </a:ext>
+            </a:extLst>
+          </p:cNvPr>
+          <p:cNvSpPr txBox="1"/>
+          <p:nvPr/>
+        </p:nvSpPr>
+        <p:spPr>
+          <a:xfrm>
+            <a:off x="3582672" y="3136493"/>
+            <a:ext cx="126638" cy="215444"/>
+          </a:xfrm>
+          <a:prstGeom prst="rect">
+            <a:avLst/>
+          </a:prstGeom>
+          <a:noFill/>
+        </p:spPr>
+        <p:txBody>
+          <a:bodyPr wrap="none" lIns="0" rIns="0" rtlCol="0">
+            <a:spAutoFit/>
+          </a:bodyPr>
+          <a:lstStyle/>
+          <a:p>
+            <a:r>
+              <a:rPr lang="en-US" altLang="zh-CN" sz="800" dirty="0"/>
+              <a:t>e</a:t>
+            </a:r>
+            <a:r>
+              <a:rPr lang="en-US" altLang="zh-CN" sz="800" baseline="-25000" dirty="0"/>
+              <a:t>A1</a:t>
+            </a:r>
+            <a:endParaRPr lang="zh-CN" altLang="en-US" sz="800" baseline="-25000" dirty="0"/>
+          </a:p>
+        </p:txBody>
+      </p:sp>
+      <p:sp>
+        <p:nvSpPr>
+          <p:cNvPr id="9" name="TextBox 8">
+            <a:extLst>
+              <a:ext uri="{FF2B5EF4-FFF2-40B4-BE49-F238E27FC236}">
+                <a16:creationId xmlns:a16="http://schemas.microsoft.com/office/drawing/2014/main" id="{72953572-4057-49D9-864D-80DA87B7714B}"/>
+              </a:ext>
+            </a:extLst>
+          </p:cNvPr>
+          <p:cNvSpPr txBox="1"/>
+          <p:nvPr/>
+        </p:nvSpPr>
+        <p:spPr>
+          <a:xfrm>
+            <a:off x="3716649" y="3267067"/>
+            <a:ext cx="126638" cy="215444"/>
+          </a:xfrm>
+          <a:prstGeom prst="rect">
+            <a:avLst/>
+          </a:prstGeom>
+          <a:noFill/>
+        </p:spPr>
+        <p:txBody>
+          <a:bodyPr wrap="none" lIns="0" rIns="0" rtlCol="0">
+            <a:spAutoFit/>
+          </a:bodyPr>
+          <a:lstStyle/>
+          <a:p>
+            <a:r>
+              <a:rPr lang="en-US" altLang="zh-CN" sz="800" dirty="0"/>
+              <a:t>e</a:t>
+            </a:r>
+            <a:r>
+              <a:rPr lang="en-US" altLang="zh-CN" sz="800" baseline="-25000" dirty="0"/>
+              <a:t>A2</a:t>
+            </a:r>
+            <a:endParaRPr lang="zh-CN" altLang="en-US" sz="800" baseline="-25000" dirty="0"/>
+          </a:p>
+        </p:txBody>
+      </p:sp>
+      <p:sp>
+        <p:nvSpPr>
+          <p:cNvPr id="10" name="TextBox 9">
+            <a:extLst>
+              <a:ext uri="{FF2B5EF4-FFF2-40B4-BE49-F238E27FC236}">
+                <a16:creationId xmlns:a16="http://schemas.microsoft.com/office/drawing/2014/main" id="{8EFF5AC0-E30C-400C-83C5-8131B8448991}"/>
+              </a:ext>
+            </a:extLst>
+          </p:cNvPr>
+          <p:cNvSpPr txBox="1"/>
+          <p:nvPr/>
+        </p:nvSpPr>
+        <p:spPr>
+          <a:xfrm>
+            <a:off x="3855722" y="3136493"/>
+            <a:ext cx="126638" cy="215444"/>
+          </a:xfrm>
+          <a:prstGeom prst="rect">
+            <a:avLst/>
+          </a:prstGeom>
+          <a:noFill/>
+        </p:spPr>
+        <p:txBody>
+          <a:bodyPr wrap="none" lIns="0" rIns="0" rtlCol="0">
+            <a:spAutoFit/>
+          </a:bodyPr>
+          <a:lstStyle/>
+          <a:p>
+            <a:r>
+              <a:rPr lang="en-US" altLang="zh-CN" sz="800" dirty="0"/>
+              <a:t>e</a:t>
+            </a:r>
+            <a:r>
+              <a:rPr lang="en-US" altLang="zh-CN" sz="800" baseline="-25000" dirty="0"/>
+              <a:t>A3</a:t>
+            </a:r>
+            <a:endParaRPr lang="zh-CN" altLang="en-US" sz="800" baseline="-25000" dirty="0"/>
+          </a:p>
+        </p:txBody>
+      </p:sp>
+      <p:sp>
+        <p:nvSpPr>
+          <p:cNvPr id="11" name="TextBox 10">
+            <a:extLst>
+              <a:ext uri="{FF2B5EF4-FFF2-40B4-BE49-F238E27FC236}">
+                <a16:creationId xmlns:a16="http://schemas.microsoft.com/office/drawing/2014/main" id="{F181BA9A-5BF4-4D86-8DD4-DAB1A08EE3DD}"/>
+              </a:ext>
+            </a:extLst>
+          </p:cNvPr>
+          <p:cNvSpPr txBox="1"/>
+          <p:nvPr/>
+        </p:nvSpPr>
+        <p:spPr>
+          <a:xfrm>
+            <a:off x="3716649" y="2960680"/>
+            <a:ext cx="126638" cy="215444"/>
+          </a:xfrm>
+          <a:prstGeom prst="rect">
+            <a:avLst/>
+          </a:prstGeom>
+          <a:noFill/>
+        </p:spPr>
+        <p:txBody>
+          <a:bodyPr wrap="none" lIns="0" rIns="0" rtlCol="0">
+            <a:spAutoFit/>
+          </a:bodyPr>
+          <a:lstStyle/>
+          <a:p>
+            <a:r>
+              <a:rPr lang="en-US" altLang="zh-CN" sz="800" dirty="0"/>
+              <a:t>e</a:t>
+            </a:r>
+            <a:r>
+              <a:rPr lang="en-US" altLang="zh-CN" sz="800" baseline="-25000" dirty="0"/>
+              <a:t>A4</a:t>
+            </a:r>
+            <a:endParaRPr lang="zh-CN" altLang="en-US" sz="800" baseline="-25000" dirty="0"/>
+          </a:p>
+        </p:txBody>
+      </p:sp>
+      <p:sp>
+        <p:nvSpPr>
+          <p:cNvPr id="12" name="TextBox 11">
+            <a:extLst>
+              <a:ext uri="{FF2B5EF4-FFF2-40B4-BE49-F238E27FC236}">
+                <a16:creationId xmlns:a16="http://schemas.microsoft.com/office/drawing/2014/main" id="{EC3AEEDA-4832-4262-AA75-DD09F17DEBBD}"/>
+              </a:ext>
+            </a:extLst>
+          </p:cNvPr>
+          <p:cNvSpPr txBox="1"/>
+          <p:nvPr/>
+        </p:nvSpPr>
+        <p:spPr>
+          <a:xfrm>
+            <a:off x="3724664" y="3567737"/>
+            <a:ext cx="110608" cy="215444"/>
+          </a:xfrm>
+          <a:prstGeom prst="rect">
+            <a:avLst/>
+          </a:prstGeom>
+          <a:noFill/>
+        </p:spPr>
+        <p:txBody>
+          <a:bodyPr wrap="none" lIns="0" rIns="0" rtlCol="0">
+            <a:spAutoFit/>
+          </a:bodyPr>
+          <a:lstStyle/>
+          <a:p>
+            <a:r>
+              <a:rPr lang="en-US" altLang="zh-CN" sz="800" dirty="0"/>
+              <a:t>A2</a:t>
+            </a:r>
+            <a:endParaRPr lang="zh-CN" altLang="en-US" sz="800" dirty="0"/>
+          </a:p>
+        </p:txBody>
+      </p:sp>
+      <p:sp>
+        <p:nvSpPr>
+          <p:cNvPr id="13" name="TextBox 12">
+            <a:extLst>
+              <a:ext uri="{FF2B5EF4-FFF2-40B4-BE49-F238E27FC236}">
+                <a16:creationId xmlns:a16="http://schemas.microsoft.com/office/drawing/2014/main" id="{2024158A-A551-4ED1-8572-8D2AA79FB2B2}"/>
+              </a:ext>
+            </a:extLst>
+          </p:cNvPr>
+          <p:cNvSpPr txBox="1"/>
+          <p:nvPr/>
+        </p:nvSpPr>
+        <p:spPr>
+          <a:xfrm>
+            <a:off x="4171921" y="3136493"/>
+            <a:ext cx="110608" cy="215444"/>
+          </a:xfrm>
+          <a:prstGeom prst="rect">
+            <a:avLst/>
+          </a:prstGeom>
+          <a:noFill/>
+        </p:spPr>
+        <p:txBody>
+          <a:bodyPr wrap="none" lIns="0" rIns="0" rtlCol="0">
+            <a:spAutoFit/>
+          </a:bodyPr>
+          <a:lstStyle/>
+          <a:p>
+            <a:r>
+              <a:rPr lang="en-US" altLang="zh-CN" sz="800" dirty="0"/>
+              <a:t>A3</a:t>
+            </a:r>
+            <a:endParaRPr lang="zh-CN" altLang="en-US" sz="800" dirty="0"/>
+          </a:p>
+        </p:txBody>
+      </p:sp>
+      <p:sp>
+        <p:nvSpPr>
+          <p:cNvPr id="14" name="TextBox 13">
+            <a:extLst>
+              <a:ext uri="{FF2B5EF4-FFF2-40B4-BE49-F238E27FC236}">
+                <a16:creationId xmlns:a16="http://schemas.microsoft.com/office/drawing/2014/main" id="{06F610B2-D239-4AEC-9119-C75D0DDF04E8}"/>
+              </a:ext>
+            </a:extLst>
+          </p:cNvPr>
+          <p:cNvSpPr txBox="1"/>
+          <p:nvPr/>
+        </p:nvSpPr>
+        <p:spPr>
+          <a:xfrm>
+            <a:off x="3724664" y="2705724"/>
+            <a:ext cx="110608" cy="215444"/>
+          </a:xfrm>
+          <a:prstGeom prst="rect">
+            <a:avLst/>
+          </a:prstGeom>
+          <a:noFill/>
+        </p:spPr>
+        <p:txBody>
+          <a:bodyPr wrap="none" lIns="0" rIns="0" rtlCol="0">
+            <a:spAutoFit/>
+          </a:bodyPr>
+          <a:lstStyle/>
+          <a:p>
+            <a:r>
+              <a:rPr lang="en-US" altLang="zh-CN" sz="800" dirty="0"/>
+              <a:t>A4</a:t>
+            </a:r>
+            <a:endParaRPr lang="zh-CN" altLang="en-US" sz="800" dirty="0"/>
+          </a:p>
+        </p:txBody>
+      </p:sp>
+      <p:sp>
+        <p:nvSpPr>
+          <p:cNvPr id="15" name="TextBox 14">
+            <a:extLst>
+              <a:ext uri="{FF2B5EF4-FFF2-40B4-BE49-F238E27FC236}">
+                <a16:creationId xmlns:a16="http://schemas.microsoft.com/office/drawing/2014/main" id="{458CB59C-A13F-4C65-82B5-E3928A992395}"/>
+              </a:ext>
+            </a:extLst>
+          </p:cNvPr>
+          <p:cNvSpPr txBox="1"/>
+          <p:nvPr/>
+        </p:nvSpPr>
+        <p:spPr>
+          <a:xfrm>
+            <a:off x="4017140" y="2896224"/>
+            <a:ext cx="110608" cy="215444"/>
+          </a:xfrm>
+          <a:prstGeom prst="rect">
+            <a:avLst/>
+          </a:prstGeom>
+          <a:noFill/>
+        </p:spPr>
+        <p:txBody>
+          <a:bodyPr wrap="none" lIns="0" rIns="0" rtlCol="0">
+            <a:spAutoFit/>
+          </a:bodyPr>
+          <a:lstStyle/>
+          <a:p>
+            <a:r>
+              <a:rPr lang="en-US" altLang="zh-CN" sz="800" dirty="0"/>
+              <a:t>B1</a:t>
+            </a:r>
+            <a:endParaRPr lang="zh-CN" altLang="en-US" sz="800" dirty="0"/>
+          </a:p>
+        </p:txBody>
+      </p:sp>
+      <p:sp>
+        <p:nvSpPr>
+          <p:cNvPr id="16" name="TextBox 15">
+            <a:extLst>
+              <a:ext uri="{FF2B5EF4-FFF2-40B4-BE49-F238E27FC236}">
+                <a16:creationId xmlns:a16="http://schemas.microsoft.com/office/drawing/2014/main" id="{EEFF7C3A-029B-441B-BC01-38CF981DEF4D}"/>
+              </a:ext>
+            </a:extLst>
+          </p:cNvPr>
+          <p:cNvSpPr txBox="1"/>
+          <p:nvPr/>
+        </p:nvSpPr>
+        <p:spPr>
+          <a:xfrm>
+            <a:off x="4717228" y="3255793"/>
+            <a:ext cx="107402" cy="215444"/>
+          </a:xfrm>
+          <a:prstGeom prst="rect">
+            <a:avLst/>
+          </a:prstGeom>
+          <a:noFill/>
+        </p:spPr>
+        <p:txBody>
+          <a:bodyPr wrap="none" lIns="0" rIns="0" rtlCol="0">
+            <a:spAutoFit/>
+          </a:bodyPr>
+          <a:lstStyle/>
+          <a:p>
+            <a:r>
+              <a:rPr lang="en-US" altLang="zh-CN" sz="800" dirty="0"/>
+              <a:t>B2</a:t>
+            </a:r>
+            <a:endParaRPr lang="zh-CN" altLang="en-US" sz="800" dirty="0"/>
+          </a:p>
+        </p:txBody>
+      </p:sp>
+      <p:sp>
+        <p:nvSpPr>
+          <p:cNvPr id="17" name="TextBox 16">
+            <a:extLst>
+              <a:ext uri="{FF2B5EF4-FFF2-40B4-BE49-F238E27FC236}">
+                <a16:creationId xmlns:a16="http://schemas.microsoft.com/office/drawing/2014/main" id="{933C60E4-D4A2-4209-B445-3EBD5829792F}"/>
+              </a:ext>
+            </a:extLst>
+          </p:cNvPr>
+          <p:cNvSpPr txBox="1"/>
+          <p:nvPr/>
+        </p:nvSpPr>
+        <p:spPr>
+          <a:xfrm>
+            <a:off x="4476722" y="2529511"/>
+            <a:ext cx="107402" cy="215444"/>
+          </a:xfrm>
+          <a:prstGeom prst="rect">
+            <a:avLst/>
+          </a:prstGeom>
+          <a:noFill/>
+        </p:spPr>
+        <p:txBody>
+          <a:bodyPr wrap="none" lIns="0" rIns="0" rtlCol="0">
+            <a:spAutoFit/>
+          </a:bodyPr>
+          <a:lstStyle/>
+          <a:p>
+            <a:r>
+              <a:rPr lang="en-US" altLang="zh-CN" sz="800" dirty="0"/>
+              <a:t>B3</a:t>
+            </a:r>
+            <a:endParaRPr lang="zh-CN" altLang="en-US" sz="800" dirty="0"/>
+          </a:p>
+        </p:txBody>
+      </p:sp>
+      <p:sp>
+        <p:nvSpPr>
+          <p:cNvPr id="18" name="TextBox 17">
+            <a:extLst>
+              <a:ext uri="{FF2B5EF4-FFF2-40B4-BE49-F238E27FC236}">
+                <a16:creationId xmlns:a16="http://schemas.microsoft.com/office/drawing/2014/main" id="{B12C7291-FEC0-43E3-BF17-1724DC8BC3CB}"/>
+              </a:ext>
+            </a:extLst>
+          </p:cNvPr>
+          <p:cNvSpPr txBox="1"/>
+          <p:nvPr/>
+        </p:nvSpPr>
+        <p:spPr>
+          <a:xfrm>
+            <a:off x="3702815" y="2319961"/>
+            <a:ext cx="107402" cy="215444"/>
+          </a:xfrm>
+          <a:prstGeom prst="rect">
+            <a:avLst/>
+          </a:prstGeom>
+          <a:noFill/>
+        </p:spPr>
+        <p:txBody>
+          <a:bodyPr wrap="none" lIns="0" rIns="0" rtlCol="0">
+            <a:spAutoFit/>
+          </a:bodyPr>
+          <a:lstStyle/>
+          <a:p>
+            <a:r>
+              <a:rPr lang="en-US" altLang="zh-CN" sz="800" dirty="0"/>
+              <a:t>B4</a:t>
+            </a:r>
+            <a:endParaRPr lang="zh-CN" altLang="en-US" sz="800" dirty="0"/>
+          </a:p>
+        </p:txBody>
+      </p:sp>
+      <p:sp>
+        <p:nvSpPr>
+          <p:cNvPr id="19" name="TextBox 18">
+            <a:extLst>
+              <a:ext uri="{FF2B5EF4-FFF2-40B4-BE49-F238E27FC236}">
+                <a16:creationId xmlns:a16="http://schemas.microsoft.com/office/drawing/2014/main" id="{DC19E777-5A52-46BC-87AC-5744EB1E62CB}"/>
+              </a:ext>
+            </a:extLst>
+          </p:cNvPr>
+          <p:cNvSpPr txBox="1"/>
+          <p:nvPr/>
+        </p:nvSpPr>
+        <p:spPr>
+          <a:xfrm>
+            <a:off x="4463735" y="3043229"/>
+            <a:ext cx="123432" cy="215444"/>
+          </a:xfrm>
+          <a:prstGeom prst="rect">
+            <a:avLst/>
+          </a:prstGeom>
+          <a:noFill/>
+        </p:spPr>
+        <p:txBody>
+          <a:bodyPr wrap="none" lIns="0" rIns="0" rtlCol="0">
+            <a:spAutoFit/>
+          </a:bodyPr>
+          <a:lstStyle/>
+          <a:p>
+            <a:r>
+              <a:rPr lang="en-US" altLang="zh-CN" sz="800" dirty="0"/>
+              <a:t>e</a:t>
+            </a:r>
+            <a:r>
+              <a:rPr lang="en-US" altLang="zh-CN" sz="800" baseline="-25000" dirty="0"/>
+              <a:t>B2</a:t>
+            </a:r>
+            <a:endParaRPr lang="zh-CN" altLang="en-US" sz="800" baseline="-25000" dirty="0"/>
+          </a:p>
+        </p:txBody>
+      </p:sp>
+      <p:sp>
+        <p:nvSpPr>
+          <p:cNvPr id="20" name="TextBox 19">
+            <a:extLst>
+              <a:ext uri="{FF2B5EF4-FFF2-40B4-BE49-F238E27FC236}">
+                <a16:creationId xmlns:a16="http://schemas.microsoft.com/office/drawing/2014/main" id="{A4B9C056-F2EC-49B6-8E74-93E51ECBC891}"/>
+              </a:ext>
+            </a:extLst>
+          </p:cNvPr>
+          <p:cNvSpPr txBox="1"/>
+          <p:nvPr/>
+        </p:nvSpPr>
+        <p:spPr>
+          <a:xfrm>
+            <a:off x="4277203" y="2728904"/>
+            <a:ext cx="123432" cy="215444"/>
+          </a:xfrm>
+          <a:prstGeom prst="rect">
+            <a:avLst/>
+          </a:prstGeom>
+          <a:noFill/>
+        </p:spPr>
+        <p:txBody>
+          <a:bodyPr wrap="none" lIns="0" rIns="0" rtlCol="0">
+            <a:spAutoFit/>
+          </a:bodyPr>
+          <a:lstStyle/>
+          <a:p>
+            <a:r>
+              <a:rPr lang="en-US" altLang="zh-CN" sz="800" dirty="0"/>
+              <a:t>e</a:t>
+            </a:r>
+            <a:r>
+              <a:rPr lang="en-US" altLang="zh-CN" sz="800" baseline="-25000" dirty="0"/>
+              <a:t>B3</a:t>
+            </a:r>
+            <a:endParaRPr lang="zh-CN" altLang="en-US" sz="800" baseline="-25000" dirty="0"/>
+          </a:p>
+        </p:txBody>
+      </p:sp>
+      <p:sp>
+        <p:nvSpPr>
+          <p:cNvPr id="21" name="TextBox 20">
+            <a:extLst>
+              <a:ext uri="{FF2B5EF4-FFF2-40B4-BE49-F238E27FC236}">
+                <a16:creationId xmlns:a16="http://schemas.microsoft.com/office/drawing/2014/main" id="{3FA07296-B3FE-4B7E-88B6-801F750FEEA8}"/>
+              </a:ext>
+            </a:extLst>
+          </p:cNvPr>
+          <p:cNvSpPr txBox="1"/>
+          <p:nvPr/>
+        </p:nvSpPr>
+        <p:spPr>
+          <a:xfrm>
+            <a:off x="3943828" y="2503479"/>
+            <a:ext cx="123432" cy="215444"/>
+          </a:xfrm>
+          <a:prstGeom prst="rect">
+            <a:avLst/>
+          </a:prstGeom>
+          <a:noFill/>
+        </p:spPr>
+        <p:txBody>
+          <a:bodyPr wrap="none" lIns="0" rIns="0" rtlCol="0">
+            <a:spAutoFit/>
+          </a:bodyPr>
+          <a:lstStyle/>
+          <a:p>
+            <a:r>
+              <a:rPr lang="en-US" altLang="zh-CN" sz="800" dirty="0"/>
+              <a:t>e</a:t>
+            </a:r>
+            <a:r>
+              <a:rPr lang="en-US" altLang="zh-CN" sz="800" baseline="-25000" dirty="0"/>
+              <a:t>B4</a:t>
+            </a:r>
+            <a:endParaRPr lang="zh-CN" altLang="en-US" sz="800" baseline="-25000" dirty="0"/>
+          </a:p>
+        </p:txBody>
+      </p:sp>
+      <p:cxnSp>
+        <p:nvCxnSpPr>
+          <p:cNvPr id="22" name="Straight Arrow Connector 21">
+            <a:extLst>
+              <a:ext uri="{FF2B5EF4-FFF2-40B4-BE49-F238E27FC236}">
+                <a16:creationId xmlns:a16="http://schemas.microsoft.com/office/drawing/2014/main" id="{70303354-024C-4C85-A754-5D5F8E895F53}"/>
+              </a:ext>
+            </a:extLst>
+          </p:cNvPr>
+          <p:cNvCxnSpPr/>
+          <p:nvPr/>
+        </p:nvCxnSpPr>
+        <p:spPr>
+          <a:xfrm flipH="1" flipV="1">
+            <a:off x="3779968" y="2855120"/>
+            <a:ext cx="0" cy="182880"/>
+          </a:xfrm>
+          <a:prstGeom prst="straightConnector1">
+            <a:avLst/>
+          </a:prstGeom>
+          <a:ln w="6350">
+            <a:solidFill>
+              <a:schemeClr val="tx1"/>
+            </a:solidFill>
+            <a:tailEnd type="triangle" w="sm" len="sm"/>
+          </a:ln>
+        </p:spPr>
+        <p:style>
+          <a:lnRef idx="1">
+            <a:schemeClr val="accent1"/>
+          </a:lnRef>
+          <a:fillRef idx="0">
+            <a:schemeClr val="accent1"/>
+          </a:fillRef>
+          <a:effectRef idx="0">
+            <a:schemeClr val="accent1"/>
+          </a:effectRef>
+          <a:fontRef idx="minor">
+            <a:schemeClr val="tx1"/>
+          </a:fontRef>
+        </p:style>
+      </p:cxnSp>
+      <p:cxnSp>
+        <p:nvCxnSpPr>
+          <p:cNvPr id="23" name="Straight Arrow Connector 22">
+            <a:extLst>
+              <a:ext uri="{FF2B5EF4-FFF2-40B4-BE49-F238E27FC236}">
+                <a16:creationId xmlns:a16="http://schemas.microsoft.com/office/drawing/2014/main" id="{46615D04-329F-4798-9CF5-03F198D9CC96}"/>
+              </a:ext>
+            </a:extLst>
+          </p:cNvPr>
+          <p:cNvCxnSpPr/>
+          <p:nvPr/>
+        </p:nvCxnSpPr>
+        <p:spPr>
+          <a:xfrm rot="10800000" flipH="1" flipV="1">
+            <a:off x="3779969" y="3452815"/>
+            <a:ext cx="0" cy="182880"/>
+          </a:xfrm>
+          <a:prstGeom prst="straightConnector1">
+            <a:avLst/>
+          </a:prstGeom>
+          <a:ln w="6350">
+            <a:solidFill>
+              <a:schemeClr val="tx1"/>
+            </a:solidFill>
+            <a:tailEnd type="triangle" w="sm" len="sm"/>
+          </a:ln>
+        </p:spPr>
+        <p:style>
+          <a:lnRef idx="1">
+            <a:schemeClr val="accent1"/>
+          </a:lnRef>
+          <a:fillRef idx="0">
+            <a:schemeClr val="accent1"/>
+          </a:fillRef>
+          <a:effectRef idx="0">
+            <a:schemeClr val="accent1"/>
+          </a:effectRef>
+          <a:fontRef idx="minor">
+            <a:schemeClr val="tx1"/>
+          </a:fontRef>
+        </p:style>
+      </p:cxnSp>
+      <p:cxnSp>
+        <p:nvCxnSpPr>
+          <p:cNvPr id="24" name="Straight Arrow Connector 23">
+            <a:extLst>
+              <a:ext uri="{FF2B5EF4-FFF2-40B4-BE49-F238E27FC236}">
+                <a16:creationId xmlns:a16="http://schemas.microsoft.com/office/drawing/2014/main" id="{93848EC3-5ED2-4504-8421-D82B1A4B2702}"/>
+              </a:ext>
+            </a:extLst>
+          </p:cNvPr>
+          <p:cNvCxnSpPr/>
+          <p:nvPr/>
+        </p:nvCxnSpPr>
+        <p:spPr>
+          <a:xfrm rot="5400000" flipH="1" flipV="1">
+            <a:off x="4083816" y="3152775"/>
+            <a:ext cx="0" cy="182880"/>
+          </a:xfrm>
+          <a:prstGeom prst="straightConnector1">
+            <a:avLst/>
+          </a:prstGeom>
+          <a:ln w="6350">
+            <a:solidFill>
+              <a:schemeClr val="tx1"/>
+            </a:solidFill>
+            <a:tailEnd type="triangle" w="sm" len="sm"/>
+          </a:ln>
+        </p:spPr>
+        <p:style>
+          <a:lnRef idx="1">
+            <a:schemeClr val="accent1"/>
+          </a:lnRef>
+          <a:fillRef idx="0">
+            <a:schemeClr val="accent1"/>
+          </a:fillRef>
+          <a:effectRef idx="0">
+            <a:schemeClr val="accent1"/>
+          </a:effectRef>
+          <a:fontRef idx="minor">
+            <a:schemeClr val="tx1"/>
+          </a:fontRef>
+        </p:style>
+      </p:cxnSp>
+      <p:cxnSp>
+        <p:nvCxnSpPr>
+          <p:cNvPr id="25" name="Straight Arrow Connector 24">
+            <a:extLst>
+              <a:ext uri="{FF2B5EF4-FFF2-40B4-BE49-F238E27FC236}">
+                <a16:creationId xmlns:a16="http://schemas.microsoft.com/office/drawing/2014/main" id="{BAFA36EC-ED89-4B00-8F7B-A9B78F5AD843}"/>
+              </a:ext>
+            </a:extLst>
+          </p:cNvPr>
+          <p:cNvCxnSpPr/>
+          <p:nvPr/>
+        </p:nvCxnSpPr>
+        <p:spPr>
+          <a:xfrm flipH="1">
+            <a:off x="3195817" y="3244216"/>
+            <a:ext cx="379364" cy="0"/>
+          </a:xfrm>
+          <a:prstGeom prst="straightConnector1">
+            <a:avLst/>
+          </a:prstGeom>
+          <a:ln w="6350">
+            <a:solidFill>
+              <a:schemeClr val="tx1"/>
+            </a:solidFill>
+            <a:tailEnd type="triangle" w="sm" len="sm"/>
+          </a:ln>
+        </p:spPr>
+        <p:style>
+          <a:lnRef idx="1">
+            <a:schemeClr val="accent1"/>
+          </a:lnRef>
+          <a:fillRef idx="0">
+            <a:schemeClr val="accent1"/>
+          </a:fillRef>
+          <a:effectRef idx="0">
+            <a:schemeClr val="accent1"/>
+          </a:effectRef>
+          <a:fontRef idx="minor">
+            <a:schemeClr val="tx1"/>
+          </a:fontRef>
+        </p:style>
+      </p:cxnSp>
+      <p:sp>
+        <p:nvSpPr>
+          <p:cNvPr id="26" name="TextBox 25">
+            <a:extLst>
+              <a:ext uri="{FF2B5EF4-FFF2-40B4-BE49-F238E27FC236}">
+                <a16:creationId xmlns:a16="http://schemas.microsoft.com/office/drawing/2014/main" id="{F0A38D10-9E21-4E1E-9BCB-E59892F145FE}"/>
+              </a:ext>
+            </a:extLst>
+          </p:cNvPr>
+          <p:cNvSpPr txBox="1"/>
+          <p:nvPr/>
+        </p:nvSpPr>
+        <p:spPr>
+          <a:xfrm>
+            <a:off x="4149497" y="2820980"/>
+            <a:ext cx="123432" cy="215444"/>
+          </a:xfrm>
+          <a:prstGeom prst="rect">
+            <a:avLst/>
+          </a:prstGeom>
+          <a:noFill/>
+        </p:spPr>
+        <p:txBody>
+          <a:bodyPr wrap="none" lIns="0" rIns="0" rtlCol="0">
+            <a:spAutoFit/>
+          </a:bodyPr>
+          <a:lstStyle/>
+          <a:p>
+            <a:r>
+              <a:rPr lang="en-US" altLang="zh-CN" sz="800" dirty="0"/>
+              <a:t>e</a:t>
+            </a:r>
+            <a:r>
+              <a:rPr lang="en-US" altLang="zh-CN" sz="800" baseline="-25000" dirty="0"/>
+              <a:t>B1</a:t>
+            </a:r>
+            <a:endParaRPr lang="zh-CN" altLang="en-US" sz="800" baseline="-25000" dirty="0"/>
+          </a:p>
+        </p:txBody>
+      </p:sp>
+      <p:sp>
+        <p:nvSpPr>
+          <p:cNvPr id="27" name="矩形 28">
+            <a:extLst>
+              <a:ext uri="{FF2B5EF4-FFF2-40B4-BE49-F238E27FC236}">
+                <a16:creationId xmlns:a16="http://schemas.microsoft.com/office/drawing/2014/main" id="{D9441115-A15E-4524-A6D5-2D4A4B0CCF7F}"/>
+              </a:ext>
+            </a:extLst>
+          </p:cNvPr>
+          <p:cNvSpPr>
+            <a:spLocks/>
+          </p:cNvSpPr>
+          <p:nvPr/>
+        </p:nvSpPr>
+        <p:spPr>
+          <a:xfrm rot="2700000">
+            <a:off x="3810134" y="2765955"/>
+            <a:ext cx="914400" cy="274320"/>
+          </a:xfrm>
+          <a:prstGeom prst="rect">
+            <a:avLst/>
+          </a:prstGeom>
+          <a:noFill/>
+          <a:ln w="12700">
+            <a:solidFill>
+              <a:schemeClr val="tx1"/>
+            </a:solidFill>
+          </a:ln>
+        </p:spPr>
+        <p:style>
+          <a:lnRef idx="2">
+            <a:schemeClr val="accent1">
+              <a:shade val="50000"/>
+            </a:schemeClr>
+          </a:lnRef>
+          <a:fillRef idx="1">
+            <a:schemeClr val="accent1"/>
+          </a:fillRef>
+          <a:effectRef idx="0">
+            <a:schemeClr val="accent1"/>
+          </a:effectRef>
+          <a:fontRef idx="minor">
+            <a:schemeClr val="lt1"/>
+          </a:fontRef>
+        </p:style>
+        <p:txBody>
+          <a:bodyPr rtlCol="0" anchor="ctr"/>
+          <a:lstStyle/>
+          <a:p>
+            <a:pPr algn="ctr"/>
+            <a:endParaRPr lang="zh-CN" altLang="en-US"/>
+          </a:p>
+        </p:txBody>
+      </p:sp>
+      <p:cxnSp>
+        <p:nvCxnSpPr>
+          <p:cNvPr id="28" name="Straight Arrow Connector 27">
+            <a:extLst>
+              <a:ext uri="{FF2B5EF4-FFF2-40B4-BE49-F238E27FC236}">
+                <a16:creationId xmlns:a16="http://schemas.microsoft.com/office/drawing/2014/main" id="{54BBADF2-283B-4160-93F2-40C57FB49876}"/>
+              </a:ext>
+            </a:extLst>
+          </p:cNvPr>
+          <p:cNvCxnSpPr/>
+          <p:nvPr/>
+        </p:nvCxnSpPr>
+        <p:spPr>
+          <a:xfrm rot="2700000" flipH="1" flipV="1">
+            <a:off x="4427765" y="2651244"/>
+            <a:ext cx="0" cy="182880"/>
+          </a:xfrm>
+          <a:prstGeom prst="straightConnector1">
+            <a:avLst/>
+          </a:prstGeom>
+          <a:ln w="6350">
+            <a:solidFill>
+              <a:schemeClr val="tx1"/>
+            </a:solidFill>
+            <a:tailEnd type="triangle" w="sm" len="sm"/>
+          </a:ln>
+        </p:spPr>
+        <p:style>
+          <a:lnRef idx="1">
+            <a:schemeClr val="accent1"/>
+          </a:lnRef>
+          <a:fillRef idx="0">
+            <a:schemeClr val="accent1"/>
+          </a:fillRef>
+          <a:effectRef idx="0">
+            <a:schemeClr val="accent1"/>
+          </a:effectRef>
+          <a:fontRef idx="minor">
+            <a:schemeClr val="tx1"/>
+          </a:fontRef>
+        </p:style>
+      </p:cxnSp>
+      <p:cxnSp>
+        <p:nvCxnSpPr>
+          <p:cNvPr id="29" name="Straight Arrow Connector 28">
+            <a:extLst>
+              <a:ext uri="{FF2B5EF4-FFF2-40B4-BE49-F238E27FC236}">
+                <a16:creationId xmlns:a16="http://schemas.microsoft.com/office/drawing/2014/main" id="{34137DCB-E738-4B11-8971-DFB1DD224EFD}"/>
+              </a:ext>
+            </a:extLst>
+          </p:cNvPr>
+          <p:cNvCxnSpPr/>
+          <p:nvPr/>
+        </p:nvCxnSpPr>
+        <p:spPr>
+          <a:xfrm rot="13500000" flipH="1" flipV="1">
+            <a:off x="4106159" y="2972851"/>
+            <a:ext cx="0" cy="182880"/>
+          </a:xfrm>
+          <a:prstGeom prst="straightConnector1">
+            <a:avLst/>
+          </a:prstGeom>
+          <a:ln w="6350">
+            <a:solidFill>
+              <a:schemeClr val="tx1"/>
+            </a:solidFill>
+            <a:tailEnd type="triangle" w="sm" len="sm"/>
+          </a:ln>
+        </p:spPr>
+        <p:style>
+          <a:lnRef idx="1">
+            <a:schemeClr val="accent1"/>
+          </a:lnRef>
+          <a:fillRef idx="0">
+            <a:schemeClr val="accent1"/>
+          </a:fillRef>
+          <a:effectRef idx="0">
+            <a:schemeClr val="accent1"/>
+          </a:effectRef>
+          <a:fontRef idx="minor">
+            <a:schemeClr val="tx1"/>
+          </a:fontRef>
+        </p:style>
+      </p:cxnSp>
+      <p:cxnSp>
+        <p:nvCxnSpPr>
+          <p:cNvPr id="30" name="Straight Arrow Connector 29">
+            <a:extLst>
+              <a:ext uri="{FF2B5EF4-FFF2-40B4-BE49-F238E27FC236}">
+                <a16:creationId xmlns:a16="http://schemas.microsoft.com/office/drawing/2014/main" id="{A502FA58-E3FE-4723-88DB-B65A6D526C10}"/>
+              </a:ext>
+            </a:extLst>
+          </p:cNvPr>
+          <p:cNvCxnSpPr/>
+          <p:nvPr/>
+        </p:nvCxnSpPr>
+        <p:spPr>
+          <a:xfrm rot="8100000" flipH="1" flipV="1">
+            <a:off x="4656852" y="3201192"/>
+            <a:ext cx="0" cy="182880"/>
+          </a:xfrm>
+          <a:prstGeom prst="straightConnector1">
+            <a:avLst/>
+          </a:prstGeom>
+          <a:ln w="6350">
+            <a:solidFill>
+              <a:schemeClr val="tx1"/>
+            </a:solidFill>
+            <a:tailEnd type="triangle" w="sm" len="sm"/>
+          </a:ln>
+        </p:spPr>
+        <p:style>
+          <a:lnRef idx="1">
+            <a:schemeClr val="accent1"/>
+          </a:lnRef>
+          <a:fillRef idx="0">
+            <a:schemeClr val="accent1"/>
+          </a:fillRef>
+          <a:effectRef idx="0">
+            <a:schemeClr val="accent1"/>
+          </a:effectRef>
+          <a:fontRef idx="minor">
+            <a:schemeClr val="tx1"/>
+          </a:fontRef>
+        </p:style>
+      </p:cxnSp>
+      <p:cxnSp>
+        <p:nvCxnSpPr>
+          <p:cNvPr id="31" name="Straight Arrow Connector 30">
+            <a:extLst>
+              <a:ext uri="{FF2B5EF4-FFF2-40B4-BE49-F238E27FC236}">
+                <a16:creationId xmlns:a16="http://schemas.microsoft.com/office/drawing/2014/main" id="{619393A3-1EF1-4137-A6D8-3D3F5FBC2F7B}"/>
+              </a:ext>
+            </a:extLst>
+          </p:cNvPr>
+          <p:cNvCxnSpPr/>
+          <p:nvPr/>
+        </p:nvCxnSpPr>
+        <p:spPr>
+          <a:xfrm rot="18900000" flipH="1" flipV="1">
+            <a:off x="3880620" y="2424961"/>
+            <a:ext cx="0" cy="182880"/>
+          </a:xfrm>
+          <a:prstGeom prst="straightConnector1">
+            <a:avLst/>
+          </a:prstGeom>
+          <a:ln w="6350">
+            <a:solidFill>
+              <a:schemeClr val="tx1"/>
+            </a:solidFill>
+            <a:tailEnd type="triangle" w="sm" len="sm"/>
+          </a:ln>
+        </p:spPr>
+        <p:style>
+          <a:lnRef idx="1">
+            <a:schemeClr val="accent1"/>
+          </a:lnRef>
+          <a:fillRef idx="0">
+            <a:schemeClr val="accent1"/>
+          </a:fillRef>
+          <a:effectRef idx="0">
+            <a:schemeClr val="accent1"/>
+          </a:effectRef>
+          <a:fontRef idx="minor">
+            <a:schemeClr val="tx1"/>
+          </a:fontRef>
+        </p:style>
+      </p:cxnSp>
+      <p:sp>
+        <p:nvSpPr>
+          <p:cNvPr id="32" name="TextBox 31">
+            <a:extLst>
+              <a:ext uri="{FF2B5EF4-FFF2-40B4-BE49-F238E27FC236}">
+                <a16:creationId xmlns:a16="http://schemas.microsoft.com/office/drawing/2014/main" id="{37E75CA4-2E7E-403E-8A0A-E6E1E8411743}"/>
+              </a:ext>
+            </a:extLst>
+          </p:cNvPr>
+          <p:cNvSpPr txBox="1"/>
+          <p:nvPr/>
+        </p:nvSpPr>
+        <p:spPr>
+          <a:xfrm>
+            <a:off x="1948720" y="2668343"/>
+            <a:ext cx="1723229" cy="338554"/>
+          </a:xfrm>
+          <a:prstGeom prst="rect">
+            <a:avLst/>
+          </a:prstGeom>
+          <a:noFill/>
+        </p:spPr>
+        <p:txBody>
+          <a:bodyPr wrap="none" lIns="0" rIns="0" rtlCol="0">
+            <a:spAutoFit/>
+          </a:bodyPr>
+          <a:lstStyle/>
+          <a:p>
+            <a:r>
+              <a:rPr lang="en-US" altLang="zh-CN" sz="800" dirty="0"/>
+              <a:t>E.g., A1 is the face normal of edge e</a:t>
+            </a:r>
+            <a:r>
+              <a:rPr lang="en-US" altLang="zh-CN" sz="800" baseline="-25000" dirty="0"/>
+              <a:t>A1</a:t>
+            </a:r>
+            <a:r>
+              <a:rPr lang="en-US" altLang="zh-CN" sz="800" dirty="0"/>
+              <a:t>, or </a:t>
+            </a:r>
+          </a:p>
+          <a:p>
+            <a:r>
+              <a:rPr lang="en-US" altLang="zh-CN" sz="800" dirty="0"/>
+              <a:t>Axis A1 is perpendicular to edge e</a:t>
+            </a:r>
+            <a:r>
+              <a:rPr lang="en-US" altLang="zh-CN" sz="800" baseline="-25000" dirty="0"/>
+              <a:t>A1</a:t>
+            </a:r>
+            <a:endParaRPr lang="zh-CN" altLang="en-US" sz="800" baseline="-25000" dirty="0"/>
+          </a:p>
+        </p:txBody>
+      </p:sp>
+      <p:sp>
+        <p:nvSpPr>
+          <p:cNvPr id="33" name="Freeform 64">
+            <a:extLst>
+              <a:ext uri="{FF2B5EF4-FFF2-40B4-BE49-F238E27FC236}">
+                <a16:creationId xmlns:a16="http://schemas.microsoft.com/office/drawing/2014/main" id="{121B7E28-1E42-4D19-A0B3-2E5F72B5E899}"/>
+              </a:ext>
+            </a:extLst>
+          </p:cNvPr>
+          <p:cNvSpPr/>
+          <p:nvPr/>
+        </p:nvSpPr>
+        <p:spPr>
+          <a:xfrm rot="18107458">
+            <a:off x="2905858" y="2969382"/>
+            <a:ext cx="87945" cy="300044"/>
+          </a:xfrm>
+          <a:custGeom>
+            <a:avLst/>
+            <a:gdLst>
+              <a:gd name="connsiteX0" fmla="*/ 156390 w 156390"/>
+              <a:gd name="connsiteY0" fmla="*/ 0 h 567708"/>
+              <a:gd name="connsiteX1" fmla="*/ 378 w 156390"/>
+              <a:gd name="connsiteY1" fmla="*/ 177679 h 567708"/>
+              <a:gd name="connsiteX2" fmla="*/ 113053 w 156390"/>
+              <a:gd name="connsiteY2" fmla="*/ 407363 h 567708"/>
+              <a:gd name="connsiteX3" fmla="*/ 130388 w 156390"/>
+              <a:gd name="connsiteY3" fmla="*/ 567708 h 567708"/>
+              <a:gd name="connsiteX4" fmla="*/ 130388 w 156390"/>
+              <a:gd name="connsiteY4" fmla="*/ 567708 h 567708"/>
+              <a:gd name="connsiteX0" fmla="*/ 156390 w 157057"/>
+              <a:gd name="connsiteY0" fmla="*/ 0 h 567708"/>
+              <a:gd name="connsiteX1" fmla="*/ 378 w 157057"/>
+              <a:gd name="connsiteY1" fmla="*/ 177679 h 567708"/>
+              <a:gd name="connsiteX2" fmla="*/ 113053 w 157057"/>
+              <a:gd name="connsiteY2" fmla="*/ 407363 h 567708"/>
+              <a:gd name="connsiteX3" fmla="*/ 130388 w 157057"/>
+              <a:gd name="connsiteY3" fmla="*/ 567708 h 567708"/>
+              <a:gd name="connsiteX4" fmla="*/ 130388 w 157057"/>
+              <a:gd name="connsiteY4" fmla="*/ 567708 h 567708"/>
+              <a:gd name="connsiteX0" fmla="*/ 156390 w 168460"/>
+              <a:gd name="connsiteY0" fmla="*/ 0 h 567708"/>
+              <a:gd name="connsiteX1" fmla="*/ 378 w 168460"/>
+              <a:gd name="connsiteY1" fmla="*/ 177679 h 567708"/>
+              <a:gd name="connsiteX2" fmla="*/ 113053 w 168460"/>
+              <a:gd name="connsiteY2" fmla="*/ 407363 h 567708"/>
+              <a:gd name="connsiteX3" fmla="*/ 130388 w 168460"/>
+              <a:gd name="connsiteY3" fmla="*/ 567708 h 567708"/>
+              <a:gd name="connsiteX4" fmla="*/ 130388 w 168460"/>
+              <a:gd name="connsiteY4" fmla="*/ 567708 h 567708"/>
+              <a:gd name="connsiteX0" fmla="*/ 139118 w 152058"/>
+              <a:gd name="connsiteY0" fmla="*/ 0 h 567708"/>
+              <a:gd name="connsiteX1" fmla="*/ 441 w 152058"/>
+              <a:gd name="connsiteY1" fmla="*/ 234016 h 567708"/>
+              <a:gd name="connsiteX2" fmla="*/ 95781 w 152058"/>
+              <a:gd name="connsiteY2" fmla="*/ 407363 h 567708"/>
+              <a:gd name="connsiteX3" fmla="*/ 113116 w 152058"/>
+              <a:gd name="connsiteY3" fmla="*/ 567708 h 567708"/>
+              <a:gd name="connsiteX4" fmla="*/ 113116 w 152058"/>
+              <a:gd name="connsiteY4" fmla="*/ 567708 h 567708"/>
+              <a:gd name="connsiteX0" fmla="*/ 138981 w 197949"/>
+              <a:gd name="connsiteY0" fmla="*/ 0 h 567708"/>
+              <a:gd name="connsiteX1" fmla="*/ 304 w 197949"/>
+              <a:gd name="connsiteY1" fmla="*/ 234016 h 567708"/>
+              <a:gd name="connsiteX2" fmla="*/ 195318 w 197949"/>
+              <a:gd name="connsiteY2" fmla="*/ 312023 h 567708"/>
+              <a:gd name="connsiteX3" fmla="*/ 112979 w 197949"/>
+              <a:gd name="connsiteY3" fmla="*/ 567708 h 567708"/>
+              <a:gd name="connsiteX4" fmla="*/ 112979 w 197949"/>
+              <a:gd name="connsiteY4" fmla="*/ 567708 h 567708"/>
+              <a:gd name="connsiteX0" fmla="*/ 138964 w 197932"/>
+              <a:gd name="connsiteY0" fmla="*/ 0 h 567708"/>
+              <a:gd name="connsiteX1" fmla="*/ 287 w 197932"/>
+              <a:gd name="connsiteY1" fmla="*/ 234016 h 567708"/>
+              <a:gd name="connsiteX2" fmla="*/ 195301 w 197932"/>
+              <a:gd name="connsiteY2" fmla="*/ 312023 h 567708"/>
+              <a:gd name="connsiteX3" fmla="*/ 112962 w 197932"/>
+              <a:gd name="connsiteY3" fmla="*/ 567708 h 567708"/>
+              <a:gd name="connsiteX4" fmla="*/ 112962 w 197932"/>
+              <a:gd name="connsiteY4" fmla="*/ 567708 h 567708"/>
+              <a:gd name="connsiteX0" fmla="*/ 108671 w 166544"/>
+              <a:gd name="connsiteY0" fmla="*/ 0 h 567708"/>
+              <a:gd name="connsiteX1" fmla="*/ 330 w 166544"/>
+              <a:gd name="connsiteY1" fmla="*/ 303355 h 567708"/>
+              <a:gd name="connsiteX2" fmla="*/ 165008 w 166544"/>
+              <a:gd name="connsiteY2" fmla="*/ 312023 h 567708"/>
+              <a:gd name="connsiteX3" fmla="*/ 82669 w 166544"/>
+              <a:gd name="connsiteY3" fmla="*/ 567708 h 567708"/>
+              <a:gd name="connsiteX4" fmla="*/ 82669 w 166544"/>
+              <a:gd name="connsiteY4" fmla="*/ 567708 h 567708"/>
+              <a:gd name="connsiteX0" fmla="*/ 108831 w 179543"/>
+              <a:gd name="connsiteY0" fmla="*/ 0 h 567708"/>
+              <a:gd name="connsiteX1" fmla="*/ 490 w 179543"/>
+              <a:gd name="connsiteY1" fmla="*/ 303355 h 567708"/>
+              <a:gd name="connsiteX2" fmla="*/ 178169 w 179543"/>
+              <a:gd name="connsiteY2" fmla="*/ 403030 h 567708"/>
+              <a:gd name="connsiteX3" fmla="*/ 82829 w 179543"/>
+              <a:gd name="connsiteY3" fmla="*/ 567708 h 567708"/>
+              <a:gd name="connsiteX4" fmla="*/ 82829 w 179543"/>
+              <a:gd name="connsiteY4" fmla="*/ 567708 h 567708"/>
+              <a:gd name="connsiteX0" fmla="*/ 146275 w 387603"/>
+              <a:gd name="connsiteY0" fmla="*/ 0 h 567708"/>
+              <a:gd name="connsiteX1" fmla="*/ 37934 w 387603"/>
+              <a:gd name="connsiteY1" fmla="*/ 303355 h 567708"/>
+              <a:gd name="connsiteX2" fmla="*/ 373880 w 387603"/>
+              <a:gd name="connsiteY2" fmla="*/ 336933 h 567708"/>
+              <a:gd name="connsiteX3" fmla="*/ 120273 w 387603"/>
+              <a:gd name="connsiteY3" fmla="*/ 567708 h 567708"/>
+              <a:gd name="connsiteX4" fmla="*/ 120273 w 387603"/>
+              <a:gd name="connsiteY4" fmla="*/ 567708 h 567708"/>
+              <a:gd name="connsiteX0" fmla="*/ 111084 w 188367"/>
+              <a:gd name="connsiteY0" fmla="*/ 0 h 567708"/>
+              <a:gd name="connsiteX1" fmla="*/ 2743 w 188367"/>
+              <a:gd name="connsiteY1" fmla="*/ 303355 h 567708"/>
+              <a:gd name="connsiteX2" fmla="*/ 94624 w 188367"/>
+              <a:gd name="connsiteY2" fmla="*/ 336099 h 567708"/>
+              <a:gd name="connsiteX3" fmla="*/ 85082 w 188367"/>
+              <a:gd name="connsiteY3" fmla="*/ 567708 h 567708"/>
+              <a:gd name="connsiteX4" fmla="*/ 85082 w 188367"/>
+              <a:gd name="connsiteY4" fmla="*/ 567708 h 567708"/>
+              <a:gd name="connsiteX0" fmla="*/ 26002 w 103285"/>
+              <a:gd name="connsiteY0" fmla="*/ 0 h 567708"/>
+              <a:gd name="connsiteX1" fmla="*/ 9542 w 103285"/>
+              <a:gd name="connsiteY1" fmla="*/ 218890 h 567708"/>
+              <a:gd name="connsiteX2" fmla="*/ 9542 w 103285"/>
+              <a:gd name="connsiteY2" fmla="*/ 336099 h 567708"/>
+              <a:gd name="connsiteX3" fmla="*/ 0 w 103285"/>
+              <a:gd name="connsiteY3" fmla="*/ 567708 h 567708"/>
+              <a:gd name="connsiteX4" fmla="*/ 0 w 103285"/>
+              <a:gd name="connsiteY4" fmla="*/ 567708 h 567708"/>
+              <a:gd name="connsiteX0" fmla="*/ 26002 w 103285"/>
+              <a:gd name="connsiteY0" fmla="*/ 0 h 567708"/>
+              <a:gd name="connsiteX1" fmla="*/ 9542 w 103285"/>
+              <a:gd name="connsiteY1" fmla="*/ 218890 h 567708"/>
+              <a:gd name="connsiteX2" fmla="*/ 14894 w 103285"/>
+              <a:gd name="connsiteY2" fmla="*/ 275610 h 567708"/>
+              <a:gd name="connsiteX3" fmla="*/ 0 w 103285"/>
+              <a:gd name="connsiteY3" fmla="*/ 567708 h 567708"/>
+              <a:gd name="connsiteX4" fmla="*/ 0 w 103285"/>
+              <a:gd name="connsiteY4" fmla="*/ 567708 h 567708"/>
+              <a:gd name="connsiteX0" fmla="*/ 94323 w 171606"/>
+              <a:gd name="connsiteY0" fmla="*/ 0 h 567708"/>
+              <a:gd name="connsiteX1" fmla="*/ 1851 w 171606"/>
+              <a:gd name="connsiteY1" fmla="*/ 222884 h 567708"/>
+              <a:gd name="connsiteX2" fmla="*/ 83215 w 171606"/>
+              <a:gd name="connsiteY2" fmla="*/ 275610 h 567708"/>
+              <a:gd name="connsiteX3" fmla="*/ 68321 w 171606"/>
+              <a:gd name="connsiteY3" fmla="*/ 567708 h 567708"/>
+              <a:gd name="connsiteX4" fmla="*/ 68321 w 171606"/>
+              <a:gd name="connsiteY4" fmla="*/ 567708 h 567708"/>
+              <a:gd name="connsiteX0" fmla="*/ 179 w 108679"/>
+              <a:gd name="connsiteY0" fmla="*/ 0 h 514982"/>
+              <a:gd name="connsiteX1" fmla="*/ 16237 w 108679"/>
+              <a:gd name="connsiteY1" fmla="*/ 170158 h 514982"/>
+              <a:gd name="connsiteX2" fmla="*/ 97601 w 108679"/>
+              <a:gd name="connsiteY2" fmla="*/ 222884 h 514982"/>
+              <a:gd name="connsiteX3" fmla="*/ 82707 w 108679"/>
+              <a:gd name="connsiteY3" fmla="*/ 514982 h 514982"/>
+              <a:gd name="connsiteX4" fmla="*/ 82707 w 108679"/>
+              <a:gd name="connsiteY4" fmla="*/ 514982 h 514982"/>
+              <a:gd name="connsiteX0" fmla="*/ 179 w 108679"/>
+              <a:gd name="connsiteY0" fmla="*/ 0 h 514982"/>
+              <a:gd name="connsiteX1" fmla="*/ 16237 w 108679"/>
+              <a:gd name="connsiteY1" fmla="*/ 170158 h 514982"/>
+              <a:gd name="connsiteX2" fmla="*/ 97601 w 108679"/>
+              <a:gd name="connsiteY2" fmla="*/ 222884 h 514982"/>
+              <a:gd name="connsiteX3" fmla="*/ 82707 w 108679"/>
+              <a:gd name="connsiteY3" fmla="*/ 514982 h 514982"/>
+              <a:gd name="connsiteX4" fmla="*/ 82707 w 108679"/>
+              <a:gd name="connsiteY4" fmla="*/ 514982 h 514982"/>
+              <a:gd name="connsiteX0" fmla="*/ 179 w 108679"/>
+              <a:gd name="connsiteY0" fmla="*/ 0 h 514982"/>
+              <a:gd name="connsiteX1" fmla="*/ 16237 w 108679"/>
+              <a:gd name="connsiteY1" fmla="*/ 170158 h 514982"/>
+              <a:gd name="connsiteX2" fmla="*/ 97601 w 108679"/>
+              <a:gd name="connsiteY2" fmla="*/ 222884 h 514982"/>
+              <a:gd name="connsiteX3" fmla="*/ 82707 w 108679"/>
+              <a:gd name="connsiteY3" fmla="*/ 514982 h 514982"/>
+              <a:gd name="connsiteX4" fmla="*/ 82707 w 108679"/>
+              <a:gd name="connsiteY4" fmla="*/ 514982 h 514982"/>
+              <a:gd name="connsiteX0" fmla="*/ 179 w 108679"/>
+              <a:gd name="connsiteY0" fmla="*/ 0 h 514982"/>
+              <a:gd name="connsiteX1" fmla="*/ 16237 w 108679"/>
+              <a:gd name="connsiteY1" fmla="*/ 170158 h 514982"/>
+              <a:gd name="connsiteX2" fmla="*/ 97601 w 108679"/>
+              <a:gd name="connsiteY2" fmla="*/ 222884 h 514982"/>
+              <a:gd name="connsiteX3" fmla="*/ 82707 w 108679"/>
+              <a:gd name="connsiteY3" fmla="*/ 514982 h 514982"/>
+              <a:gd name="connsiteX4" fmla="*/ 82707 w 108679"/>
+              <a:gd name="connsiteY4" fmla="*/ 514982 h 514982"/>
+              <a:gd name="connsiteX0" fmla="*/ 179 w 108679"/>
+              <a:gd name="connsiteY0" fmla="*/ 0 h 514982"/>
+              <a:gd name="connsiteX1" fmla="*/ 16237 w 108679"/>
+              <a:gd name="connsiteY1" fmla="*/ 170158 h 514982"/>
+              <a:gd name="connsiteX2" fmla="*/ 97601 w 108679"/>
+              <a:gd name="connsiteY2" fmla="*/ 222884 h 514982"/>
+              <a:gd name="connsiteX3" fmla="*/ 82707 w 108679"/>
+              <a:gd name="connsiteY3" fmla="*/ 514982 h 514982"/>
+              <a:gd name="connsiteX4" fmla="*/ 82707 w 108679"/>
+              <a:gd name="connsiteY4" fmla="*/ 514982 h 514982"/>
+              <a:gd name="connsiteX0" fmla="*/ 0 w 82528"/>
+              <a:gd name="connsiteY0" fmla="*/ 0 h 514982"/>
+              <a:gd name="connsiteX1" fmla="*/ 16058 w 82528"/>
+              <a:gd name="connsiteY1" fmla="*/ 170158 h 514982"/>
+              <a:gd name="connsiteX2" fmla="*/ 53362 w 82528"/>
+              <a:gd name="connsiteY2" fmla="*/ 225190 h 514982"/>
+              <a:gd name="connsiteX3" fmla="*/ 82528 w 82528"/>
+              <a:gd name="connsiteY3" fmla="*/ 514982 h 514982"/>
+              <a:gd name="connsiteX4" fmla="*/ 82528 w 82528"/>
+              <a:gd name="connsiteY4" fmla="*/ 514982 h 514982"/>
+              <a:gd name="connsiteX0" fmla="*/ 36896 w 119424"/>
+              <a:gd name="connsiteY0" fmla="*/ 0 h 514982"/>
+              <a:gd name="connsiteX1" fmla="*/ 8894 w 119424"/>
+              <a:gd name="connsiteY1" fmla="*/ 172463 h 514982"/>
+              <a:gd name="connsiteX2" fmla="*/ 90258 w 119424"/>
+              <a:gd name="connsiteY2" fmla="*/ 225190 h 514982"/>
+              <a:gd name="connsiteX3" fmla="*/ 119424 w 119424"/>
+              <a:gd name="connsiteY3" fmla="*/ 514982 h 514982"/>
+              <a:gd name="connsiteX4" fmla="*/ 119424 w 119424"/>
+              <a:gd name="connsiteY4" fmla="*/ 514982 h 514982"/>
+              <a:gd name="connsiteX0" fmla="*/ 36896 w 119424"/>
+              <a:gd name="connsiteY0" fmla="*/ 0 h 514982"/>
+              <a:gd name="connsiteX1" fmla="*/ 8894 w 119424"/>
+              <a:gd name="connsiteY1" fmla="*/ 172463 h 514982"/>
+              <a:gd name="connsiteX2" fmla="*/ 90258 w 119424"/>
+              <a:gd name="connsiteY2" fmla="*/ 225190 h 514982"/>
+              <a:gd name="connsiteX3" fmla="*/ 119424 w 119424"/>
+              <a:gd name="connsiteY3" fmla="*/ 514982 h 514982"/>
+              <a:gd name="connsiteX4" fmla="*/ 119424 w 119424"/>
+              <a:gd name="connsiteY4" fmla="*/ 514982 h 514982"/>
+              <a:gd name="connsiteX0" fmla="*/ 137842 w 139411"/>
+              <a:gd name="connsiteY0" fmla="*/ 0 h 506460"/>
+              <a:gd name="connsiteX1" fmla="*/ 819 w 139411"/>
+              <a:gd name="connsiteY1" fmla="*/ 163941 h 506460"/>
+              <a:gd name="connsiteX2" fmla="*/ 82183 w 139411"/>
+              <a:gd name="connsiteY2" fmla="*/ 216668 h 506460"/>
+              <a:gd name="connsiteX3" fmla="*/ 111349 w 139411"/>
+              <a:gd name="connsiteY3" fmla="*/ 506460 h 506460"/>
+              <a:gd name="connsiteX4" fmla="*/ 111349 w 139411"/>
+              <a:gd name="connsiteY4" fmla="*/ 506460 h 506460"/>
+              <a:gd name="connsiteX0" fmla="*/ 137842 w 137842"/>
+              <a:gd name="connsiteY0" fmla="*/ 0 h 506460"/>
+              <a:gd name="connsiteX1" fmla="*/ 819 w 137842"/>
+              <a:gd name="connsiteY1" fmla="*/ 163941 h 506460"/>
+              <a:gd name="connsiteX2" fmla="*/ 82183 w 137842"/>
+              <a:gd name="connsiteY2" fmla="*/ 216668 h 506460"/>
+              <a:gd name="connsiteX3" fmla="*/ 111349 w 137842"/>
+              <a:gd name="connsiteY3" fmla="*/ 506460 h 506460"/>
+              <a:gd name="connsiteX4" fmla="*/ 111349 w 137842"/>
+              <a:gd name="connsiteY4" fmla="*/ 506460 h 506460"/>
+              <a:gd name="connsiteX0" fmla="*/ 137842 w 137842"/>
+              <a:gd name="connsiteY0" fmla="*/ 0 h 506460"/>
+              <a:gd name="connsiteX1" fmla="*/ 819 w 137842"/>
+              <a:gd name="connsiteY1" fmla="*/ 163941 h 506460"/>
+              <a:gd name="connsiteX2" fmla="*/ 82183 w 137842"/>
+              <a:gd name="connsiteY2" fmla="*/ 216668 h 506460"/>
+              <a:gd name="connsiteX3" fmla="*/ 111349 w 137842"/>
+              <a:gd name="connsiteY3" fmla="*/ 506460 h 506460"/>
+              <a:gd name="connsiteX0" fmla="*/ 137844 w 137844"/>
+              <a:gd name="connsiteY0" fmla="*/ 0 h 387629"/>
+              <a:gd name="connsiteX1" fmla="*/ 821 w 137844"/>
+              <a:gd name="connsiteY1" fmla="*/ 163941 h 387629"/>
+              <a:gd name="connsiteX2" fmla="*/ 82185 w 137844"/>
+              <a:gd name="connsiteY2" fmla="*/ 216668 h 387629"/>
+              <a:gd name="connsiteX3" fmla="*/ 112868 w 137844"/>
+              <a:gd name="connsiteY3" fmla="*/ 387629 h 387629"/>
+              <a:gd name="connsiteX0" fmla="*/ 137844 w 137844"/>
+              <a:gd name="connsiteY0" fmla="*/ 0 h 387629"/>
+              <a:gd name="connsiteX1" fmla="*/ 821 w 137844"/>
+              <a:gd name="connsiteY1" fmla="*/ 163941 h 387629"/>
+              <a:gd name="connsiteX2" fmla="*/ 82185 w 137844"/>
+              <a:gd name="connsiteY2" fmla="*/ 216668 h 387629"/>
+              <a:gd name="connsiteX3" fmla="*/ 112868 w 137844"/>
+              <a:gd name="connsiteY3" fmla="*/ 387629 h 387629"/>
+              <a:gd name="connsiteX0" fmla="*/ 137741 w 137741"/>
+              <a:gd name="connsiteY0" fmla="*/ 0 h 388927"/>
+              <a:gd name="connsiteX1" fmla="*/ 718 w 137741"/>
+              <a:gd name="connsiteY1" fmla="*/ 163941 h 388927"/>
+              <a:gd name="connsiteX2" fmla="*/ 82082 w 137741"/>
+              <a:gd name="connsiteY2" fmla="*/ 216668 h 388927"/>
+              <a:gd name="connsiteX3" fmla="*/ 42864 w 137741"/>
+              <a:gd name="connsiteY3" fmla="*/ 388927 h 388927"/>
+              <a:gd name="connsiteX0" fmla="*/ 137741 w 137741"/>
+              <a:gd name="connsiteY0" fmla="*/ 0 h 388927"/>
+              <a:gd name="connsiteX1" fmla="*/ 718 w 137741"/>
+              <a:gd name="connsiteY1" fmla="*/ 163941 h 388927"/>
+              <a:gd name="connsiteX2" fmla="*/ 82082 w 137741"/>
+              <a:gd name="connsiteY2" fmla="*/ 216668 h 388927"/>
+              <a:gd name="connsiteX3" fmla="*/ 42864 w 137741"/>
+              <a:gd name="connsiteY3" fmla="*/ 388927 h 388927"/>
+              <a:gd name="connsiteX0" fmla="*/ 137969 w 137969"/>
+              <a:gd name="connsiteY0" fmla="*/ 0 h 388927"/>
+              <a:gd name="connsiteX1" fmla="*/ 946 w 137969"/>
+              <a:gd name="connsiteY1" fmla="*/ 163941 h 388927"/>
+              <a:gd name="connsiteX2" fmla="*/ 82310 w 137969"/>
+              <a:gd name="connsiteY2" fmla="*/ 216668 h 388927"/>
+              <a:gd name="connsiteX3" fmla="*/ 43092 w 137969"/>
+              <a:gd name="connsiteY3" fmla="*/ 388927 h 388927"/>
+              <a:gd name="connsiteX0" fmla="*/ 109028 w 109028"/>
+              <a:gd name="connsiteY0" fmla="*/ 0 h 388927"/>
+              <a:gd name="connsiteX1" fmla="*/ 982 w 109028"/>
+              <a:gd name="connsiteY1" fmla="*/ 111269 h 388927"/>
+              <a:gd name="connsiteX2" fmla="*/ 53369 w 109028"/>
+              <a:gd name="connsiteY2" fmla="*/ 216668 h 388927"/>
+              <a:gd name="connsiteX3" fmla="*/ 14151 w 109028"/>
+              <a:gd name="connsiteY3" fmla="*/ 388927 h 388927"/>
+            </a:gdLst>
+            <a:ahLst/>
+            <a:cxnLst>
+              <a:cxn ang="0">
+                <a:pos x="connsiteX0" y="connsiteY0"/>
+              </a:cxn>
+              <a:cxn ang="0">
+                <a:pos x="connsiteX1" y="connsiteY1"/>
+              </a:cxn>
+              <a:cxn ang="0">
+                <a:pos x="connsiteX2" y="connsiteY2"/>
+              </a:cxn>
+              <a:cxn ang="0">
+                <a:pos x="connsiteX3" y="connsiteY3"/>
+              </a:cxn>
+            </a:cxnLst>
+            <a:rect l="l" t="t" r="r" b="b"/>
+            <a:pathLst>
+              <a:path w="109028" h="388927">
+                <a:moveTo>
+                  <a:pt x="109028" y="0"/>
+                </a:moveTo>
+                <a:cubicBezTo>
+                  <a:pt x="14817" y="49776"/>
+                  <a:pt x="10258" y="75158"/>
+                  <a:pt x="982" y="111269"/>
+                </a:cubicBezTo>
+                <a:cubicBezTo>
+                  <a:pt x="-8294" y="147380"/>
+                  <a:pt x="51174" y="170392"/>
+                  <a:pt x="53369" y="216668"/>
+                </a:cubicBezTo>
+                <a:cubicBezTo>
+                  <a:pt x="55564" y="262944"/>
+                  <a:pt x="73576" y="283196"/>
+                  <a:pt x="14151" y="388927"/>
+                </a:cubicBezTo>
+              </a:path>
+            </a:pathLst>
+          </a:custGeom>
+          <a:noFill/>
+          <a:ln w="6350">
+            <a:solidFill>
+              <a:schemeClr val="tx1"/>
+            </a:solidFill>
+            <a:prstDash val="sysDot"/>
+            <a:headEnd type="arrow" w="sm" len="sm"/>
+          </a:ln>
+        </p:spPr>
+        <p:style>
+          <a:lnRef idx="2">
+            <a:schemeClr val="accent1">
+              <a:shade val="50000"/>
+            </a:schemeClr>
+          </a:lnRef>
+          <a:fillRef idx="1">
+            <a:schemeClr val="accent1"/>
+          </a:fillRef>
+          <a:effectRef idx="0">
+            <a:schemeClr val="accent1"/>
+          </a:effectRef>
+          <a:fontRef idx="minor">
+            <a:schemeClr val="lt1"/>
+          </a:fontRef>
+        </p:style>
+        <p:txBody>
+          <a:bodyPr rtlCol="0" anchor="ctr"/>
+          <a:lstStyle/>
+          <a:p>
+            <a:pPr algn="ctr"/>
+            <a:endParaRPr lang="en-US" dirty="0"/>
+          </a:p>
+        </p:txBody>
+      </p:sp>
+    </p:spTree>
+    <p:extLst>
+      <p:ext uri="{BB962C8B-B14F-4D97-AF65-F5344CB8AC3E}">
+        <p14:creationId xmlns:p14="http://schemas.microsoft.com/office/powerpoint/2010/main" val="3362750787"/>
+      </p:ext>
+    </p:extLst>
+  </p:cSld>
+  <p:clrMapOvr>
+    <a:masterClrMapping/>
+  </p:clrMapOvr>
+</p:sld>
+</file>
+
+<file path=ppt/slides/slide7.xml><?xml version="1.0" encoding="utf-8"?>
+<p:sld xmlns:a="http://schemas.openxmlformats.org/drawingml/2006/main" xmlns:r="http://schemas.openxmlformats.org/officeDocument/2006/relationships" xmlns:p="http://schemas.openxmlformats.org/presentationml/2006/main">
+  <p:cSld>
+    <p:spTree>
+      <p:nvGrpSpPr>
+        <p:cNvPr id="1" name=""/>
+        <p:cNvGrpSpPr/>
+        <p:nvPr/>
+      </p:nvGrpSpPr>
+      <p:grpSpPr>
+        <a:xfrm>
+          <a:off x="0" y="0"/>
+          <a:ext cx="0" cy="0"/>
+          <a:chOff x="0" y="0"/>
+          <a:chExt cx="0" cy="0"/>
+        </a:xfrm>
+      </p:grpSpPr>
+      <p:cxnSp>
+        <p:nvCxnSpPr>
+          <p:cNvPr id="2" name="直接箭头连接符 22">
+            <a:extLst>
+              <a:ext uri="{FF2B5EF4-FFF2-40B4-BE49-F238E27FC236}">
+                <a16:creationId xmlns:a16="http://schemas.microsoft.com/office/drawing/2014/main" id="{A6523F1D-93CA-4161-8679-EA27A9C661EC}"/>
+              </a:ext>
+            </a:extLst>
+          </p:cNvPr>
+          <p:cNvCxnSpPr/>
+          <p:nvPr/>
+        </p:nvCxnSpPr>
+        <p:spPr>
+          <a:xfrm flipH="1">
+            <a:off x="2523007" y="3614320"/>
+            <a:ext cx="1737843" cy="417"/>
+          </a:xfrm>
+          <a:prstGeom prst="straightConnector1">
+            <a:avLst/>
+          </a:prstGeom>
+          <a:ln w="9525" cap="flat">
+            <a:solidFill>
+              <a:schemeClr val="tx1"/>
+            </a:solidFill>
+            <a:headEnd w="sm" len="sm"/>
+            <a:tailEnd type="triangle" w="sm" len="sm"/>
+          </a:ln>
+        </p:spPr>
+        <p:style>
+          <a:lnRef idx="1">
+            <a:schemeClr val="accent1"/>
+          </a:lnRef>
+          <a:fillRef idx="0">
+            <a:schemeClr val="accent1"/>
+          </a:fillRef>
+          <a:effectRef idx="0">
+            <a:schemeClr val="accent1"/>
+          </a:effectRef>
+          <a:fontRef idx="minor">
+            <a:schemeClr val="tx1"/>
+          </a:fontRef>
+        </p:style>
+      </p:cxnSp>
+      <p:sp>
+        <p:nvSpPr>
+          <p:cNvPr id="3" name="TextBox 2">
+            <a:extLst>
+              <a:ext uri="{FF2B5EF4-FFF2-40B4-BE49-F238E27FC236}">
+                <a16:creationId xmlns:a16="http://schemas.microsoft.com/office/drawing/2014/main" id="{96389EB2-10C0-4077-A08A-7654F155DA24}"/>
+              </a:ext>
+            </a:extLst>
+          </p:cNvPr>
+          <p:cNvSpPr txBox="1"/>
+          <p:nvPr/>
+        </p:nvSpPr>
+        <p:spPr>
+          <a:xfrm>
+            <a:off x="2991477" y="3138324"/>
+            <a:ext cx="67326" cy="230832"/>
+          </a:xfrm>
+          <a:prstGeom prst="rect">
+            <a:avLst/>
+          </a:prstGeom>
+          <a:noFill/>
+        </p:spPr>
+        <p:txBody>
+          <a:bodyPr wrap="none" lIns="0" rIns="0" rtlCol="0">
+            <a:spAutoFit/>
+          </a:bodyPr>
+          <a:lstStyle/>
+          <a:p>
+            <a:r>
+              <a:rPr lang="en-US" altLang="zh-CN" sz="900" dirty="0"/>
+              <a:t>A</a:t>
+            </a:r>
+            <a:endParaRPr lang="zh-CN" altLang="en-US" sz="900" dirty="0"/>
+          </a:p>
+        </p:txBody>
+      </p:sp>
+      <p:sp>
+        <p:nvSpPr>
+          <p:cNvPr id="4" name="TextBox 3">
+            <a:extLst>
+              <a:ext uri="{FF2B5EF4-FFF2-40B4-BE49-F238E27FC236}">
+                <a16:creationId xmlns:a16="http://schemas.microsoft.com/office/drawing/2014/main" id="{4B144237-8EB3-4145-8A87-7B391255894C}"/>
+              </a:ext>
+            </a:extLst>
+          </p:cNvPr>
+          <p:cNvSpPr txBox="1"/>
+          <p:nvPr/>
+        </p:nvSpPr>
+        <p:spPr>
+          <a:xfrm>
+            <a:off x="3340050" y="2661242"/>
+            <a:ext cx="62518" cy="230832"/>
+          </a:xfrm>
+          <a:prstGeom prst="rect">
+            <a:avLst/>
+          </a:prstGeom>
+          <a:noFill/>
+        </p:spPr>
+        <p:txBody>
+          <a:bodyPr wrap="none" lIns="0" rIns="0" rtlCol="0">
+            <a:spAutoFit/>
+          </a:bodyPr>
+          <a:lstStyle/>
+          <a:p>
+            <a:r>
+              <a:rPr lang="en-US" altLang="zh-CN" sz="900" dirty="0"/>
+              <a:t>B</a:t>
+            </a:r>
+            <a:endParaRPr lang="zh-CN" altLang="en-US" sz="900" dirty="0"/>
+          </a:p>
+        </p:txBody>
+      </p:sp>
+      <p:sp>
+        <p:nvSpPr>
+          <p:cNvPr id="5" name="TextBox 4">
+            <a:extLst>
+              <a:ext uri="{FF2B5EF4-FFF2-40B4-BE49-F238E27FC236}">
+                <a16:creationId xmlns:a16="http://schemas.microsoft.com/office/drawing/2014/main" id="{8CAC0918-213F-41F1-94AD-DF505F869972}"/>
+              </a:ext>
+            </a:extLst>
+          </p:cNvPr>
+          <p:cNvSpPr txBox="1"/>
+          <p:nvPr/>
+        </p:nvSpPr>
+        <p:spPr>
+          <a:xfrm>
+            <a:off x="2376487" y="3486774"/>
+            <a:ext cx="110608" cy="215444"/>
+          </a:xfrm>
+          <a:prstGeom prst="rect">
+            <a:avLst/>
+          </a:prstGeom>
+          <a:noFill/>
+        </p:spPr>
+        <p:txBody>
+          <a:bodyPr wrap="none" lIns="0" rIns="0" rtlCol="0">
+            <a:spAutoFit/>
+          </a:bodyPr>
+          <a:lstStyle/>
+          <a:p>
+            <a:r>
+              <a:rPr lang="en-US" altLang="zh-CN" sz="800" dirty="0"/>
+              <a:t>A1</a:t>
+            </a:r>
+            <a:endParaRPr lang="zh-CN" altLang="en-US" sz="800" dirty="0"/>
+          </a:p>
+        </p:txBody>
+      </p:sp>
+      <p:cxnSp>
+        <p:nvCxnSpPr>
+          <p:cNvPr id="6" name="直接连接符 25">
+            <a:extLst>
+              <a:ext uri="{FF2B5EF4-FFF2-40B4-BE49-F238E27FC236}">
+                <a16:creationId xmlns:a16="http://schemas.microsoft.com/office/drawing/2014/main" id="{18F859C4-13BA-4C23-B749-85B1BA871555}"/>
+              </a:ext>
+            </a:extLst>
+          </p:cNvPr>
+          <p:cNvCxnSpPr/>
+          <p:nvPr/>
+        </p:nvCxnSpPr>
+        <p:spPr>
+          <a:xfrm flipV="1">
+            <a:off x="2819400" y="3462338"/>
+            <a:ext cx="0" cy="152399"/>
+          </a:xfrm>
+          <a:prstGeom prst="line">
+            <a:avLst/>
+          </a:prstGeom>
+          <a:ln w="6350">
+            <a:solidFill>
+              <a:schemeClr val="tx1"/>
+            </a:solidFill>
+            <a:prstDash val="dash"/>
+          </a:ln>
+        </p:spPr>
+        <p:style>
+          <a:lnRef idx="1">
+            <a:schemeClr val="accent1"/>
+          </a:lnRef>
+          <a:fillRef idx="0">
+            <a:schemeClr val="accent1"/>
+          </a:fillRef>
+          <a:effectRef idx="0">
+            <a:schemeClr val="accent1"/>
+          </a:effectRef>
+          <a:fontRef idx="minor">
+            <a:schemeClr val="tx1"/>
+          </a:fontRef>
+        </p:style>
+      </p:cxnSp>
+      <p:cxnSp>
+        <p:nvCxnSpPr>
+          <p:cNvPr id="7" name="直接连接符 29">
+            <a:extLst>
+              <a:ext uri="{FF2B5EF4-FFF2-40B4-BE49-F238E27FC236}">
+                <a16:creationId xmlns:a16="http://schemas.microsoft.com/office/drawing/2014/main" id="{D149BC1D-5414-4D38-82AC-D748EA4886D8}"/>
+              </a:ext>
+            </a:extLst>
+          </p:cNvPr>
+          <p:cNvCxnSpPr/>
+          <p:nvPr/>
+        </p:nvCxnSpPr>
+        <p:spPr>
+          <a:xfrm flipV="1">
+            <a:off x="3231567" y="3462337"/>
+            <a:ext cx="0" cy="152401"/>
+          </a:xfrm>
+          <a:prstGeom prst="line">
+            <a:avLst/>
+          </a:prstGeom>
+          <a:ln w="6350">
+            <a:solidFill>
+              <a:schemeClr val="tx1"/>
+            </a:solidFill>
+            <a:prstDash val="dash"/>
+          </a:ln>
+        </p:spPr>
+        <p:style>
+          <a:lnRef idx="1">
+            <a:schemeClr val="accent1"/>
+          </a:lnRef>
+          <a:fillRef idx="0">
+            <a:schemeClr val="accent1"/>
+          </a:fillRef>
+          <a:effectRef idx="0">
+            <a:schemeClr val="accent1"/>
+          </a:effectRef>
+          <a:fontRef idx="minor">
+            <a:schemeClr val="tx1"/>
+          </a:fontRef>
+        </p:style>
+      </p:cxnSp>
+      <p:cxnSp>
+        <p:nvCxnSpPr>
+          <p:cNvPr id="8" name="直接连接符 30">
+            <a:extLst>
+              <a:ext uri="{FF2B5EF4-FFF2-40B4-BE49-F238E27FC236}">
+                <a16:creationId xmlns:a16="http://schemas.microsoft.com/office/drawing/2014/main" id="{1BA75BE0-B437-41A2-A47A-6327F4E6CEC0}"/>
+              </a:ext>
+            </a:extLst>
+          </p:cNvPr>
+          <p:cNvCxnSpPr/>
+          <p:nvPr/>
+        </p:nvCxnSpPr>
+        <p:spPr>
+          <a:xfrm flipV="1">
+            <a:off x="3088255" y="2676012"/>
+            <a:ext cx="1" cy="938726"/>
+          </a:xfrm>
+          <a:prstGeom prst="line">
+            <a:avLst/>
+          </a:prstGeom>
+          <a:ln w="6350">
+            <a:solidFill>
+              <a:schemeClr val="tx1"/>
+            </a:solidFill>
+            <a:prstDash val="dash"/>
+          </a:ln>
+        </p:spPr>
+        <p:style>
+          <a:lnRef idx="1">
+            <a:schemeClr val="accent1"/>
+          </a:lnRef>
+          <a:fillRef idx="0">
+            <a:schemeClr val="accent1"/>
+          </a:fillRef>
+          <a:effectRef idx="0">
+            <a:schemeClr val="accent1"/>
+          </a:effectRef>
+          <a:fontRef idx="minor">
+            <a:schemeClr val="tx1"/>
+          </a:fontRef>
+        </p:style>
+      </p:cxnSp>
+      <p:cxnSp>
+        <p:nvCxnSpPr>
+          <p:cNvPr id="9" name="直接连接符 31">
+            <a:extLst>
+              <a:ext uri="{FF2B5EF4-FFF2-40B4-BE49-F238E27FC236}">
+                <a16:creationId xmlns:a16="http://schemas.microsoft.com/office/drawing/2014/main" id="{70E81BBC-AC2E-441B-AA4C-1442501A0383}"/>
+              </a:ext>
+            </a:extLst>
+          </p:cNvPr>
+          <p:cNvCxnSpPr/>
+          <p:nvPr/>
+        </p:nvCxnSpPr>
+        <p:spPr>
+          <a:xfrm flipV="1">
+            <a:off x="3933826" y="3150035"/>
+            <a:ext cx="0" cy="464703"/>
+          </a:xfrm>
+          <a:prstGeom prst="line">
+            <a:avLst/>
+          </a:prstGeom>
+          <a:ln w="6350">
+            <a:solidFill>
+              <a:schemeClr val="tx1"/>
+            </a:solidFill>
+            <a:prstDash val="dash"/>
+          </a:ln>
+        </p:spPr>
+        <p:style>
+          <a:lnRef idx="1">
+            <a:schemeClr val="accent1"/>
+          </a:lnRef>
+          <a:fillRef idx="0">
+            <a:schemeClr val="accent1"/>
+          </a:fillRef>
+          <a:effectRef idx="0">
+            <a:schemeClr val="accent1"/>
+          </a:effectRef>
+          <a:fontRef idx="minor">
+            <a:schemeClr val="tx1"/>
+          </a:fontRef>
+        </p:style>
+      </p:cxnSp>
+      <p:sp>
+        <p:nvSpPr>
+          <p:cNvPr id="10" name="Rectangle 9">
+            <a:extLst>
+              <a:ext uri="{FF2B5EF4-FFF2-40B4-BE49-F238E27FC236}">
+                <a16:creationId xmlns:a16="http://schemas.microsoft.com/office/drawing/2014/main" id="{11B21183-FFC0-4F14-B1A4-483855CA13A7}"/>
+              </a:ext>
+            </a:extLst>
+          </p:cNvPr>
+          <p:cNvSpPr/>
+          <p:nvPr/>
+        </p:nvSpPr>
+        <p:spPr>
+          <a:xfrm>
+            <a:off x="1676400" y="1974675"/>
+            <a:ext cx="4267200" cy="2597325"/>
+          </a:xfrm>
+          <a:prstGeom prst="rect">
+            <a:avLst/>
+          </a:prstGeom>
+          <a:noFill/>
+          <a:ln w="9525">
+            <a:prstDash val="sysDash"/>
+          </a:ln>
+        </p:spPr>
+        <p:style>
+          <a:lnRef idx="2">
+            <a:schemeClr val="accent1">
+              <a:shade val="50000"/>
+            </a:schemeClr>
+          </a:lnRef>
+          <a:fillRef idx="1">
+            <a:schemeClr val="accent1"/>
+          </a:fillRef>
+          <a:effectRef idx="0">
+            <a:schemeClr val="accent1"/>
+          </a:effectRef>
+          <a:fontRef idx="minor">
+            <a:schemeClr val="lt1"/>
+          </a:fontRef>
+        </p:style>
+        <p:txBody>
+          <a:bodyPr rtlCol="0" anchor="ctr"/>
+          <a:lstStyle/>
+          <a:p>
+            <a:pPr algn="ctr"/>
+            <a:endParaRPr lang="en-US" sz="800"/>
+          </a:p>
+        </p:txBody>
+      </p:sp>
+      <p:sp>
+        <p:nvSpPr>
+          <p:cNvPr id="11" name="TextBox 10">
+            <a:extLst>
+              <a:ext uri="{FF2B5EF4-FFF2-40B4-BE49-F238E27FC236}">
+                <a16:creationId xmlns:a16="http://schemas.microsoft.com/office/drawing/2014/main" id="{B433A60A-D04C-4F85-B98E-86E671A1D465}"/>
+              </a:ext>
+            </a:extLst>
+          </p:cNvPr>
+          <p:cNvSpPr txBox="1"/>
+          <p:nvPr/>
+        </p:nvSpPr>
+        <p:spPr>
+          <a:xfrm>
+            <a:off x="2953968" y="4724400"/>
+            <a:ext cx="2125158" cy="338554"/>
+          </a:xfrm>
+          <a:prstGeom prst="rect">
+            <a:avLst/>
+          </a:prstGeom>
+          <a:noFill/>
+          <a:ln>
+            <a:noFill/>
+          </a:ln>
+        </p:spPr>
+        <p:txBody>
+          <a:bodyPr wrap="square" lIns="0" rIns="0" rtlCol="0">
+            <a:spAutoFit/>
+          </a:bodyPr>
+          <a:lstStyle/>
+          <a:p>
+            <a:r>
+              <a:rPr lang="en-US" altLang="zh-CN" sz="1600" dirty="0"/>
+              <a:t>Figure 9</a:t>
+            </a:r>
+            <a:r>
+              <a:rPr lang="en-US" altLang="zh-TW" sz="1600" dirty="0"/>
+              <a:t>-9</a:t>
+            </a:r>
+          </a:p>
+        </p:txBody>
+      </p:sp>
+      <p:sp>
+        <p:nvSpPr>
+          <p:cNvPr id="12" name="矩形 7">
+            <a:extLst>
+              <a:ext uri="{FF2B5EF4-FFF2-40B4-BE49-F238E27FC236}">
+                <a16:creationId xmlns:a16="http://schemas.microsoft.com/office/drawing/2014/main" id="{C431D6B8-2481-4DEB-8C67-D6A3698B4772}"/>
+              </a:ext>
+            </a:extLst>
+          </p:cNvPr>
+          <p:cNvSpPr>
+            <a:spLocks noChangeAspect="1"/>
+          </p:cNvSpPr>
+          <p:nvPr/>
+        </p:nvSpPr>
+        <p:spPr>
+          <a:xfrm>
+            <a:off x="2819400" y="3048000"/>
+            <a:ext cx="411480" cy="411480"/>
+          </a:xfrm>
+          <a:prstGeom prst="rect">
+            <a:avLst/>
+          </a:prstGeom>
+          <a:noFill/>
+          <a:ln w="12700">
+            <a:solidFill>
+              <a:schemeClr val="tx1"/>
+            </a:solidFill>
+          </a:ln>
+        </p:spPr>
+        <p:style>
+          <a:lnRef idx="2">
+            <a:schemeClr val="accent1">
+              <a:shade val="50000"/>
+            </a:schemeClr>
+          </a:lnRef>
+          <a:fillRef idx="1">
+            <a:schemeClr val="accent1"/>
+          </a:fillRef>
+          <a:effectRef idx="0">
+            <a:schemeClr val="accent1"/>
+          </a:effectRef>
+          <a:fontRef idx="minor">
+            <a:schemeClr val="lt1"/>
+          </a:fontRef>
+        </p:style>
+        <p:txBody>
+          <a:bodyPr rtlCol="0" anchor="ctr"/>
+          <a:lstStyle/>
+          <a:p>
+            <a:pPr algn="ctr"/>
+            <a:endParaRPr lang="zh-CN" altLang="en-US" dirty="0"/>
+          </a:p>
+        </p:txBody>
+      </p:sp>
+      <p:sp>
+        <p:nvSpPr>
+          <p:cNvPr id="13" name="矩形 28">
+            <a:extLst>
+              <a:ext uri="{FF2B5EF4-FFF2-40B4-BE49-F238E27FC236}">
+                <a16:creationId xmlns:a16="http://schemas.microsoft.com/office/drawing/2014/main" id="{5696C030-1DCB-40EF-AF56-406AC53C9541}"/>
+              </a:ext>
+            </a:extLst>
+          </p:cNvPr>
+          <p:cNvSpPr>
+            <a:spLocks/>
+          </p:cNvSpPr>
+          <p:nvPr/>
+        </p:nvSpPr>
+        <p:spPr>
+          <a:xfrm rot="2700000">
+            <a:off x="3054353" y="2776727"/>
+            <a:ext cx="914400" cy="274320"/>
+          </a:xfrm>
+          <a:prstGeom prst="rect">
+            <a:avLst/>
+          </a:prstGeom>
+          <a:noFill/>
+          <a:ln w="12700">
+            <a:solidFill>
+              <a:schemeClr val="tx1"/>
+            </a:solidFill>
+          </a:ln>
+        </p:spPr>
+        <p:style>
+          <a:lnRef idx="2">
+            <a:schemeClr val="accent1">
+              <a:shade val="50000"/>
+            </a:schemeClr>
+          </a:lnRef>
+          <a:fillRef idx="1">
+            <a:schemeClr val="accent1"/>
+          </a:fillRef>
+          <a:effectRef idx="0">
+            <a:schemeClr val="accent1"/>
+          </a:effectRef>
+          <a:fontRef idx="minor">
+            <a:schemeClr val="lt1"/>
+          </a:fontRef>
+        </p:style>
+        <p:txBody>
+          <a:bodyPr rtlCol="0" anchor="ctr"/>
+          <a:lstStyle/>
+          <a:p>
+            <a:pPr algn="ctr"/>
+            <a:endParaRPr lang="zh-CN" altLang="en-US"/>
+          </a:p>
+        </p:txBody>
+      </p:sp>
+    </p:spTree>
+    <p:extLst>
+      <p:ext uri="{BB962C8B-B14F-4D97-AF65-F5344CB8AC3E}">
+        <p14:creationId xmlns:p14="http://schemas.microsoft.com/office/powerpoint/2010/main" val="1240059468"/>
+      </p:ext>
+    </p:extLst>
+  </p:cSld>
+  <p:clrMapOvr>
+    <a:masterClrMapping/>
+  </p:clrMapOvr>
+</p:sld>
+</file>
+
+<file path=ppt/slides/slide8.xml><?xml version="1.0" encoding="utf-8"?>
+<p:sld xmlns:a="http://schemas.openxmlformats.org/drawingml/2006/main" xmlns:r="http://schemas.openxmlformats.org/officeDocument/2006/relationships" xmlns:p="http://schemas.openxmlformats.org/presentationml/2006/main">
+  <p:cSld>
+    <p:spTree>
+      <p:nvGrpSpPr>
+        <p:cNvPr id="1" name=""/>
+        <p:cNvGrpSpPr/>
+        <p:nvPr/>
+      </p:nvGrpSpPr>
+      <p:grpSpPr>
+        <a:xfrm>
+          <a:off x="0" y="0"/>
+          <a:ext cx="0" cy="0"/>
+          <a:chOff x="0" y="0"/>
+          <a:chExt cx="0" cy="0"/>
+        </a:xfrm>
+      </p:grpSpPr>
+      <p:cxnSp>
+        <p:nvCxnSpPr>
+          <p:cNvPr id="2" name="直接箭头连接符 22">
+            <a:extLst>
+              <a:ext uri="{FF2B5EF4-FFF2-40B4-BE49-F238E27FC236}">
+                <a16:creationId xmlns:a16="http://schemas.microsoft.com/office/drawing/2014/main" id="{A70562F8-1756-4C71-8112-A5A44CDACB47}"/>
+              </a:ext>
+            </a:extLst>
+          </p:cNvPr>
+          <p:cNvCxnSpPr/>
+          <p:nvPr/>
+        </p:nvCxnSpPr>
+        <p:spPr>
+          <a:xfrm flipH="1">
+            <a:off x="2523007" y="3614320"/>
+            <a:ext cx="1737843" cy="417"/>
+          </a:xfrm>
+          <a:prstGeom prst="straightConnector1">
+            <a:avLst/>
+          </a:prstGeom>
+          <a:ln w="9525" cap="flat">
+            <a:solidFill>
+              <a:schemeClr val="tx1"/>
+            </a:solidFill>
+            <a:headEnd w="sm" len="sm"/>
+            <a:tailEnd type="triangle" w="sm" len="sm"/>
+          </a:ln>
+        </p:spPr>
+        <p:style>
+          <a:lnRef idx="1">
+            <a:schemeClr val="accent1"/>
+          </a:lnRef>
+          <a:fillRef idx="0">
+            <a:schemeClr val="accent1"/>
+          </a:fillRef>
+          <a:effectRef idx="0">
+            <a:schemeClr val="accent1"/>
+          </a:effectRef>
+          <a:fontRef idx="minor">
+            <a:schemeClr val="tx1"/>
+          </a:fontRef>
+        </p:style>
+      </p:cxnSp>
+      <p:sp>
+        <p:nvSpPr>
+          <p:cNvPr id="3" name="TextBox 2">
+            <a:extLst>
+              <a:ext uri="{FF2B5EF4-FFF2-40B4-BE49-F238E27FC236}">
+                <a16:creationId xmlns:a16="http://schemas.microsoft.com/office/drawing/2014/main" id="{8005E529-CA39-47A1-8206-68626179AB0C}"/>
+              </a:ext>
+            </a:extLst>
+          </p:cNvPr>
+          <p:cNvSpPr txBox="1"/>
+          <p:nvPr/>
+        </p:nvSpPr>
+        <p:spPr>
+          <a:xfrm>
+            <a:off x="2991477" y="3138324"/>
+            <a:ext cx="67326" cy="230832"/>
+          </a:xfrm>
+          <a:prstGeom prst="rect">
+            <a:avLst/>
+          </a:prstGeom>
+          <a:noFill/>
+        </p:spPr>
+        <p:txBody>
+          <a:bodyPr wrap="none" lIns="0" rIns="0" rtlCol="0">
+            <a:spAutoFit/>
+          </a:bodyPr>
+          <a:lstStyle/>
+          <a:p>
+            <a:r>
+              <a:rPr lang="en-US" altLang="zh-CN" sz="900" dirty="0"/>
+              <a:t>A</a:t>
+            </a:r>
+            <a:endParaRPr lang="zh-CN" altLang="en-US" sz="900" dirty="0"/>
+          </a:p>
+        </p:txBody>
+      </p:sp>
+      <p:sp>
+        <p:nvSpPr>
+          <p:cNvPr id="4" name="TextBox 3">
+            <a:extLst>
+              <a:ext uri="{FF2B5EF4-FFF2-40B4-BE49-F238E27FC236}">
+                <a16:creationId xmlns:a16="http://schemas.microsoft.com/office/drawing/2014/main" id="{D6C51C37-A252-4950-B7F1-A897467DB459}"/>
+              </a:ext>
+            </a:extLst>
+          </p:cNvPr>
+          <p:cNvSpPr txBox="1"/>
+          <p:nvPr/>
+        </p:nvSpPr>
+        <p:spPr>
+          <a:xfrm>
+            <a:off x="3340050" y="2661242"/>
+            <a:ext cx="62518" cy="230832"/>
+          </a:xfrm>
+          <a:prstGeom prst="rect">
+            <a:avLst/>
+          </a:prstGeom>
+          <a:noFill/>
+        </p:spPr>
+        <p:txBody>
+          <a:bodyPr wrap="none" lIns="0" rIns="0" rtlCol="0">
+            <a:spAutoFit/>
+          </a:bodyPr>
+          <a:lstStyle/>
+          <a:p>
+            <a:r>
+              <a:rPr lang="en-US" altLang="zh-CN" sz="900" dirty="0"/>
+              <a:t>B</a:t>
+            </a:r>
+            <a:endParaRPr lang="zh-CN" altLang="en-US" sz="900" dirty="0"/>
+          </a:p>
+        </p:txBody>
+      </p:sp>
+      <p:sp>
+        <p:nvSpPr>
+          <p:cNvPr id="5" name="TextBox 4">
+            <a:extLst>
+              <a:ext uri="{FF2B5EF4-FFF2-40B4-BE49-F238E27FC236}">
+                <a16:creationId xmlns:a16="http://schemas.microsoft.com/office/drawing/2014/main" id="{41619E57-AA58-4325-A508-D19B070CF858}"/>
+              </a:ext>
+            </a:extLst>
+          </p:cNvPr>
+          <p:cNvSpPr txBox="1"/>
+          <p:nvPr/>
+        </p:nvSpPr>
+        <p:spPr>
+          <a:xfrm>
+            <a:off x="2376487" y="3486774"/>
+            <a:ext cx="110608" cy="215444"/>
+          </a:xfrm>
+          <a:prstGeom prst="rect">
+            <a:avLst/>
+          </a:prstGeom>
+          <a:noFill/>
+        </p:spPr>
+        <p:txBody>
+          <a:bodyPr wrap="none" lIns="0" rIns="0" rtlCol="0">
+            <a:spAutoFit/>
+          </a:bodyPr>
+          <a:lstStyle/>
+          <a:p>
+            <a:r>
+              <a:rPr lang="en-US" altLang="zh-CN" sz="800" dirty="0"/>
+              <a:t>A1</a:t>
+            </a:r>
+            <a:endParaRPr lang="zh-CN" altLang="en-US" sz="800" dirty="0"/>
+          </a:p>
+        </p:txBody>
+      </p:sp>
+      <p:cxnSp>
+        <p:nvCxnSpPr>
+          <p:cNvPr id="6" name="直接连接符 25">
+            <a:extLst>
+              <a:ext uri="{FF2B5EF4-FFF2-40B4-BE49-F238E27FC236}">
+                <a16:creationId xmlns:a16="http://schemas.microsoft.com/office/drawing/2014/main" id="{F48FD92F-013E-4CF2-8438-6A075EA379AB}"/>
+              </a:ext>
+            </a:extLst>
+          </p:cNvPr>
+          <p:cNvCxnSpPr/>
+          <p:nvPr/>
+        </p:nvCxnSpPr>
+        <p:spPr>
+          <a:xfrm flipV="1">
+            <a:off x="2819400" y="3462338"/>
+            <a:ext cx="0" cy="152399"/>
+          </a:xfrm>
+          <a:prstGeom prst="line">
+            <a:avLst/>
+          </a:prstGeom>
+          <a:ln w="6350">
+            <a:solidFill>
+              <a:schemeClr val="tx1"/>
+            </a:solidFill>
+            <a:prstDash val="dash"/>
+          </a:ln>
+        </p:spPr>
+        <p:style>
+          <a:lnRef idx="1">
+            <a:schemeClr val="accent1"/>
+          </a:lnRef>
+          <a:fillRef idx="0">
+            <a:schemeClr val="accent1"/>
+          </a:fillRef>
+          <a:effectRef idx="0">
+            <a:schemeClr val="accent1"/>
+          </a:effectRef>
+          <a:fontRef idx="minor">
+            <a:schemeClr val="tx1"/>
+          </a:fontRef>
+        </p:style>
+      </p:cxnSp>
+      <p:cxnSp>
+        <p:nvCxnSpPr>
+          <p:cNvPr id="7" name="直接连接符 29">
+            <a:extLst>
+              <a:ext uri="{FF2B5EF4-FFF2-40B4-BE49-F238E27FC236}">
+                <a16:creationId xmlns:a16="http://schemas.microsoft.com/office/drawing/2014/main" id="{F0BE4CE0-4AEE-4B2C-B38D-C1981946C57B}"/>
+              </a:ext>
+            </a:extLst>
+          </p:cNvPr>
+          <p:cNvCxnSpPr/>
+          <p:nvPr/>
+        </p:nvCxnSpPr>
+        <p:spPr>
+          <a:xfrm flipV="1">
+            <a:off x="3231567" y="3462337"/>
+            <a:ext cx="0" cy="152401"/>
+          </a:xfrm>
+          <a:prstGeom prst="line">
+            <a:avLst/>
+          </a:prstGeom>
+          <a:ln w="6350">
+            <a:solidFill>
+              <a:schemeClr val="tx1"/>
+            </a:solidFill>
+            <a:prstDash val="dash"/>
+          </a:ln>
+        </p:spPr>
+        <p:style>
+          <a:lnRef idx="1">
+            <a:schemeClr val="accent1"/>
+          </a:lnRef>
+          <a:fillRef idx="0">
+            <a:schemeClr val="accent1"/>
+          </a:fillRef>
+          <a:effectRef idx="0">
+            <a:schemeClr val="accent1"/>
+          </a:effectRef>
+          <a:fontRef idx="minor">
+            <a:schemeClr val="tx1"/>
+          </a:fontRef>
+        </p:style>
+      </p:cxnSp>
+      <p:cxnSp>
+        <p:nvCxnSpPr>
+          <p:cNvPr id="8" name="直接连接符 30">
+            <a:extLst>
+              <a:ext uri="{FF2B5EF4-FFF2-40B4-BE49-F238E27FC236}">
+                <a16:creationId xmlns:a16="http://schemas.microsoft.com/office/drawing/2014/main" id="{D070191C-14CA-414C-8968-AC2C496E3AB2}"/>
+              </a:ext>
+            </a:extLst>
+          </p:cNvPr>
+          <p:cNvCxnSpPr/>
+          <p:nvPr/>
+        </p:nvCxnSpPr>
+        <p:spPr>
+          <a:xfrm flipV="1">
+            <a:off x="3088255" y="2676012"/>
+            <a:ext cx="1" cy="938726"/>
+          </a:xfrm>
+          <a:prstGeom prst="line">
+            <a:avLst/>
+          </a:prstGeom>
+          <a:ln w="6350">
+            <a:solidFill>
+              <a:schemeClr val="tx1"/>
+            </a:solidFill>
+            <a:prstDash val="dash"/>
+          </a:ln>
+        </p:spPr>
+        <p:style>
+          <a:lnRef idx="1">
+            <a:schemeClr val="accent1"/>
+          </a:lnRef>
+          <a:fillRef idx="0">
+            <a:schemeClr val="accent1"/>
+          </a:fillRef>
+          <a:effectRef idx="0">
+            <a:schemeClr val="accent1"/>
+          </a:effectRef>
+          <a:fontRef idx="minor">
+            <a:schemeClr val="tx1"/>
+          </a:fontRef>
+        </p:style>
+      </p:cxnSp>
+      <p:cxnSp>
+        <p:nvCxnSpPr>
+          <p:cNvPr id="9" name="直接连接符 31">
+            <a:extLst>
+              <a:ext uri="{FF2B5EF4-FFF2-40B4-BE49-F238E27FC236}">
+                <a16:creationId xmlns:a16="http://schemas.microsoft.com/office/drawing/2014/main" id="{2F4234B6-16CE-4A25-B707-20A15A5922E9}"/>
+              </a:ext>
+            </a:extLst>
+          </p:cNvPr>
+          <p:cNvCxnSpPr/>
+          <p:nvPr/>
+        </p:nvCxnSpPr>
+        <p:spPr>
+          <a:xfrm flipV="1">
+            <a:off x="3933826" y="3150035"/>
+            <a:ext cx="0" cy="464703"/>
+          </a:xfrm>
+          <a:prstGeom prst="line">
+            <a:avLst/>
+          </a:prstGeom>
+          <a:ln w="6350">
+            <a:solidFill>
+              <a:schemeClr val="tx1"/>
+            </a:solidFill>
+            <a:prstDash val="dash"/>
+          </a:ln>
+        </p:spPr>
+        <p:style>
+          <a:lnRef idx="1">
+            <a:schemeClr val="accent1"/>
+          </a:lnRef>
+          <a:fillRef idx="0">
+            <a:schemeClr val="accent1"/>
+          </a:fillRef>
+          <a:effectRef idx="0">
+            <a:schemeClr val="accent1"/>
+          </a:effectRef>
+          <a:fontRef idx="minor">
+            <a:schemeClr val="tx1"/>
+          </a:fontRef>
+        </p:style>
+      </p:cxnSp>
+      <p:sp>
+        <p:nvSpPr>
+          <p:cNvPr id="10" name="TextBox 9">
+            <a:extLst>
+              <a:ext uri="{FF2B5EF4-FFF2-40B4-BE49-F238E27FC236}">
+                <a16:creationId xmlns:a16="http://schemas.microsoft.com/office/drawing/2014/main" id="{B8A7C608-AF79-4A38-B443-3E8181BAF21A}"/>
+              </a:ext>
+            </a:extLst>
+          </p:cNvPr>
+          <p:cNvSpPr txBox="1"/>
+          <p:nvPr/>
+        </p:nvSpPr>
+        <p:spPr>
+          <a:xfrm>
+            <a:off x="2674283" y="3614320"/>
+            <a:ext cx="242054" cy="215444"/>
+          </a:xfrm>
+          <a:prstGeom prst="rect">
+            <a:avLst/>
+          </a:prstGeom>
+          <a:noFill/>
+        </p:spPr>
+        <p:txBody>
+          <a:bodyPr wrap="none" lIns="0" rIns="0" rtlCol="0">
+            <a:spAutoFit/>
+          </a:bodyPr>
+          <a:lstStyle/>
+          <a:p>
+            <a:r>
+              <a:rPr lang="en-US" altLang="zh-CN" sz="800" dirty="0"/>
+              <a:t>MaxA</a:t>
+            </a:r>
+            <a:endParaRPr lang="zh-CN" altLang="en-US" sz="800" dirty="0"/>
+          </a:p>
+        </p:txBody>
+      </p:sp>
+      <p:sp>
+        <p:nvSpPr>
+          <p:cNvPr id="11" name="TextBox 10">
+            <a:extLst>
+              <a:ext uri="{FF2B5EF4-FFF2-40B4-BE49-F238E27FC236}">
+                <a16:creationId xmlns:a16="http://schemas.microsoft.com/office/drawing/2014/main" id="{F502F223-0AB2-42B3-8719-A5B95827793E}"/>
+              </a:ext>
+            </a:extLst>
+          </p:cNvPr>
+          <p:cNvSpPr txBox="1"/>
+          <p:nvPr/>
+        </p:nvSpPr>
+        <p:spPr>
+          <a:xfrm>
+            <a:off x="3831510" y="3614320"/>
+            <a:ext cx="222818" cy="215444"/>
+          </a:xfrm>
+          <a:prstGeom prst="rect">
+            <a:avLst/>
+          </a:prstGeom>
+          <a:noFill/>
+        </p:spPr>
+        <p:txBody>
+          <a:bodyPr wrap="none" lIns="0" rIns="0" rtlCol="0">
+            <a:spAutoFit/>
+          </a:bodyPr>
+          <a:lstStyle/>
+          <a:p>
+            <a:r>
+              <a:rPr lang="en-US" altLang="zh-CN" sz="800" dirty="0"/>
+              <a:t>MinB</a:t>
+            </a:r>
+            <a:endParaRPr lang="zh-CN" altLang="en-US" sz="800" dirty="0"/>
+          </a:p>
+        </p:txBody>
+      </p:sp>
+      <p:sp>
+        <p:nvSpPr>
+          <p:cNvPr id="12" name="TextBox 11">
+            <a:extLst>
+              <a:ext uri="{FF2B5EF4-FFF2-40B4-BE49-F238E27FC236}">
+                <a16:creationId xmlns:a16="http://schemas.microsoft.com/office/drawing/2014/main" id="{4C85B467-C3B1-44CA-B13D-250475028F90}"/>
+              </a:ext>
+            </a:extLst>
+          </p:cNvPr>
+          <p:cNvSpPr txBox="1"/>
+          <p:nvPr/>
+        </p:nvSpPr>
+        <p:spPr>
+          <a:xfrm>
+            <a:off x="2958731" y="3614320"/>
+            <a:ext cx="238848" cy="215444"/>
+          </a:xfrm>
+          <a:prstGeom prst="rect">
+            <a:avLst/>
+          </a:prstGeom>
+          <a:noFill/>
+        </p:spPr>
+        <p:txBody>
+          <a:bodyPr wrap="none" lIns="0" rIns="0" rtlCol="0">
+            <a:spAutoFit/>
+          </a:bodyPr>
+          <a:lstStyle/>
+          <a:p>
+            <a:r>
+              <a:rPr lang="en-US" altLang="zh-CN" sz="800" dirty="0"/>
+              <a:t>MaxB</a:t>
+            </a:r>
+            <a:endParaRPr lang="zh-CN" altLang="en-US" sz="800" dirty="0"/>
+          </a:p>
+        </p:txBody>
+      </p:sp>
+      <p:sp>
+        <p:nvSpPr>
+          <p:cNvPr id="13" name="Rectangle 12">
+            <a:extLst>
+              <a:ext uri="{FF2B5EF4-FFF2-40B4-BE49-F238E27FC236}">
+                <a16:creationId xmlns:a16="http://schemas.microsoft.com/office/drawing/2014/main" id="{BE24A18C-AE9A-4A47-9B21-7C50F9682853}"/>
+              </a:ext>
+            </a:extLst>
+          </p:cNvPr>
+          <p:cNvSpPr/>
+          <p:nvPr/>
+        </p:nvSpPr>
+        <p:spPr>
+          <a:xfrm>
+            <a:off x="1676400" y="1974675"/>
+            <a:ext cx="4267200" cy="2597325"/>
+          </a:xfrm>
+          <a:prstGeom prst="rect">
+            <a:avLst/>
+          </a:prstGeom>
+          <a:noFill/>
+          <a:ln w="9525">
+            <a:prstDash val="sysDash"/>
+          </a:ln>
+        </p:spPr>
+        <p:style>
+          <a:lnRef idx="2">
+            <a:schemeClr val="accent1">
+              <a:shade val="50000"/>
+            </a:schemeClr>
+          </a:lnRef>
+          <a:fillRef idx="1">
+            <a:schemeClr val="accent1"/>
+          </a:fillRef>
+          <a:effectRef idx="0">
+            <a:schemeClr val="accent1"/>
+          </a:effectRef>
+          <a:fontRef idx="minor">
+            <a:schemeClr val="lt1"/>
+          </a:fontRef>
+        </p:style>
+        <p:txBody>
+          <a:bodyPr rtlCol="0" anchor="ctr"/>
+          <a:lstStyle/>
+          <a:p>
+            <a:pPr algn="ctr"/>
+            <a:endParaRPr lang="en-US" sz="800"/>
+          </a:p>
+        </p:txBody>
+      </p:sp>
+      <p:sp>
+        <p:nvSpPr>
+          <p:cNvPr id="14" name="TextBox 13">
+            <a:extLst>
+              <a:ext uri="{FF2B5EF4-FFF2-40B4-BE49-F238E27FC236}">
+                <a16:creationId xmlns:a16="http://schemas.microsoft.com/office/drawing/2014/main" id="{661CFEC6-B4B6-47E0-B5A9-6E1C1B4B17D6}"/>
+              </a:ext>
+            </a:extLst>
+          </p:cNvPr>
+          <p:cNvSpPr txBox="1"/>
+          <p:nvPr/>
+        </p:nvSpPr>
+        <p:spPr>
+          <a:xfrm>
+            <a:off x="2953968" y="4724400"/>
+            <a:ext cx="2125158" cy="338554"/>
+          </a:xfrm>
+          <a:prstGeom prst="rect">
+            <a:avLst/>
+          </a:prstGeom>
+          <a:noFill/>
+          <a:ln>
+            <a:noFill/>
+          </a:ln>
+        </p:spPr>
+        <p:txBody>
+          <a:bodyPr wrap="square" lIns="0" rIns="0" rtlCol="0">
+            <a:spAutoFit/>
+          </a:bodyPr>
+          <a:lstStyle/>
+          <a:p>
+            <a:r>
+              <a:rPr lang="en-US" altLang="zh-CN" sz="1600" dirty="0"/>
+              <a:t>Figure 9</a:t>
+            </a:r>
+            <a:r>
+              <a:rPr lang="en-US" altLang="zh-TW" sz="1600" dirty="0"/>
+              <a:t>-10</a:t>
+            </a:r>
+          </a:p>
+        </p:txBody>
+      </p:sp>
+      <p:sp>
+        <p:nvSpPr>
+          <p:cNvPr id="15" name="矩形 7">
+            <a:extLst>
+              <a:ext uri="{FF2B5EF4-FFF2-40B4-BE49-F238E27FC236}">
+                <a16:creationId xmlns:a16="http://schemas.microsoft.com/office/drawing/2014/main" id="{9A2F58A8-50EE-440F-9FAB-415DB2F5567C}"/>
+              </a:ext>
+            </a:extLst>
+          </p:cNvPr>
+          <p:cNvSpPr>
+            <a:spLocks noChangeAspect="1"/>
+          </p:cNvSpPr>
+          <p:nvPr/>
+        </p:nvSpPr>
+        <p:spPr>
+          <a:xfrm>
+            <a:off x="2819400" y="3048000"/>
+            <a:ext cx="411480" cy="411480"/>
+          </a:xfrm>
+          <a:prstGeom prst="rect">
+            <a:avLst/>
+          </a:prstGeom>
+          <a:noFill/>
+          <a:ln w="12700">
+            <a:solidFill>
+              <a:schemeClr val="tx1"/>
+            </a:solidFill>
+          </a:ln>
+        </p:spPr>
+        <p:style>
+          <a:lnRef idx="2">
+            <a:schemeClr val="accent1">
+              <a:shade val="50000"/>
+            </a:schemeClr>
+          </a:lnRef>
+          <a:fillRef idx="1">
+            <a:schemeClr val="accent1"/>
+          </a:fillRef>
+          <a:effectRef idx="0">
+            <a:schemeClr val="accent1"/>
+          </a:effectRef>
+          <a:fontRef idx="minor">
+            <a:schemeClr val="lt1"/>
+          </a:fontRef>
+        </p:style>
+        <p:txBody>
+          <a:bodyPr rtlCol="0" anchor="ctr"/>
+          <a:lstStyle/>
+          <a:p>
+            <a:pPr algn="ctr"/>
+            <a:endParaRPr lang="zh-CN" altLang="en-US" dirty="0"/>
+          </a:p>
+        </p:txBody>
+      </p:sp>
+      <p:sp>
+        <p:nvSpPr>
+          <p:cNvPr id="16" name="矩形 28">
+            <a:extLst>
+              <a:ext uri="{FF2B5EF4-FFF2-40B4-BE49-F238E27FC236}">
+                <a16:creationId xmlns:a16="http://schemas.microsoft.com/office/drawing/2014/main" id="{AFD54942-E792-4F67-BBE8-4A7056DE0A0D}"/>
+              </a:ext>
+            </a:extLst>
+          </p:cNvPr>
+          <p:cNvSpPr>
+            <a:spLocks/>
+          </p:cNvSpPr>
+          <p:nvPr/>
+        </p:nvSpPr>
+        <p:spPr>
+          <a:xfrm rot="2700000">
+            <a:off x="3054353" y="2776727"/>
+            <a:ext cx="914400" cy="274320"/>
+          </a:xfrm>
+          <a:prstGeom prst="rect">
+            <a:avLst/>
+          </a:prstGeom>
+          <a:noFill/>
+          <a:ln w="12700">
+            <a:solidFill>
+              <a:schemeClr val="tx1"/>
+            </a:solidFill>
+          </a:ln>
+        </p:spPr>
+        <p:style>
+          <a:lnRef idx="2">
+            <a:schemeClr val="accent1">
+              <a:shade val="50000"/>
+            </a:schemeClr>
+          </a:lnRef>
+          <a:fillRef idx="1">
+            <a:schemeClr val="accent1"/>
+          </a:fillRef>
+          <a:effectRef idx="0">
+            <a:schemeClr val="accent1"/>
+          </a:effectRef>
+          <a:fontRef idx="minor">
+            <a:schemeClr val="lt1"/>
+          </a:fontRef>
+        </p:style>
+        <p:txBody>
+          <a:bodyPr rtlCol="0" anchor="ctr"/>
+          <a:lstStyle/>
+          <a:p>
+            <a:pPr algn="ctr"/>
+            <a:endParaRPr lang="zh-CN" altLang="en-US"/>
+          </a:p>
+        </p:txBody>
+      </p:sp>
+      <p:sp>
+        <p:nvSpPr>
+          <p:cNvPr id="17" name="TextBox 16">
+            <a:extLst>
+              <a:ext uri="{FF2B5EF4-FFF2-40B4-BE49-F238E27FC236}">
+                <a16:creationId xmlns:a16="http://schemas.microsoft.com/office/drawing/2014/main" id="{3767A076-651C-40C8-9BB8-98B577BB8C58}"/>
+              </a:ext>
+            </a:extLst>
+          </p:cNvPr>
+          <p:cNvSpPr txBox="1"/>
+          <p:nvPr/>
+        </p:nvSpPr>
+        <p:spPr>
+          <a:xfrm>
+            <a:off x="3226673" y="3614320"/>
+            <a:ext cx="226024" cy="215444"/>
+          </a:xfrm>
+          <a:prstGeom prst="rect">
+            <a:avLst/>
+          </a:prstGeom>
+          <a:noFill/>
+        </p:spPr>
+        <p:txBody>
+          <a:bodyPr wrap="none" lIns="0" rIns="0" rtlCol="0">
+            <a:spAutoFit/>
+          </a:bodyPr>
+          <a:lstStyle/>
+          <a:p>
+            <a:r>
+              <a:rPr lang="en-US" altLang="zh-CN" sz="800" dirty="0"/>
+              <a:t>MinA</a:t>
+            </a:r>
+            <a:endParaRPr lang="zh-CN" altLang="en-US" sz="800" dirty="0"/>
+          </a:p>
+        </p:txBody>
+      </p:sp>
+    </p:spTree>
+    <p:extLst>
+      <p:ext uri="{BB962C8B-B14F-4D97-AF65-F5344CB8AC3E}">
+        <p14:creationId xmlns:p14="http://schemas.microsoft.com/office/powerpoint/2010/main" val="2717934691"/>
+      </p:ext>
+    </p:extLst>
+  </p:cSld>
+  <p:clrMapOvr>
+    <a:masterClrMapping/>
+  </p:clrMapOvr>
+</p:sld>
+</file>
+
+<file path=ppt/slides/slide9.xml><?xml version="1.0" encoding="utf-8"?>
+<p:sld xmlns:a="http://schemas.openxmlformats.org/drawingml/2006/main" xmlns:r="http://schemas.openxmlformats.org/officeDocument/2006/relationships" xmlns:p="http://schemas.openxmlformats.org/presentationml/2006/main">
+  <p:cSld>
+    <p:spTree>
+      <p:nvGrpSpPr>
+        <p:cNvPr id="1" name=""/>
+        <p:cNvGrpSpPr/>
+        <p:nvPr/>
+      </p:nvGrpSpPr>
+      <p:grpSpPr>
+        <a:xfrm>
+          <a:off x="0" y="0"/>
+          <a:ext cx="0" cy="0"/>
+          <a:chOff x="0" y="0"/>
+          <a:chExt cx="0" cy="0"/>
+        </a:xfrm>
+      </p:grpSpPr>
+      <p:sp>
+        <p:nvSpPr>
+          <p:cNvPr id="2" name="TextBox 1">
+            <a:extLst>
+              <a:ext uri="{FF2B5EF4-FFF2-40B4-BE49-F238E27FC236}">
+                <a16:creationId xmlns:a16="http://schemas.microsoft.com/office/drawing/2014/main" id="{7B8D2EB7-B09B-4734-B289-1C189F7B1463}"/>
+              </a:ext>
+            </a:extLst>
+          </p:cNvPr>
+          <p:cNvSpPr txBox="1"/>
+          <p:nvPr/>
+        </p:nvSpPr>
+        <p:spPr>
+          <a:xfrm>
+            <a:off x="2991477" y="3138324"/>
+            <a:ext cx="67326" cy="230832"/>
+          </a:xfrm>
+          <a:prstGeom prst="rect">
+            <a:avLst/>
+          </a:prstGeom>
+          <a:noFill/>
+        </p:spPr>
+        <p:txBody>
+          <a:bodyPr wrap="none" lIns="0" rIns="0" rtlCol="0">
+            <a:spAutoFit/>
+          </a:bodyPr>
+          <a:lstStyle/>
+          <a:p>
+            <a:r>
+              <a:rPr lang="en-US" altLang="zh-CN" sz="900" dirty="0"/>
+              <a:t>A</a:t>
+            </a:r>
+            <a:endParaRPr lang="zh-CN" altLang="en-US" sz="900" dirty="0"/>
+          </a:p>
+        </p:txBody>
+      </p:sp>
+      <p:sp>
+        <p:nvSpPr>
+          <p:cNvPr id="3" name="TextBox 2">
+            <a:extLst>
+              <a:ext uri="{FF2B5EF4-FFF2-40B4-BE49-F238E27FC236}">
+                <a16:creationId xmlns:a16="http://schemas.microsoft.com/office/drawing/2014/main" id="{4C097CF4-72DB-4966-AAF3-6DA07029415E}"/>
+              </a:ext>
+            </a:extLst>
+          </p:cNvPr>
+          <p:cNvSpPr txBox="1"/>
+          <p:nvPr/>
+        </p:nvSpPr>
+        <p:spPr>
+          <a:xfrm>
+            <a:off x="3340050" y="2661242"/>
+            <a:ext cx="62518" cy="230832"/>
+          </a:xfrm>
+          <a:prstGeom prst="rect">
+            <a:avLst/>
+          </a:prstGeom>
+          <a:noFill/>
+        </p:spPr>
+        <p:txBody>
+          <a:bodyPr wrap="none" lIns="0" rIns="0" rtlCol="0">
+            <a:spAutoFit/>
+          </a:bodyPr>
+          <a:lstStyle/>
+          <a:p>
+            <a:r>
+              <a:rPr lang="en-US" altLang="zh-CN" sz="900" dirty="0"/>
+              <a:t>B</a:t>
+            </a:r>
+            <a:endParaRPr lang="zh-CN" altLang="en-US" sz="900" dirty="0"/>
+          </a:p>
+        </p:txBody>
+      </p:sp>
+      <p:sp>
+        <p:nvSpPr>
+          <p:cNvPr id="4" name="TextBox 3">
+            <a:extLst>
+              <a:ext uri="{FF2B5EF4-FFF2-40B4-BE49-F238E27FC236}">
+                <a16:creationId xmlns:a16="http://schemas.microsoft.com/office/drawing/2014/main" id="{C566FA7E-E245-4314-947C-CB87E01B509A}"/>
+              </a:ext>
+            </a:extLst>
+          </p:cNvPr>
+          <p:cNvSpPr txBox="1"/>
+          <p:nvPr/>
+        </p:nvSpPr>
+        <p:spPr>
+          <a:xfrm>
+            <a:off x="2376487" y="3486774"/>
+            <a:ext cx="110608" cy="215444"/>
+          </a:xfrm>
+          <a:prstGeom prst="rect">
+            <a:avLst/>
+          </a:prstGeom>
+          <a:noFill/>
+        </p:spPr>
+        <p:txBody>
+          <a:bodyPr wrap="none" lIns="0" rIns="0" rtlCol="0">
+            <a:spAutoFit/>
+          </a:bodyPr>
+          <a:lstStyle/>
+          <a:p>
+            <a:r>
+              <a:rPr lang="en-US" altLang="zh-CN" sz="800" dirty="0"/>
+              <a:t>A1</a:t>
+            </a:r>
+            <a:endParaRPr lang="zh-CN" altLang="en-US" sz="800" dirty="0"/>
+          </a:p>
+        </p:txBody>
+      </p:sp>
+      <p:cxnSp>
+        <p:nvCxnSpPr>
+          <p:cNvPr id="5" name="直接连接符 25">
+            <a:extLst>
+              <a:ext uri="{FF2B5EF4-FFF2-40B4-BE49-F238E27FC236}">
+                <a16:creationId xmlns:a16="http://schemas.microsoft.com/office/drawing/2014/main" id="{915ED38A-B993-4D53-B442-1E8B41BA018E}"/>
+              </a:ext>
+            </a:extLst>
+          </p:cNvPr>
+          <p:cNvCxnSpPr/>
+          <p:nvPr/>
+        </p:nvCxnSpPr>
+        <p:spPr>
+          <a:xfrm flipV="1">
+            <a:off x="2819400" y="3462338"/>
+            <a:ext cx="0" cy="228600"/>
+          </a:xfrm>
+          <a:prstGeom prst="line">
+            <a:avLst/>
+          </a:prstGeom>
+          <a:ln w="6350">
+            <a:solidFill>
+              <a:schemeClr val="tx1"/>
+            </a:solidFill>
+            <a:prstDash val="dash"/>
+          </a:ln>
+        </p:spPr>
+        <p:style>
+          <a:lnRef idx="1">
+            <a:schemeClr val="accent1"/>
+          </a:lnRef>
+          <a:fillRef idx="0">
+            <a:schemeClr val="accent1"/>
+          </a:fillRef>
+          <a:effectRef idx="0">
+            <a:schemeClr val="accent1"/>
+          </a:effectRef>
+          <a:fontRef idx="minor">
+            <a:schemeClr val="tx1"/>
+          </a:fontRef>
+        </p:style>
+      </p:cxnSp>
+      <p:cxnSp>
+        <p:nvCxnSpPr>
+          <p:cNvPr id="6" name="直接连接符 29">
+            <a:extLst>
+              <a:ext uri="{FF2B5EF4-FFF2-40B4-BE49-F238E27FC236}">
+                <a16:creationId xmlns:a16="http://schemas.microsoft.com/office/drawing/2014/main" id="{C174D0B7-C07F-4E78-BA94-B97425B1AF61}"/>
+              </a:ext>
+            </a:extLst>
+          </p:cNvPr>
+          <p:cNvCxnSpPr/>
+          <p:nvPr/>
+        </p:nvCxnSpPr>
+        <p:spPr>
+          <a:xfrm flipH="1" flipV="1">
+            <a:off x="3231567" y="3462337"/>
+            <a:ext cx="0" cy="457200"/>
+          </a:xfrm>
+          <a:prstGeom prst="line">
+            <a:avLst/>
+          </a:prstGeom>
+          <a:ln w="6350">
+            <a:solidFill>
+              <a:schemeClr val="tx1"/>
+            </a:solidFill>
+            <a:prstDash val="dash"/>
+          </a:ln>
+        </p:spPr>
+        <p:style>
+          <a:lnRef idx="1">
+            <a:schemeClr val="accent1"/>
+          </a:lnRef>
+          <a:fillRef idx="0">
+            <a:schemeClr val="accent1"/>
+          </a:fillRef>
+          <a:effectRef idx="0">
+            <a:schemeClr val="accent1"/>
+          </a:effectRef>
+          <a:fontRef idx="minor">
+            <a:schemeClr val="tx1"/>
+          </a:fontRef>
+        </p:style>
+      </p:cxnSp>
+      <p:cxnSp>
+        <p:nvCxnSpPr>
+          <p:cNvPr id="7" name="直接连接符 30">
+            <a:extLst>
+              <a:ext uri="{FF2B5EF4-FFF2-40B4-BE49-F238E27FC236}">
+                <a16:creationId xmlns:a16="http://schemas.microsoft.com/office/drawing/2014/main" id="{084EEE3B-D489-4CCD-B2FF-BB36B529364C}"/>
+              </a:ext>
+            </a:extLst>
+          </p:cNvPr>
+          <p:cNvCxnSpPr/>
+          <p:nvPr/>
+        </p:nvCxnSpPr>
+        <p:spPr>
+          <a:xfrm flipH="1" flipV="1">
+            <a:off x="3088255" y="2676012"/>
+            <a:ext cx="3903" cy="1234440"/>
+          </a:xfrm>
+          <a:prstGeom prst="line">
+            <a:avLst/>
+          </a:prstGeom>
+          <a:ln w="6350">
+            <a:solidFill>
+              <a:schemeClr val="tx1"/>
+            </a:solidFill>
+            <a:prstDash val="dash"/>
+          </a:ln>
+        </p:spPr>
+        <p:style>
+          <a:lnRef idx="1">
+            <a:schemeClr val="accent1"/>
+          </a:lnRef>
+          <a:fillRef idx="0">
+            <a:schemeClr val="accent1"/>
+          </a:fillRef>
+          <a:effectRef idx="0">
+            <a:schemeClr val="accent1"/>
+          </a:effectRef>
+          <a:fontRef idx="minor">
+            <a:schemeClr val="tx1"/>
+          </a:fontRef>
+        </p:style>
+      </p:cxnSp>
+      <p:cxnSp>
+        <p:nvCxnSpPr>
+          <p:cNvPr id="8" name="直接连接符 31">
+            <a:extLst>
+              <a:ext uri="{FF2B5EF4-FFF2-40B4-BE49-F238E27FC236}">
+                <a16:creationId xmlns:a16="http://schemas.microsoft.com/office/drawing/2014/main" id="{77838B07-AB2A-455E-BFDF-2DF263BE8AB0}"/>
+              </a:ext>
+            </a:extLst>
+          </p:cNvPr>
+          <p:cNvCxnSpPr/>
+          <p:nvPr/>
+        </p:nvCxnSpPr>
+        <p:spPr>
+          <a:xfrm flipH="1" flipV="1">
+            <a:off x="3933826" y="3150035"/>
+            <a:ext cx="0" cy="640080"/>
+          </a:xfrm>
+          <a:prstGeom prst="line">
+            <a:avLst/>
+          </a:prstGeom>
+          <a:ln w="6350">
+            <a:solidFill>
+              <a:schemeClr val="tx1"/>
+            </a:solidFill>
+            <a:prstDash val="dash"/>
+          </a:ln>
+        </p:spPr>
+        <p:style>
+          <a:lnRef idx="1">
+            <a:schemeClr val="accent1"/>
+          </a:lnRef>
+          <a:fillRef idx="0">
+            <a:schemeClr val="accent1"/>
+          </a:fillRef>
+          <a:effectRef idx="0">
+            <a:schemeClr val="accent1"/>
+          </a:effectRef>
+          <a:fontRef idx="minor">
+            <a:schemeClr val="tx1"/>
+          </a:fontRef>
+        </p:style>
+      </p:cxnSp>
+      <p:sp>
+        <p:nvSpPr>
+          <p:cNvPr id="9" name="TextBox 8">
+            <a:extLst>
+              <a:ext uri="{FF2B5EF4-FFF2-40B4-BE49-F238E27FC236}">
+                <a16:creationId xmlns:a16="http://schemas.microsoft.com/office/drawing/2014/main" id="{91919CBD-DC7A-4687-9C52-95D447ED9CCC}"/>
+              </a:ext>
+            </a:extLst>
+          </p:cNvPr>
+          <p:cNvSpPr txBox="1"/>
+          <p:nvPr/>
+        </p:nvSpPr>
+        <p:spPr>
+          <a:xfrm>
+            <a:off x="2546408" y="3690159"/>
+            <a:ext cx="428002" cy="338554"/>
+          </a:xfrm>
+          <a:prstGeom prst="rect">
+            <a:avLst/>
+          </a:prstGeom>
+          <a:noFill/>
+        </p:spPr>
+        <p:txBody>
+          <a:bodyPr wrap="none" lIns="0" rIns="0" rtlCol="0">
+            <a:spAutoFit/>
+          </a:bodyPr>
+          <a:lstStyle/>
+          <a:p>
+            <a:r>
+              <a:rPr lang="en-US" altLang="zh-CN" sz="800" dirty="0"/>
+              <a:t>Projection</a:t>
+            </a:r>
+            <a:br>
+              <a:rPr lang="en-US" altLang="zh-CN" sz="800" dirty="0"/>
+            </a:br>
+            <a:r>
+              <a:rPr lang="en-US" altLang="zh-CN" sz="800" dirty="0"/>
+              <a:t>from A</a:t>
+            </a:r>
+          </a:p>
+        </p:txBody>
+      </p:sp>
+      <p:sp>
+        <p:nvSpPr>
+          <p:cNvPr id="10" name="TextBox 9">
+            <a:extLst>
+              <a:ext uri="{FF2B5EF4-FFF2-40B4-BE49-F238E27FC236}">
+                <a16:creationId xmlns:a16="http://schemas.microsoft.com/office/drawing/2014/main" id="{C16FE2B7-D235-4D05-83E3-04FD7B511FFE}"/>
+              </a:ext>
+            </a:extLst>
+          </p:cNvPr>
+          <p:cNvSpPr txBox="1"/>
+          <p:nvPr/>
+        </p:nvSpPr>
+        <p:spPr>
+          <a:xfrm>
+            <a:off x="3600529" y="3785771"/>
+            <a:ext cx="428002" cy="338554"/>
+          </a:xfrm>
+          <a:prstGeom prst="rect">
+            <a:avLst/>
+          </a:prstGeom>
+          <a:noFill/>
+        </p:spPr>
+        <p:txBody>
+          <a:bodyPr wrap="none" lIns="0" rIns="0" rtlCol="0">
+            <a:spAutoFit/>
+          </a:bodyPr>
+          <a:lstStyle/>
+          <a:p>
+            <a:r>
+              <a:rPr lang="en-US" altLang="zh-CN" sz="800" dirty="0"/>
+              <a:t>Projection</a:t>
+            </a:r>
+            <a:br>
+              <a:rPr lang="en-US" altLang="zh-CN" sz="800" dirty="0"/>
+            </a:br>
+            <a:r>
+              <a:rPr lang="en-US" altLang="zh-CN" sz="800" dirty="0"/>
+              <a:t>from B</a:t>
+            </a:r>
+            <a:endParaRPr lang="zh-CN" altLang="en-US" sz="800" dirty="0"/>
+          </a:p>
+        </p:txBody>
+      </p:sp>
+      <p:sp>
+        <p:nvSpPr>
+          <p:cNvPr id="11" name="TextBox 10">
+            <a:extLst>
+              <a:ext uri="{FF2B5EF4-FFF2-40B4-BE49-F238E27FC236}">
+                <a16:creationId xmlns:a16="http://schemas.microsoft.com/office/drawing/2014/main" id="{64CDFBFB-A094-41BD-87A5-416395F7FFB2}"/>
+              </a:ext>
+            </a:extLst>
+          </p:cNvPr>
+          <p:cNvSpPr txBox="1"/>
+          <p:nvPr/>
+        </p:nvSpPr>
+        <p:spPr>
+          <a:xfrm>
+            <a:off x="2996831" y="3934690"/>
+            <a:ext cx="328616" cy="215444"/>
+          </a:xfrm>
+          <a:prstGeom prst="rect">
+            <a:avLst/>
+          </a:prstGeom>
+          <a:noFill/>
+        </p:spPr>
+        <p:txBody>
+          <a:bodyPr wrap="none" lIns="0" rIns="0" rtlCol="0">
+            <a:spAutoFit/>
+          </a:bodyPr>
+          <a:lstStyle/>
+          <a:p>
+            <a:r>
+              <a:rPr lang="en-US" altLang="zh-CN" sz="800" dirty="0"/>
+              <a:t>Overlap</a:t>
+            </a:r>
+            <a:endParaRPr lang="zh-CN" altLang="en-US" sz="800" dirty="0"/>
+          </a:p>
+        </p:txBody>
+      </p:sp>
+      <p:sp>
+        <p:nvSpPr>
+          <p:cNvPr id="12" name="Rectangle 11">
+            <a:extLst>
+              <a:ext uri="{FF2B5EF4-FFF2-40B4-BE49-F238E27FC236}">
+                <a16:creationId xmlns:a16="http://schemas.microsoft.com/office/drawing/2014/main" id="{7F74FDAC-314A-4370-AE70-037AADD42D9C}"/>
+              </a:ext>
+            </a:extLst>
+          </p:cNvPr>
+          <p:cNvSpPr/>
+          <p:nvPr/>
+        </p:nvSpPr>
+        <p:spPr>
+          <a:xfrm>
+            <a:off x="1676400" y="1974675"/>
+            <a:ext cx="4267200" cy="2597325"/>
+          </a:xfrm>
+          <a:prstGeom prst="rect">
+            <a:avLst/>
+          </a:prstGeom>
+          <a:noFill/>
+          <a:ln w="9525">
+            <a:prstDash val="sysDash"/>
+          </a:ln>
+        </p:spPr>
+        <p:style>
+          <a:lnRef idx="2">
+            <a:schemeClr val="accent1">
+              <a:shade val="50000"/>
+            </a:schemeClr>
+          </a:lnRef>
+          <a:fillRef idx="1">
+            <a:schemeClr val="accent1"/>
+          </a:fillRef>
+          <a:effectRef idx="0">
+            <a:schemeClr val="accent1"/>
+          </a:effectRef>
+          <a:fontRef idx="minor">
+            <a:schemeClr val="lt1"/>
+          </a:fontRef>
+        </p:style>
+        <p:txBody>
+          <a:bodyPr rtlCol="0" anchor="ctr"/>
+          <a:lstStyle/>
+          <a:p>
+            <a:pPr algn="ctr"/>
+            <a:endParaRPr lang="en-US" sz="800"/>
+          </a:p>
+        </p:txBody>
+      </p:sp>
+      <p:sp>
+        <p:nvSpPr>
+          <p:cNvPr id="13" name="TextBox 12">
+            <a:extLst>
+              <a:ext uri="{FF2B5EF4-FFF2-40B4-BE49-F238E27FC236}">
+                <a16:creationId xmlns:a16="http://schemas.microsoft.com/office/drawing/2014/main" id="{76333000-B32B-4621-9E91-462C02393325}"/>
+              </a:ext>
+            </a:extLst>
+          </p:cNvPr>
+          <p:cNvSpPr txBox="1"/>
+          <p:nvPr/>
+        </p:nvSpPr>
+        <p:spPr>
+          <a:xfrm>
+            <a:off x="2953968" y="4724400"/>
+            <a:ext cx="2125158" cy="338554"/>
+          </a:xfrm>
+          <a:prstGeom prst="rect">
+            <a:avLst/>
+          </a:prstGeom>
+          <a:noFill/>
+          <a:ln>
+            <a:noFill/>
+          </a:ln>
+        </p:spPr>
+        <p:txBody>
+          <a:bodyPr wrap="square" lIns="0" rIns="0" rtlCol="0">
+            <a:spAutoFit/>
+          </a:bodyPr>
+          <a:lstStyle/>
+          <a:p>
+            <a:r>
+              <a:rPr lang="en-US" altLang="zh-CN" sz="1600" dirty="0"/>
+              <a:t>Figure 9</a:t>
+            </a:r>
+            <a:r>
+              <a:rPr lang="en-US" altLang="zh-TW" sz="1600" dirty="0"/>
+              <a:t>-11</a:t>
+            </a:r>
+          </a:p>
+        </p:txBody>
+      </p:sp>
+      <p:sp>
+        <p:nvSpPr>
+          <p:cNvPr id="14" name="矩形 7">
+            <a:extLst>
+              <a:ext uri="{FF2B5EF4-FFF2-40B4-BE49-F238E27FC236}">
+                <a16:creationId xmlns:a16="http://schemas.microsoft.com/office/drawing/2014/main" id="{607D956B-A358-4782-915C-EAC0D7C1F543}"/>
+              </a:ext>
+            </a:extLst>
+          </p:cNvPr>
+          <p:cNvSpPr>
+            <a:spLocks noChangeAspect="1"/>
+          </p:cNvSpPr>
+          <p:nvPr/>
+        </p:nvSpPr>
+        <p:spPr>
+          <a:xfrm>
+            <a:off x="2819400" y="3048000"/>
+            <a:ext cx="411480" cy="411480"/>
+          </a:xfrm>
+          <a:prstGeom prst="rect">
+            <a:avLst/>
+          </a:prstGeom>
+          <a:noFill/>
+          <a:ln w="12700">
+            <a:solidFill>
+              <a:schemeClr val="tx1"/>
+            </a:solidFill>
+          </a:ln>
+        </p:spPr>
+        <p:style>
+          <a:lnRef idx="2">
+            <a:schemeClr val="accent1">
+              <a:shade val="50000"/>
+            </a:schemeClr>
+          </a:lnRef>
+          <a:fillRef idx="1">
+            <a:schemeClr val="accent1"/>
+          </a:fillRef>
+          <a:effectRef idx="0">
+            <a:schemeClr val="accent1"/>
+          </a:effectRef>
+          <a:fontRef idx="minor">
+            <a:schemeClr val="lt1"/>
+          </a:fontRef>
+        </p:style>
+        <p:txBody>
+          <a:bodyPr rtlCol="0" anchor="ctr"/>
+          <a:lstStyle/>
+          <a:p>
+            <a:pPr algn="ctr"/>
+            <a:endParaRPr lang="zh-CN" altLang="en-US" dirty="0"/>
+          </a:p>
+        </p:txBody>
+      </p:sp>
+      <p:sp>
+        <p:nvSpPr>
+          <p:cNvPr id="15" name="矩形 28">
+            <a:extLst>
+              <a:ext uri="{FF2B5EF4-FFF2-40B4-BE49-F238E27FC236}">
+                <a16:creationId xmlns:a16="http://schemas.microsoft.com/office/drawing/2014/main" id="{2CE98F5C-A0E5-4254-B842-1939013C3ECA}"/>
+              </a:ext>
+            </a:extLst>
+          </p:cNvPr>
+          <p:cNvSpPr>
+            <a:spLocks/>
+          </p:cNvSpPr>
+          <p:nvPr/>
+        </p:nvSpPr>
+        <p:spPr>
+          <a:xfrm rot="2700000">
+            <a:off x="3054353" y="2776727"/>
+            <a:ext cx="914400" cy="274320"/>
+          </a:xfrm>
+          <a:prstGeom prst="rect">
+            <a:avLst/>
+          </a:prstGeom>
+          <a:noFill/>
+          <a:ln w="12700">
+            <a:solidFill>
+              <a:schemeClr val="tx1"/>
+            </a:solidFill>
+          </a:ln>
+        </p:spPr>
+        <p:style>
+          <a:lnRef idx="2">
+            <a:schemeClr val="accent1">
+              <a:shade val="50000"/>
+            </a:schemeClr>
+          </a:lnRef>
+          <a:fillRef idx="1">
+            <a:schemeClr val="accent1"/>
+          </a:fillRef>
+          <a:effectRef idx="0">
+            <a:schemeClr val="accent1"/>
+          </a:effectRef>
+          <a:fontRef idx="minor">
+            <a:schemeClr val="lt1"/>
+          </a:fontRef>
+        </p:style>
+        <p:txBody>
+          <a:bodyPr rtlCol="0" anchor="ctr"/>
+          <a:lstStyle/>
+          <a:p>
+            <a:pPr algn="ctr"/>
+            <a:endParaRPr lang="zh-CN" altLang="en-US"/>
+          </a:p>
+        </p:txBody>
+      </p:sp>
+      <p:sp>
+        <p:nvSpPr>
+          <p:cNvPr id="16" name="Right Brace 15">
+            <a:extLst>
+              <a:ext uri="{FF2B5EF4-FFF2-40B4-BE49-F238E27FC236}">
+                <a16:creationId xmlns:a16="http://schemas.microsoft.com/office/drawing/2014/main" id="{F4A579FF-F195-42C5-875D-A9929234B652}"/>
+              </a:ext>
+            </a:extLst>
+          </p:cNvPr>
+          <p:cNvSpPr/>
+          <p:nvPr/>
+        </p:nvSpPr>
+        <p:spPr>
+          <a:xfrm>
+            <a:off x="3490245" y="3400656"/>
+            <a:ext cx="46101" cy="832104"/>
+          </a:xfrm>
+          <a:prstGeom prst="rightBrace">
+            <a:avLst>
+              <a:gd name="adj1" fmla="val 147059"/>
+              <a:gd name="adj2" fmla="val 50000"/>
+            </a:avLst>
+          </a:prstGeom>
+          <a:ln w="6350">
+            <a:solidFill>
+              <a:schemeClr val="tx1"/>
+            </a:solidFill>
+          </a:ln>
+          <a:scene3d>
+            <a:camera prst="orthographicFront">
+              <a:rot lat="0" lon="0" rev="16200000"/>
+            </a:camera>
+            <a:lightRig rig="threePt" dir="t"/>
+          </a:scene3d>
+        </p:spPr>
+        <p:style>
+          <a:lnRef idx="1">
+            <a:schemeClr val="accent1"/>
+          </a:lnRef>
+          <a:fillRef idx="0">
+            <a:schemeClr val="accent1"/>
+          </a:fillRef>
+          <a:effectRef idx="0">
+            <a:schemeClr val="accent1"/>
+          </a:effectRef>
+          <a:fontRef idx="minor">
+            <a:schemeClr val="tx1"/>
+          </a:fontRef>
+        </p:style>
+        <p:txBody>
+          <a:bodyPr rtlCol="0" anchor="ctr"/>
+          <a:lstStyle/>
+          <a:p>
+            <a:pPr algn="ctr"/>
+            <a:endParaRPr lang="en-US"/>
+          </a:p>
+        </p:txBody>
+      </p:sp>
+      <p:sp>
+        <p:nvSpPr>
+          <p:cNvPr id="17" name="Right Brace 16">
+            <a:extLst>
+              <a:ext uri="{FF2B5EF4-FFF2-40B4-BE49-F238E27FC236}">
+                <a16:creationId xmlns:a16="http://schemas.microsoft.com/office/drawing/2014/main" id="{8ECDD664-6632-4511-839D-D238C37AFF0D}"/>
+              </a:ext>
+            </a:extLst>
+          </p:cNvPr>
+          <p:cNvSpPr/>
+          <p:nvPr/>
+        </p:nvSpPr>
+        <p:spPr>
+          <a:xfrm>
+            <a:off x="3001137" y="3512183"/>
+            <a:ext cx="46101" cy="411480"/>
+          </a:xfrm>
+          <a:prstGeom prst="rightBrace">
+            <a:avLst>
+              <a:gd name="adj1" fmla="val 147059"/>
+              <a:gd name="adj2" fmla="val 50000"/>
+            </a:avLst>
+          </a:prstGeom>
+          <a:ln w="6350">
+            <a:solidFill>
+              <a:schemeClr val="tx1"/>
+            </a:solidFill>
+          </a:ln>
+          <a:scene3d>
+            <a:camera prst="orthographicFront">
+              <a:rot lat="0" lon="0" rev="16200000"/>
+            </a:camera>
+            <a:lightRig rig="threePt" dir="t"/>
+          </a:scene3d>
+        </p:spPr>
+        <p:style>
+          <a:lnRef idx="1">
+            <a:schemeClr val="accent1"/>
+          </a:lnRef>
+          <a:fillRef idx="0">
+            <a:schemeClr val="accent1"/>
+          </a:fillRef>
+          <a:effectRef idx="0">
+            <a:schemeClr val="accent1"/>
+          </a:effectRef>
+          <a:fontRef idx="minor">
+            <a:schemeClr val="tx1"/>
+          </a:fontRef>
+        </p:style>
+        <p:txBody>
+          <a:bodyPr rtlCol="0" anchor="ctr"/>
+          <a:lstStyle/>
+          <a:p>
+            <a:pPr algn="ctr"/>
+            <a:endParaRPr lang="en-US"/>
+          </a:p>
+        </p:txBody>
+      </p:sp>
+      <p:sp>
+        <p:nvSpPr>
+          <p:cNvPr id="18" name="Right Brace 17">
+            <a:extLst>
+              <a:ext uri="{FF2B5EF4-FFF2-40B4-BE49-F238E27FC236}">
+                <a16:creationId xmlns:a16="http://schemas.microsoft.com/office/drawing/2014/main" id="{E584B685-71EC-431F-A8FC-DFCD3905CA7E}"/>
+              </a:ext>
+            </a:extLst>
+          </p:cNvPr>
+          <p:cNvSpPr/>
+          <p:nvPr/>
+        </p:nvSpPr>
+        <p:spPr>
+          <a:xfrm>
+            <a:off x="3141632" y="3876515"/>
+            <a:ext cx="46101" cy="137160"/>
+          </a:xfrm>
+          <a:prstGeom prst="rightBrace">
+            <a:avLst>
+              <a:gd name="adj1" fmla="val 147059"/>
+              <a:gd name="adj2" fmla="val 50000"/>
+            </a:avLst>
+          </a:prstGeom>
+          <a:ln w="6350">
+            <a:solidFill>
+              <a:schemeClr val="tx1"/>
+            </a:solidFill>
+          </a:ln>
+          <a:scene3d>
+            <a:camera prst="orthographicFront">
+              <a:rot lat="0" lon="0" rev="16200000"/>
+            </a:camera>
+            <a:lightRig rig="threePt" dir="t"/>
+          </a:scene3d>
+        </p:spPr>
+        <p:style>
+          <a:lnRef idx="1">
+            <a:schemeClr val="accent1"/>
+          </a:lnRef>
+          <a:fillRef idx="0">
+            <a:schemeClr val="accent1"/>
+          </a:fillRef>
+          <a:effectRef idx="0">
+            <a:schemeClr val="accent1"/>
+          </a:effectRef>
+          <a:fontRef idx="minor">
+            <a:schemeClr val="tx1"/>
+          </a:fontRef>
+        </p:style>
+        <p:txBody>
+          <a:bodyPr rtlCol="0" anchor="ctr"/>
+          <a:lstStyle/>
+          <a:p>
+            <a:pPr algn="ctr"/>
+            <a:endParaRPr lang="en-US"/>
+          </a:p>
+        </p:txBody>
+      </p:sp>
+      <p:cxnSp>
+        <p:nvCxnSpPr>
+          <p:cNvPr id="19" name="直接箭头连接符 22">
+            <a:extLst>
+              <a:ext uri="{FF2B5EF4-FFF2-40B4-BE49-F238E27FC236}">
+                <a16:creationId xmlns:a16="http://schemas.microsoft.com/office/drawing/2014/main" id="{85D9A8B7-C329-4988-AC7E-7A5CC8A54990}"/>
+              </a:ext>
+            </a:extLst>
+          </p:cNvPr>
+          <p:cNvCxnSpPr/>
+          <p:nvPr/>
+        </p:nvCxnSpPr>
+        <p:spPr>
+          <a:xfrm flipH="1">
+            <a:off x="2523007" y="3614320"/>
+            <a:ext cx="1737843" cy="417"/>
+          </a:xfrm>
+          <a:prstGeom prst="straightConnector1">
+            <a:avLst/>
+          </a:prstGeom>
+          <a:ln w="9525" cap="flat">
+            <a:solidFill>
+              <a:schemeClr val="tx1"/>
+            </a:solidFill>
+            <a:headEnd w="sm" len="sm"/>
+            <a:tailEnd type="triangle" w="sm" len="sm"/>
+          </a:ln>
+        </p:spPr>
+        <p:style>
+          <a:lnRef idx="1">
+            <a:schemeClr val="accent1"/>
+          </a:lnRef>
+          <a:fillRef idx="0">
+            <a:schemeClr val="accent1"/>
+          </a:fillRef>
+          <a:effectRef idx="0">
+            <a:schemeClr val="accent1"/>
+          </a:effectRef>
+          <a:fontRef idx="minor">
+            <a:schemeClr val="tx1"/>
+          </a:fontRef>
+        </p:style>
+      </p:cxnSp>
+    </p:spTree>
+    <p:extLst>
+      <p:ext uri="{BB962C8B-B14F-4D97-AF65-F5344CB8AC3E}">
+        <p14:creationId xmlns:p14="http://schemas.microsoft.com/office/powerpoint/2010/main" val="857568742"/>
       </p:ext>
     </p:extLst>
   </p:cSld>

--- a/Word/Diagrams/chapter9/chap 9.figures.pptx
+++ b/Word/Diagrams/chapter9/chap 9.figures.pptx
@@ -5,7 +5,7 @@
     <p:sldMasterId id="2147483660" r:id="rId1"/>
   </p:sldMasterIdLst>
   <p:notesMasterIdLst>
-    <p:notesMasterId r:id="rId13"/>
+    <p:notesMasterId r:id="rId15"/>
   </p:notesMasterIdLst>
   <p:sldIdLst>
     <p:sldId id="306" r:id="rId2"/>
@@ -19,6 +19,8 @@
     <p:sldId id="312" r:id="rId10"/>
     <p:sldId id="313" r:id="rId11"/>
     <p:sldId id="314" r:id="rId12"/>
+    <p:sldId id="315" r:id="rId13"/>
+    <p:sldId id="316" r:id="rId14"/>
   </p:sldIdLst>
   <p:sldSz cx="9144000" cy="6858000" type="screen4x3"/>
   <p:notesSz cx="6858000" cy="9144000"/>
@@ -219,7 +221,7 @@
             <a:fld id="{9CCF083D-F2BC-4786-8C77-844DFCD3515B}" type="datetimeFigureOut">
               <a:rPr lang="zh-TW" altLang="en-US" smtClean="0"/>
               <a:pPr/>
-              <a:t>2021/6/14</a:t>
+              <a:t>2021/6/15</a:t>
             </a:fld>
             <a:endParaRPr lang="zh-TW" altLang="en-US"/>
           </a:p>
@@ -683,7 +685,7 @@
             <a:fld id="{E3D07B0C-BD95-41BE-BB3E-AC75822DF381}" type="datetimeFigureOut">
               <a:rPr lang="en-US" smtClean="0"/>
               <a:pPr/>
-              <a:t>6/14/2021</a:t>
+              <a:t>6/15/2021</a:t>
             </a:fld>
             <a:endParaRPr lang="en-US" dirty="0"/>
           </a:p>
@@ -848,7 +850,7 @@
             <a:fld id="{E3D07B0C-BD95-41BE-BB3E-AC75822DF381}" type="datetimeFigureOut">
               <a:rPr lang="en-US" smtClean="0"/>
               <a:pPr/>
-              <a:t>6/14/2021</a:t>
+              <a:t>6/15/2021</a:t>
             </a:fld>
             <a:endParaRPr lang="en-US" dirty="0"/>
           </a:p>
@@ -1024,7 +1026,7 @@
             <a:fld id="{E3D07B0C-BD95-41BE-BB3E-AC75822DF381}" type="datetimeFigureOut">
               <a:rPr lang="en-US" smtClean="0"/>
               <a:pPr/>
-              <a:t>6/14/2021</a:t>
+              <a:t>6/15/2021</a:t>
             </a:fld>
             <a:endParaRPr lang="en-US" dirty="0"/>
           </a:p>
@@ -1189,7 +1191,7 @@
             <a:fld id="{E3D07B0C-BD95-41BE-BB3E-AC75822DF381}" type="datetimeFigureOut">
               <a:rPr lang="en-US" smtClean="0"/>
               <a:pPr/>
-              <a:t>6/14/2021</a:t>
+              <a:t>6/15/2021</a:t>
             </a:fld>
             <a:endParaRPr lang="en-US" dirty="0"/>
           </a:p>
@@ -1432,7 +1434,7 @@
             <a:fld id="{E3D07B0C-BD95-41BE-BB3E-AC75822DF381}" type="datetimeFigureOut">
               <a:rPr lang="en-US" smtClean="0"/>
               <a:pPr/>
-              <a:t>6/14/2021</a:t>
+              <a:t>6/15/2021</a:t>
             </a:fld>
             <a:endParaRPr lang="en-US" dirty="0"/>
           </a:p>
@@ -1716,7 +1718,7 @@
             <a:fld id="{E3D07B0C-BD95-41BE-BB3E-AC75822DF381}" type="datetimeFigureOut">
               <a:rPr lang="en-US" smtClean="0"/>
               <a:pPr/>
-              <a:t>6/14/2021</a:t>
+              <a:t>6/15/2021</a:t>
             </a:fld>
             <a:endParaRPr lang="en-US" dirty="0"/>
           </a:p>
@@ -2145,7 +2147,7 @@
             <a:fld id="{E3D07B0C-BD95-41BE-BB3E-AC75822DF381}" type="datetimeFigureOut">
               <a:rPr lang="en-US" smtClean="0"/>
               <a:pPr/>
-              <a:t>6/14/2021</a:t>
+              <a:t>6/15/2021</a:t>
             </a:fld>
             <a:endParaRPr lang="en-US" dirty="0"/>
           </a:p>
@@ -2259,7 +2261,7 @@
             <a:fld id="{E3D07B0C-BD95-41BE-BB3E-AC75822DF381}" type="datetimeFigureOut">
               <a:rPr lang="en-US" smtClean="0"/>
               <a:pPr/>
-              <a:t>6/14/2021</a:t>
+              <a:t>6/15/2021</a:t>
             </a:fld>
             <a:endParaRPr lang="en-US" dirty="0"/>
           </a:p>
@@ -2351,7 +2353,7 @@
             <a:fld id="{E3D07B0C-BD95-41BE-BB3E-AC75822DF381}" type="datetimeFigureOut">
               <a:rPr lang="en-US" smtClean="0"/>
               <a:pPr/>
-              <a:t>6/14/2021</a:t>
+              <a:t>6/15/2021</a:t>
             </a:fld>
             <a:endParaRPr lang="en-US" dirty="0"/>
           </a:p>
@@ -2542,7 +2544,7 @@
             <a:fld id="{E3D07B0C-BD95-41BE-BB3E-AC75822DF381}" type="datetimeFigureOut">
               <a:rPr lang="en-US" smtClean="0"/>
               <a:pPr/>
-              <a:t>6/14/2021</a:t>
+              <a:t>6/15/2021</a:t>
             </a:fld>
             <a:endParaRPr lang="en-US" dirty="0"/>
           </a:p>
@@ -2860,7 +2862,7 @@
             <a:fld id="{E3D07B0C-BD95-41BE-BB3E-AC75822DF381}" type="datetimeFigureOut">
               <a:rPr lang="en-US" smtClean="0"/>
               <a:pPr/>
-              <a:t>6/14/2021</a:t>
+              <a:t>6/15/2021</a:t>
             </a:fld>
             <a:endParaRPr lang="en-US" dirty="0"/>
           </a:p>
@@ -3242,7 +3244,7 @@
             <a:fld id="{E3D07B0C-BD95-41BE-BB3E-AC75822DF381}" type="datetimeFigureOut">
               <a:rPr lang="en-US" smtClean="0"/>
               <a:pPr/>
-              <a:t>6/14/2021</a:t>
+              <a:t>6/15/2021</a:t>
             </a:fld>
             <a:endParaRPr lang="en-US" dirty="0"/>
           </a:p>
@@ -9371,6 +9373,1888 @@
     <p:extLst>
       <p:ext uri="{BB962C8B-B14F-4D97-AF65-F5344CB8AC3E}">
         <p14:creationId xmlns:p14="http://schemas.microsoft.com/office/powerpoint/2010/main" val="1594356318"/>
+      </p:ext>
+    </p:extLst>
+  </p:cSld>
+  <p:clrMapOvr>
+    <a:masterClrMapping/>
+  </p:clrMapOvr>
+</p:sld>
+</file>
+
+<file path=ppt/slides/slide12.xml><?xml version="1.0" encoding="utf-8"?>
+<p:sld xmlns:a="http://schemas.openxmlformats.org/drawingml/2006/main" xmlns:r="http://schemas.openxmlformats.org/officeDocument/2006/relationships" xmlns:p="http://schemas.openxmlformats.org/presentationml/2006/main">
+  <p:cSld>
+    <p:spTree>
+      <p:nvGrpSpPr>
+        <p:cNvPr id="1" name=""/>
+        <p:cNvGrpSpPr/>
+        <p:nvPr/>
+      </p:nvGrpSpPr>
+      <p:grpSpPr>
+        <a:xfrm>
+          <a:off x="0" y="0"/>
+          <a:ext cx="0" cy="0"/>
+          <a:chOff x="0" y="0"/>
+          <a:chExt cx="0" cy="0"/>
+        </a:xfrm>
+      </p:grpSpPr>
+      <p:sp>
+        <p:nvSpPr>
+          <p:cNvPr id="2" name="Rectangle 1">
+            <a:extLst>
+              <a:ext uri="{FF2B5EF4-FFF2-40B4-BE49-F238E27FC236}">
+                <a16:creationId xmlns:a16="http://schemas.microsoft.com/office/drawing/2014/main" id="{21CD0951-BE9B-46D7-BB77-60A15EC9C432}"/>
+              </a:ext>
+            </a:extLst>
+          </p:cNvPr>
+          <p:cNvSpPr/>
+          <p:nvPr/>
+        </p:nvSpPr>
+        <p:spPr>
+          <a:xfrm>
+            <a:off x="1676400" y="1974675"/>
+            <a:ext cx="4267200" cy="2324099"/>
+          </a:xfrm>
+          <a:prstGeom prst="rect">
+            <a:avLst/>
+          </a:prstGeom>
+          <a:noFill/>
+          <a:ln w="9525">
+            <a:prstDash val="sysDash"/>
+          </a:ln>
+        </p:spPr>
+        <p:style>
+          <a:lnRef idx="2">
+            <a:schemeClr val="accent1">
+              <a:shade val="50000"/>
+            </a:schemeClr>
+          </a:lnRef>
+          <a:fillRef idx="1">
+            <a:schemeClr val="accent1"/>
+          </a:fillRef>
+          <a:effectRef idx="0">
+            <a:schemeClr val="accent1"/>
+          </a:effectRef>
+          <a:fontRef idx="minor">
+            <a:schemeClr val="lt1"/>
+          </a:fontRef>
+        </p:style>
+        <p:txBody>
+          <a:bodyPr rtlCol="0" anchor="ctr"/>
+          <a:lstStyle/>
+          <a:p>
+            <a:pPr algn="ctr"/>
+            <a:endParaRPr lang="en-US" sz="800"/>
+          </a:p>
+        </p:txBody>
+      </p:sp>
+      <p:grpSp>
+        <p:nvGrpSpPr>
+          <p:cNvPr id="3" name="Group 2">
+            <a:extLst>
+              <a:ext uri="{FF2B5EF4-FFF2-40B4-BE49-F238E27FC236}">
+                <a16:creationId xmlns:a16="http://schemas.microsoft.com/office/drawing/2014/main" id="{9F930070-6822-4CC8-9FAA-AB53012F067C}"/>
+              </a:ext>
+            </a:extLst>
+          </p:cNvPr>
+          <p:cNvGrpSpPr/>
+          <p:nvPr/>
+        </p:nvGrpSpPr>
+        <p:grpSpPr>
+          <a:xfrm rot="2700000">
+            <a:off x="2371892" y="2779227"/>
+            <a:ext cx="1234441" cy="457200"/>
+            <a:chOff x="2468879" y="2819400"/>
+            <a:chExt cx="1234441" cy="457200"/>
+          </a:xfrm>
+        </p:grpSpPr>
+        <p:sp>
+          <p:nvSpPr>
+            <p:cNvPr id="4" name="Rectangle 3">
+              <a:extLst>
+                <a:ext uri="{FF2B5EF4-FFF2-40B4-BE49-F238E27FC236}">
+                  <a16:creationId xmlns:a16="http://schemas.microsoft.com/office/drawing/2014/main" id="{DBC8AB6D-FC9D-4369-80F3-8E991184C0AB}"/>
+                </a:ext>
+              </a:extLst>
+            </p:cNvPr>
+            <p:cNvSpPr/>
+            <p:nvPr/>
+          </p:nvSpPr>
+          <p:spPr>
+            <a:xfrm>
+              <a:off x="2736054" y="2819400"/>
+              <a:ext cx="685800" cy="457200"/>
+            </a:xfrm>
+            <a:prstGeom prst="rect">
+              <a:avLst/>
+            </a:prstGeom>
+            <a:noFill/>
+            <a:ln w="9525">
+              <a:solidFill>
+                <a:schemeClr val="tx1"/>
+              </a:solidFill>
+            </a:ln>
+          </p:spPr>
+          <p:style>
+            <a:lnRef idx="2">
+              <a:schemeClr val="accent1">
+                <a:shade val="50000"/>
+              </a:schemeClr>
+            </a:lnRef>
+            <a:fillRef idx="1">
+              <a:schemeClr val="accent1"/>
+            </a:fillRef>
+            <a:effectRef idx="0">
+              <a:schemeClr val="accent1"/>
+            </a:effectRef>
+            <a:fontRef idx="minor">
+              <a:schemeClr val="lt1"/>
+            </a:fontRef>
+          </p:style>
+          <p:txBody>
+            <a:bodyPr rtlCol="0" anchor="ctr"/>
+            <a:lstStyle/>
+            <a:p>
+              <a:pPr algn="ctr"/>
+              <a:endParaRPr lang="en-US"/>
+            </a:p>
+          </p:txBody>
+        </p:sp>
+        <p:cxnSp>
+          <p:nvCxnSpPr>
+            <p:cNvPr id="5" name="Straight Connector 4">
+              <a:extLst>
+                <a:ext uri="{FF2B5EF4-FFF2-40B4-BE49-F238E27FC236}">
+                  <a16:creationId xmlns:a16="http://schemas.microsoft.com/office/drawing/2014/main" id="{1B09C33D-F864-4DD8-9F2E-6AD8D1B8A5DB}"/>
+                </a:ext>
+              </a:extLst>
+            </p:cNvPr>
+            <p:cNvCxnSpPr/>
+            <p:nvPr/>
+          </p:nvCxnSpPr>
+          <p:spPr>
+            <a:xfrm>
+              <a:off x="3429000" y="2819400"/>
+              <a:ext cx="274320" cy="0"/>
+            </a:xfrm>
+            <a:prstGeom prst="line">
+              <a:avLst/>
+            </a:prstGeom>
+            <a:ln w="6350">
+              <a:solidFill>
+                <a:schemeClr val="tx1"/>
+              </a:solidFill>
+              <a:prstDash val="dash"/>
+            </a:ln>
+          </p:spPr>
+          <p:style>
+            <a:lnRef idx="1">
+              <a:schemeClr val="accent1"/>
+            </a:lnRef>
+            <a:fillRef idx="0">
+              <a:schemeClr val="accent1"/>
+            </a:fillRef>
+            <a:effectRef idx="0">
+              <a:schemeClr val="accent1"/>
+            </a:effectRef>
+            <a:fontRef idx="minor">
+              <a:schemeClr val="tx1"/>
+            </a:fontRef>
+          </p:style>
+        </p:cxnSp>
+        <p:cxnSp>
+          <p:nvCxnSpPr>
+            <p:cNvPr id="6" name="Straight Connector 5">
+              <a:extLst>
+                <a:ext uri="{FF2B5EF4-FFF2-40B4-BE49-F238E27FC236}">
+                  <a16:creationId xmlns:a16="http://schemas.microsoft.com/office/drawing/2014/main" id="{077E21E9-DF9D-4575-A756-1F5D28594E01}"/>
+                </a:ext>
+              </a:extLst>
+            </p:cNvPr>
+            <p:cNvCxnSpPr/>
+            <p:nvPr/>
+          </p:nvCxnSpPr>
+          <p:spPr>
+            <a:xfrm>
+              <a:off x="2468879" y="2819400"/>
+              <a:ext cx="274320" cy="0"/>
+            </a:xfrm>
+            <a:prstGeom prst="line">
+              <a:avLst/>
+            </a:prstGeom>
+            <a:ln w="6350">
+              <a:solidFill>
+                <a:schemeClr val="tx1"/>
+              </a:solidFill>
+              <a:prstDash val="dash"/>
+            </a:ln>
+          </p:spPr>
+          <p:style>
+            <a:lnRef idx="1">
+              <a:schemeClr val="accent1"/>
+            </a:lnRef>
+            <a:fillRef idx="0">
+              <a:schemeClr val="accent1"/>
+            </a:fillRef>
+            <a:effectRef idx="0">
+              <a:schemeClr val="accent1"/>
+            </a:effectRef>
+            <a:fontRef idx="minor">
+              <a:schemeClr val="tx1"/>
+            </a:fontRef>
+          </p:style>
+        </p:cxnSp>
+      </p:grpSp>
+      <p:sp>
+        <p:nvSpPr>
+          <p:cNvPr id="7" name="TextBox 6">
+            <a:extLst>
+              <a:ext uri="{FF2B5EF4-FFF2-40B4-BE49-F238E27FC236}">
+                <a16:creationId xmlns:a16="http://schemas.microsoft.com/office/drawing/2014/main" id="{3B20C74E-E1A4-4C01-B1B8-B2975CD73A2B}"/>
+              </a:ext>
+            </a:extLst>
+          </p:cNvPr>
+          <p:cNvSpPr txBox="1"/>
+          <p:nvPr/>
+        </p:nvSpPr>
+        <p:spPr>
+          <a:xfrm>
+            <a:off x="2852825" y="2286000"/>
+            <a:ext cx="107402" cy="215444"/>
+          </a:xfrm>
+          <a:prstGeom prst="rect">
+            <a:avLst/>
+          </a:prstGeom>
+          <a:noFill/>
+        </p:spPr>
+        <p:txBody>
+          <a:bodyPr wrap="none" lIns="0" rIns="0" rtlCol="0">
+            <a:spAutoFit/>
+          </a:bodyPr>
+          <a:lstStyle/>
+          <a:p>
+            <a:r>
+              <a:rPr lang="en-US" altLang="zh-TW" sz="800" dirty="0"/>
+              <a:t>R1</a:t>
+            </a:r>
+            <a:endParaRPr lang="zh-TW" altLang="en-US" sz="800" baseline="-25000" dirty="0"/>
+          </a:p>
+        </p:txBody>
+      </p:sp>
+      <p:sp>
+        <p:nvSpPr>
+          <p:cNvPr id="8" name="TextBox 7">
+            <a:extLst>
+              <a:ext uri="{FF2B5EF4-FFF2-40B4-BE49-F238E27FC236}">
+                <a16:creationId xmlns:a16="http://schemas.microsoft.com/office/drawing/2014/main" id="{9F8358F5-F542-41A0-9356-262FBF3CB3A7}"/>
+              </a:ext>
+            </a:extLst>
+          </p:cNvPr>
+          <p:cNvSpPr txBox="1"/>
+          <p:nvPr/>
+        </p:nvSpPr>
+        <p:spPr>
+          <a:xfrm>
+            <a:off x="3208763" y="2598660"/>
+            <a:ext cx="107402" cy="215444"/>
+          </a:xfrm>
+          <a:prstGeom prst="rect">
+            <a:avLst/>
+          </a:prstGeom>
+          <a:noFill/>
+        </p:spPr>
+        <p:txBody>
+          <a:bodyPr wrap="none" lIns="0" rIns="0" rtlCol="0">
+            <a:spAutoFit/>
+          </a:bodyPr>
+          <a:lstStyle/>
+          <a:p>
+            <a:r>
+              <a:rPr lang="en-US" altLang="zh-TW" sz="800" dirty="0"/>
+              <a:t>R3</a:t>
+            </a:r>
+            <a:endParaRPr lang="zh-TW" altLang="en-US" sz="800" baseline="-25000" dirty="0"/>
+          </a:p>
+        </p:txBody>
+      </p:sp>
+      <p:sp>
+        <p:nvSpPr>
+          <p:cNvPr id="9" name="TextBox 8">
+            <a:extLst>
+              <a:ext uri="{FF2B5EF4-FFF2-40B4-BE49-F238E27FC236}">
+                <a16:creationId xmlns:a16="http://schemas.microsoft.com/office/drawing/2014/main" id="{35719D55-B285-4D2E-8B0F-1BC516E83F2D}"/>
+              </a:ext>
+            </a:extLst>
+          </p:cNvPr>
+          <p:cNvSpPr txBox="1"/>
+          <p:nvPr/>
+        </p:nvSpPr>
+        <p:spPr>
+          <a:xfrm>
+            <a:off x="3563675" y="2964386"/>
+            <a:ext cx="107402" cy="215444"/>
+          </a:xfrm>
+          <a:prstGeom prst="rect">
+            <a:avLst/>
+          </a:prstGeom>
+          <a:noFill/>
+        </p:spPr>
+        <p:txBody>
+          <a:bodyPr wrap="none" lIns="0" rIns="0" rtlCol="0">
+            <a:spAutoFit/>
+          </a:bodyPr>
+          <a:lstStyle/>
+          <a:p>
+            <a:r>
+              <a:rPr lang="en-US" altLang="zh-TW" sz="800" dirty="0"/>
+              <a:t>R2</a:t>
+            </a:r>
+            <a:endParaRPr lang="zh-TW" altLang="en-US" sz="800" baseline="-25000" dirty="0"/>
+          </a:p>
+        </p:txBody>
+      </p:sp>
+      <p:sp>
+        <p:nvSpPr>
+          <p:cNvPr id="10" name="TextBox 9">
+            <a:extLst>
+              <a:ext uri="{FF2B5EF4-FFF2-40B4-BE49-F238E27FC236}">
+                <a16:creationId xmlns:a16="http://schemas.microsoft.com/office/drawing/2014/main" id="{DC5159C8-0A69-473B-86C8-34B45982B30C}"/>
+              </a:ext>
+            </a:extLst>
+          </p:cNvPr>
+          <p:cNvSpPr txBox="1"/>
+          <p:nvPr/>
+        </p:nvSpPr>
+        <p:spPr>
+          <a:xfrm>
+            <a:off x="2980242" y="4724400"/>
+            <a:ext cx="2125158" cy="338554"/>
+          </a:xfrm>
+          <a:prstGeom prst="rect">
+            <a:avLst/>
+          </a:prstGeom>
+          <a:noFill/>
+          <a:ln>
+            <a:noFill/>
+          </a:ln>
+        </p:spPr>
+        <p:txBody>
+          <a:bodyPr wrap="square" lIns="0" rIns="0" rtlCol="0">
+            <a:spAutoFit/>
+          </a:bodyPr>
+          <a:lstStyle/>
+          <a:p>
+            <a:r>
+              <a:rPr lang="en-US" altLang="zh-CN" sz="1600" dirty="0"/>
+              <a:t>Figure 9</a:t>
+            </a:r>
+            <a:r>
+              <a:rPr lang="en-US" altLang="zh-TW" sz="1600" dirty="0"/>
+              <a:t>-15</a:t>
+            </a:r>
+          </a:p>
+        </p:txBody>
+      </p:sp>
+      <p:cxnSp>
+        <p:nvCxnSpPr>
+          <p:cNvPr id="11" name="Straight Connector 10">
+            <a:extLst>
+              <a:ext uri="{FF2B5EF4-FFF2-40B4-BE49-F238E27FC236}">
+                <a16:creationId xmlns:a16="http://schemas.microsoft.com/office/drawing/2014/main" id="{FAC7141A-5031-411A-A4B7-B8117653A7ED}"/>
+              </a:ext>
+            </a:extLst>
+          </p:cNvPr>
+          <p:cNvCxnSpPr/>
+          <p:nvPr/>
+        </p:nvCxnSpPr>
+        <p:spPr>
+          <a:xfrm rot="8100000">
+            <a:off x="2878968" y="2550167"/>
+            <a:ext cx="137160" cy="0"/>
+          </a:xfrm>
+          <a:prstGeom prst="line">
+            <a:avLst/>
+          </a:prstGeom>
+          <a:ln w="6350">
+            <a:solidFill>
+              <a:schemeClr val="tx1"/>
+            </a:solidFill>
+            <a:prstDash val="dash"/>
+          </a:ln>
+        </p:spPr>
+        <p:style>
+          <a:lnRef idx="1">
+            <a:schemeClr val="accent1"/>
+          </a:lnRef>
+          <a:fillRef idx="0">
+            <a:schemeClr val="accent1"/>
+          </a:fillRef>
+          <a:effectRef idx="0">
+            <a:schemeClr val="accent1"/>
+          </a:effectRef>
+          <a:fontRef idx="minor">
+            <a:schemeClr val="tx1"/>
+          </a:fontRef>
+        </p:style>
+      </p:cxnSp>
+      <p:cxnSp>
+        <p:nvCxnSpPr>
+          <p:cNvPr id="12" name="Straight Connector 11">
+            <a:extLst>
+              <a:ext uri="{FF2B5EF4-FFF2-40B4-BE49-F238E27FC236}">
+                <a16:creationId xmlns:a16="http://schemas.microsoft.com/office/drawing/2014/main" id="{90FC46C3-CF25-41CB-9352-A11A9DFC4361}"/>
+              </a:ext>
+            </a:extLst>
+          </p:cNvPr>
+          <p:cNvCxnSpPr/>
+          <p:nvPr/>
+        </p:nvCxnSpPr>
+        <p:spPr>
+          <a:xfrm rot="8100000">
+            <a:off x="3362723" y="3036997"/>
+            <a:ext cx="137160" cy="0"/>
+          </a:xfrm>
+          <a:prstGeom prst="line">
+            <a:avLst/>
+          </a:prstGeom>
+          <a:ln w="6350">
+            <a:solidFill>
+              <a:schemeClr val="tx1"/>
+            </a:solidFill>
+            <a:prstDash val="dash"/>
+          </a:ln>
+        </p:spPr>
+        <p:style>
+          <a:lnRef idx="1">
+            <a:schemeClr val="accent1"/>
+          </a:lnRef>
+          <a:fillRef idx="0">
+            <a:schemeClr val="accent1"/>
+          </a:fillRef>
+          <a:effectRef idx="0">
+            <a:schemeClr val="accent1"/>
+          </a:effectRef>
+          <a:fontRef idx="minor">
+            <a:schemeClr val="tx1"/>
+          </a:fontRef>
+        </p:style>
+      </p:cxnSp>
+      <p:sp>
+        <p:nvSpPr>
+          <p:cNvPr id="13" name="TextBox 12">
+            <a:extLst>
+              <a:ext uri="{FF2B5EF4-FFF2-40B4-BE49-F238E27FC236}">
+                <a16:creationId xmlns:a16="http://schemas.microsoft.com/office/drawing/2014/main" id="{0A684A9F-766A-4421-9955-A341EB432454}"/>
+              </a:ext>
+            </a:extLst>
+          </p:cNvPr>
+          <p:cNvSpPr txBox="1"/>
+          <p:nvPr/>
+        </p:nvSpPr>
+        <p:spPr>
+          <a:xfrm>
+            <a:off x="2947548" y="2807899"/>
+            <a:ext cx="203582" cy="215444"/>
+          </a:xfrm>
+          <a:prstGeom prst="rect">
+            <a:avLst/>
+          </a:prstGeom>
+          <a:noFill/>
+        </p:spPr>
+        <p:txBody>
+          <a:bodyPr wrap="none" lIns="0" rIns="0" rtlCol="0">
+            <a:spAutoFit/>
+          </a:bodyPr>
+          <a:lstStyle/>
+          <a:p>
+            <a:r>
+              <a:rPr lang="en-US" altLang="zh-TW" sz="800" dirty="0"/>
+              <a:t>Edge</a:t>
+            </a:r>
+            <a:endParaRPr lang="zh-TW" altLang="en-US" sz="800" baseline="-25000" dirty="0"/>
+          </a:p>
+        </p:txBody>
+      </p:sp>
+      <p:cxnSp>
+        <p:nvCxnSpPr>
+          <p:cNvPr id="14" name="Straight Connector 13">
+            <a:extLst>
+              <a:ext uri="{FF2B5EF4-FFF2-40B4-BE49-F238E27FC236}">
+                <a16:creationId xmlns:a16="http://schemas.microsoft.com/office/drawing/2014/main" id="{7D767B9C-EB77-4278-AC95-DF4B3CE4FCBB}"/>
+              </a:ext>
+            </a:extLst>
+          </p:cNvPr>
+          <p:cNvCxnSpPr/>
+          <p:nvPr/>
+        </p:nvCxnSpPr>
+        <p:spPr>
+          <a:xfrm rot="2700000">
+            <a:off x="2798621" y="2841127"/>
+            <a:ext cx="685800" cy="0"/>
+          </a:xfrm>
+          <a:prstGeom prst="line">
+            <a:avLst/>
+          </a:prstGeom>
+          <a:ln w="19050">
+            <a:solidFill>
+              <a:schemeClr val="tx1"/>
+            </a:solidFill>
+          </a:ln>
+        </p:spPr>
+        <p:style>
+          <a:lnRef idx="1">
+            <a:schemeClr val="accent1"/>
+          </a:lnRef>
+          <a:fillRef idx="0">
+            <a:schemeClr val="accent1"/>
+          </a:fillRef>
+          <a:effectRef idx="0">
+            <a:schemeClr val="accent1"/>
+          </a:effectRef>
+          <a:fontRef idx="minor">
+            <a:schemeClr val="tx1"/>
+          </a:fontRef>
+        </p:style>
+      </p:cxnSp>
+    </p:spTree>
+    <p:extLst>
+      <p:ext uri="{BB962C8B-B14F-4D97-AF65-F5344CB8AC3E}">
+        <p14:creationId xmlns:p14="http://schemas.microsoft.com/office/powerpoint/2010/main" val="3968974744"/>
+      </p:ext>
+    </p:extLst>
+  </p:cSld>
+  <p:clrMapOvr>
+    <a:masterClrMapping/>
+  </p:clrMapOvr>
+</p:sld>
+</file>
+
+<file path=ppt/slides/slide13.xml><?xml version="1.0" encoding="utf-8"?>
+<p:sld xmlns:a="http://schemas.openxmlformats.org/drawingml/2006/main" xmlns:r="http://schemas.openxmlformats.org/officeDocument/2006/relationships" xmlns:p="http://schemas.openxmlformats.org/presentationml/2006/main">
+  <p:cSld>
+    <p:spTree>
+      <p:nvGrpSpPr>
+        <p:cNvPr id="1" name=""/>
+        <p:cNvGrpSpPr/>
+        <p:nvPr/>
+      </p:nvGrpSpPr>
+      <p:grpSpPr>
+        <a:xfrm>
+          <a:off x="0" y="0"/>
+          <a:ext cx="0" cy="0"/>
+          <a:chOff x="0" y="0"/>
+          <a:chExt cx="0" cy="0"/>
+        </a:xfrm>
+      </p:grpSpPr>
+      <p:sp>
+        <p:nvSpPr>
+          <p:cNvPr id="3" name="Rectangle 2">
+            <a:extLst>
+              <a:ext uri="{FF2B5EF4-FFF2-40B4-BE49-F238E27FC236}">
+                <a16:creationId xmlns:a16="http://schemas.microsoft.com/office/drawing/2014/main" id="{3540B538-F299-475B-8E49-13281C86F7AA}"/>
+              </a:ext>
+            </a:extLst>
+          </p:cNvPr>
+          <p:cNvSpPr/>
+          <p:nvPr/>
+        </p:nvSpPr>
+        <p:spPr>
+          <a:xfrm>
+            <a:off x="1756683" y="1831033"/>
+            <a:ext cx="4267200" cy="2324099"/>
+          </a:xfrm>
+          <a:prstGeom prst="rect">
+            <a:avLst/>
+          </a:prstGeom>
+          <a:noFill/>
+          <a:ln w="9525">
+            <a:prstDash val="sysDash"/>
+          </a:ln>
+        </p:spPr>
+        <p:style>
+          <a:lnRef idx="2">
+            <a:schemeClr val="accent1">
+              <a:shade val="50000"/>
+            </a:schemeClr>
+          </a:lnRef>
+          <a:fillRef idx="1">
+            <a:schemeClr val="accent1"/>
+          </a:fillRef>
+          <a:effectRef idx="0">
+            <a:schemeClr val="accent1"/>
+          </a:effectRef>
+          <a:fontRef idx="minor">
+            <a:schemeClr val="lt1"/>
+          </a:fontRef>
+        </p:style>
+        <p:txBody>
+          <a:bodyPr rtlCol="0" anchor="ctr"/>
+          <a:lstStyle/>
+          <a:p>
+            <a:pPr algn="ctr"/>
+            <a:endParaRPr lang="en-US" sz="800"/>
+          </a:p>
+        </p:txBody>
+      </p:sp>
+      <p:sp>
+        <p:nvSpPr>
+          <p:cNvPr id="4" name="TextBox 3">
+            <a:extLst>
+              <a:ext uri="{FF2B5EF4-FFF2-40B4-BE49-F238E27FC236}">
+                <a16:creationId xmlns:a16="http://schemas.microsoft.com/office/drawing/2014/main" id="{DECCB791-C196-4BE6-9771-4CA1B51A3212}"/>
+              </a:ext>
+            </a:extLst>
+          </p:cNvPr>
+          <p:cNvSpPr txBox="1"/>
+          <p:nvPr/>
+        </p:nvSpPr>
+        <p:spPr>
+          <a:xfrm>
+            <a:off x="2953968" y="4724400"/>
+            <a:ext cx="2125158" cy="338554"/>
+          </a:xfrm>
+          <a:prstGeom prst="rect">
+            <a:avLst/>
+          </a:prstGeom>
+          <a:noFill/>
+          <a:ln>
+            <a:noFill/>
+          </a:ln>
+        </p:spPr>
+        <p:txBody>
+          <a:bodyPr wrap="square" lIns="0" rIns="0" rtlCol="0">
+            <a:spAutoFit/>
+          </a:bodyPr>
+          <a:lstStyle/>
+          <a:p>
+            <a:r>
+              <a:rPr lang="en-US" altLang="zh-CN" sz="1600"/>
+              <a:t>Figure 9</a:t>
+            </a:r>
+            <a:r>
+              <a:rPr lang="en-US" altLang="zh-TW" sz="1600"/>
+              <a:t>-17</a:t>
+            </a:r>
+            <a:endParaRPr lang="en-US" altLang="zh-TW" sz="1600" dirty="0"/>
+          </a:p>
+        </p:txBody>
+      </p:sp>
+      <p:sp>
+        <p:nvSpPr>
+          <p:cNvPr id="5" name="矩形 7">
+            <a:extLst>
+              <a:ext uri="{FF2B5EF4-FFF2-40B4-BE49-F238E27FC236}">
+                <a16:creationId xmlns:a16="http://schemas.microsoft.com/office/drawing/2014/main" id="{F68FBEC4-C724-42F5-94D3-84E2305AD056}"/>
+              </a:ext>
+            </a:extLst>
+          </p:cNvPr>
+          <p:cNvSpPr>
+            <a:spLocks/>
+          </p:cNvSpPr>
+          <p:nvPr/>
+        </p:nvSpPr>
+        <p:spPr>
+          <a:xfrm>
+            <a:off x="2794842" y="2917825"/>
+            <a:ext cx="685800" cy="457200"/>
+          </a:xfrm>
+          <a:prstGeom prst="rect">
+            <a:avLst/>
+          </a:prstGeom>
+          <a:noFill/>
+          <a:ln w="12700">
+            <a:solidFill>
+              <a:schemeClr val="tx1"/>
+            </a:solidFill>
+          </a:ln>
+        </p:spPr>
+        <p:style>
+          <a:lnRef idx="2">
+            <a:schemeClr val="accent1">
+              <a:shade val="50000"/>
+            </a:schemeClr>
+          </a:lnRef>
+          <a:fillRef idx="1">
+            <a:schemeClr val="accent1"/>
+          </a:fillRef>
+          <a:effectRef idx="0">
+            <a:schemeClr val="accent1"/>
+          </a:effectRef>
+          <a:fontRef idx="minor">
+            <a:schemeClr val="lt1"/>
+          </a:fontRef>
+        </p:style>
+        <p:txBody>
+          <a:bodyPr rtlCol="0" anchor="ctr"/>
+          <a:lstStyle/>
+          <a:p>
+            <a:pPr algn="ctr"/>
+            <a:endParaRPr lang="zh-CN" altLang="en-US" dirty="0"/>
+          </a:p>
+        </p:txBody>
+      </p:sp>
+      <p:cxnSp>
+        <p:nvCxnSpPr>
+          <p:cNvPr id="6" name="直接箭头连接符 4">
+            <a:extLst>
+              <a:ext uri="{FF2B5EF4-FFF2-40B4-BE49-F238E27FC236}">
+                <a16:creationId xmlns:a16="http://schemas.microsoft.com/office/drawing/2014/main" id="{D9E65B12-2F9D-4E30-8AE0-D04E35F85ABC}"/>
+              </a:ext>
+            </a:extLst>
+          </p:cNvPr>
+          <p:cNvCxnSpPr/>
+          <p:nvPr/>
+        </p:nvCxnSpPr>
+        <p:spPr>
+          <a:xfrm flipH="1">
+            <a:off x="2654562" y="3146425"/>
+            <a:ext cx="137160" cy="0"/>
+          </a:xfrm>
+          <a:prstGeom prst="straightConnector1">
+            <a:avLst/>
+          </a:prstGeom>
+          <a:ln w="6350">
+            <a:solidFill>
+              <a:schemeClr val="tx1"/>
+            </a:solidFill>
+            <a:tailEnd type="triangle" w="sm" len="sm"/>
+          </a:ln>
+        </p:spPr>
+        <p:style>
+          <a:lnRef idx="1">
+            <a:schemeClr val="accent1"/>
+          </a:lnRef>
+          <a:fillRef idx="0">
+            <a:schemeClr val="accent1"/>
+          </a:fillRef>
+          <a:effectRef idx="0">
+            <a:schemeClr val="accent1"/>
+          </a:effectRef>
+          <a:fontRef idx="minor">
+            <a:schemeClr val="tx1"/>
+          </a:fontRef>
+        </p:style>
+      </p:cxnSp>
+      <p:cxnSp>
+        <p:nvCxnSpPr>
+          <p:cNvPr id="7" name="直接箭头连接符 38">
+            <a:extLst>
+              <a:ext uri="{FF2B5EF4-FFF2-40B4-BE49-F238E27FC236}">
+                <a16:creationId xmlns:a16="http://schemas.microsoft.com/office/drawing/2014/main" id="{E08E617B-2F54-4D84-8A2D-7592AC47E96A}"/>
+              </a:ext>
+            </a:extLst>
+          </p:cNvPr>
+          <p:cNvCxnSpPr/>
+          <p:nvPr/>
+        </p:nvCxnSpPr>
+        <p:spPr>
+          <a:xfrm>
+            <a:off x="3480642" y="3146425"/>
+            <a:ext cx="137160" cy="0"/>
+          </a:xfrm>
+          <a:prstGeom prst="straightConnector1">
+            <a:avLst/>
+          </a:prstGeom>
+          <a:ln w="6350">
+            <a:solidFill>
+              <a:schemeClr val="tx1"/>
+            </a:solidFill>
+            <a:tailEnd type="triangle" w="sm" len="sm"/>
+          </a:ln>
+        </p:spPr>
+        <p:style>
+          <a:lnRef idx="1">
+            <a:schemeClr val="accent1"/>
+          </a:lnRef>
+          <a:fillRef idx="0">
+            <a:schemeClr val="accent1"/>
+          </a:fillRef>
+          <a:effectRef idx="0">
+            <a:schemeClr val="accent1"/>
+          </a:effectRef>
+          <a:fontRef idx="minor">
+            <a:schemeClr val="tx1"/>
+          </a:fontRef>
+        </p:style>
+      </p:cxnSp>
+      <p:cxnSp>
+        <p:nvCxnSpPr>
+          <p:cNvPr id="8" name="直接箭头连接符 40">
+            <a:extLst>
+              <a:ext uri="{FF2B5EF4-FFF2-40B4-BE49-F238E27FC236}">
+                <a16:creationId xmlns:a16="http://schemas.microsoft.com/office/drawing/2014/main" id="{3CE90206-F0B8-412F-8DD2-38D8B4F09066}"/>
+              </a:ext>
+            </a:extLst>
+          </p:cNvPr>
+          <p:cNvCxnSpPr/>
+          <p:nvPr/>
+        </p:nvCxnSpPr>
+        <p:spPr>
+          <a:xfrm flipH="1">
+            <a:off x="3137742" y="3375025"/>
+            <a:ext cx="1" cy="137160"/>
+          </a:xfrm>
+          <a:prstGeom prst="straightConnector1">
+            <a:avLst/>
+          </a:prstGeom>
+          <a:ln w="6350">
+            <a:solidFill>
+              <a:schemeClr val="tx1"/>
+            </a:solidFill>
+            <a:tailEnd type="triangle" w="sm" len="sm"/>
+          </a:ln>
+        </p:spPr>
+        <p:style>
+          <a:lnRef idx="1">
+            <a:schemeClr val="accent1"/>
+          </a:lnRef>
+          <a:fillRef idx="0">
+            <a:schemeClr val="accent1"/>
+          </a:fillRef>
+          <a:effectRef idx="0">
+            <a:schemeClr val="accent1"/>
+          </a:effectRef>
+          <a:fontRef idx="minor">
+            <a:schemeClr val="tx1"/>
+          </a:fontRef>
+        </p:style>
+      </p:cxnSp>
+      <p:cxnSp>
+        <p:nvCxnSpPr>
+          <p:cNvPr id="9" name="直接箭头连接符 42">
+            <a:extLst>
+              <a:ext uri="{FF2B5EF4-FFF2-40B4-BE49-F238E27FC236}">
+                <a16:creationId xmlns:a16="http://schemas.microsoft.com/office/drawing/2014/main" id="{4A4D9333-0A54-4642-8873-956205E35485}"/>
+              </a:ext>
+            </a:extLst>
+          </p:cNvPr>
+          <p:cNvCxnSpPr/>
+          <p:nvPr/>
+        </p:nvCxnSpPr>
+        <p:spPr>
+          <a:xfrm flipV="1">
+            <a:off x="3137742" y="2782780"/>
+            <a:ext cx="0" cy="137160"/>
+          </a:xfrm>
+          <a:prstGeom prst="straightConnector1">
+            <a:avLst/>
+          </a:prstGeom>
+          <a:ln w="6350">
+            <a:solidFill>
+              <a:schemeClr val="tx1"/>
+            </a:solidFill>
+            <a:tailEnd type="triangle" w="sm" len="sm"/>
+          </a:ln>
+        </p:spPr>
+        <p:style>
+          <a:lnRef idx="1">
+            <a:schemeClr val="accent1"/>
+          </a:lnRef>
+          <a:fillRef idx="0">
+            <a:schemeClr val="accent1"/>
+          </a:fillRef>
+          <a:effectRef idx="0">
+            <a:schemeClr val="accent1"/>
+          </a:effectRef>
+          <a:fontRef idx="minor">
+            <a:schemeClr val="tx1"/>
+          </a:fontRef>
+        </p:style>
+      </p:cxnSp>
+      <p:sp>
+        <p:nvSpPr>
+          <p:cNvPr id="10" name="TextBox 9">
+            <a:extLst>
+              <a:ext uri="{FF2B5EF4-FFF2-40B4-BE49-F238E27FC236}">
+                <a16:creationId xmlns:a16="http://schemas.microsoft.com/office/drawing/2014/main" id="{9E9EB22E-3259-4826-9C58-70CE639A173B}"/>
+              </a:ext>
+            </a:extLst>
+          </p:cNvPr>
+          <p:cNvSpPr txBox="1"/>
+          <p:nvPr/>
+        </p:nvSpPr>
+        <p:spPr>
+          <a:xfrm>
+            <a:off x="3640674" y="3031009"/>
+            <a:ext cx="110608" cy="215444"/>
+          </a:xfrm>
+          <a:prstGeom prst="rect">
+            <a:avLst/>
+          </a:prstGeom>
+          <a:noFill/>
+        </p:spPr>
+        <p:txBody>
+          <a:bodyPr wrap="none" lIns="0" rIns="0" rtlCol="0">
+            <a:spAutoFit/>
+          </a:bodyPr>
+          <a:lstStyle/>
+          <a:p>
+            <a:r>
+              <a:rPr lang="en-US" altLang="zh-CN" sz="800" dirty="0"/>
+              <a:t>A3</a:t>
+            </a:r>
+            <a:endParaRPr lang="zh-CN" altLang="en-US" sz="800" baseline="-25000" dirty="0"/>
+          </a:p>
+        </p:txBody>
+      </p:sp>
+      <p:sp>
+        <p:nvSpPr>
+          <p:cNvPr id="11" name="椭圆 35">
+            <a:extLst>
+              <a:ext uri="{FF2B5EF4-FFF2-40B4-BE49-F238E27FC236}">
+                <a16:creationId xmlns:a16="http://schemas.microsoft.com/office/drawing/2014/main" id="{907FB60D-DD58-4233-A3F1-2FA42A9DF504}"/>
+              </a:ext>
+            </a:extLst>
+          </p:cNvPr>
+          <p:cNvSpPr/>
+          <p:nvPr/>
+        </p:nvSpPr>
+        <p:spPr>
+          <a:xfrm>
+            <a:off x="3293117" y="3031029"/>
+            <a:ext cx="36000" cy="36000"/>
+          </a:xfrm>
+          <a:prstGeom prst="ellipse">
+            <a:avLst/>
+          </a:prstGeom>
+          <a:solidFill>
+            <a:schemeClr val="tx1"/>
+          </a:solidFill>
+          <a:ln>
+            <a:noFill/>
+          </a:ln>
+        </p:spPr>
+        <p:style>
+          <a:lnRef idx="2">
+            <a:schemeClr val="accent1">
+              <a:shade val="50000"/>
+            </a:schemeClr>
+          </a:lnRef>
+          <a:fillRef idx="1">
+            <a:schemeClr val="accent1"/>
+          </a:fillRef>
+          <a:effectRef idx="0">
+            <a:schemeClr val="accent1"/>
+          </a:effectRef>
+          <a:fontRef idx="minor">
+            <a:schemeClr val="lt1"/>
+          </a:fontRef>
+        </p:style>
+        <p:txBody>
+          <a:bodyPr rtlCol="0" anchor="ctr"/>
+          <a:lstStyle/>
+          <a:p>
+            <a:pPr algn="ctr"/>
+            <a:endParaRPr lang="zh-CN" altLang="en-US"/>
+          </a:p>
+        </p:txBody>
+      </p:sp>
+      <p:cxnSp>
+        <p:nvCxnSpPr>
+          <p:cNvPr id="12" name="直接箭头连接符 9">
+            <a:extLst>
+              <a:ext uri="{FF2B5EF4-FFF2-40B4-BE49-F238E27FC236}">
+                <a16:creationId xmlns:a16="http://schemas.microsoft.com/office/drawing/2014/main" id="{622354A3-5044-423E-A25E-B24AB3E92FD6}"/>
+              </a:ext>
+            </a:extLst>
+          </p:cNvPr>
+          <p:cNvCxnSpPr>
+            <a:endCxn id="11" idx="1"/>
+          </p:cNvCxnSpPr>
+          <p:nvPr/>
+        </p:nvCxnSpPr>
+        <p:spPr>
+          <a:xfrm>
+            <a:off x="2794842" y="2917825"/>
+            <a:ext cx="503547" cy="118476"/>
+          </a:xfrm>
+          <a:prstGeom prst="straightConnector1">
+            <a:avLst/>
+          </a:prstGeom>
+          <a:ln w="6350">
+            <a:solidFill>
+              <a:schemeClr val="tx1"/>
+            </a:solidFill>
+            <a:tailEnd type="triangle" w="sm" len="sm"/>
+          </a:ln>
+        </p:spPr>
+        <p:style>
+          <a:lnRef idx="1">
+            <a:schemeClr val="accent1"/>
+          </a:lnRef>
+          <a:fillRef idx="0">
+            <a:schemeClr val="accent1"/>
+          </a:fillRef>
+          <a:effectRef idx="0">
+            <a:schemeClr val="accent1"/>
+          </a:effectRef>
+          <a:fontRef idx="minor">
+            <a:schemeClr val="tx1"/>
+          </a:fontRef>
+        </p:style>
+      </p:cxnSp>
+      <p:cxnSp>
+        <p:nvCxnSpPr>
+          <p:cNvPr id="13" name="直接箭头连接符 39">
+            <a:extLst>
+              <a:ext uri="{FF2B5EF4-FFF2-40B4-BE49-F238E27FC236}">
+                <a16:creationId xmlns:a16="http://schemas.microsoft.com/office/drawing/2014/main" id="{12069F04-237A-4BAB-9D9C-879E0DB21BBF}"/>
+              </a:ext>
+            </a:extLst>
+          </p:cNvPr>
+          <p:cNvCxnSpPr>
+            <a:endCxn id="11" idx="3"/>
+          </p:cNvCxnSpPr>
+          <p:nvPr/>
+        </p:nvCxnSpPr>
+        <p:spPr>
+          <a:xfrm flipV="1">
+            <a:off x="2794842" y="3061757"/>
+            <a:ext cx="503547" cy="313268"/>
+          </a:xfrm>
+          <a:prstGeom prst="straightConnector1">
+            <a:avLst/>
+          </a:prstGeom>
+          <a:ln w="6350">
+            <a:solidFill>
+              <a:schemeClr val="tx1"/>
+            </a:solidFill>
+            <a:tailEnd type="triangle" w="sm" len="sm"/>
+          </a:ln>
+        </p:spPr>
+        <p:style>
+          <a:lnRef idx="1">
+            <a:schemeClr val="accent1"/>
+          </a:lnRef>
+          <a:fillRef idx="0">
+            <a:schemeClr val="accent1"/>
+          </a:fillRef>
+          <a:effectRef idx="0">
+            <a:schemeClr val="accent1"/>
+          </a:effectRef>
+          <a:fontRef idx="minor">
+            <a:schemeClr val="tx1"/>
+          </a:fontRef>
+        </p:style>
+      </p:cxnSp>
+      <p:cxnSp>
+        <p:nvCxnSpPr>
+          <p:cNvPr id="14" name="直接箭头连接符 41">
+            <a:extLst>
+              <a:ext uri="{FF2B5EF4-FFF2-40B4-BE49-F238E27FC236}">
+                <a16:creationId xmlns:a16="http://schemas.microsoft.com/office/drawing/2014/main" id="{F0095172-842A-4BFB-82A6-D2C2B1F882C4}"/>
+              </a:ext>
+            </a:extLst>
+          </p:cNvPr>
+          <p:cNvCxnSpPr>
+            <a:endCxn id="11" idx="5"/>
+          </p:cNvCxnSpPr>
+          <p:nvPr/>
+        </p:nvCxnSpPr>
+        <p:spPr>
+          <a:xfrm flipH="1" flipV="1">
+            <a:off x="3323845" y="3061757"/>
+            <a:ext cx="156798" cy="313268"/>
+          </a:xfrm>
+          <a:prstGeom prst="straightConnector1">
+            <a:avLst/>
+          </a:prstGeom>
+          <a:ln w="6350">
+            <a:solidFill>
+              <a:schemeClr val="tx1"/>
+            </a:solidFill>
+            <a:tailEnd type="triangle" w="sm" len="sm"/>
+          </a:ln>
+        </p:spPr>
+        <p:style>
+          <a:lnRef idx="1">
+            <a:schemeClr val="accent1"/>
+          </a:lnRef>
+          <a:fillRef idx="0">
+            <a:schemeClr val="accent1"/>
+          </a:fillRef>
+          <a:effectRef idx="0">
+            <a:schemeClr val="accent1"/>
+          </a:effectRef>
+          <a:fontRef idx="minor">
+            <a:schemeClr val="tx1"/>
+          </a:fontRef>
+        </p:style>
+      </p:cxnSp>
+      <p:cxnSp>
+        <p:nvCxnSpPr>
+          <p:cNvPr id="15" name="直接箭头连接符 44">
+            <a:extLst>
+              <a:ext uri="{FF2B5EF4-FFF2-40B4-BE49-F238E27FC236}">
+                <a16:creationId xmlns:a16="http://schemas.microsoft.com/office/drawing/2014/main" id="{6B0DD1EE-2D50-4A0C-9223-BC41165740C7}"/>
+              </a:ext>
+            </a:extLst>
+          </p:cNvPr>
+          <p:cNvCxnSpPr>
+            <a:endCxn id="11" idx="7"/>
+          </p:cNvCxnSpPr>
+          <p:nvPr/>
+        </p:nvCxnSpPr>
+        <p:spPr>
+          <a:xfrm flipH="1">
+            <a:off x="3323845" y="2917825"/>
+            <a:ext cx="156798" cy="118476"/>
+          </a:xfrm>
+          <a:prstGeom prst="straightConnector1">
+            <a:avLst/>
+          </a:prstGeom>
+          <a:ln w="6350">
+            <a:solidFill>
+              <a:schemeClr val="tx1"/>
+            </a:solidFill>
+            <a:headEnd w="sm" len="sm"/>
+            <a:tailEnd type="triangle" w="sm" len="sm"/>
+          </a:ln>
+        </p:spPr>
+        <p:style>
+          <a:lnRef idx="1">
+            <a:schemeClr val="accent1"/>
+          </a:lnRef>
+          <a:fillRef idx="0">
+            <a:schemeClr val="accent1"/>
+          </a:fillRef>
+          <a:effectRef idx="0">
+            <a:schemeClr val="accent1"/>
+          </a:effectRef>
+          <a:fontRef idx="minor">
+            <a:schemeClr val="tx1"/>
+          </a:fontRef>
+        </p:style>
+      </p:cxnSp>
+      <p:sp>
+        <p:nvSpPr>
+          <p:cNvPr id="16" name="TextBox 15">
+            <a:extLst>
+              <a:ext uri="{FF2B5EF4-FFF2-40B4-BE49-F238E27FC236}">
+                <a16:creationId xmlns:a16="http://schemas.microsoft.com/office/drawing/2014/main" id="{8D95B238-DF0F-4BBD-80AC-6A7D9943BC29}"/>
+              </a:ext>
+            </a:extLst>
+          </p:cNvPr>
+          <p:cNvSpPr txBox="1"/>
+          <p:nvPr/>
+        </p:nvSpPr>
+        <p:spPr>
+          <a:xfrm>
+            <a:off x="3082438" y="3459595"/>
+            <a:ext cx="110608" cy="215444"/>
+          </a:xfrm>
+          <a:prstGeom prst="rect">
+            <a:avLst/>
+          </a:prstGeom>
+          <a:noFill/>
+        </p:spPr>
+        <p:txBody>
+          <a:bodyPr wrap="none" lIns="0" rIns="0" rtlCol="0">
+            <a:spAutoFit/>
+          </a:bodyPr>
+          <a:lstStyle/>
+          <a:p>
+            <a:r>
+              <a:rPr lang="en-US" altLang="zh-CN" sz="800" dirty="0"/>
+              <a:t>A2</a:t>
+            </a:r>
+            <a:endParaRPr lang="zh-CN" altLang="en-US" sz="800" baseline="-25000" dirty="0"/>
+          </a:p>
+        </p:txBody>
+      </p:sp>
+      <p:sp>
+        <p:nvSpPr>
+          <p:cNvPr id="17" name="TextBox 16">
+            <a:extLst>
+              <a:ext uri="{FF2B5EF4-FFF2-40B4-BE49-F238E27FC236}">
+                <a16:creationId xmlns:a16="http://schemas.microsoft.com/office/drawing/2014/main" id="{D61BC968-F5A6-4944-A4D5-78B4E1F1FA23}"/>
+              </a:ext>
+            </a:extLst>
+          </p:cNvPr>
+          <p:cNvSpPr txBox="1"/>
+          <p:nvPr/>
+        </p:nvSpPr>
+        <p:spPr>
+          <a:xfrm>
+            <a:off x="2516801" y="3031009"/>
+            <a:ext cx="110608" cy="215444"/>
+          </a:xfrm>
+          <a:prstGeom prst="rect">
+            <a:avLst/>
+          </a:prstGeom>
+          <a:noFill/>
+        </p:spPr>
+        <p:txBody>
+          <a:bodyPr wrap="none" lIns="0" rIns="0" rtlCol="0">
+            <a:spAutoFit/>
+          </a:bodyPr>
+          <a:lstStyle/>
+          <a:p>
+            <a:r>
+              <a:rPr lang="en-US" altLang="zh-CN" sz="800" dirty="0"/>
+              <a:t>A1</a:t>
+            </a:r>
+            <a:endParaRPr lang="zh-CN" altLang="en-US" sz="800" baseline="-25000" dirty="0"/>
+          </a:p>
+        </p:txBody>
+      </p:sp>
+      <p:sp>
+        <p:nvSpPr>
+          <p:cNvPr id="18" name="TextBox 17">
+            <a:extLst>
+              <a:ext uri="{FF2B5EF4-FFF2-40B4-BE49-F238E27FC236}">
+                <a16:creationId xmlns:a16="http://schemas.microsoft.com/office/drawing/2014/main" id="{BE7F1D28-51F0-44AA-A703-5CB38E877132}"/>
+              </a:ext>
+            </a:extLst>
+          </p:cNvPr>
+          <p:cNvSpPr txBox="1"/>
+          <p:nvPr/>
+        </p:nvSpPr>
+        <p:spPr>
+          <a:xfrm>
+            <a:off x="3082438" y="2602219"/>
+            <a:ext cx="110608" cy="215444"/>
+          </a:xfrm>
+          <a:prstGeom prst="rect">
+            <a:avLst/>
+          </a:prstGeom>
+          <a:noFill/>
+        </p:spPr>
+        <p:txBody>
+          <a:bodyPr wrap="none" lIns="0" rIns="0" rtlCol="0">
+            <a:spAutoFit/>
+          </a:bodyPr>
+          <a:lstStyle/>
+          <a:p>
+            <a:r>
+              <a:rPr lang="en-US" altLang="zh-CN" sz="800" dirty="0"/>
+              <a:t>A4</a:t>
+            </a:r>
+            <a:endParaRPr lang="zh-CN" altLang="en-US" sz="800" baseline="-25000" dirty="0"/>
+          </a:p>
+        </p:txBody>
+      </p:sp>
+      <p:grpSp>
+        <p:nvGrpSpPr>
+          <p:cNvPr id="19" name="Group 18">
+            <a:extLst>
+              <a:ext uri="{FF2B5EF4-FFF2-40B4-BE49-F238E27FC236}">
+                <a16:creationId xmlns:a16="http://schemas.microsoft.com/office/drawing/2014/main" id="{0A1CC468-C02B-43B7-B046-B8F8ED82611C}"/>
+              </a:ext>
+            </a:extLst>
+          </p:cNvPr>
+          <p:cNvGrpSpPr/>
+          <p:nvPr/>
+        </p:nvGrpSpPr>
+        <p:grpSpPr>
+          <a:xfrm>
+            <a:off x="4204531" y="2548909"/>
+            <a:ext cx="1234481" cy="1126130"/>
+            <a:chOff x="2891451" y="2145684"/>
+            <a:chExt cx="1234481" cy="1126130"/>
+          </a:xfrm>
+        </p:grpSpPr>
+        <p:sp>
+          <p:nvSpPr>
+            <p:cNvPr id="20" name="矩形 7">
+              <a:extLst>
+                <a:ext uri="{FF2B5EF4-FFF2-40B4-BE49-F238E27FC236}">
+                  <a16:creationId xmlns:a16="http://schemas.microsoft.com/office/drawing/2014/main" id="{F680BC03-5DC9-4A46-8B7F-A97F8713B03D}"/>
+                </a:ext>
+              </a:extLst>
+            </p:cNvPr>
+            <p:cNvSpPr>
+              <a:spLocks/>
+            </p:cNvSpPr>
+            <p:nvPr/>
+          </p:nvSpPr>
+          <p:spPr>
+            <a:xfrm>
+              <a:off x="3169492" y="2514600"/>
+              <a:ext cx="685800" cy="457200"/>
+            </a:xfrm>
+            <a:prstGeom prst="rect">
+              <a:avLst/>
+            </a:prstGeom>
+            <a:noFill/>
+            <a:ln w="12700">
+              <a:solidFill>
+                <a:schemeClr val="tx1"/>
+              </a:solidFill>
+            </a:ln>
+          </p:spPr>
+          <p:style>
+            <a:lnRef idx="2">
+              <a:schemeClr val="accent1">
+                <a:shade val="50000"/>
+              </a:schemeClr>
+            </a:lnRef>
+            <a:fillRef idx="1">
+              <a:schemeClr val="accent1"/>
+            </a:fillRef>
+            <a:effectRef idx="0">
+              <a:schemeClr val="accent1"/>
+            </a:effectRef>
+            <a:fontRef idx="minor">
+              <a:schemeClr val="lt1"/>
+            </a:fontRef>
+          </p:style>
+          <p:txBody>
+            <a:bodyPr rtlCol="0" anchor="ctr"/>
+            <a:lstStyle/>
+            <a:p>
+              <a:pPr algn="ctr"/>
+              <a:endParaRPr lang="zh-CN" altLang="en-US" dirty="0"/>
+            </a:p>
+          </p:txBody>
+        </p:sp>
+        <p:cxnSp>
+          <p:nvCxnSpPr>
+            <p:cNvPr id="21" name="直接箭头连接符 4">
+              <a:extLst>
+                <a:ext uri="{FF2B5EF4-FFF2-40B4-BE49-F238E27FC236}">
+                  <a16:creationId xmlns:a16="http://schemas.microsoft.com/office/drawing/2014/main" id="{B770111F-5975-473A-8466-FFD0585A025B}"/>
+                </a:ext>
+              </a:extLst>
+            </p:cNvPr>
+            <p:cNvCxnSpPr/>
+            <p:nvPr/>
+          </p:nvCxnSpPr>
+          <p:spPr>
+            <a:xfrm flipH="1">
+              <a:off x="3029212" y="2743200"/>
+              <a:ext cx="137160" cy="0"/>
+            </a:xfrm>
+            <a:prstGeom prst="straightConnector1">
+              <a:avLst/>
+            </a:prstGeom>
+            <a:ln w="6350">
+              <a:solidFill>
+                <a:schemeClr val="tx1"/>
+              </a:solidFill>
+              <a:tailEnd type="triangle" w="sm" len="sm"/>
+            </a:ln>
+          </p:spPr>
+          <p:style>
+            <a:lnRef idx="1">
+              <a:schemeClr val="accent1"/>
+            </a:lnRef>
+            <a:fillRef idx="0">
+              <a:schemeClr val="accent1"/>
+            </a:fillRef>
+            <a:effectRef idx="0">
+              <a:schemeClr val="accent1"/>
+            </a:effectRef>
+            <a:fontRef idx="minor">
+              <a:schemeClr val="tx1"/>
+            </a:fontRef>
+          </p:style>
+        </p:cxnSp>
+        <p:cxnSp>
+          <p:nvCxnSpPr>
+            <p:cNvPr id="22" name="直接箭头连接符 38">
+              <a:extLst>
+                <a:ext uri="{FF2B5EF4-FFF2-40B4-BE49-F238E27FC236}">
+                  <a16:creationId xmlns:a16="http://schemas.microsoft.com/office/drawing/2014/main" id="{BAC6FBBE-5CC0-4A2E-8805-706AC5A98A43}"/>
+                </a:ext>
+              </a:extLst>
+            </p:cNvPr>
+            <p:cNvCxnSpPr/>
+            <p:nvPr/>
+          </p:nvCxnSpPr>
+          <p:spPr>
+            <a:xfrm>
+              <a:off x="3855292" y="2743200"/>
+              <a:ext cx="137160" cy="0"/>
+            </a:xfrm>
+            <a:prstGeom prst="straightConnector1">
+              <a:avLst/>
+            </a:prstGeom>
+            <a:ln w="6350">
+              <a:solidFill>
+                <a:schemeClr val="tx1"/>
+              </a:solidFill>
+              <a:tailEnd type="triangle" w="sm" len="sm"/>
+            </a:ln>
+          </p:spPr>
+          <p:style>
+            <a:lnRef idx="1">
+              <a:schemeClr val="accent1"/>
+            </a:lnRef>
+            <a:fillRef idx="0">
+              <a:schemeClr val="accent1"/>
+            </a:fillRef>
+            <a:effectRef idx="0">
+              <a:schemeClr val="accent1"/>
+            </a:effectRef>
+            <a:fontRef idx="minor">
+              <a:schemeClr val="tx1"/>
+            </a:fontRef>
+          </p:style>
+        </p:cxnSp>
+        <p:cxnSp>
+          <p:nvCxnSpPr>
+            <p:cNvPr id="23" name="直接箭头连接符 40">
+              <a:extLst>
+                <a:ext uri="{FF2B5EF4-FFF2-40B4-BE49-F238E27FC236}">
+                  <a16:creationId xmlns:a16="http://schemas.microsoft.com/office/drawing/2014/main" id="{D555A6E2-9487-42E4-8A49-773A50BDB69C}"/>
+                </a:ext>
+              </a:extLst>
+            </p:cNvPr>
+            <p:cNvCxnSpPr/>
+            <p:nvPr/>
+          </p:nvCxnSpPr>
+          <p:spPr>
+            <a:xfrm flipH="1">
+              <a:off x="3512392" y="2971800"/>
+              <a:ext cx="1" cy="137160"/>
+            </a:xfrm>
+            <a:prstGeom prst="straightConnector1">
+              <a:avLst/>
+            </a:prstGeom>
+            <a:ln w="6350">
+              <a:solidFill>
+                <a:schemeClr val="tx1"/>
+              </a:solidFill>
+              <a:tailEnd type="triangle" w="sm" len="sm"/>
+            </a:ln>
+          </p:spPr>
+          <p:style>
+            <a:lnRef idx="1">
+              <a:schemeClr val="accent1"/>
+            </a:lnRef>
+            <a:fillRef idx="0">
+              <a:schemeClr val="accent1"/>
+            </a:fillRef>
+            <a:effectRef idx="0">
+              <a:schemeClr val="accent1"/>
+            </a:effectRef>
+            <a:fontRef idx="minor">
+              <a:schemeClr val="tx1"/>
+            </a:fontRef>
+          </p:style>
+        </p:cxnSp>
+        <p:cxnSp>
+          <p:nvCxnSpPr>
+            <p:cNvPr id="24" name="直接箭头连接符 42">
+              <a:extLst>
+                <a:ext uri="{FF2B5EF4-FFF2-40B4-BE49-F238E27FC236}">
+                  <a16:creationId xmlns:a16="http://schemas.microsoft.com/office/drawing/2014/main" id="{8CF343BB-9B97-43F7-A57B-7D38BDD4DF84}"/>
+                </a:ext>
+              </a:extLst>
+            </p:cNvPr>
+            <p:cNvCxnSpPr/>
+            <p:nvPr/>
+          </p:nvCxnSpPr>
+          <p:spPr>
+            <a:xfrm flipV="1">
+              <a:off x="3512392" y="2379555"/>
+              <a:ext cx="0" cy="137160"/>
+            </a:xfrm>
+            <a:prstGeom prst="straightConnector1">
+              <a:avLst/>
+            </a:prstGeom>
+            <a:ln w="6350">
+              <a:solidFill>
+                <a:schemeClr val="tx1"/>
+              </a:solidFill>
+              <a:tailEnd type="triangle" w="sm" len="sm"/>
+            </a:ln>
+          </p:spPr>
+          <p:style>
+            <a:lnRef idx="1">
+              <a:schemeClr val="accent1"/>
+            </a:lnRef>
+            <a:fillRef idx="0">
+              <a:schemeClr val="accent1"/>
+            </a:fillRef>
+            <a:effectRef idx="0">
+              <a:schemeClr val="accent1"/>
+            </a:effectRef>
+            <a:fontRef idx="minor">
+              <a:schemeClr val="tx1"/>
+            </a:fontRef>
+          </p:style>
+        </p:cxnSp>
+        <p:sp>
+          <p:nvSpPr>
+            <p:cNvPr id="25" name="TextBox 24">
+              <a:extLst>
+                <a:ext uri="{FF2B5EF4-FFF2-40B4-BE49-F238E27FC236}">
+                  <a16:creationId xmlns:a16="http://schemas.microsoft.com/office/drawing/2014/main" id="{070335C4-F325-43CF-96BF-0F254BDA1B81}"/>
+                </a:ext>
+              </a:extLst>
+            </p:cNvPr>
+            <p:cNvSpPr txBox="1"/>
+            <p:nvPr/>
+          </p:nvSpPr>
+          <p:spPr>
+            <a:xfrm>
+              <a:off x="4015324" y="2627784"/>
+              <a:ext cx="110608" cy="215444"/>
+            </a:xfrm>
+            <a:prstGeom prst="rect">
+              <a:avLst/>
+            </a:prstGeom>
+            <a:noFill/>
+          </p:spPr>
+          <p:txBody>
+            <a:bodyPr wrap="none" lIns="0" rIns="0" rtlCol="0">
+              <a:spAutoFit/>
+            </a:bodyPr>
+            <a:lstStyle/>
+            <a:p>
+              <a:r>
+                <a:rPr lang="en-US" altLang="zh-CN" sz="800" dirty="0"/>
+                <a:t>A3</a:t>
+              </a:r>
+              <a:endParaRPr lang="zh-CN" altLang="en-US" sz="800" baseline="-25000" dirty="0"/>
+            </a:p>
+          </p:txBody>
+        </p:sp>
+        <p:sp>
+          <p:nvSpPr>
+            <p:cNvPr id="26" name="椭圆 35">
+              <a:extLst>
+                <a:ext uri="{FF2B5EF4-FFF2-40B4-BE49-F238E27FC236}">
+                  <a16:creationId xmlns:a16="http://schemas.microsoft.com/office/drawing/2014/main" id="{21F538EB-93F5-4743-A0CA-FCB4E176A488}"/>
+                </a:ext>
+              </a:extLst>
+            </p:cNvPr>
+            <p:cNvSpPr/>
+            <p:nvPr/>
+          </p:nvSpPr>
+          <p:spPr>
+            <a:xfrm>
+              <a:off x="3512392" y="2145684"/>
+              <a:ext cx="36000" cy="36000"/>
+            </a:xfrm>
+            <a:prstGeom prst="ellipse">
+              <a:avLst/>
+            </a:prstGeom>
+            <a:solidFill>
+              <a:schemeClr val="tx1"/>
+            </a:solidFill>
+            <a:ln>
+              <a:noFill/>
+            </a:ln>
+          </p:spPr>
+          <p:style>
+            <a:lnRef idx="2">
+              <a:schemeClr val="accent1">
+                <a:shade val="50000"/>
+              </a:schemeClr>
+            </a:lnRef>
+            <a:fillRef idx="1">
+              <a:schemeClr val="accent1"/>
+            </a:fillRef>
+            <a:effectRef idx="0">
+              <a:schemeClr val="accent1"/>
+            </a:effectRef>
+            <a:fontRef idx="minor">
+              <a:schemeClr val="lt1"/>
+            </a:fontRef>
+          </p:style>
+          <p:txBody>
+            <a:bodyPr rtlCol="0" anchor="ctr"/>
+            <a:lstStyle/>
+            <a:p>
+              <a:pPr algn="ctr"/>
+              <a:endParaRPr lang="zh-CN" altLang="en-US"/>
+            </a:p>
+          </p:txBody>
+        </p:sp>
+        <p:cxnSp>
+          <p:nvCxnSpPr>
+            <p:cNvPr id="27" name="直接箭头连接符 9">
+              <a:extLst>
+                <a:ext uri="{FF2B5EF4-FFF2-40B4-BE49-F238E27FC236}">
+                  <a16:creationId xmlns:a16="http://schemas.microsoft.com/office/drawing/2014/main" id="{15CD37E0-FBB0-45E5-830C-E6097CC7E08C}"/>
+                </a:ext>
+              </a:extLst>
+            </p:cNvPr>
+            <p:cNvCxnSpPr>
+              <a:endCxn id="26" idx="1"/>
+            </p:cNvCxnSpPr>
+            <p:nvPr/>
+          </p:nvCxnSpPr>
+          <p:spPr>
+            <a:xfrm flipV="1">
+              <a:off x="3169492" y="2150956"/>
+              <a:ext cx="348172" cy="361773"/>
+            </a:xfrm>
+            <a:prstGeom prst="straightConnector1">
+              <a:avLst/>
+            </a:prstGeom>
+            <a:ln w="6350">
+              <a:solidFill>
+                <a:schemeClr val="tx1"/>
+              </a:solidFill>
+              <a:tailEnd type="triangle" w="sm" len="sm"/>
+            </a:ln>
+          </p:spPr>
+          <p:style>
+            <a:lnRef idx="1">
+              <a:schemeClr val="accent1"/>
+            </a:lnRef>
+            <a:fillRef idx="0">
+              <a:schemeClr val="accent1"/>
+            </a:fillRef>
+            <a:effectRef idx="0">
+              <a:schemeClr val="accent1"/>
+            </a:effectRef>
+            <a:fontRef idx="minor">
+              <a:schemeClr val="tx1"/>
+            </a:fontRef>
+          </p:style>
+        </p:cxnSp>
+        <p:cxnSp>
+          <p:nvCxnSpPr>
+            <p:cNvPr id="28" name="直接箭头连接符 41">
+              <a:extLst>
+                <a:ext uri="{FF2B5EF4-FFF2-40B4-BE49-F238E27FC236}">
+                  <a16:creationId xmlns:a16="http://schemas.microsoft.com/office/drawing/2014/main" id="{25F1DE38-37A3-4103-BE49-5C6A5E67FE09}"/>
+                </a:ext>
+              </a:extLst>
+            </p:cNvPr>
+            <p:cNvCxnSpPr>
+              <a:endCxn id="26" idx="4"/>
+            </p:cNvCxnSpPr>
+            <p:nvPr/>
+          </p:nvCxnSpPr>
+          <p:spPr>
+            <a:xfrm flipH="1" flipV="1">
+              <a:off x="3530392" y="2181684"/>
+              <a:ext cx="328020" cy="790116"/>
+            </a:xfrm>
+            <a:prstGeom prst="straightConnector1">
+              <a:avLst/>
+            </a:prstGeom>
+            <a:ln w="6350">
+              <a:solidFill>
+                <a:schemeClr val="tx1"/>
+              </a:solidFill>
+              <a:tailEnd type="triangle" w="sm" len="sm"/>
+            </a:ln>
+          </p:spPr>
+          <p:style>
+            <a:lnRef idx="1">
+              <a:schemeClr val="accent1"/>
+            </a:lnRef>
+            <a:fillRef idx="0">
+              <a:schemeClr val="accent1"/>
+            </a:fillRef>
+            <a:effectRef idx="0">
+              <a:schemeClr val="accent1"/>
+            </a:effectRef>
+            <a:fontRef idx="minor">
+              <a:schemeClr val="tx1"/>
+            </a:fontRef>
+          </p:style>
+        </p:cxnSp>
+        <p:cxnSp>
+          <p:nvCxnSpPr>
+            <p:cNvPr id="29" name="直接箭头连接符 44">
+              <a:extLst>
+                <a:ext uri="{FF2B5EF4-FFF2-40B4-BE49-F238E27FC236}">
+                  <a16:creationId xmlns:a16="http://schemas.microsoft.com/office/drawing/2014/main" id="{FA7B1C76-CE88-4777-9DE0-453466F23046}"/>
+                </a:ext>
+              </a:extLst>
+            </p:cNvPr>
+            <p:cNvCxnSpPr>
+              <a:endCxn id="26" idx="7"/>
+            </p:cNvCxnSpPr>
+            <p:nvPr/>
+          </p:nvCxnSpPr>
+          <p:spPr>
+            <a:xfrm flipH="1" flipV="1">
+              <a:off x="3543120" y="2150956"/>
+              <a:ext cx="317444" cy="363644"/>
+            </a:xfrm>
+            <a:prstGeom prst="straightConnector1">
+              <a:avLst/>
+            </a:prstGeom>
+            <a:ln w="6350">
+              <a:solidFill>
+                <a:schemeClr val="tx1"/>
+              </a:solidFill>
+              <a:headEnd w="sm" len="sm"/>
+              <a:tailEnd type="triangle" w="sm" len="sm"/>
+            </a:ln>
+          </p:spPr>
+          <p:style>
+            <a:lnRef idx="1">
+              <a:schemeClr val="accent1"/>
+            </a:lnRef>
+            <a:fillRef idx="0">
+              <a:schemeClr val="accent1"/>
+            </a:fillRef>
+            <a:effectRef idx="0">
+              <a:schemeClr val="accent1"/>
+            </a:effectRef>
+            <a:fontRef idx="minor">
+              <a:schemeClr val="tx1"/>
+            </a:fontRef>
+          </p:style>
+        </p:cxnSp>
+        <p:sp>
+          <p:nvSpPr>
+            <p:cNvPr id="30" name="TextBox 29">
+              <a:extLst>
+                <a:ext uri="{FF2B5EF4-FFF2-40B4-BE49-F238E27FC236}">
+                  <a16:creationId xmlns:a16="http://schemas.microsoft.com/office/drawing/2014/main" id="{5EB67DBD-6657-4A32-AF11-6ECD8D15FBE2}"/>
+                </a:ext>
+              </a:extLst>
+            </p:cNvPr>
+            <p:cNvSpPr txBox="1"/>
+            <p:nvPr/>
+          </p:nvSpPr>
+          <p:spPr>
+            <a:xfrm>
+              <a:off x="3461400" y="3056370"/>
+              <a:ext cx="110608" cy="215444"/>
+            </a:xfrm>
+            <a:prstGeom prst="rect">
+              <a:avLst/>
+            </a:prstGeom>
+            <a:noFill/>
+          </p:spPr>
+          <p:txBody>
+            <a:bodyPr wrap="none" lIns="0" rIns="0" rtlCol="0">
+              <a:spAutoFit/>
+            </a:bodyPr>
+            <a:lstStyle/>
+            <a:p>
+              <a:r>
+                <a:rPr lang="en-US" altLang="zh-CN" sz="800" dirty="0"/>
+                <a:t>A2</a:t>
+              </a:r>
+              <a:endParaRPr lang="zh-CN" altLang="en-US" sz="800" baseline="-25000" dirty="0"/>
+            </a:p>
+          </p:txBody>
+        </p:sp>
+        <p:sp>
+          <p:nvSpPr>
+            <p:cNvPr id="31" name="TextBox 30">
+              <a:extLst>
+                <a:ext uri="{FF2B5EF4-FFF2-40B4-BE49-F238E27FC236}">
+                  <a16:creationId xmlns:a16="http://schemas.microsoft.com/office/drawing/2014/main" id="{A02B439B-AFF3-4976-9118-0035332FDD4A}"/>
+                </a:ext>
+              </a:extLst>
+            </p:cNvPr>
+            <p:cNvSpPr txBox="1"/>
+            <p:nvPr/>
+          </p:nvSpPr>
+          <p:spPr>
+            <a:xfrm>
+              <a:off x="2891451" y="2627784"/>
+              <a:ext cx="110608" cy="215444"/>
+            </a:xfrm>
+            <a:prstGeom prst="rect">
+              <a:avLst/>
+            </a:prstGeom>
+            <a:noFill/>
+          </p:spPr>
+          <p:txBody>
+            <a:bodyPr wrap="none" lIns="0" rIns="0" rtlCol="0">
+              <a:spAutoFit/>
+            </a:bodyPr>
+            <a:lstStyle/>
+            <a:p>
+              <a:r>
+                <a:rPr lang="en-US" altLang="zh-CN" sz="800" dirty="0"/>
+                <a:t>A1</a:t>
+              </a:r>
+              <a:endParaRPr lang="zh-CN" altLang="en-US" sz="800" baseline="-25000" dirty="0"/>
+            </a:p>
+          </p:txBody>
+        </p:sp>
+        <p:sp>
+          <p:nvSpPr>
+            <p:cNvPr id="32" name="TextBox 31">
+              <a:extLst>
+                <a:ext uri="{FF2B5EF4-FFF2-40B4-BE49-F238E27FC236}">
+                  <a16:creationId xmlns:a16="http://schemas.microsoft.com/office/drawing/2014/main" id="{CEA3A83E-BB76-44CF-AF33-92533125F640}"/>
+                </a:ext>
+              </a:extLst>
+            </p:cNvPr>
+            <p:cNvSpPr txBox="1"/>
+            <p:nvPr/>
+          </p:nvSpPr>
+          <p:spPr>
+            <a:xfrm>
+              <a:off x="3461400" y="2224120"/>
+              <a:ext cx="110608" cy="215444"/>
+            </a:xfrm>
+            <a:prstGeom prst="rect">
+              <a:avLst/>
+            </a:prstGeom>
+            <a:noFill/>
+          </p:spPr>
+          <p:txBody>
+            <a:bodyPr wrap="none" lIns="0" rIns="0" rtlCol="0">
+              <a:spAutoFit/>
+            </a:bodyPr>
+            <a:lstStyle/>
+            <a:p>
+              <a:r>
+                <a:rPr lang="en-US" altLang="zh-CN" sz="800" dirty="0"/>
+                <a:t>A4</a:t>
+              </a:r>
+              <a:endParaRPr lang="zh-CN" altLang="en-US" sz="800" baseline="-25000" dirty="0"/>
+            </a:p>
+          </p:txBody>
+        </p:sp>
+        <p:cxnSp>
+          <p:nvCxnSpPr>
+            <p:cNvPr id="33" name="直接箭头连接符 9">
+              <a:extLst>
+                <a:ext uri="{FF2B5EF4-FFF2-40B4-BE49-F238E27FC236}">
+                  <a16:creationId xmlns:a16="http://schemas.microsoft.com/office/drawing/2014/main" id="{39FA930F-35E8-4406-89C8-6231177F331A}"/>
+                </a:ext>
+              </a:extLst>
+            </p:cNvPr>
+            <p:cNvCxnSpPr>
+              <a:endCxn id="26" idx="3"/>
+            </p:cNvCxnSpPr>
+            <p:nvPr/>
+          </p:nvCxnSpPr>
+          <p:spPr>
+            <a:xfrm flipV="1">
+              <a:off x="3169492" y="2176412"/>
+              <a:ext cx="348172" cy="795388"/>
+            </a:xfrm>
+            <a:prstGeom prst="straightConnector1">
+              <a:avLst/>
+            </a:prstGeom>
+            <a:ln w="6350">
+              <a:solidFill>
+                <a:schemeClr val="tx1"/>
+              </a:solidFill>
+              <a:tailEnd type="triangle" w="sm" len="sm"/>
+            </a:ln>
+          </p:spPr>
+          <p:style>
+            <a:lnRef idx="1">
+              <a:schemeClr val="accent1"/>
+            </a:lnRef>
+            <a:fillRef idx="0">
+              <a:schemeClr val="accent1"/>
+            </a:fillRef>
+            <a:effectRef idx="0">
+              <a:schemeClr val="accent1"/>
+            </a:effectRef>
+            <a:fontRef idx="minor">
+              <a:schemeClr val="tx1"/>
+            </a:fontRef>
+          </p:style>
+        </p:cxnSp>
+      </p:grpSp>
+    </p:spTree>
+    <p:extLst>
+      <p:ext uri="{BB962C8B-B14F-4D97-AF65-F5344CB8AC3E}">
+        <p14:creationId xmlns:p14="http://schemas.microsoft.com/office/powerpoint/2010/main" val="3802623198"/>
       </p:ext>
     </p:extLst>
   </p:cSld>

--- a/Word/Diagrams/chapter9/chap 9.figures.pptx
+++ b/Word/Diagrams/chapter9/chap 9.figures.pptx
@@ -5,7 +5,7 @@
     <p:sldMasterId id="2147483660" r:id="rId1"/>
   </p:sldMasterIdLst>
   <p:notesMasterIdLst>
-    <p:notesMasterId r:id="rId15"/>
+    <p:notesMasterId r:id="rId16"/>
   </p:notesMasterIdLst>
   <p:sldIdLst>
     <p:sldId id="306" r:id="rId2"/>
@@ -20,7 +20,8 @@
     <p:sldId id="313" r:id="rId11"/>
     <p:sldId id="314" r:id="rId12"/>
     <p:sldId id="315" r:id="rId13"/>
-    <p:sldId id="316" r:id="rId14"/>
+    <p:sldId id="317" r:id="rId14"/>
+    <p:sldId id="316" r:id="rId15"/>
   </p:sldIdLst>
   <p:sldSz cx="9144000" cy="6858000" type="screen4x3"/>
   <p:notesSz cx="6858000" cy="9144000"/>
@@ -9949,10 +9950,10 @@
       </p:grpSpPr>
       <p:sp>
         <p:nvSpPr>
-          <p:cNvPr id="3" name="Rectangle 2">
-            <a:extLst>
-              <a:ext uri="{FF2B5EF4-FFF2-40B4-BE49-F238E27FC236}">
-                <a16:creationId xmlns:a16="http://schemas.microsoft.com/office/drawing/2014/main" id="{3540B538-F299-475B-8E49-13281C86F7AA}"/>
+          <p:cNvPr id="2" name="Rectangle 1">
+            <a:extLst>
+              <a:ext uri="{FF2B5EF4-FFF2-40B4-BE49-F238E27FC236}">
+                <a16:creationId xmlns:a16="http://schemas.microsoft.com/office/drawing/2014/main" id="{5B6BA032-5F5C-4C10-BD98-913B1132F2D0}"/>
               </a:ext>
             </a:extLst>
           </p:cNvPr>
@@ -9961,7 +9962,7 @@
         </p:nvSpPr>
         <p:spPr>
           <a:xfrm>
-            <a:off x="1756683" y="1831033"/>
+            <a:off x="1264662" y="1937121"/>
             <a:ext cx="4267200" cy="2324099"/>
           </a:xfrm>
           <a:prstGeom prst="rect">
@@ -9999,10 +10000,10 @@
       </p:sp>
       <p:sp>
         <p:nvSpPr>
-          <p:cNvPr id="4" name="TextBox 3">
-            <a:extLst>
-              <a:ext uri="{FF2B5EF4-FFF2-40B4-BE49-F238E27FC236}">
-                <a16:creationId xmlns:a16="http://schemas.microsoft.com/office/drawing/2014/main" id="{DECCB791-C196-4BE6-9771-4CA1B51A3212}"/>
+          <p:cNvPr id="3" name="TextBox 2">
+            <a:extLst>
+              <a:ext uri="{FF2B5EF4-FFF2-40B4-BE49-F238E27FC236}">
+                <a16:creationId xmlns:a16="http://schemas.microsoft.com/office/drawing/2014/main" id="{432E62B7-46F0-4E7E-9FB9-FE36A11DD8C7}"/>
               </a:ext>
             </a:extLst>
           </p:cNvPr>
@@ -10029,14 +10030,1761 @@
           <a:lstStyle/>
           <a:p>
             <a:r>
-              <a:rPr lang="en-US" altLang="zh-CN" sz="1600"/>
+              <a:rPr lang="en-US" altLang="zh-CN" sz="1600" dirty="0"/>
+              <a:t>Figure 9-17</a:t>
+            </a:r>
+            <a:endParaRPr lang="en-US" altLang="zh-TW" sz="1600" dirty="0"/>
+          </a:p>
+        </p:txBody>
+      </p:sp>
+      <p:grpSp>
+        <p:nvGrpSpPr>
+          <p:cNvPr id="4" name="Group 3">
+            <a:extLst>
+              <a:ext uri="{FF2B5EF4-FFF2-40B4-BE49-F238E27FC236}">
+                <a16:creationId xmlns:a16="http://schemas.microsoft.com/office/drawing/2014/main" id="{508EE9CC-0D09-4B3D-BC56-6D013793C176}"/>
+              </a:ext>
+            </a:extLst>
+          </p:cNvPr>
+          <p:cNvGrpSpPr/>
+          <p:nvPr/>
+        </p:nvGrpSpPr>
+        <p:grpSpPr>
+          <a:xfrm>
+            <a:off x="1854615" y="2438243"/>
+            <a:ext cx="910254" cy="1692237"/>
+            <a:chOff x="2405252" y="2438243"/>
+            <a:chExt cx="910254" cy="1692237"/>
+          </a:xfrm>
+        </p:grpSpPr>
+        <p:grpSp>
+          <p:nvGrpSpPr>
+            <p:cNvPr id="5" name="Group 4">
+              <a:extLst>
+                <a:ext uri="{FF2B5EF4-FFF2-40B4-BE49-F238E27FC236}">
+                  <a16:creationId xmlns:a16="http://schemas.microsoft.com/office/drawing/2014/main" id="{2C6BA98A-6CE6-4DD5-8164-618D0EBA2808}"/>
+                </a:ext>
+              </a:extLst>
+            </p:cNvPr>
+            <p:cNvGrpSpPr/>
+            <p:nvPr/>
+          </p:nvGrpSpPr>
+          <p:grpSpPr>
+            <a:xfrm rot="2700000">
+              <a:off x="2192940" y="3270540"/>
+              <a:ext cx="1234441" cy="485440"/>
+              <a:chOff x="2468879" y="2791160"/>
+              <a:chExt cx="1234441" cy="485440"/>
+            </a:xfrm>
+          </p:grpSpPr>
+          <p:sp>
+            <p:nvSpPr>
+              <p:cNvPr id="16" name="Flowchart: Or 15">
+                <a:extLst>
+                  <a:ext uri="{FF2B5EF4-FFF2-40B4-BE49-F238E27FC236}">
+                    <a16:creationId xmlns:a16="http://schemas.microsoft.com/office/drawing/2014/main" id="{C7C66D7A-FE9C-46B3-AB31-C5EBDDB1C0ED}"/>
+                  </a:ext>
+                </a:extLst>
+              </p:cNvPr>
+              <p:cNvSpPr>
+                <a:spLocks noChangeAspect="1"/>
+              </p:cNvSpPr>
+              <p:nvPr/>
+            </p:nvSpPr>
+            <p:spPr>
+              <a:xfrm>
+                <a:off x="2713574" y="2791160"/>
+                <a:ext cx="45719" cy="48409"/>
+              </a:xfrm>
+              <a:prstGeom prst="flowChartOr">
+                <a:avLst/>
+              </a:prstGeom>
+              <a:solidFill>
+                <a:schemeClr val="tx1"/>
+              </a:solidFill>
+              <a:ln w="6350">
+                <a:solidFill>
+                  <a:schemeClr val="tx1"/>
+                </a:solidFill>
+              </a:ln>
+            </p:spPr>
+            <p:style>
+              <a:lnRef idx="2">
+                <a:schemeClr val="accent1">
+                  <a:shade val="50000"/>
+                </a:schemeClr>
+              </a:lnRef>
+              <a:fillRef idx="1">
+                <a:schemeClr val="accent1"/>
+              </a:fillRef>
+              <a:effectRef idx="0">
+                <a:schemeClr val="accent1"/>
+              </a:effectRef>
+              <a:fontRef idx="minor">
+                <a:schemeClr val="lt1"/>
+              </a:fontRef>
+            </p:style>
+            <p:txBody>
+              <a:bodyPr rtlCol="0" anchor="ctr"/>
+              <a:lstStyle/>
+              <a:p>
+                <a:pPr algn="ctr"/>
+                <a:endParaRPr lang="en-US"/>
+              </a:p>
+            </p:txBody>
+          </p:sp>
+          <p:grpSp>
+            <p:nvGrpSpPr>
+              <p:cNvPr id="17" name="Group 16">
+                <a:extLst>
+                  <a:ext uri="{FF2B5EF4-FFF2-40B4-BE49-F238E27FC236}">
+                    <a16:creationId xmlns:a16="http://schemas.microsoft.com/office/drawing/2014/main" id="{E9834DA7-8C47-4867-A79E-0D167DACE3DD}"/>
+                  </a:ext>
+                </a:extLst>
+              </p:cNvPr>
+              <p:cNvGrpSpPr/>
+              <p:nvPr/>
+            </p:nvGrpSpPr>
+            <p:grpSpPr>
+              <a:xfrm>
+                <a:off x="2468879" y="2819400"/>
+                <a:ext cx="1234441" cy="457200"/>
+                <a:chOff x="2468879" y="2819400"/>
+                <a:chExt cx="1234441" cy="457200"/>
+              </a:xfrm>
+            </p:grpSpPr>
+            <p:sp>
+              <p:nvSpPr>
+                <p:cNvPr id="18" name="Rectangle 17">
+                  <a:extLst>
+                    <a:ext uri="{FF2B5EF4-FFF2-40B4-BE49-F238E27FC236}">
+                      <a16:creationId xmlns:a16="http://schemas.microsoft.com/office/drawing/2014/main" id="{163F5D23-48BB-4519-968A-EF3AD5B325D1}"/>
+                    </a:ext>
+                  </a:extLst>
+                </p:cNvPr>
+                <p:cNvSpPr/>
+                <p:nvPr/>
+              </p:nvSpPr>
+              <p:spPr>
+                <a:xfrm>
+                  <a:off x="2736054" y="2819400"/>
+                  <a:ext cx="685800" cy="457200"/>
+                </a:xfrm>
+                <a:prstGeom prst="rect">
+                  <a:avLst/>
+                </a:prstGeom>
+                <a:noFill/>
+                <a:ln w="12700">
+                  <a:solidFill>
+                    <a:schemeClr val="tx1"/>
+                  </a:solidFill>
+                </a:ln>
+              </p:spPr>
+              <p:style>
+                <a:lnRef idx="2">
+                  <a:schemeClr val="accent1">
+                    <a:shade val="50000"/>
+                  </a:schemeClr>
+                </a:lnRef>
+                <a:fillRef idx="1">
+                  <a:schemeClr val="accent1"/>
+                </a:fillRef>
+                <a:effectRef idx="0">
+                  <a:schemeClr val="accent1"/>
+                </a:effectRef>
+                <a:fontRef idx="minor">
+                  <a:schemeClr val="lt1"/>
+                </a:fontRef>
+              </p:style>
+              <p:txBody>
+                <a:bodyPr rtlCol="0" anchor="ctr"/>
+                <a:lstStyle/>
+                <a:p>
+                  <a:pPr algn="ctr"/>
+                  <a:endParaRPr lang="en-US"/>
+                </a:p>
+              </p:txBody>
+            </p:sp>
+            <p:cxnSp>
+              <p:nvCxnSpPr>
+                <p:cNvPr id="19" name="Straight Connector 18">
+                  <a:extLst>
+                    <a:ext uri="{FF2B5EF4-FFF2-40B4-BE49-F238E27FC236}">
+                      <a16:creationId xmlns:a16="http://schemas.microsoft.com/office/drawing/2014/main" id="{E4B2AB2D-13FE-421D-9CED-2291A049A938}"/>
+                    </a:ext>
+                  </a:extLst>
+                </p:cNvPr>
+                <p:cNvCxnSpPr/>
+                <p:nvPr/>
+              </p:nvCxnSpPr>
+              <p:spPr>
+                <a:xfrm>
+                  <a:off x="3429000" y="2819400"/>
+                  <a:ext cx="274320" cy="0"/>
+                </a:xfrm>
+                <a:prstGeom prst="line">
+                  <a:avLst/>
+                </a:prstGeom>
+                <a:ln w="6350">
+                  <a:solidFill>
+                    <a:schemeClr val="tx1"/>
+                  </a:solidFill>
+                  <a:prstDash val="dash"/>
+                </a:ln>
+              </p:spPr>
+              <p:style>
+                <a:lnRef idx="1">
+                  <a:schemeClr val="accent1"/>
+                </a:lnRef>
+                <a:fillRef idx="0">
+                  <a:schemeClr val="accent1"/>
+                </a:fillRef>
+                <a:effectRef idx="0">
+                  <a:schemeClr val="accent1"/>
+                </a:effectRef>
+                <a:fontRef idx="minor">
+                  <a:schemeClr val="tx1"/>
+                </a:fontRef>
+              </p:style>
+            </p:cxnSp>
+            <p:cxnSp>
+              <p:nvCxnSpPr>
+                <p:cNvPr id="20" name="Straight Connector 19">
+                  <a:extLst>
+                    <a:ext uri="{FF2B5EF4-FFF2-40B4-BE49-F238E27FC236}">
+                      <a16:creationId xmlns:a16="http://schemas.microsoft.com/office/drawing/2014/main" id="{F3C0C127-0F50-4C6F-9A8A-018CDB7B106A}"/>
+                    </a:ext>
+                  </a:extLst>
+                </p:cNvPr>
+                <p:cNvCxnSpPr/>
+                <p:nvPr/>
+              </p:nvCxnSpPr>
+              <p:spPr>
+                <a:xfrm>
+                  <a:off x="2468879" y="2819400"/>
+                  <a:ext cx="274320" cy="0"/>
+                </a:xfrm>
+                <a:prstGeom prst="line">
+                  <a:avLst/>
+                </a:prstGeom>
+                <a:ln w="6350">
+                  <a:solidFill>
+                    <a:schemeClr val="tx1"/>
+                  </a:solidFill>
+                  <a:prstDash val="dash"/>
+                </a:ln>
+              </p:spPr>
+              <p:style>
+                <a:lnRef idx="1">
+                  <a:schemeClr val="accent1"/>
+                </a:lnRef>
+                <a:fillRef idx="0">
+                  <a:schemeClr val="accent1"/>
+                </a:fillRef>
+                <a:effectRef idx="0">
+                  <a:schemeClr val="accent1"/>
+                </a:effectRef>
+                <a:fontRef idx="minor">
+                  <a:schemeClr val="tx1"/>
+                </a:fontRef>
+              </p:style>
+            </p:cxnSp>
+          </p:grpSp>
+        </p:grpSp>
+        <p:grpSp>
+          <p:nvGrpSpPr>
+            <p:cNvPr id="6" name="Group 5">
+              <a:extLst>
+                <a:ext uri="{FF2B5EF4-FFF2-40B4-BE49-F238E27FC236}">
+                  <a16:creationId xmlns:a16="http://schemas.microsoft.com/office/drawing/2014/main" id="{1E0BEF55-3F67-4B4E-8D42-10D9ECFC65A5}"/>
+                </a:ext>
+              </a:extLst>
+            </p:cNvPr>
+            <p:cNvGrpSpPr/>
+            <p:nvPr/>
+          </p:nvGrpSpPr>
+          <p:grpSpPr>
+            <a:xfrm>
+              <a:off x="2405252" y="2438243"/>
+              <a:ext cx="822960" cy="822960"/>
+              <a:chOff x="2120815" y="2616887"/>
+              <a:chExt cx="822960" cy="822960"/>
+            </a:xfrm>
+          </p:grpSpPr>
+          <p:sp>
+            <p:nvSpPr>
+              <p:cNvPr id="14" name="Flowchart: Or 13">
+                <a:extLst>
+                  <a:ext uri="{FF2B5EF4-FFF2-40B4-BE49-F238E27FC236}">
+                    <a16:creationId xmlns:a16="http://schemas.microsoft.com/office/drawing/2014/main" id="{5EC85E6E-E25D-4B94-B3B5-C1DD0BB4FCFF}"/>
+                  </a:ext>
+                </a:extLst>
+              </p:cNvPr>
+              <p:cNvSpPr>
+                <a:spLocks noChangeAspect="1"/>
+              </p:cNvSpPr>
+              <p:nvPr/>
+            </p:nvSpPr>
+            <p:spPr>
+              <a:xfrm>
+                <a:off x="2505764" y="3005507"/>
+                <a:ext cx="43180" cy="45720"/>
+              </a:xfrm>
+              <a:prstGeom prst="flowChartOr">
+                <a:avLst/>
+              </a:prstGeom>
+              <a:solidFill>
+                <a:schemeClr val="tx1"/>
+              </a:solidFill>
+              <a:ln w="6350">
+                <a:solidFill>
+                  <a:schemeClr val="tx1"/>
+                </a:solidFill>
+              </a:ln>
+            </p:spPr>
+            <p:style>
+              <a:lnRef idx="2">
+                <a:schemeClr val="accent1">
+                  <a:shade val="50000"/>
+                </a:schemeClr>
+              </a:lnRef>
+              <a:fillRef idx="1">
+                <a:schemeClr val="accent1"/>
+              </a:fillRef>
+              <a:effectRef idx="0">
+                <a:schemeClr val="accent1"/>
+              </a:effectRef>
+              <a:fontRef idx="minor">
+                <a:schemeClr val="lt1"/>
+              </a:fontRef>
+            </p:style>
+            <p:txBody>
+              <a:bodyPr rtlCol="0" anchor="ctr"/>
+              <a:lstStyle/>
+              <a:p>
+                <a:pPr algn="ctr"/>
+                <a:endParaRPr lang="en-US"/>
+              </a:p>
+            </p:txBody>
+          </p:sp>
+          <p:sp>
+            <p:nvSpPr>
+              <p:cNvPr id="15" name="Oval 14">
+                <a:extLst>
+                  <a:ext uri="{FF2B5EF4-FFF2-40B4-BE49-F238E27FC236}">
+                    <a16:creationId xmlns:a16="http://schemas.microsoft.com/office/drawing/2014/main" id="{B3F4593E-8FCB-4D46-84C7-A319852F8209}"/>
+                  </a:ext>
+                </a:extLst>
+              </p:cNvPr>
+              <p:cNvSpPr>
+                <a:spLocks noChangeAspect="1"/>
+              </p:cNvSpPr>
+              <p:nvPr/>
+            </p:nvSpPr>
+            <p:spPr>
+              <a:xfrm>
+                <a:off x="2120815" y="2616887"/>
+                <a:ext cx="822960" cy="822960"/>
+              </a:xfrm>
+              <a:prstGeom prst="ellipse">
+                <a:avLst/>
+              </a:prstGeom>
+              <a:noFill/>
+              <a:ln w="12700">
+                <a:solidFill>
+                  <a:schemeClr val="tx1"/>
+                </a:solidFill>
+              </a:ln>
+            </p:spPr>
+            <p:style>
+              <a:lnRef idx="2">
+                <a:schemeClr val="accent1">
+                  <a:shade val="50000"/>
+                </a:schemeClr>
+              </a:lnRef>
+              <a:fillRef idx="1">
+                <a:schemeClr val="accent1"/>
+              </a:fillRef>
+              <a:effectRef idx="0">
+                <a:schemeClr val="accent1"/>
+              </a:effectRef>
+              <a:fontRef idx="minor">
+                <a:schemeClr val="lt1"/>
+              </a:fontRef>
+            </p:style>
+            <p:txBody>
+              <a:bodyPr rtlCol="0" anchor="ctr"/>
+              <a:lstStyle/>
+              <a:p>
+                <a:pPr algn="ctr"/>
+                <a:endParaRPr lang="en-US"/>
+              </a:p>
+            </p:txBody>
+          </p:sp>
+        </p:grpSp>
+        <p:sp>
+          <p:nvSpPr>
+            <p:cNvPr id="7" name="TextBox 6">
+              <a:extLst>
+                <a:ext uri="{FF2B5EF4-FFF2-40B4-BE49-F238E27FC236}">
+                  <a16:creationId xmlns:a16="http://schemas.microsoft.com/office/drawing/2014/main" id="{22BBB3D5-D707-4F12-AD30-921BBC7D7A5C}"/>
+                </a:ext>
+              </a:extLst>
+            </p:cNvPr>
+            <p:cNvSpPr txBox="1"/>
+            <p:nvPr/>
+          </p:nvSpPr>
+          <p:spPr>
+            <a:xfrm>
+              <a:off x="2615341" y="2609316"/>
+              <a:ext cx="535403" cy="215444"/>
+            </a:xfrm>
+            <a:prstGeom prst="rect">
+              <a:avLst/>
+            </a:prstGeom>
+            <a:noFill/>
+          </p:spPr>
+          <p:txBody>
+            <a:bodyPr wrap="none" lIns="0" rIns="0" rtlCol="0">
+              <a:spAutoFit/>
+            </a:bodyPr>
+            <a:lstStyle/>
+            <a:p>
+              <a:r>
+                <a:rPr lang="en-US" altLang="zh-TW" sz="800" dirty="0"/>
+                <a:t>Circle Center</a:t>
+              </a:r>
+              <a:endParaRPr lang="zh-TW" altLang="en-US" sz="800" baseline="-25000" dirty="0"/>
+            </a:p>
+          </p:txBody>
+        </p:sp>
+        <p:cxnSp>
+          <p:nvCxnSpPr>
+            <p:cNvPr id="8" name="Straight Arrow Connector 7">
+              <a:extLst>
+                <a:ext uri="{FF2B5EF4-FFF2-40B4-BE49-F238E27FC236}">
+                  <a16:creationId xmlns:a16="http://schemas.microsoft.com/office/drawing/2014/main" id="{2D1C0F4D-5619-4192-BE2E-5D1417607CBE}"/>
+                </a:ext>
+              </a:extLst>
+            </p:cNvPr>
+            <p:cNvCxnSpPr/>
+            <p:nvPr/>
+          </p:nvCxnSpPr>
+          <p:spPr>
+            <a:xfrm rot="2700000">
+              <a:off x="2981290" y="3420870"/>
+              <a:ext cx="228600" cy="0"/>
+            </a:xfrm>
+            <a:prstGeom prst="straightConnector1">
+              <a:avLst/>
+            </a:prstGeom>
+            <a:ln w="6350">
+              <a:solidFill>
+                <a:schemeClr val="tx1"/>
+              </a:solidFill>
+              <a:headEnd w="sm" len="sm"/>
+              <a:tailEnd type="triangle" w="sm" len="sm"/>
+            </a:ln>
+          </p:spPr>
+          <p:style>
+            <a:lnRef idx="1">
+              <a:schemeClr val="accent1"/>
+            </a:lnRef>
+            <a:fillRef idx="0">
+              <a:schemeClr val="accent1"/>
+            </a:fillRef>
+            <a:effectRef idx="0">
+              <a:schemeClr val="accent1"/>
+            </a:effectRef>
+            <a:fontRef idx="minor">
+              <a:schemeClr val="tx1"/>
+            </a:fontRef>
+          </p:style>
+        </p:cxnSp>
+        <mc:AlternateContent xmlns:mc="http://schemas.openxmlformats.org/markup-compatibility/2006" xmlns:a14="http://schemas.microsoft.com/office/drawing/2010/main">
+          <mc:Choice Requires="a14">
+            <p:sp>
+              <p:nvSpPr>
+                <p:cNvPr id="9" name="TextBox 8">
+                  <a:extLst>
+                    <a:ext uri="{FF2B5EF4-FFF2-40B4-BE49-F238E27FC236}">
+                      <a16:creationId xmlns:a16="http://schemas.microsoft.com/office/drawing/2014/main" id="{182B8F00-8261-4651-8C43-28AE7CBFDD5C}"/>
+                    </a:ext>
+                  </a:extLst>
+                </p:cNvPr>
+                <p:cNvSpPr txBox="1">
+                  <a:spLocks noChangeAspect="1"/>
+                </p:cNvSpPr>
+                <p:nvPr/>
+              </p:nvSpPr>
+              <p:spPr>
+                <a:xfrm>
+                  <a:off x="3105569" y="3229614"/>
+                  <a:ext cx="125996" cy="230256"/>
+                </a:xfrm>
+                <a:prstGeom prst="rect">
+                  <a:avLst/>
+                </a:prstGeom>
+                <a:noFill/>
+                <a:ln>
+                  <a:noFill/>
+                </a:ln>
+              </p:spPr>
+              <p:txBody>
+                <a:bodyPr wrap="square" lIns="0" rIns="0" rtlCol="0">
+                  <a:spAutoFit/>
+                </a:bodyPr>
+                <a:lstStyle/>
+                <a:p>
+                  <a14:m>
+                    <m:oMath xmlns:m="http://schemas.openxmlformats.org/officeDocument/2006/math">
+                      <m:acc>
+                        <m:accPr>
+                          <m:chr m:val="⃑"/>
+                          <m:ctrlPr>
+                            <a:rPr lang="en-US" altLang="zh-TW" sz="800" b="0" i="1" smtClean="0">
+                              <a:latin typeface="Cambria Math" panose="02040503050406030204" pitchFamily="18" charset="0"/>
+                            </a:rPr>
+                          </m:ctrlPr>
+                        </m:accPr>
+                        <m:e>
+                          <m:r>
+                            <a:rPr lang="en-US" altLang="zh-TW" sz="800" b="0" i="1" smtClean="0">
+                              <a:latin typeface="Cambria Math" panose="02040503050406030204" pitchFamily="18" charset="0"/>
+                            </a:rPr>
+                            <m:t>𝑉</m:t>
+                          </m:r>
+                        </m:e>
+                      </m:acc>
+                    </m:oMath>
+                  </a14:m>
+                  <a:r>
+                    <a:rPr lang="en-US" altLang="zh-TW" sz="800" baseline="-25000" dirty="0"/>
+                    <a:t>2</a:t>
+                  </a:r>
+                  <a:endParaRPr lang="zh-TW" altLang="en-US" sz="800" baseline="-25000" dirty="0"/>
+                </a:p>
+              </p:txBody>
+            </p:sp>
+          </mc:Choice>
+          <mc:Fallback xmlns="">
+            <p:sp>
+              <p:nvSpPr>
+                <p:cNvPr id="24" name="TextBox 23"/>
+                <p:cNvSpPr txBox="1">
+                  <a:spLocks noRot="1" noChangeAspect="1" noMove="1" noResize="1" noEditPoints="1" noAdjustHandles="1" noChangeArrowheads="1" noChangeShapeType="1" noTextEdit="1"/>
+                </p:cNvSpPr>
+                <p:nvPr/>
+              </p:nvSpPr>
+              <p:spPr>
+                <a:xfrm>
+                  <a:off x="3105569" y="3229614"/>
+                  <a:ext cx="125996" cy="230256"/>
+                </a:xfrm>
+                <a:prstGeom prst="rect">
+                  <a:avLst/>
+                </a:prstGeom>
+                <a:blipFill rotWithShape="0">
+                  <a:blip r:embed="rId2" cstate="print"/>
+                  <a:stretch>
+                    <a:fillRect l="-28571" r="-14286" b="-2632"/>
+                  </a:stretch>
+                </a:blipFill>
+                <a:ln>
+                  <a:noFill/>
+                </a:ln>
+              </p:spPr>
+              <p:txBody>
+                <a:bodyPr/>
+                <a:lstStyle/>
+                <a:p>
+                  <a:r>
+                    <a:rPr lang="en-US">
+                      <a:noFill/>
+                    </a:rPr>
+                    <a:t> </a:t>
+                  </a:r>
+                </a:p>
+              </p:txBody>
+            </p:sp>
+          </mc:Fallback>
+        </mc:AlternateContent>
+        <p:cxnSp>
+          <p:nvCxnSpPr>
+            <p:cNvPr id="10" name="Straight Arrow Connector 9">
+              <a:extLst>
+                <a:ext uri="{FF2B5EF4-FFF2-40B4-BE49-F238E27FC236}">
+                  <a16:creationId xmlns:a16="http://schemas.microsoft.com/office/drawing/2014/main" id="{A1D5A33D-A165-4FDE-A04E-15C55D94BDAB}"/>
+                </a:ext>
+              </a:extLst>
+            </p:cNvPr>
+            <p:cNvCxnSpPr/>
+            <p:nvPr/>
+          </p:nvCxnSpPr>
+          <p:spPr>
+            <a:xfrm rot="1200000" flipV="1">
+              <a:off x="2765511" y="2864157"/>
+              <a:ext cx="0" cy="228600"/>
+            </a:xfrm>
+            <a:prstGeom prst="straightConnector1">
+              <a:avLst/>
+            </a:prstGeom>
+            <a:ln w="6350">
+              <a:solidFill>
+                <a:schemeClr val="tx1"/>
+              </a:solidFill>
+              <a:prstDash val="solid"/>
+              <a:tailEnd type="triangle" w="sm" len="sm"/>
+            </a:ln>
+          </p:spPr>
+          <p:style>
+            <a:lnRef idx="1">
+              <a:schemeClr val="accent1"/>
+            </a:lnRef>
+            <a:fillRef idx="0">
+              <a:schemeClr val="accent1"/>
+            </a:fillRef>
+            <a:effectRef idx="0">
+              <a:schemeClr val="accent1"/>
+            </a:effectRef>
+            <a:fontRef idx="minor">
+              <a:schemeClr val="tx1"/>
+            </a:fontRef>
+          </p:style>
+        </p:cxnSp>
+        <p:cxnSp>
+          <p:nvCxnSpPr>
+            <p:cNvPr id="11" name="Straight Connector 10">
+              <a:extLst>
+                <a:ext uri="{FF2B5EF4-FFF2-40B4-BE49-F238E27FC236}">
+                  <a16:creationId xmlns:a16="http://schemas.microsoft.com/office/drawing/2014/main" id="{2DB3FE51-A505-4678-A35B-39CC1801DF1A}"/>
+                </a:ext>
+              </a:extLst>
+            </p:cNvPr>
+            <p:cNvCxnSpPr/>
+            <p:nvPr/>
+          </p:nvCxnSpPr>
+          <p:spPr>
+            <a:xfrm rot="8100000">
+              <a:off x="3178346" y="3552357"/>
+              <a:ext cx="137160" cy="0"/>
+            </a:xfrm>
+            <a:prstGeom prst="line">
+              <a:avLst/>
+            </a:prstGeom>
+            <a:ln w="6350">
+              <a:solidFill>
+                <a:schemeClr val="tx1"/>
+              </a:solidFill>
+              <a:prstDash val="dash"/>
+            </a:ln>
+          </p:spPr>
+          <p:style>
+            <a:lnRef idx="1">
+              <a:schemeClr val="accent1"/>
+            </a:lnRef>
+            <a:fillRef idx="0">
+              <a:schemeClr val="accent1"/>
+            </a:fillRef>
+            <a:effectRef idx="0">
+              <a:schemeClr val="accent1"/>
+            </a:effectRef>
+            <a:fontRef idx="minor">
+              <a:schemeClr val="tx1"/>
+            </a:fontRef>
+          </p:style>
+        </p:cxnSp>
+        <p:cxnSp>
+          <p:nvCxnSpPr>
+            <p:cNvPr id="12" name="Straight Connector 11">
+              <a:extLst>
+                <a:ext uri="{FF2B5EF4-FFF2-40B4-BE49-F238E27FC236}">
+                  <a16:creationId xmlns:a16="http://schemas.microsoft.com/office/drawing/2014/main" id="{79A13A42-B467-499B-9C00-F2041540396D}"/>
+                </a:ext>
+              </a:extLst>
+            </p:cNvPr>
+            <p:cNvCxnSpPr/>
+            <p:nvPr/>
+          </p:nvCxnSpPr>
+          <p:spPr>
+            <a:xfrm rot="8100000">
+              <a:off x="2701687" y="3059637"/>
+              <a:ext cx="137160" cy="0"/>
+            </a:xfrm>
+            <a:prstGeom prst="line">
+              <a:avLst/>
+            </a:prstGeom>
+            <a:ln w="6350">
+              <a:solidFill>
+                <a:schemeClr val="tx1"/>
+              </a:solidFill>
+              <a:prstDash val="dash"/>
+            </a:ln>
+          </p:spPr>
+          <p:style>
+            <a:lnRef idx="1">
+              <a:schemeClr val="accent1"/>
+            </a:lnRef>
+            <a:fillRef idx="0">
+              <a:schemeClr val="accent1"/>
+            </a:fillRef>
+            <a:effectRef idx="0">
+              <a:schemeClr val="accent1"/>
+            </a:effectRef>
+            <a:fontRef idx="minor">
+              <a:schemeClr val="tx1"/>
+            </a:fontRef>
+          </p:style>
+        </p:cxnSp>
+        <mc:AlternateContent xmlns:mc="http://schemas.openxmlformats.org/markup-compatibility/2006">
+          <mc:Choice xmlns:a14="http://schemas.microsoft.com/office/drawing/2010/main" Requires="a14">
+            <p:sp>
+              <p:nvSpPr>
+                <p:cNvPr id="13" name="TextBox 12">
+                  <a:extLst>
+                    <a:ext uri="{FF2B5EF4-FFF2-40B4-BE49-F238E27FC236}">
+                      <a16:creationId xmlns:a16="http://schemas.microsoft.com/office/drawing/2014/main" id="{19F7D08C-979A-4B9E-BBAA-107F4B5E3956}"/>
+                    </a:ext>
+                  </a:extLst>
+                </p:cNvPr>
+                <p:cNvSpPr txBox="1">
+                  <a:spLocks noChangeAspect="1"/>
+                </p:cNvSpPr>
+                <p:nvPr/>
+              </p:nvSpPr>
+              <p:spPr>
+                <a:xfrm>
+                  <a:off x="2626379" y="2791889"/>
+                  <a:ext cx="125996" cy="230256"/>
+                </a:xfrm>
+                <a:prstGeom prst="rect">
+                  <a:avLst/>
+                </a:prstGeom>
+                <a:noFill/>
+                <a:ln>
+                  <a:noFill/>
+                </a:ln>
+              </p:spPr>
+              <p:txBody>
+                <a:bodyPr wrap="square" lIns="0" rIns="0" rtlCol="0">
+                  <a:spAutoFit/>
+                </a:bodyPr>
+                <a:lstStyle/>
+                <a:p>
+                  <a14:m>
+                    <m:oMath xmlns:m="http://schemas.openxmlformats.org/officeDocument/2006/math">
+                      <m:acc>
+                        <m:accPr>
+                          <m:chr m:val="⃑"/>
+                          <m:ctrlPr>
+                            <a:rPr lang="en-US" altLang="zh-TW" sz="800" b="0" i="1" smtClean="0">
+                              <a:latin typeface="Cambria Math" panose="02040503050406030204" pitchFamily="18" charset="0"/>
+                            </a:rPr>
+                          </m:ctrlPr>
+                        </m:accPr>
+                        <m:e>
+                          <m:r>
+                            <a:rPr lang="en-US" altLang="zh-TW" sz="800" b="0" i="1" smtClean="0">
+                              <a:latin typeface="Cambria Math" panose="02040503050406030204" pitchFamily="18" charset="0"/>
+                            </a:rPr>
+                            <m:t>𝑉</m:t>
+                          </m:r>
+                        </m:e>
+                      </m:acc>
+                    </m:oMath>
+                  </a14:m>
+                  <a:r>
+                    <a:rPr lang="en-US" altLang="zh-TW" sz="800" baseline="-25000" dirty="0"/>
+                    <a:t>1</a:t>
+                  </a:r>
+                  <a:endParaRPr lang="zh-TW" altLang="en-US" sz="800" baseline="-25000" dirty="0"/>
+                </a:p>
+              </p:txBody>
+            </p:sp>
+          </mc:Choice>
+          <mc:Fallback>
+            <p:sp>
+              <p:nvSpPr>
+                <p:cNvPr id="13" name="TextBox 12">
+                  <a:extLst>
+                    <a:ext uri="{FF2B5EF4-FFF2-40B4-BE49-F238E27FC236}">
+                      <a16:creationId xmlns:a16="http://schemas.microsoft.com/office/drawing/2014/main" id="{19F7D08C-979A-4B9E-BBAA-107F4B5E3956}"/>
+                    </a:ext>
+                  </a:extLst>
+                </p:cNvPr>
+                <p:cNvSpPr txBox="1">
+                  <a:spLocks noRot="1" noChangeAspect="1" noMove="1" noResize="1" noEditPoints="1" noAdjustHandles="1" noChangeArrowheads="1" noChangeShapeType="1" noTextEdit="1"/>
+                </p:cNvSpPr>
+                <p:nvPr/>
+              </p:nvSpPr>
+              <p:spPr>
+                <a:xfrm>
+                  <a:off x="2626379" y="2791889"/>
+                  <a:ext cx="125996" cy="230256"/>
+                </a:xfrm>
+                <a:prstGeom prst="rect">
+                  <a:avLst/>
+                </a:prstGeom>
+                <a:blipFill>
+                  <a:blip r:embed="rId3"/>
+                  <a:stretch>
+                    <a:fillRect l="-30000" r="-20000" b="-2632"/>
+                  </a:stretch>
+                </a:blipFill>
+                <a:ln>
+                  <a:noFill/>
+                </a:ln>
+              </p:spPr>
+              <p:txBody>
+                <a:bodyPr/>
+                <a:lstStyle/>
+                <a:p>
+                  <a:r>
+                    <a:rPr lang="en-US">
+                      <a:noFill/>
+                    </a:rPr>
+                    <a:t> </a:t>
+                  </a:r>
+                </a:p>
+              </p:txBody>
+            </p:sp>
+          </mc:Fallback>
+        </mc:AlternateContent>
+      </p:grpSp>
+      <p:grpSp>
+        <p:nvGrpSpPr>
+          <p:cNvPr id="21" name="Group 20">
+            <a:extLst>
+              <a:ext uri="{FF2B5EF4-FFF2-40B4-BE49-F238E27FC236}">
+                <a16:creationId xmlns:a16="http://schemas.microsoft.com/office/drawing/2014/main" id="{D3C33343-37D1-456C-900D-F1D133A5F363}"/>
+              </a:ext>
+            </a:extLst>
+          </p:cNvPr>
+          <p:cNvGrpSpPr/>
+          <p:nvPr/>
+        </p:nvGrpSpPr>
+        <p:grpSpPr>
+          <a:xfrm>
+            <a:off x="3202174" y="2438243"/>
+            <a:ext cx="1975138" cy="1692237"/>
+            <a:chOff x="3612024" y="2438243"/>
+            <a:chExt cx="1975138" cy="1692237"/>
+          </a:xfrm>
+        </p:grpSpPr>
+        <p:sp>
+          <p:nvSpPr>
+            <p:cNvPr id="22" name="TextBox 21">
+              <a:extLst>
+                <a:ext uri="{FF2B5EF4-FFF2-40B4-BE49-F238E27FC236}">
+                  <a16:creationId xmlns:a16="http://schemas.microsoft.com/office/drawing/2014/main" id="{B8A36140-AEDE-42BA-963D-5CF977112E5E}"/>
+                </a:ext>
+              </a:extLst>
+            </p:cNvPr>
+            <p:cNvSpPr txBox="1"/>
+            <p:nvPr/>
+          </p:nvSpPr>
+          <p:spPr>
+            <a:xfrm>
+              <a:off x="4492033" y="3206624"/>
+              <a:ext cx="637995" cy="215444"/>
+            </a:xfrm>
+            <a:prstGeom prst="rect">
+              <a:avLst/>
+            </a:prstGeom>
+            <a:noFill/>
+          </p:spPr>
+          <p:txBody>
+            <a:bodyPr wrap="none" lIns="0" rIns="0" rtlCol="0">
+              <a:spAutoFit/>
+            </a:bodyPr>
+            <a:lstStyle/>
+            <a:p>
+              <a:r>
+                <a:rPr lang="en-US" altLang="zh-TW" sz="800" dirty="0"/>
+                <a:t>dist = v1.length</a:t>
+              </a:r>
+              <a:endParaRPr lang="zh-TW" altLang="en-US" sz="800" baseline="-25000" dirty="0"/>
+            </a:p>
+          </p:txBody>
+        </p:sp>
+        <p:sp>
+          <p:nvSpPr>
+            <p:cNvPr id="23" name="Right Brace 22">
+              <a:extLst>
+                <a:ext uri="{FF2B5EF4-FFF2-40B4-BE49-F238E27FC236}">
+                  <a16:creationId xmlns:a16="http://schemas.microsoft.com/office/drawing/2014/main" id="{2E21E01C-7532-4689-A8E6-19B006C31F6E}"/>
+                </a:ext>
+              </a:extLst>
+            </p:cNvPr>
+            <p:cNvSpPr/>
+            <p:nvPr/>
+          </p:nvSpPr>
+          <p:spPr>
+            <a:xfrm rot="1200000">
+              <a:off x="5227434" y="3328790"/>
+              <a:ext cx="46101" cy="393192"/>
+            </a:xfrm>
+            <a:prstGeom prst="rightBrace">
+              <a:avLst>
+                <a:gd name="adj1" fmla="val 147059"/>
+                <a:gd name="adj2" fmla="val 50000"/>
+              </a:avLst>
+            </a:prstGeom>
+            <a:ln w="9525">
+              <a:solidFill>
+                <a:schemeClr val="tx1"/>
+              </a:solidFill>
+            </a:ln>
+          </p:spPr>
+          <p:style>
+            <a:lnRef idx="1">
+              <a:schemeClr val="accent1"/>
+            </a:lnRef>
+            <a:fillRef idx="0">
+              <a:schemeClr val="accent1"/>
+            </a:fillRef>
+            <a:effectRef idx="0">
+              <a:schemeClr val="accent1"/>
+            </a:effectRef>
+            <a:fontRef idx="minor">
+              <a:schemeClr val="tx1"/>
+            </a:fontRef>
+          </p:style>
+          <p:txBody>
+            <a:bodyPr rtlCol="0" anchor="ctr"/>
+            <a:lstStyle/>
+            <a:p>
+              <a:pPr algn="ctr"/>
+              <a:endParaRPr lang="en-US"/>
+            </a:p>
+          </p:txBody>
+        </p:sp>
+        <p:cxnSp>
+          <p:nvCxnSpPr>
+            <p:cNvPr id="24" name="Straight Connector 23">
+              <a:extLst>
+                <a:ext uri="{FF2B5EF4-FFF2-40B4-BE49-F238E27FC236}">
+                  <a16:creationId xmlns:a16="http://schemas.microsoft.com/office/drawing/2014/main" id="{C0B8F81A-6A95-44A4-A12D-FCAB0E7B8731}"/>
+                </a:ext>
+              </a:extLst>
+            </p:cNvPr>
+            <p:cNvCxnSpPr/>
+            <p:nvPr/>
+          </p:nvCxnSpPr>
+          <p:spPr>
+            <a:xfrm rot="1200000">
+              <a:off x="3970013" y="3105607"/>
+              <a:ext cx="1371600" cy="0"/>
+            </a:xfrm>
+            <a:prstGeom prst="line">
+              <a:avLst/>
+            </a:prstGeom>
+            <a:ln w="6350">
+              <a:solidFill>
+                <a:schemeClr val="tx1"/>
+              </a:solidFill>
+              <a:prstDash val="dash"/>
+            </a:ln>
+          </p:spPr>
+          <p:style>
+            <a:lnRef idx="1">
+              <a:schemeClr val="accent1"/>
+            </a:lnRef>
+            <a:fillRef idx="0">
+              <a:schemeClr val="accent1"/>
+            </a:fillRef>
+            <a:effectRef idx="0">
+              <a:schemeClr val="accent1"/>
+            </a:effectRef>
+            <a:fontRef idx="minor">
+              <a:schemeClr val="tx1"/>
+            </a:fontRef>
+          </p:style>
+        </p:cxnSp>
+        <p:cxnSp>
+          <p:nvCxnSpPr>
+            <p:cNvPr id="25" name="Straight Connector 24">
+              <a:extLst>
+                <a:ext uri="{FF2B5EF4-FFF2-40B4-BE49-F238E27FC236}">
+                  <a16:creationId xmlns:a16="http://schemas.microsoft.com/office/drawing/2014/main" id="{0B2F3E85-831A-488C-9B6A-299C0214EC8E}"/>
+                </a:ext>
+              </a:extLst>
+            </p:cNvPr>
+            <p:cNvCxnSpPr/>
+            <p:nvPr/>
+          </p:nvCxnSpPr>
+          <p:spPr>
+            <a:xfrm rot="1200000">
+              <a:off x="3917793" y="3181097"/>
+              <a:ext cx="548640" cy="0"/>
+            </a:xfrm>
+            <a:prstGeom prst="line">
+              <a:avLst/>
+            </a:prstGeom>
+            <a:ln w="6350">
+              <a:solidFill>
+                <a:schemeClr val="tx1"/>
+              </a:solidFill>
+              <a:prstDash val="dash"/>
+            </a:ln>
+          </p:spPr>
+          <p:style>
+            <a:lnRef idx="1">
+              <a:schemeClr val="accent1"/>
+            </a:lnRef>
+            <a:fillRef idx="0">
+              <a:schemeClr val="accent1"/>
+            </a:fillRef>
+            <a:effectRef idx="0">
+              <a:schemeClr val="accent1"/>
+            </a:effectRef>
+            <a:fontRef idx="minor">
+              <a:schemeClr val="tx1"/>
+            </a:fontRef>
+          </p:style>
+        </p:cxnSp>
+        <p:cxnSp>
+          <p:nvCxnSpPr>
+            <p:cNvPr id="26" name="Straight Connector 25">
+              <a:extLst>
+                <a:ext uri="{FF2B5EF4-FFF2-40B4-BE49-F238E27FC236}">
+                  <a16:creationId xmlns:a16="http://schemas.microsoft.com/office/drawing/2014/main" id="{57AE062D-AF3F-42C6-83DD-8B4F70FB14D9}"/>
+                </a:ext>
+              </a:extLst>
+            </p:cNvPr>
+            <p:cNvCxnSpPr/>
+            <p:nvPr/>
+          </p:nvCxnSpPr>
+          <p:spPr>
+            <a:xfrm rot="1200000">
+              <a:off x="3844549" y="3476050"/>
+              <a:ext cx="1371600" cy="0"/>
+            </a:xfrm>
+            <a:prstGeom prst="line">
+              <a:avLst/>
+            </a:prstGeom>
+            <a:ln w="6350">
+              <a:solidFill>
+                <a:schemeClr val="tx1"/>
+              </a:solidFill>
+              <a:prstDash val="dash"/>
+            </a:ln>
+          </p:spPr>
+          <p:style>
+            <a:lnRef idx="1">
+              <a:schemeClr val="accent1"/>
+            </a:lnRef>
+            <a:fillRef idx="0">
+              <a:schemeClr val="accent1"/>
+            </a:fillRef>
+            <a:effectRef idx="0">
+              <a:schemeClr val="accent1"/>
+            </a:effectRef>
+            <a:fontRef idx="minor">
+              <a:schemeClr val="tx1"/>
+            </a:fontRef>
+          </p:style>
+        </p:cxnSp>
+        <p:sp>
+          <p:nvSpPr>
+            <p:cNvPr id="27" name="Right Brace 26">
+              <a:extLst>
+                <a:ext uri="{FF2B5EF4-FFF2-40B4-BE49-F238E27FC236}">
+                  <a16:creationId xmlns:a16="http://schemas.microsoft.com/office/drawing/2014/main" id="{13C48FC6-774E-47EB-A50E-E9365E2D447A}"/>
+                </a:ext>
+              </a:extLst>
+            </p:cNvPr>
+            <p:cNvSpPr/>
+            <p:nvPr/>
+          </p:nvSpPr>
+          <p:spPr>
+            <a:xfrm rot="1200000">
+              <a:off x="4490565" y="3061093"/>
+              <a:ext cx="46101" cy="228600"/>
+            </a:xfrm>
+            <a:prstGeom prst="rightBrace">
+              <a:avLst>
+                <a:gd name="adj1" fmla="val 147059"/>
+                <a:gd name="adj2" fmla="val 50000"/>
+              </a:avLst>
+            </a:prstGeom>
+            <a:ln w="9525">
+              <a:solidFill>
+                <a:schemeClr val="tx1"/>
+              </a:solidFill>
+            </a:ln>
+          </p:spPr>
+          <p:style>
+            <a:lnRef idx="1">
+              <a:schemeClr val="accent1"/>
+            </a:lnRef>
+            <a:fillRef idx="0">
+              <a:schemeClr val="accent1"/>
+            </a:fillRef>
+            <a:effectRef idx="0">
+              <a:schemeClr val="accent1"/>
+            </a:effectRef>
+            <a:fontRef idx="minor">
+              <a:schemeClr val="tx1"/>
+            </a:fontRef>
+          </p:style>
+          <p:txBody>
+            <a:bodyPr rtlCol="0" anchor="ctr"/>
+            <a:lstStyle/>
+            <a:p>
+              <a:pPr algn="ctr"/>
+              <a:endParaRPr lang="en-US"/>
+            </a:p>
+          </p:txBody>
+        </p:sp>
+        <p:sp>
+          <p:nvSpPr>
+            <p:cNvPr id="28" name="TextBox 27">
+              <a:extLst>
+                <a:ext uri="{FF2B5EF4-FFF2-40B4-BE49-F238E27FC236}">
+                  <a16:creationId xmlns:a16="http://schemas.microsoft.com/office/drawing/2014/main" id="{87F9A93D-6DD6-421D-AB0E-F3AAFC09D05A}"/>
+                </a:ext>
+              </a:extLst>
+            </p:cNvPr>
+            <p:cNvSpPr txBox="1"/>
+            <p:nvPr/>
+          </p:nvSpPr>
+          <p:spPr>
+            <a:xfrm>
+              <a:off x="5329078" y="3428981"/>
+              <a:ext cx="258084" cy="215444"/>
+            </a:xfrm>
+            <a:prstGeom prst="rect">
+              <a:avLst/>
+            </a:prstGeom>
+            <a:noFill/>
+          </p:spPr>
+          <p:txBody>
+            <a:bodyPr wrap="none" lIns="0" rIns="0" rtlCol="0">
+              <a:spAutoFit/>
+            </a:bodyPr>
+            <a:lstStyle/>
+            <a:p>
+              <a:r>
+                <a:rPr lang="en-US" altLang="zh-TW" sz="800" dirty="0"/>
+                <a:t>radius</a:t>
+              </a:r>
+              <a:endParaRPr lang="zh-TW" altLang="en-US" sz="800" baseline="-25000" dirty="0"/>
+            </a:p>
+          </p:txBody>
+        </p:sp>
+        <p:grpSp>
+          <p:nvGrpSpPr>
+            <p:cNvPr id="29" name="Group 28">
+              <a:extLst>
+                <a:ext uri="{FF2B5EF4-FFF2-40B4-BE49-F238E27FC236}">
+                  <a16:creationId xmlns:a16="http://schemas.microsoft.com/office/drawing/2014/main" id="{509D5C49-1B37-4EBA-8789-E935F339C01D}"/>
+                </a:ext>
+              </a:extLst>
+            </p:cNvPr>
+            <p:cNvGrpSpPr/>
+            <p:nvPr/>
+          </p:nvGrpSpPr>
+          <p:grpSpPr>
+            <a:xfrm rot="2700000">
+              <a:off x="3399712" y="3270540"/>
+              <a:ext cx="1234441" cy="485440"/>
+              <a:chOff x="2468879" y="2791160"/>
+              <a:chExt cx="1234441" cy="485440"/>
+            </a:xfrm>
+          </p:grpSpPr>
+          <p:sp>
+            <p:nvSpPr>
+              <p:cNvPr id="36" name="Flowchart: Or 35">
+                <a:extLst>
+                  <a:ext uri="{FF2B5EF4-FFF2-40B4-BE49-F238E27FC236}">
+                    <a16:creationId xmlns:a16="http://schemas.microsoft.com/office/drawing/2014/main" id="{60798C1D-A928-433C-9A36-2743E0A3C852}"/>
+                  </a:ext>
+                </a:extLst>
+              </p:cNvPr>
+              <p:cNvSpPr>
+                <a:spLocks noChangeAspect="1"/>
+              </p:cNvSpPr>
+              <p:nvPr/>
+            </p:nvSpPr>
+            <p:spPr>
+              <a:xfrm>
+                <a:off x="2713574" y="2791160"/>
+                <a:ext cx="45719" cy="48409"/>
+              </a:xfrm>
+              <a:prstGeom prst="flowChartOr">
+                <a:avLst/>
+              </a:prstGeom>
+              <a:solidFill>
+                <a:schemeClr val="tx1"/>
+              </a:solidFill>
+              <a:ln w="6350">
+                <a:solidFill>
+                  <a:schemeClr val="tx1"/>
+                </a:solidFill>
+              </a:ln>
+            </p:spPr>
+            <p:style>
+              <a:lnRef idx="2">
+                <a:schemeClr val="accent1">
+                  <a:shade val="50000"/>
+                </a:schemeClr>
+              </a:lnRef>
+              <a:fillRef idx="1">
+                <a:schemeClr val="accent1"/>
+              </a:fillRef>
+              <a:effectRef idx="0">
+                <a:schemeClr val="accent1"/>
+              </a:effectRef>
+              <a:fontRef idx="minor">
+                <a:schemeClr val="lt1"/>
+              </a:fontRef>
+            </p:style>
+            <p:txBody>
+              <a:bodyPr rtlCol="0" anchor="ctr"/>
+              <a:lstStyle/>
+              <a:p>
+                <a:pPr algn="ctr"/>
+                <a:endParaRPr lang="en-US"/>
+              </a:p>
+            </p:txBody>
+          </p:sp>
+          <p:grpSp>
+            <p:nvGrpSpPr>
+              <p:cNvPr id="37" name="Group 36">
+                <a:extLst>
+                  <a:ext uri="{FF2B5EF4-FFF2-40B4-BE49-F238E27FC236}">
+                    <a16:creationId xmlns:a16="http://schemas.microsoft.com/office/drawing/2014/main" id="{9A50CDCC-0BEC-43AF-AD92-3BBD4AEEE23A}"/>
+                  </a:ext>
+                </a:extLst>
+              </p:cNvPr>
+              <p:cNvGrpSpPr/>
+              <p:nvPr/>
+            </p:nvGrpSpPr>
+            <p:grpSpPr>
+              <a:xfrm>
+                <a:off x="2468879" y="2819400"/>
+                <a:ext cx="1234441" cy="457200"/>
+                <a:chOff x="2468879" y="2819400"/>
+                <a:chExt cx="1234441" cy="457200"/>
+              </a:xfrm>
+            </p:grpSpPr>
+            <p:sp>
+              <p:nvSpPr>
+                <p:cNvPr id="38" name="Rectangle 37">
+                  <a:extLst>
+                    <a:ext uri="{FF2B5EF4-FFF2-40B4-BE49-F238E27FC236}">
+                      <a16:creationId xmlns:a16="http://schemas.microsoft.com/office/drawing/2014/main" id="{96365B61-B029-4DDC-B17D-BC272BC8F349}"/>
+                    </a:ext>
+                  </a:extLst>
+                </p:cNvPr>
+                <p:cNvSpPr/>
+                <p:nvPr/>
+              </p:nvSpPr>
+              <p:spPr>
+                <a:xfrm>
+                  <a:off x="2736054" y="2819400"/>
+                  <a:ext cx="685800" cy="457200"/>
+                </a:xfrm>
+                <a:prstGeom prst="rect">
+                  <a:avLst/>
+                </a:prstGeom>
+                <a:noFill/>
+                <a:ln w="12700">
+                  <a:solidFill>
+                    <a:schemeClr val="tx1"/>
+                  </a:solidFill>
+                </a:ln>
+              </p:spPr>
+              <p:style>
+                <a:lnRef idx="2">
+                  <a:schemeClr val="accent1">
+                    <a:shade val="50000"/>
+                  </a:schemeClr>
+                </a:lnRef>
+                <a:fillRef idx="1">
+                  <a:schemeClr val="accent1"/>
+                </a:fillRef>
+                <a:effectRef idx="0">
+                  <a:schemeClr val="accent1"/>
+                </a:effectRef>
+                <a:fontRef idx="minor">
+                  <a:schemeClr val="lt1"/>
+                </a:fontRef>
+              </p:style>
+              <p:txBody>
+                <a:bodyPr rtlCol="0" anchor="ctr"/>
+                <a:lstStyle/>
+                <a:p>
+                  <a:pPr algn="ctr"/>
+                  <a:endParaRPr lang="en-US"/>
+                </a:p>
+              </p:txBody>
+            </p:sp>
+            <p:cxnSp>
+              <p:nvCxnSpPr>
+                <p:cNvPr id="39" name="Straight Connector 38">
+                  <a:extLst>
+                    <a:ext uri="{FF2B5EF4-FFF2-40B4-BE49-F238E27FC236}">
+                      <a16:creationId xmlns:a16="http://schemas.microsoft.com/office/drawing/2014/main" id="{C794751C-6D03-44E8-95F8-253127AFCD13}"/>
+                    </a:ext>
+                  </a:extLst>
+                </p:cNvPr>
+                <p:cNvCxnSpPr/>
+                <p:nvPr/>
+              </p:nvCxnSpPr>
+              <p:spPr>
+                <a:xfrm>
+                  <a:off x="3429000" y="2819400"/>
+                  <a:ext cx="274320" cy="0"/>
+                </a:xfrm>
+                <a:prstGeom prst="line">
+                  <a:avLst/>
+                </a:prstGeom>
+                <a:ln w="6350">
+                  <a:solidFill>
+                    <a:schemeClr val="tx1"/>
+                  </a:solidFill>
+                  <a:prstDash val="dash"/>
+                </a:ln>
+              </p:spPr>
+              <p:style>
+                <a:lnRef idx="1">
+                  <a:schemeClr val="accent1"/>
+                </a:lnRef>
+                <a:fillRef idx="0">
+                  <a:schemeClr val="accent1"/>
+                </a:fillRef>
+                <a:effectRef idx="0">
+                  <a:schemeClr val="accent1"/>
+                </a:effectRef>
+                <a:fontRef idx="minor">
+                  <a:schemeClr val="tx1"/>
+                </a:fontRef>
+              </p:style>
+            </p:cxnSp>
+            <p:cxnSp>
+              <p:nvCxnSpPr>
+                <p:cNvPr id="40" name="Straight Connector 39">
+                  <a:extLst>
+                    <a:ext uri="{FF2B5EF4-FFF2-40B4-BE49-F238E27FC236}">
+                      <a16:creationId xmlns:a16="http://schemas.microsoft.com/office/drawing/2014/main" id="{CEC4CF5F-833D-4C6B-89FF-71BA8F1E2CCE}"/>
+                    </a:ext>
+                  </a:extLst>
+                </p:cNvPr>
+                <p:cNvCxnSpPr/>
+                <p:nvPr/>
+              </p:nvCxnSpPr>
+              <p:spPr>
+                <a:xfrm>
+                  <a:off x="2468879" y="2819400"/>
+                  <a:ext cx="274320" cy="0"/>
+                </a:xfrm>
+                <a:prstGeom prst="line">
+                  <a:avLst/>
+                </a:prstGeom>
+                <a:ln w="6350">
+                  <a:solidFill>
+                    <a:schemeClr val="tx1"/>
+                  </a:solidFill>
+                  <a:prstDash val="dash"/>
+                </a:ln>
+              </p:spPr>
+              <p:style>
+                <a:lnRef idx="1">
+                  <a:schemeClr val="accent1"/>
+                </a:lnRef>
+                <a:fillRef idx="0">
+                  <a:schemeClr val="accent1"/>
+                </a:fillRef>
+                <a:effectRef idx="0">
+                  <a:schemeClr val="accent1"/>
+                </a:effectRef>
+                <a:fontRef idx="minor">
+                  <a:schemeClr val="tx1"/>
+                </a:fontRef>
+              </p:style>
+            </p:cxnSp>
+          </p:grpSp>
+        </p:grpSp>
+        <p:grpSp>
+          <p:nvGrpSpPr>
+            <p:cNvPr id="30" name="Group 29">
+              <a:extLst>
+                <a:ext uri="{FF2B5EF4-FFF2-40B4-BE49-F238E27FC236}">
+                  <a16:creationId xmlns:a16="http://schemas.microsoft.com/office/drawing/2014/main" id="{4E4DFB87-90A8-4FB1-A56C-F619491C8FCC}"/>
+                </a:ext>
+              </a:extLst>
+            </p:cNvPr>
+            <p:cNvGrpSpPr/>
+            <p:nvPr/>
+          </p:nvGrpSpPr>
+          <p:grpSpPr>
+            <a:xfrm>
+              <a:off x="3612024" y="2438243"/>
+              <a:ext cx="822960" cy="822960"/>
+              <a:chOff x="2120815" y="2616887"/>
+              <a:chExt cx="822960" cy="822960"/>
+            </a:xfrm>
+          </p:grpSpPr>
+          <p:sp>
+            <p:nvSpPr>
+              <p:cNvPr id="34" name="Flowchart: Or 33">
+                <a:extLst>
+                  <a:ext uri="{FF2B5EF4-FFF2-40B4-BE49-F238E27FC236}">
+                    <a16:creationId xmlns:a16="http://schemas.microsoft.com/office/drawing/2014/main" id="{7C26F0AB-D46B-4287-BAF7-2EAC46AC2BE4}"/>
+                  </a:ext>
+                </a:extLst>
+              </p:cNvPr>
+              <p:cNvSpPr>
+                <a:spLocks noChangeAspect="1"/>
+              </p:cNvSpPr>
+              <p:nvPr/>
+            </p:nvSpPr>
+            <p:spPr>
+              <a:xfrm>
+                <a:off x="2505764" y="3005507"/>
+                <a:ext cx="43180" cy="45720"/>
+              </a:xfrm>
+              <a:prstGeom prst="flowChartOr">
+                <a:avLst/>
+              </a:prstGeom>
+              <a:solidFill>
+                <a:schemeClr val="tx1"/>
+              </a:solidFill>
+              <a:ln w="6350">
+                <a:solidFill>
+                  <a:schemeClr val="tx1"/>
+                </a:solidFill>
+              </a:ln>
+            </p:spPr>
+            <p:style>
+              <a:lnRef idx="2">
+                <a:schemeClr val="accent1">
+                  <a:shade val="50000"/>
+                </a:schemeClr>
+              </a:lnRef>
+              <a:fillRef idx="1">
+                <a:schemeClr val="accent1"/>
+              </a:fillRef>
+              <a:effectRef idx="0">
+                <a:schemeClr val="accent1"/>
+              </a:effectRef>
+              <a:fontRef idx="minor">
+                <a:schemeClr val="lt1"/>
+              </a:fontRef>
+            </p:style>
+            <p:txBody>
+              <a:bodyPr rtlCol="0" anchor="ctr"/>
+              <a:lstStyle/>
+              <a:p>
+                <a:pPr algn="ctr"/>
+                <a:endParaRPr lang="en-US"/>
+              </a:p>
+            </p:txBody>
+          </p:sp>
+          <p:sp>
+            <p:nvSpPr>
+              <p:cNvPr id="35" name="Oval 34">
+                <a:extLst>
+                  <a:ext uri="{FF2B5EF4-FFF2-40B4-BE49-F238E27FC236}">
+                    <a16:creationId xmlns:a16="http://schemas.microsoft.com/office/drawing/2014/main" id="{955CB684-CA93-4CF0-8BAB-1DED75A48F59}"/>
+                  </a:ext>
+                </a:extLst>
+              </p:cNvPr>
+              <p:cNvSpPr>
+                <a:spLocks noChangeAspect="1"/>
+              </p:cNvSpPr>
+              <p:nvPr/>
+            </p:nvSpPr>
+            <p:spPr>
+              <a:xfrm>
+                <a:off x="2120815" y="2616887"/>
+                <a:ext cx="822960" cy="822960"/>
+              </a:xfrm>
+              <a:prstGeom prst="ellipse">
+                <a:avLst/>
+              </a:prstGeom>
+              <a:noFill/>
+              <a:ln w="12700">
+                <a:solidFill>
+                  <a:schemeClr val="tx1"/>
+                </a:solidFill>
+              </a:ln>
+            </p:spPr>
+            <p:style>
+              <a:lnRef idx="2">
+                <a:schemeClr val="accent1">
+                  <a:shade val="50000"/>
+                </a:schemeClr>
+              </a:lnRef>
+              <a:fillRef idx="1">
+                <a:schemeClr val="accent1"/>
+              </a:fillRef>
+              <a:effectRef idx="0">
+                <a:schemeClr val="accent1"/>
+              </a:effectRef>
+              <a:fontRef idx="minor">
+                <a:schemeClr val="lt1"/>
+              </a:fontRef>
+            </p:style>
+            <p:txBody>
+              <a:bodyPr rtlCol="0" anchor="ctr"/>
+              <a:lstStyle/>
+              <a:p>
+                <a:pPr algn="ctr"/>
+                <a:endParaRPr lang="en-US"/>
+              </a:p>
+            </p:txBody>
+          </p:sp>
+        </p:grpSp>
+        <p:cxnSp>
+          <p:nvCxnSpPr>
+            <p:cNvPr id="31" name="Straight Arrow Connector 30">
+              <a:extLst>
+                <a:ext uri="{FF2B5EF4-FFF2-40B4-BE49-F238E27FC236}">
+                  <a16:creationId xmlns:a16="http://schemas.microsoft.com/office/drawing/2014/main" id="{257A81ED-D772-40CD-B5EA-E7663AA9D7D2}"/>
+                </a:ext>
+              </a:extLst>
+            </p:cNvPr>
+            <p:cNvCxnSpPr/>
+            <p:nvPr/>
+          </p:nvCxnSpPr>
+          <p:spPr>
+            <a:xfrm rot="1200000" flipV="1">
+              <a:off x="3972283" y="2864157"/>
+              <a:ext cx="0" cy="228600"/>
+            </a:xfrm>
+            <a:prstGeom prst="straightConnector1">
+              <a:avLst/>
+            </a:prstGeom>
+            <a:ln w="6350">
+              <a:solidFill>
+                <a:schemeClr val="tx1"/>
+              </a:solidFill>
+              <a:prstDash val="solid"/>
+              <a:tailEnd type="triangle" w="sm" len="sm"/>
+            </a:ln>
+          </p:spPr>
+          <p:style>
+            <a:lnRef idx="1">
+              <a:schemeClr val="accent1"/>
+            </a:lnRef>
+            <a:fillRef idx="0">
+              <a:schemeClr val="accent1"/>
+            </a:fillRef>
+            <a:effectRef idx="0">
+              <a:schemeClr val="accent1"/>
+            </a:effectRef>
+            <a:fontRef idx="minor">
+              <a:schemeClr val="tx1"/>
+            </a:fontRef>
+          </p:style>
+        </p:cxnSp>
+        <p:cxnSp>
+          <p:nvCxnSpPr>
+            <p:cNvPr id="32" name="Straight Connector 31">
+              <a:extLst>
+                <a:ext uri="{FF2B5EF4-FFF2-40B4-BE49-F238E27FC236}">
+                  <a16:creationId xmlns:a16="http://schemas.microsoft.com/office/drawing/2014/main" id="{8E9D7B20-86B8-4FF8-9139-E07AE97DFD8D}"/>
+                </a:ext>
+              </a:extLst>
+            </p:cNvPr>
+            <p:cNvCxnSpPr/>
+            <p:nvPr/>
+          </p:nvCxnSpPr>
+          <p:spPr>
+            <a:xfrm rot="8100000">
+              <a:off x="4385118" y="3552357"/>
+              <a:ext cx="137160" cy="0"/>
+            </a:xfrm>
+            <a:prstGeom prst="line">
+              <a:avLst/>
+            </a:prstGeom>
+            <a:ln w="6350">
+              <a:solidFill>
+                <a:schemeClr val="tx1"/>
+              </a:solidFill>
+              <a:prstDash val="dash"/>
+            </a:ln>
+          </p:spPr>
+          <p:style>
+            <a:lnRef idx="1">
+              <a:schemeClr val="accent1"/>
+            </a:lnRef>
+            <a:fillRef idx="0">
+              <a:schemeClr val="accent1"/>
+            </a:fillRef>
+            <a:effectRef idx="0">
+              <a:schemeClr val="accent1"/>
+            </a:effectRef>
+            <a:fontRef idx="minor">
+              <a:schemeClr val="tx1"/>
+            </a:fontRef>
+          </p:style>
+        </p:cxnSp>
+        <p:cxnSp>
+          <p:nvCxnSpPr>
+            <p:cNvPr id="33" name="Straight Connector 32">
+              <a:extLst>
+                <a:ext uri="{FF2B5EF4-FFF2-40B4-BE49-F238E27FC236}">
+                  <a16:creationId xmlns:a16="http://schemas.microsoft.com/office/drawing/2014/main" id="{5AC2EFFC-CA5D-4635-B745-1C18DB79F245}"/>
+                </a:ext>
+              </a:extLst>
+            </p:cNvPr>
+            <p:cNvCxnSpPr/>
+            <p:nvPr/>
+          </p:nvCxnSpPr>
+          <p:spPr>
+            <a:xfrm rot="8100000">
+              <a:off x="3908459" y="3059637"/>
+              <a:ext cx="137160" cy="0"/>
+            </a:xfrm>
+            <a:prstGeom prst="line">
+              <a:avLst/>
+            </a:prstGeom>
+            <a:ln w="6350">
+              <a:solidFill>
+                <a:schemeClr val="tx1"/>
+              </a:solidFill>
+              <a:prstDash val="dash"/>
+            </a:ln>
+          </p:spPr>
+          <p:style>
+            <a:lnRef idx="1">
+              <a:schemeClr val="accent1"/>
+            </a:lnRef>
+            <a:fillRef idx="0">
+              <a:schemeClr val="accent1"/>
+            </a:fillRef>
+            <a:effectRef idx="0">
+              <a:schemeClr val="accent1"/>
+            </a:effectRef>
+            <a:fontRef idx="minor">
+              <a:schemeClr val="tx1"/>
+            </a:fontRef>
+          </p:style>
+        </p:cxnSp>
+      </p:grpSp>
+    </p:spTree>
+    <p:extLst>
+      <p:ext uri="{BB962C8B-B14F-4D97-AF65-F5344CB8AC3E}">
+        <p14:creationId xmlns:p14="http://schemas.microsoft.com/office/powerpoint/2010/main" val="3429619858"/>
+      </p:ext>
+    </p:extLst>
+  </p:cSld>
+  <p:clrMapOvr>
+    <a:masterClrMapping/>
+  </p:clrMapOvr>
+</p:sld>
+</file>
+
+<file path=ppt/slides/slide14.xml><?xml version="1.0" encoding="utf-8"?>
+<p:sld xmlns:a="http://schemas.openxmlformats.org/drawingml/2006/main" xmlns:r="http://schemas.openxmlformats.org/officeDocument/2006/relationships" xmlns:p="http://schemas.openxmlformats.org/presentationml/2006/main">
+  <p:cSld>
+    <p:spTree>
+      <p:nvGrpSpPr>
+        <p:cNvPr id="1" name=""/>
+        <p:cNvGrpSpPr/>
+        <p:nvPr/>
+      </p:nvGrpSpPr>
+      <p:grpSpPr>
+        <a:xfrm>
+          <a:off x="0" y="0"/>
+          <a:ext cx="0" cy="0"/>
+          <a:chOff x="0" y="0"/>
+          <a:chExt cx="0" cy="0"/>
+        </a:xfrm>
+      </p:grpSpPr>
+      <p:sp>
+        <p:nvSpPr>
+          <p:cNvPr id="3" name="Rectangle 2">
+            <a:extLst>
+              <a:ext uri="{FF2B5EF4-FFF2-40B4-BE49-F238E27FC236}">
+                <a16:creationId xmlns:a16="http://schemas.microsoft.com/office/drawing/2014/main" id="{3540B538-F299-475B-8E49-13281C86F7AA}"/>
+              </a:ext>
+            </a:extLst>
+          </p:cNvPr>
+          <p:cNvSpPr/>
+          <p:nvPr/>
+        </p:nvSpPr>
+        <p:spPr>
+          <a:xfrm>
+            <a:off x="1756683" y="1831033"/>
+            <a:ext cx="4267200" cy="2324099"/>
+          </a:xfrm>
+          <a:prstGeom prst="rect">
+            <a:avLst/>
+          </a:prstGeom>
+          <a:noFill/>
+          <a:ln w="9525">
+            <a:prstDash val="sysDash"/>
+          </a:ln>
+        </p:spPr>
+        <p:style>
+          <a:lnRef idx="2">
+            <a:schemeClr val="accent1">
+              <a:shade val="50000"/>
+            </a:schemeClr>
+          </a:lnRef>
+          <a:fillRef idx="1">
+            <a:schemeClr val="accent1"/>
+          </a:fillRef>
+          <a:effectRef idx="0">
+            <a:schemeClr val="accent1"/>
+          </a:effectRef>
+          <a:fontRef idx="minor">
+            <a:schemeClr val="lt1"/>
+          </a:fontRef>
+        </p:style>
+        <p:txBody>
+          <a:bodyPr rtlCol="0" anchor="ctr"/>
+          <a:lstStyle/>
+          <a:p>
+            <a:pPr algn="ctr"/>
+            <a:endParaRPr lang="en-US" sz="800"/>
+          </a:p>
+        </p:txBody>
+      </p:sp>
+      <p:sp>
+        <p:nvSpPr>
+          <p:cNvPr id="4" name="TextBox 3">
+            <a:extLst>
+              <a:ext uri="{FF2B5EF4-FFF2-40B4-BE49-F238E27FC236}">
+                <a16:creationId xmlns:a16="http://schemas.microsoft.com/office/drawing/2014/main" id="{DECCB791-C196-4BE6-9771-4CA1B51A3212}"/>
+              </a:ext>
+            </a:extLst>
+          </p:cNvPr>
+          <p:cNvSpPr txBox="1"/>
+          <p:nvPr/>
+        </p:nvSpPr>
+        <p:spPr>
+          <a:xfrm>
+            <a:off x="2953968" y="4724400"/>
+            <a:ext cx="2125158" cy="338554"/>
+          </a:xfrm>
+          <a:prstGeom prst="rect">
+            <a:avLst/>
+          </a:prstGeom>
+          <a:noFill/>
+          <a:ln>
+            <a:noFill/>
+          </a:ln>
+        </p:spPr>
+        <p:txBody>
+          <a:bodyPr wrap="square" lIns="0" rIns="0" rtlCol="0">
+            <a:spAutoFit/>
+          </a:bodyPr>
+          <a:lstStyle/>
+          <a:p>
+            <a:r>
+              <a:rPr lang="en-US" altLang="zh-CN" sz="1600" dirty="0"/>
               <a:t>Figure 9</a:t>
             </a:r>
             <a:r>
-              <a:rPr lang="en-US" altLang="zh-TW" sz="1600"/>
-              <a:t>-17</a:t>
-            </a:r>
-            <a:endParaRPr lang="en-US" altLang="zh-TW" sz="1600" dirty="0"/>
+              <a:rPr lang="en-US" altLang="zh-TW" sz="1600" dirty="0"/>
+              <a:t>-18</a:t>
+            </a:r>
           </a:p>
         </p:txBody>
       </p:sp>

--- a/Word/Diagrams/chapter9/chap 9.figures.pptx
+++ b/Word/Diagrams/chapter9/chap 9.figures.pptx
@@ -5,7 +5,7 @@
     <p:sldMasterId id="2147483660" r:id="rId1"/>
   </p:sldMasterIdLst>
   <p:notesMasterIdLst>
-    <p:notesMasterId r:id="rId16"/>
+    <p:notesMasterId r:id="rId18"/>
   </p:notesMasterIdLst>
   <p:sldIdLst>
     <p:sldId id="306" r:id="rId2"/>
@@ -22,6 +22,8 @@
     <p:sldId id="315" r:id="rId13"/>
     <p:sldId id="317" r:id="rId14"/>
     <p:sldId id="316" r:id="rId15"/>
+    <p:sldId id="318" r:id="rId16"/>
+    <p:sldId id="319" r:id="rId17"/>
   </p:sldIdLst>
   <p:sldSz cx="9144000" cy="6858000" type="screen4x3"/>
   <p:notesSz cx="6858000" cy="9144000"/>
@@ -222,7 +224,7 @@
             <a:fld id="{9CCF083D-F2BC-4786-8C77-844DFCD3515B}" type="datetimeFigureOut">
               <a:rPr lang="zh-TW" altLang="en-US" smtClean="0"/>
               <a:pPr/>
-              <a:t>2021/6/15</a:t>
+              <a:t>2021/6/22</a:t>
             </a:fld>
             <a:endParaRPr lang="zh-TW" altLang="en-US"/>
           </a:p>
@@ -686,7 +688,7 @@
             <a:fld id="{E3D07B0C-BD95-41BE-BB3E-AC75822DF381}" type="datetimeFigureOut">
               <a:rPr lang="en-US" smtClean="0"/>
               <a:pPr/>
-              <a:t>6/15/2021</a:t>
+              <a:t>6/22/2021</a:t>
             </a:fld>
             <a:endParaRPr lang="en-US" dirty="0"/>
           </a:p>
@@ -851,7 +853,7 @@
             <a:fld id="{E3D07B0C-BD95-41BE-BB3E-AC75822DF381}" type="datetimeFigureOut">
               <a:rPr lang="en-US" smtClean="0"/>
               <a:pPr/>
-              <a:t>6/15/2021</a:t>
+              <a:t>6/22/2021</a:t>
             </a:fld>
             <a:endParaRPr lang="en-US" dirty="0"/>
           </a:p>
@@ -1027,7 +1029,7 @@
             <a:fld id="{E3D07B0C-BD95-41BE-BB3E-AC75822DF381}" type="datetimeFigureOut">
               <a:rPr lang="en-US" smtClean="0"/>
               <a:pPr/>
-              <a:t>6/15/2021</a:t>
+              <a:t>6/22/2021</a:t>
             </a:fld>
             <a:endParaRPr lang="en-US" dirty="0"/>
           </a:p>
@@ -1192,7 +1194,7 @@
             <a:fld id="{E3D07B0C-BD95-41BE-BB3E-AC75822DF381}" type="datetimeFigureOut">
               <a:rPr lang="en-US" smtClean="0"/>
               <a:pPr/>
-              <a:t>6/15/2021</a:t>
+              <a:t>6/22/2021</a:t>
             </a:fld>
             <a:endParaRPr lang="en-US" dirty="0"/>
           </a:p>
@@ -1435,7 +1437,7 @@
             <a:fld id="{E3D07B0C-BD95-41BE-BB3E-AC75822DF381}" type="datetimeFigureOut">
               <a:rPr lang="en-US" smtClean="0"/>
               <a:pPr/>
-              <a:t>6/15/2021</a:t>
+              <a:t>6/22/2021</a:t>
             </a:fld>
             <a:endParaRPr lang="en-US" dirty="0"/>
           </a:p>
@@ -1719,7 +1721,7 @@
             <a:fld id="{E3D07B0C-BD95-41BE-BB3E-AC75822DF381}" type="datetimeFigureOut">
               <a:rPr lang="en-US" smtClean="0"/>
               <a:pPr/>
-              <a:t>6/15/2021</a:t>
+              <a:t>6/22/2021</a:t>
             </a:fld>
             <a:endParaRPr lang="en-US" dirty="0"/>
           </a:p>
@@ -2148,7 +2150,7 @@
             <a:fld id="{E3D07B0C-BD95-41BE-BB3E-AC75822DF381}" type="datetimeFigureOut">
               <a:rPr lang="en-US" smtClean="0"/>
               <a:pPr/>
-              <a:t>6/15/2021</a:t>
+              <a:t>6/22/2021</a:t>
             </a:fld>
             <a:endParaRPr lang="en-US" dirty="0"/>
           </a:p>
@@ -2262,7 +2264,7 @@
             <a:fld id="{E3D07B0C-BD95-41BE-BB3E-AC75822DF381}" type="datetimeFigureOut">
               <a:rPr lang="en-US" smtClean="0"/>
               <a:pPr/>
-              <a:t>6/15/2021</a:t>
+              <a:t>6/22/2021</a:t>
             </a:fld>
             <a:endParaRPr lang="en-US" dirty="0"/>
           </a:p>
@@ -2354,7 +2356,7 @@
             <a:fld id="{E3D07B0C-BD95-41BE-BB3E-AC75822DF381}" type="datetimeFigureOut">
               <a:rPr lang="en-US" smtClean="0"/>
               <a:pPr/>
-              <a:t>6/15/2021</a:t>
+              <a:t>6/22/2021</a:t>
             </a:fld>
             <a:endParaRPr lang="en-US" dirty="0"/>
           </a:p>
@@ -2545,7 +2547,7 @@
             <a:fld id="{E3D07B0C-BD95-41BE-BB3E-AC75822DF381}" type="datetimeFigureOut">
               <a:rPr lang="en-US" smtClean="0"/>
               <a:pPr/>
-              <a:t>6/15/2021</a:t>
+              <a:t>6/22/2021</a:t>
             </a:fld>
             <a:endParaRPr lang="en-US" dirty="0"/>
           </a:p>
@@ -2863,7 +2865,7 @@
             <a:fld id="{E3D07B0C-BD95-41BE-BB3E-AC75822DF381}" type="datetimeFigureOut">
               <a:rPr lang="en-US" smtClean="0"/>
               <a:pPr/>
-              <a:t>6/15/2021</a:t>
+              <a:t>6/22/2021</a:t>
             </a:fld>
             <a:endParaRPr lang="en-US" dirty="0"/>
           </a:p>
@@ -3245,7 +3247,7 @@
             <a:fld id="{E3D07B0C-BD95-41BE-BB3E-AC75822DF381}" type="datetimeFigureOut">
               <a:rPr lang="en-US" smtClean="0"/>
               <a:pPr/>
-              <a:t>6/15/2021</a:t>
+              <a:t>6/22/2021</a:t>
             </a:fld>
             <a:endParaRPr lang="en-US" dirty="0"/>
           </a:p>
@@ -10736,8 +10738,8 @@
             </a:fontRef>
           </p:style>
         </p:cxnSp>
-        <mc:AlternateContent xmlns:mc="http://schemas.openxmlformats.org/markup-compatibility/2006">
-          <mc:Choice xmlns:a14="http://schemas.microsoft.com/office/drawing/2010/main" Requires="a14">
+        <mc:AlternateContent xmlns:mc="http://schemas.openxmlformats.org/markup-compatibility/2006" xmlns:a14="http://schemas.microsoft.com/office/drawing/2010/main">
+          <mc:Choice Requires="a14">
             <p:sp>
               <p:nvSpPr>
                 <p:cNvPr id="13" name="TextBox 12">
@@ -10802,7 +10804,7 @@
               </p:txBody>
             </p:sp>
           </mc:Choice>
-          <mc:Fallback>
+          <mc:Fallback xmlns="">
             <p:sp>
               <p:nvSpPr>
                 <p:cNvPr id="13" name="TextBox 12">
@@ -13012,6 +13014,4005 @@
 </p:sld>
 </file>
 
+<file path=ppt/slides/slide15.xml><?xml version="1.0" encoding="utf-8"?>
+<p:sld xmlns:a="http://schemas.openxmlformats.org/drawingml/2006/main" xmlns:r="http://schemas.openxmlformats.org/officeDocument/2006/relationships" xmlns:p="http://schemas.openxmlformats.org/presentationml/2006/main">
+  <p:cSld>
+    <p:spTree>
+      <p:nvGrpSpPr>
+        <p:cNvPr id="1" name=""/>
+        <p:cNvGrpSpPr/>
+        <p:nvPr/>
+      </p:nvGrpSpPr>
+      <p:grpSpPr>
+        <a:xfrm>
+          <a:off x="0" y="0"/>
+          <a:ext cx="0" cy="0"/>
+          <a:chOff x="0" y="0"/>
+          <a:chExt cx="0" cy="0"/>
+        </a:xfrm>
+      </p:grpSpPr>
+      <p:sp>
+        <p:nvSpPr>
+          <p:cNvPr id="2" name="Rectangle 1">
+            <a:extLst>
+              <a:ext uri="{FF2B5EF4-FFF2-40B4-BE49-F238E27FC236}">
+                <a16:creationId xmlns:a16="http://schemas.microsoft.com/office/drawing/2014/main" id="{5548AA9C-172F-4FBA-8B34-80EDFF0B3DD4}"/>
+              </a:ext>
+            </a:extLst>
+          </p:cNvPr>
+          <p:cNvSpPr/>
+          <p:nvPr/>
+        </p:nvSpPr>
+        <p:spPr>
+          <a:xfrm>
+            <a:off x="1652016" y="1829016"/>
+            <a:ext cx="4267200" cy="2324099"/>
+          </a:xfrm>
+          <a:prstGeom prst="rect">
+            <a:avLst/>
+          </a:prstGeom>
+          <a:noFill/>
+          <a:ln w="9525">
+            <a:prstDash val="sysDash"/>
+          </a:ln>
+        </p:spPr>
+        <p:style>
+          <a:lnRef idx="2">
+            <a:schemeClr val="accent1">
+              <a:shade val="50000"/>
+            </a:schemeClr>
+          </a:lnRef>
+          <a:fillRef idx="1">
+            <a:schemeClr val="accent1"/>
+          </a:fillRef>
+          <a:effectRef idx="0">
+            <a:schemeClr val="accent1"/>
+          </a:effectRef>
+          <a:fontRef idx="minor">
+            <a:schemeClr val="lt1"/>
+          </a:fontRef>
+        </p:style>
+        <p:txBody>
+          <a:bodyPr rtlCol="0" anchor="ctr"/>
+          <a:lstStyle/>
+          <a:p>
+            <a:pPr algn="ctr"/>
+            <a:endParaRPr lang="en-US" sz="800"/>
+          </a:p>
+        </p:txBody>
+      </p:sp>
+      <p:sp>
+        <p:nvSpPr>
+          <p:cNvPr id="3" name="Freeform 13">
+            <a:extLst>
+              <a:ext uri="{FF2B5EF4-FFF2-40B4-BE49-F238E27FC236}">
+                <a16:creationId xmlns:a16="http://schemas.microsoft.com/office/drawing/2014/main" id="{B705570D-605C-43CB-BC3B-94455E6D7419}"/>
+              </a:ext>
+            </a:extLst>
+          </p:cNvPr>
+          <p:cNvSpPr/>
+          <p:nvPr/>
+        </p:nvSpPr>
+        <p:spPr>
+          <a:xfrm>
+            <a:off x="3341725" y="3271884"/>
+            <a:ext cx="203752" cy="461918"/>
+          </a:xfrm>
+          <a:custGeom>
+            <a:avLst/>
+            <a:gdLst>
+              <a:gd name="connsiteX0" fmla="*/ 156390 w 156390"/>
+              <a:gd name="connsiteY0" fmla="*/ 0 h 567708"/>
+              <a:gd name="connsiteX1" fmla="*/ 378 w 156390"/>
+              <a:gd name="connsiteY1" fmla="*/ 177679 h 567708"/>
+              <a:gd name="connsiteX2" fmla="*/ 113053 w 156390"/>
+              <a:gd name="connsiteY2" fmla="*/ 407363 h 567708"/>
+              <a:gd name="connsiteX3" fmla="*/ 130388 w 156390"/>
+              <a:gd name="connsiteY3" fmla="*/ 567708 h 567708"/>
+              <a:gd name="connsiteX4" fmla="*/ 130388 w 156390"/>
+              <a:gd name="connsiteY4" fmla="*/ 567708 h 567708"/>
+              <a:gd name="connsiteX0" fmla="*/ 156390 w 157057"/>
+              <a:gd name="connsiteY0" fmla="*/ 0 h 567708"/>
+              <a:gd name="connsiteX1" fmla="*/ 378 w 157057"/>
+              <a:gd name="connsiteY1" fmla="*/ 177679 h 567708"/>
+              <a:gd name="connsiteX2" fmla="*/ 113053 w 157057"/>
+              <a:gd name="connsiteY2" fmla="*/ 407363 h 567708"/>
+              <a:gd name="connsiteX3" fmla="*/ 130388 w 157057"/>
+              <a:gd name="connsiteY3" fmla="*/ 567708 h 567708"/>
+              <a:gd name="connsiteX4" fmla="*/ 130388 w 157057"/>
+              <a:gd name="connsiteY4" fmla="*/ 567708 h 567708"/>
+              <a:gd name="connsiteX0" fmla="*/ 156390 w 168460"/>
+              <a:gd name="connsiteY0" fmla="*/ 0 h 567708"/>
+              <a:gd name="connsiteX1" fmla="*/ 378 w 168460"/>
+              <a:gd name="connsiteY1" fmla="*/ 177679 h 567708"/>
+              <a:gd name="connsiteX2" fmla="*/ 113053 w 168460"/>
+              <a:gd name="connsiteY2" fmla="*/ 407363 h 567708"/>
+              <a:gd name="connsiteX3" fmla="*/ 130388 w 168460"/>
+              <a:gd name="connsiteY3" fmla="*/ 567708 h 567708"/>
+              <a:gd name="connsiteX4" fmla="*/ 130388 w 168460"/>
+              <a:gd name="connsiteY4" fmla="*/ 567708 h 567708"/>
+              <a:gd name="connsiteX0" fmla="*/ 139118 w 152058"/>
+              <a:gd name="connsiteY0" fmla="*/ 0 h 567708"/>
+              <a:gd name="connsiteX1" fmla="*/ 441 w 152058"/>
+              <a:gd name="connsiteY1" fmla="*/ 234016 h 567708"/>
+              <a:gd name="connsiteX2" fmla="*/ 95781 w 152058"/>
+              <a:gd name="connsiteY2" fmla="*/ 407363 h 567708"/>
+              <a:gd name="connsiteX3" fmla="*/ 113116 w 152058"/>
+              <a:gd name="connsiteY3" fmla="*/ 567708 h 567708"/>
+              <a:gd name="connsiteX4" fmla="*/ 113116 w 152058"/>
+              <a:gd name="connsiteY4" fmla="*/ 567708 h 567708"/>
+              <a:gd name="connsiteX0" fmla="*/ 138981 w 197949"/>
+              <a:gd name="connsiteY0" fmla="*/ 0 h 567708"/>
+              <a:gd name="connsiteX1" fmla="*/ 304 w 197949"/>
+              <a:gd name="connsiteY1" fmla="*/ 234016 h 567708"/>
+              <a:gd name="connsiteX2" fmla="*/ 195318 w 197949"/>
+              <a:gd name="connsiteY2" fmla="*/ 312023 h 567708"/>
+              <a:gd name="connsiteX3" fmla="*/ 112979 w 197949"/>
+              <a:gd name="connsiteY3" fmla="*/ 567708 h 567708"/>
+              <a:gd name="connsiteX4" fmla="*/ 112979 w 197949"/>
+              <a:gd name="connsiteY4" fmla="*/ 567708 h 567708"/>
+              <a:gd name="connsiteX0" fmla="*/ 138964 w 197932"/>
+              <a:gd name="connsiteY0" fmla="*/ 0 h 567708"/>
+              <a:gd name="connsiteX1" fmla="*/ 287 w 197932"/>
+              <a:gd name="connsiteY1" fmla="*/ 234016 h 567708"/>
+              <a:gd name="connsiteX2" fmla="*/ 195301 w 197932"/>
+              <a:gd name="connsiteY2" fmla="*/ 312023 h 567708"/>
+              <a:gd name="connsiteX3" fmla="*/ 112962 w 197932"/>
+              <a:gd name="connsiteY3" fmla="*/ 567708 h 567708"/>
+              <a:gd name="connsiteX4" fmla="*/ 112962 w 197932"/>
+              <a:gd name="connsiteY4" fmla="*/ 567708 h 567708"/>
+              <a:gd name="connsiteX0" fmla="*/ 108671 w 166544"/>
+              <a:gd name="connsiteY0" fmla="*/ 0 h 567708"/>
+              <a:gd name="connsiteX1" fmla="*/ 330 w 166544"/>
+              <a:gd name="connsiteY1" fmla="*/ 303355 h 567708"/>
+              <a:gd name="connsiteX2" fmla="*/ 165008 w 166544"/>
+              <a:gd name="connsiteY2" fmla="*/ 312023 h 567708"/>
+              <a:gd name="connsiteX3" fmla="*/ 82669 w 166544"/>
+              <a:gd name="connsiteY3" fmla="*/ 567708 h 567708"/>
+              <a:gd name="connsiteX4" fmla="*/ 82669 w 166544"/>
+              <a:gd name="connsiteY4" fmla="*/ 567708 h 567708"/>
+              <a:gd name="connsiteX0" fmla="*/ 108831 w 179543"/>
+              <a:gd name="connsiteY0" fmla="*/ 0 h 567708"/>
+              <a:gd name="connsiteX1" fmla="*/ 490 w 179543"/>
+              <a:gd name="connsiteY1" fmla="*/ 303355 h 567708"/>
+              <a:gd name="connsiteX2" fmla="*/ 178169 w 179543"/>
+              <a:gd name="connsiteY2" fmla="*/ 403030 h 567708"/>
+              <a:gd name="connsiteX3" fmla="*/ 82829 w 179543"/>
+              <a:gd name="connsiteY3" fmla="*/ 567708 h 567708"/>
+              <a:gd name="connsiteX4" fmla="*/ 82829 w 179543"/>
+              <a:gd name="connsiteY4" fmla="*/ 567708 h 567708"/>
+              <a:gd name="connsiteX0" fmla="*/ 115928 w 203752"/>
+              <a:gd name="connsiteY0" fmla="*/ 0 h 539876"/>
+              <a:gd name="connsiteX1" fmla="*/ 12350 w 203752"/>
+              <a:gd name="connsiteY1" fmla="*/ 275523 h 539876"/>
+              <a:gd name="connsiteX2" fmla="*/ 190029 w 203752"/>
+              <a:gd name="connsiteY2" fmla="*/ 375198 h 539876"/>
+              <a:gd name="connsiteX3" fmla="*/ 94689 w 203752"/>
+              <a:gd name="connsiteY3" fmla="*/ 539876 h 539876"/>
+              <a:gd name="connsiteX4" fmla="*/ 94689 w 203752"/>
+              <a:gd name="connsiteY4" fmla="*/ 539876 h 539876"/>
+              <a:gd name="connsiteX0" fmla="*/ 115928 w 203752"/>
+              <a:gd name="connsiteY0" fmla="*/ 0 h 539876"/>
+              <a:gd name="connsiteX1" fmla="*/ 12350 w 203752"/>
+              <a:gd name="connsiteY1" fmla="*/ 275523 h 539876"/>
+              <a:gd name="connsiteX2" fmla="*/ 190029 w 203752"/>
+              <a:gd name="connsiteY2" fmla="*/ 375198 h 539876"/>
+              <a:gd name="connsiteX3" fmla="*/ 94689 w 203752"/>
+              <a:gd name="connsiteY3" fmla="*/ 539876 h 539876"/>
+              <a:gd name="connsiteX4" fmla="*/ 94689 w 203752"/>
+              <a:gd name="connsiteY4" fmla="*/ 539876 h 539876"/>
+            </a:gdLst>
+            <a:ahLst/>
+            <a:cxnLst>
+              <a:cxn ang="0">
+                <a:pos x="connsiteX0" y="connsiteY0"/>
+              </a:cxn>
+              <a:cxn ang="0">
+                <a:pos x="connsiteX1" y="connsiteY1"/>
+              </a:cxn>
+              <a:cxn ang="0">
+                <a:pos x="connsiteX2" y="connsiteY2"/>
+              </a:cxn>
+              <a:cxn ang="0">
+                <a:pos x="connsiteX3" y="connsiteY3"/>
+              </a:cxn>
+              <a:cxn ang="0">
+                <a:pos x="connsiteX4" y="connsiteY4"/>
+              </a:cxn>
+            </a:cxnLst>
+            <a:rect l="l" t="t" r="r" b="b"/>
+            <a:pathLst>
+              <a:path w="203752" h="539876">
+                <a:moveTo>
+                  <a:pt x="115928" y="0"/>
+                </a:moveTo>
+                <a:cubicBezTo>
+                  <a:pt x="90818" y="56722"/>
+                  <a:pt x="0" y="212990"/>
+                  <a:pt x="12350" y="275523"/>
+                </a:cubicBezTo>
+                <a:cubicBezTo>
+                  <a:pt x="24700" y="338056"/>
+                  <a:pt x="176306" y="331139"/>
+                  <a:pt x="190029" y="375198"/>
+                </a:cubicBezTo>
+                <a:cubicBezTo>
+                  <a:pt x="203752" y="419257"/>
+                  <a:pt x="110579" y="512430"/>
+                  <a:pt x="94689" y="539876"/>
+                </a:cubicBezTo>
+                <a:lnTo>
+                  <a:pt x="94689" y="539876"/>
+                </a:lnTo>
+              </a:path>
+            </a:pathLst>
+          </a:custGeom>
+          <a:noFill/>
+          <a:ln w="6350">
+            <a:solidFill>
+              <a:schemeClr val="tx1"/>
+            </a:solidFill>
+            <a:headEnd type="arrow" w="sm" len="sm"/>
+          </a:ln>
+        </p:spPr>
+        <p:style>
+          <a:lnRef idx="2">
+            <a:schemeClr val="accent1">
+              <a:shade val="50000"/>
+            </a:schemeClr>
+          </a:lnRef>
+          <a:fillRef idx="1">
+            <a:schemeClr val="accent1"/>
+          </a:fillRef>
+          <a:effectRef idx="0">
+            <a:schemeClr val="accent1"/>
+          </a:effectRef>
+          <a:fontRef idx="minor">
+            <a:schemeClr val="lt1"/>
+          </a:fontRef>
+        </p:style>
+        <p:txBody>
+          <a:bodyPr rtlCol="0" anchor="ctr"/>
+          <a:lstStyle/>
+          <a:p>
+            <a:pPr algn="ctr"/>
+            <a:endParaRPr lang="en-US"/>
+          </a:p>
+        </p:txBody>
+      </p:sp>
+      <p:sp>
+        <p:nvSpPr>
+          <p:cNvPr id="4" name="TextBox 3">
+            <a:extLst>
+              <a:ext uri="{FF2B5EF4-FFF2-40B4-BE49-F238E27FC236}">
+                <a16:creationId xmlns:a16="http://schemas.microsoft.com/office/drawing/2014/main" id="{0E6D020B-6A78-49BB-B9C8-BB7FF4F96C0B}"/>
+              </a:ext>
+            </a:extLst>
+          </p:cNvPr>
+          <p:cNvSpPr txBox="1"/>
+          <p:nvPr/>
+        </p:nvSpPr>
+        <p:spPr>
+          <a:xfrm>
+            <a:off x="3257876" y="3679686"/>
+            <a:ext cx="370958" cy="338554"/>
+          </a:xfrm>
+          <a:prstGeom prst="rect">
+            <a:avLst/>
+          </a:prstGeom>
+          <a:noFill/>
+          <a:ln>
+            <a:noFill/>
+          </a:ln>
+        </p:spPr>
+        <p:txBody>
+          <a:bodyPr wrap="square" lIns="0" rIns="0" rtlCol="0">
+            <a:spAutoFit/>
+          </a:bodyPr>
+          <a:lstStyle/>
+          <a:p>
+            <a:pPr algn="ctr"/>
+            <a:r>
+              <a:rPr lang="en-US" altLang="zh-TW" sz="800" dirty="0"/>
+              <a:t>Previous</a:t>
+            </a:r>
+          </a:p>
+          <a:p>
+            <a:pPr algn="ctr"/>
+            <a:r>
+              <a:rPr lang="en-US" altLang="zh-TW" sz="800" dirty="0"/>
+              <a:t>update</a:t>
+            </a:r>
+            <a:endParaRPr lang="zh-TW" altLang="en-US" sz="800" dirty="0"/>
+          </a:p>
+        </p:txBody>
+      </p:sp>
+      <p:sp>
+        <p:nvSpPr>
+          <p:cNvPr id="5" name="Freeform 16">
+            <a:extLst>
+              <a:ext uri="{FF2B5EF4-FFF2-40B4-BE49-F238E27FC236}">
+                <a16:creationId xmlns:a16="http://schemas.microsoft.com/office/drawing/2014/main" id="{5AC85C6B-F813-4C9E-8640-53C95FD45734}"/>
+              </a:ext>
+            </a:extLst>
+          </p:cNvPr>
+          <p:cNvSpPr/>
+          <p:nvPr/>
+        </p:nvSpPr>
+        <p:spPr>
+          <a:xfrm>
+            <a:off x="4327689" y="2782203"/>
+            <a:ext cx="207603" cy="951598"/>
+          </a:xfrm>
+          <a:custGeom>
+            <a:avLst/>
+            <a:gdLst>
+              <a:gd name="connsiteX0" fmla="*/ 156390 w 156390"/>
+              <a:gd name="connsiteY0" fmla="*/ 0 h 567708"/>
+              <a:gd name="connsiteX1" fmla="*/ 378 w 156390"/>
+              <a:gd name="connsiteY1" fmla="*/ 177679 h 567708"/>
+              <a:gd name="connsiteX2" fmla="*/ 113053 w 156390"/>
+              <a:gd name="connsiteY2" fmla="*/ 407363 h 567708"/>
+              <a:gd name="connsiteX3" fmla="*/ 130388 w 156390"/>
+              <a:gd name="connsiteY3" fmla="*/ 567708 h 567708"/>
+              <a:gd name="connsiteX4" fmla="*/ 130388 w 156390"/>
+              <a:gd name="connsiteY4" fmla="*/ 567708 h 567708"/>
+              <a:gd name="connsiteX0" fmla="*/ 156390 w 157057"/>
+              <a:gd name="connsiteY0" fmla="*/ 0 h 567708"/>
+              <a:gd name="connsiteX1" fmla="*/ 378 w 157057"/>
+              <a:gd name="connsiteY1" fmla="*/ 177679 h 567708"/>
+              <a:gd name="connsiteX2" fmla="*/ 113053 w 157057"/>
+              <a:gd name="connsiteY2" fmla="*/ 407363 h 567708"/>
+              <a:gd name="connsiteX3" fmla="*/ 130388 w 157057"/>
+              <a:gd name="connsiteY3" fmla="*/ 567708 h 567708"/>
+              <a:gd name="connsiteX4" fmla="*/ 130388 w 157057"/>
+              <a:gd name="connsiteY4" fmla="*/ 567708 h 567708"/>
+              <a:gd name="connsiteX0" fmla="*/ 156390 w 168460"/>
+              <a:gd name="connsiteY0" fmla="*/ 0 h 567708"/>
+              <a:gd name="connsiteX1" fmla="*/ 378 w 168460"/>
+              <a:gd name="connsiteY1" fmla="*/ 177679 h 567708"/>
+              <a:gd name="connsiteX2" fmla="*/ 113053 w 168460"/>
+              <a:gd name="connsiteY2" fmla="*/ 407363 h 567708"/>
+              <a:gd name="connsiteX3" fmla="*/ 130388 w 168460"/>
+              <a:gd name="connsiteY3" fmla="*/ 567708 h 567708"/>
+              <a:gd name="connsiteX4" fmla="*/ 130388 w 168460"/>
+              <a:gd name="connsiteY4" fmla="*/ 567708 h 567708"/>
+              <a:gd name="connsiteX0" fmla="*/ 139118 w 152058"/>
+              <a:gd name="connsiteY0" fmla="*/ 0 h 567708"/>
+              <a:gd name="connsiteX1" fmla="*/ 441 w 152058"/>
+              <a:gd name="connsiteY1" fmla="*/ 234016 h 567708"/>
+              <a:gd name="connsiteX2" fmla="*/ 95781 w 152058"/>
+              <a:gd name="connsiteY2" fmla="*/ 407363 h 567708"/>
+              <a:gd name="connsiteX3" fmla="*/ 113116 w 152058"/>
+              <a:gd name="connsiteY3" fmla="*/ 567708 h 567708"/>
+              <a:gd name="connsiteX4" fmla="*/ 113116 w 152058"/>
+              <a:gd name="connsiteY4" fmla="*/ 567708 h 567708"/>
+              <a:gd name="connsiteX0" fmla="*/ 138981 w 197949"/>
+              <a:gd name="connsiteY0" fmla="*/ 0 h 567708"/>
+              <a:gd name="connsiteX1" fmla="*/ 304 w 197949"/>
+              <a:gd name="connsiteY1" fmla="*/ 234016 h 567708"/>
+              <a:gd name="connsiteX2" fmla="*/ 195318 w 197949"/>
+              <a:gd name="connsiteY2" fmla="*/ 312023 h 567708"/>
+              <a:gd name="connsiteX3" fmla="*/ 112979 w 197949"/>
+              <a:gd name="connsiteY3" fmla="*/ 567708 h 567708"/>
+              <a:gd name="connsiteX4" fmla="*/ 112979 w 197949"/>
+              <a:gd name="connsiteY4" fmla="*/ 567708 h 567708"/>
+              <a:gd name="connsiteX0" fmla="*/ 138964 w 197932"/>
+              <a:gd name="connsiteY0" fmla="*/ 0 h 567708"/>
+              <a:gd name="connsiteX1" fmla="*/ 287 w 197932"/>
+              <a:gd name="connsiteY1" fmla="*/ 234016 h 567708"/>
+              <a:gd name="connsiteX2" fmla="*/ 195301 w 197932"/>
+              <a:gd name="connsiteY2" fmla="*/ 312023 h 567708"/>
+              <a:gd name="connsiteX3" fmla="*/ 112962 w 197932"/>
+              <a:gd name="connsiteY3" fmla="*/ 567708 h 567708"/>
+              <a:gd name="connsiteX4" fmla="*/ 112962 w 197932"/>
+              <a:gd name="connsiteY4" fmla="*/ 567708 h 567708"/>
+              <a:gd name="connsiteX0" fmla="*/ 108671 w 166544"/>
+              <a:gd name="connsiteY0" fmla="*/ 0 h 567708"/>
+              <a:gd name="connsiteX1" fmla="*/ 330 w 166544"/>
+              <a:gd name="connsiteY1" fmla="*/ 303355 h 567708"/>
+              <a:gd name="connsiteX2" fmla="*/ 165008 w 166544"/>
+              <a:gd name="connsiteY2" fmla="*/ 312023 h 567708"/>
+              <a:gd name="connsiteX3" fmla="*/ 82669 w 166544"/>
+              <a:gd name="connsiteY3" fmla="*/ 567708 h 567708"/>
+              <a:gd name="connsiteX4" fmla="*/ 82669 w 166544"/>
+              <a:gd name="connsiteY4" fmla="*/ 567708 h 567708"/>
+              <a:gd name="connsiteX0" fmla="*/ 108831 w 179543"/>
+              <a:gd name="connsiteY0" fmla="*/ 0 h 567708"/>
+              <a:gd name="connsiteX1" fmla="*/ 490 w 179543"/>
+              <a:gd name="connsiteY1" fmla="*/ 303355 h 567708"/>
+              <a:gd name="connsiteX2" fmla="*/ 178169 w 179543"/>
+              <a:gd name="connsiteY2" fmla="*/ 403030 h 567708"/>
+              <a:gd name="connsiteX3" fmla="*/ 82829 w 179543"/>
+              <a:gd name="connsiteY3" fmla="*/ 567708 h 567708"/>
+              <a:gd name="connsiteX4" fmla="*/ 82829 w 179543"/>
+              <a:gd name="connsiteY4" fmla="*/ 567708 h 567708"/>
+              <a:gd name="connsiteX0" fmla="*/ 124542 w 207603"/>
+              <a:gd name="connsiteY0" fmla="*/ 0 h 567708"/>
+              <a:gd name="connsiteX1" fmla="*/ 96674 w 207603"/>
+              <a:gd name="connsiteY1" fmla="*/ 63389 h 567708"/>
+              <a:gd name="connsiteX2" fmla="*/ 16201 w 207603"/>
+              <a:gd name="connsiteY2" fmla="*/ 303355 h 567708"/>
+              <a:gd name="connsiteX3" fmla="*/ 193880 w 207603"/>
+              <a:gd name="connsiteY3" fmla="*/ 403030 h 567708"/>
+              <a:gd name="connsiteX4" fmla="*/ 98540 w 207603"/>
+              <a:gd name="connsiteY4" fmla="*/ 567708 h 567708"/>
+              <a:gd name="connsiteX5" fmla="*/ 98540 w 207603"/>
+              <a:gd name="connsiteY5" fmla="*/ 567708 h 567708"/>
+            </a:gdLst>
+            <a:ahLst/>
+            <a:cxnLst>
+              <a:cxn ang="0">
+                <a:pos x="connsiteX0" y="connsiteY0"/>
+              </a:cxn>
+              <a:cxn ang="0">
+                <a:pos x="connsiteX1" y="connsiteY1"/>
+              </a:cxn>
+              <a:cxn ang="0">
+                <a:pos x="connsiteX2" y="connsiteY2"/>
+              </a:cxn>
+              <a:cxn ang="0">
+                <a:pos x="connsiteX3" y="connsiteY3"/>
+              </a:cxn>
+              <a:cxn ang="0">
+                <a:pos x="connsiteX4" y="connsiteY4"/>
+              </a:cxn>
+              <a:cxn ang="0">
+                <a:pos x="connsiteX5" y="connsiteY5"/>
+              </a:cxn>
+            </a:cxnLst>
+            <a:rect l="l" t="t" r="r" b="b"/>
+            <a:pathLst>
+              <a:path w="207603" h="567708">
+                <a:moveTo>
+                  <a:pt x="124542" y="0"/>
+                </a:moveTo>
+                <a:cubicBezTo>
+                  <a:pt x="125057" y="620"/>
+                  <a:pt x="114731" y="12830"/>
+                  <a:pt x="96674" y="63389"/>
+                </a:cubicBezTo>
+                <a:cubicBezTo>
+                  <a:pt x="78617" y="113948"/>
+                  <a:pt x="0" y="246748"/>
+                  <a:pt x="16201" y="303355"/>
+                </a:cubicBezTo>
+                <a:cubicBezTo>
+                  <a:pt x="32402" y="359962"/>
+                  <a:pt x="180157" y="358971"/>
+                  <a:pt x="193880" y="403030"/>
+                </a:cubicBezTo>
+                <a:cubicBezTo>
+                  <a:pt x="207603" y="447089"/>
+                  <a:pt x="114430" y="540262"/>
+                  <a:pt x="98540" y="567708"/>
+                </a:cubicBezTo>
+                <a:lnTo>
+                  <a:pt x="98540" y="567708"/>
+                </a:lnTo>
+              </a:path>
+            </a:pathLst>
+          </a:custGeom>
+          <a:noFill/>
+          <a:ln w="6350">
+            <a:solidFill>
+              <a:schemeClr val="tx1"/>
+            </a:solidFill>
+            <a:headEnd type="arrow" w="sm" len="sm"/>
+          </a:ln>
+        </p:spPr>
+        <p:style>
+          <a:lnRef idx="2">
+            <a:schemeClr val="accent1">
+              <a:shade val="50000"/>
+            </a:schemeClr>
+          </a:lnRef>
+          <a:fillRef idx="1">
+            <a:schemeClr val="accent1"/>
+          </a:fillRef>
+          <a:effectRef idx="0">
+            <a:schemeClr val="accent1"/>
+          </a:effectRef>
+          <a:fontRef idx="minor">
+            <a:schemeClr val="lt1"/>
+          </a:fontRef>
+        </p:style>
+        <p:txBody>
+          <a:bodyPr rtlCol="0" anchor="ctr"/>
+          <a:lstStyle/>
+          <a:p>
+            <a:pPr algn="ctr"/>
+            <a:endParaRPr lang="en-US"/>
+          </a:p>
+        </p:txBody>
+      </p:sp>
+      <p:sp>
+        <p:nvSpPr>
+          <p:cNvPr id="6" name="Freeform 17">
+            <a:extLst>
+              <a:ext uri="{FF2B5EF4-FFF2-40B4-BE49-F238E27FC236}">
+                <a16:creationId xmlns:a16="http://schemas.microsoft.com/office/drawing/2014/main" id="{C1552C8B-7415-449A-8715-89F90D4AF2EC}"/>
+              </a:ext>
+            </a:extLst>
+          </p:cNvPr>
+          <p:cNvSpPr/>
+          <p:nvPr/>
+        </p:nvSpPr>
+        <p:spPr>
+          <a:xfrm>
+            <a:off x="3884315" y="3047999"/>
+            <a:ext cx="202958" cy="685801"/>
+          </a:xfrm>
+          <a:custGeom>
+            <a:avLst/>
+            <a:gdLst>
+              <a:gd name="connsiteX0" fmla="*/ 156390 w 156390"/>
+              <a:gd name="connsiteY0" fmla="*/ 0 h 567708"/>
+              <a:gd name="connsiteX1" fmla="*/ 378 w 156390"/>
+              <a:gd name="connsiteY1" fmla="*/ 177679 h 567708"/>
+              <a:gd name="connsiteX2" fmla="*/ 113053 w 156390"/>
+              <a:gd name="connsiteY2" fmla="*/ 407363 h 567708"/>
+              <a:gd name="connsiteX3" fmla="*/ 130388 w 156390"/>
+              <a:gd name="connsiteY3" fmla="*/ 567708 h 567708"/>
+              <a:gd name="connsiteX4" fmla="*/ 130388 w 156390"/>
+              <a:gd name="connsiteY4" fmla="*/ 567708 h 567708"/>
+              <a:gd name="connsiteX0" fmla="*/ 156390 w 157057"/>
+              <a:gd name="connsiteY0" fmla="*/ 0 h 567708"/>
+              <a:gd name="connsiteX1" fmla="*/ 378 w 157057"/>
+              <a:gd name="connsiteY1" fmla="*/ 177679 h 567708"/>
+              <a:gd name="connsiteX2" fmla="*/ 113053 w 157057"/>
+              <a:gd name="connsiteY2" fmla="*/ 407363 h 567708"/>
+              <a:gd name="connsiteX3" fmla="*/ 130388 w 157057"/>
+              <a:gd name="connsiteY3" fmla="*/ 567708 h 567708"/>
+              <a:gd name="connsiteX4" fmla="*/ 130388 w 157057"/>
+              <a:gd name="connsiteY4" fmla="*/ 567708 h 567708"/>
+              <a:gd name="connsiteX0" fmla="*/ 156390 w 168460"/>
+              <a:gd name="connsiteY0" fmla="*/ 0 h 567708"/>
+              <a:gd name="connsiteX1" fmla="*/ 378 w 168460"/>
+              <a:gd name="connsiteY1" fmla="*/ 177679 h 567708"/>
+              <a:gd name="connsiteX2" fmla="*/ 113053 w 168460"/>
+              <a:gd name="connsiteY2" fmla="*/ 407363 h 567708"/>
+              <a:gd name="connsiteX3" fmla="*/ 130388 w 168460"/>
+              <a:gd name="connsiteY3" fmla="*/ 567708 h 567708"/>
+              <a:gd name="connsiteX4" fmla="*/ 130388 w 168460"/>
+              <a:gd name="connsiteY4" fmla="*/ 567708 h 567708"/>
+              <a:gd name="connsiteX0" fmla="*/ 139118 w 152058"/>
+              <a:gd name="connsiteY0" fmla="*/ 0 h 567708"/>
+              <a:gd name="connsiteX1" fmla="*/ 441 w 152058"/>
+              <a:gd name="connsiteY1" fmla="*/ 234016 h 567708"/>
+              <a:gd name="connsiteX2" fmla="*/ 95781 w 152058"/>
+              <a:gd name="connsiteY2" fmla="*/ 407363 h 567708"/>
+              <a:gd name="connsiteX3" fmla="*/ 113116 w 152058"/>
+              <a:gd name="connsiteY3" fmla="*/ 567708 h 567708"/>
+              <a:gd name="connsiteX4" fmla="*/ 113116 w 152058"/>
+              <a:gd name="connsiteY4" fmla="*/ 567708 h 567708"/>
+              <a:gd name="connsiteX0" fmla="*/ 138981 w 197949"/>
+              <a:gd name="connsiteY0" fmla="*/ 0 h 567708"/>
+              <a:gd name="connsiteX1" fmla="*/ 304 w 197949"/>
+              <a:gd name="connsiteY1" fmla="*/ 234016 h 567708"/>
+              <a:gd name="connsiteX2" fmla="*/ 195318 w 197949"/>
+              <a:gd name="connsiteY2" fmla="*/ 312023 h 567708"/>
+              <a:gd name="connsiteX3" fmla="*/ 112979 w 197949"/>
+              <a:gd name="connsiteY3" fmla="*/ 567708 h 567708"/>
+              <a:gd name="connsiteX4" fmla="*/ 112979 w 197949"/>
+              <a:gd name="connsiteY4" fmla="*/ 567708 h 567708"/>
+              <a:gd name="connsiteX0" fmla="*/ 138964 w 197932"/>
+              <a:gd name="connsiteY0" fmla="*/ 0 h 567708"/>
+              <a:gd name="connsiteX1" fmla="*/ 287 w 197932"/>
+              <a:gd name="connsiteY1" fmla="*/ 234016 h 567708"/>
+              <a:gd name="connsiteX2" fmla="*/ 195301 w 197932"/>
+              <a:gd name="connsiteY2" fmla="*/ 312023 h 567708"/>
+              <a:gd name="connsiteX3" fmla="*/ 112962 w 197932"/>
+              <a:gd name="connsiteY3" fmla="*/ 567708 h 567708"/>
+              <a:gd name="connsiteX4" fmla="*/ 112962 w 197932"/>
+              <a:gd name="connsiteY4" fmla="*/ 567708 h 567708"/>
+              <a:gd name="connsiteX0" fmla="*/ 108671 w 166544"/>
+              <a:gd name="connsiteY0" fmla="*/ 0 h 567708"/>
+              <a:gd name="connsiteX1" fmla="*/ 330 w 166544"/>
+              <a:gd name="connsiteY1" fmla="*/ 303355 h 567708"/>
+              <a:gd name="connsiteX2" fmla="*/ 165008 w 166544"/>
+              <a:gd name="connsiteY2" fmla="*/ 312023 h 567708"/>
+              <a:gd name="connsiteX3" fmla="*/ 82669 w 166544"/>
+              <a:gd name="connsiteY3" fmla="*/ 567708 h 567708"/>
+              <a:gd name="connsiteX4" fmla="*/ 82669 w 166544"/>
+              <a:gd name="connsiteY4" fmla="*/ 567708 h 567708"/>
+              <a:gd name="connsiteX0" fmla="*/ 108831 w 179543"/>
+              <a:gd name="connsiteY0" fmla="*/ 0 h 567708"/>
+              <a:gd name="connsiteX1" fmla="*/ 490 w 179543"/>
+              <a:gd name="connsiteY1" fmla="*/ 303355 h 567708"/>
+              <a:gd name="connsiteX2" fmla="*/ 178169 w 179543"/>
+              <a:gd name="connsiteY2" fmla="*/ 403030 h 567708"/>
+              <a:gd name="connsiteX3" fmla="*/ 82829 w 179543"/>
+              <a:gd name="connsiteY3" fmla="*/ 567708 h 567708"/>
+              <a:gd name="connsiteX4" fmla="*/ 82829 w 179543"/>
+              <a:gd name="connsiteY4" fmla="*/ 567708 h 567708"/>
+              <a:gd name="connsiteX0" fmla="*/ 119897 w 202958"/>
+              <a:gd name="connsiteY0" fmla="*/ 0 h 567708"/>
+              <a:gd name="connsiteX1" fmla="*/ 11556 w 202958"/>
+              <a:gd name="connsiteY1" fmla="*/ 303355 h 567708"/>
+              <a:gd name="connsiteX2" fmla="*/ 189235 w 202958"/>
+              <a:gd name="connsiteY2" fmla="*/ 403030 h 567708"/>
+              <a:gd name="connsiteX3" fmla="*/ 93895 w 202958"/>
+              <a:gd name="connsiteY3" fmla="*/ 567708 h 567708"/>
+              <a:gd name="connsiteX4" fmla="*/ 93895 w 202958"/>
+              <a:gd name="connsiteY4" fmla="*/ 567708 h 567708"/>
+            </a:gdLst>
+            <a:ahLst/>
+            <a:cxnLst>
+              <a:cxn ang="0">
+                <a:pos x="connsiteX0" y="connsiteY0"/>
+              </a:cxn>
+              <a:cxn ang="0">
+                <a:pos x="connsiteX1" y="connsiteY1"/>
+              </a:cxn>
+              <a:cxn ang="0">
+                <a:pos x="connsiteX2" y="connsiteY2"/>
+              </a:cxn>
+              <a:cxn ang="0">
+                <a:pos x="connsiteX3" y="connsiteY3"/>
+              </a:cxn>
+              <a:cxn ang="0">
+                <a:pos x="connsiteX4" y="connsiteY4"/>
+              </a:cxn>
+            </a:cxnLst>
+            <a:rect l="l" t="t" r="r" b="b"/>
+            <a:pathLst>
+              <a:path w="202958" h="567708">
+                <a:moveTo>
+                  <a:pt x="119897" y="0"/>
+                </a:moveTo>
+                <a:cubicBezTo>
+                  <a:pt x="109073" y="62401"/>
+                  <a:pt x="0" y="236183"/>
+                  <a:pt x="11556" y="303355"/>
+                </a:cubicBezTo>
+                <a:cubicBezTo>
+                  <a:pt x="23112" y="370527"/>
+                  <a:pt x="175512" y="358971"/>
+                  <a:pt x="189235" y="403030"/>
+                </a:cubicBezTo>
+                <a:cubicBezTo>
+                  <a:pt x="202958" y="447089"/>
+                  <a:pt x="109785" y="540262"/>
+                  <a:pt x="93895" y="567708"/>
+                </a:cubicBezTo>
+                <a:lnTo>
+                  <a:pt x="93895" y="567708"/>
+                </a:lnTo>
+              </a:path>
+            </a:pathLst>
+          </a:custGeom>
+          <a:noFill/>
+          <a:ln w="6350">
+            <a:solidFill>
+              <a:schemeClr val="tx1"/>
+            </a:solidFill>
+            <a:headEnd type="arrow" w="sm" len="sm"/>
+          </a:ln>
+        </p:spPr>
+        <p:style>
+          <a:lnRef idx="2">
+            <a:schemeClr val="accent1">
+              <a:shade val="50000"/>
+            </a:schemeClr>
+          </a:lnRef>
+          <a:fillRef idx="1">
+            <a:schemeClr val="accent1"/>
+          </a:fillRef>
+          <a:effectRef idx="0">
+            <a:schemeClr val="accent1"/>
+          </a:effectRef>
+          <a:fontRef idx="minor">
+            <a:schemeClr val="lt1"/>
+          </a:fontRef>
+        </p:style>
+        <p:txBody>
+          <a:bodyPr rtlCol="0" anchor="ctr"/>
+          <a:lstStyle/>
+          <a:p>
+            <a:pPr algn="ctr"/>
+            <a:endParaRPr lang="en-US"/>
+          </a:p>
+        </p:txBody>
+      </p:sp>
+      <p:sp>
+        <p:nvSpPr>
+          <p:cNvPr id="7" name="TextBox 6">
+            <a:extLst>
+              <a:ext uri="{FF2B5EF4-FFF2-40B4-BE49-F238E27FC236}">
+                <a16:creationId xmlns:a16="http://schemas.microsoft.com/office/drawing/2014/main" id="{E5974DBD-CFF2-44F8-AE96-C71F7634007E}"/>
+              </a:ext>
+            </a:extLst>
+          </p:cNvPr>
+          <p:cNvSpPr txBox="1"/>
+          <p:nvPr/>
+        </p:nvSpPr>
+        <p:spPr>
+          <a:xfrm>
+            <a:off x="3820559" y="3679686"/>
+            <a:ext cx="329184" cy="338554"/>
+          </a:xfrm>
+          <a:prstGeom prst="rect">
+            <a:avLst/>
+          </a:prstGeom>
+          <a:noFill/>
+          <a:ln>
+            <a:noFill/>
+          </a:ln>
+        </p:spPr>
+        <p:txBody>
+          <a:bodyPr wrap="square" lIns="0" rIns="0" rtlCol="0">
+            <a:spAutoFit/>
+          </a:bodyPr>
+          <a:lstStyle/>
+          <a:p>
+            <a:pPr algn="ctr"/>
+            <a:r>
+              <a:rPr lang="en-US" altLang="zh-TW" sz="800" dirty="0"/>
+              <a:t>Current</a:t>
+            </a:r>
+          </a:p>
+          <a:p>
+            <a:pPr algn="ctr"/>
+            <a:r>
+              <a:rPr lang="en-US" altLang="zh-TW" sz="800" dirty="0"/>
+              <a:t>update</a:t>
+            </a:r>
+            <a:endParaRPr lang="zh-TW" altLang="en-US" sz="800" dirty="0"/>
+          </a:p>
+        </p:txBody>
+      </p:sp>
+      <p:sp>
+        <p:nvSpPr>
+          <p:cNvPr id="8" name="TextBox 7">
+            <a:extLst>
+              <a:ext uri="{FF2B5EF4-FFF2-40B4-BE49-F238E27FC236}">
+                <a16:creationId xmlns:a16="http://schemas.microsoft.com/office/drawing/2014/main" id="{0959D20E-A3BB-49FC-A77A-644C9A18F4AF}"/>
+              </a:ext>
+            </a:extLst>
+          </p:cNvPr>
+          <p:cNvSpPr txBox="1"/>
+          <p:nvPr/>
+        </p:nvSpPr>
+        <p:spPr>
+          <a:xfrm>
+            <a:off x="4299940" y="3679686"/>
+            <a:ext cx="323102" cy="338554"/>
+          </a:xfrm>
+          <a:prstGeom prst="rect">
+            <a:avLst/>
+          </a:prstGeom>
+          <a:noFill/>
+          <a:ln>
+            <a:noFill/>
+          </a:ln>
+        </p:spPr>
+        <p:txBody>
+          <a:bodyPr wrap="square" lIns="0" rIns="0" rtlCol="0">
+            <a:spAutoFit/>
+          </a:bodyPr>
+          <a:lstStyle/>
+          <a:p>
+            <a:pPr algn="ctr"/>
+            <a:r>
+              <a:rPr lang="en-US" altLang="zh-TW" sz="800" dirty="0"/>
+              <a:t>Next </a:t>
+            </a:r>
+          </a:p>
+          <a:p>
+            <a:pPr algn="ctr"/>
+            <a:r>
+              <a:rPr lang="en-US" altLang="zh-TW" sz="800" dirty="0"/>
+              <a:t>update</a:t>
+            </a:r>
+            <a:endParaRPr lang="zh-TW" altLang="en-US" sz="800" dirty="0"/>
+          </a:p>
+        </p:txBody>
+      </p:sp>
+      <p:sp>
+        <p:nvSpPr>
+          <p:cNvPr id="9" name="Rectangle 8">
+            <a:extLst>
+              <a:ext uri="{FF2B5EF4-FFF2-40B4-BE49-F238E27FC236}">
+                <a16:creationId xmlns:a16="http://schemas.microsoft.com/office/drawing/2014/main" id="{7D509E99-75F4-47F1-A4CB-E11E2225276F}"/>
+              </a:ext>
+            </a:extLst>
+          </p:cNvPr>
+          <p:cNvSpPr/>
+          <p:nvPr/>
+        </p:nvSpPr>
+        <p:spPr>
+          <a:xfrm>
+            <a:off x="3339032" y="2755716"/>
+            <a:ext cx="342699" cy="453828"/>
+          </a:xfrm>
+          <a:prstGeom prst="rect">
+            <a:avLst/>
+          </a:prstGeom>
+          <a:noFill/>
+          <a:ln w="9525">
+            <a:solidFill>
+              <a:schemeClr val="tx1"/>
+            </a:solidFill>
+          </a:ln>
+        </p:spPr>
+        <p:style>
+          <a:lnRef idx="2">
+            <a:schemeClr val="accent1">
+              <a:shade val="50000"/>
+            </a:schemeClr>
+          </a:lnRef>
+          <a:fillRef idx="1">
+            <a:schemeClr val="accent1"/>
+          </a:fillRef>
+          <a:effectRef idx="0">
+            <a:schemeClr val="accent1"/>
+          </a:effectRef>
+          <a:fontRef idx="minor">
+            <a:schemeClr val="lt1"/>
+          </a:fontRef>
+        </p:style>
+        <p:txBody>
+          <a:bodyPr rtlCol="0" anchor="ctr"/>
+          <a:lstStyle/>
+          <a:p>
+            <a:pPr algn="ctr"/>
+            <a:endParaRPr lang="en-US"/>
+          </a:p>
+        </p:txBody>
+      </p:sp>
+      <p:sp>
+        <p:nvSpPr>
+          <p:cNvPr id="10" name="Rectangle 9">
+            <a:extLst>
+              <a:ext uri="{FF2B5EF4-FFF2-40B4-BE49-F238E27FC236}">
+                <a16:creationId xmlns:a16="http://schemas.microsoft.com/office/drawing/2014/main" id="{D82D6464-8B8D-425A-9056-BA4534FC1BEC}"/>
+              </a:ext>
+            </a:extLst>
+          </p:cNvPr>
+          <p:cNvSpPr/>
+          <p:nvPr/>
+        </p:nvSpPr>
+        <p:spPr>
+          <a:xfrm>
+            <a:off x="3822267" y="2518198"/>
+            <a:ext cx="342699" cy="453828"/>
+          </a:xfrm>
+          <a:prstGeom prst="rect">
+            <a:avLst/>
+          </a:prstGeom>
+          <a:noFill/>
+          <a:ln w="9525">
+            <a:solidFill>
+              <a:schemeClr val="tx1"/>
+            </a:solidFill>
+          </a:ln>
+        </p:spPr>
+        <p:style>
+          <a:lnRef idx="2">
+            <a:schemeClr val="accent1">
+              <a:shade val="50000"/>
+            </a:schemeClr>
+          </a:lnRef>
+          <a:fillRef idx="1">
+            <a:schemeClr val="accent1"/>
+          </a:fillRef>
+          <a:effectRef idx="0">
+            <a:schemeClr val="accent1"/>
+          </a:effectRef>
+          <a:fontRef idx="minor">
+            <a:schemeClr val="lt1"/>
+          </a:fontRef>
+        </p:style>
+        <p:txBody>
+          <a:bodyPr rtlCol="0" anchor="ctr"/>
+          <a:lstStyle/>
+          <a:p>
+            <a:pPr algn="ctr"/>
+            <a:endParaRPr lang="en-US"/>
+          </a:p>
+        </p:txBody>
+      </p:sp>
+      <p:sp>
+        <p:nvSpPr>
+          <p:cNvPr id="11" name="Rectangle 10">
+            <a:extLst>
+              <a:ext uri="{FF2B5EF4-FFF2-40B4-BE49-F238E27FC236}">
+                <a16:creationId xmlns:a16="http://schemas.microsoft.com/office/drawing/2014/main" id="{72C6BC4E-AAEB-477D-BC50-FB827426CED8}"/>
+              </a:ext>
+            </a:extLst>
+          </p:cNvPr>
+          <p:cNvSpPr/>
+          <p:nvPr/>
+        </p:nvSpPr>
+        <p:spPr>
+          <a:xfrm>
+            <a:off x="4305501" y="2298290"/>
+            <a:ext cx="342699" cy="453828"/>
+          </a:xfrm>
+          <a:prstGeom prst="rect">
+            <a:avLst/>
+          </a:prstGeom>
+          <a:noFill/>
+          <a:ln w="9525">
+            <a:solidFill>
+              <a:schemeClr val="tx1"/>
+            </a:solidFill>
+          </a:ln>
+        </p:spPr>
+        <p:style>
+          <a:lnRef idx="2">
+            <a:schemeClr val="accent1">
+              <a:shade val="50000"/>
+            </a:schemeClr>
+          </a:lnRef>
+          <a:fillRef idx="1">
+            <a:schemeClr val="accent1"/>
+          </a:fillRef>
+          <a:effectRef idx="0">
+            <a:schemeClr val="accent1"/>
+          </a:effectRef>
+          <a:fontRef idx="minor">
+            <a:schemeClr val="lt1"/>
+          </a:fontRef>
+        </p:style>
+        <p:txBody>
+          <a:bodyPr rtlCol="0" anchor="ctr"/>
+          <a:lstStyle/>
+          <a:p>
+            <a:pPr algn="ctr"/>
+            <a:endParaRPr lang="en-US"/>
+          </a:p>
+        </p:txBody>
+      </p:sp>
+      <p:sp>
+        <p:nvSpPr>
+          <p:cNvPr id="12" name="TextBox 11">
+            <a:extLst>
+              <a:ext uri="{FF2B5EF4-FFF2-40B4-BE49-F238E27FC236}">
+                <a16:creationId xmlns:a16="http://schemas.microsoft.com/office/drawing/2014/main" id="{97063BB0-9358-43FB-BEF2-B99989A3EA23}"/>
+              </a:ext>
+            </a:extLst>
+          </p:cNvPr>
+          <p:cNvSpPr txBox="1"/>
+          <p:nvPr/>
+        </p:nvSpPr>
+        <p:spPr>
+          <a:xfrm>
+            <a:off x="3056442" y="4301734"/>
+            <a:ext cx="2125158" cy="338554"/>
+          </a:xfrm>
+          <a:prstGeom prst="rect">
+            <a:avLst/>
+          </a:prstGeom>
+          <a:noFill/>
+          <a:ln>
+            <a:noFill/>
+          </a:ln>
+        </p:spPr>
+        <p:txBody>
+          <a:bodyPr wrap="square" lIns="0" rIns="0" rtlCol="0">
+            <a:spAutoFit/>
+          </a:bodyPr>
+          <a:lstStyle/>
+          <a:p>
+            <a:r>
+              <a:rPr lang="en-US" altLang="zh-TW" sz="1600" dirty="0"/>
+              <a:t>Figure 9-19</a:t>
+            </a:r>
+            <a:endParaRPr lang="zh-TW" altLang="en-US" sz="1600" baseline="-25000" dirty="0"/>
+          </a:p>
+        </p:txBody>
+      </p:sp>
+      <p:sp>
+        <p:nvSpPr>
+          <p:cNvPr id="13" name="TextBox 12">
+            <a:extLst>
+              <a:ext uri="{FF2B5EF4-FFF2-40B4-BE49-F238E27FC236}">
+                <a16:creationId xmlns:a16="http://schemas.microsoft.com/office/drawing/2014/main" id="{FA378CFE-DBA4-4F47-907E-EAD487ED1DF5}"/>
+              </a:ext>
+            </a:extLst>
+          </p:cNvPr>
+          <p:cNvSpPr txBox="1"/>
+          <p:nvPr/>
+        </p:nvSpPr>
+        <p:spPr>
+          <a:xfrm>
+            <a:off x="3114998" y="2127111"/>
+            <a:ext cx="604513" cy="338554"/>
+          </a:xfrm>
+          <a:prstGeom prst="rect">
+            <a:avLst/>
+          </a:prstGeom>
+          <a:noFill/>
+          <a:ln>
+            <a:noFill/>
+          </a:ln>
+        </p:spPr>
+        <p:txBody>
+          <a:bodyPr wrap="square" lIns="0" rIns="0" rtlCol="0">
+            <a:spAutoFit/>
+          </a:bodyPr>
+          <a:lstStyle/>
+          <a:p>
+            <a:pPr algn="ctr"/>
+            <a:r>
+              <a:rPr lang="en-US" altLang="zh-TW" sz="800" dirty="0"/>
+              <a:t>Constant</a:t>
+            </a:r>
+          </a:p>
+          <a:p>
+            <a:pPr algn="ctr"/>
+            <a:r>
+              <a:rPr lang="en-US" altLang="zh-TW" sz="800" dirty="0"/>
+              <a:t>displacement</a:t>
+            </a:r>
+            <a:endParaRPr lang="zh-TW" altLang="en-US" sz="800" dirty="0"/>
+          </a:p>
+        </p:txBody>
+      </p:sp>
+      <p:sp>
+        <p:nvSpPr>
+          <p:cNvPr id="14" name="Freeform 22">
+            <a:extLst>
+              <a:ext uri="{FF2B5EF4-FFF2-40B4-BE49-F238E27FC236}">
+                <a16:creationId xmlns:a16="http://schemas.microsoft.com/office/drawing/2014/main" id="{2D6A2E8C-4549-44F0-AE97-1F4218A6D1BB}"/>
+              </a:ext>
+            </a:extLst>
+          </p:cNvPr>
+          <p:cNvSpPr/>
+          <p:nvPr/>
+        </p:nvSpPr>
+        <p:spPr>
+          <a:xfrm rot="15543968">
+            <a:off x="3762713" y="2199804"/>
+            <a:ext cx="461838" cy="458332"/>
+          </a:xfrm>
+          <a:custGeom>
+            <a:avLst/>
+            <a:gdLst>
+              <a:gd name="connsiteX0" fmla="*/ 156390 w 156390"/>
+              <a:gd name="connsiteY0" fmla="*/ 0 h 567708"/>
+              <a:gd name="connsiteX1" fmla="*/ 378 w 156390"/>
+              <a:gd name="connsiteY1" fmla="*/ 177679 h 567708"/>
+              <a:gd name="connsiteX2" fmla="*/ 113053 w 156390"/>
+              <a:gd name="connsiteY2" fmla="*/ 407363 h 567708"/>
+              <a:gd name="connsiteX3" fmla="*/ 130388 w 156390"/>
+              <a:gd name="connsiteY3" fmla="*/ 567708 h 567708"/>
+              <a:gd name="connsiteX4" fmla="*/ 130388 w 156390"/>
+              <a:gd name="connsiteY4" fmla="*/ 567708 h 567708"/>
+              <a:gd name="connsiteX0" fmla="*/ 156390 w 157057"/>
+              <a:gd name="connsiteY0" fmla="*/ 0 h 567708"/>
+              <a:gd name="connsiteX1" fmla="*/ 378 w 157057"/>
+              <a:gd name="connsiteY1" fmla="*/ 177679 h 567708"/>
+              <a:gd name="connsiteX2" fmla="*/ 113053 w 157057"/>
+              <a:gd name="connsiteY2" fmla="*/ 407363 h 567708"/>
+              <a:gd name="connsiteX3" fmla="*/ 130388 w 157057"/>
+              <a:gd name="connsiteY3" fmla="*/ 567708 h 567708"/>
+              <a:gd name="connsiteX4" fmla="*/ 130388 w 157057"/>
+              <a:gd name="connsiteY4" fmla="*/ 567708 h 567708"/>
+              <a:gd name="connsiteX0" fmla="*/ 156390 w 168460"/>
+              <a:gd name="connsiteY0" fmla="*/ 0 h 567708"/>
+              <a:gd name="connsiteX1" fmla="*/ 378 w 168460"/>
+              <a:gd name="connsiteY1" fmla="*/ 177679 h 567708"/>
+              <a:gd name="connsiteX2" fmla="*/ 113053 w 168460"/>
+              <a:gd name="connsiteY2" fmla="*/ 407363 h 567708"/>
+              <a:gd name="connsiteX3" fmla="*/ 130388 w 168460"/>
+              <a:gd name="connsiteY3" fmla="*/ 567708 h 567708"/>
+              <a:gd name="connsiteX4" fmla="*/ 130388 w 168460"/>
+              <a:gd name="connsiteY4" fmla="*/ 567708 h 567708"/>
+              <a:gd name="connsiteX0" fmla="*/ 139118 w 152058"/>
+              <a:gd name="connsiteY0" fmla="*/ 0 h 567708"/>
+              <a:gd name="connsiteX1" fmla="*/ 441 w 152058"/>
+              <a:gd name="connsiteY1" fmla="*/ 234016 h 567708"/>
+              <a:gd name="connsiteX2" fmla="*/ 95781 w 152058"/>
+              <a:gd name="connsiteY2" fmla="*/ 407363 h 567708"/>
+              <a:gd name="connsiteX3" fmla="*/ 113116 w 152058"/>
+              <a:gd name="connsiteY3" fmla="*/ 567708 h 567708"/>
+              <a:gd name="connsiteX4" fmla="*/ 113116 w 152058"/>
+              <a:gd name="connsiteY4" fmla="*/ 567708 h 567708"/>
+              <a:gd name="connsiteX0" fmla="*/ 138981 w 197949"/>
+              <a:gd name="connsiteY0" fmla="*/ 0 h 567708"/>
+              <a:gd name="connsiteX1" fmla="*/ 304 w 197949"/>
+              <a:gd name="connsiteY1" fmla="*/ 234016 h 567708"/>
+              <a:gd name="connsiteX2" fmla="*/ 195318 w 197949"/>
+              <a:gd name="connsiteY2" fmla="*/ 312023 h 567708"/>
+              <a:gd name="connsiteX3" fmla="*/ 112979 w 197949"/>
+              <a:gd name="connsiteY3" fmla="*/ 567708 h 567708"/>
+              <a:gd name="connsiteX4" fmla="*/ 112979 w 197949"/>
+              <a:gd name="connsiteY4" fmla="*/ 567708 h 567708"/>
+              <a:gd name="connsiteX0" fmla="*/ 138964 w 197932"/>
+              <a:gd name="connsiteY0" fmla="*/ 0 h 567708"/>
+              <a:gd name="connsiteX1" fmla="*/ 287 w 197932"/>
+              <a:gd name="connsiteY1" fmla="*/ 234016 h 567708"/>
+              <a:gd name="connsiteX2" fmla="*/ 195301 w 197932"/>
+              <a:gd name="connsiteY2" fmla="*/ 312023 h 567708"/>
+              <a:gd name="connsiteX3" fmla="*/ 112962 w 197932"/>
+              <a:gd name="connsiteY3" fmla="*/ 567708 h 567708"/>
+              <a:gd name="connsiteX4" fmla="*/ 112962 w 197932"/>
+              <a:gd name="connsiteY4" fmla="*/ 567708 h 567708"/>
+              <a:gd name="connsiteX0" fmla="*/ 108671 w 166544"/>
+              <a:gd name="connsiteY0" fmla="*/ 0 h 567708"/>
+              <a:gd name="connsiteX1" fmla="*/ 330 w 166544"/>
+              <a:gd name="connsiteY1" fmla="*/ 303355 h 567708"/>
+              <a:gd name="connsiteX2" fmla="*/ 165008 w 166544"/>
+              <a:gd name="connsiteY2" fmla="*/ 312023 h 567708"/>
+              <a:gd name="connsiteX3" fmla="*/ 82669 w 166544"/>
+              <a:gd name="connsiteY3" fmla="*/ 567708 h 567708"/>
+              <a:gd name="connsiteX4" fmla="*/ 82669 w 166544"/>
+              <a:gd name="connsiteY4" fmla="*/ 567708 h 567708"/>
+              <a:gd name="connsiteX0" fmla="*/ 108831 w 179543"/>
+              <a:gd name="connsiteY0" fmla="*/ 0 h 567708"/>
+              <a:gd name="connsiteX1" fmla="*/ 490 w 179543"/>
+              <a:gd name="connsiteY1" fmla="*/ 303355 h 567708"/>
+              <a:gd name="connsiteX2" fmla="*/ 178169 w 179543"/>
+              <a:gd name="connsiteY2" fmla="*/ 403030 h 567708"/>
+              <a:gd name="connsiteX3" fmla="*/ 82829 w 179543"/>
+              <a:gd name="connsiteY3" fmla="*/ 567708 h 567708"/>
+              <a:gd name="connsiteX4" fmla="*/ 82829 w 179543"/>
+              <a:gd name="connsiteY4" fmla="*/ 567708 h 567708"/>
+              <a:gd name="connsiteX0" fmla="*/ 119897 w 202958"/>
+              <a:gd name="connsiteY0" fmla="*/ 0 h 567708"/>
+              <a:gd name="connsiteX1" fmla="*/ 11556 w 202958"/>
+              <a:gd name="connsiteY1" fmla="*/ 303355 h 567708"/>
+              <a:gd name="connsiteX2" fmla="*/ 189235 w 202958"/>
+              <a:gd name="connsiteY2" fmla="*/ 403030 h 567708"/>
+              <a:gd name="connsiteX3" fmla="*/ 93895 w 202958"/>
+              <a:gd name="connsiteY3" fmla="*/ 567708 h 567708"/>
+              <a:gd name="connsiteX4" fmla="*/ 93895 w 202958"/>
+              <a:gd name="connsiteY4" fmla="*/ 567708 h 567708"/>
+              <a:gd name="connsiteX0" fmla="*/ 119897 w 202958"/>
+              <a:gd name="connsiteY0" fmla="*/ 0 h 567708"/>
+              <a:gd name="connsiteX1" fmla="*/ 11556 w 202958"/>
+              <a:gd name="connsiteY1" fmla="*/ 303355 h 567708"/>
+              <a:gd name="connsiteX2" fmla="*/ 189235 w 202958"/>
+              <a:gd name="connsiteY2" fmla="*/ 403030 h 567708"/>
+              <a:gd name="connsiteX3" fmla="*/ 93895 w 202958"/>
+              <a:gd name="connsiteY3" fmla="*/ 567708 h 567708"/>
+              <a:gd name="connsiteX4" fmla="*/ 93895 w 202958"/>
+              <a:gd name="connsiteY4" fmla="*/ 567708 h 567708"/>
+              <a:gd name="connsiteX0" fmla="*/ 112675 w 118808"/>
+              <a:gd name="connsiteY0" fmla="*/ 0 h 567708"/>
+              <a:gd name="connsiteX1" fmla="*/ 4334 w 118808"/>
+              <a:gd name="connsiteY1" fmla="*/ 303355 h 567708"/>
+              <a:gd name="connsiteX2" fmla="*/ 86673 w 118808"/>
+              <a:gd name="connsiteY2" fmla="*/ 567708 h 567708"/>
+              <a:gd name="connsiteX3" fmla="*/ 86673 w 118808"/>
+              <a:gd name="connsiteY3" fmla="*/ 567708 h 567708"/>
+              <a:gd name="connsiteX0" fmla="*/ 26002 w 26002"/>
+              <a:gd name="connsiteY0" fmla="*/ 0 h 567708"/>
+              <a:gd name="connsiteX1" fmla="*/ 0 w 26002"/>
+              <a:gd name="connsiteY1" fmla="*/ 567708 h 567708"/>
+              <a:gd name="connsiteX2" fmla="*/ 0 w 26002"/>
+              <a:gd name="connsiteY2" fmla="*/ 567708 h 567708"/>
+              <a:gd name="connsiteX0" fmla="*/ 26002 w 26002"/>
+              <a:gd name="connsiteY0" fmla="*/ 0 h 567708"/>
+              <a:gd name="connsiteX1" fmla="*/ 14128 w 26002"/>
+              <a:gd name="connsiteY1" fmla="*/ 246994 h 567708"/>
+              <a:gd name="connsiteX2" fmla="*/ 0 w 26002"/>
+              <a:gd name="connsiteY2" fmla="*/ 567708 h 567708"/>
+              <a:gd name="connsiteX3" fmla="*/ 0 w 26002"/>
+              <a:gd name="connsiteY3" fmla="*/ 567708 h 567708"/>
+              <a:gd name="connsiteX0" fmla="*/ 138585 w 138585"/>
+              <a:gd name="connsiteY0" fmla="*/ 0 h 567708"/>
+              <a:gd name="connsiteX1" fmla="*/ 126711 w 138585"/>
+              <a:gd name="connsiteY1" fmla="*/ 246994 h 567708"/>
+              <a:gd name="connsiteX2" fmla="*/ 112583 w 138585"/>
+              <a:gd name="connsiteY2" fmla="*/ 567708 h 567708"/>
+              <a:gd name="connsiteX3" fmla="*/ 112583 w 138585"/>
+              <a:gd name="connsiteY3" fmla="*/ 567708 h 567708"/>
+              <a:gd name="connsiteX0" fmla="*/ 138585 w 138585"/>
+              <a:gd name="connsiteY0" fmla="*/ 0 h 567708"/>
+              <a:gd name="connsiteX1" fmla="*/ 126711 w 138585"/>
+              <a:gd name="connsiteY1" fmla="*/ 246994 h 567708"/>
+              <a:gd name="connsiteX2" fmla="*/ 112583 w 138585"/>
+              <a:gd name="connsiteY2" fmla="*/ 567708 h 567708"/>
+              <a:gd name="connsiteX3" fmla="*/ 112583 w 138585"/>
+              <a:gd name="connsiteY3" fmla="*/ 567708 h 567708"/>
+              <a:gd name="connsiteX0" fmla="*/ 326118 w 326118"/>
+              <a:gd name="connsiteY0" fmla="*/ 0 h 567708"/>
+              <a:gd name="connsiteX1" fmla="*/ 314244 w 326118"/>
+              <a:gd name="connsiteY1" fmla="*/ 246994 h 567708"/>
+              <a:gd name="connsiteX2" fmla="*/ 300116 w 326118"/>
+              <a:gd name="connsiteY2" fmla="*/ 567708 h 567708"/>
+              <a:gd name="connsiteX3" fmla="*/ 0 w 326118"/>
+              <a:gd name="connsiteY3" fmla="*/ 321618 h 567708"/>
+              <a:gd name="connsiteX0" fmla="*/ 326118 w 326118"/>
+              <a:gd name="connsiteY0" fmla="*/ 0 h 321618"/>
+              <a:gd name="connsiteX1" fmla="*/ 314244 w 326118"/>
+              <a:gd name="connsiteY1" fmla="*/ 246994 h 321618"/>
+              <a:gd name="connsiteX2" fmla="*/ 0 w 326118"/>
+              <a:gd name="connsiteY2" fmla="*/ 321618 h 321618"/>
+              <a:gd name="connsiteX0" fmla="*/ 326118 w 326118"/>
+              <a:gd name="connsiteY0" fmla="*/ 0 h 321618"/>
+              <a:gd name="connsiteX1" fmla="*/ 314245 w 326118"/>
+              <a:gd name="connsiteY1" fmla="*/ 246994 h 321618"/>
+              <a:gd name="connsiteX2" fmla="*/ 0 w 326118"/>
+              <a:gd name="connsiteY2" fmla="*/ 321618 h 321618"/>
+              <a:gd name="connsiteX0" fmla="*/ 326118 w 326118"/>
+              <a:gd name="connsiteY0" fmla="*/ 0 h 321618"/>
+              <a:gd name="connsiteX1" fmla="*/ 314245 w 326118"/>
+              <a:gd name="connsiteY1" fmla="*/ 246994 h 321618"/>
+              <a:gd name="connsiteX2" fmla="*/ 0 w 326118"/>
+              <a:gd name="connsiteY2" fmla="*/ 321618 h 321618"/>
+              <a:gd name="connsiteX0" fmla="*/ 326118 w 368598"/>
+              <a:gd name="connsiteY0" fmla="*/ 0 h 321618"/>
+              <a:gd name="connsiteX1" fmla="*/ 314245 w 368598"/>
+              <a:gd name="connsiteY1" fmla="*/ 246994 h 321618"/>
+              <a:gd name="connsiteX2" fmla="*/ 0 w 368598"/>
+              <a:gd name="connsiteY2" fmla="*/ 321618 h 321618"/>
+              <a:gd name="connsiteX0" fmla="*/ 326118 w 368598"/>
+              <a:gd name="connsiteY0" fmla="*/ 0 h 321618"/>
+              <a:gd name="connsiteX1" fmla="*/ 314245 w 368598"/>
+              <a:gd name="connsiteY1" fmla="*/ 246994 h 321618"/>
+              <a:gd name="connsiteX2" fmla="*/ 0 w 368598"/>
+              <a:gd name="connsiteY2" fmla="*/ 321618 h 321618"/>
+              <a:gd name="connsiteX0" fmla="*/ 326118 w 326118"/>
+              <a:gd name="connsiteY0" fmla="*/ 0 h 321618"/>
+              <a:gd name="connsiteX1" fmla="*/ 207387 w 326118"/>
+              <a:gd name="connsiteY1" fmla="*/ 256482 h 321618"/>
+              <a:gd name="connsiteX2" fmla="*/ 0 w 326118"/>
+              <a:gd name="connsiteY2" fmla="*/ 321618 h 321618"/>
+              <a:gd name="connsiteX0" fmla="*/ 326118 w 326118"/>
+              <a:gd name="connsiteY0" fmla="*/ 0 h 332301"/>
+              <a:gd name="connsiteX1" fmla="*/ 207387 w 326118"/>
+              <a:gd name="connsiteY1" fmla="*/ 256482 h 332301"/>
+              <a:gd name="connsiteX2" fmla="*/ 0 w 326118"/>
+              <a:gd name="connsiteY2" fmla="*/ 321618 h 332301"/>
+            </a:gdLst>
+            <a:ahLst/>
+            <a:cxnLst>
+              <a:cxn ang="0">
+                <a:pos x="connsiteX0" y="connsiteY0"/>
+              </a:cxn>
+              <a:cxn ang="0">
+                <a:pos x="connsiteX1" y="connsiteY1"/>
+              </a:cxn>
+              <a:cxn ang="0">
+                <a:pos x="connsiteX2" y="connsiteY2"/>
+              </a:cxn>
+            </a:cxnLst>
+            <a:rect l="l" t="t" r="r" b="b"/>
+            <a:pathLst>
+              <a:path w="326118" h="332301">
+                <a:moveTo>
+                  <a:pt x="326118" y="0"/>
+                </a:moveTo>
+                <a:cubicBezTo>
+                  <a:pt x="322160" y="82331"/>
+                  <a:pt x="261740" y="202879"/>
+                  <a:pt x="207387" y="256482"/>
+                </a:cubicBezTo>
+                <a:cubicBezTo>
+                  <a:pt x="153034" y="310085"/>
+                  <a:pt x="80186" y="332301"/>
+                  <a:pt x="0" y="321618"/>
+                </a:cubicBezTo>
+              </a:path>
+            </a:pathLst>
+          </a:custGeom>
+          <a:noFill/>
+          <a:ln w="6350">
+            <a:solidFill>
+              <a:schemeClr val="tx1"/>
+            </a:solidFill>
+            <a:headEnd type="none" w="sm" len="sm"/>
+            <a:tailEnd type="arrow" w="sm" len="sm"/>
+          </a:ln>
+        </p:spPr>
+        <p:style>
+          <a:lnRef idx="2">
+            <a:schemeClr val="accent1">
+              <a:shade val="50000"/>
+            </a:schemeClr>
+          </a:lnRef>
+          <a:fillRef idx="1">
+            <a:schemeClr val="accent1"/>
+          </a:fillRef>
+          <a:effectRef idx="0">
+            <a:schemeClr val="accent1"/>
+          </a:effectRef>
+          <a:fontRef idx="minor">
+            <a:schemeClr val="lt1"/>
+          </a:fontRef>
+        </p:style>
+        <p:txBody>
+          <a:bodyPr rtlCol="0" anchor="ctr"/>
+          <a:lstStyle/>
+          <a:p>
+            <a:pPr algn="ctr"/>
+            <a:endParaRPr lang="en-US"/>
+          </a:p>
+        </p:txBody>
+      </p:sp>
+      <p:sp>
+        <p:nvSpPr>
+          <p:cNvPr id="15" name="Freeform 23">
+            <a:extLst>
+              <a:ext uri="{FF2B5EF4-FFF2-40B4-BE49-F238E27FC236}">
+                <a16:creationId xmlns:a16="http://schemas.microsoft.com/office/drawing/2014/main" id="{F1C56FB3-3AE3-4E72-BA03-C8A6B155424C}"/>
+              </a:ext>
+            </a:extLst>
+          </p:cNvPr>
+          <p:cNvSpPr/>
+          <p:nvPr/>
+        </p:nvSpPr>
+        <p:spPr>
+          <a:xfrm rot="15543968">
+            <a:off x="3393994" y="2526976"/>
+            <a:ext cx="453393" cy="225273"/>
+          </a:xfrm>
+          <a:custGeom>
+            <a:avLst/>
+            <a:gdLst>
+              <a:gd name="connsiteX0" fmla="*/ 156390 w 156390"/>
+              <a:gd name="connsiteY0" fmla="*/ 0 h 567708"/>
+              <a:gd name="connsiteX1" fmla="*/ 378 w 156390"/>
+              <a:gd name="connsiteY1" fmla="*/ 177679 h 567708"/>
+              <a:gd name="connsiteX2" fmla="*/ 113053 w 156390"/>
+              <a:gd name="connsiteY2" fmla="*/ 407363 h 567708"/>
+              <a:gd name="connsiteX3" fmla="*/ 130388 w 156390"/>
+              <a:gd name="connsiteY3" fmla="*/ 567708 h 567708"/>
+              <a:gd name="connsiteX4" fmla="*/ 130388 w 156390"/>
+              <a:gd name="connsiteY4" fmla="*/ 567708 h 567708"/>
+              <a:gd name="connsiteX0" fmla="*/ 156390 w 157057"/>
+              <a:gd name="connsiteY0" fmla="*/ 0 h 567708"/>
+              <a:gd name="connsiteX1" fmla="*/ 378 w 157057"/>
+              <a:gd name="connsiteY1" fmla="*/ 177679 h 567708"/>
+              <a:gd name="connsiteX2" fmla="*/ 113053 w 157057"/>
+              <a:gd name="connsiteY2" fmla="*/ 407363 h 567708"/>
+              <a:gd name="connsiteX3" fmla="*/ 130388 w 157057"/>
+              <a:gd name="connsiteY3" fmla="*/ 567708 h 567708"/>
+              <a:gd name="connsiteX4" fmla="*/ 130388 w 157057"/>
+              <a:gd name="connsiteY4" fmla="*/ 567708 h 567708"/>
+              <a:gd name="connsiteX0" fmla="*/ 156390 w 168460"/>
+              <a:gd name="connsiteY0" fmla="*/ 0 h 567708"/>
+              <a:gd name="connsiteX1" fmla="*/ 378 w 168460"/>
+              <a:gd name="connsiteY1" fmla="*/ 177679 h 567708"/>
+              <a:gd name="connsiteX2" fmla="*/ 113053 w 168460"/>
+              <a:gd name="connsiteY2" fmla="*/ 407363 h 567708"/>
+              <a:gd name="connsiteX3" fmla="*/ 130388 w 168460"/>
+              <a:gd name="connsiteY3" fmla="*/ 567708 h 567708"/>
+              <a:gd name="connsiteX4" fmla="*/ 130388 w 168460"/>
+              <a:gd name="connsiteY4" fmla="*/ 567708 h 567708"/>
+              <a:gd name="connsiteX0" fmla="*/ 139118 w 152058"/>
+              <a:gd name="connsiteY0" fmla="*/ 0 h 567708"/>
+              <a:gd name="connsiteX1" fmla="*/ 441 w 152058"/>
+              <a:gd name="connsiteY1" fmla="*/ 234016 h 567708"/>
+              <a:gd name="connsiteX2" fmla="*/ 95781 w 152058"/>
+              <a:gd name="connsiteY2" fmla="*/ 407363 h 567708"/>
+              <a:gd name="connsiteX3" fmla="*/ 113116 w 152058"/>
+              <a:gd name="connsiteY3" fmla="*/ 567708 h 567708"/>
+              <a:gd name="connsiteX4" fmla="*/ 113116 w 152058"/>
+              <a:gd name="connsiteY4" fmla="*/ 567708 h 567708"/>
+              <a:gd name="connsiteX0" fmla="*/ 138981 w 197949"/>
+              <a:gd name="connsiteY0" fmla="*/ 0 h 567708"/>
+              <a:gd name="connsiteX1" fmla="*/ 304 w 197949"/>
+              <a:gd name="connsiteY1" fmla="*/ 234016 h 567708"/>
+              <a:gd name="connsiteX2" fmla="*/ 195318 w 197949"/>
+              <a:gd name="connsiteY2" fmla="*/ 312023 h 567708"/>
+              <a:gd name="connsiteX3" fmla="*/ 112979 w 197949"/>
+              <a:gd name="connsiteY3" fmla="*/ 567708 h 567708"/>
+              <a:gd name="connsiteX4" fmla="*/ 112979 w 197949"/>
+              <a:gd name="connsiteY4" fmla="*/ 567708 h 567708"/>
+              <a:gd name="connsiteX0" fmla="*/ 138964 w 197932"/>
+              <a:gd name="connsiteY0" fmla="*/ 0 h 567708"/>
+              <a:gd name="connsiteX1" fmla="*/ 287 w 197932"/>
+              <a:gd name="connsiteY1" fmla="*/ 234016 h 567708"/>
+              <a:gd name="connsiteX2" fmla="*/ 195301 w 197932"/>
+              <a:gd name="connsiteY2" fmla="*/ 312023 h 567708"/>
+              <a:gd name="connsiteX3" fmla="*/ 112962 w 197932"/>
+              <a:gd name="connsiteY3" fmla="*/ 567708 h 567708"/>
+              <a:gd name="connsiteX4" fmla="*/ 112962 w 197932"/>
+              <a:gd name="connsiteY4" fmla="*/ 567708 h 567708"/>
+              <a:gd name="connsiteX0" fmla="*/ 108671 w 166544"/>
+              <a:gd name="connsiteY0" fmla="*/ 0 h 567708"/>
+              <a:gd name="connsiteX1" fmla="*/ 330 w 166544"/>
+              <a:gd name="connsiteY1" fmla="*/ 303355 h 567708"/>
+              <a:gd name="connsiteX2" fmla="*/ 165008 w 166544"/>
+              <a:gd name="connsiteY2" fmla="*/ 312023 h 567708"/>
+              <a:gd name="connsiteX3" fmla="*/ 82669 w 166544"/>
+              <a:gd name="connsiteY3" fmla="*/ 567708 h 567708"/>
+              <a:gd name="connsiteX4" fmla="*/ 82669 w 166544"/>
+              <a:gd name="connsiteY4" fmla="*/ 567708 h 567708"/>
+              <a:gd name="connsiteX0" fmla="*/ 108831 w 179543"/>
+              <a:gd name="connsiteY0" fmla="*/ 0 h 567708"/>
+              <a:gd name="connsiteX1" fmla="*/ 490 w 179543"/>
+              <a:gd name="connsiteY1" fmla="*/ 303355 h 567708"/>
+              <a:gd name="connsiteX2" fmla="*/ 178169 w 179543"/>
+              <a:gd name="connsiteY2" fmla="*/ 403030 h 567708"/>
+              <a:gd name="connsiteX3" fmla="*/ 82829 w 179543"/>
+              <a:gd name="connsiteY3" fmla="*/ 567708 h 567708"/>
+              <a:gd name="connsiteX4" fmla="*/ 82829 w 179543"/>
+              <a:gd name="connsiteY4" fmla="*/ 567708 h 567708"/>
+              <a:gd name="connsiteX0" fmla="*/ 119897 w 202958"/>
+              <a:gd name="connsiteY0" fmla="*/ 0 h 567708"/>
+              <a:gd name="connsiteX1" fmla="*/ 11556 w 202958"/>
+              <a:gd name="connsiteY1" fmla="*/ 303355 h 567708"/>
+              <a:gd name="connsiteX2" fmla="*/ 189235 w 202958"/>
+              <a:gd name="connsiteY2" fmla="*/ 403030 h 567708"/>
+              <a:gd name="connsiteX3" fmla="*/ 93895 w 202958"/>
+              <a:gd name="connsiteY3" fmla="*/ 567708 h 567708"/>
+              <a:gd name="connsiteX4" fmla="*/ 93895 w 202958"/>
+              <a:gd name="connsiteY4" fmla="*/ 567708 h 567708"/>
+              <a:gd name="connsiteX0" fmla="*/ 119897 w 202958"/>
+              <a:gd name="connsiteY0" fmla="*/ 0 h 567708"/>
+              <a:gd name="connsiteX1" fmla="*/ 11556 w 202958"/>
+              <a:gd name="connsiteY1" fmla="*/ 303355 h 567708"/>
+              <a:gd name="connsiteX2" fmla="*/ 189235 w 202958"/>
+              <a:gd name="connsiteY2" fmla="*/ 403030 h 567708"/>
+              <a:gd name="connsiteX3" fmla="*/ 93895 w 202958"/>
+              <a:gd name="connsiteY3" fmla="*/ 567708 h 567708"/>
+              <a:gd name="connsiteX4" fmla="*/ 93895 w 202958"/>
+              <a:gd name="connsiteY4" fmla="*/ 567708 h 567708"/>
+              <a:gd name="connsiteX0" fmla="*/ 112675 w 118808"/>
+              <a:gd name="connsiteY0" fmla="*/ 0 h 567708"/>
+              <a:gd name="connsiteX1" fmla="*/ 4334 w 118808"/>
+              <a:gd name="connsiteY1" fmla="*/ 303355 h 567708"/>
+              <a:gd name="connsiteX2" fmla="*/ 86673 w 118808"/>
+              <a:gd name="connsiteY2" fmla="*/ 567708 h 567708"/>
+              <a:gd name="connsiteX3" fmla="*/ 86673 w 118808"/>
+              <a:gd name="connsiteY3" fmla="*/ 567708 h 567708"/>
+              <a:gd name="connsiteX0" fmla="*/ 26002 w 26002"/>
+              <a:gd name="connsiteY0" fmla="*/ 0 h 567708"/>
+              <a:gd name="connsiteX1" fmla="*/ 0 w 26002"/>
+              <a:gd name="connsiteY1" fmla="*/ 567708 h 567708"/>
+              <a:gd name="connsiteX2" fmla="*/ 0 w 26002"/>
+              <a:gd name="connsiteY2" fmla="*/ 567708 h 567708"/>
+              <a:gd name="connsiteX0" fmla="*/ 26002 w 26002"/>
+              <a:gd name="connsiteY0" fmla="*/ 0 h 567708"/>
+              <a:gd name="connsiteX1" fmla="*/ 14128 w 26002"/>
+              <a:gd name="connsiteY1" fmla="*/ 246994 h 567708"/>
+              <a:gd name="connsiteX2" fmla="*/ 0 w 26002"/>
+              <a:gd name="connsiteY2" fmla="*/ 567708 h 567708"/>
+              <a:gd name="connsiteX3" fmla="*/ 0 w 26002"/>
+              <a:gd name="connsiteY3" fmla="*/ 567708 h 567708"/>
+              <a:gd name="connsiteX0" fmla="*/ 138585 w 138585"/>
+              <a:gd name="connsiteY0" fmla="*/ 0 h 567708"/>
+              <a:gd name="connsiteX1" fmla="*/ 126711 w 138585"/>
+              <a:gd name="connsiteY1" fmla="*/ 246994 h 567708"/>
+              <a:gd name="connsiteX2" fmla="*/ 112583 w 138585"/>
+              <a:gd name="connsiteY2" fmla="*/ 567708 h 567708"/>
+              <a:gd name="connsiteX3" fmla="*/ 112583 w 138585"/>
+              <a:gd name="connsiteY3" fmla="*/ 567708 h 567708"/>
+              <a:gd name="connsiteX0" fmla="*/ 138585 w 138585"/>
+              <a:gd name="connsiteY0" fmla="*/ 0 h 567708"/>
+              <a:gd name="connsiteX1" fmla="*/ 126711 w 138585"/>
+              <a:gd name="connsiteY1" fmla="*/ 246994 h 567708"/>
+              <a:gd name="connsiteX2" fmla="*/ 112583 w 138585"/>
+              <a:gd name="connsiteY2" fmla="*/ 567708 h 567708"/>
+              <a:gd name="connsiteX3" fmla="*/ 112583 w 138585"/>
+              <a:gd name="connsiteY3" fmla="*/ 567708 h 567708"/>
+              <a:gd name="connsiteX0" fmla="*/ 326118 w 326118"/>
+              <a:gd name="connsiteY0" fmla="*/ 0 h 567708"/>
+              <a:gd name="connsiteX1" fmla="*/ 314244 w 326118"/>
+              <a:gd name="connsiteY1" fmla="*/ 246994 h 567708"/>
+              <a:gd name="connsiteX2" fmla="*/ 300116 w 326118"/>
+              <a:gd name="connsiteY2" fmla="*/ 567708 h 567708"/>
+              <a:gd name="connsiteX3" fmla="*/ 0 w 326118"/>
+              <a:gd name="connsiteY3" fmla="*/ 321618 h 567708"/>
+              <a:gd name="connsiteX0" fmla="*/ 326118 w 326118"/>
+              <a:gd name="connsiteY0" fmla="*/ 0 h 321618"/>
+              <a:gd name="connsiteX1" fmla="*/ 314244 w 326118"/>
+              <a:gd name="connsiteY1" fmla="*/ 246994 h 321618"/>
+              <a:gd name="connsiteX2" fmla="*/ 0 w 326118"/>
+              <a:gd name="connsiteY2" fmla="*/ 321618 h 321618"/>
+              <a:gd name="connsiteX0" fmla="*/ 326118 w 326118"/>
+              <a:gd name="connsiteY0" fmla="*/ 0 h 321618"/>
+              <a:gd name="connsiteX1" fmla="*/ 314245 w 326118"/>
+              <a:gd name="connsiteY1" fmla="*/ 246994 h 321618"/>
+              <a:gd name="connsiteX2" fmla="*/ 0 w 326118"/>
+              <a:gd name="connsiteY2" fmla="*/ 321618 h 321618"/>
+              <a:gd name="connsiteX0" fmla="*/ 326118 w 326118"/>
+              <a:gd name="connsiteY0" fmla="*/ 0 h 321618"/>
+              <a:gd name="connsiteX1" fmla="*/ 314245 w 326118"/>
+              <a:gd name="connsiteY1" fmla="*/ 246994 h 321618"/>
+              <a:gd name="connsiteX2" fmla="*/ 0 w 326118"/>
+              <a:gd name="connsiteY2" fmla="*/ 321618 h 321618"/>
+              <a:gd name="connsiteX0" fmla="*/ 326118 w 368598"/>
+              <a:gd name="connsiteY0" fmla="*/ 0 h 321618"/>
+              <a:gd name="connsiteX1" fmla="*/ 314245 w 368598"/>
+              <a:gd name="connsiteY1" fmla="*/ 246994 h 321618"/>
+              <a:gd name="connsiteX2" fmla="*/ 0 w 368598"/>
+              <a:gd name="connsiteY2" fmla="*/ 321618 h 321618"/>
+              <a:gd name="connsiteX0" fmla="*/ 326118 w 502239"/>
+              <a:gd name="connsiteY0" fmla="*/ 0 h 321618"/>
+              <a:gd name="connsiteX1" fmla="*/ 500260 w 502239"/>
+              <a:gd name="connsiteY1" fmla="*/ 151661 h 321618"/>
+              <a:gd name="connsiteX2" fmla="*/ 314245 w 502239"/>
+              <a:gd name="connsiteY2" fmla="*/ 246994 h 321618"/>
+              <a:gd name="connsiteX3" fmla="*/ 0 w 502239"/>
+              <a:gd name="connsiteY3" fmla="*/ 321618 h 321618"/>
+              <a:gd name="connsiteX0" fmla="*/ 500260 w 500260"/>
+              <a:gd name="connsiteY0" fmla="*/ 0 h 169957"/>
+              <a:gd name="connsiteX1" fmla="*/ 314245 w 500260"/>
+              <a:gd name="connsiteY1" fmla="*/ 95333 h 169957"/>
+              <a:gd name="connsiteX2" fmla="*/ 0 w 500260"/>
+              <a:gd name="connsiteY2" fmla="*/ 169957 h 169957"/>
+              <a:gd name="connsiteX0" fmla="*/ 500260 w 500260"/>
+              <a:gd name="connsiteY0" fmla="*/ 0 h 169957"/>
+              <a:gd name="connsiteX1" fmla="*/ 333194 w 500260"/>
+              <a:gd name="connsiteY1" fmla="*/ 117908 h 169957"/>
+              <a:gd name="connsiteX2" fmla="*/ 0 w 500260"/>
+              <a:gd name="connsiteY2" fmla="*/ 169957 h 169957"/>
+              <a:gd name="connsiteX0" fmla="*/ 500260 w 500260"/>
+              <a:gd name="connsiteY0" fmla="*/ 0 h 170641"/>
+              <a:gd name="connsiteX1" fmla="*/ 333194 w 500260"/>
+              <a:gd name="connsiteY1" fmla="*/ 117908 h 170641"/>
+              <a:gd name="connsiteX2" fmla="*/ 0 w 500260"/>
+              <a:gd name="connsiteY2" fmla="*/ 169957 h 170641"/>
+              <a:gd name="connsiteX0" fmla="*/ 500260 w 500260"/>
+              <a:gd name="connsiteY0" fmla="*/ 0 h 182952"/>
+              <a:gd name="connsiteX1" fmla="*/ 333194 w 500260"/>
+              <a:gd name="connsiteY1" fmla="*/ 117908 h 182952"/>
+              <a:gd name="connsiteX2" fmla="*/ 0 w 500260"/>
+              <a:gd name="connsiteY2" fmla="*/ 169957 h 182952"/>
+              <a:gd name="connsiteX0" fmla="*/ 493817 w 493817"/>
+              <a:gd name="connsiteY0" fmla="*/ 0 h 166287"/>
+              <a:gd name="connsiteX1" fmla="*/ 326751 w 493817"/>
+              <a:gd name="connsiteY1" fmla="*/ 117908 h 166287"/>
+              <a:gd name="connsiteX2" fmla="*/ 0 w 493817"/>
+              <a:gd name="connsiteY2" fmla="*/ 153292 h 166287"/>
+            </a:gdLst>
+            <a:ahLst/>
+            <a:cxnLst>
+              <a:cxn ang="0">
+                <a:pos x="connsiteX0" y="connsiteY0"/>
+              </a:cxn>
+              <a:cxn ang="0">
+                <a:pos x="connsiteX1" y="connsiteY1"/>
+              </a:cxn>
+              <a:cxn ang="0">
+                <a:pos x="connsiteX2" y="connsiteY2"/>
+              </a:cxn>
+            </a:cxnLst>
+            <a:rect l="l" t="t" r="r" b="b"/>
+            <a:pathLst>
+              <a:path w="493817" h="166287">
+                <a:moveTo>
+                  <a:pt x="493817" y="0"/>
+                </a:moveTo>
+                <a:cubicBezTo>
+                  <a:pt x="491838" y="41166"/>
+                  <a:pt x="409054" y="92359"/>
+                  <a:pt x="326751" y="117908"/>
+                </a:cubicBezTo>
+                <a:cubicBezTo>
+                  <a:pt x="244448" y="143457"/>
+                  <a:pt x="92490" y="166287"/>
+                  <a:pt x="0" y="153292"/>
+                </a:cubicBezTo>
+              </a:path>
+            </a:pathLst>
+          </a:custGeom>
+          <a:noFill/>
+          <a:ln w="6350">
+            <a:solidFill>
+              <a:schemeClr val="tx1"/>
+            </a:solidFill>
+            <a:headEnd type="none" w="sm" len="sm"/>
+            <a:tailEnd type="arrow" w="sm" len="sm"/>
+          </a:ln>
+        </p:spPr>
+        <p:style>
+          <a:lnRef idx="2">
+            <a:schemeClr val="accent1">
+              <a:shade val="50000"/>
+            </a:schemeClr>
+          </a:lnRef>
+          <a:fillRef idx="1">
+            <a:schemeClr val="accent1"/>
+          </a:fillRef>
+          <a:effectRef idx="0">
+            <a:schemeClr val="accent1"/>
+          </a:effectRef>
+          <a:fontRef idx="minor">
+            <a:schemeClr val="lt1"/>
+          </a:fontRef>
+        </p:style>
+        <p:txBody>
+          <a:bodyPr rtlCol="0" anchor="ctr"/>
+          <a:lstStyle/>
+          <a:p>
+            <a:pPr algn="ctr"/>
+            <a:endParaRPr lang="en-US"/>
+          </a:p>
+        </p:txBody>
+      </p:sp>
+      <p:cxnSp>
+        <p:nvCxnSpPr>
+          <p:cNvPr id="16" name="Straight Connector 15">
+            <a:extLst>
+              <a:ext uri="{FF2B5EF4-FFF2-40B4-BE49-F238E27FC236}">
+                <a16:creationId xmlns:a16="http://schemas.microsoft.com/office/drawing/2014/main" id="{F9BE9771-A062-4668-83C1-98A52556D404}"/>
+              </a:ext>
+            </a:extLst>
+          </p:cNvPr>
+          <p:cNvCxnSpPr/>
+          <p:nvPr/>
+        </p:nvCxnSpPr>
+        <p:spPr>
+          <a:xfrm rot="60000" flipV="1">
+            <a:off x="4005263" y="2528889"/>
+            <a:ext cx="471488" cy="223836"/>
+          </a:xfrm>
+          <a:prstGeom prst="line">
+            <a:avLst/>
+          </a:prstGeom>
+          <a:ln w="19050">
+            <a:solidFill>
+              <a:schemeClr val="tx1"/>
+            </a:solidFill>
+            <a:tailEnd type="triangle" w="sm" len="sm"/>
+          </a:ln>
+        </p:spPr>
+        <p:style>
+          <a:lnRef idx="1">
+            <a:schemeClr val="accent1"/>
+          </a:lnRef>
+          <a:fillRef idx="0">
+            <a:schemeClr val="accent1"/>
+          </a:fillRef>
+          <a:effectRef idx="0">
+            <a:schemeClr val="accent1"/>
+          </a:effectRef>
+          <a:fontRef idx="minor">
+            <a:schemeClr val="tx1"/>
+          </a:fontRef>
+        </p:style>
+      </p:cxnSp>
+      <p:cxnSp>
+        <p:nvCxnSpPr>
+          <p:cNvPr id="17" name="Straight Connector 16">
+            <a:extLst>
+              <a:ext uri="{FF2B5EF4-FFF2-40B4-BE49-F238E27FC236}">
+                <a16:creationId xmlns:a16="http://schemas.microsoft.com/office/drawing/2014/main" id="{34E109E6-53C0-4B4E-AE52-A5CC172227C3}"/>
+              </a:ext>
+            </a:extLst>
+          </p:cNvPr>
+          <p:cNvCxnSpPr/>
+          <p:nvPr/>
+        </p:nvCxnSpPr>
+        <p:spPr>
+          <a:xfrm rot="60000" flipV="1">
+            <a:off x="3514728" y="2755109"/>
+            <a:ext cx="471488" cy="223836"/>
+          </a:xfrm>
+          <a:prstGeom prst="line">
+            <a:avLst/>
+          </a:prstGeom>
+          <a:ln w="19050">
+            <a:solidFill>
+              <a:schemeClr val="tx1"/>
+            </a:solidFill>
+            <a:tailEnd type="triangle" w="sm" len="sm"/>
+          </a:ln>
+        </p:spPr>
+        <p:style>
+          <a:lnRef idx="1">
+            <a:schemeClr val="accent1"/>
+          </a:lnRef>
+          <a:fillRef idx="0">
+            <a:schemeClr val="accent1"/>
+          </a:fillRef>
+          <a:effectRef idx="0">
+            <a:schemeClr val="accent1"/>
+          </a:effectRef>
+          <a:fontRef idx="minor">
+            <a:schemeClr val="tx1"/>
+          </a:fontRef>
+        </p:style>
+      </p:cxnSp>
+    </p:spTree>
+    <p:extLst>
+      <p:ext uri="{BB962C8B-B14F-4D97-AF65-F5344CB8AC3E}">
+        <p14:creationId xmlns:p14="http://schemas.microsoft.com/office/powerpoint/2010/main" val="3586626873"/>
+      </p:ext>
+    </p:extLst>
+  </p:cSld>
+  <p:clrMapOvr>
+    <a:masterClrMapping/>
+  </p:clrMapOvr>
+</p:sld>
+</file>
+
+<file path=ppt/slides/slide16.xml><?xml version="1.0" encoding="utf-8"?>
+<p:sld xmlns:a="http://schemas.openxmlformats.org/drawingml/2006/main" xmlns:r="http://schemas.openxmlformats.org/officeDocument/2006/relationships" xmlns:p="http://schemas.openxmlformats.org/presentationml/2006/main">
+  <p:cSld>
+    <p:spTree>
+      <p:nvGrpSpPr>
+        <p:cNvPr id="1" name=""/>
+        <p:cNvGrpSpPr/>
+        <p:nvPr/>
+      </p:nvGrpSpPr>
+      <p:grpSpPr>
+        <a:xfrm>
+          <a:off x="0" y="0"/>
+          <a:ext cx="0" cy="0"/>
+          <a:chOff x="0" y="0"/>
+          <a:chExt cx="0" cy="0"/>
+        </a:xfrm>
+      </p:grpSpPr>
+      <p:sp>
+        <p:nvSpPr>
+          <p:cNvPr id="2" name="Rectangle 1">
+            <a:extLst>
+              <a:ext uri="{FF2B5EF4-FFF2-40B4-BE49-F238E27FC236}">
+                <a16:creationId xmlns:a16="http://schemas.microsoft.com/office/drawing/2014/main" id="{DE75EE02-BD2F-4367-B014-E668900F22B4}"/>
+              </a:ext>
+            </a:extLst>
+          </p:cNvPr>
+          <p:cNvSpPr/>
+          <p:nvPr/>
+        </p:nvSpPr>
+        <p:spPr>
+          <a:xfrm>
+            <a:off x="1652016" y="1829016"/>
+            <a:ext cx="4267200" cy="2324099"/>
+          </a:xfrm>
+          <a:prstGeom prst="rect">
+            <a:avLst/>
+          </a:prstGeom>
+          <a:noFill/>
+          <a:ln w="9525">
+            <a:prstDash val="sysDash"/>
+          </a:ln>
+        </p:spPr>
+        <p:style>
+          <a:lnRef idx="2">
+            <a:schemeClr val="accent1">
+              <a:shade val="50000"/>
+            </a:schemeClr>
+          </a:lnRef>
+          <a:fillRef idx="1">
+            <a:schemeClr val="accent1"/>
+          </a:fillRef>
+          <a:effectRef idx="0">
+            <a:schemeClr val="accent1"/>
+          </a:effectRef>
+          <a:fontRef idx="minor">
+            <a:schemeClr val="lt1"/>
+          </a:fontRef>
+        </p:style>
+        <p:txBody>
+          <a:bodyPr rtlCol="0" anchor="ctr"/>
+          <a:lstStyle/>
+          <a:p>
+            <a:pPr algn="ctr"/>
+            <a:endParaRPr lang="en-US" sz="800"/>
+          </a:p>
+        </p:txBody>
+      </p:sp>
+      <p:sp>
+        <p:nvSpPr>
+          <p:cNvPr id="3" name="TextBox 2">
+            <a:extLst>
+              <a:ext uri="{FF2B5EF4-FFF2-40B4-BE49-F238E27FC236}">
+                <a16:creationId xmlns:a16="http://schemas.microsoft.com/office/drawing/2014/main" id="{E306E877-7665-434C-9599-3025077F214B}"/>
+              </a:ext>
+            </a:extLst>
+          </p:cNvPr>
+          <p:cNvSpPr txBox="1"/>
+          <p:nvPr/>
+        </p:nvSpPr>
+        <p:spPr>
+          <a:xfrm>
+            <a:off x="3095883" y="1331084"/>
+            <a:ext cx="370958" cy="215444"/>
+          </a:xfrm>
+          <a:prstGeom prst="rect">
+            <a:avLst/>
+          </a:prstGeom>
+          <a:noFill/>
+          <a:ln>
+            <a:noFill/>
+          </a:ln>
+        </p:spPr>
+        <p:txBody>
+          <a:bodyPr wrap="square" lIns="0" rIns="0" rtlCol="0">
+            <a:spAutoFit/>
+          </a:bodyPr>
+          <a:lstStyle/>
+          <a:p>
+            <a:pPr algn="ctr"/>
+            <a:r>
+              <a:rPr lang="en-US" altLang="zh-TW" sz="800" dirty="0"/>
+              <a:t>Previous</a:t>
+            </a:r>
+          </a:p>
+        </p:txBody>
+      </p:sp>
+      <p:sp>
+        <p:nvSpPr>
+          <p:cNvPr id="4" name="TextBox 3">
+            <a:extLst>
+              <a:ext uri="{FF2B5EF4-FFF2-40B4-BE49-F238E27FC236}">
+                <a16:creationId xmlns:a16="http://schemas.microsoft.com/office/drawing/2014/main" id="{419FC2C8-4FED-4818-ABBC-262DDA501CF4}"/>
+              </a:ext>
+            </a:extLst>
+          </p:cNvPr>
+          <p:cNvSpPr txBox="1"/>
+          <p:nvPr/>
+        </p:nvSpPr>
+        <p:spPr>
+          <a:xfrm>
+            <a:off x="3577604" y="1331084"/>
+            <a:ext cx="329184" cy="215444"/>
+          </a:xfrm>
+          <a:prstGeom prst="rect">
+            <a:avLst/>
+          </a:prstGeom>
+          <a:noFill/>
+          <a:ln>
+            <a:noFill/>
+          </a:ln>
+        </p:spPr>
+        <p:txBody>
+          <a:bodyPr wrap="square" lIns="0" rIns="0" rtlCol="0">
+            <a:spAutoFit/>
+          </a:bodyPr>
+          <a:lstStyle/>
+          <a:p>
+            <a:pPr algn="ctr"/>
+            <a:r>
+              <a:rPr lang="en-US" altLang="zh-TW" sz="800" dirty="0"/>
+              <a:t>Current</a:t>
+            </a:r>
+          </a:p>
+        </p:txBody>
+      </p:sp>
+      <p:sp>
+        <p:nvSpPr>
+          <p:cNvPr id="5" name="TextBox 4">
+            <a:extLst>
+              <a:ext uri="{FF2B5EF4-FFF2-40B4-BE49-F238E27FC236}">
+                <a16:creationId xmlns:a16="http://schemas.microsoft.com/office/drawing/2014/main" id="{9B957F3A-C0DE-4175-AC97-5B26F35DD243}"/>
+              </a:ext>
+            </a:extLst>
+          </p:cNvPr>
+          <p:cNvSpPr txBox="1"/>
+          <p:nvPr/>
+        </p:nvSpPr>
+        <p:spPr>
+          <a:xfrm>
+            <a:off x="4035553" y="1331084"/>
+            <a:ext cx="267298" cy="215444"/>
+          </a:xfrm>
+          <a:prstGeom prst="rect">
+            <a:avLst/>
+          </a:prstGeom>
+          <a:noFill/>
+          <a:ln>
+            <a:noFill/>
+          </a:ln>
+        </p:spPr>
+        <p:txBody>
+          <a:bodyPr wrap="square" lIns="0" rIns="0" rtlCol="0">
+            <a:spAutoFit/>
+          </a:bodyPr>
+          <a:lstStyle/>
+          <a:p>
+            <a:pPr algn="ctr"/>
+            <a:r>
+              <a:rPr lang="en-US" altLang="zh-TW" sz="800" dirty="0"/>
+              <a:t>Next </a:t>
+            </a:r>
+          </a:p>
+        </p:txBody>
+      </p:sp>
+      <p:sp>
+        <p:nvSpPr>
+          <p:cNvPr id="6" name="TextBox 5">
+            <a:extLst>
+              <a:ext uri="{FF2B5EF4-FFF2-40B4-BE49-F238E27FC236}">
+                <a16:creationId xmlns:a16="http://schemas.microsoft.com/office/drawing/2014/main" id="{8F4F8FA7-A167-42C7-ABE2-05F8151155C6}"/>
+              </a:ext>
+            </a:extLst>
+          </p:cNvPr>
+          <p:cNvSpPr txBox="1"/>
+          <p:nvPr/>
+        </p:nvSpPr>
+        <p:spPr>
+          <a:xfrm>
+            <a:off x="3056442" y="4301734"/>
+            <a:ext cx="2125158" cy="338554"/>
+          </a:xfrm>
+          <a:prstGeom prst="rect">
+            <a:avLst/>
+          </a:prstGeom>
+          <a:noFill/>
+          <a:ln>
+            <a:noFill/>
+          </a:ln>
+        </p:spPr>
+        <p:txBody>
+          <a:bodyPr wrap="square" lIns="0" rIns="0" rtlCol="0">
+            <a:spAutoFit/>
+          </a:bodyPr>
+          <a:lstStyle/>
+          <a:p>
+            <a:r>
+              <a:rPr lang="en-US" altLang="zh-TW" sz="1600"/>
+              <a:t>Figure 9-20</a:t>
+            </a:r>
+            <a:endParaRPr lang="zh-TW" altLang="en-US" sz="1600" baseline="-25000" dirty="0"/>
+          </a:p>
+        </p:txBody>
+      </p:sp>
+      <p:sp>
+        <p:nvSpPr>
+          <p:cNvPr id="7" name="Rectangle 6">
+            <a:extLst>
+              <a:ext uri="{FF2B5EF4-FFF2-40B4-BE49-F238E27FC236}">
+                <a16:creationId xmlns:a16="http://schemas.microsoft.com/office/drawing/2014/main" id="{E0D86850-E861-4FE4-B2AF-878163D770F2}"/>
+              </a:ext>
+            </a:extLst>
+          </p:cNvPr>
+          <p:cNvSpPr/>
+          <p:nvPr/>
+        </p:nvSpPr>
+        <p:spPr>
+          <a:xfrm>
+            <a:off x="3187731" y="998142"/>
+            <a:ext cx="179722" cy="321224"/>
+          </a:xfrm>
+          <a:prstGeom prst="rect">
+            <a:avLst/>
+          </a:prstGeom>
+          <a:noFill/>
+          <a:ln w="3175">
+            <a:solidFill>
+              <a:schemeClr val="tx1"/>
+            </a:solidFill>
+          </a:ln>
+        </p:spPr>
+        <p:style>
+          <a:lnRef idx="2">
+            <a:schemeClr val="accent1">
+              <a:shade val="50000"/>
+            </a:schemeClr>
+          </a:lnRef>
+          <a:fillRef idx="1">
+            <a:schemeClr val="accent1"/>
+          </a:fillRef>
+          <a:effectRef idx="0">
+            <a:schemeClr val="accent1"/>
+          </a:effectRef>
+          <a:fontRef idx="minor">
+            <a:schemeClr val="lt1"/>
+          </a:fontRef>
+        </p:style>
+        <p:txBody>
+          <a:bodyPr rtlCol="0" anchor="ctr"/>
+          <a:lstStyle/>
+          <a:p>
+            <a:pPr algn="ctr"/>
+            <a:endParaRPr lang="en-US"/>
+          </a:p>
+        </p:txBody>
+      </p:sp>
+      <p:sp>
+        <p:nvSpPr>
+          <p:cNvPr id="8" name="Rectangle 7">
+            <a:extLst>
+              <a:ext uri="{FF2B5EF4-FFF2-40B4-BE49-F238E27FC236}">
+                <a16:creationId xmlns:a16="http://schemas.microsoft.com/office/drawing/2014/main" id="{380D6F2E-533B-4A76-84C9-DBB282B05443}"/>
+              </a:ext>
+            </a:extLst>
+          </p:cNvPr>
+          <p:cNvSpPr>
+            <a:spLocks noChangeAspect="1"/>
+          </p:cNvSpPr>
+          <p:nvPr/>
+        </p:nvSpPr>
+        <p:spPr>
+          <a:xfrm>
+            <a:off x="3477645" y="796987"/>
+            <a:ext cx="179722" cy="321224"/>
+          </a:xfrm>
+          <a:prstGeom prst="rect">
+            <a:avLst/>
+          </a:prstGeom>
+          <a:noFill/>
+          <a:ln w="3175">
+            <a:solidFill>
+              <a:schemeClr val="tx1"/>
+            </a:solidFill>
+          </a:ln>
+        </p:spPr>
+        <p:style>
+          <a:lnRef idx="2">
+            <a:schemeClr val="accent1">
+              <a:shade val="50000"/>
+            </a:schemeClr>
+          </a:lnRef>
+          <a:fillRef idx="1">
+            <a:schemeClr val="accent1"/>
+          </a:fillRef>
+          <a:effectRef idx="0">
+            <a:schemeClr val="accent1"/>
+          </a:effectRef>
+          <a:fontRef idx="minor">
+            <a:schemeClr val="lt1"/>
+          </a:fontRef>
+        </p:style>
+        <p:txBody>
+          <a:bodyPr rtlCol="0" anchor="ctr"/>
+          <a:lstStyle/>
+          <a:p>
+            <a:pPr algn="ctr"/>
+            <a:endParaRPr lang="en-US"/>
+          </a:p>
+        </p:txBody>
+      </p:sp>
+      <p:sp>
+        <p:nvSpPr>
+          <p:cNvPr id="9" name="Rectangle 8">
+            <a:extLst>
+              <a:ext uri="{FF2B5EF4-FFF2-40B4-BE49-F238E27FC236}">
+                <a16:creationId xmlns:a16="http://schemas.microsoft.com/office/drawing/2014/main" id="{EF8B83B7-7464-45E9-8C17-6CA7323F73F5}"/>
+              </a:ext>
+            </a:extLst>
+          </p:cNvPr>
+          <p:cNvSpPr/>
+          <p:nvPr/>
+        </p:nvSpPr>
+        <p:spPr>
+          <a:xfrm>
+            <a:off x="3952333" y="708226"/>
+            <a:ext cx="179722" cy="321224"/>
+          </a:xfrm>
+          <a:prstGeom prst="rect">
+            <a:avLst/>
+          </a:prstGeom>
+          <a:noFill/>
+          <a:ln w="3175">
+            <a:solidFill>
+              <a:schemeClr val="tx1"/>
+            </a:solidFill>
+          </a:ln>
+        </p:spPr>
+        <p:style>
+          <a:lnRef idx="2">
+            <a:schemeClr val="accent1">
+              <a:shade val="50000"/>
+            </a:schemeClr>
+          </a:lnRef>
+          <a:fillRef idx="1">
+            <a:schemeClr val="accent1"/>
+          </a:fillRef>
+          <a:effectRef idx="0">
+            <a:schemeClr val="accent1"/>
+          </a:effectRef>
+          <a:fontRef idx="minor">
+            <a:schemeClr val="lt1"/>
+          </a:fontRef>
+        </p:style>
+        <p:txBody>
+          <a:bodyPr rtlCol="0" anchor="ctr"/>
+          <a:lstStyle/>
+          <a:p>
+            <a:pPr algn="ctr"/>
+            <a:endParaRPr lang="en-US"/>
+          </a:p>
+        </p:txBody>
+      </p:sp>
+      <p:cxnSp>
+        <p:nvCxnSpPr>
+          <p:cNvPr id="10" name="Straight Connector 9">
+            <a:extLst>
+              <a:ext uri="{FF2B5EF4-FFF2-40B4-BE49-F238E27FC236}">
+                <a16:creationId xmlns:a16="http://schemas.microsoft.com/office/drawing/2014/main" id="{C1A79D17-9C21-41BE-B8ED-2A1D80C72552}"/>
+              </a:ext>
+            </a:extLst>
+          </p:cNvPr>
+          <p:cNvCxnSpPr/>
+          <p:nvPr/>
+        </p:nvCxnSpPr>
+        <p:spPr>
+          <a:xfrm flipV="1">
+            <a:off x="4451077" y="1404648"/>
+            <a:ext cx="438150" cy="76200"/>
+          </a:xfrm>
+          <a:prstGeom prst="line">
+            <a:avLst/>
+          </a:prstGeom>
+          <a:ln w="3175">
+            <a:solidFill>
+              <a:schemeClr val="tx1"/>
+            </a:solidFill>
+            <a:prstDash val="sysDot"/>
+            <a:tailEnd type="triangle" w="sm" len="sm"/>
+          </a:ln>
+        </p:spPr>
+        <p:style>
+          <a:lnRef idx="1">
+            <a:schemeClr val="accent1"/>
+          </a:lnRef>
+          <a:fillRef idx="0">
+            <a:schemeClr val="accent1"/>
+          </a:fillRef>
+          <a:effectRef idx="0">
+            <a:schemeClr val="accent1"/>
+          </a:effectRef>
+          <a:fontRef idx="minor">
+            <a:schemeClr val="tx1"/>
+          </a:fontRef>
+        </p:style>
+      </p:cxnSp>
+      <p:cxnSp>
+        <p:nvCxnSpPr>
+          <p:cNvPr id="11" name="Straight Connector 10">
+            <a:extLst>
+              <a:ext uri="{FF2B5EF4-FFF2-40B4-BE49-F238E27FC236}">
+                <a16:creationId xmlns:a16="http://schemas.microsoft.com/office/drawing/2014/main" id="{0CA87A16-E82A-41BF-A71D-84C2EC1275B0}"/>
+              </a:ext>
+            </a:extLst>
+          </p:cNvPr>
+          <p:cNvCxnSpPr/>
+          <p:nvPr/>
+        </p:nvCxnSpPr>
+        <p:spPr>
+          <a:xfrm>
+            <a:off x="4467003" y="776660"/>
+            <a:ext cx="14287" cy="385762"/>
+          </a:xfrm>
+          <a:prstGeom prst="line">
+            <a:avLst/>
+          </a:prstGeom>
+          <a:ln w="9525">
+            <a:solidFill>
+              <a:schemeClr val="tx1"/>
+            </a:solidFill>
+            <a:prstDash val="dash"/>
+            <a:tailEnd type="triangle" w="sm" len="sm"/>
+          </a:ln>
+        </p:spPr>
+        <p:style>
+          <a:lnRef idx="1">
+            <a:schemeClr val="accent1"/>
+          </a:lnRef>
+          <a:fillRef idx="0">
+            <a:schemeClr val="accent1"/>
+          </a:fillRef>
+          <a:effectRef idx="0">
+            <a:schemeClr val="accent1"/>
+          </a:effectRef>
+          <a:fontRef idx="minor">
+            <a:schemeClr val="tx1"/>
+          </a:fontRef>
+        </p:style>
+      </p:cxnSp>
+      <p:cxnSp>
+        <p:nvCxnSpPr>
+          <p:cNvPr id="12" name="Straight Connector 11">
+            <a:extLst>
+              <a:ext uri="{FF2B5EF4-FFF2-40B4-BE49-F238E27FC236}">
+                <a16:creationId xmlns:a16="http://schemas.microsoft.com/office/drawing/2014/main" id="{BB3DFF18-98A8-4779-B952-2AB7FF705116}"/>
+              </a:ext>
+            </a:extLst>
+          </p:cNvPr>
+          <p:cNvCxnSpPr/>
+          <p:nvPr/>
+        </p:nvCxnSpPr>
+        <p:spPr>
+          <a:xfrm flipV="1">
+            <a:off x="3281362" y="950456"/>
+            <a:ext cx="311943" cy="209549"/>
+          </a:xfrm>
+          <a:prstGeom prst="line">
+            <a:avLst/>
+          </a:prstGeom>
+          <a:ln w="3175">
+            <a:solidFill>
+              <a:schemeClr val="tx1"/>
+            </a:solidFill>
+            <a:prstDash val="sysDot"/>
+            <a:tailEnd type="triangle" w="sm" len="sm"/>
+          </a:ln>
+        </p:spPr>
+        <p:style>
+          <a:lnRef idx="1">
+            <a:schemeClr val="accent1"/>
+          </a:lnRef>
+          <a:fillRef idx="0">
+            <a:schemeClr val="accent1"/>
+          </a:fillRef>
+          <a:effectRef idx="0">
+            <a:schemeClr val="accent1"/>
+          </a:effectRef>
+          <a:fontRef idx="minor">
+            <a:schemeClr val="tx1"/>
+          </a:fontRef>
+        </p:style>
+      </p:cxnSp>
+      <mc:AlternateContent xmlns:mc="http://schemas.openxmlformats.org/markup-compatibility/2006">
+        <mc:Choice xmlns:a14="http://schemas.microsoft.com/office/drawing/2010/main" Requires="a14">
+          <p:sp>
+            <p:nvSpPr>
+              <p:cNvPr id="13" name="TextBox 12">
+                <a:extLst>
+                  <a:ext uri="{FF2B5EF4-FFF2-40B4-BE49-F238E27FC236}">
+                    <a16:creationId xmlns:a16="http://schemas.microsoft.com/office/drawing/2014/main" id="{5A3E749E-C1E3-4B58-BAC4-0130FE61CEB9}"/>
+                  </a:ext>
+                </a:extLst>
+              </p:cNvPr>
+              <p:cNvSpPr txBox="1"/>
+              <p:nvPr/>
+            </p:nvSpPr>
+            <p:spPr>
+              <a:xfrm>
+                <a:off x="3392814" y="824974"/>
+                <a:ext cx="102657" cy="230256"/>
+              </a:xfrm>
+              <a:prstGeom prst="rect">
+                <a:avLst/>
+              </a:prstGeom>
+              <a:noFill/>
+            </p:spPr>
+            <p:txBody>
+              <a:bodyPr wrap="none" lIns="0" rIns="0" rtlCol="0">
+                <a:spAutoFit/>
+              </a:bodyPr>
+              <a:lstStyle/>
+              <a:p>
+                <a14:m>
+                  <m:oMath xmlns:m="http://schemas.openxmlformats.org/officeDocument/2006/math">
+                    <m:acc>
+                      <m:accPr>
+                        <m:chr m:val="⃑"/>
+                        <m:ctrlPr>
+                          <a:rPr lang="en-US" altLang="zh-CN" sz="800" i="1" smtClean="0">
+                            <a:latin typeface="Cambria Math" panose="02040503050406030204" pitchFamily="18" charset="0"/>
+                          </a:rPr>
+                        </m:ctrlPr>
+                      </m:accPr>
+                      <m:e>
+                        <m:r>
+                          <a:rPr lang="en-US" altLang="zh-CN" sz="800" b="0" i="1" smtClean="0">
+                            <a:latin typeface="Cambria Math" panose="02040503050406030204" pitchFamily="18" charset="0"/>
+                          </a:rPr>
+                          <m:t>𝑉</m:t>
+                        </m:r>
+                      </m:e>
+                    </m:acc>
+                  </m:oMath>
+                </a14:m>
+                <a:r>
+                  <a:rPr lang="en-US" altLang="zh-CN" sz="800" baseline="-25000" dirty="0"/>
+                  <a:t>p</a:t>
+                </a:r>
+                <a:endParaRPr lang="zh-CN" altLang="en-US" sz="800" baseline="-25000" dirty="0"/>
+              </a:p>
+            </p:txBody>
+          </p:sp>
+        </mc:Choice>
+        <mc:Fallback>
+          <p:sp>
+            <p:nvSpPr>
+              <p:cNvPr id="13" name="TextBox 12">
+                <a:extLst>
+                  <a:ext uri="{FF2B5EF4-FFF2-40B4-BE49-F238E27FC236}">
+                    <a16:creationId xmlns:a16="http://schemas.microsoft.com/office/drawing/2014/main" id="{5A3E749E-C1E3-4B58-BAC4-0130FE61CEB9}"/>
+                  </a:ext>
+                </a:extLst>
+              </p:cNvPr>
+              <p:cNvSpPr txBox="1">
+                <a:spLocks noRot="1" noChangeAspect="1" noMove="1" noResize="1" noEditPoints="1" noAdjustHandles="1" noChangeArrowheads="1" noChangeShapeType="1" noTextEdit="1"/>
+              </p:cNvSpPr>
+              <p:nvPr/>
+            </p:nvSpPr>
+            <p:spPr>
+              <a:xfrm>
+                <a:off x="3392814" y="824974"/>
+                <a:ext cx="102657" cy="230256"/>
+              </a:xfrm>
+              <a:prstGeom prst="rect">
+                <a:avLst/>
+              </a:prstGeom>
+              <a:blipFill>
+                <a:blip r:embed="rId2"/>
+                <a:stretch>
+                  <a:fillRect l="-37500" r="-50000" b="-5263"/>
+                </a:stretch>
+              </a:blipFill>
+            </p:spPr>
+            <p:txBody>
+              <a:bodyPr/>
+              <a:lstStyle/>
+              <a:p>
+                <a:r>
+                  <a:rPr lang="en-US">
+                    <a:noFill/>
+                  </a:rPr>
+                  <a:t> </a:t>
+                </a:r>
+              </a:p>
+            </p:txBody>
+          </p:sp>
+        </mc:Fallback>
+      </mc:AlternateContent>
+      <mc:AlternateContent xmlns:mc="http://schemas.openxmlformats.org/markup-compatibility/2006">
+        <mc:Choice xmlns:a14="http://schemas.microsoft.com/office/drawing/2010/main" Requires="a14">
+          <p:sp>
+            <p:nvSpPr>
+              <p:cNvPr id="14" name="TextBox 13">
+                <a:extLst>
+                  <a:ext uri="{FF2B5EF4-FFF2-40B4-BE49-F238E27FC236}">
+                    <a16:creationId xmlns:a16="http://schemas.microsoft.com/office/drawing/2014/main" id="{D4FC06F0-93C3-4D7D-B404-C749118E9090}"/>
+                  </a:ext>
+                </a:extLst>
+              </p:cNvPr>
+              <p:cNvSpPr txBox="1"/>
+              <p:nvPr/>
+            </p:nvSpPr>
+            <p:spPr>
+              <a:xfrm>
+                <a:off x="3773953" y="700713"/>
+                <a:ext cx="96245" cy="230256"/>
+              </a:xfrm>
+              <a:prstGeom prst="rect">
+                <a:avLst/>
+              </a:prstGeom>
+              <a:noFill/>
+            </p:spPr>
+            <p:txBody>
+              <a:bodyPr wrap="none" lIns="0" rIns="0" rtlCol="0">
+                <a:spAutoFit/>
+              </a:bodyPr>
+              <a:lstStyle/>
+              <a:p>
+                <a14:m>
+                  <m:oMath xmlns:m="http://schemas.openxmlformats.org/officeDocument/2006/math">
+                    <m:acc>
+                      <m:accPr>
+                        <m:chr m:val="⃑"/>
+                        <m:ctrlPr>
+                          <a:rPr lang="en-US" altLang="zh-CN" sz="800" i="1" smtClean="0">
+                            <a:latin typeface="Cambria Math" panose="02040503050406030204" pitchFamily="18" charset="0"/>
+                          </a:rPr>
+                        </m:ctrlPr>
+                      </m:accPr>
+                      <m:e>
+                        <m:r>
+                          <a:rPr lang="en-US" altLang="zh-CN" sz="800" b="0" i="1" smtClean="0">
+                            <a:latin typeface="Cambria Math" panose="02040503050406030204" pitchFamily="18" charset="0"/>
+                          </a:rPr>
+                          <m:t>𝑉</m:t>
+                        </m:r>
+                      </m:e>
+                    </m:acc>
+                  </m:oMath>
+                </a14:m>
+                <a:r>
+                  <a:rPr lang="en-US" altLang="zh-CN" sz="800" baseline="-25000" dirty="0"/>
+                  <a:t>c</a:t>
+                </a:r>
+                <a:endParaRPr lang="zh-CN" altLang="en-US" sz="800" baseline="-25000" dirty="0"/>
+              </a:p>
+            </p:txBody>
+          </p:sp>
+        </mc:Choice>
+        <mc:Fallback>
+          <p:sp>
+            <p:nvSpPr>
+              <p:cNvPr id="14" name="TextBox 13">
+                <a:extLst>
+                  <a:ext uri="{FF2B5EF4-FFF2-40B4-BE49-F238E27FC236}">
+                    <a16:creationId xmlns:a16="http://schemas.microsoft.com/office/drawing/2014/main" id="{D4FC06F0-93C3-4D7D-B404-C749118E9090}"/>
+                  </a:ext>
+                </a:extLst>
+              </p:cNvPr>
+              <p:cNvSpPr txBox="1">
+                <a:spLocks noRot="1" noChangeAspect="1" noMove="1" noResize="1" noEditPoints="1" noAdjustHandles="1" noChangeArrowheads="1" noChangeShapeType="1" noTextEdit="1"/>
+              </p:cNvSpPr>
+              <p:nvPr/>
+            </p:nvSpPr>
+            <p:spPr>
+              <a:xfrm>
+                <a:off x="3773953" y="700713"/>
+                <a:ext cx="96245" cy="230256"/>
+              </a:xfrm>
+              <a:prstGeom prst="rect">
+                <a:avLst/>
+              </a:prstGeom>
+              <a:blipFill>
+                <a:blip r:embed="rId3"/>
+                <a:stretch>
+                  <a:fillRect l="-37500" r="-43750" b="-2632"/>
+                </a:stretch>
+              </a:blipFill>
+            </p:spPr>
+            <p:txBody>
+              <a:bodyPr/>
+              <a:lstStyle/>
+              <a:p>
+                <a:r>
+                  <a:rPr lang="en-US">
+                    <a:noFill/>
+                  </a:rPr>
+                  <a:t> </a:t>
+                </a:r>
+              </a:p>
+            </p:txBody>
+          </p:sp>
+        </mc:Fallback>
+      </mc:AlternateContent>
+      <mc:AlternateContent xmlns:mc="http://schemas.openxmlformats.org/markup-compatibility/2006">
+        <mc:Choice xmlns:a14="http://schemas.microsoft.com/office/drawing/2010/main" Requires="a14">
+          <p:sp>
+            <p:nvSpPr>
+              <p:cNvPr id="15" name="TextBox 14">
+                <a:extLst>
+                  <a:ext uri="{FF2B5EF4-FFF2-40B4-BE49-F238E27FC236}">
+                    <a16:creationId xmlns:a16="http://schemas.microsoft.com/office/drawing/2014/main" id="{3C0CD230-639C-4C78-9040-124E0518CAE3}"/>
+                  </a:ext>
+                </a:extLst>
+              </p:cNvPr>
+              <p:cNvSpPr txBox="1"/>
+              <p:nvPr/>
+            </p:nvSpPr>
+            <p:spPr>
+              <a:xfrm>
+                <a:off x="4486393" y="824658"/>
+                <a:ext cx="89063" cy="212622"/>
+              </a:xfrm>
+              <a:prstGeom prst="rect">
+                <a:avLst/>
+              </a:prstGeom>
+              <a:noFill/>
+            </p:spPr>
+            <p:txBody>
+              <a:bodyPr wrap="none" lIns="0" rIns="0" rtlCol="0">
+                <a:spAutoFit/>
+              </a:bodyPr>
+              <a:lstStyle/>
+              <a:p>
+                <a14:m>
+                  <m:oMath xmlns:m="http://schemas.openxmlformats.org/officeDocument/2006/math">
+                    <m:acc>
+                      <m:accPr>
+                        <m:chr m:val="⃑"/>
+                        <m:ctrlPr>
+                          <a:rPr lang="en-US" altLang="zh-CN" sz="800" i="1" smtClean="0">
+                            <a:latin typeface="Cambria Math" panose="02040503050406030204" pitchFamily="18" charset="0"/>
+                          </a:rPr>
+                        </m:ctrlPr>
+                      </m:accPr>
+                      <m:e>
+                        <m:r>
+                          <a:rPr lang="en-US" altLang="zh-CN" sz="800" b="0" i="1" smtClean="0">
+                            <a:latin typeface="Cambria Math" panose="02040503050406030204" pitchFamily="18" charset="0"/>
+                          </a:rPr>
+                          <m:t>𝑎</m:t>
+                        </m:r>
+                      </m:e>
+                    </m:acc>
+                  </m:oMath>
+                </a14:m>
+                <a:r>
+                  <a:rPr lang="en-US" altLang="zh-CN" sz="800" baseline="-25000" dirty="0"/>
+                  <a:t>c</a:t>
+                </a:r>
+                <a:endParaRPr lang="zh-CN" altLang="en-US" sz="800" baseline="-25000" dirty="0"/>
+              </a:p>
+            </p:txBody>
+          </p:sp>
+        </mc:Choice>
+        <mc:Fallback>
+          <p:sp>
+            <p:nvSpPr>
+              <p:cNvPr id="15" name="TextBox 14">
+                <a:extLst>
+                  <a:ext uri="{FF2B5EF4-FFF2-40B4-BE49-F238E27FC236}">
+                    <a16:creationId xmlns:a16="http://schemas.microsoft.com/office/drawing/2014/main" id="{3C0CD230-639C-4C78-9040-124E0518CAE3}"/>
+                  </a:ext>
+                </a:extLst>
+              </p:cNvPr>
+              <p:cNvSpPr txBox="1">
+                <a:spLocks noRot="1" noChangeAspect="1" noMove="1" noResize="1" noEditPoints="1" noAdjustHandles="1" noChangeArrowheads="1" noChangeShapeType="1" noTextEdit="1"/>
+              </p:cNvSpPr>
+              <p:nvPr/>
+            </p:nvSpPr>
+            <p:spPr>
+              <a:xfrm>
+                <a:off x="4486393" y="824658"/>
+                <a:ext cx="89063" cy="212622"/>
+              </a:xfrm>
+              <a:prstGeom prst="rect">
+                <a:avLst/>
+              </a:prstGeom>
+              <a:blipFill>
+                <a:blip r:embed="rId4"/>
+                <a:stretch>
+                  <a:fillRect l="-33333" r="-46667" b="-5714"/>
+                </a:stretch>
+              </a:blipFill>
+            </p:spPr>
+            <p:txBody>
+              <a:bodyPr/>
+              <a:lstStyle/>
+              <a:p>
+                <a:r>
+                  <a:rPr lang="en-US">
+                    <a:noFill/>
+                  </a:rPr>
+                  <a:t> </a:t>
+                </a:r>
+              </a:p>
+            </p:txBody>
+          </p:sp>
+        </mc:Fallback>
+      </mc:AlternateContent>
+      <p:grpSp>
+        <p:nvGrpSpPr>
+          <p:cNvPr id="16" name="Group 15">
+            <a:extLst>
+              <a:ext uri="{FF2B5EF4-FFF2-40B4-BE49-F238E27FC236}">
+                <a16:creationId xmlns:a16="http://schemas.microsoft.com/office/drawing/2014/main" id="{2ED8C740-6313-4918-BD1C-0DA634E763C2}"/>
+              </a:ext>
+            </a:extLst>
+          </p:cNvPr>
+          <p:cNvGrpSpPr/>
+          <p:nvPr/>
+        </p:nvGrpSpPr>
+        <p:grpSpPr>
+          <a:xfrm>
+            <a:off x="2517264" y="2711093"/>
+            <a:ext cx="1179487" cy="695167"/>
+            <a:chOff x="1820772" y="2711093"/>
+            <a:chExt cx="1179487" cy="695167"/>
+          </a:xfrm>
+        </p:grpSpPr>
+        <p:cxnSp>
+          <p:nvCxnSpPr>
+            <p:cNvPr id="17" name="Straight Connector 16">
+              <a:extLst>
+                <a:ext uri="{FF2B5EF4-FFF2-40B4-BE49-F238E27FC236}">
+                  <a16:creationId xmlns:a16="http://schemas.microsoft.com/office/drawing/2014/main" id="{0E9B40DE-CD1F-488B-9453-D9CBE5B322A1}"/>
+                </a:ext>
+              </a:extLst>
+            </p:cNvPr>
+            <p:cNvCxnSpPr/>
+            <p:nvPr/>
+          </p:nvCxnSpPr>
+          <p:spPr>
+            <a:xfrm flipV="1">
+              <a:off x="1915453" y="2963090"/>
+              <a:ext cx="704249" cy="122478"/>
+            </a:xfrm>
+            <a:prstGeom prst="line">
+              <a:avLst/>
+            </a:prstGeom>
+            <a:ln w="9525">
+              <a:solidFill>
+                <a:schemeClr val="tx1"/>
+              </a:solidFill>
+              <a:tailEnd type="triangle" w="sm" len="sm"/>
+            </a:ln>
+          </p:spPr>
+          <p:style>
+            <a:lnRef idx="1">
+              <a:schemeClr val="accent1"/>
+            </a:lnRef>
+            <a:fillRef idx="0">
+              <a:schemeClr val="accent1"/>
+            </a:fillRef>
+            <a:effectRef idx="0">
+              <a:schemeClr val="accent1"/>
+            </a:effectRef>
+            <a:fontRef idx="minor">
+              <a:schemeClr val="tx1"/>
+            </a:fontRef>
+          </p:style>
+        </p:cxnSp>
+        <p:cxnSp>
+          <p:nvCxnSpPr>
+            <p:cNvPr id="18" name="Straight Connector 17">
+              <a:extLst>
+                <a:ext uri="{FF2B5EF4-FFF2-40B4-BE49-F238E27FC236}">
+                  <a16:creationId xmlns:a16="http://schemas.microsoft.com/office/drawing/2014/main" id="{40517C68-0A99-4B40-B14A-4E0566B476F9}"/>
+                </a:ext>
+              </a:extLst>
+            </p:cNvPr>
+            <p:cNvCxnSpPr/>
+            <p:nvPr/>
+          </p:nvCxnSpPr>
+          <p:spPr>
+            <a:xfrm>
+              <a:off x="1923888" y="3081603"/>
+              <a:ext cx="808524" cy="155972"/>
+            </a:xfrm>
+            <a:prstGeom prst="line">
+              <a:avLst/>
+            </a:prstGeom>
+            <a:ln w="9525">
+              <a:solidFill>
+                <a:schemeClr val="tx1"/>
+              </a:solidFill>
+              <a:tailEnd type="triangle" w="sm" len="sm"/>
+            </a:ln>
+          </p:spPr>
+          <p:style>
+            <a:lnRef idx="1">
+              <a:schemeClr val="accent1"/>
+            </a:lnRef>
+            <a:fillRef idx="0">
+              <a:schemeClr val="accent1"/>
+            </a:fillRef>
+            <a:effectRef idx="0">
+              <a:schemeClr val="accent1"/>
+            </a:effectRef>
+            <a:fontRef idx="minor">
+              <a:schemeClr val="tx1"/>
+            </a:fontRef>
+          </p:style>
+        </p:cxnSp>
+        <p:cxnSp>
+          <p:nvCxnSpPr>
+            <p:cNvPr id="19" name="Straight Connector 18">
+              <a:extLst>
+                <a:ext uri="{FF2B5EF4-FFF2-40B4-BE49-F238E27FC236}">
+                  <a16:creationId xmlns:a16="http://schemas.microsoft.com/office/drawing/2014/main" id="{8C2A7AE1-B03D-4039-96AE-8F4B9F9B6905}"/>
+                </a:ext>
+              </a:extLst>
+            </p:cNvPr>
+            <p:cNvCxnSpPr/>
+            <p:nvPr/>
+          </p:nvCxnSpPr>
+          <p:spPr>
+            <a:xfrm>
+              <a:off x="2642078" y="2956261"/>
+              <a:ext cx="98593" cy="275412"/>
+            </a:xfrm>
+            <a:prstGeom prst="line">
+              <a:avLst/>
+            </a:prstGeom>
+            <a:ln w="3175">
+              <a:solidFill>
+                <a:schemeClr val="tx1"/>
+              </a:solidFill>
+              <a:prstDash val="dash"/>
+              <a:tailEnd type="triangle" w="sm" len="sm"/>
+            </a:ln>
+          </p:spPr>
+          <p:style>
+            <a:lnRef idx="1">
+              <a:schemeClr val="accent1"/>
+            </a:lnRef>
+            <a:fillRef idx="0">
+              <a:schemeClr val="accent1"/>
+            </a:fillRef>
+            <a:effectRef idx="0">
+              <a:schemeClr val="accent1"/>
+            </a:effectRef>
+            <a:fontRef idx="minor">
+              <a:schemeClr val="tx1"/>
+            </a:fontRef>
+          </p:style>
+        </p:cxnSp>
+        <mc:AlternateContent xmlns:mc="http://schemas.openxmlformats.org/markup-compatibility/2006" xmlns:a14="http://schemas.microsoft.com/office/drawing/2010/main">
+          <mc:Choice Requires="a14">
+            <p:sp>
+              <p:nvSpPr>
+                <p:cNvPr id="20" name="TextBox 19">
+                  <a:extLst>
+                    <a:ext uri="{FF2B5EF4-FFF2-40B4-BE49-F238E27FC236}">
+                      <a16:creationId xmlns:a16="http://schemas.microsoft.com/office/drawing/2014/main" id="{A9B4286F-41FE-4E2F-839E-BFFA1819218A}"/>
+                    </a:ext>
+                  </a:extLst>
+                </p:cNvPr>
+                <p:cNvSpPr txBox="1"/>
+                <p:nvPr/>
+              </p:nvSpPr>
+              <p:spPr>
+                <a:xfrm>
+                  <a:off x="2089374" y="2792363"/>
+                  <a:ext cx="270972" cy="230256"/>
+                </a:xfrm>
+                <a:prstGeom prst="rect">
+                  <a:avLst/>
+                </a:prstGeom>
+                <a:noFill/>
+              </p:spPr>
+              <p:txBody>
+                <a:bodyPr wrap="none" lIns="0" rIns="0" rtlCol="0">
+                  <a:spAutoFit/>
+                </a:bodyPr>
+                <a:lstStyle/>
+                <a:p>
+                  <a14:m>
+                    <m:oMath xmlns:m="http://schemas.openxmlformats.org/officeDocument/2006/math">
+                      <m:acc>
+                        <m:accPr>
+                          <m:chr m:val="⃑"/>
+                          <m:ctrlPr>
+                            <a:rPr lang="en-US" altLang="zh-CN" sz="800" i="1" smtClean="0">
+                              <a:latin typeface="Cambria Math" panose="02040503050406030204" pitchFamily="18" charset="0"/>
+                            </a:rPr>
+                          </m:ctrlPr>
+                        </m:accPr>
+                        <m:e>
+                          <m:r>
+                            <a:rPr lang="en-US" altLang="zh-CN" sz="800" b="0" i="1" smtClean="0">
+                              <a:latin typeface="Cambria Math" panose="02040503050406030204" pitchFamily="18" charset="0"/>
+                            </a:rPr>
+                            <m:t>𝑉</m:t>
+                          </m:r>
+                        </m:e>
+                      </m:acc>
+                    </m:oMath>
+                  </a14:m>
+                  <a:r>
+                    <a:rPr lang="en-US" altLang="zh-CN" sz="800" baseline="-25000" dirty="0"/>
+                    <a:t>current</a:t>
+                  </a:r>
+                  <a:endParaRPr lang="zh-CN" altLang="en-US" sz="800" baseline="-25000" dirty="0"/>
+                </a:p>
+              </p:txBody>
+            </p:sp>
+          </mc:Choice>
+          <mc:Fallback xmlns="">
+            <p:sp>
+              <p:nvSpPr>
+                <p:cNvPr id="19" name="TextBox 18"/>
+                <p:cNvSpPr txBox="1">
+                  <a:spLocks noRot="1" noChangeAspect="1" noMove="1" noResize="1" noEditPoints="1" noAdjustHandles="1" noChangeArrowheads="1" noChangeShapeType="1" noTextEdit="1"/>
+                </p:cNvSpPr>
+                <p:nvPr/>
+              </p:nvSpPr>
+              <p:spPr>
+                <a:xfrm>
+                  <a:off x="2089374" y="2792363"/>
+                  <a:ext cx="270972" cy="230256"/>
+                </a:xfrm>
+                <a:prstGeom prst="rect">
+                  <a:avLst/>
+                </a:prstGeom>
+                <a:blipFill rotWithShape="0">
+                  <a:blip r:embed="rId6"/>
+                  <a:stretch>
+                    <a:fillRect l="-13636" r="-20455" b="-5263"/>
+                  </a:stretch>
+                </a:blipFill>
+              </p:spPr>
+              <p:txBody>
+                <a:bodyPr/>
+                <a:lstStyle/>
+                <a:p>
+                  <a:r>
+                    <a:rPr lang="en-US">
+                      <a:noFill/>
+                    </a:rPr>
+                    <a:t> </a:t>
+                  </a:r>
+                </a:p>
+              </p:txBody>
+            </p:sp>
+          </mc:Fallback>
+        </mc:AlternateContent>
+        <mc:AlternateContent xmlns:mc="http://schemas.openxmlformats.org/markup-compatibility/2006" xmlns:a14="http://schemas.microsoft.com/office/drawing/2010/main">
+          <mc:Choice Requires="a14">
+            <p:sp>
+              <p:nvSpPr>
+                <p:cNvPr id="21" name="TextBox 20">
+                  <a:extLst>
+                    <a:ext uri="{FF2B5EF4-FFF2-40B4-BE49-F238E27FC236}">
+                      <a16:creationId xmlns:a16="http://schemas.microsoft.com/office/drawing/2014/main" id="{F3E6551A-CDE2-4659-941D-844CF2E4C320}"/>
+                    </a:ext>
+                  </a:extLst>
+                </p:cNvPr>
+                <p:cNvSpPr txBox="1"/>
+                <p:nvPr/>
+              </p:nvSpPr>
+              <p:spPr>
+                <a:xfrm>
+                  <a:off x="2736469" y="2949320"/>
+                  <a:ext cx="263790" cy="212622"/>
+                </a:xfrm>
+                <a:prstGeom prst="rect">
+                  <a:avLst/>
+                </a:prstGeom>
+                <a:noFill/>
+              </p:spPr>
+              <p:txBody>
+                <a:bodyPr wrap="none" lIns="0" rIns="0" rtlCol="0">
+                  <a:spAutoFit/>
+                </a:bodyPr>
+                <a:lstStyle/>
+                <a:p>
+                  <a14:m>
+                    <m:oMath xmlns:m="http://schemas.openxmlformats.org/officeDocument/2006/math">
+                      <m:acc>
+                        <m:accPr>
+                          <m:chr m:val="⃑"/>
+                          <m:ctrlPr>
+                            <a:rPr lang="en-US" altLang="zh-CN" sz="800" i="1" smtClean="0">
+                              <a:latin typeface="Cambria Math" panose="02040503050406030204" pitchFamily="18" charset="0"/>
+                            </a:rPr>
+                          </m:ctrlPr>
+                        </m:accPr>
+                        <m:e>
+                          <m:r>
+                            <a:rPr lang="en-US" altLang="zh-CN" sz="800" b="0" i="1" smtClean="0">
+                              <a:latin typeface="Cambria Math" panose="02040503050406030204" pitchFamily="18" charset="0"/>
+                            </a:rPr>
+                            <m:t>𝑎</m:t>
+                          </m:r>
+                        </m:e>
+                      </m:acc>
+                    </m:oMath>
+                  </a14:m>
+                  <a:r>
+                    <a:rPr lang="en-US" altLang="zh-CN" sz="800" baseline="-25000" dirty="0"/>
+                    <a:t>current</a:t>
+                  </a:r>
+                  <a:endParaRPr lang="zh-CN" altLang="en-US" sz="800" baseline="-25000" dirty="0"/>
+                </a:p>
+              </p:txBody>
+            </p:sp>
+          </mc:Choice>
+          <mc:Fallback xmlns="">
+            <p:sp>
+              <p:nvSpPr>
+                <p:cNvPr id="22" name="TextBox 21"/>
+                <p:cNvSpPr txBox="1">
+                  <a:spLocks noRot="1" noChangeAspect="1" noMove="1" noResize="1" noEditPoints="1" noAdjustHandles="1" noChangeArrowheads="1" noChangeShapeType="1" noTextEdit="1"/>
+                </p:cNvSpPr>
+                <p:nvPr/>
+              </p:nvSpPr>
+              <p:spPr>
+                <a:xfrm>
+                  <a:off x="2736469" y="2949320"/>
+                  <a:ext cx="263790" cy="212622"/>
+                </a:xfrm>
+                <a:prstGeom prst="rect">
+                  <a:avLst/>
+                </a:prstGeom>
+                <a:blipFill rotWithShape="0">
+                  <a:blip r:embed="rId7"/>
+                  <a:stretch>
+                    <a:fillRect l="-9302" r="-20930" b="-2857"/>
+                  </a:stretch>
+                </a:blipFill>
+              </p:spPr>
+              <p:txBody>
+                <a:bodyPr/>
+                <a:lstStyle/>
+                <a:p>
+                  <a:r>
+                    <a:rPr lang="en-US">
+                      <a:noFill/>
+                    </a:rPr>
+                    <a:t> </a:t>
+                  </a:r>
+                </a:p>
+              </p:txBody>
+            </p:sp>
+          </mc:Fallback>
+        </mc:AlternateContent>
+        <mc:AlternateContent xmlns:mc="http://schemas.openxmlformats.org/markup-compatibility/2006" xmlns:a14="http://schemas.microsoft.com/office/drawing/2010/main">
+          <mc:Choice Requires="a14">
+            <p:sp>
+              <p:nvSpPr>
+                <p:cNvPr id="22" name="TextBox 21">
+                  <a:extLst>
+                    <a:ext uri="{FF2B5EF4-FFF2-40B4-BE49-F238E27FC236}">
+                      <a16:creationId xmlns:a16="http://schemas.microsoft.com/office/drawing/2014/main" id="{483C1D5E-A784-435D-9FAF-C02F191484E3}"/>
+                    </a:ext>
+                  </a:extLst>
+                </p:cNvPr>
+                <p:cNvSpPr txBox="1"/>
+                <p:nvPr/>
+              </p:nvSpPr>
+              <p:spPr>
+                <a:xfrm>
+                  <a:off x="2320113" y="3176004"/>
+                  <a:ext cx="186013" cy="230256"/>
+                </a:xfrm>
+                <a:prstGeom prst="rect">
+                  <a:avLst/>
+                </a:prstGeom>
+                <a:noFill/>
+              </p:spPr>
+              <p:txBody>
+                <a:bodyPr wrap="none" lIns="0" rIns="0" rtlCol="0">
+                  <a:spAutoFit/>
+                </a:bodyPr>
+                <a:lstStyle/>
+                <a:p>
+                  <a14:m>
+                    <m:oMath xmlns:m="http://schemas.openxmlformats.org/officeDocument/2006/math">
+                      <m:acc>
+                        <m:accPr>
+                          <m:chr m:val="⃑"/>
+                          <m:ctrlPr>
+                            <a:rPr lang="en-US" altLang="zh-CN" sz="800" i="1" smtClean="0">
+                              <a:latin typeface="Cambria Math" panose="02040503050406030204" pitchFamily="18" charset="0"/>
+                            </a:rPr>
+                          </m:ctrlPr>
+                        </m:accPr>
+                        <m:e>
+                          <m:r>
+                            <a:rPr lang="en-US" altLang="zh-CN" sz="800" b="0" i="1" smtClean="0">
+                              <a:latin typeface="Cambria Math" panose="02040503050406030204" pitchFamily="18" charset="0"/>
+                            </a:rPr>
+                            <m:t>𝑉</m:t>
+                          </m:r>
+                        </m:e>
+                      </m:acc>
+                    </m:oMath>
+                  </a14:m>
+                  <a:r>
+                    <a:rPr lang="en-US" altLang="zh-CN" sz="800" baseline="-25000" dirty="0"/>
+                    <a:t>new</a:t>
+                  </a:r>
+                  <a:endParaRPr lang="zh-CN" altLang="en-US" sz="800" baseline="-25000" dirty="0"/>
+                </a:p>
+              </p:txBody>
+            </p:sp>
+          </mc:Choice>
+          <mc:Fallback xmlns="">
+            <p:sp>
+              <p:nvSpPr>
+                <p:cNvPr id="24" name="TextBox 23"/>
+                <p:cNvSpPr txBox="1">
+                  <a:spLocks noRot="1" noChangeAspect="1" noMove="1" noResize="1" noEditPoints="1" noAdjustHandles="1" noChangeArrowheads="1" noChangeShapeType="1" noTextEdit="1"/>
+                </p:cNvSpPr>
+                <p:nvPr/>
+              </p:nvSpPr>
+              <p:spPr>
+                <a:xfrm>
+                  <a:off x="2320113" y="3176004"/>
+                  <a:ext cx="186013" cy="230256"/>
+                </a:xfrm>
+                <a:prstGeom prst="rect">
+                  <a:avLst/>
+                </a:prstGeom>
+                <a:blipFill rotWithShape="0">
+                  <a:blip r:embed="rId8"/>
+                  <a:stretch>
+                    <a:fillRect l="-20000" r="-26667" b="-2632"/>
+                  </a:stretch>
+                </a:blipFill>
+              </p:spPr>
+              <p:txBody>
+                <a:bodyPr/>
+                <a:lstStyle/>
+                <a:p>
+                  <a:r>
+                    <a:rPr lang="en-US">
+                      <a:noFill/>
+                    </a:rPr>
+                    <a:t> </a:t>
+                  </a:r>
+                </a:p>
+              </p:txBody>
+            </p:sp>
+          </mc:Fallback>
+        </mc:AlternateContent>
+        <p:sp>
+          <p:nvSpPr>
+            <p:cNvPr id="23" name="椭圆 12">
+              <a:extLst>
+                <a:ext uri="{FF2B5EF4-FFF2-40B4-BE49-F238E27FC236}">
+                  <a16:creationId xmlns:a16="http://schemas.microsoft.com/office/drawing/2014/main" id="{7F1D1A5B-8129-4635-BF02-2983193B2A07}"/>
+                </a:ext>
+              </a:extLst>
+            </p:cNvPr>
+            <p:cNvSpPr/>
+            <p:nvPr/>
+          </p:nvSpPr>
+          <p:spPr>
+            <a:xfrm>
+              <a:off x="1897453" y="3061274"/>
+              <a:ext cx="54864" cy="54864"/>
+            </a:xfrm>
+            <a:prstGeom prst="ellipse">
+              <a:avLst/>
+            </a:prstGeom>
+            <a:solidFill>
+              <a:schemeClr val="tx1"/>
+            </a:solidFill>
+            <a:ln>
+              <a:noFill/>
+            </a:ln>
+          </p:spPr>
+          <p:style>
+            <a:lnRef idx="2">
+              <a:schemeClr val="accent1">
+                <a:shade val="50000"/>
+              </a:schemeClr>
+            </a:lnRef>
+            <a:fillRef idx="1">
+              <a:schemeClr val="accent1"/>
+            </a:fillRef>
+            <a:effectRef idx="0">
+              <a:schemeClr val="accent1"/>
+            </a:effectRef>
+            <a:fontRef idx="minor">
+              <a:schemeClr val="lt1"/>
+            </a:fontRef>
+          </p:style>
+          <p:txBody>
+            <a:bodyPr rtlCol="0" anchor="ctr"/>
+            <a:lstStyle/>
+            <a:p>
+              <a:pPr algn="ctr"/>
+              <a:endParaRPr lang="zh-CN" altLang="en-US"/>
+            </a:p>
+          </p:txBody>
+        </p:sp>
+        <mc:AlternateContent xmlns:mc="http://schemas.openxmlformats.org/markup-compatibility/2006" xmlns:a14="http://schemas.microsoft.com/office/drawing/2010/main">
+          <mc:Choice Requires="a14">
+            <p:sp>
+              <p:nvSpPr>
+                <p:cNvPr id="24" name="TextBox 23">
+                  <a:extLst>
+                    <a:ext uri="{FF2B5EF4-FFF2-40B4-BE49-F238E27FC236}">
+                      <a16:creationId xmlns:a16="http://schemas.microsoft.com/office/drawing/2014/main" id="{F2E99C03-9A54-40A8-95E7-D4A2E3C19E8E}"/>
+                    </a:ext>
+                  </a:extLst>
+                </p:cNvPr>
+                <p:cNvSpPr txBox="1"/>
+                <p:nvPr/>
+              </p:nvSpPr>
+              <p:spPr>
+                <a:xfrm>
+                  <a:off x="2555946" y="2711093"/>
+                  <a:ext cx="177613" cy="212622"/>
+                </a:xfrm>
+                <a:prstGeom prst="rect">
+                  <a:avLst/>
+                </a:prstGeom>
+                <a:noFill/>
+              </p:spPr>
+              <p:txBody>
+                <a:bodyPr wrap="none" lIns="0" rIns="0" rtlCol="0">
+                  <a:spAutoFit/>
+                </a:bodyPr>
+                <a:lstStyle/>
+                <a:p>
+                  <a14:m>
+                    <m:oMath xmlns:m="http://schemas.openxmlformats.org/officeDocument/2006/math">
+                      <m:r>
+                        <a:rPr lang="en-US" altLang="zh-CN" sz="800" b="0" i="1" smtClean="0">
+                          <a:latin typeface="Cambria Math" panose="02040503050406030204" pitchFamily="18" charset="0"/>
+                        </a:rPr>
+                        <m:t>𝑝</m:t>
+                      </m:r>
+                    </m:oMath>
+                  </a14:m>
+                  <a:r>
+                    <a:rPr lang="en-US" altLang="zh-CN" sz="800" baseline="-25000" dirty="0"/>
+                    <a:t>new</a:t>
+                  </a:r>
+                  <a:endParaRPr lang="zh-CN" altLang="en-US" sz="800" baseline="-25000" dirty="0"/>
+                </a:p>
+              </p:txBody>
+            </p:sp>
+          </mc:Choice>
+          <mc:Fallback xmlns="">
+            <p:sp>
+              <p:nvSpPr>
+                <p:cNvPr id="31" name="TextBox 30"/>
+                <p:cNvSpPr txBox="1">
+                  <a:spLocks noRot="1" noChangeAspect="1" noMove="1" noResize="1" noEditPoints="1" noAdjustHandles="1" noChangeArrowheads="1" noChangeShapeType="1" noTextEdit="1"/>
+                </p:cNvSpPr>
+                <p:nvPr/>
+              </p:nvSpPr>
+              <p:spPr>
+                <a:xfrm>
+                  <a:off x="2555946" y="2711093"/>
+                  <a:ext cx="177613" cy="212622"/>
+                </a:xfrm>
+                <a:prstGeom prst="rect">
+                  <a:avLst/>
+                </a:prstGeom>
+                <a:blipFill rotWithShape="0">
+                  <a:blip r:embed="rId9"/>
+                  <a:stretch>
+                    <a:fillRect l="-24138" r="-27586" b="-2857"/>
+                  </a:stretch>
+                </a:blipFill>
+              </p:spPr>
+              <p:txBody>
+                <a:bodyPr/>
+                <a:lstStyle/>
+                <a:p>
+                  <a:r>
+                    <a:rPr lang="en-US">
+                      <a:noFill/>
+                    </a:rPr>
+                    <a:t> </a:t>
+                  </a:r>
+                </a:p>
+              </p:txBody>
+            </p:sp>
+          </mc:Fallback>
+        </mc:AlternateContent>
+        <mc:AlternateContent xmlns:mc="http://schemas.openxmlformats.org/markup-compatibility/2006" xmlns:a14="http://schemas.microsoft.com/office/drawing/2010/main">
+          <mc:Choice Requires="a14">
+            <p:sp>
+              <p:nvSpPr>
+                <p:cNvPr id="25" name="TextBox 24">
+                  <a:extLst>
+                    <a:ext uri="{FF2B5EF4-FFF2-40B4-BE49-F238E27FC236}">
+                      <a16:creationId xmlns:a16="http://schemas.microsoft.com/office/drawing/2014/main" id="{37D6FC9E-8BBA-43B6-B929-EEAD378BC18D}"/>
+                    </a:ext>
+                  </a:extLst>
+                </p:cNvPr>
+                <p:cNvSpPr txBox="1"/>
+                <p:nvPr/>
+              </p:nvSpPr>
+              <p:spPr>
+                <a:xfrm>
+                  <a:off x="1820772" y="3056110"/>
+                  <a:ext cx="262572" cy="212622"/>
+                </a:xfrm>
+                <a:prstGeom prst="rect">
+                  <a:avLst/>
+                </a:prstGeom>
+                <a:noFill/>
+              </p:spPr>
+              <p:txBody>
+                <a:bodyPr wrap="none" lIns="0" rIns="0" rtlCol="0">
+                  <a:spAutoFit/>
+                </a:bodyPr>
+                <a:lstStyle/>
+                <a:p>
+                  <a14:m>
+                    <m:oMath xmlns:m="http://schemas.openxmlformats.org/officeDocument/2006/math">
+                      <m:r>
+                        <a:rPr lang="en-US" altLang="zh-CN" sz="800" b="0" i="1" smtClean="0">
+                          <a:latin typeface="Cambria Math" panose="02040503050406030204" pitchFamily="18" charset="0"/>
+                        </a:rPr>
+                        <m:t>𝑝</m:t>
+                      </m:r>
+                    </m:oMath>
+                  </a14:m>
+                  <a:r>
+                    <a:rPr lang="en-US" altLang="zh-CN" sz="800" baseline="-25000" dirty="0"/>
+                    <a:t>current</a:t>
+                  </a:r>
+                  <a:endParaRPr lang="zh-CN" altLang="en-US" sz="800" baseline="-25000" dirty="0"/>
+                </a:p>
+              </p:txBody>
+            </p:sp>
+          </mc:Choice>
+          <mc:Fallback xmlns="">
+            <p:sp>
+              <p:nvSpPr>
+                <p:cNvPr id="32" name="TextBox 31"/>
+                <p:cNvSpPr txBox="1">
+                  <a:spLocks noRot="1" noChangeAspect="1" noMove="1" noResize="1" noEditPoints="1" noAdjustHandles="1" noChangeArrowheads="1" noChangeShapeType="1" noTextEdit="1"/>
+                </p:cNvSpPr>
+                <p:nvPr/>
+              </p:nvSpPr>
+              <p:spPr>
+                <a:xfrm>
+                  <a:off x="1820772" y="3056110"/>
+                  <a:ext cx="262572" cy="212622"/>
+                </a:xfrm>
+                <a:prstGeom prst="rect">
+                  <a:avLst/>
+                </a:prstGeom>
+                <a:blipFill rotWithShape="0">
+                  <a:blip r:embed="rId10"/>
+                  <a:stretch>
+                    <a:fillRect l="-16279" r="-20930" b="-5714"/>
+                  </a:stretch>
+                </a:blipFill>
+              </p:spPr>
+              <p:txBody>
+                <a:bodyPr/>
+                <a:lstStyle/>
+                <a:p>
+                  <a:r>
+                    <a:rPr lang="en-US">
+                      <a:noFill/>
+                    </a:rPr>
+                    <a:t> </a:t>
+                  </a:r>
+                </a:p>
+              </p:txBody>
+            </p:sp>
+          </mc:Fallback>
+        </mc:AlternateContent>
+        <p:sp>
+          <p:nvSpPr>
+            <p:cNvPr id="26" name="椭圆 12">
+              <a:extLst>
+                <a:ext uri="{FF2B5EF4-FFF2-40B4-BE49-F238E27FC236}">
+                  <a16:creationId xmlns:a16="http://schemas.microsoft.com/office/drawing/2014/main" id="{E0CE7491-07F6-49D7-9894-AFD7D6CFDD5E}"/>
+                </a:ext>
+              </a:extLst>
+            </p:cNvPr>
+            <p:cNvSpPr/>
+            <p:nvPr/>
+          </p:nvSpPr>
+          <p:spPr>
+            <a:xfrm>
+              <a:off x="2617321" y="2936303"/>
+              <a:ext cx="54864" cy="54864"/>
+            </a:xfrm>
+            <a:prstGeom prst="ellipse">
+              <a:avLst/>
+            </a:prstGeom>
+            <a:solidFill>
+              <a:schemeClr val="tx1"/>
+            </a:solidFill>
+            <a:ln>
+              <a:noFill/>
+            </a:ln>
+          </p:spPr>
+          <p:style>
+            <a:lnRef idx="2">
+              <a:schemeClr val="accent1">
+                <a:shade val="50000"/>
+              </a:schemeClr>
+            </a:lnRef>
+            <a:fillRef idx="1">
+              <a:schemeClr val="accent1"/>
+            </a:fillRef>
+            <a:effectRef idx="0">
+              <a:schemeClr val="accent1"/>
+            </a:effectRef>
+            <a:fontRef idx="minor">
+              <a:schemeClr val="lt1"/>
+            </a:fontRef>
+          </p:style>
+          <p:txBody>
+            <a:bodyPr rtlCol="0" anchor="ctr"/>
+            <a:lstStyle/>
+            <a:p>
+              <a:pPr algn="ctr"/>
+              <a:endParaRPr lang="zh-CN" altLang="en-US"/>
+            </a:p>
+          </p:txBody>
+        </p:sp>
+      </p:grpSp>
+      <p:grpSp>
+        <p:nvGrpSpPr>
+          <p:cNvPr id="27" name="Group 26">
+            <a:extLst>
+              <a:ext uri="{FF2B5EF4-FFF2-40B4-BE49-F238E27FC236}">
+                <a16:creationId xmlns:a16="http://schemas.microsoft.com/office/drawing/2014/main" id="{5740189B-5079-42DF-883D-8DFB0E92C271}"/>
+              </a:ext>
+            </a:extLst>
+          </p:cNvPr>
+          <p:cNvGrpSpPr/>
+          <p:nvPr/>
+        </p:nvGrpSpPr>
+        <p:grpSpPr>
+          <a:xfrm>
+            <a:off x="4016895" y="2791884"/>
+            <a:ext cx="1150656" cy="643080"/>
+            <a:chOff x="4260724" y="2791884"/>
+            <a:chExt cx="1150656" cy="643080"/>
+          </a:xfrm>
+        </p:grpSpPr>
+        <p:cxnSp>
+          <p:nvCxnSpPr>
+            <p:cNvPr id="28" name="Straight Connector 27">
+              <a:extLst>
+                <a:ext uri="{FF2B5EF4-FFF2-40B4-BE49-F238E27FC236}">
+                  <a16:creationId xmlns:a16="http://schemas.microsoft.com/office/drawing/2014/main" id="{A5E661B3-5E51-43DA-856D-68F2804AD34E}"/>
+                </a:ext>
+              </a:extLst>
+            </p:cNvPr>
+            <p:cNvCxnSpPr/>
+            <p:nvPr/>
+          </p:nvCxnSpPr>
+          <p:spPr>
+            <a:xfrm flipV="1">
+              <a:off x="4355405" y="2956261"/>
+              <a:ext cx="704249" cy="122478"/>
+            </a:xfrm>
+            <a:prstGeom prst="line">
+              <a:avLst/>
+            </a:prstGeom>
+            <a:ln w="9525">
+              <a:solidFill>
+                <a:schemeClr val="tx1"/>
+              </a:solidFill>
+              <a:tailEnd type="triangle" w="sm" len="sm"/>
+            </a:ln>
+          </p:spPr>
+          <p:style>
+            <a:lnRef idx="1">
+              <a:schemeClr val="accent1"/>
+            </a:lnRef>
+            <a:fillRef idx="0">
+              <a:schemeClr val="accent1"/>
+            </a:fillRef>
+            <a:effectRef idx="0">
+              <a:schemeClr val="accent1"/>
+            </a:effectRef>
+            <a:fontRef idx="minor">
+              <a:schemeClr val="tx1"/>
+            </a:fontRef>
+          </p:style>
+        </p:cxnSp>
+        <p:cxnSp>
+          <p:nvCxnSpPr>
+            <p:cNvPr id="29" name="Straight Connector 28">
+              <a:extLst>
+                <a:ext uri="{FF2B5EF4-FFF2-40B4-BE49-F238E27FC236}">
+                  <a16:creationId xmlns:a16="http://schemas.microsoft.com/office/drawing/2014/main" id="{99D87170-56F4-4192-8D2B-82A5ED380C29}"/>
+                </a:ext>
+              </a:extLst>
+            </p:cNvPr>
+            <p:cNvCxnSpPr/>
+            <p:nvPr/>
+          </p:nvCxnSpPr>
+          <p:spPr>
+            <a:xfrm>
+              <a:off x="4367953" y="3082243"/>
+              <a:ext cx="808524" cy="155972"/>
+            </a:xfrm>
+            <a:prstGeom prst="line">
+              <a:avLst/>
+            </a:prstGeom>
+            <a:ln w="9525">
+              <a:solidFill>
+                <a:schemeClr val="tx1"/>
+              </a:solidFill>
+              <a:tailEnd type="triangle" w="sm" len="sm"/>
+            </a:ln>
+          </p:spPr>
+          <p:style>
+            <a:lnRef idx="1">
+              <a:schemeClr val="accent1"/>
+            </a:lnRef>
+            <a:fillRef idx="0">
+              <a:schemeClr val="accent1"/>
+            </a:fillRef>
+            <a:effectRef idx="0">
+              <a:schemeClr val="accent1"/>
+            </a:effectRef>
+            <a:fontRef idx="minor">
+              <a:schemeClr val="tx1"/>
+            </a:fontRef>
+          </p:style>
+        </p:cxnSp>
+        <p:cxnSp>
+          <p:nvCxnSpPr>
+            <p:cNvPr id="30" name="Straight Connector 29">
+              <a:extLst>
+                <a:ext uri="{FF2B5EF4-FFF2-40B4-BE49-F238E27FC236}">
+                  <a16:creationId xmlns:a16="http://schemas.microsoft.com/office/drawing/2014/main" id="{A81051F7-39D4-4AFC-A933-990C51B115C9}"/>
+                </a:ext>
+              </a:extLst>
+            </p:cNvPr>
+            <p:cNvCxnSpPr/>
+            <p:nvPr/>
+          </p:nvCxnSpPr>
+          <p:spPr>
+            <a:xfrm>
+              <a:off x="5072202" y="2952403"/>
+              <a:ext cx="98593" cy="275412"/>
+            </a:xfrm>
+            <a:prstGeom prst="line">
+              <a:avLst/>
+            </a:prstGeom>
+            <a:ln w="3175">
+              <a:solidFill>
+                <a:schemeClr val="tx1"/>
+              </a:solidFill>
+              <a:prstDash val="dash"/>
+              <a:tailEnd type="triangle" w="sm" len="sm"/>
+            </a:ln>
+          </p:spPr>
+          <p:style>
+            <a:lnRef idx="1">
+              <a:schemeClr val="accent1"/>
+            </a:lnRef>
+            <a:fillRef idx="0">
+              <a:schemeClr val="accent1"/>
+            </a:fillRef>
+            <a:effectRef idx="0">
+              <a:schemeClr val="accent1"/>
+            </a:effectRef>
+            <a:fontRef idx="minor">
+              <a:schemeClr val="tx1"/>
+            </a:fontRef>
+          </p:style>
+        </p:cxnSp>
+        <mc:AlternateContent xmlns:mc="http://schemas.openxmlformats.org/markup-compatibility/2006" xmlns:a14="http://schemas.microsoft.com/office/drawing/2010/main">
+          <mc:Choice Requires="a14">
+            <p:sp>
+              <p:nvSpPr>
+                <p:cNvPr id="31" name="TextBox 30">
+                  <a:extLst>
+                    <a:ext uri="{FF2B5EF4-FFF2-40B4-BE49-F238E27FC236}">
+                      <a16:creationId xmlns:a16="http://schemas.microsoft.com/office/drawing/2014/main" id="{BFDD0334-7A26-42D1-9CE7-D99FC9F9C35F}"/>
+                    </a:ext>
+                  </a:extLst>
+                </p:cNvPr>
+                <p:cNvSpPr txBox="1"/>
+                <p:nvPr/>
+              </p:nvSpPr>
+              <p:spPr>
+                <a:xfrm>
+                  <a:off x="4529326" y="2791884"/>
+                  <a:ext cx="270972" cy="230256"/>
+                </a:xfrm>
+                <a:prstGeom prst="rect">
+                  <a:avLst/>
+                </a:prstGeom>
+                <a:noFill/>
+              </p:spPr>
+              <p:txBody>
+                <a:bodyPr wrap="none" lIns="0" rIns="0" rtlCol="0">
+                  <a:spAutoFit/>
+                </a:bodyPr>
+                <a:lstStyle/>
+                <a:p>
+                  <a14:m>
+                    <m:oMath xmlns:m="http://schemas.openxmlformats.org/officeDocument/2006/math">
+                      <m:acc>
+                        <m:accPr>
+                          <m:chr m:val="⃑"/>
+                          <m:ctrlPr>
+                            <a:rPr lang="en-US" altLang="zh-CN" sz="800" i="1" smtClean="0">
+                              <a:latin typeface="Cambria Math" panose="02040503050406030204" pitchFamily="18" charset="0"/>
+                            </a:rPr>
+                          </m:ctrlPr>
+                        </m:accPr>
+                        <m:e>
+                          <m:r>
+                            <a:rPr lang="en-US" altLang="zh-CN" sz="800" b="0" i="1" smtClean="0">
+                              <a:latin typeface="Cambria Math" panose="02040503050406030204" pitchFamily="18" charset="0"/>
+                            </a:rPr>
+                            <m:t>𝑉</m:t>
+                          </m:r>
+                        </m:e>
+                      </m:acc>
+                    </m:oMath>
+                  </a14:m>
+                  <a:r>
+                    <a:rPr lang="en-US" altLang="zh-CN" sz="800" baseline="-25000" dirty="0"/>
+                    <a:t>current</a:t>
+                  </a:r>
+                  <a:endParaRPr lang="zh-CN" altLang="en-US" sz="800" baseline="-25000" dirty="0"/>
+                </a:p>
+              </p:txBody>
+            </p:sp>
+          </mc:Choice>
+          <mc:Fallback xmlns="">
+            <p:sp>
+              <p:nvSpPr>
+                <p:cNvPr id="44" name="TextBox 43"/>
+                <p:cNvSpPr txBox="1">
+                  <a:spLocks noRot="1" noChangeAspect="1" noMove="1" noResize="1" noEditPoints="1" noAdjustHandles="1" noChangeArrowheads="1" noChangeShapeType="1" noTextEdit="1"/>
+                </p:cNvSpPr>
+                <p:nvPr/>
+              </p:nvSpPr>
+              <p:spPr>
+                <a:xfrm>
+                  <a:off x="4529326" y="2791884"/>
+                  <a:ext cx="270972" cy="230256"/>
+                </a:xfrm>
+                <a:prstGeom prst="rect">
+                  <a:avLst/>
+                </a:prstGeom>
+                <a:blipFill rotWithShape="0">
+                  <a:blip r:embed="rId11"/>
+                  <a:stretch>
+                    <a:fillRect l="-13636" r="-20455" b="-2632"/>
+                  </a:stretch>
+                </a:blipFill>
+              </p:spPr>
+              <p:txBody>
+                <a:bodyPr/>
+                <a:lstStyle/>
+                <a:p>
+                  <a:r>
+                    <a:rPr lang="en-US">
+                      <a:noFill/>
+                    </a:rPr>
+                    <a:t> </a:t>
+                  </a:r>
+                </a:p>
+              </p:txBody>
+            </p:sp>
+          </mc:Fallback>
+        </mc:AlternateContent>
+        <mc:AlternateContent xmlns:mc="http://schemas.openxmlformats.org/markup-compatibility/2006" xmlns:a14="http://schemas.microsoft.com/office/drawing/2010/main">
+          <mc:Choice Requires="a14">
+            <p:sp>
+              <p:nvSpPr>
+                <p:cNvPr id="32" name="TextBox 31">
+                  <a:extLst>
+                    <a:ext uri="{FF2B5EF4-FFF2-40B4-BE49-F238E27FC236}">
+                      <a16:creationId xmlns:a16="http://schemas.microsoft.com/office/drawing/2014/main" id="{85D54C02-B43A-4DF7-8099-F37798CCC4C9}"/>
+                    </a:ext>
+                  </a:extLst>
+                </p:cNvPr>
+                <p:cNvSpPr txBox="1"/>
+                <p:nvPr/>
+              </p:nvSpPr>
+              <p:spPr>
+                <a:xfrm>
+                  <a:off x="5147590" y="2939671"/>
+                  <a:ext cx="263790" cy="212622"/>
+                </a:xfrm>
+                <a:prstGeom prst="rect">
+                  <a:avLst/>
+                </a:prstGeom>
+                <a:noFill/>
+              </p:spPr>
+              <p:txBody>
+                <a:bodyPr wrap="none" lIns="0" rIns="0" rtlCol="0">
+                  <a:spAutoFit/>
+                </a:bodyPr>
+                <a:lstStyle/>
+                <a:p>
+                  <a14:m>
+                    <m:oMath xmlns:m="http://schemas.openxmlformats.org/officeDocument/2006/math">
+                      <m:acc>
+                        <m:accPr>
+                          <m:chr m:val="⃑"/>
+                          <m:ctrlPr>
+                            <a:rPr lang="en-US" altLang="zh-CN" sz="800" i="1" smtClean="0">
+                              <a:latin typeface="Cambria Math" panose="02040503050406030204" pitchFamily="18" charset="0"/>
+                            </a:rPr>
+                          </m:ctrlPr>
+                        </m:accPr>
+                        <m:e>
+                          <m:r>
+                            <a:rPr lang="en-US" altLang="zh-CN" sz="800" b="0" i="1" smtClean="0">
+                              <a:latin typeface="Cambria Math" panose="02040503050406030204" pitchFamily="18" charset="0"/>
+                            </a:rPr>
+                            <m:t>𝑎</m:t>
+                          </m:r>
+                        </m:e>
+                      </m:acc>
+                    </m:oMath>
+                  </a14:m>
+                  <a:r>
+                    <a:rPr lang="en-US" altLang="zh-CN" sz="800" baseline="-25000" dirty="0"/>
+                    <a:t>current</a:t>
+                  </a:r>
+                  <a:endParaRPr lang="zh-CN" altLang="en-US" sz="800" baseline="-25000" dirty="0"/>
+                </a:p>
+              </p:txBody>
+            </p:sp>
+          </mc:Choice>
+          <mc:Fallback xmlns="">
+            <p:sp>
+              <p:nvSpPr>
+                <p:cNvPr id="45" name="TextBox 44"/>
+                <p:cNvSpPr txBox="1">
+                  <a:spLocks noRot="1" noChangeAspect="1" noMove="1" noResize="1" noEditPoints="1" noAdjustHandles="1" noChangeArrowheads="1" noChangeShapeType="1" noTextEdit="1"/>
+                </p:cNvSpPr>
+                <p:nvPr/>
+              </p:nvSpPr>
+              <p:spPr>
+                <a:xfrm>
+                  <a:off x="5147590" y="2939671"/>
+                  <a:ext cx="263790" cy="212622"/>
+                </a:xfrm>
+                <a:prstGeom prst="rect">
+                  <a:avLst/>
+                </a:prstGeom>
+                <a:blipFill rotWithShape="0">
+                  <a:blip r:embed="rId12"/>
+                  <a:stretch>
+                    <a:fillRect l="-9091" r="-18182" b="-5714"/>
+                  </a:stretch>
+                </a:blipFill>
+              </p:spPr>
+              <p:txBody>
+                <a:bodyPr/>
+                <a:lstStyle/>
+                <a:p>
+                  <a:r>
+                    <a:rPr lang="en-US">
+                      <a:noFill/>
+                    </a:rPr>
+                    <a:t> </a:t>
+                  </a:r>
+                </a:p>
+              </p:txBody>
+            </p:sp>
+          </mc:Fallback>
+        </mc:AlternateContent>
+        <mc:AlternateContent xmlns:mc="http://schemas.openxmlformats.org/markup-compatibility/2006" xmlns:a14="http://schemas.microsoft.com/office/drawing/2010/main">
+          <mc:Choice Requires="a14">
+            <p:sp>
+              <p:nvSpPr>
+                <p:cNvPr id="33" name="TextBox 32">
+                  <a:extLst>
+                    <a:ext uri="{FF2B5EF4-FFF2-40B4-BE49-F238E27FC236}">
+                      <a16:creationId xmlns:a16="http://schemas.microsoft.com/office/drawing/2014/main" id="{90913CB7-CD87-485E-BF7D-FCFC9868CCEE}"/>
+                    </a:ext>
+                  </a:extLst>
+                </p:cNvPr>
+                <p:cNvSpPr txBox="1"/>
+                <p:nvPr/>
+              </p:nvSpPr>
+              <p:spPr>
+                <a:xfrm>
+                  <a:off x="4749215" y="3137799"/>
+                  <a:ext cx="186013" cy="230256"/>
+                </a:xfrm>
+                <a:prstGeom prst="rect">
+                  <a:avLst/>
+                </a:prstGeom>
+                <a:noFill/>
+              </p:spPr>
+              <p:txBody>
+                <a:bodyPr wrap="none" lIns="0" rIns="0" rtlCol="0">
+                  <a:spAutoFit/>
+                </a:bodyPr>
+                <a:lstStyle/>
+                <a:p>
+                  <a14:m>
+                    <m:oMath xmlns:m="http://schemas.openxmlformats.org/officeDocument/2006/math">
+                      <m:acc>
+                        <m:accPr>
+                          <m:chr m:val="⃑"/>
+                          <m:ctrlPr>
+                            <a:rPr lang="en-US" altLang="zh-CN" sz="800" i="1" smtClean="0">
+                              <a:latin typeface="Cambria Math" panose="02040503050406030204" pitchFamily="18" charset="0"/>
+                            </a:rPr>
+                          </m:ctrlPr>
+                        </m:accPr>
+                        <m:e>
+                          <m:r>
+                            <a:rPr lang="en-US" altLang="zh-CN" sz="800" b="0" i="1" smtClean="0">
+                              <a:latin typeface="Cambria Math" panose="02040503050406030204" pitchFamily="18" charset="0"/>
+                            </a:rPr>
+                            <m:t>𝑉</m:t>
+                          </m:r>
+                        </m:e>
+                      </m:acc>
+                    </m:oMath>
+                  </a14:m>
+                  <a:r>
+                    <a:rPr lang="en-US" altLang="zh-CN" sz="800" baseline="-25000" dirty="0"/>
+                    <a:t>new</a:t>
+                  </a:r>
+                  <a:endParaRPr lang="zh-CN" altLang="en-US" sz="800" baseline="-25000" dirty="0"/>
+                </a:p>
+              </p:txBody>
+            </p:sp>
+          </mc:Choice>
+          <mc:Fallback xmlns="">
+            <p:sp>
+              <p:nvSpPr>
+                <p:cNvPr id="46" name="TextBox 45"/>
+                <p:cNvSpPr txBox="1">
+                  <a:spLocks noRot="1" noChangeAspect="1" noMove="1" noResize="1" noEditPoints="1" noAdjustHandles="1" noChangeArrowheads="1" noChangeShapeType="1" noTextEdit="1"/>
+                </p:cNvSpPr>
+                <p:nvPr/>
+              </p:nvSpPr>
+              <p:spPr>
+                <a:xfrm>
+                  <a:off x="4749215" y="3137799"/>
+                  <a:ext cx="186013" cy="230256"/>
+                </a:xfrm>
+                <a:prstGeom prst="rect">
+                  <a:avLst/>
+                </a:prstGeom>
+                <a:blipFill rotWithShape="0">
+                  <a:blip r:embed="rId13"/>
+                  <a:stretch>
+                    <a:fillRect l="-19355" r="-22581" b="-2632"/>
+                  </a:stretch>
+                </a:blipFill>
+              </p:spPr>
+              <p:txBody>
+                <a:bodyPr/>
+                <a:lstStyle/>
+                <a:p>
+                  <a:r>
+                    <a:rPr lang="en-US">
+                      <a:noFill/>
+                    </a:rPr>
+                    <a:t> </a:t>
+                  </a:r>
+                </a:p>
+              </p:txBody>
+            </p:sp>
+          </mc:Fallback>
+        </mc:AlternateContent>
+        <p:sp>
+          <p:nvSpPr>
+            <p:cNvPr id="34" name="椭圆 12">
+              <a:extLst>
+                <a:ext uri="{FF2B5EF4-FFF2-40B4-BE49-F238E27FC236}">
+                  <a16:creationId xmlns:a16="http://schemas.microsoft.com/office/drawing/2014/main" id="{D412D904-2970-4DB0-B4A9-5B180A62C830}"/>
+                </a:ext>
+              </a:extLst>
+            </p:cNvPr>
+            <p:cNvSpPr/>
+            <p:nvPr/>
+          </p:nvSpPr>
+          <p:spPr>
+            <a:xfrm>
+              <a:off x="4337405" y="3060795"/>
+              <a:ext cx="54864" cy="54864"/>
+            </a:xfrm>
+            <a:prstGeom prst="ellipse">
+              <a:avLst/>
+            </a:prstGeom>
+            <a:solidFill>
+              <a:schemeClr val="tx1"/>
+            </a:solidFill>
+            <a:ln>
+              <a:noFill/>
+            </a:ln>
+          </p:spPr>
+          <p:style>
+            <a:lnRef idx="2">
+              <a:schemeClr val="accent1">
+                <a:shade val="50000"/>
+              </a:schemeClr>
+            </a:lnRef>
+            <a:fillRef idx="1">
+              <a:schemeClr val="accent1"/>
+            </a:fillRef>
+            <a:effectRef idx="0">
+              <a:schemeClr val="accent1"/>
+            </a:effectRef>
+            <a:fontRef idx="minor">
+              <a:schemeClr val="lt1"/>
+            </a:fontRef>
+          </p:style>
+          <p:txBody>
+            <a:bodyPr rtlCol="0" anchor="ctr"/>
+            <a:lstStyle/>
+            <a:p>
+              <a:pPr algn="ctr"/>
+              <a:endParaRPr lang="zh-CN" altLang="en-US"/>
+            </a:p>
+          </p:txBody>
+        </p:sp>
+        <mc:AlternateContent xmlns:mc="http://schemas.openxmlformats.org/markup-compatibility/2006" xmlns:a14="http://schemas.microsoft.com/office/drawing/2010/main">
+          <mc:Choice Requires="a14">
+            <p:sp>
+              <p:nvSpPr>
+                <p:cNvPr id="35" name="TextBox 34">
+                  <a:extLst>
+                    <a:ext uri="{FF2B5EF4-FFF2-40B4-BE49-F238E27FC236}">
+                      <a16:creationId xmlns:a16="http://schemas.microsoft.com/office/drawing/2014/main" id="{D575A477-8509-454D-A167-A111F7B11E5E}"/>
+                    </a:ext>
+                  </a:extLst>
+                </p:cNvPr>
+                <p:cNvSpPr txBox="1"/>
+                <p:nvPr/>
+              </p:nvSpPr>
+              <p:spPr>
+                <a:xfrm>
+                  <a:off x="5180543" y="3222342"/>
+                  <a:ext cx="177613" cy="212622"/>
+                </a:xfrm>
+                <a:prstGeom prst="rect">
+                  <a:avLst/>
+                </a:prstGeom>
+                <a:noFill/>
+              </p:spPr>
+              <p:txBody>
+                <a:bodyPr wrap="none" lIns="0" rIns="0" rtlCol="0">
+                  <a:spAutoFit/>
+                </a:bodyPr>
+                <a:lstStyle/>
+                <a:p>
+                  <a14:m>
+                    <m:oMath xmlns:m="http://schemas.openxmlformats.org/officeDocument/2006/math">
+                      <m:r>
+                        <a:rPr lang="en-US" altLang="zh-CN" sz="800" b="0" i="1" smtClean="0">
+                          <a:latin typeface="Cambria Math" panose="02040503050406030204" pitchFamily="18" charset="0"/>
+                        </a:rPr>
+                        <m:t>𝑝</m:t>
+                      </m:r>
+                    </m:oMath>
+                  </a14:m>
+                  <a:r>
+                    <a:rPr lang="en-US" altLang="zh-CN" sz="800" baseline="-25000" dirty="0"/>
+                    <a:t>new</a:t>
+                  </a:r>
+                  <a:endParaRPr lang="zh-CN" altLang="en-US" sz="800" baseline="-25000" dirty="0"/>
+                </a:p>
+              </p:txBody>
+            </p:sp>
+          </mc:Choice>
+          <mc:Fallback xmlns="">
+            <p:sp>
+              <p:nvSpPr>
+                <p:cNvPr id="48" name="TextBox 47"/>
+                <p:cNvSpPr txBox="1">
+                  <a:spLocks noRot="1" noChangeAspect="1" noMove="1" noResize="1" noEditPoints="1" noAdjustHandles="1" noChangeArrowheads="1" noChangeShapeType="1" noTextEdit="1"/>
+                </p:cNvSpPr>
+                <p:nvPr/>
+              </p:nvSpPr>
+              <p:spPr>
+                <a:xfrm>
+                  <a:off x="5180543" y="3222342"/>
+                  <a:ext cx="177613" cy="212622"/>
+                </a:xfrm>
+                <a:prstGeom prst="rect">
+                  <a:avLst/>
+                </a:prstGeom>
+                <a:blipFill rotWithShape="0">
+                  <a:blip r:embed="rId9"/>
+                  <a:stretch>
+                    <a:fillRect l="-24138" r="-27586" b="-5882"/>
+                  </a:stretch>
+                </a:blipFill>
+              </p:spPr>
+              <p:txBody>
+                <a:bodyPr/>
+                <a:lstStyle/>
+                <a:p>
+                  <a:r>
+                    <a:rPr lang="en-US">
+                      <a:noFill/>
+                    </a:rPr>
+                    <a:t> </a:t>
+                  </a:r>
+                </a:p>
+              </p:txBody>
+            </p:sp>
+          </mc:Fallback>
+        </mc:AlternateContent>
+        <mc:AlternateContent xmlns:mc="http://schemas.openxmlformats.org/markup-compatibility/2006" xmlns:a14="http://schemas.microsoft.com/office/drawing/2010/main">
+          <mc:Choice Requires="a14">
+            <p:sp>
+              <p:nvSpPr>
+                <p:cNvPr id="36" name="TextBox 35">
+                  <a:extLst>
+                    <a:ext uri="{FF2B5EF4-FFF2-40B4-BE49-F238E27FC236}">
+                      <a16:creationId xmlns:a16="http://schemas.microsoft.com/office/drawing/2014/main" id="{9FF8F333-C386-4602-83B7-6CF71D287448}"/>
+                    </a:ext>
+                  </a:extLst>
+                </p:cNvPr>
+                <p:cNvSpPr txBox="1"/>
+                <p:nvPr/>
+              </p:nvSpPr>
+              <p:spPr>
+                <a:xfrm>
+                  <a:off x="4260724" y="3055631"/>
+                  <a:ext cx="262572" cy="212622"/>
+                </a:xfrm>
+                <a:prstGeom prst="rect">
+                  <a:avLst/>
+                </a:prstGeom>
+                <a:noFill/>
+              </p:spPr>
+              <p:txBody>
+                <a:bodyPr wrap="none" lIns="0" rIns="0" rtlCol="0">
+                  <a:spAutoFit/>
+                </a:bodyPr>
+                <a:lstStyle/>
+                <a:p>
+                  <a14:m>
+                    <m:oMath xmlns:m="http://schemas.openxmlformats.org/officeDocument/2006/math">
+                      <m:r>
+                        <a:rPr lang="en-US" altLang="zh-CN" sz="800" b="0" i="1" smtClean="0">
+                          <a:latin typeface="Cambria Math" panose="02040503050406030204" pitchFamily="18" charset="0"/>
+                        </a:rPr>
+                        <m:t>𝑝</m:t>
+                      </m:r>
+                    </m:oMath>
+                  </a14:m>
+                  <a:r>
+                    <a:rPr lang="en-US" altLang="zh-CN" sz="800" baseline="-25000" dirty="0"/>
+                    <a:t>current</a:t>
+                  </a:r>
+                  <a:endParaRPr lang="zh-CN" altLang="en-US" sz="800" baseline="-25000" dirty="0"/>
+                </a:p>
+              </p:txBody>
+            </p:sp>
+          </mc:Choice>
+          <mc:Fallback xmlns="">
+            <p:sp>
+              <p:nvSpPr>
+                <p:cNvPr id="49" name="TextBox 48"/>
+                <p:cNvSpPr txBox="1">
+                  <a:spLocks noRot="1" noChangeAspect="1" noMove="1" noResize="1" noEditPoints="1" noAdjustHandles="1" noChangeArrowheads="1" noChangeShapeType="1" noTextEdit="1"/>
+                </p:cNvSpPr>
+                <p:nvPr/>
+              </p:nvSpPr>
+              <p:spPr>
+                <a:xfrm>
+                  <a:off x="4260724" y="3055631"/>
+                  <a:ext cx="262572" cy="212622"/>
+                </a:xfrm>
+                <a:prstGeom prst="rect">
+                  <a:avLst/>
+                </a:prstGeom>
+                <a:blipFill rotWithShape="0">
+                  <a:blip r:embed="rId10"/>
+                  <a:stretch>
+                    <a:fillRect l="-16279" r="-20930" b="-5714"/>
+                  </a:stretch>
+                </a:blipFill>
+              </p:spPr>
+              <p:txBody>
+                <a:bodyPr/>
+                <a:lstStyle/>
+                <a:p>
+                  <a:r>
+                    <a:rPr lang="en-US">
+                      <a:noFill/>
+                    </a:rPr>
+                    <a:t> </a:t>
+                  </a:r>
+                </a:p>
+              </p:txBody>
+            </p:sp>
+          </mc:Fallback>
+        </mc:AlternateContent>
+        <p:sp>
+          <p:nvSpPr>
+            <p:cNvPr id="37" name="椭圆 12">
+              <a:extLst>
+                <a:ext uri="{FF2B5EF4-FFF2-40B4-BE49-F238E27FC236}">
+                  <a16:creationId xmlns:a16="http://schemas.microsoft.com/office/drawing/2014/main" id="{748E5E51-F0AC-4DCD-BD33-A766200E5A1D}"/>
+                </a:ext>
+              </a:extLst>
+            </p:cNvPr>
+            <p:cNvSpPr/>
+            <p:nvPr/>
+          </p:nvSpPr>
+          <p:spPr>
+            <a:xfrm>
+              <a:off x="5176477" y="3222342"/>
+              <a:ext cx="54864" cy="54864"/>
+            </a:xfrm>
+            <a:prstGeom prst="ellipse">
+              <a:avLst/>
+            </a:prstGeom>
+            <a:solidFill>
+              <a:schemeClr val="tx1"/>
+            </a:solidFill>
+            <a:ln>
+              <a:noFill/>
+            </a:ln>
+          </p:spPr>
+          <p:style>
+            <a:lnRef idx="2">
+              <a:schemeClr val="accent1">
+                <a:shade val="50000"/>
+              </a:schemeClr>
+            </a:lnRef>
+            <a:fillRef idx="1">
+              <a:schemeClr val="accent1"/>
+            </a:fillRef>
+            <a:effectRef idx="0">
+              <a:schemeClr val="accent1"/>
+            </a:effectRef>
+            <a:fontRef idx="minor">
+              <a:schemeClr val="lt1"/>
+            </a:fontRef>
+          </p:style>
+          <p:txBody>
+            <a:bodyPr rtlCol="0" anchor="ctr"/>
+            <a:lstStyle/>
+            <a:p>
+              <a:pPr algn="ctr"/>
+              <a:endParaRPr lang="zh-CN" altLang="en-US"/>
+            </a:p>
+          </p:txBody>
+        </p:sp>
+      </p:grpSp>
+    </p:spTree>
+    <p:extLst>
+      <p:ext uri="{BB962C8B-B14F-4D97-AF65-F5344CB8AC3E}">
+        <p14:creationId xmlns:p14="http://schemas.microsoft.com/office/powerpoint/2010/main" val="1966143555"/>
+      </p:ext>
+    </p:extLst>
+  </p:cSld>
+  <p:clrMapOvr>
+    <a:masterClrMapping/>
+  </p:clrMapOvr>
+</p:sld>
+</file>
+
 <file path=ppt/slides/slide2.xml><?xml version="1.0" encoding="utf-8"?>
 <p:sld xmlns:a="http://schemas.openxmlformats.org/drawingml/2006/main" xmlns:r="http://schemas.openxmlformats.org/officeDocument/2006/relationships" xmlns:p="http://schemas.openxmlformats.org/presentationml/2006/main">
   <p:cSld>

--- a/Word/Diagrams/chapter9/chap 9.figures.pptx
+++ b/Word/Diagrams/chapter9/chap 9.figures.pptx
@@ -5,7 +5,7 @@
     <p:sldMasterId id="2147483660" r:id="rId1"/>
   </p:sldMasterIdLst>
   <p:notesMasterIdLst>
-    <p:notesMasterId r:id="rId18"/>
+    <p:notesMasterId r:id="rId20"/>
   </p:notesMasterIdLst>
   <p:sldIdLst>
     <p:sldId id="306" r:id="rId2"/>
@@ -24,6 +24,8 @@
     <p:sldId id="316" r:id="rId15"/>
     <p:sldId id="318" r:id="rId16"/>
     <p:sldId id="319" r:id="rId17"/>
+    <p:sldId id="320" r:id="rId18"/>
+    <p:sldId id="321" r:id="rId19"/>
   </p:sldIdLst>
   <p:sldSz cx="9144000" cy="6858000" type="screen4x3"/>
   <p:notesSz cx="6858000" cy="9144000"/>
@@ -14932,7 +14934,7 @@
           <a:lstStyle/>
           <a:p>
             <a:r>
-              <a:rPr lang="en-US" altLang="zh-TW" sz="1600"/>
+              <a:rPr lang="en-US" altLang="zh-TW" sz="1600" dirty="0"/>
               <a:t>Figure 9-20</a:t>
             </a:r>
             <a:endParaRPr lang="zh-TW" altLang="en-US" sz="1600" baseline="-25000" dirty="0"/>
@@ -17013,6 +17015,1898 @@
 </p:sld>
 </file>
 
+<file path=ppt/slides/slide17.xml><?xml version="1.0" encoding="utf-8"?>
+<p:sld xmlns:a="http://schemas.openxmlformats.org/drawingml/2006/main" xmlns:r="http://schemas.openxmlformats.org/officeDocument/2006/relationships" xmlns:p="http://schemas.openxmlformats.org/presentationml/2006/main">
+  <p:cSld>
+    <p:spTree>
+      <p:nvGrpSpPr>
+        <p:cNvPr id="1" name=""/>
+        <p:cNvGrpSpPr/>
+        <p:nvPr/>
+      </p:nvGrpSpPr>
+      <p:grpSpPr>
+        <a:xfrm>
+          <a:off x="0" y="0"/>
+          <a:ext cx="0" cy="0"/>
+          <a:chOff x="0" y="0"/>
+          <a:chExt cx="0" cy="0"/>
+        </a:xfrm>
+      </p:grpSpPr>
+      <p:sp>
+        <p:nvSpPr>
+          <p:cNvPr id="2" name="Rectangle 1">
+            <a:extLst>
+              <a:ext uri="{FF2B5EF4-FFF2-40B4-BE49-F238E27FC236}">
+                <a16:creationId xmlns:a16="http://schemas.microsoft.com/office/drawing/2014/main" id="{287E5D6F-C88F-4E6C-B079-165BBEE077F7}"/>
+              </a:ext>
+            </a:extLst>
+          </p:cNvPr>
+          <p:cNvSpPr/>
+          <p:nvPr/>
+        </p:nvSpPr>
+        <p:spPr>
+          <a:xfrm>
+            <a:off x="1652016" y="1829016"/>
+            <a:ext cx="4267200" cy="2324099"/>
+          </a:xfrm>
+          <a:prstGeom prst="rect">
+            <a:avLst/>
+          </a:prstGeom>
+          <a:noFill/>
+          <a:ln w="9525">
+            <a:prstDash val="sysDash"/>
+          </a:ln>
+        </p:spPr>
+        <p:style>
+          <a:lnRef idx="2">
+            <a:schemeClr val="accent1">
+              <a:shade val="50000"/>
+            </a:schemeClr>
+          </a:lnRef>
+          <a:fillRef idx="1">
+            <a:schemeClr val="accent1"/>
+          </a:fillRef>
+          <a:effectRef idx="0">
+            <a:schemeClr val="accent1"/>
+          </a:effectRef>
+          <a:fontRef idx="minor">
+            <a:schemeClr val="lt1"/>
+          </a:fontRef>
+        </p:style>
+        <p:txBody>
+          <a:bodyPr rtlCol="0" anchor="ctr"/>
+          <a:lstStyle/>
+          <a:p>
+            <a:pPr algn="ctr"/>
+            <a:endParaRPr lang="en-US" sz="800"/>
+          </a:p>
+        </p:txBody>
+      </p:sp>
+      <p:cxnSp>
+        <p:nvCxnSpPr>
+          <p:cNvPr id="3" name="Straight Connector 2">
+            <a:extLst>
+              <a:ext uri="{FF2B5EF4-FFF2-40B4-BE49-F238E27FC236}">
+                <a16:creationId xmlns:a16="http://schemas.microsoft.com/office/drawing/2014/main" id="{7FBAEB4B-B062-44D0-AE49-7060A3597C78}"/>
+              </a:ext>
+            </a:extLst>
+          </p:cNvPr>
+          <p:cNvCxnSpPr/>
+          <p:nvPr/>
+        </p:nvCxnSpPr>
+        <p:spPr>
+          <a:xfrm flipV="1">
+            <a:off x="3664461" y="2769202"/>
+            <a:ext cx="138677" cy="80678"/>
+          </a:xfrm>
+          <a:prstGeom prst="line">
+            <a:avLst/>
+          </a:prstGeom>
+          <a:ln w="9525">
+            <a:solidFill>
+              <a:schemeClr val="tx1"/>
+            </a:solidFill>
+            <a:tailEnd type="arrow" w="sm" len="sm"/>
+          </a:ln>
+        </p:spPr>
+        <p:style>
+          <a:lnRef idx="1">
+            <a:schemeClr val="accent1"/>
+          </a:lnRef>
+          <a:fillRef idx="0">
+            <a:schemeClr val="accent1"/>
+          </a:fillRef>
+          <a:effectRef idx="0">
+            <a:schemeClr val="accent1"/>
+          </a:effectRef>
+          <a:fontRef idx="minor">
+            <a:schemeClr val="tx1"/>
+          </a:fontRef>
+        </p:style>
+      </p:cxnSp>
+      <p:cxnSp>
+        <p:nvCxnSpPr>
+          <p:cNvPr id="4" name="Straight Connector 3">
+            <a:extLst>
+              <a:ext uri="{FF2B5EF4-FFF2-40B4-BE49-F238E27FC236}">
+                <a16:creationId xmlns:a16="http://schemas.microsoft.com/office/drawing/2014/main" id="{74F3032D-94DB-4875-B546-99CE63CD5245}"/>
+              </a:ext>
+            </a:extLst>
+          </p:cNvPr>
+          <p:cNvCxnSpPr/>
+          <p:nvPr/>
+        </p:nvCxnSpPr>
+        <p:spPr>
+          <a:xfrm flipV="1">
+            <a:off x="4144413" y="2523518"/>
+            <a:ext cx="138677" cy="80678"/>
+          </a:xfrm>
+          <a:prstGeom prst="line">
+            <a:avLst/>
+          </a:prstGeom>
+          <a:ln w="9525">
+            <a:solidFill>
+              <a:schemeClr val="tx1"/>
+            </a:solidFill>
+            <a:tailEnd type="arrow" w="sm" len="sm"/>
+          </a:ln>
+        </p:spPr>
+        <p:style>
+          <a:lnRef idx="1">
+            <a:schemeClr val="accent1"/>
+          </a:lnRef>
+          <a:fillRef idx="0">
+            <a:schemeClr val="accent1"/>
+          </a:fillRef>
+          <a:effectRef idx="0">
+            <a:schemeClr val="accent1"/>
+          </a:effectRef>
+          <a:fontRef idx="minor">
+            <a:schemeClr val="tx1"/>
+          </a:fontRef>
+        </p:style>
+      </p:cxnSp>
+      <p:sp>
+        <p:nvSpPr>
+          <p:cNvPr id="5" name="Freeform 13">
+            <a:extLst>
+              <a:ext uri="{FF2B5EF4-FFF2-40B4-BE49-F238E27FC236}">
+                <a16:creationId xmlns:a16="http://schemas.microsoft.com/office/drawing/2014/main" id="{03FA636D-F0B0-49CE-9C5D-F330A1D7C7E1}"/>
+              </a:ext>
+            </a:extLst>
+          </p:cNvPr>
+          <p:cNvSpPr/>
+          <p:nvPr/>
+        </p:nvSpPr>
+        <p:spPr>
+          <a:xfrm>
+            <a:off x="3353584" y="3248070"/>
+            <a:ext cx="179543" cy="485731"/>
+          </a:xfrm>
+          <a:custGeom>
+            <a:avLst/>
+            <a:gdLst>
+              <a:gd name="connsiteX0" fmla="*/ 156390 w 156390"/>
+              <a:gd name="connsiteY0" fmla="*/ 0 h 567708"/>
+              <a:gd name="connsiteX1" fmla="*/ 378 w 156390"/>
+              <a:gd name="connsiteY1" fmla="*/ 177679 h 567708"/>
+              <a:gd name="connsiteX2" fmla="*/ 113053 w 156390"/>
+              <a:gd name="connsiteY2" fmla="*/ 407363 h 567708"/>
+              <a:gd name="connsiteX3" fmla="*/ 130388 w 156390"/>
+              <a:gd name="connsiteY3" fmla="*/ 567708 h 567708"/>
+              <a:gd name="connsiteX4" fmla="*/ 130388 w 156390"/>
+              <a:gd name="connsiteY4" fmla="*/ 567708 h 567708"/>
+              <a:gd name="connsiteX0" fmla="*/ 156390 w 157057"/>
+              <a:gd name="connsiteY0" fmla="*/ 0 h 567708"/>
+              <a:gd name="connsiteX1" fmla="*/ 378 w 157057"/>
+              <a:gd name="connsiteY1" fmla="*/ 177679 h 567708"/>
+              <a:gd name="connsiteX2" fmla="*/ 113053 w 157057"/>
+              <a:gd name="connsiteY2" fmla="*/ 407363 h 567708"/>
+              <a:gd name="connsiteX3" fmla="*/ 130388 w 157057"/>
+              <a:gd name="connsiteY3" fmla="*/ 567708 h 567708"/>
+              <a:gd name="connsiteX4" fmla="*/ 130388 w 157057"/>
+              <a:gd name="connsiteY4" fmla="*/ 567708 h 567708"/>
+              <a:gd name="connsiteX0" fmla="*/ 156390 w 168460"/>
+              <a:gd name="connsiteY0" fmla="*/ 0 h 567708"/>
+              <a:gd name="connsiteX1" fmla="*/ 378 w 168460"/>
+              <a:gd name="connsiteY1" fmla="*/ 177679 h 567708"/>
+              <a:gd name="connsiteX2" fmla="*/ 113053 w 168460"/>
+              <a:gd name="connsiteY2" fmla="*/ 407363 h 567708"/>
+              <a:gd name="connsiteX3" fmla="*/ 130388 w 168460"/>
+              <a:gd name="connsiteY3" fmla="*/ 567708 h 567708"/>
+              <a:gd name="connsiteX4" fmla="*/ 130388 w 168460"/>
+              <a:gd name="connsiteY4" fmla="*/ 567708 h 567708"/>
+              <a:gd name="connsiteX0" fmla="*/ 139118 w 152058"/>
+              <a:gd name="connsiteY0" fmla="*/ 0 h 567708"/>
+              <a:gd name="connsiteX1" fmla="*/ 441 w 152058"/>
+              <a:gd name="connsiteY1" fmla="*/ 234016 h 567708"/>
+              <a:gd name="connsiteX2" fmla="*/ 95781 w 152058"/>
+              <a:gd name="connsiteY2" fmla="*/ 407363 h 567708"/>
+              <a:gd name="connsiteX3" fmla="*/ 113116 w 152058"/>
+              <a:gd name="connsiteY3" fmla="*/ 567708 h 567708"/>
+              <a:gd name="connsiteX4" fmla="*/ 113116 w 152058"/>
+              <a:gd name="connsiteY4" fmla="*/ 567708 h 567708"/>
+              <a:gd name="connsiteX0" fmla="*/ 138981 w 197949"/>
+              <a:gd name="connsiteY0" fmla="*/ 0 h 567708"/>
+              <a:gd name="connsiteX1" fmla="*/ 304 w 197949"/>
+              <a:gd name="connsiteY1" fmla="*/ 234016 h 567708"/>
+              <a:gd name="connsiteX2" fmla="*/ 195318 w 197949"/>
+              <a:gd name="connsiteY2" fmla="*/ 312023 h 567708"/>
+              <a:gd name="connsiteX3" fmla="*/ 112979 w 197949"/>
+              <a:gd name="connsiteY3" fmla="*/ 567708 h 567708"/>
+              <a:gd name="connsiteX4" fmla="*/ 112979 w 197949"/>
+              <a:gd name="connsiteY4" fmla="*/ 567708 h 567708"/>
+              <a:gd name="connsiteX0" fmla="*/ 138964 w 197932"/>
+              <a:gd name="connsiteY0" fmla="*/ 0 h 567708"/>
+              <a:gd name="connsiteX1" fmla="*/ 287 w 197932"/>
+              <a:gd name="connsiteY1" fmla="*/ 234016 h 567708"/>
+              <a:gd name="connsiteX2" fmla="*/ 195301 w 197932"/>
+              <a:gd name="connsiteY2" fmla="*/ 312023 h 567708"/>
+              <a:gd name="connsiteX3" fmla="*/ 112962 w 197932"/>
+              <a:gd name="connsiteY3" fmla="*/ 567708 h 567708"/>
+              <a:gd name="connsiteX4" fmla="*/ 112962 w 197932"/>
+              <a:gd name="connsiteY4" fmla="*/ 567708 h 567708"/>
+              <a:gd name="connsiteX0" fmla="*/ 108671 w 166544"/>
+              <a:gd name="connsiteY0" fmla="*/ 0 h 567708"/>
+              <a:gd name="connsiteX1" fmla="*/ 330 w 166544"/>
+              <a:gd name="connsiteY1" fmla="*/ 303355 h 567708"/>
+              <a:gd name="connsiteX2" fmla="*/ 165008 w 166544"/>
+              <a:gd name="connsiteY2" fmla="*/ 312023 h 567708"/>
+              <a:gd name="connsiteX3" fmla="*/ 82669 w 166544"/>
+              <a:gd name="connsiteY3" fmla="*/ 567708 h 567708"/>
+              <a:gd name="connsiteX4" fmla="*/ 82669 w 166544"/>
+              <a:gd name="connsiteY4" fmla="*/ 567708 h 567708"/>
+              <a:gd name="connsiteX0" fmla="*/ 108831 w 179543"/>
+              <a:gd name="connsiteY0" fmla="*/ 0 h 567708"/>
+              <a:gd name="connsiteX1" fmla="*/ 490 w 179543"/>
+              <a:gd name="connsiteY1" fmla="*/ 303355 h 567708"/>
+              <a:gd name="connsiteX2" fmla="*/ 178169 w 179543"/>
+              <a:gd name="connsiteY2" fmla="*/ 403030 h 567708"/>
+              <a:gd name="connsiteX3" fmla="*/ 82829 w 179543"/>
+              <a:gd name="connsiteY3" fmla="*/ 567708 h 567708"/>
+              <a:gd name="connsiteX4" fmla="*/ 82829 w 179543"/>
+              <a:gd name="connsiteY4" fmla="*/ 567708 h 567708"/>
+            </a:gdLst>
+            <a:ahLst/>
+            <a:cxnLst>
+              <a:cxn ang="0">
+                <a:pos x="connsiteX0" y="connsiteY0"/>
+              </a:cxn>
+              <a:cxn ang="0">
+                <a:pos x="connsiteX1" y="connsiteY1"/>
+              </a:cxn>
+              <a:cxn ang="0">
+                <a:pos x="connsiteX2" y="connsiteY2"/>
+              </a:cxn>
+              <a:cxn ang="0">
+                <a:pos x="connsiteX3" y="connsiteY3"/>
+              </a:cxn>
+              <a:cxn ang="0">
+                <a:pos x="connsiteX4" y="connsiteY4"/>
+              </a:cxn>
+            </a:cxnLst>
+            <a:rect l="l" t="t" r="r" b="b"/>
+            <a:pathLst>
+              <a:path w="179543" h="567708">
+                <a:moveTo>
+                  <a:pt x="108831" y="0"/>
+                </a:moveTo>
+                <a:cubicBezTo>
+                  <a:pt x="186114" y="28890"/>
+                  <a:pt x="-11066" y="236183"/>
+                  <a:pt x="490" y="303355"/>
+                </a:cubicBezTo>
+                <a:cubicBezTo>
+                  <a:pt x="12046" y="370527"/>
+                  <a:pt x="164446" y="358971"/>
+                  <a:pt x="178169" y="403030"/>
+                </a:cubicBezTo>
+                <a:cubicBezTo>
+                  <a:pt x="191892" y="447089"/>
+                  <a:pt x="98719" y="540262"/>
+                  <a:pt x="82829" y="567708"/>
+                </a:cubicBezTo>
+                <a:lnTo>
+                  <a:pt x="82829" y="567708"/>
+                </a:lnTo>
+              </a:path>
+            </a:pathLst>
+          </a:custGeom>
+          <a:noFill/>
+          <a:ln w="9525">
+            <a:solidFill>
+              <a:schemeClr val="tx1"/>
+            </a:solidFill>
+            <a:headEnd type="triangle" w="sm" len="sm"/>
+          </a:ln>
+        </p:spPr>
+        <p:style>
+          <a:lnRef idx="2">
+            <a:schemeClr val="accent1">
+              <a:shade val="50000"/>
+            </a:schemeClr>
+          </a:lnRef>
+          <a:fillRef idx="1">
+            <a:schemeClr val="accent1"/>
+          </a:fillRef>
+          <a:effectRef idx="0">
+            <a:schemeClr val="accent1"/>
+          </a:effectRef>
+          <a:fontRef idx="minor">
+            <a:schemeClr val="lt1"/>
+          </a:fontRef>
+        </p:style>
+        <p:txBody>
+          <a:bodyPr rtlCol="0" anchor="ctr"/>
+          <a:lstStyle/>
+          <a:p>
+            <a:pPr algn="ctr"/>
+            <a:endParaRPr lang="en-US"/>
+          </a:p>
+        </p:txBody>
+      </p:sp>
+      <p:sp>
+        <p:nvSpPr>
+          <p:cNvPr id="6" name="TextBox 5">
+            <a:extLst>
+              <a:ext uri="{FF2B5EF4-FFF2-40B4-BE49-F238E27FC236}">
+                <a16:creationId xmlns:a16="http://schemas.microsoft.com/office/drawing/2014/main" id="{1D165EF5-4E60-4C79-81A0-238D76FCCA1D}"/>
+              </a:ext>
+            </a:extLst>
+          </p:cNvPr>
+          <p:cNvSpPr txBox="1"/>
+          <p:nvPr/>
+        </p:nvSpPr>
+        <p:spPr>
+          <a:xfrm>
+            <a:off x="3257876" y="3679686"/>
+            <a:ext cx="370958" cy="338554"/>
+          </a:xfrm>
+          <a:prstGeom prst="rect">
+            <a:avLst/>
+          </a:prstGeom>
+          <a:noFill/>
+          <a:ln>
+            <a:noFill/>
+          </a:ln>
+        </p:spPr>
+        <p:txBody>
+          <a:bodyPr wrap="square" lIns="0" rIns="0" rtlCol="0">
+            <a:spAutoFit/>
+          </a:bodyPr>
+          <a:lstStyle/>
+          <a:p>
+            <a:pPr algn="ctr"/>
+            <a:r>
+              <a:rPr lang="en-US" altLang="zh-TW" sz="800" dirty="0"/>
+              <a:t>Previous</a:t>
+            </a:r>
+          </a:p>
+          <a:p>
+            <a:pPr algn="ctr"/>
+            <a:r>
+              <a:rPr lang="en-US" altLang="zh-TW" sz="800" dirty="0"/>
+              <a:t>update</a:t>
+            </a:r>
+            <a:endParaRPr lang="zh-TW" altLang="en-US" sz="800" dirty="0"/>
+          </a:p>
+        </p:txBody>
+      </p:sp>
+      <p:sp>
+        <p:nvSpPr>
+          <p:cNvPr id="7" name="Freeform 16">
+            <a:extLst>
+              <a:ext uri="{FF2B5EF4-FFF2-40B4-BE49-F238E27FC236}">
+                <a16:creationId xmlns:a16="http://schemas.microsoft.com/office/drawing/2014/main" id="{B7851F2E-5726-40E5-AAD5-CEA83927BA90}"/>
+              </a:ext>
+            </a:extLst>
+          </p:cNvPr>
+          <p:cNvSpPr/>
+          <p:nvPr/>
+        </p:nvSpPr>
+        <p:spPr>
+          <a:xfrm>
+            <a:off x="4343400" y="2782203"/>
+            <a:ext cx="179543" cy="951598"/>
+          </a:xfrm>
+          <a:custGeom>
+            <a:avLst/>
+            <a:gdLst>
+              <a:gd name="connsiteX0" fmla="*/ 156390 w 156390"/>
+              <a:gd name="connsiteY0" fmla="*/ 0 h 567708"/>
+              <a:gd name="connsiteX1" fmla="*/ 378 w 156390"/>
+              <a:gd name="connsiteY1" fmla="*/ 177679 h 567708"/>
+              <a:gd name="connsiteX2" fmla="*/ 113053 w 156390"/>
+              <a:gd name="connsiteY2" fmla="*/ 407363 h 567708"/>
+              <a:gd name="connsiteX3" fmla="*/ 130388 w 156390"/>
+              <a:gd name="connsiteY3" fmla="*/ 567708 h 567708"/>
+              <a:gd name="connsiteX4" fmla="*/ 130388 w 156390"/>
+              <a:gd name="connsiteY4" fmla="*/ 567708 h 567708"/>
+              <a:gd name="connsiteX0" fmla="*/ 156390 w 157057"/>
+              <a:gd name="connsiteY0" fmla="*/ 0 h 567708"/>
+              <a:gd name="connsiteX1" fmla="*/ 378 w 157057"/>
+              <a:gd name="connsiteY1" fmla="*/ 177679 h 567708"/>
+              <a:gd name="connsiteX2" fmla="*/ 113053 w 157057"/>
+              <a:gd name="connsiteY2" fmla="*/ 407363 h 567708"/>
+              <a:gd name="connsiteX3" fmla="*/ 130388 w 157057"/>
+              <a:gd name="connsiteY3" fmla="*/ 567708 h 567708"/>
+              <a:gd name="connsiteX4" fmla="*/ 130388 w 157057"/>
+              <a:gd name="connsiteY4" fmla="*/ 567708 h 567708"/>
+              <a:gd name="connsiteX0" fmla="*/ 156390 w 168460"/>
+              <a:gd name="connsiteY0" fmla="*/ 0 h 567708"/>
+              <a:gd name="connsiteX1" fmla="*/ 378 w 168460"/>
+              <a:gd name="connsiteY1" fmla="*/ 177679 h 567708"/>
+              <a:gd name="connsiteX2" fmla="*/ 113053 w 168460"/>
+              <a:gd name="connsiteY2" fmla="*/ 407363 h 567708"/>
+              <a:gd name="connsiteX3" fmla="*/ 130388 w 168460"/>
+              <a:gd name="connsiteY3" fmla="*/ 567708 h 567708"/>
+              <a:gd name="connsiteX4" fmla="*/ 130388 w 168460"/>
+              <a:gd name="connsiteY4" fmla="*/ 567708 h 567708"/>
+              <a:gd name="connsiteX0" fmla="*/ 139118 w 152058"/>
+              <a:gd name="connsiteY0" fmla="*/ 0 h 567708"/>
+              <a:gd name="connsiteX1" fmla="*/ 441 w 152058"/>
+              <a:gd name="connsiteY1" fmla="*/ 234016 h 567708"/>
+              <a:gd name="connsiteX2" fmla="*/ 95781 w 152058"/>
+              <a:gd name="connsiteY2" fmla="*/ 407363 h 567708"/>
+              <a:gd name="connsiteX3" fmla="*/ 113116 w 152058"/>
+              <a:gd name="connsiteY3" fmla="*/ 567708 h 567708"/>
+              <a:gd name="connsiteX4" fmla="*/ 113116 w 152058"/>
+              <a:gd name="connsiteY4" fmla="*/ 567708 h 567708"/>
+              <a:gd name="connsiteX0" fmla="*/ 138981 w 197949"/>
+              <a:gd name="connsiteY0" fmla="*/ 0 h 567708"/>
+              <a:gd name="connsiteX1" fmla="*/ 304 w 197949"/>
+              <a:gd name="connsiteY1" fmla="*/ 234016 h 567708"/>
+              <a:gd name="connsiteX2" fmla="*/ 195318 w 197949"/>
+              <a:gd name="connsiteY2" fmla="*/ 312023 h 567708"/>
+              <a:gd name="connsiteX3" fmla="*/ 112979 w 197949"/>
+              <a:gd name="connsiteY3" fmla="*/ 567708 h 567708"/>
+              <a:gd name="connsiteX4" fmla="*/ 112979 w 197949"/>
+              <a:gd name="connsiteY4" fmla="*/ 567708 h 567708"/>
+              <a:gd name="connsiteX0" fmla="*/ 138964 w 197932"/>
+              <a:gd name="connsiteY0" fmla="*/ 0 h 567708"/>
+              <a:gd name="connsiteX1" fmla="*/ 287 w 197932"/>
+              <a:gd name="connsiteY1" fmla="*/ 234016 h 567708"/>
+              <a:gd name="connsiteX2" fmla="*/ 195301 w 197932"/>
+              <a:gd name="connsiteY2" fmla="*/ 312023 h 567708"/>
+              <a:gd name="connsiteX3" fmla="*/ 112962 w 197932"/>
+              <a:gd name="connsiteY3" fmla="*/ 567708 h 567708"/>
+              <a:gd name="connsiteX4" fmla="*/ 112962 w 197932"/>
+              <a:gd name="connsiteY4" fmla="*/ 567708 h 567708"/>
+              <a:gd name="connsiteX0" fmla="*/ 108671 w 166544"/>
+              <a:gd name="connsiteY0" fmla="*/ 0 h 567708"/>
+              <a:gd name="connsiteX1" fmla="*/ 330 w 166544"/>
+              <a:gd name="connsiteY1" fmla="*/ 303355 h 567708"/>
+              <a:gd name="connsiteX2" fmla="*/ 165008 w 166544"/>
+              <a:gd name="connsiteY2" fmla="*/ 312023 h 567708"/>
+              <a:gd name="connsiteX3" fmla="*/ 82669 w 166544"/>
+              <a:gd name="connsiteY3" fmla="*/ 567708 h 567708"/>
+              <a:gd name="connsiteX4" fmla="*/ 82669 w 166544"/>
+              <a:gd name="connsiteY4" fmla="*/ 567708 h 567708"/>
+              <a:gd name="connsiteX0" fmla="*/ 108831 w 179543"/>
+              <a:gd name="connsiteY0" fmla="*/ 0 h 567708"/>
+              <a:gd name="connsiteX1" fmla="*/ 490 w 179543"/>
+              <a:gd name="connsiteY1" fmla="*/ 303355 h 567708"/>
+              <a:gd name="connsiteX2" fmla="*/ 178169 w 179543"/>
+              <a:gd name="connsiteY2" fmla="*/ 403030 h 567708"/>
+              <a:gd name="connsiteX3" fmla="*/ 82829 w 179543"/>
+              <a:gd name="connsiteY3" fmla="*/ 567708 h 567708"/>
+              <a:gd name="connsiteX4" fmla="*/ 82829 w 179543"/>
+              <a:gd name="connsiteY4" fmla="*/ 567708 h 567708"/>
+            </a:gdLst>
+            <a:ahLst/>
+            <a:cxnLst>
+              <a:cxn ang="0">
+                <a:pos x="connsiteX0" y="connsiteY0"/>
+              </a:cxn>
+              <a:cxn ang="0">
+                <a:pos x="connsiteX1" y="connsiteY1"/>
+              </a:cxn>
+              <a:cxn ang="0">
+                <a:pos x="connsiteX2" y="connsiteY2"/>
+              </a:cxn>
+              <a:cxn ang="0">
+                <a:pos x="connsiteX3" y="connsiteY3"/>
+              </a:cxn>
+              <a:cxn ang="0">
+                <a:pos x="connsiteX4" y="connsiteY4"/>
+              </a:cxn>
+            </a:cxnLst>
+            <a:rect l="l" t="t" r="r" b="b"/>
+            <a:pathLst>
+              <a:path w="179543" h="567708">
+                <a:moveTo>
+                  <a:pt x="108831" y="0"/>
+                </a:moveTo>
+                <a:cubicBezTo>
+                  <a:pt x="186114" y="28890"/>
+                  <a:pt x="-11066" y="236183"/>
+                  <a:pt x="490" y="303355"/>
+                </a:cubicBezTo>
+                <a:cubicBezTo>
+                  <a:pt x="12046" y="370527"/>
+                  <a:pt x="164446" y="358971"/>
+                  <a:pt x="178169" y="403030"/>
+                </a:cubicBezTo>
+                <a:cubicBezTo>
+                  <a:pt x="191892" y="447089"/>
+                  <a:pt x="98719" y="540262"/>
+                  <a:pt x="82829" y="567708"/>
+                </a:cubicBezTo>
+                <a:lnTo>
+                  <a:pt x="82829" y="567708"/>
+                </a:lnTo>
+              </a:path>
+            </a:pathLst>
+          </a:custGeom>
+          <a:noFill/>
+          <a:ln w="9525">
+            <a:solidFill>
+              <a:schemeClr val="tx1"/>
+            </a:solidFill>
+            <a:headEnd type="triangle" w="sm" len="sm"/>
+          </a:ln>
+        </p:spPr>
+        <p:style>
+          <a:lnRef idx="2">
+            <a:schemeClr val="accent1">
+              <a:shade val="50000"/>
+            </a:schemeClr>
+          </a:lnRef>
+          <a:fillRef idx="1">
+            <a:schemeClr val="accent1"/>
+          </a:fillRef>
+          <a:effectRef idx="0">
+            <a:schemeClr val="accent1"/>
+          </a:effectRef>
+          <a:fontRef idx="minor">
+            <a:schemeClr val="lt1"/>
+          </a:fontRef>
+        </p:style>
+        <p:txBody>
+          <a:bodyPr rtlCol="0" anchor="ctr"/>
+          <a:lstStyle/>
+          <a:p>
+            <a:pPr algn="ctr"/>
+            <a:endParaRPr lang="en-US"/>
+          </a:p>
+        </p:txBody>
+      </p:sp>
+      <p:sp>
+        <p:nvSpPr>
+          <p:cNvPr id="8" name="Freeform 17">
+            <a:extLst>
+              <a:ext uri="{FF2B5EF4-FFF2-40B4-BE49-F238E27FC236}">
+                <a16:creationId xmlns:a16="http://schemas.microsoft.com/office/drawing/2014/main" id="{F2946F74-3A8A-413E-95EE-8C3A23474A32}"/>
+              </a:ext>
+            </a:extLst>
+          </p:cNvPr>
+          <p:cNvSpPr/>
+          <p:nvPr/>
+        </p:nvSpPr>
+        <p:spPr>
+          <a:xfrm>
+            <a:off x="3895380" y="3047999"/>
+            <a:ext cx="179543" cy="685801"/>
+          </a:xfrm>
+          <a:custGeom>
+            <a:avLst/>
+            <a:gdLst>
+              <a:gd name="connsiteX0" fmla="*/ 156390 w 156390"/>
+              <a:gd name="connsiteY0" fmla="*/ 0 h 567708"/>
+              <a:gd name="connsiteX1" fmla="*/ 378 w 156390"/>
+              <a:gd name="connsiteY1" fmla="*/ 177679 h 567708"/>
+              <a:gd name="connsiteX2" fmla="*/ 113053 w 156390"/>
+              <a:gd name="connsiteY2" fmla="*/ 407363 h 567708"/>
+              <a:gd name="connsiteX3" fmla="*/ 130388 w 156390"/>
+              <a:gd name="connsiteY3" fmla="*/ 567708 h 567708"/>
+              <a:gd name="connsiteX4" fmla="*/ 130388 w 156390"/>
+              <a:gd name="connsiteY4" fmla="*/ 567708 h 567708"/>
+              <a:gd name="connsiteX0" fmla="*/ 156390 w 157057"/>
+              <a:gd name="connsiteY0" fmla="*/ 0 h 567708"/>
+              <a:gd name="connsiteX1" fmla="*/ 378 w 157057"/>
+              <a:gd name="connsiteY1" fmla="*/ 177679 h 567708"/>
+              <a:gd name="connsiteX2" fmla="*/ 113053 w 157057"/>
+              <a:gd name="connsiteY2" fmla="*/ 407363 h 567708"/>
+              <a:gd name="connsiteX3" fmla="*/ 130388 w 157057"/>
+              <a:gd name="connsiteY3" fmla="*/ 567708 h 567708"/>
+              <a:gd name="connsiteX4" fmla="*/ 130388 w 157057"/>
+              <a:gd name="connsiteY4" fmla="*/ 567708 h 567708"/>
+              <a:gd name="connsiteX0" fmla="*/ 156390 w 168460"/>
+              <a:gd name="connsiteY0" fmla="*/ 0 h 567708"/>
+              <a:gd name="connsiteX1" fmla="*/ 378 w 168460"/>
+              <a:gd name="connsiteY1" fmla="*/ 177679 h 567708"/>
+              <a:gd name="connsiteX2" fmla="*/ 113053 w 168460"/>
+              <a:gd name="connsiteY2" fmla="*/ 407363 h 567708"/>
+              <a:gd name="connsiteX3" fmla="*/ 130388 w 168460"/>
+              <a:gd name="connsiteY3" fmla="*/ 567708 h 567708"/>
+              <a:gd name="connsiteX4" fmla="*/ 130388 w 168460"/>
+              <a:gd name="connsiteY4" fmla="*/ 567708 h 567708"/>
+              <a:gd name="connsiteX0" fmla="*/ 139118 w 152058"/>
+              <a:gd name="connsiteY0" fmla="*/ 0 h 567708"/>
+              <a:gd name="connsiteX1" fmla="*/ 441 w 152058"/>
+              <a:gd name="connsiteY1" fmla="*/ 234016 h 567708"/>
+              <a:gd name="connsiteX2" fmla="*/ 95781 w 152058"/>
+              <a:gd name="connsiteY2" fmla="*/ 407363 h 567708"/>
+              <a:gd name="connsiteX3" fmla="*/ 113116 w 152058"/>
+              <a:gd name="connsiteY3" fmla="*/ 567708 h 567708"/>
+              <a:gd name="connsiteX4" fmla="*/ 113116 w 152058"/>
+              <a:gd name="connsiteY4" fmla="*/ 567708 h 567708"/>
+              <a:gd name="connsiteX0" fmla="*/ 138981 w 197949"/>
+              <a:gd name="connsiteY0" fmla="*/ 0 h 567708"/>
+              <a:gd name="connsiteX1" fmla="*/ 304 w 197949"/>
+              <a:gd name="connsiteY1" fmla="*/ 234016 h 567708"/>
+              <a:gd name="connsiteX2" fmla="*/ 195318 w 197949"/>
+              <a:gd name="connsiteY2" fmla="*/ 312023 h 567708"/>
+              <a:gd name="connsiteX3" fmla="*/ 112979 w 197949"/>
+              <a:gd name="connsiteY3" fmla="*/ 567708 h 567708"/>
+              <a:gd name="connsiteX4" fmla="*/ 112979 w 197949"/>
+              <a:gd name="connsiteY4" fmla="*/ 567708 h 567708"/>
+              <a:gd name="connsiteX0" fmla="*/ 138964 w 197932"/>
+              <a:gd name="connsiteY0" fmla="*/ 0 h 567708"/>
+              <a:gd name="connsiteX1" fmla="*/ 287 w 197932"/>
+              <a:gd name="connsiteY1" fmla="*/ 234016 h 567708"/>
+              <a:gd name="connsiteX2" fmla="*/ 195301 w 197932"/>
+              <a:gd name="connsiteY2" fmla="*/ 312023 h 567708"/>
+              <a:gd name="connsiteX3" fmla="*/ 112962 w 197932"/>
+              <a:gd name="connsiteY3" fmla="*/ 567708 h 567708"/>
+              <a:gd name="connsiteX4" fmla="*/ 112962 w 197932"/>
+              <a:gd name="connsiteY4" fmla="*/ 567708 h 567708"/>
+              <a:gd name="connsiteX0" fmla="*/ 108671 w 166544"/>
+              <a:gd name="connsiteY0" fmla="*/ 0 h 567708"/>
+              <a:gd name="connsiteX1" fmla="*/ 330 w 166544"/>
+              <a:gd name="connsiteY1" fmla="*/ 303355 h 567708"/>
+              <a:gd name="connsiteX2" fmla="*/ 165008 w 166544"/>
+              <a:gd name="connsiteY2" fmla="*/ 312023 h 567708"/>
+              <a:gd name="connsiteX3" fmla="*/ 82669 w 166544"/>
+              <a:gd name="connsiteY3" fmla="*/ 567708 h 567708"/>
+              <a:gd name="connsiteX4" fmla="*/ 82669 w 166544"/>
+              <a:gd name="connsiteY4" fmla="*/ 567708 h 567708"/>
+              <a:gd name="connsiteX0" fmla="*/ 108831 w 179543"/>
+              <a:gd name="connsiteY0" fmla="*/ 0 h 567708"/>
+              <a:gd name="connsiteX1" fmla="*/ 490 w 179543"/>
+              <a:gd name="connsiteY1" fmla="*/ 303355 h 567708"/>
+              <a:gd name="connsiteX2" fmla="*/ 178169 w 179543"/>
+              <a:gd name="connsiteY2" fmla="*/ 403030 h 567708"/>
+              <a:gd name="connsiteX3" fmla="*/ 82829 w 179543"/>
+              <a:gd name="connsiteY3" fmla="*/ 567708 h 567708"/>
+              <a:gd name="connsiteX4" fmla="*/ 82829 w 179543"/>
+              <a:gd name="connsiteY4" fmla="*/ 567708 h 567708"/>
+            </a:gdLst>
+            <a:ahLst/>
+            <a:cxnLst>
+              <a:cxn ang="0">
+                <a:pos x="connsiteX0" y="connsiteY0"/>
+              </a:cxn>
+              <a:cxn ang="0">
+                <a:pos x="connsiteX1" y="connsiteY1"/>
+              </a:cxn>
+              <a:cxn ang="0">
+                <a:pos x="connsiteX2" y="connsiteY2"/>
+              </a:cxn>
+              <a:cxn ang="0">
+                <a:pos x="connsiteX3" y="connsiteY3"/>
+              </a:cxn>
+              <a:cxn ang="0">
+                <a:pos x="connsiteX4" y="connsiteY4"/>
+              </a:cxn>
+            </a:cxnLst>
+            <a:rect l="l" t="t" r="r" b="b"/>
+            <a:pathLst>
+              <a:path w="179543" h="567708">
+                <a:moveTo>
+                  <a:pt x="108831" y="0"/>
+                </a:moveTo>
+                <a:cubicBezTo>
+                  <a:pt x="186114" y="28890"/>
+                  <a:pt x="-11066" y="236183"/>
+                  <a:pt x="490" y="303355"/>
+                </a:cubicBezTo>
+                <a:cubicBezTo>
+                  <a:pt x="12046" y="370527"/>
+                  <a:pt x="164446" y="358971"/>
+                  <a:pt x="178169" y="403030"/>
+                </a:cubicBezTo>
+                <a:cubicBezTo>
+                  <a:pt x="191892" y="447089"/>
+                  <a:pt x="98719" y="540262"/>
+                  <a:pt x="82829" y="567708"/>
+                </a:cubicBezTo>
+                <a:lnTo>
+                  <a:pt x="82829" y="567708"/>
+                </a:lnTo>
+              </a:path>
+            </a:pathLst>
+          </a:custGeom>
+          <a:noFill/>
+          <a:ln w="9525">
+            <a:solidFill>
+              <a:schemeClr val="tx1"/>
+            </a:solidFill>
+            <a:headEnd type="triangle" w="sm" len="sm"/>
+          </a:ln>
+        </p:spPr>
+        <p:style>
+          <a:lnRef idx="2">
+            <a:schemeClr val="accent1">
+              <a:shade val="50000"/>
+            </a:schemeClr>
+          </a:lnRef>
+          <a:fillRef idx="1">
+            <a:schemeClr val="accent1"/>
+          </a:fillRef>
+          <a:effectRef idx="0">
+            <a:schemeClr val="accent1"/>
+          </a:effectRef>
+          <a:fontRef idx="minor">
+            <a:schemeClr val="lt1"/>
+          </a:fontRef>
+        </p:style>
+        <p:txBody>
+          <a:bodyPr rtlCol="0" anchor="ctr"/>
+          <a:lstStyle/>
+          <a:p>
+            <a:pPr algn="ctr"/>
+            <a:endParaRPr lang="en-US"/>
+          </a:p>
+        </p:txBody>
+      </p:sp>
+      <p:sp>
+        <p:nvSpPr>
+          <p:cNvPr id="9" name="TextBox 8">
+            <a:extLst>
+              <a:ext uri="{FF2B5EF4-FFF2-40B4-BE49-F238E27FC236}">
+                <a16:creationId xmlns:a16="http://schemas.microsoft.com/office/drawing/2014/main" id="{827560CF-8599-42C9-B3F8-B32DCC230629}"/>
+              </a:ext>
+            </a:extLst>
+          </p:cNvPr>
+          <p:cNvSpPr txBox="1"/>
+          <p:nvPr/>
+        </p:nvSpPr>
+        <p:spPr>
+          <a:xfrm>
+            <a:off x="3820559" y="3679686"/>
+            <a:ext cx="329184" cy="338554"/>
+          </a:xfrm>
+          <a:prstGeom prst="rect">
+            <a:avLst/>
+          </a:prstGeom>
+          <a:noFill/>
+          <a:ln>
+            <a:noFill/>
+          </a:ln>
+        </p:spPr>
+        <p:txBody>
+          <a:bodyPr wrap="square" lIns="0" rIns="0" rtlCol="0">
+            <a:spAutoFit/>
+          </a:bodyPr>
+          <a:lstStyle/>
+          <a:p>
+            <a:pPr algn="ctr"/>
+            <a:r>
+              <a:rPr lang="en-US" altLang="zh-TW" sz="800" dirty="0"/>
+              <a:t>Current</a:t>
+            </a:r>
+          </a:p>
+          <a:p>
+            <a:pPr algn="ctr"/>
+            <a:r>
+              <a:rPr lang="en-US" altLang="zh-TW" sz="800" dirty="0"/>
+              <a:t>update</a:t>
+            </a:r>
+            <a:endParaRPr lang="zh-TW" altLang="en-US" sz="800" dirty="0"/>
+          </a:p>
+        </p:txBody>
+      </p:sp>
+      <p:sp>
+        <p:nvSpPr>
+          <p:cNvPr id="10" name="TextBox 9">
+            <a:extLst>
+              <a:ext uri="{FF2B5EF4-FFF2-40B4-BE49-F238E27FC236}">
+                <a16:creationId xmlns:a16="http://schemas.microsoft.com/office/drawing/2014/main" id="{ACF839B2-6DAC-44E2-AB6C-6BA80420882A}"/>
+              </a:ext>
+            </a:extLst>
+          </p:cNvPr>
+          <p:cNvSpPr txBox="1"/>
+          <p:nvPr/>
+        </p:nvSpPr>
+        <p:spPr>
+          <a:xfrm>
+            <a:off x="4299940" y="3679686"/>
+            <a:ext cx="323102" cy="338554"/>
+          </a:xfrm>
+          <a:prstGeom prst="rect">
+            <a:avLst/>
+          </a:prstGeom>
+          <a:noFill/>
+          <a:ln>
+            <a:noFill/>
+          </a:ln>
+        </p:spPr>
+        <p:txBody>
+          <a:bodyPr wrap="square" lIns="0" rIns="0" rtlCol="0">
+            <a:spAutoFit/>
+          </a:bodyPr>
+          <a:lstStyle/>
+          <a:p>
+            <a:pPr algn="ctr"/>
+            <a:r>
+              <a:rPr lang="en-US" altLang="zh-TW" sz="800" dirty="0"/>
+              <a:t>Next </a:t>
+            </a:r>
+          </a:p>
+          <a:p>
+            <a:pPr algn="ctr"/>
+            <a:r>
+              <a:rPr lang="en-US" altLang="zh-TW" sz="800" dirty="0"/>
+              <a:t>update</a:t>
+            </a:r>
+            <a:endParaRPr lang="zh-TW" altLang="en-US" sz="800" dirty="0"/>
+          </a:p>
+        </p:txBody>
+      </p:sp>
+      <p:sp>
+        <p:nvSpPr>
+          <p:cNvPr id="11" name="Rectangle 10">
+            <a:extLst>
+              <a:ext uri="{FF2B5EF4-FFF2-40B4-BE49-F238E27FC236}">
+                <a16:creationId xmlns:a16="http://schemas.microsoft.com/office/drawing/2014/main" id="{9A2105C7-5E16-4136-89BE-C381097E95F7}"/>
+              </a:ext>
+            </a:extLst>
+          </p:cNvPr>
+          <p:cNvSpPr/>
+          <p:nvPr/>
+        </p:nvSpPr>
+        <p:spPr>
+          <a:xfrm>
+            <a:off x="3339032" y="2755716"/>
+            <a:ext cx="342699" cy="453828"/>
+          </a:xfrm>
+          <a:prstGeom prst="rect">
+            <a:avLst/>
+          </a:prstGeom>
+          <a:noFill/>
+          <a:ln w="3175">
+            <a:solidFill>
+              <a:schemeClr val="tx1"/>
+            </a:solidFill>
+          </a:ln>
+        </p:spPr>
+        <p:style>
+          <a:lnRef idx="2">
+            <a:schemeClr val="accent1">
+              <a:shade val="50000"/>
+            </a:schemeClr>
+          </a:lnRef>
+          <a:fillRef idx="1">
+            <a:schemeClr val="accent1"/>
+          </a:fillRef>
+          <a:effectRef idx="0">
+            <a:schemeClr val="accent1"/>
+          </a:effectRef>
+          <a:fontRef idx="minor">
+            <a:schemeClr val="lt1"/>
+          </a:fontRef>
+        </p:style>
+        <p:txBody>
+          <a:bodyPr rtlCol="0" anchor="ctr"/>
+          <a:lstStyle/>
+          <a:p>
+            <a:pPr algn="ctr"/>
+            <a:endParaRPr lang="en-US"/>
+          </a:p>
+        </p:txBody>
+      </p:sp>
+      <p:sp>
+        <p:nvSpPr>
+          <p:cNvPr id="12" name="Rectangle 11">
+            <a:extLst>
+              <a:ext uri="{FF2B5EF4-FFF2-40B4-BE49-F238E27FC236}">
+                <a16:creationId xmlns:a16="http://schemas.microsoft.com/office/drawing/2014/main" id="{F7C3D9BF-C26E-413B-8FB7-82377398D9EF}"/>
+              </a:ext>
+            </a:extLst>
+          </p:cNvPr>
+          <p:cNvSpPr/>
+          <p:nvPr/>
+        </p:nvSpPr>
+        <p:spPr>
+          <a:xfrm>
+            <a:off x="3811379" y="2518198"/>
+            <a:ext cx="342699" cy="453828"/>
+          </a:xfrm>
+          <a:prstGeom prst="rect">
+            <a:avLst/>
+          </a:prstGeom>
+          <a:noFill/>
+          <a:ln w="3175">
+            <a:solidFill>
+              <a:schemeClr val="tx1"/>
+            </a:solidFill>
+          </a:ln>
+        </p:spPr>
+        <p:style>
+          <a:lnRef idx="2">
+            <a:schemeClr val="accent1">
+              <a:shade val="50000"/>
+            </a:schemeClr>
+          </a:lnRef>
+          <a:fillRef idx="1">
+            <a:schemeClr val="accent1"/>
+          </a:fillRef>
+          <a:effectRef idx="0">
+            <a:schemeClr val="accent1"/>
+          </a:effectRef>
+          <a:fontRef idx="minor">
+            <a:schemeClr val="lt1"/>
+          </a:fontRef>
+        </p:style>
+        <p:txBody>
+          <a:bodyPr rtlCol="0" anchor="ctr"/>
+          <a:lstStyle/>
+          <a:p>
+            <a:pPr algn="ctr"/>
+            <a:endParaRPr lang="en-US"/>
+          </a:p>
+        </p:txBody>
+      </p:sp>
+      <p:sp>
+        <p:nvSpPr>
+          <p:cNvPr id="13" name="Rectangle 12">
+            <a:extLst>
+              <a:ext uri="{FF2B5EF4-FFF2-40B4-BE49-F238E27FC236}">
+                <a16:creationId xmlns:a16="http://schemas.microsoft.com/office/drawing/2014/main" id="{5366719C-A8F8-43E3-8948-F34302D69615}"/>
+              </a:ext>
+            </a:extLst>
+          </p:cNvPr>
+          <p:cNvSpPr/>
+          <p:nvPr/>
+        </p:nvSpPr>
+        <p:spPr>
+          <a:xfrm>
+            <a:off x="4305501" y="2298290"/>
+            <a:ext cx="342699" cy="453828"/>
+          </a:xfrm>
+          <a:prstGeom prst="rect">
+            <a:avLst/>
+          </a:prstGeom>
+          <a:noFill/>
+          <a:ln w="3175">
+            <a:solidFill>
+              <a:schemeClr val="tx1"/>
+            </a:solidFill>
+          </a:ln>
+        </p:spPr>
+        <p:style>
+          <a:lnRef idx="2">
+            <a:schemeClr val="accent1">
+              <a:shade val="50000"/>
+            </a:schemeClr>
+          </a:lnRef>
+          <a:fillRef idx="1">
+            <a:schemeClr val="accent1"/>
+          </a:fillRef>
+          <a:effectRef idx="0">
+            <a:schemeClr val="accent1"/>
+          </a:effectRef>
+          <a:fontRef idx="minor">
+            <a:schemeClr val="lt1"/>
+          </a:fontRef>
+        </p:style>
+        <p:txBody>
+          <a:bodyPr rtlCol="0" anchor="ctr"/>
+          <a:lstStyle/>
+          <a:p>
+            <a:pPr algn="ctr"/>
+            <a:endParaRPr lang="en-US"/>
+          </a:p>
+        </p:txBody>
+      </p:sp>
+      <p:sp>
+        <p:nvSpPr>
+          <p:cNvPr id="14" name="TextBox 13">
+            <a:extLst>
+              <a:ext uri="{FF2B5EF4-FFF2-40B4-BE49-F238E27FC236}">
+                <a16:creationId xmlns:a16="http://schemas.microsoft.com/office/drawing/2014/main" id="{9588413D-5C82-4C15-BFB7-04D60CB6CF41}"/>
+              </a:ext>
+            </a:extLst>
+          </p:cNvPr>
+          <p:cNvSpPr txBox="1"/>
+          <p:nvPr/>
+        </p:nvSpPr>
+        <p:spPr>
+          <a:xfrm>
+            <a:off x="3056442" y="4301734"/>
+            <a:ext cx="2125158" cy="338554"/>
+          </a:xfrm>
+          <a:prstGeom prst="rect">
+            <a:avLst/>
+          </a:prstGeom>
+          <a:noFill/>
+          <a:ln>
+            <a:noFill/>
+          </a:ln>
+        </p:spPr>
+        <p:txBody>
+          <a:bodyPr wrap="square" lIns="0" rIns="0" rtlCol="0">
+            <a:spAutoFit/>
+          </a:bodyPr>
+          <a:lstStyle/>
+          <a:p>
+            <a:r>
+              <a:rPr lang="en-US" altLang="zh-TW" sz="1600" dirty="0"/>
+              <a:t>Figure 9-22</a:t>
+            </a:r>
+            <a:endParaRPr lang="zh-TW" altLang="en-US" sz="1600" baseline="-25000" dirty="0"/>
+          </a:p>
+        </p:txBody>
+      </p:sp>
+    </p:spTree>
+    <p:extLst>
+      <p:ext uri="{BB962C8B-B14F-4D97-AF65-F5344CB8AC3E}">
+        <p14:creationId xmlns:p14="http://schemas.microsoft.com/office/powerpoint/2010/main" val="930724710"/>
+      </p:ext>
+    </p:extLst>
+  </p:cSld>
+  <p:clrMapOvr>
+    <a:masterClrMapping/>
+  </p:clrMapOvr>
+</p:sld>
+</file>
+
+<file path=ppt/slides/slide18.xml><?xml version="1.0" encoding="utf-8"?>
+<p:sld xmlns:a="http://schemas.openxmlformats.org/drawingml/2006/main" xmlns:r="http://schemas.openxmlformats.org/officeDocument/2006/relationships" xmlns:p="http://schemas.openxmlformats.org/presentationml/2006/main">
+  <p:cSld>
+    <p:spTree>
+      <p:nvGrpSpPr>
+        <p:cNvPr id="1" name=""/>
+        <p:cNvGrpSpPr/>
+        <p:nvPr/>
+      </p:nvGrpSpPr>
+      <p:grpSpPr>
+        <a:xfrm>
+          <a:off x="0" y="0"/>
+          <a:ext cx="0" cy="0"/>
+          <a:chOff x="0" y="0"/>
+          <a:chExt cx="0" cy="0"/>
+        </a:xfrm>
+      </p:grpSpPr>
+      <p:sp>
+        <p:nvSpPr>
+          <p:cNvPr id="2" name="Rectangle 1">
+            <a:extLst>
+              <a:ext uri="{FF2B5EF4-FFF2-40B4-BE49-F238E27FC236}">
+                <a16:creationId xmlns:a16="http://schemas.microsoft.com/office/drawing/2014/main" id="{9298FB7C-320E-4D44-8A73-43B56ED49DF0}"/>
+              </a:ext>
+            </a:extLst>
+          </p:cNvPr>
+          <p:cNvSpPr/>
+          <p:nvPr/>
+        </p:nvSpPr>
+        <p:spPr>
+          <a:xfrm>
+            <a:off x="1676400" y="1974675"/>
+            <a:ext cx="4267200" cy="2324099"/>
+          </a:xfrm>
+          <a:prstGeom prst="rect">
+            <a:avLst/>
+          </a:prstGeom>
+          <a:noFill/>
+          <a:ln w="9525">
+            <a:prstDash val="sysDash"/>
+          </a:ln>
+        </p:spPr>
+        <p:style>
+          <a:lnRef idx="2">
+            <a:schemeClr val="accent1">
+              <a:shade val="50000"/>
+            </a:schemeClr>
+          </a:lnRef>
+          <a:fillRef idx="1">
+            <a:schemeClr val="accent1"/>
+          </a:fillRef>
+          <a:effectRef idx="0">
+            <a:schemeClr val="accent1"/>
+          </a:effectRef>
+          <a:fontRef idx="minor">
+            <a:schemeClr val="lt1"/>
+          </a:fontRef>
+        </p:style>
+        <p:txBody>
+          <a:bodyPr rtlCol="0" anchor="ctr"/>
+          <a:lstStyle/>
+          <a:p>
+            <a:pPr algn="ctr"/>
+            <a:endParaRPr lang="en-US" sz="800"/>
+          </a:p>
+        </p:txBody>
+      </p:sp>
+      <p:sp>
+        <p:nvSpPr>
+          <p:cNvPr id="3" name="Freeform 3">
+            <a:extLst>
+              <a:ext uri="{FF2B5EF4-FFF2-40B4-BE49-F238E27FC236}">
+                <a16:creationId xmlns:a16="http://schemas.microsoft.com/office/drawing/2014/main" id="{030D31C1-B83E-43E5-B39A-27CD0F083707}"/>
+              </a:ext>
+            </a:extLst>
+          </p:cNvPr>
+          <p:cNvSpPr/>
+          <p:nvPr/>
+        </p:nvSpPr>
+        <p:spPr>
+          <a:xfrm>
+            <a:off x="3353584" y="3248070"/>
+            <a:ext cx="179543" cy="485731"/>
+          </a:xfrm>
+          <a:custGeom>
+            <a:avLst/>
+            <a:gdLst>
+              <a:gd name="connsiteX0" fmla="*/ 156390 w 156390"/>
+              <a:gd name="connsiteY0" fmla="*/ 0 h 567708"/>
+              <a:gd name="connsiteX1" fmla="*/ 378 w 156390"/>
+              <a:gd name="connsiteY1" fmla="*/ 177679 h 567708"/>
+              <a:gd name="connsiteX2" fmla="*/ 113053 w 156390"/>
+              <a:gd name="connsiteY2" fmla="*/ 407363 h 567708"/>
+              <a:gd name="connsiteX3" fmla="*/ 130388 w 156390"/>
+              <a:gd name="connsiteY3" fmla="*/ 567708 h 567708"/>
+              <a:gd name="connsiteX4" fmla="*/ 130388 w 156390"/>
+              <a:gd name="connsiteY4" fmla="*/ 567708 h 567708"/>
+              <a:gd name="connsiteX0" fmla="*/ 156390 w 157057"/>
+              <a:gd name="connsiteY0" fmla="*/ 0 h 567708"/>
+              <a:gd name="connsiteX1" fmla="*/ 378 w 157057"/>
+              <a:gd name="connsiteY1" fmla="*/ 177679 h 567708"/>
+              <a:gd name="connsiteX2" fmla="*/ 113053 w 157057"/>
+              <a:gd name="connsiteY2" fmla="*/ 407363 h 567708"/>
+              <a:gd name="connsiteX3" fmla="*/ 130388 w 157057"/>
+              <a:gd name="connsiteY3" fmla="*/ 567708 h 567708"/>
+              <a:gd name="connsiteX4" fmla="*/ 130388 w 157057"/>
+              <a:gd name="connsiteY4" fmla="*/ 567708 h 567708"/>
+              <a:gd name="connsiteX0" fmla="*/ 156390 w 168460"/>
+              <a:gd name="connsiteY0" fmla="*/ 0 h 567708"/>
+              <a:gd name="connsiteX1" fmla="*/ 378 w 168460"/>
+              <a:gd name="connsiteY1" fmla="*/ 177679 h 567708"/>
+              <a:gd name="connsiteX2" fmla="*/ 113053 w 168460"/>
+              <a:gd name="connsiteY2" fmla="*/ 407363 h 567708"/>
+              <a:gd name="connsiteX3" fmla="*/ 130388 w 168460"/>
+              <a:gd name="connsiteY3" fmla="*/ 567708 h 567708"/>
+              <a:gd name="connsiteX4" fmla="*/ 130388 w 168460"/>
+              <a:gd name="connsiteY4" fmla="*/ 567708 h 567708"/>
+              <a:gd name="connsiteX0" fmla="*/ 139118 w 152058"/>
+              <a:gd name="connsiteY0" fmla="*/ 0 h 567708"/>
+              <a:gd name="connsiteX1" fmla="*/ 441 w 152058"/>
+              <a:gd name="connsiteY1" fmla="*/ 234016 h 567708"/>
+              <a:gd name="connsiteX2" fmla="*/ 95781 w 152058"/>
+              <a:gd name="connsiteY2" fmla="*/ 407363 h 567708"/>
+              <a:gd name="connsiteX3" fmla="*/ 113116 w 152058"/>
+              <a:gd name="connsiteY3" fmla="*/ 567708 h 567708"/>
+              <a:gd name="connsiteX4" fmla="*/ 113116 w 152058"/>
+              <a:gd name="connsiteY4" fmla="*/ 567708 h 567708"/>
+              <a:gd name="connsiteX0" fmla="*/ 138981 w 197949"/>
+              <a:gd name="connsiteY0" fmla="*/ 0 h 567708"/>
+              <a:gd name="connsiteX1" fmla="*/ 304 w 197949"/>
+              <a:gd name="connsiteY1" fmla="*/ 234016 h 567708"/>
+              <a:gd name="connsiteX2" fmla="*/ 195318 w 197949"/>
+              <a:gd name="connsiteY2" fmla="*/ 312023 h 567708"/>
+              <a:gd name="connsiteX3" fmla="*/ 112979 w 197949"/>
+              <a:gd name="connsiteY3" fmla="*/ 567708 h 567708"/>
+              <a:gd name="connsiteX4" fmla="*/ 112979 w 197949"/>
+              <a:gd name="connsiteY4" fmla="*/ 567708 h 567708"/>
+              <a:gd name="connsiteX0" fmla="*/ 138964 w 197932"/>
+              <a:gd name="connsiteY0" fmla="*/ 0 h 567708"/>
+              <a:gd name="connsiteX1" fmla="*/ 287 w 197932"/>
+              <a:gd name="connsiteY1" fmla="*/ 234016 h 567708"/>
+              <a:gd name="connsiteX2" fmla="*/ 195301 w 197932"/>
+              <a:gd name="connsiteY2" fmla="*/ 312023 h 567708"/>
+              <a:gd name="connsiteX3" fmla="*/ 112962 w 197932"/>
+              <a:gd name="connsiteY3" fmla="*/ 567708 h 567708"/>
+              <a:gd name="connsiteX4" fmla="*/ 112962 w 197932"/>
+              <a:gd name="connsiteY4" fmla="*/ 567708 h 567708"/>
+              <a:gd name="connsiteX0" fmla="*/ 108671 w 166544"/>
+              <a:gd name="connsiteY0" fmla="*/ 0 h 567708"/>
+              <a:gd name="connsiteX1" fmla="*/ 330 w 166544"/>
+              <a:gd name="connsiteY1" fmla="*/ 303355 h 567708"/>
+              <a:gd name="connsiteX2" fmla="*/ 165008 w 166544"/>
+              <a:gd name="connsiteY2" fmla="*/ 312023 h 567708"/>
+              <a:gd name="connsiteX3" fmla="*/ 82669 w 166544"/>
+              <a:gd name="connsiteY3" fmla="*/ 567708 h 567708"/>
+              <a:gd name="connsiteX4" fmla="*/ 82669 w 166544"/>
+              <a:gd name="connsiteY4" fmla="*/ 567708 h 567708"/>
+              <a:gd name="connsiteX0" fmla="*/ 108831 w 179543"/>
+              <a:gd name="connsiteY0" fmla="*/ 0 h 567708"/>
+              <a:gd name="connsiteX1" fmla="*/ 490 w 179543"/>
+              <a:gd name="connsiteY1" fmla="*/ 303355 h 567708"/>
+              <a:gd name="connsiteX2" fmla="*/ 178169 w 179543"/>
+              <a:gd name="connsiteY2" fmla="*/ 403030 h 567708"/>
+              <a:gd name="connsiteX3" fmla="*/ 82829 w 179543"/>
+              <a:gd name="connsiteY3" fmla="*/ 567708 h 567708"/>
+              <a:gd name="connsiteX4" fmla="*/ 82829 w 179543"/>
+              <a:gd name="connsiteY4" fmla="*/ 567708 h 567708"/>
+            </a:gdLst>
+            <a:ahLst/>
+            <a:cxnLst>
+              <a:cxn ang="0">
+                <a:pos x="connsiteX0" y="connsiteY0"/>
+              </a:cxn>
+              <a:cxn ang="0">
+                <a:pos x="connsiteX1" y="connsiteY1"/>
+              </a:cxn>
+              <a:cxn ang="0">
+                <a:pos x="connsiteX2" y="connsiteY2"/>
+              </a:cxn>
+              <a:cxn ang="0">
+                <a:pos x="connsiteX3" y="connsiteY3"/>
+              </a:cxn>
+              <a:cxn ang="0">
+                <a:pos x="connsiteX4" y="connsiteY4"/>
+              </a:cxn>
+            </a:cxnLst>
+            <a:rect l="l" t="t" r="r" b="b"/>
+            <a:pathLst>
+              <a:path w="179543" h="567708">
+                <a:moveTo>
+                  <a:pt x="108831" y="0"/>
+                </a:moveTo>
+                <a:cubicBezTo>
+                  <a:pt x="186114" y="28890"/>
+                  <a:pt x="-11066" y="236183"/>
+                  <a:pt x="490" y="303355"/>
+                </a:cubicBezTo>
+                <a:cubicBezTo>
+                  <a:pt x="12046" y="370527"/>
+                  <a:pt x="164446" y="358971"/>
+                  <a:pt x="178169" y="403030"/>
+                </a:cubicBezTo>
+                <a:cubicBezTo>
+                  <a:pt x="191892" y="447089"/>
+                  <a:pt x="98719" y="540262"/>
+                  <a:pt x="82829" y="567708"/>
+                </a:cubicBezTo>
+                <a:lnTo>
+                  <a:pt x="82829" y="567708"/>
+                </a:lnTo>
+              </a:path>
+            </a:pathLst>
+          </a:custGeom>
+          <a:noFill/>
+          <a:ln w="9525">
+            <a:solidFill>
+              <a:schemeClr val="tx1"/>
+            </a:solidFill>
+            <a:headEnd type="triangle" w="sm" len="sm"/>
+          </a:ln>
+        </p:spPr>
+        <p:style>
+          <a:lnRef idx="2">
+            <a:schemeClr val="accent1">
+              <a:shade val="50000"/>
+            </a:schemeClr>
+          </a:lnRef>
+          <a:fillRef idx="1">
+            <a:schemeClr val="accent1"/>
+          </a:fillRef>
+          <a:effectRef idx="0">
+            <a:schemeClr val="accent1"/>
+          </a:effectRef>
+          <a:fontRef idx="minor">
+            <a:schemeClr val="lt1"/>
+          </a:fontRef>
+        </p:style>
+        <p:txBody>
+          <a:bodyPr rtlCol="0" anchor="ctr"/>
+          <a:lstStyle/>
+          <a:p>
+            <a:pPr algn="ctr"/>
+            <a:endParaRPr lang="en-US"/>
+          </a:p>
+        </p:txBody>
+      </p:sp>
+      <p:sp>
+        <p:nvSpPr>
+          <p:cNvPr id="4" name="TextBox 3">
+            <a:extLst>
+              <a:ext uri="{FF2B5EF4-FFF2-40B4-BE49-F238E27FC236}">
+                <a16:creationId xmlns:a16="http://schemas.microsoft.com/office/drawing/2014/main" id="{5D39E6FD-18AF-4D2D-8090-610151A7D6F0}"/>
+              </a:ext>
+            </a:extLst>
+          </p:cNvPr>
+          <p:cNvSpPr txBox="1"/>
+          <p:nvPr/>
+        </p:nvSpPr>
+        <p:spPr>
+          <a:xfrm>
+            <a:off x="3257876" y="3679686"/>
+            <a:ext cx="370958" cy="338554"/>
+          </a:xfrm>
+          <a:prstGeom prst="rect">
+            <a:avLst/>
+          </a:prstGeom>
+          <a:noFill/>
+          <a:ln>
+            <a:noFill/>
+          </a:ln>
+        </p:spPr>
+        <p:txBody>
+          <a:bodyPr wrap="square" lIns="0" rIns="0" rtlCol="0">
+            <a:spAutoFit/>
+          </a:bodyPr>
+          <a:lstStyle/>
+          <a:p>
+            <a:pPr algn="ctr"/>
+            <a:r>
+              <a:rPr lang="en-US" altLang="zh-TW" sz="800" dirty="0"/>
+              <a:t>Previous</a:t>
+            </a:r>
+          </a:p>
+          <a:p>
+            <a:pPr algn="ctr"/>
+            <a:r>
+              <a:rPr lang="en-US" altLang="zh-TW" sz="800" dirty="0"/>
+              <a:t>update</a:t>
+            </a:r>
+            <a:endParaRPr lang="zh-TW" altLang="en-US" sz="800" dirty="0"/>
+          </a:p>
+        </p:txBody>
+      </p:sp>
+      <p:sp>
+        <p:nvSpPr>
+          <p:cNvPr id="5" name="Freeform 5">
+            <a:extLst>
+              <a:ext uri="{FF2B5EF4-FFF2-40B4-BE49-F238E27FC236}">
+                <a16:creationId xmlns:a16="http://schemas.microsoft.com/office/drawing/2014/main" id="{A63DD72B-7AFE-45AD-85A1-D62FD744F701}"/>
+              </a:ext>
+            </a:extLst>
+          </p:cNvPr>
+          <p:cNvSpPr/>
+          <p:nvPr/>
+        </p:nvSpPr>
+        <p:spPr>
+          <a:xfrm>
+            <a:off x="4382070" y="2901269"/>
+            <a:ext cx="179543" cy="832531"/>
+          </a:xfrm>
+          <a:custGeom>
+            <a:avLst/>
+            <a:gdLst>
+              <a:gd name="connsiteX0" fmla="*/ 156390 w 156390"/>
+              <a:gd name="connsiteY0" fmla="*/ 0 h 567708"/>
+              <a:gd name="connsiteX1" fmla="*/ 378 w 156390"/>
+              <a:gd name="connsiteY1" fmla="*/ 177679 h 567708"/>
+              <a:gd name="connsiteX2" fmla="*/ 113053 w 156390"/>
+              <a:gd name="connsiteY2" fmla="*/ 407363 h 567708"/>
+              <a:gd name="connsiteX3" fmla="*/ 130388 w 156390"/>
+              <a:gd name="connsiteY3" fmla="*/ 567708 h 567708"/>
+              <a:gd name="connsiteX4" fmla="*/ 130388 w 156390"/>
+              <a:gd name="connsiteY4" fmla="*/ 567708 h 567708"/>
+              <a:gd name="connsiteX0" fmla="*/ 156390 w 157057"/>
+              <a:gd name="connsiteY0" fmla="*/ 0 h 567708"/>
+              <a:gd name="connsiteX1" fmla="*/ 378 w 157057"/>
+              <a:gd name="connsiteY1" fmla="*/ 177679 h 567708"/>
+              <a:gd name="connsiteX2" fmla="*/ 113053 w 157057"/>
+              <a:gd name="connsiteY2" fmla="*/ 407363 h 567708"/>
+              <a:gd name="connsiteX3" fmla="*/ 130388 w 157057"/>
+              <a:gd name="connsiteY3" fmla="*/ 567708 h 567708"/>
+              <a:gd name="connsiteX4" fmla="*/ 130388 w 157057"/>
+              <a:gd name="connsiteY4" fmla="*/ 567708 h 567708"/>
+              <a:gd name="connsiteX0" fmla="*/ 156390 w 168460"/>
+              <a:gd name="connsiteY0" fmla="*/ 0 h 567708"/>
+              <a:gd name="connsiteX1" fmla="*/ 378 w 168460"/>
+              <a:gd name="connsiteY1" fmla="*/ 177679 h 567708"/>
+              <a:gd name="connsiteX2" fmla="*/ 113053 w 168460"/>
+              <a:gd name="connsiteY2" fmla="*/ 407363 h 567708"/>
+              <a:gd name="connsiteX3" fmla="*/ 130388 w 168460"/>
+              <a:gd name="connsiteY3" fmla="*/ 567708 h 567708"/>
+              <a:gd name="connsiteX4" fmla="*/ 130388 w 168460"/>
+              <a:gd name="connsiteY4" fmla="*/ 567708 h 567708"/>
+              <a:gd name="connsiteX0" fmla="*/ 139118 w 152058"/>
+              <a:gd name="connsiteY0" fmla="*/ 0 h 567708"/>
+              <a:gd name="connsiteX1" fmla="*/ 441 w 152058"/>
+              <a:gd name="connsiteY1" fmla="*/ 234016 h 567708"/>
+              <a:gd name="connsiteX2" fmla="*/ 95781 w 152058"/>
+              <a:gd name="connsiteY2" fmla="*/ 407363 h 567708"/>
+              <a:gd name="connsiteX3" fmla="*/ 113116 w 152058"/>
+              <a:gd name="connsiteY3" fmla="*/ 567708 h 567708"/>
+              <a:gd name="connsiteX4" fmla="*/ 113116 w 152058"/>
+              <a:gd name="connsiteY4" fmla="*/ 567708 h 567708"/>
+              <a:gd name="connsiteX0" fmla="*/ 138981 w 197949"/>
+              <a:gd name="connsiteY0" fmla="*/ 0 h 567708"/>
+              <a:gd name="connsiteX1" fmla="*/ 304 w 197949"/>
+              <a:gd name="connsiteY1" fmla="*/ 234016 h 567708"/>
+              <a:gd name="connsiteX2" fmla="*/ 195318 w 197949"/>
+              <a:gd name="connsiteY2" fmla="*/ 312023 h 567708"/>
+              <a:gd name="connsiteX3" fmla="*/ 112979 w 197949"/>
+              <a:gd name="connsiteY3" fmla="*/ 567708 h 567708"/>
+              <a:gd name="connsiteX4" fmla="*/ 112979 w 197949"/>
+              <a:gd name="connsiteY4" fmla="*/ 567708 h 567708"/>
+              <a:gd name="connsiteX0" fmla="*/ 138964 w 197932"/>
+              <a:gd name="connsiteY0" fmla="*/ 0 h 567708"/>
+              <a:gd name="connsiteX1" fmla="*/ 287 w 197932"/>
+              <a:gd name="connsiteY1" fmla="*/ 234016 h 567708"/>
+              <a:gd name="connsiteX2" fmla="*/ 195301 w 197932"/>
+              <a:gd name="connsiteY2" fmla="*/ 312023 h 567708"/>
+              <a:gd name="connsiteX3" fmla="*/ 112962 w 197932"/>
+              <a:gd name="connsiteY3" fmla="*/ 567708 h 567708"/>
+              <a:gd name="connsiteX4" fmla="*/ 112962 w 197932"/>
+              <a:gd name="connsiteY4" fmla="*/ 567708 h 567708"/>
+              <a:gd name="connsiteX0" fmla="*/ 108671 w 166544"/>
+              <a:gd name="connsiteY0" fmla="*/ 0 h 567708"/>
+              <a:gd name="connsiteX1" fmla="*/ 330 w 166544"/>
+              <a:gd name="connsiteY1" fmla="*/ 303355 h 567708"/>
+              <a:gd name="connsiteX2" fmla="*/ 165008 w 166544"/>
+              <a:gd name="connsiteY2" fmla="*/ 312023 h 567708"/>
+              <a:gd name="connsiteX3" fmla="*/ 82669 w 166544"/>
+              <a:gd name="connsiteY3" fmla="*/ 567708 h 567708"/>
+              <a:gd name="connsiteX4" fmla="*/ 82669 w 166544"/>
+              <a:gd name="connsiteY4" fmla="*/ 567708 h 567708"/>
+              <a:gd name="connsiteX0" fmla="*/ 108831 w 179543"/>
+              <a:gd name="connsiteY0" fmla="*/ 0 h 567708"/>
+              <a:gd name="connsiteX1" fmla="*/ 490 w 179543"/>
+              <a:gd name="connsiteY1" fmla="*/ 303355 h 567708"/>
+              <a:gd name="connsiteX2" fmla="*/ 178169 w 179543"/>
+              <a:gd name="connsiteY2" fmla="*/ 403030 h 567708"/>
+              <a:gd name="connsiteX3" fmla="*/ 82829 w 179543"/>
+              <a:gd name="connsiteY3" fmla="*/ 567708 h 567708"/>
+              <a:gd name="connsiteX4" fmla="*/ 82829 w 179543"/>
+              <a:gd name="connsiteY4" fmla="*/ 567708 h 567708"/>
+            </a:gdLst>
+            <a:ahLst/>
+            <a:cxnLst>
+              <a:cxn ang="0">
+                <a:pos x="connsiteX0" y="connsiteY0"/>
+              </a:cxn>
+              <a:cxn ang="0">
+                <a:pos x="connsiteX1" y="connsiteY1"/>
+              </a:cxn>
+              <a:cxn ang="0">
+                <a:pos x="connsiteX2" y="connsiteY2"/>
+              </a:cxn>
+              <a:cxn ang="0">
+                <a:pos x="connsiteX3" y="connsiteY3"/>
+              </a:cxn>
+              <a:cxn ang="0">
+                <a:pos x="connsiteX4" y="connsiteY4"/>
+              </a:cxn>
+            </a:cxnLst>
+            <a:rect l="l" t="t" r="r" b="b"/>
+            <a:pathLst>
+              <a:path w="179543" h="567708">
+                <a:moveTo>
+                  <a:pt x="108831" y="0"/>
+                </a:moveTo>
+                <a:cubicBezTo>
+                  <a:pt x="186114" y="28890"/>
+                  <a:pt x="-11066" y="236183"/>
+                  <a:pt x="490" y="303355"/>
+                </a:cubicBezTo>
+                <a:cubicBezTo>
+                  <a:pt x="12046" y="370527"/>
+                  <a:pt x="164446" y="358971"/>
+                  <a:pt x="178169" y="403030"/>
+                </a:cubicBezTo>
+                <a:cubicBezTo>
+                  <a:pt x="191892" y="447089"/>
+                  <a:pt x="98719" y="540262"/>
+                  <a:pt x="82829" y="567708"/>
+                </a:cubicBezTo>
+                <a:lnTo>
+                  <a:pt x="82829" y="567708"/>
+                </a:lnTo>
+              </a:path>
+            </a:pathLst>
+          </a:custGeom>
+          <a:noFill/>
+          <a:ln w="9525">
+            <a:solidFill>
+              <a:schemeClr val="tx1"/>
+            </a:solidFill>
+            <a:headEnd type="triangle" w="sm" len="sm"/>
+          </a:ln>
+        </p:spPr>
+        <p:style>
+          <a:lnRef idx="2">
+            <a:schemeClr val="accent1">
+              <a:shade val="50000"/>
+            </a:schemeClr>
+          </a:lnRef>
+          <a:fillRef idx="1">
+            <a:schemeClr val="accent1"/>
+          </a:fillRef>
+          <a:effectRef idx="0">
+            <a:schemeClr val="accent1"/>
+          </a:effectRef>
+          <a:fontRef idx="minor">
+            <a:schemeClr val="lt1"/>
+          </a:fontRef>
+        </p:style>
+        <p:txBody>
+          <a:bodyPr rtlCol="0" anchor="ctr"/>
+          <a:lstStyle/>
+          <a:p>
+            <a:pPr algn="ctr"/>
+            <a:endParaRPr lang="en-US"/>
+          </a:p>
+        </p:txBody>
+      </p:sp>
+      <p:sp>
+        <p:nvSpPr>
+          <p:cNvPr id="6" name="TextBox 5">
+            <a:extLst>
+              <a:ext uri="{FF2B5EF4-FFF2-40B4-BE49-F238E27FC236}">
+                <a16:creationId xmlns:a16="http://schemas.microsoft.com/office/drawing/2014/main" id="{ACD9B6CA-1F0D-487B-83F0-93F3354E7007}"/>
+              </a:ext>
+            </a:extLst>
+          </p:cNvPr>
+          <p:cNvSpPr txBox="1"/>
+          <p:nvPr/>
+        </p:nvSpPr>
+        <p:spPr>
+          <a:xfrm>
+            <a:off x="4307249" y="3680104"/>
+            <a:ext cx="329184" cy="338554"/>
+          </a:xfrm>
+          <a:prstGeom prst="rect">
+            <a:avLst/>
+          </a:prstGeom>
+          <a:noFill/>
+          <a:ln>
+            <a:noFill/>
+          </a:ln>
+        </p:spPr>
+        <p:txBody>
+          <a:bodyPr wrap="square" lIns="0" rIns="0" rtlCol="0">
+            <a:spAutoFit/>
+          </a:bodyPr>
+          <a:lstStyle/>
+          <a:p>
+            <a:pPr algn="ctr"/>
+            <a:r>
+              <a:rPr lang="en-US" altLang="zh-TW" sz="800" dirty="0"/>
+              <a:t>Current</a:t>
+            </a:r>
+          </a:p>
+          <a:p>
+            <a:pPr algn="ctr"/>
+            <a:r>
+              <a:rPr lang="en-US" altLang="zh-TW" sz="800" dirty="0"/>
+              <a:t>update</a:t>
+            </a:r>
+            <a:endParaRPr lang="zh-TW" altLang="en-US" sz="800" dirty="0"/>
+          </a:p>
+        </p:txBody>
+      </p:sp>
+      <p:cxnSp>
+        <p:nvCxnSpPr>
+          <p:cNvPr id="7" name="Straight Connector 6">
+            <a:extLst>
+              <a:ext uri="{FF2B5EF4-FFF2-40B4-BE49-F238E27FC236}">
+                <a16:creationId xmlns:a16="http://schemas.microsoft.com/office/drawing/2014/main" id="{CDF65263-9937-49D2-9027-04D87D3630AA}"/>
+              </a:ext>
+            </a:extLst>
+          </p:cNvPr>
+          <p:cNvCxnSpPr/>
+          <p:nvPr/>
+        </p:nvCxnSpPr>
+        <p:spPr>
+          <a:xfrm flipV="1">
+            <a:off x="3664461" y="2652193"/>
+            <a:ext cx="495842" cy="197687"/>
+          </a:xfrm>
+          <a:prstGeom prst="line">
+            <a:avLst/>
+          </a:prstGeom>
+          <a:ln w="9525">
+            <a:solidFill>
+              <a:schemeClr val="tx1"/>
+            </a:solidFill>
+            <a:tailEnd type="arrow" w="sm" len="sm"/>
+          </a:ln>
+        </p:spPr>
+        <p:style>
+          <a:lnRef idx="1">
+            <a:schemeClr val="accent1"/>
+          </a:lnRef>
+          <a:fillRef idx="0">
+            <a:schemeClr val="accent1"/>
+          </a:fillRef>
+          <a:effectRef idx="0">
+            <a:schemeClr val="accent1"/>
+          </a:effectRef>
+          <a:fontRef idx="minor">
+            <a:schemeClr val="tx1"/>
+          </a:fontRef>
+        </p:style>
+      </p:cxnSp>
+      <p:sp>
+        <p:nvSpPr>
+          <p:cNvPr id="8" name="Rectangle 7">
+            <a:extLst>
+              <a:ext uri="{FF2B5EF4-FFF2-40B4-BE49-F238E27FC236}">
+                <a16:creationId xmlns:a16="http://schemas.microsoft.com/office/drawing/2014/main" id="{3BBAFF34-9035-4A96-82F5-A73665B8C309}"/>
+              </a:ext>
+            </a:extLst>
+          </p:cNvPr>
+          <p:cNvSpPr/>
+          <p:nvPr/>
+        </p:nvSpPr>
+        <p:spPr>
+          <a:xfrm>
+            <a:off x="3344563" y="2755716"/>
+            <a:ext cx="342699" cy="453828"/>
+          </a:xfrm>
+          <a:prstGeom prst="rect">
+            <a:avLst/>
+          </a:prstGeom>
+          <a:noFill/>
+          <a:ln w="3175">
+            <a:solidFill>
+              <a:schemeClr val="tx1"/>
+            </a:solidFill>
+          </a:ln>
+        </p:spPr>
+        <p:style>
+          <a:lnRef idx="2">
+            <a:schemeClr val="accent1">
+              <a:shade val="50000"/>
+            </a:schemeClr>
+          </a:lnRef>
+          <a:fillRef idx="1">
+            <a:schemeClr val="accent1"/>
+          </a:fillRef>
+          <a:effectRef idx="0">
+            <a:schemeClr val="accent1"/>
+          </a:effectRef>
+          <a:fontRef idx="minor">
+            <a:schemeClr val="lt1"/>
+          </a:fontRef>
+        </p:style>
+        <p:txBody>
+          <a:bodyPr rtlCol="0" anchor="ctr"/>
+          <a:lstStyle/>
+          <a:p>
+            <a:pPr algn="ctr"/>
+            <a:endParaRPr lang="en-US"/>
+          </a:p>
+        </p:txBody>
+      </p:sp>
+      <p:sp>
+        <p:nvSpPr>
+          <p:cNvPr id="9" name="Rectangle 8">
+            <a:extLst>
+              <a:ext uri="{FF2B5EF4-FFF2-40B4-BE49-F238E27FC236}">
+                <a16:creationId xmlns:a16="http://schemas.microsoft.com/office/drawing/2014/main" id="{3D6B87B6-28E0-48AB-87A1-16DBBDF48945}"/>
+              </a:ext>
+            </a:extLst>
+          </p:cNvPr>
+          <p:cNvSpPr/>
+          <p:nvPr/>
+        </p:nvSpPr>
+        <p:spPr>
+          <a:xfrm>
+            <a:off x="4129102" y="2438400"/>
+            <a:ext cx="342699" cy="453828"/>
+          </a:xfrm>
+          <a:prstGeom prst="rect">
+            <a:avLst/>
+          </a:prstGeom>
+          <a:noFill/>
+          <a:ln w="3175">
+            <a:solidFill>
+              <a:schemeClr val="tx1"/>
+            </a:solidFill>
+          </a:ln>
+        </p:spPr>
+        <p:style>
+          <a:lnRef idx="2">
+            <a:schemeClr val="accent1">
+              <a:shade val="50000"/>
+            </a:schemeClr>
+          </a:lnRef>
+          <a:fillRef idx="1">
+            <a:schemeClr val="accent1"/>
+          </a:fillRef>
+          <a:effectRef idx="0">
+            <a:schemeClr val="accent1"/>
+          </a:effectRef>
+          <a:fontRef idx="minor">
+            <a:schemeClr val="lt1"/>
+          </a:fontRef>
+        </p:style>
+        <p:txBody>
+          <a:bodyPr rtlCol="0" anchor="ctr"/>
+          <a:lstStyle/>
+          <a:p>
+            <a:pPr algn="ctr"/>
+            <a:endParaRPr lang="en-US"/>
+          </a:p>
+        </p:txBody>
+      </p:sp>
+      <p:sp>
+        <p:nvSpPr>
+          <p:cNvPr id="10" name="Oval 9">
+            <a:extLst>
+              <a:ext uri="{FF2B5EF4-FFF2-40B4-BE49-F238E27FC236}">
+                <a16:creationId xmlns:a16="http://schemas.microsoft.com/office/drawing/2014/main" id="{FAC02C00-F30D-4CEA-BD60-39C24B937C7D}"/>
+              </a:ext>
+            </a:extLst>
+          </p:cNvPr>
+          <p:cNvSpPr/>
+          <p:nvPr/>
+        </p:nvSpPr>
+        <p:spPr>
+          <a:xfrm>
+            <a:off x="3910723" y="2115408"/>
+            <a:ext cx="499159" cy="503854"/>
+          </a:xfrm>
+          <a:prstGeom prst="ellipse">
+            <a:avLst/>
+          </a:prstGeom>
+          <a:noFill/>
+          <a:ln w="0"/>
+        </p:spPr>
+        <p:style>
+          <a:lnRef idx="2">
+            <a:schemeClr val="accent1">
+              <a:shade val="50000"/>
+            </a:schemeClr>
+          </a:lnRef>
+          <a:fillRef idx="1">
+            <a:schemeClr val="accent1"/>
+          </a:fillRef>
+          <a:effectRef idx="0">
+            <a:schemeClr val="accent1"/>
+          </a:effectRef>
+          <a:fontRef idx="minor">
+            <a:schemeClr val="lt1"/>
+          </a:fontRef>
+        </p:style>
+        <p:txBody>
+          <a:bodyPr rtlCol="0" anchor="ctr"/>
+          <a:lstStyle/>
+          <a:p>
+            <a:pPr algn="ctr"/>
+            <a:endParaRPr lang="en-US"/>
+          </a:p>
+        </p:txBody>
+      </p:sp>
+      <p:sp>
+        <p:nvSpPr>
+          <p:cNvPr id="11" name="TextBox 10">
+            <a:extLst>
+              <a:ext uri="{FF2B5EF4-FFF2-40B4-BE49-F238E27FC236}">
+                <a16:creationId xmlns:a16="http://schemas.microsoft.com/office/drawing/2014/main" id="{AEB28AA8-441D-495E-BD89-FD97AD257330}"/>
+              </a:ext>
+            </a:extLst>
+          </p:cNvPr>
+          <p:cNvSpPr txBox="1"/>
+          <p:nvPr/>
+        </p:nvSpPr>
+        <p:spPr>
+          <a:xfrm>
+            <a:off x="3056442" y="4301734"/>
+            <a:ext cx="2125158" cy="338554"/>
+          </a:xfrm>
+          <a:prstGeom prst="rect">
+            <a:avLst/>
+          </a:prstGeom>
+          <a:noFill/>
+          <a:ln>
+            <a:noFill/>
+          </a:ln>
+        </p:spPr>
+        <p:txBody>
+          <a:bodyPr wrap="square" lIns="0" rIns="0" rtlCol="0">
+            <a:spAutoFit/>
+          </a:bodyPr>
+          <a:lstStyle/>
+          <a:p>
+            <a:r>
+              <a:rPr lang="en-US" altLang="zh-TW" sz="1600"/>
+              <a:t>Figure 9-23</a:t>
+            </a:r>
+            <a:endParaRPr lang="zh-TW" altLang="en-US" sz="1600" baseline="-25000" dirty="0"/>
+          </a:p>
+        </p:txBody>
+      </p:sp>
+      <p:sp>
+        <p:nvSpPr>
+          <p:cNvPr id="12" name="Oval 11">
+            <a:extLst>
+              <a:ext uri="{FF2B5EF4-FFF2-40B4-BE49-F238E27FC236}">
+                <a16:creationId xmlns:a16="http://schemas.microsoft.com/office/drawing/2014/main" id="{93729302-82D9-4113-B1CA-6E39467CCF1B}"/>
+              </a:ext>
+            </a:extLst>
+          </p:cNvPr>
+          <p:cNvSpPr/>
+          <p:nvPr/>
+        </p:nvSpPr>
+        <p:spPr>
+          <a:xfrm>
+            <a:off x="2977042" y="2108219"/>
+            <a:ext cx="499159" cy="503854"/>
+          </a:xfrm>
+          <a:prstGeom prst="ellipse">
+            <a:avLst/>
+          </a:prstGeom>
+          <a:noFill/>
+          <a:ln w="0"/>
+        </p:spPr>
+        <p:style>
+          <a:lnRef idx="2">
+            <a:schemeClr val="accent1">
+              <a:shade val="50000"/>
+            </a:schemeClr>
+          </a:lnRef>
+          <a:fillRef idx="1">
+            <a:schemeClr val="accent1"/>
+          </a:fillRef>
+          <a:effectRef idx="0">
+            <a:schemeClr val="accent1"/>
+          </a:effectRef>
+          <a:fontRef idx="minor">
+            <a:schemeClr val="lt1"/>
+          </a:fontRef>
+        </p:style>
+        <p:txBody>
+          <a:bodyPr rtlCol="0" anchor="ctr"/>
+          <a:lstStyle/>
+          <a:p>
+            <a:pPr algn="ctr"/>
+            <a:endParaRPr lang="en-US"/>
+          </a:p>
+        </p:txBody>
+      </p:sp>
+      <p:cxnSp>
+        <p:nvCxnSpPr>
+          <p:cNvPr id="13" name="Straight Connector 12">
+            <a:extLst>
+              <a:ext uri="{FF2B5EF4-FFF2-40B4-BE49-F238E27FC236}">
+                <a16:creationId xmlns:a16="http://schemas.microsoft.com/office/drawing/2014/main" id="{D74A9B3E-C300-4FB2-B322-670E29587906}"/>
+              </a:ext>
+            </a:extLst>
+          </p:cNvPr>
+          <p:cNvCxnSpPr/>
+          <p:nvPr/>
+        </p:nvCxnSpPr>
+        <p:spPr>
+          <a:xfrm>
+            <a:off x="3414881" y="2307386"/>
+            <a:ext cx="511730" cy="42746"/>
+          </a:xfrm>
+          <a:prstGeom prst="line">
+            <a:avLst/>
+          </a:prstGeom>
+          <a:ln w="9525">
+            <a:solidFill>
+              <a:schemeClr val="tx1"/>
+            </a:solidFill>
+            <a:tailEnd type="arrow" w="sm" len="sm"/>
+          </a:ln>
+        </p:spPr>
+        <p:style>
+          <a:lnRef idx="1">
+            <a:schemeClr val="accent1"/>
+          </a:lnRef>
+          <a:fillRef idx="0">
+            <a:schemeClr val="accent1"/>
+          </a:fillRef>
+          <a:effectRef idx="0">
+            <a:schemeClr val="accent1"/>
+          </a:effectRef>
+          <a:fontRef idx="minor">
+            <a:schemeClr val="tx1"/>
+          </a:fontRef>
+        </p:style>
+      </p:cxnSp>
+    </p:spTree>
+    <p:extLst>
+      <p:ext uri="{BB962C8B-B14F-4D97-AF65-F5344CB8AC3E}">
+        <p14:creationId xmlns:p14="http://schemas.microsoft.com/office/powerpoint/2010/main" val="1838586458"/>
+      </p:ext>
+    </p:extLst>
+  </p:cSld>
+  <p:clrMapOvr>
+    <a:masterClrMapping/>
+  </p:clrMapOvr>
+</p:sld>
+</file>
+
 <file path=ppt/slides/slide2.xml><?xml version="1.0" encoding="utf-8"?>
 <p:sld xmlns:a="http://schemas.openxmlformats.org/drawingml/2006/main" xmlns:r="http://schemas.openxmlformats.org/officeDocument/2006/relationships" xmlns:p="http://schemas.openxmlformats.org/presentationml/2006/main">
   <p:cSld>

--- a/Word/Diagrams/chapter9/chap 9.figures.pptx
+++ b/Word/Diagrams/chapter9/chap 9.figures.pptx
@@ -5,7 +5,7 @@
     <p:sldMasterId id="2147483660" r:id="rId1"/>
   </p:sldMasterIdLst>
   <p:notesMasterIdLst>
-    <p:notesMasterId r:id="rId20"/>
+    <p:notesMasterId r:id="rId22"/>
   </p:notesMasterIdLst>
   <p:sldIdLst>
     <p:sldId id="306" r:id="rId2"/>
@@ -26,6 +26,8 @@
     <p:sldId id="319" r:id="rId17"/>
     <p:sldId id="320" r:id="rId18"/>
     <p:sldId id="321" r:id="rId19"/>
+    <p:sldId id="322" r:id="rId20"/>
+    <p:sldId id="323" r:id="rId21"/>
   </p:sldIdLst>
   <p:sldSz cx="9144000" cy="6858000" type="screen4x3"/>
   <p:notesSz cx="6858000" cy="9144000"/>
@@ -226,7 +228,7 @@
             <a:fld id="{9CCF083D-F2BC-4786-8C77-844DFCD3515B}" type="datetimeFigureOut">
               <a:rPr lang="zh-TW" altLang="en-US" smtClean="0"/>
               <a:pPr/>
-              <a:t>2021/6/22</a:t>
+              <a:t>2021/6/25</a:t>
             </a:fld>
             <a:endParaRPr lang="zh-TW" altLang="en-US"/>
           </a:p>
@@ -690,7 +692,7 @@
             <a:fld id="{E3D07B0C-BD95-41BE-BB3E-AC75822DF381}" type="datetimeFigureOut">
               <a:rPr lang="en-US" smtClean="0"/>
               <a:pPr/>
-              <a:t>6/22/2021</a:t>
+              <a:t>6/25/2021</a:t>
             </a:fld>
             <a:endParaRPr lang="en-US" dirty="0"/>
           </a:p>
@@ -855,7 +857,7 @@
             <a:fld id="{E3D07B0C-BD95-41BE-BB3E-AC75822DF381}" type="datetimeFigureOut">
               <a:rPr lang="en-US" smtClean="0"/>
               <a:pPr/>
-              <a:t>6/22/2021</a:t>
+              <a:t>6/25/2021</a:t>
             </a:fld>
             <a:endParaRPr lang="en-US" dirty="0"/>
           </a:p>
@@ -1031,7 +1033,7 @@
             <a:fld id="{E3D07B0C-BD95-41BE-BB3E-AC75822DF381}" type="datetimeFigureOut">
               <a:rPr lang="en-US" smtClean="0"/>
               <a:pPr/>
-              <a:t>6/22/2021</a:t>
+              <a:t>6/25/2021</a:t>
             </a:fld>
             <a:endParaRPr lang="en-US" dirty="0"/>
           </a:p>
@@ -1196,7 +1198,7 @@
             <a:fld id="{E3D07B0C-BD95-41BE-BB3E-AC75822DF381}" type="datetimeFigureOut">
               <a:rPr lang="en-US" smtClean="0"/>
               <a:pPr/>
-              <a:t>6/22/2021</a:t>
+              <a:t>6/25/2021</a:t>
             </a:fld>
             <a:endParaRPr lang="en-US" dirty="0"/>
           </a:p>
@@ -1439,7 +1441,7 @@
             <a:fld id="{E3D07B0C-BD95-41BE-BB3E-AC75822DF381}" type="datetimeFigureOut">
               <a:rPr lang="en-US" smtClean="0"/>
               <a:pPr/>
-              <a:t>6/22/2021</a:t>
+              <a:t>6/25/2021</a:t>
             </a:fld>
             <a:endParaRPr lang="en-US" dirty="0"/>
           </a:p>
@@ -1723,7 +1725,7 @@
             <a:fld id="{E3D07B0C-BD95-41BE-BB3E-AC75822DF381}" type="datetimeFigureOut">
               <a:rPr lang="en-US" smtClean="0"/>
               <a:pPr/>
-              <a:t>6/22/2021</a:t>
+              <a:t>6/25/2021</a:t>
             </a:fld>
             <a:endParaRPr lang="en-US" dirty="0"/>
           </a:p>
@@ -2152,7 +2154,7 @@
             <a:fld id="{E3D07B0C-BD95-41BE-BB3E-AC75822DF381}" type="datetimeFigureOut">
               <a:rPr lang="en-US" smtClean="0"/>
               <a:pPr/>
-              <a:t>6/22/2021</a:t>
+              <a:t>6/25/2021</a:t>
             </a:fld>
             <a:endParaRPr lang="en-US" dirty="0"/>
           </a:p>
@@ -2266,7 +2268,7 @@
             <a:fld id="{E3D07B0C-BD95-41BE-BB3E-AC75822DF381}" type="datetimeFigureOut">
               <a:rPr lang="en-US" smtClean="0"/>
               <a:pPr/>
-              <a:t>6/22/2021</a:t>
+              <a:t>6/25/2021</a:t>
             </a:fld>
             <a:endParaRPr lang="en-US" dirty="0"/>
           </a:p>
@@ -2358,7 +2360,7 @@
             <a:fld id="{E3D07B0C-BD95-41BE-BB3E-AC75822DF381}" type="datetimeFigureOut">
               <a:rPr lang="en-US" smtClean="0"/>
               <a:pPr/>
-              <a:t>6/22/2021</a:t>
+              <a:t>6/25/2021</a:t>
             </a:fld>
             <a:endParaRPr lang="en-US" dirty="0"/>
           </a:p>
@@ -2549,7 +2551,7 @@
             <a:fld id="{E3D07B0C-BD95-41BE-BB3E-AC75822DF381}" type="datetimeFigureOut">
               <a:rPr lang="en-US" smtClean="0"/>
               <a:pPr/>
-              <a:t>6/22/2021</a:t>
+              <a:t>6/25/2021</a:t>
             </a:fld>
             <a:endParaRPr lang="en-US" dirty="0"/>
           </a:p>
@@ -2867,7 +2869,7 @@
             <a:fld id="{E3D07B0C-BD95-41BE-BB3E-AC75822DF381}" type="datetimeFigureOut">
               <a:rPr lang="en-US" smtClean="0"/>
               <a:pPr/>
-              <a:t>6/22/2021</a:t>
+              <a:t>6/25/2021</a:t>
             </a:fld>
             <a:endParaRPr lang="en-US" dirty="0"/>
           </a:p>
@@ -3249,7 +3251,7 @@
             <a:fld id="{E3D07B0C-BD95-41BE-BB3E-AC75822DF381}" type="datetimeFigureOut">
               <a:rPr lang="en-US" smtClean="0"/>
               <a:pPr/>
-              <a:t>6/22/2021</a:t>
+              <a:t>6/25/2021</a:t>
             </a:fld>
             <a:endParaRPr lang="en-US" dirty="0"/>
           </a:p>
@@ -15228,8 +15230,8 @@
           </a:fontRef>
         </p:style>
       </p:cxnSp>
-      <mc:AlternateContent xmlns:mc="http://schemas.openxmlformats.org/markup-compatibility/2006">
-        <mc:Choice xmlns:a14="http://schemas.microsoft.com/office/drawing/2010/main" Requires="a14">
+      <mc:AlternateContent xmlns:mc="http://schemas.openxmlformats.org/markup-compatibility/2006" xmlns:a14="http://schemas.microsoft.com/office/drawing/2010/main">
+        <mc:Choice Requires="a14">
           <p:sp>
             <p:nvSpPr>
               <p:cNvPr id="13" name="TextBox 12">
@@ -15289,7 +15291,7 @@
             </p:txBody>
           </p:sp>
         </mc:Choice>
-        <mc:Fallback>
+        <mc:Fallback xmlns="">
           <p:sp>
             <p:nvSpPr>
               <p:cNvPr id="13" name="TextBox 12">
@@ -15334,8 +15336,8 @@
           </p:sp>
         </mc:Fallback>
       </mc:AlternateContent>
-      <mc:AlternateContent xmlns:mc="http://schemas.openxmlformats.org/markup-compatibility/2006">
-        <mc:Choice xmlns:a14="http://schemas.microsoft.com/office/drawing/2010/main" Requires="a14">
+      <mc:AlternateContent xmlns:mc="http://schemas.openxmlformats.org/markup-compatibility/2006" xmlns:a14="http://schemas.microsoft.com/office/drawing/2010/main">
+        <mc:Choice Requires="a14">
           <p:sp>
             <p:nvSpPr>
               <p:cNvPr id="14" name="TextBox 13">
@@ -15395,7 +15397,7 @@
             </p:txBody>
           </p:sp>
         </mc:Choice>
-        <mc:Fallback>
+        <mc:Fallback xmlns="">
           <p:sp>
             <p:nvSpPr>
               <p:cNvPr id="14" name="TextBox 13">
@@ -15440,8 +15442,8 @@
           </p:sp>
         </mc:Fallback>
       </mc:AlternateContent>
-      <mc:AlternateContent xmlns:mc="http://schemas.openxmlformats.org/markup-compatibility/2006">
-        <mc:Choice xmlns:a14="http://schemas.microsoft.com/office/drawing/2010/main" Requires="a14">
+      <mc:AlternateContent xmlns:mc="http://schemas.openxmlformats.org/markup-compatibility/2006" xmlns:a14="http://schemas.microsoft.com/office/drawing/2010/main">
+        <mc:Choice Requires="a14">
           <p:sp>
             <p:nvSpPr>
               <p:cNvPr id="15" name="TextBox 14">
@@ -15501,7 +15503,7 @@
             </p:txBody>
           </p:sp>
         </mc:Choice>
-        <mc:Fallback>
+        <mc:Fallback xmlns="">
           <p:sp>
             <p:nvSpPr>
               <p:cNvPr id="15" name="TextBox 14">
@@ -18907,6 +18909,1329 @@
 </p:sld>
 </file>
 
+<file path=ppt/slides/slide19.xml><?xml version="1.0" encoding="utf-8"?>
+<p:sld xmlns:a="http://schemas.openxmlformats.org/drawingml/2006/main" xmlns:r="http://schemas.openxmlformats.org/officeDocument/2006/relationships" xmlns:p="http://schemas.openxmlformats.org/presentationml/2006/main">
+  <p:cSld>
+    <p:spTree>
+      <p:nvGrpSpPr>
+        <p:cNvPr id="1" name=""/>
+        <p:cNvGrpSpPr/>
+        <p:nvPr/>
+      </p:nvGrpSpPr>
+      <p:grpSpPr>
+        <a:xfrm>
+          <a:off x="0" y="0"/>
+          <a:ext cx="0" cy="0"/>
+          <a:chOff x="0" y="0"/>
+          <a:chExt cx="0" cy="0"/>
+        </a:xfrm>
+      </p:grpSpPr>
+      <p:sp>
+        <p:nvSpPr>
+          <p:cNvPr id="2" name="Rectangle 1">
+            <a:extLst>
+              <a:ext uri="{FF2B5EF4-FFF2-40B4-BE49-F238E27FC236}">
+                <a16:creationId xmlns:a16="http://schemas.microsoft.com/office/drawing/2014/main" id="{EA1AE5F2-517D-4131-8CEF-21548E10BB59}"/>
+              </a:ext>
+            </a:extLst>
+          </p:cNvPr>
+          <p:cNvSpPr/>
+          <p:nvPr/>
+        </p:nvSpPr>
+        <p:spPr>
+          <a:xfrm>
+            <a:off x="1652016" y="1829016"/>
+            <a:ext cx="4267200" cy="2324099"/>
+          </a:xfrm>
+          <a:prstGeom prst="rect">
+            <a:avLst/>
+          </a:prstGeom>
+          <a:noFill/>
+          <a:ln w="9525">
+            <a:prstDash val="sysDash"/>
+          </a:ln>
+        </p:spPr>
+        <p:style>
+          <a:lnRef idx="2">
+            <a:schemeClr val="accent1">
+              <a:shade val="50000"/>
+            </a:schemeClr>
+          </a:lnRef>
+          <a:fillRef idx="1">
+            <a:schemeClr val="accent1"/>
+          </a:fillRef>
+          <a:effectRef idx="0">
+            <a:schemeClr val="accent1"/>
+          </a:effectRef>
+          <a:fontRef idx="minor">
+            <a:schemeClr val="lt1"/>
+          </a:fontRef>
+        </p:style>
+        <p:txBody>
+          <a:bodyPr rtlCol="0" anchor="ctr"/>
+          <a:lstStyle/>
+          <a:p>
+            <a:pPr algn="ctr"/>
+            <a:endParaRPr lang="en-US" sz="800"/>
+          </a:p>
+        </p:txBody>
+      </p:sp>
+      <p:sp>
+        <p:nvSpPr>
+          <p:cNvPr id="3" name="TextBox 2">
+            <a:extLst>
+              <a:ext uri="{FF2B5EF4-FFF2-40B4-BE49-F238E27FC236}">
+                <a16:creationId xmlns:a16="http://schemas.microsoft.com/office/drawing/2014/main" id="{A13F515A-68C2-49C2-AACF-4F35153228C5}"/>
+              </a:ext>
+            </a:extLst>
+          </p:cNvPr>
+          <p:cNvSpPr txBox="1"/>
+          <p:nvPr/>
+        </p:nvSpPr>
+        <p:spPr>
+          <a:xfrm>
+            <a:off x="3056442" y="4301734"/>
+            <a:ext cx="2125158" cy="338554"/>
+          </a:xfrm>
+          <a:prstGeom prst="rect">
+            <a:avLst/>
+          </a:prstGeom>
+          <a:noFill/>
+          <a:ln>
+            <a:noFill/>
+          </a:ln>
+        </p:spPr>
+        <p:txBody>
+          <a:bodyPr wrap="square" lIns="0" rIns="0" rtlCol="0">
+            <a:spAutoFit/>
+          </a:bodyPr>
+          <a:lstStyle/>
+          <a:p>
+            <a:r>
+              <a:rPr lang="en-US" altLang="zh-TW" sz="1600" dirty="0"/>
+              <a:t>Figure 9-25</a:t>
+            </a:r>
+            <a:endParaRPr lang="zh-TW" altLang="en-US" sz="1600" baseline="-25000" dirty="0"/>
+          </a:p>
+        </p:txBody>
+      </p:sp>
+      <p:sp>
+        <p:nvSpPr>
+          <p:cNvPr id="4" name="Oval 3">
+            <a:extLst>
+              <a:ext uri="{FF2B5EF4-FFF2-40B4-BE49-F238E27FC236}">
+                <a16:creationId xmlns:a16="http://schemas.microsoft.com/office/drawing/2014/main" id="{D7DC5C21-83E7-47BD-B14F-D86FC0F75EC8}"/>
+              </a:ext>
+            </a:extLst>
+          </p:cNvPr>
+          <p:cNvSpPr>
+            <a:spLocks noChangeAspect="1"/>
+          </p:cNvSpPr>
+          <p:nvPr/>
+        </p:nvSpPr>
+        <p:spPr>
+          <a:xfrm>
+            <a:off x="3229382" y="1990708"/>
+            <a:ext cx="548640" cy="548640"/>
+          </a:xfrm>
+          <a:prstGeom prst="ellipse">
+            <a:avLst/>
+          </a:prstGeom>
+          <a:noFill/>
+          <a:ln w="12700">
+            <a:solidFill>
+              <a:schemeClr val="tx1"/>
+            </a:solidFill>
+          </a:ln>
+        </p:spPr>
+        <p:style>
+          <a:lnRef idx="2">
+            <a:schemeClr val="accent1">
+              <a:shade val="50000"/>
+            </a:schemeClr>
+          </a:lnRef>
+          <a:fillRef idx="1">
+            <a:schemeClr val="accent1"/>
+          </a:fillRef>
+          <a:effectRef idx="0">
+            <a:schemeClr val="accent1"/>
+          </a:effectRef>
+          <a:fontRef idx="minor">
+            <a:schemeClr val="lt1"/>
+          </a:fontRef>
+        </p:style>
+        <p:txBody>
+          <a:bodyPr rtlCol="0" anchor="ctr"/>
+          <a:lstStyle/>
+          <a:p>
+            <a:pPr algn="ctr"/>
+            <a:endParaRPr lang="en-US"/>
+          </a:p>
+        </p:txBody>
+      </p:sp>
+      <p:sp>
+        <p:nvSpPr>
+          <p:cNvPr id="5" name="Oval 4">
+            <a:extLst>
+              <a:ext uri="{FF2B5EF4-FFF2-40B4-BE49-F238E27FC236}">
+                <a16:creationId xmlns:a16="http://schemas.microsoft.com/office/drawing/2014/main" id="{F0B259A1-A753-4716-ACDB-5F6D19293A34}"/>
+              </a:ext>
+            </a:extLst>
+          </p:cNvPr>
+          <p:cNvSpPr>
+            <a:spLocks noChangeAspect="1"/>
+          </p:cNvSpPr>
+          <p:nvPr/>
+        </p:nvSpPr>
+        <p:spPr>
+          <a:xfrm>
+            <a:off x="3229382" y="3136445"/>
+            <a:ext cx="548640" cy="548640"/>
+          </a:xfrm>
+          <a:prstGeom prst="ellipse">
+            <a:avLst/>
+          </a:prstGeom>
+          <a:noFill/>
+          <a:ln w="12700">
+            <a:solidFill>
+              <a:schemeClr val="tx1"/>
+            </a:solidFill>
+          </a:ln>
+        </p:spPr>
+        <p:style>
+          <a:lnRef idx="2">
+            <a:schemeClr val="accent1">
+              <a:shade val="50000"/>
+            </a:schemeClr>
+          </a:lnRef>
+          <a:fillRef idx="1">
+            <a:schemeClr val="accent1"/>
+          </a:fillRef>
+          <a:effectRef idx="0">
+            <a:schemeClr val="accent1"/>
+          </a:effectRef>
+          <a:fontRef idx="minor">
+            <a:schemeClr val="lt1"/>
+          </a:fontRef>
+        </p:style>
+        <p:txBody>
+          <a:bodyPr rtlCol="0" anchor="ctr"/>
+          <a:lstStyle/>
+          <a:p>
+            <a:pPr algn="ctr"/>
+            <a:endParaRPr lang="en-US"/>
+          </a:p>
+        </p:txBody>
+      </p:sp>
+      <p:cxnSp>
+        <p:nvCxnSpPr>
+          <p:cNvPr id="6" name="Straight Connector 5">
+            <a:extLst>
+              <a:ext uri="{FF2B5EF4-FFF2-40B4-BE49-F238E27FC236}">
+                <a16:creationId xmlns:a16="http://schemas.microsoft.com/office/drawing/2014/main" id="{E4E2258B-EE33-4FB5-ADAB-2344167187B9}"/>
+              </a:ext>
+            </a:extLst>
+          </p:cNvPr>
+          <p:cNvCxnSpPr/>
+          <p:nvPr/>
+        </p:nvCxnSpPr>
+        <p:spPr>
+          <a:xfrm>
+            <a:off x="3503702" y="2268629"/>
+            <a:ext cx="627826" cy="589518"/>
+          </a:xfrm>
+          <a:prstGeom prst="line">
+            <a:avLst/>
+          </a:prstGeom>
+          <a:ln w="9525">
+            <a:solidFill>
+              <a:schemeClr val="tx1"/>
+            </a:solidFill>
+            <a:tailEnd type="triangle" w="sm" len="sm"/>
+          </a:ln>
+        </p:spPr>
+        <p:style>
+          <a:lnRef idx="1">
+            <a:schemeClr val="accent1"/>
+          </a:lnRef>
+          <a:fillRef idx="0">
+            <a:schemeClr val="accent1"/>
+          </a:fillRef>
+          <a:effectRef idx="0">
+            <a:schemeClr val="accent1"/>
+          </a:effectRef>
+          <a:fontRef idx="minor">
+            <a:schemeClr val="tx1"/>
+          </a:fontRef>
+        </p:style>
+      </p:cxnSp>
+      <p:cxnSp>
+        <p:nvCxnSpPr>
+          <p:cNvPr id="7" name="Straight Connector 6">
+            <a:extLst>
+              <a:ext uri="{FF2B5EF4-FFF2-40B4-BE49-F238E27FC236}">
+                <a16:creationId xmlns:a16="http://schemas.microsoft.com/office/drawing/2014/main" id="{5B8BE255-13A0-45EF-BD6D-344F9F2D5206}"/>
+              </a:ext>
+            </a:extLst>
+          </p:cNvPr>
+          <p:cNvCxnSpPr/>
+          <p:nvPr/>
+        </p:nvCxnSpPr>
+        <p:spPr>
+          <a:xfrm>
+            <a:off x="3582889" y="2862119"/>
+            <a:ext cx="548640" cy="0"/>
+          </a:xfrm>
+          <a:prstGeom prst="line">
+            <a:avLst/>
+          </a:prstGeom>
+          <a:ln w="9525">
+            <a:solidFill>
+              <a:schemeClr val="tx1"/>
+            </a:solidFill>
+            <a:prstDash val="dash"/>
+            <a:headEnd type="triangle" w="sm" len="sm"/>
+            <a:tailEnd type="none" w="sm" len="sm"/>
+          </a:ln>
+        </p:spPr>
+        <p:style>
+          <a:lnRef idx="1">
+            <a:schemeClr val="accent1"/>
+          </a:lnRef>
+          <a:fillRef idx="0">
+            <a:schemeClr val="accent1"/>
+          </a:fillRef>
+          <a:effectRef idx="0">
+            <a:schemeClr val="accent1"/>
+          </a:effectRef>
+          <a:fontRef idx="minor">
+            <a:schemeClr val="tx1"/>
+          </a:fontRef>
+        </p:style>
+      </p:cxnSp>
+      <mc:AlternateContent xmlns:mc="http://schemas.openxmlformats.org/markup-compatibility/2006">
+        <mc:Choice xmlns:a14="http://schemas.microsoft.com/office/drawing/2010/main" Requires="a14">
+          <p:sp>
+            <p:nvSpPr>
+              <p:cNvPr id="8" name="TextBox 7">
+                <a:extLst>
+                  <a:ext uri="{FF2B5EF4-FFF2-40B4-BE49-F238E27FC236}">
+                    <a16:creationId xmlns:a16="http://schemas.microsoft.com/office/drawing/2014/main" id="{23FCAB93-BF73-4CE8-BF78-D54F1CBE9DEA}"/>
+                  </a:ext>
+                </a:extLst>
+              </p:cNvPr>
+              <p:cNvSpPr txBox="1"/>
+              <p:nvPr/>
+            </p:nvSpPr>
+            <p:spPr>
+              <a:xfrm>
+                <a:off x="3812043" y="2357521"/>
+                <a:ext cx="102657" cy="230256"/>
+              </a:xfrm>
+              <a:prstGeom prst="rect">
+                <a:avLst/>
+              </a:prstGeom>
+              <a:noFill/>
+            </p:spPr>
+            <p:txBody>
+              <a:bodyPr wrap="none" lIns="0" rIns="0" rtlCol="0">
+                <a:spAutoFit/>
+              </a:bodyPr>
+              <a:lstStyle/>
+              <a:p>
+                <a14:m>
+                  <m:oMath xmlns:m="http://schemas.openxmlformats.org/officeDocument/2006/math">
+                    <m:acc>
+                      <m:accPr>
+                        <m:chr m:val="⃑"/>
+                        <m:ctrlPr>
+                          <a:rPr lang="en-US" altLang="zh-CN" sz="800" i="1" smtClean="0">
+                            <a:latin typeface="Cambria Math" panose="02040503050406030204" pitchFamily="18" charset="0"/>
+                          </a:rPr>
+                        </m:ctrlPr>
+                      </m:accPr>
+                      <m:e>
+                        <m:r>
+                          <a:rPr lang="en-US" altLang="zh-CN" sz="800" b="0" i="1" smtClean="0">
+                            <a:latin typeface="Cambria Math" panose="02040503050406030204" pitchFamily="18" charset="0"/>
+                          </a:rPr>
+                          <m:t>𝑉</m:t>
+                        </m:r>
+                      </m:e>
+                    </m:acc>
+                  </m:oMath>
+                </a14:m>
+                <a:r>
+                  <a:rPr lang="en-US" altLang="zh-CN" sz="800" baseline="-25000" dirty="0"/>
+                  <a:t>1</a:t>
+                </a:r>
+                <a:endParaRPr lang="zh-CN" altLang="en-US" sz="800" baseline="-25000" dirty="0"/>
+              </a:p>
+            </p:txBody>
+          </p:sp>
+        </mc:Choice>
+        <mc:Fallback>
+          <p:sp>
+            <p:nvSpPr>
+              <p:cNvPr id="8" name="TextBox 7">
+                <a:extLst>
+                  <a:ext uri="{FF2B5EF4-FFF2-40B4-BE49-F238E27FC236}">
+                    <a16:creationId xmlns:a16="http://schemas.microsoft.com/office/drawing/2014/main" id="{23FCAB93-BF73-4CE8-BF78-D54F1CBE9DEA}"/>
+                  </a:ext>
+                </a:extLst>
+              </p:cNvPr>
+              <p:cNvSpPr txBox="1">
+                <a:spLocks noRot="1" noChangeAspect="1" noMove="1" noResize="1" noEditPoints="1" noAdjustHandles="1" noChangeArrowheads="1" noChangeShapeType="1" noTextEdit="1"/>
+              </p:cNvSpPr>
+              <p:nvPr/>
+            </p:nvSpPr>
+            <p:spPr>
+              <a:xfrm>
+                <a:off x="3812043" y="2357521"/>
+                <a:ext cx="102657" cy="230256"/>
+              </a:xfrm>
+              <a:prstGeom prst="rect">
+                <a:avLst/>
+              </a:prstGeom>
+              <a:blipFill>
+                <a:blip r:embed="rId2"/>
+                <a:stretch>
+                  <a:fillRect l="-35294" r="-41176" b="-2632"/>
+                </a:stretch>
+              </a:blipFill>
+            </p:spPr>
+            <p:txBody>
+              <a:bodyPr/>
+              <a:lstStyle/>
+              <a:p>
+                <a:r>
+                  <a:rPr lang="en-US">
+                    <a:noFill/>
+                  </a:rPr>
+                  <a:t> </a:t>
+                </a:r>
+              </a:p>
+            </p:txBody>
+          </p:sp>
+        </mc:Fallback>
+      </mc:AlternateContent>
+      <mc:AlternateContent xmlns:mc="http://schemas.openxmlformats.org/markup-compatibility/2006">
+        <mc:Choice xmlns:a14="http://schemas.microsoft.com/office/drawing/2010/main" Requires="a14">
+          <p:sp>
+            <p:nvSpPr>
+              <p:cNvPr id="9" name="TextBox 8">
+                <a:extLst>
+                  <a:ext uri="{FF2B5EF4-FFF2-40B4-BE49-F238E27FC236}">
+                    <a16:creationId xmlns:a16="http://schemas.microsoft.com/office/drawing/2014/main" id="{A1418B2C-31CA-4E46-9F13-B5D03B1A33A4}"/>
+                  </a:ext>
+                </a:extLst>
+              </p:cNvPr>
+              <p:cNvSpPr txBox="1"/>
+              <p:nvPr/>
+            </p:nvSpPr>
+            <p:spPr>
+              <a:xfrm>
+                <a:off x="3812043" y="3137276"/>
+                <a:ext cx="102657" cy="230256"/>
+              </a:xfrm>
+              <a:prstGeom prst="rect">
+                <a:avLst/>
+              </a:prstGeom>
+              <a:noFill/>
+            </p:spPr>
+            <p:txBody>
+              <a:bodyPr wrap="none" lIns="0" rIns="0" rtlCol="0">
+                <a:spAutoFit/>
+              </a:bodyPr>
+              <a:lstStyle/>
+              <a:p>
+                <a14:m>
+                  <m:oMath xmlns:m="http://schemas.openxmlformats.org/officeDocument/2006/math">
+                    <m:acc>
+                      <m:accPr>
+                        <m:chr m:val="⃑"/>
+                        <m:ctrlPr>
+                          <a:rPr lang="en-US" altLang="zh-CN" sz="800" i="1" smtClean="0">
+                            <a:latin typeface="Cambria Math" panose="02040503050406030204" pitchFamily="18" charset="0"/>
+                          </a:rPr>
+                        </m:ctrlPr>
+                      </m:accPr>
+                      <m:e>
+                        <m:r>
+                          <a:rPr lang="en-US" altLang="zh-CN" sz="800" b="0" i="1" smtClean="0">
+                            <a:latin typeface="Cambria Math" panose="02040503050406030204" pitchFamily="18" charset="0"/>
+                          </a:rPr>
+                          <m:t>𝑉</m:t>
+                        </m:r>
+                      </m:e>
+                    </m:acc>
+                  </m:oMath>
+                </a14:m>
+                <a:r>
+                  <a:rPr lang="en-US" altLang="zh-CN" sz="800" baseline="-25000" dirty="0"/>
+                  <a:t>2</a:t>
+                </a:r>
+                <a:endParaRPr lang="zh-CN" altLang="en-US" sz="800" baseline="-25000" dirty="0"/>
+              </a:p>
+            </p:txBody>
+          </p:sp>
+        </mc:Choice>
+        <mc:Fallback>
+          <p:sp>
+            <p:nvSpPr>
+              <p:cNvPr id="9" name="TextBox 8">
+                <a:extLst>
+                  <a:ext uri="{FF2B5EF4-FFF2-40B4-BE49-F238E27FC236}">
+                    <a16:creationId xmlns:a16="http://schemas.microsoft.com/office/drawing/2014/main" id="{A1418B2C-31CA-4E46-9F13-B5D03B1A33A4}"/>
+                  </a:ext>
+                </a:extLst>
+              </p:cNvPr>
+              <p:cNvSpPr txBox="1">
+                <a:spLocks noRot="1" noChangeAspect="1" noMove="1" noResize="1" noEditPoints="1" noAdjustHandles="1" noChangeArrowheads="1" noChangeShapeType="1" noTextEdit="1"/>
+              </p:cNvSpPr>
+              <p:nvPr/>
+            </p:nvSpPr>
+            <p:spPr>
+              <a:xfrm>
+                <a:off x="3812043" y="3137276"/>
+                <a:ext cx="102657" cy="230256"/>
+              </a:xfrm>
+              <a:prstGeom prst="rect">
+                <a:avLst/>
+              </a:prstGeom>
+              <a:blipFill>
+                <a:blip r:embed="rId3"/>
+                <a:stretch>
+                  <a:fillRect l="-35294" r="-41176" b="-5405"/>
+                </a:stretch>
+              </a:blipFill>
+            </p:spPr>
+            <p:txBody>
+              <a:bodyPr/>
+              <a:lstStyle/>
+              <a:p>
+                <a:r>
+                  <a:rPr lang="en-US">
+                    <a:noFill/>
+                  </a:rPr>
+                  <a:t> </a:t>
+                </a:r>
+              </a:p>
+            </p:txBody>
+          </p:sp>
+        </mc:Fallback>
+      </mc:AlternateContent>
+      <mc:AlternateContent xmlns:mc="http://schemas.openxmlformats.org/markup-compatibility/2006">
+        <mc:Choice xmlns:a14="http://schemas.microsoft.com/office/drawing/2010/main" Requires="a14">
+          <p:sp>
+            <p:nvSpPr>
+              <p:cNvPr id="10" name="TextBox 9">
+                <a:extLst>
+                  <a:ext uri="{FF2B5EF4-FFF2-40B4-BE49-F238E27FC236}">
+                    <a16:creationId xmlns:a16="http://schemas.microsoft.com/office/drawing/2014/main" id="{84CADA7B-6F68-4C28-98D5-AF897C13D569}"/>
+                  </a:ext>
+                </a:extLst>
+              </p:cNvPr>
+              <p:cNvSpPr txBox="1"/>
+              <p:nvPr/>
+            </p:nvSpPr>
+            <p:spPr>
+              <a:xfrm>
+                <a:off x="3698279" y="2704343"/>
+                <a:ext cx="170816" cy="218650"/>
+              </a:xfrm>
+              <a:prstGeom prst="rect">
+                <a:avLst/>
+              </a:prstGeom>
+              <a:noFill/>
+            </p:spPr>
+            <p:txBody>
+              <a:bodyPr wrap="none" lIns="0" rIns="0" rtlCol="0">
+                <a:spAutoFit/>
+              </a:bodyPr>
+              <a:lstStyle/>
+              <a:p>
+                <a:pPr/>
+                <a14:m>
+                  <m:oMathPara xmlns:m="http://schemas.openxmlformats.org/officeDocument/2006/math">
+                    <m:oMathParaPr>
+                      <m:jc m:val="centerGroup"/>
+                    </m:oMathParaPr>
+                    <m:oMath xmlns:m="http://schemas.openxmlformats.org/officeDocument/2006/math">
+                      <m:r>
+                        <a:rPr lang="en-US" altLang="zh-CN" sz="800" b="0" i="1" smtClean="0">
+                          <a:latin typeface="Cambria Math" panose="02040503050406030204" pitchFamily="18" charset="0"/>
+                        </a:rPr>
+                        <m:t>−</m:t>
+                      </m:r>
+                      <m:acc>
+                        <m:accPr>
+                          <m:chr m:val="̂"/>
+                          <m:ctrlPr>
+                            <a:rPr lang="en-US" altLang="zh-CN" sz="800" i="1" smtClean="0">
+                              <a:latin typeface="Cambria Math" panose="02040503050406030204" pitchFamily="18" charset="0"/>
+                            </a:rPr>
+                          </m:ctrlPr>
+                        </m:accPr>
+                        <m:e>
+                          <m:r>
+                            <a:rPr lang="en-US" altLang="zh-CN" sz="800" b="0" i="1" smtClean="0">
+                              <a:latin typeface="Cambria Math" panose="02040503050406030204" pitchFamily="18" charset="0"/>
+                            </a:rPr>
+                            <m:t>𝑁</m:t>
+                          </m:r>
+                        </m:e>
+                      </m:acc>
+                    </m:oMath>
+                  </m:oMathPara>
+                </a14:m>
+                <a:endParaRPr lang="zh-CN" altLang="en-US" sz="800" baseline="-25000" dirty="0"/>
+              </a:p>
+            </p:txBody>
+          </p:sp>
+        </mc:Choice>
+        <mc:Fallback>
+          <p:sp>
+            <p:nvSpPr>
+              <p:cNvPr id="10" name="TextBox 9">
+                <a:extLst>
+                  <a:ext uri="{FF2B5EF4-FFF2-40B4-BE49-F238E27FC236}">
+                    <a16:creationId xmlns:a16="http://schemas.microsoft.com/office/drawing/2014/main" id="{84CADA7B-6F68-4C28-98D5-AF897C13D569}"/>
+                  </a:ext>
+                </a:extLst>
+              </p:cNvPr>
+              <p:cNvSpPr txBox="1">
+                <a:spLocks noRot="1" noChangeAspect="1" noMove="1" noResize="1" noEditPoints="1" noAdjustHandles="1" noChangeArrowheads="1" noChangeShapeType="1" noTextEdit="1"/>
+              </p:cNvSpPr>
+              <p:nvPr/>
+            </p:nvSpPr>
+            <p:spPr>
+              <a:xfrm>
+                <a:off x="3698279" y="2704343"/>
+                <a:ext cx="170816" cy="218650"/>
+              </a:xfrm>
+              <a:prstGeom prst="rect">
+                <a:avLst/>
+              </a:prstGeom>
+              <a:blipFill>
+                <a:blip r:embed="rId4"/>
+                <a:stretch>
+                  <a:fillRect l="-7143" r="-85714"/>
+                </a:stretch>
+              </a:blipFill>
+            </p:spPr>
+            <p:txBody>
+              <a:bodyPr/>
+              <a:lstStyle/>
+              <a:p>
+                <a:r>
+                  <a:rPr lang="en-US">
+                    <a:noFill/>
+                  </a:rPr>
+                  <a:t> </a:t>
+                </a:r>
+              </a:p>
+            </p:txBody>
+          </p:sp>
+        </mc:Fallback>
+      </mc:AlternateContent>
+      <mc:AlternateContent xmlns:mc="http://schemas.openxmlformats.org/markup-compatibility/2006">
+        <mc:Choice xmlns:a14="http://schemas.microsoft.com/office/drawing/2010/main" Requires="a14">
+          <p:sp>
+            <p:nvSpPr>
+              <p:cNvPr id="11" name="TextBox 10">
+                <a:extLst>
+                  <a:ext uri="{FF2B5EF4-FFF2-40B4-BE49-F238E27FC236}">
+                    <a16:creationId xmlns:a16="http://schemas.microsoft.com/office/drawing/2014/main" id="{56169655-1635-4CC0-B1E3-68949DA962B0}"/>
+                  </a:ext>
+                </a:extLst>
+              </p:cNvPr>
+              <p:cNvSpPr txBox="1"/>
+              <p:nvPr/>
+            </p:nvSpPr>
+            <p:spPr>
+              <a:xfrm>
+                <a:off x="4144631" y="3148882"/>
+                <a:ext cx="79188" cy="218650"/>
+              </a:xfrm>
+              <a:prstGeom prst="rect">
+                <a:avLst/>
+              </a:prstGeom>
+              <a:noFill/>
+            </p:spPr>
+            <p:txBody>
+              <a:bodyPr wrap="none" lIns="0" rIns="0" rtlCol="0">
+                <a:spAutoFit/>
+              </a:bodyPr>
+              <a:lstStyle/>
+              <a:p>
+                <a:pPr/>
+                <a14:m>
+                  <m:oMathPara xmlns:m="http://schemas.openxmlformats.org/officeDocument/2006/math">
+                    <m:oMathParaPr>
+                      <m:jc m:val="centerGroup"/>
+                    </m:oMathParaPr>
+                    <m:oMath xmlns:m="http://schemas.openxmlformats.org/officeDocument/2006/math">
+                      <m:acc>
+                        <m:accPr>
+                          <m:chr m:val="̂"/>
+                          <m:ctrlPr>
+                            <a:rPr lang="en-US" altLang="zh-CN" sz="800" i="1" smtClean="0">
+                              <a:latin typeface="Cambria Math" panose="02040503050406030204" pitchFamily="18" charset="0"/>
+                            </a:rPr>
+                          </m:ctrlPr>
+                        </m:accPr>
+                        <m:e>
+                          <m:r>
+                            <a:rPr lang="en-US" altLang="zh-CN" sz="800" b="0" i="1" smtClean="0">
+                              <a:latin typeface="Cambria Math" panose="02040503050406030204" pitchFamily="18" charset="0"/>
+                            </a:rPr>
+                            <m:t>𝑇</m:t>
+                          </m:r>
+                        </m:e>
+                      </m:acc>
+                    </m:oMath>
+                  </m:oMathPara>
+                </a14:m>
+                <a:endParaRPr lang="zh-CN" altLang="en-US" sz="800" baseline="-25000" dirty="0"/>
+              </a:p>
+            </p:txBody>
+          </p:sp>
+        </mc:Choice>
+        <mc:Fallback>
+          <p:sp>
+            <p:nvSpPr>
+              <p:cNvPr id="11" name="TextBox 10">
+                <a:extLst>
+                  <a:ext uri="{FF2B5EF4-FFF2-40B4-BE49-F238E27FC236}">
+                    <a16:creationId xmlns:a16="http://schemas.microsoft.com/office/drawing/2014/main" id="{56169655-1635-4CC0-B1E3-68949DA962B0}"/>
+                  </a:ext>
+                </a:extLst>
+              </p:cNvPr>
+              <p:cNvSpPr txBox="1">
+                <a:spLocks noRot="1" noChangeAspect="1" noMove="1" noResize="1" noEditPoints="1" noAdjustHandles="1" noChangeArrowheads="1" noChangeShapeType="1" noTextEdit="1"/>
+              </p:cNvSpPr>
+              <p:nvPr/>
+            </p:nvSpPr>
+            <p:spPr>
+              <a:xfrm>
+                <a:off x="4144631" y="3148882"/>
+                <a:ext cx="79188" cy="218650"/>
+              </a:xfrm>
+              <a:prstGeom prst="rect">
+                <a:avLst/>
+              </a:prstGeom>
+              <a:blipFill>
+                <a:blip r:embed="rId5"/>
+                <a:stretch>
+                  <a:fillRect l="-38462" r="-76923"/>
+                </a:stretch>
+              </a:blipFill>
+            </p:spPr>
+            <p:txBody>
+              <a:bodyPr/>
+              <a:lstStyle/>
+              <a:p>
+                <a:r>
+                  <a:rPr lang="en-US">
+                    <a:noFill/>
+                  </a:rPr>
+                  <a:t> </a:t>
+                </a:r>
+              </a:p>
+            </p:txBody>
+          </p:sp>
+        </mc:Fallback>
+      </mc:AlternateContent>
+      <p:sp>
+        <p:nvSpPr>
+          <p:cNvPr id="12" name="TextBox 11">
+            <a:extLst>
+              <a:ext uri="{FF2B5EF4-FFF2-40B4-BE49-F238E27FC236}">
+                <a16:creationId xmlns:a16="http://schemas.microsoft.com/office/drawing/2014/main" id="{839AC3D4-AF87-4D7D-ABBB-4162603C7D47}"/>
+              </a:ext>
+            </a:extLst>
+          </p:cNvPr>
+          <p:cNvSpPr txBox="1">
+            <a:spLocks noChangeAspect="1"/>
+          </p:cNvSpPr>
+          <p:nvPr/>
+        </p:nvSpPr>
+        <p:spPr>
+          <a:xfrm>
+            <a:off x="3090712" y="2149612"/>
+            <a:ext cx="67326" cy="230832"/>
+          </a:xfrm>
+          <a:prstGeom prst="rect">
+            <a:avLst/>
+          </a:prstGeom>
+          <a:noFill/>
+        </p:spPr>
+        <p:txBody>
+          <a:bodyPr wrap="none" lIns="0" rIns="0" rtlCol="0">
+            <a:spAutoFit/>
+          </a:bodyPr>
+          <a:lstStyle/>
+          <a:p>
+            <a:r>
+              <a:rPr lang="en-US" altLang="zh-CN" sz="900" dirty="0"/>
+              <a:t>A</a:t>
+            </a:r>
+            <a:endParaRPr lang="zh-CN" altLang="en-US" sz="900" dirty="0"/>
+          </a:p>
+        </p:txBody>
+      </p:sp>
+      <p:sp>
+        <p:nvSpPr>
+          <p:cNvPr id="13" name="TextBox 12">
+            <a:extLst>
+              <a:ext uri="{FF2B5EF4-FFF2-40B4-BE49-F238E27FC236}">
+                <a16:creationId xmlns:a16="http://schemas.microsoft.com/office/drawing/2014/main" id="{68E4AE0A-DDED-405B-A702-90519F9FCF4A}"/>
+              </a:ext>
+            </a:extLst>
+          </p:cNvPr>
+          <p:cNvSpPr txBox="1">
+            <a:spLocks noChangeAspect="1"/>
+          </p:cNvSpPr>
+          <p:nvPr/>
+        </p:nvSpPr>
+        <p:spPr>
+          <a:xfrm>
+            <a:off x="2665194" y="3295349"/>
+            <a:ext cx="538609" cy="230832"/>
+          </a:xfrm>
+          <a:prstGeom prst="rect">
+            <a:avLst/>
+          </a:prstGeom>
+          <a:noFill/>
+        </p:spPr>
+        <p:txBody>
+          <a:bodyPr wrap="none" lIns="0" rIns="0" rtlCol="0">
+            <a:spAutoFit/>
+          </a:bodyPr>
+          <a:lstStyle/>
+          <a:p>
+            <a:r>
+              <a:rPr lang="en-US" altLang="zh-CN" sz="900" dirty="0"/>
+              <a:t>Reflected A</a:t>
+            </a:r>
+            <a:endParaRPr lang="zh-CN" altLang="en-US" sz="900" dirty="0"/>
+          </a:p>
+        </p:txBody>
+      </p:sp>
+      <p:cxnSp>
+        <p:nvCxnSpPr>
+          <p:cNvPr id="14" name="Straight Connector 13">
+            <a:extLst>
+              <a:ext uri="{FF2B5EF4-FFF2-40B4-BE49-F238E27FC236}">
+                <a16:creationId xmlns:a16="http://schemas.microsoft.com/office/drawing/2014/main" id="{ED2D7F86-D619-40D1-B77B-B401C37FE27C}"/>
+              </a:ext>
+            </a:extLst>
+          </p:cNvPr>
+          <p:cNvCxnSpPr/>
+          <p:nvPr/>
+        </p:nvCxnSpPr>
+        <p:spPr>
+          <a:xfrm flipV="1">
+            <a:off x="3500077" y="2861217"/>
+            <a:ext cx="631451" cy="562205"/>
+          </a:xfrm>
+          <a:prstGeom prst="line">
+            <a:avLst/>
+          </a:prstGeom>
+          <a:ln w="9525">
+            <a:solidFill>
+              <a:schemeClr val="tx1"/>
+            </a:solidFill>
+            <a:headEnd type="triangle" w="sm" len="sm"/>
+            <a:tailEnd type="none" w="sm" len="sm"/>
+          </a:ln>
+        </p:spPr>
+        <p:style>
+          <a:lnRef idx="1">
+            <a:schemeClr val="accent1"/>
+          </a:lnRef>
+          <a:fillRef idx="0">
+            <a:schemeClr val="accent1"/>
+          </a:fillRef>
+          <a:effectRef idx="0">
+            <a:schemeClr val="accent1"/>
+          </a:effectRef>
+          <a:fontRef idx="minor">
+            <a:schemeClr val="tx1"/>
+          </a:fontRef>
+        </p:style>
+      </p:cxnSp>
+      <p:sp>
+        <p:nvSpPr>
+          <p:cNvPr id="15" name="Oval 14">
+            <a:extLst>
+              <a:ext uri="{FF2B5EF4-FFF2-40B4-BE49-F238E27FC236}">
+                <a16:creationId xmlns:a16="http://schemas.microsoft.com/office/drawing/2014/main" id="{D20C1C63-B154-4E9C-8404-9A1EF90876E3}"/>
+              </a:ext>
+            </a:extLst>
+          </p:cNvPr>
+          <p:cNvSpPr>
+            <a:spLocks noChangeAspect="1"/>
+          </p:cNvSpPr>
+          <p:nvPr/>
+        </p:nvSpPr>
+        <p:spPr>
+          <a:xfrm>
+            <a:off x="3857209" y="2584314"/>
+            <a:ext cx="548640" cy="548640"/>
+          </a:xfrm>
+          <a:prstGeom prst="ellipse">
+            <a:avLst/>
+          </a:prstGeom>
+          <a:noFill/>
+          <a:ln w="12700">
+            <a:solidFill>
+              <a:schemeClr val="bg1">
+                <a:lumMod val="65000"/>
+              </a:schemeClr>
+            </a:solidFill>
+          </a:ln>
+        </p:spPr>
+        <p:style>
+          <a:lnRef idx="2">
+            <a:schemeClr val="accent1">
+              <a:shade val="50000"/>
+            </a:schemeClr>
+          </a:lnRef>
+          <a:fillRef idx="1">
+            <a:schemeClr val="accent1"/>
+          </a:fillRef>
+          <a:effectRef idx="0">
+            <a:schemeClr val="accent1"/>
+          </a:effectRef>
+          <a:fontRef idx="minor">
+            <a:schemeClr val="lt1"/>
+          </a:fontRef>
+        </p:style>
+        <p:txBody>
+          <a:bodyPr rtlCol="0" anchor="ctr"/>
+          <a:lstStyle/>
+          <a:p>
+            <a:pPr algn="ctr"/>
+            <a:endParaRPr lang="en-US"/>
+          </a:p>
+        </p:txBody>
+      </p:sp>
+      <p:cxnSp>
+        <p:nvCxnSpPr>
+          <p:cNvPr id="16" name="Straight Connector 15">
+            <a:extLst>
+              <a:ext uri="{FF2B5EF4-FFF2-40B4-BE49-F238E27FC236}">
+                <a16:creationId xmlns:a16="http://schemas.microsoft.com/office/drawing/2014/main" id="{DA4285BB-27C0-4922-A87A-2B45E5273B22}"/>
+              </a:ext>
+            </a:extLst>
+          </p:cNvPr>
+          <p:cNvCxnSpPr/>
+          <p:nvPr/>
+        </p:nvCxnSpPr>
+        <p:spPr>
+          <a:xfrm>
+            <a:off x="4131529" y="2862125"/>
+            <a:ext cx="0" cy="548640"/>
+          </a:xfrm>
+          <a:prstGeom prst="line">
+            <a:avLst/>
+          </a:prstGeom>
+          <a:ln w="9525">
+            <a:solidFill>
+              <a:schemeClr val="tx1"/>
+            </a:solidFill>
+            <a:prstDash val="dash"/>
+            <a:tailEnd type="triangle" w="sm" len="sm"/>
+          </a:ln>
+        </p:spPr>
+        <p:style>
+          <a:lnRef idx="1">
+            <a:schemeClr val="accent1"/>
+          </a:lnRef>
+          <a:fillRef idx="0">
+            <a:schemeClr val="accent1"/>
+          </a:fillRef>
+          <a:effectRef idx="0">
+            <a:schemeClr val="accent1"/>
+          </a:effectRef>
+          <a:fontRef idx="minor">
+            <a:schemeClr val="tx1"/>
+          </a:fontRef>
+        </p:style>
+      </p:cxnSp>
+      <p:cxnSp>
+        <p:nvCxnSpPr>
+          <p:cNvPr id="17" name="Straight Connector 16">
+            <a:extLst>
+              <a:ext uri="{FF2B5EF4-FFF2-40B4-BE49-F238E27FC236}">
+                <a16:creationId xmlns:a16="http://schemas.microsoft.com/office/drawing/2014/main" id="{ADB3CF05-802C-4D8D-9384-BDA25B63D544}"/>
+              </a:ext>
+            </a:extLst>
+          </p:cNvPr>
+          <p:cNvCxnSpPr/>
+          <p:nvPr/>
+        </p:nvCxnSpPr>
+        <p:spPr>
+          <a:xfrm>
+            <a:off x="3503702" y="2265028"/>
+            <a:ext cx="0" cy="548640"/>
+          </a:xfrm>
+          <a:prstGeom prst="line">
+            <a:avLst/>
+          </a:prstGeom>
+          <a:ln w="9525">
+            <a:solidFill>
+              <a:schemeClr val="tx1"/>
+            </a:solidFill>
+            <a:prstDash val="dash"/>
+            <a:tailEnd type="triangle" w="sm" len="sm"/>
+          </a:ln>
+        </p:spPr>
+        <p:style>
+          <a:lnRef idx="1">
+            <a:schemeClr val="accent1"/>
+          </a:lnRef>
+          <a:fillRef idx="0">
+            <a:schemeClr val="accent1"/>
+          </a:fillRef>
+          <a:effectRef idx="0">
+            <a:schemeClr val="accent1"/>
+          </a:effectRef>
+          <a:fontRef idx="minor">
+            <a:schemeClr val="tx1"/>
+          </a:fontRef>
+        </p:style>
+      </p:cxnSp>
+      <p:cxnSp>
+        <p:nvCxnSpPr>
+          <p:cNvPr id="18" name="Straight Connector 17">
+            <a:extLst>
+              <a:ext uri="{FF2B5EF4-FFF2-40B4-BE49-F238E27FC236}">
+                <a16:creationId xmlns:a16="http://schemas.microsoft.com/office/drawing/2014/main" id="{C88109EF-77B8-4D63-B636-6C48FE347BFE}"/>
+              </a:ext>
+            </a:extLst>
+          </p:cNvPr>
+          <p:cNvCxnSpPr/>
+          <p:nvPr/>
+        </p:nvCxnSpPr>
+        <p:spPr>
+          <a:xfrm>
+            <a:off x="3503702" y="2265028"/>
+            <a:ext cx="548640" cy="0"/>
+          </a:xfrm>
+          <a:prstGeom prst="line">
+            <a:avLst/>
+          </a:prstGeom>
+          <a:ln w="9525">
+            <a:solidFill>
+              <a:schemeClr val="tx1"/>
+            </a:solidFill>
+            <a:prstDash val="dash"/>
+            <a:headEnd type="none" w="sm" len="sm"/>
+            <a:tailEnd type="triangle" w="sm" len="sm"/>
+          </a:ln>
+        </p:spPr>
+        <p:style>
+          <a:lnRef idx="1">
+            <a:schemeClr val="accent1"/>
+          </a:lnRef>
+          <a:fillRef idx="0">
+            <a:schemeClr val="accent1"/>
+          </a:fillRef>
+          <a:effectRef idx="0">
+            <a:schemeClr val="accent1"/>
+          </a:effectRef>
+          <a:fontRef idx="minor">
+            <a:schemeClr val="tx1"/>
+          </a:fontRef>
+        </p:style>
+      </p:cxnSp>
+      <mc:AlternateContent xmlns:mc="http://schemas.openxmlformats.org/markup-compatibility/2006">
+        <mc:Choice xmlns:a14="http://schemas.microsoft.com/office/drawing/2010/main" Requires="a14">
+          <p:sp>
+            <p:nvSpPr>
+              <p:cNvPr id="19" name="TextBox 18">
+                <a:extLst>
+                  <a:ext uri="{FF2B5EF4-FFF2-40B4-BE49-F238E27FC236}">
+                    <a16:creationId xmlns:a16="http://schemas.microsoft.com/office/drawing/2014/main" id="{665F6F57-973A-45D1-9687-D379173E397C}"/>
+                  </a:ext>
+                </a:extLst>
+              </p:cNvPr>
+              <p:cNvSpPr txBox="1"/>
+              <p:nvPr/>
+            </p:nvSpPr>
+            <p:spPr>
+              <a:xfrm>
+                <a:off x="3820828" y="2091322"/>
+                <a:ext cx="93872" cy="218650"/>
+              </a:xfrm>
+              <a:prstGeom prst="rect">
+                <a:avLst/>
+              </a:prstGeom>
+              <a:noFill/>
+            </p:spPr>
+            <p:txBody>
+              <a:bodyPr wrap="none" lIns="0" rIns="0" rtlCol="0">
+                <a:spAutoFit/>
+              </a:bodyPr>
+              <a:lstStyle/>
+              <a:p>
+                <a:pPr/>
+                <a14:m>
+                  <m:oMathPara xmlns:m="http://schemas.openxmlformats.org/officeDocument/2006/math">
+                    <m:oMathParaPr>
+                      <m:jc m:val="centerGroup"/>
+                    </m:oMathParaPr>
+                    <m:oMath xmlns:m="http://schemas.openxmlformats.org/officeDocument/2006/math">
+                      <m:acc>
+                        <m:accPr>
+                          <m:chr m:val="̂"/>
+                          <m:ctrlPr>
+                            <a:rPr lang="en-US" altLang="zh-CN" sz="800" i="1" smtClean="0">
+                              <a:latin typeface="Cambria Math" panose="02040503050406030204" pitchFamily="18" charset="0"/>
+                            </a:rPr>
+                          </m:ctrlPr>
+                        </m:accPr>
+                        <m:e>
+                          <m:r>
+                            <a:rPr lang="en-US" altLang="zh-CN" sz="800" b="0" i="1" smtClean="0">
+                              <a:latin typeface="Cambria Math" panose="02040503050406030204" pitchFamily="18" charset="0"/>
+                            </a:rPr>
+                            <m:t>𝑁</m:t>
+                          </m:r>
+                        </m:e>
+                      </m:acc>
+                    </m:oMath>
+                  </m:oMathPara>
+                </a14:m>
+                <a:endParaRPr lang="zh-CN" altLang="en-US" sz="800" baseline="-25000" dirty="0"/>
+              </a:p>
+            </p:txBody>
+          </p:sp>
+        </mc:Choice>
+        <mc:Fallback>
+          <p:sp>
+            <p:nvSpPr>
+              <p:cNvPr id="19" name="TextBox 18">
+                <a:extLst>
+                  <a:ext uri="{FF2B5EF4-FFF2-40B4-BE49-F238E27FC236}">
+                    <a16:creationId xmlns:a16="http://schemas.microsoft.com/office/drawing/2014/main" id="{665F6F57-973A-45D1-9687-D379173E397C}"/>
+                  </a:ext>
+                </a:extLst>
+              </p:cNvPr>
+              <p:cNvSpPr txBox="1">
+                <a:spLocks noRot="1" noChangeAspect="1" noMove="1" noResize="1" noEditPoints="1" noAdjustHandles="1" noChangeArrowheads="1" noChangeShapeType="1" noTextEdit="1"/>
+              </p:cNvSpPr>
+              <p:nvPr/>
+            </p:nvSpPr>
+            <p:spPr>
+              <a:xfrm>
+                <a:off x="3820828" y="2091322"/>
+                <a:ext cx="93872" cy="218650"/>
+              </a:xfrm>
+              <a:prstGeom prst="rect">
+                <a:avLst/>
+              </a:prstGeom>
+              <a:blipFill>
+                <a:blip r:embed="rId6"/>
+                <a:stretch>
+                  <a:fillRect l="-33333" r="-73333"/>
+                </a:stretch>
+              </a:blipFill>
+            </p:spPr>
+            <p:txBody>
+              <a:bodyPr/>
+              <a:lstStyle/>
+              <a:p>
+                <a:r>
+                  <a:rPr lang="en-US">
+                    <a:noFill/>
+                  </a:rPr>
+                  <a:t> </a:t>
+                </a:r>
+              </a:p>
+            </p:txBody>
+          </p:sp>
+        </mc:Fallback>
+      </mc:AlternateContent>
+      <mc:AlternateContent xmlns:mc="http://schemas.openxmlformats.org/markup-compatibility/2006">
+        <mc:Choice xmlns:a14="http://schemas.microsoft.com/office/drawing/2010/main" Requires="a14">
+          <p:sp>
+            <p:nvSpPr>
+              <p:cNvPr id="20" name="TextBox 19">
+                <a:extLst>
+                  <a:ext uri="{FF2B5EF4-FFF2-40B4-BE49-F238E27FC236}">
+                    <a16:creationId xmlns:a16="http://schemas.microsoft.com/office/drawing/2014/main" id="{C533AFF4-B51C-499B-B1E4-F6A78B1C0A7A}"/>
+                  </a:ext>
+                </a:extLst>
+              </p:cNvPr>
+              <p:cNvSpPr txBox="1"/>
+              <p:nvPr/>
+            </p:nvSpPr>
+            <p:spPr>
+              <a:xfrm>
+                <a:off x="3422702" y="2529515"/>
+                <a:ext cx="79188" cy="218650"/>
+              </a:xfrm>
+              <a:prstGeom prst="rect">
+                <a:avLst/>
+              </a:prstGeom>
+              <a:noFill/>
+            </p:spPr>
+            <p:txBody>
+              <a:bodyPr wrap="none" lIns="0" rIns="0" rtlCol="0">
+                <a:spAutoFit/>
+              </a:bodyPr>
+              <a:lstStyle/>
+              <a:p>
+                <a:pPr/>
+                <a14:m>
+                  <m:oMathPara xmlns:m="http://schemas.openxmlformats.org/officeDocument/2006/math">
+                    <m:oMathParaPr>
+                      <m:jc m:val="centerGroup"/>
+                    </m:oMathParaPr>
+                    <m:oMath xmlns:m="http://schemas.openxmlformats.org/officeDocument/2006/math">
+                      <m:acc>
+                        <m:accPr>
+                          <m:chr m:val="̂"/>
+                          <m:ctrlPr>
+                            <a:rPr lang="en-US" altLang="zh-CN" sz="800" i="1" smtClean="0">
+                              <a:latin typeface="Cambria Math" panose="02040503050406030204" pitchFamily="18" charset="0"/>
+                            </a:rPr>
+                          </m:ctrlPr>
+                        </m:accPr>
+                        <m:e>
+                          <m:r>
+                            <a:rPr lang="en-US" altLang="zh-CN" sz="800" b="0" i="1" smtClean="0">
+                              <a:latin typeface="Cambria Math" panose="02040503050406030204" pitchFamily="18" charset="0"/>
+                            </a:rPr>
+                            <m:t>𝑇</m:t>
+                          </m:r>
+                        </m:e>
+                      </m:acc>
+                    </m:oMath>
+                  </m:oMathPara>
+                </a14:m>
+                <a:endParaRPr lang="zh-CN" altLang="en-US" sz="800" baseline="-25000" dirty="0"/>
+              </a:p>
+            </p:txBody>
+          </p:sp>
+        </mc:Choice>
+        <mc:Fallback>
+          <p:sp>
+            <p:nvSpPr>
+              <p:cNvPr id="20" name="TextBox 19">
+                <a:extLst>
+                  <a:ext uri="{FF2B5EF4-FFF2-40B4-BE49-F238E27FC236}">
+                    <a16:creationId xmlns:a16="http://schemas.microsoft.com/office/drawing/2014/main" id="{C533AFF4-B51C-499B-B1E4-F6A78B1C0A7A}"/>
+                  </a:ext>
+                </a:extLst>
+              </p:cNvPr>
+              <p:cNvSpPr txBox="1">
+                <a:spLocks noRot="1" noChangeAspect="1" noMove="1" noResize="1" noEditPoints="1" noAdjustHandles="1" noChangeArrowheads="1" noChangeShapeType="1" noTextEdit="1"/>
+              </p:cNvSpPr>
+              <p:nvPr/>
+            </p:nvSpPr>
+            <p:spPr>
+              <a:xfrm>
+                <a:off x="3422702" y="2529515"/>
+                <a:ext cx="79188" cy="218650"/>
+              </a:xfrm>
+              <a:prstGeom prst="rect">
+                <a:avLst/>
+              </a:prstGeom>
+              <a:blipFill>
+                <a:blip r:embed="rId7"/>
+                <a:stretch>
+                  <a:fillRect l="-38462" r="-84615"/>
+                </a:stretch>
+              </a:blipFill>
+            </p:spPr>
+            <p:txBody>
+              <a:bodyPr/>
+              <a:lstStyle/>
+              <a:p>
+                <a:r>
+                  <a:rPr lang="en-US">
+                    <a:noFill/>
+                  </a:rPr>
+                  <a:t> </a:t>
+                </a:r>
+              </a:p>
+            </p:txBody>
+          </p:sp>
+        </mc:Fallback>
+      </mc:AlternateContent>
+      <p:sp>
+        <p:nvSpPr>
+          <p:cNvPr id="21" name="Rectangle 20">
+            <a:extLst>
+              <a:ext uri="{FF2B5EF4-FFF2-40B4-BE49-F238E27FC236}">
+                <a16:creationId xmlns:a16="http://schemas.microsoft.com/office/drawing/2014/main" id="{212EC9A6-63D2-4CA5-A7F8-BED09775D236}"/>
+              </a:ext>
+            </a:extLst>
+          </p:cNvPr>
+          <p:cNvSpPr/>
+          <p:nvPr/>
+        </p:nvSpPr>
+        <p:spPr>
+          <a:xfrm>
+            <a:off x="4405848" y="1800224"/>
+            <a:ext cx="292894" cy="2501510"/>
+          </a:xfrm>
+          <a:prstGeom prst="rect">
+            <a:avLst/>
+          </a:prstGeom>
+          <a:solidFill>
+            <a:schemeClr val="tx1">
+              <a:lumMod val="50000"/>
+              <a:lumOff val="50000"/>
+            </a:schemeClr>
+          </a:solidFill>
+          <a:ln>
+            <a:noFill/>
+          </a:ln>
+        </p:spPr>
+        <p:style>
+          <a:lnRef idx="2">
+            <a:schemeClr val="accent1">
+              <a:shade val="50000"/>
+            </a:schemeClr>
+          </a:lnRef>
+          <a:fillRef idx="1">
+            <a:schemeClr val="accent1"/>
+          </a:fillRef>
+          <a:effectRef idx="0">
+            <a:schemeClr val="accent1"/>
+          </a:effectRef>
+          <a:fontRef idx="minor">
+            <a:schemeClr val="lt1"/>
+          </a:fontRef>
+        </p:style>
+        <p:txBody>
+          <a:bodyPr rtlCol="0" anchor="ctr"/>
+          <a:lstStyle/>
+          <a:p>
+            <a:pPr algn="ctr"/>
+            <a:endParaRPr lang="en-US"/>
+          </a:p>
+        </p:txBody>
+      </p:sp>
+    </p:spTree>
+    <p:extLst>
+      <p:ext uri="{BB962C8B-B14F-4D97-AF65-F5344CB8AC3E}">
+        <p14:creationId xmlns:p14="http://schemas.microsoft.com/office/powerpoint/2010/main" val="2126047472"/>
+      </p:ext>
+    </p:extLst>
+  </p:cSld>
+  <p:clrMapOvr>
+    <a:masterClrMapping/>
+  </p:clrMapOvr>
+</p:sld>
+</file>
+
 <file path=ppt/slides/slide2.xml><?xml version="1.0" encoding="utf-8"?>
 <p:sld xmlns:a="http://schemas.openxmlformats.org/drawingml/2006/main" xmlns:r="http://schemas.openxmlformats.org/officeDocument/2006/relationships" xmlns:p="http://schemas.openxmlformats.org/presentationml/2006/main">
   <p:cSld>
@@ -20236,6 +21561,908 @@
     <p:extLst>
       <p:ext uri="{BB962C8B-B14F-4D97-AF65-F5344CB8AC3E}">
         <p14:creationId xmlns:p14="http://schemas.microsoft.com/office/powerpoint/2010/main" val="3972070070"/>
+      </p:ext>
+    </p:extLst>
+  </p:cSld>
+  <p:clrMapOvr>
+    <a:masterClrMapping/>
+  </p:clrMapOvr>
+</p:sld>
+</file>
+
+<file path=ppt/slides/slide20.xml><?xml version="1.0" encoding="utf-8"?>
+<p:sld xmlns:a="http://schemas.openxmlformats.org/drawingml/2006/main" xmlns:r="http://schemas.openxmlformats.org/officeDocument/2006/relationships" xmlns:p="http://schemas.openxmlformats.org/presentationml/2006/main">
+  <p:cSld>
+    <p:spTree>
+      <p:nvGrpSpPr>
+        <p:cNvPr id="1" name=""/>
+        <p:cNvGrpSpPr/>
+        <p:nvPr/>
+      </p:nvGrpSpPr>
+      <p:grpSpPr>
+        <a:xfrm>
+          <a:off x="0" y="0"/>
+          <a:ext cx="0" cy="0"/>
+          <a:chOff x="0" y="0"/>
+          <a:chExt cx="0" cy="0"/>
+        </a:xfrm>
+      </p:grpSpPr>
+      <p:sp>
+        <p:nvSpPr>
+          <p:cNvPr id="2" name="Rectangle 1">
+            <a:extLst>
+              <a:ext uri="{FF2B5EF4-FFF2-40B4-BE49-F238E27FC236}">
+                <a16:creationId xmlns:a16="http://schemas.microsoft.com/office/drawing/2014/main" id="{78685FAC-ADAA-4B51-B611-079EA31A5D8A}"/>
+              </a:ext>
+            </a:extLst>
+          </p:cNvPr>
+          <p:cNvSpPr/>
+          <p:nvPr/>
+        </p:nvSpPr>
+        <p:spPr>
+          <a:xfrm>
+            <a:off x="1652016" y="1829016"/>
+            <a:ext cx="4267200" cy="2324099"/>
+          </a:xfrm>
+          <a:prstGeom prst="rect">
+            <a:avLst/>
+          </a:prstGeom>
+          <a:noFill/>
+          <a:ln w="9525">
+            <a:prstDash val="sysDash"/>
+          </a:ln>
+        </p:spPr>
+        <p:style>
+          <a:lnRef idx="2">
+            <a:schemeClr val="accent1">
+              <a:shade val="50000"/>
+            </a:schemeClr>
+          </a:lnRef>
+          <a:fillRef idx="1">
+            <a:schemeClr val="accent1"/>
+          </a:fillRef>
+          <a:effectRef idx="0">
+            <a:schemeClr val="accent1"/>
+          </a:effectRef>
+          <a:fontRef idx="minor">
+            <a:schemeClr val="lt1"/>
+          </a:fontRef>
+        </p:style>
+        <p:txBody>
+          <a:bodyPr rtlCol="0" anchor="ctr"/>
+          <a:lstStyle/>
+          <a:p>
+            <a:pPr algn="ctr"/>
+            <a:endParaRPr lang="en-US" sz="800"/>
+          </a:p>
+        </p:txBody>
+      </p:sp>
+      <p:sp>
+        <p:nvSpPr>
+          <p:cNvPr id="3" name="TextBox 2">
+            <a:extLst>
+              <a:ext uri="{FF2B5EF4-FFF2-40B4-BE49-F238E27FC236}">
+                <a16:creationId xmlns:a16="http://schemas.microsoft.com/office/drawing/2014/main" id="{D4C5CD11-3CD4-418B-94A7-24E7A5454368}"/>
+              </a:ext>
+            </a:extLst>
+          </p:cNvPr>
+          <p:cNvSpPr txBox="1"/>
+          <p:nvPr/>
+        </p:nvSpPr>
+        <p:spPr>
+          <a:xfrm>
+            <a:off x="3071902" y="4262181"/>
+            <a:ext cx="2125158" cy="338554"/>
+          </a:xfrm>
+          <a:prstGeom prst="rect">
+            <a:avLst/>
+          </a:prstGeom>
+          <a:noFill/>
+          <a:ln>
+            <a:noFill/>
+          </a:ln>
+        </p:spPr>
+        <p:txBody>
+          <a:bodyPr wrap="square" lIns="0" rIns="0" rtlCol="0">
+            <a:spAutoFit/>
+          </a:bodyPr>
+          <a:lstStyle/>
+          <a:p>
+            <a:r>
+              <a:rPr lang="en-US" altLang="zh-TW" sz="1600"/>
+              <a:t>Figure 9-26</a:t>
+            </a:r>
+            <a:endParaRPr lang="zh-TW" altLang="en-US" sz="1600" baseline="-25000" dirty="0"/>
+          </a:p>
+        </p:txBody>
+      </p:sp>
+      <p:sp>
+        <p:nvSpPr>
+          <p:cNvPr id="4" name="Oval 3">
+            <a:extLst>
+              <a:ext uri="{FF2B5EF4-FFF2-40B4-BE49-F238E27FC236}">
+                <a16:creationId xmlns:a16="http://schemas.microsoft.com/office/drawing/2014/main" id="{09C64E92-3216-411C-9D3B-3D8E8E21ED6A}"/>
+              </a:ext>
+            </a:extLst>
+          </p:cNvPr>
+          <p:cNvSpPr>
+            <a:spLocks noChangeAspect="1"/>
+          </p:cNvSpPr>
+          <p:nvPr/>
+        </p:nvSpPr>
+        <p:spPr>
+          <a:xfrm>
+            <a:off x="3229382" y="2409407"/>
+            <a:ext cx="548640" cy="548640"/>
+          </a:xfrm>
+          <a:prstGeom prst="ellipse">
+            <a:avLst/>
+          </a:prstGeom>
+          <a:noFill/>
+          <a:ln w="12700">
+            <a:solidFill>
+              <a:schemeClr val="tx1"/>
+            </a:solidFill>
+          </a:ln>
+        </p:spPr>
+        <p:style>
+          <a:lnRef idx="2">
+            <a:schemeClr val="accent1">
+              <a:shade val="50000"/>
+            </a:schemeClr>
+          </a:lnRef>
+          <a:fillRef idx="1">
+            <a:schemeClr val="accent1"/>
+          </a:fillRef>
+          <a:effectRef idx="0">
+            <a:schemeClr val="accent1"/>
+          </a:effectRef>
+          <a:fontRef idx="minor">
+            <a:schemeClr val="lt1"/>
+          </a:fontRef>
+        </p:style>
+        <p:txBody>
+          <a:bodyPr rtlCol="0" anchor="ctr"/>
+          <a:lstStyle/>
+          <a:p>
+            <a:pPr algn="ctr"/>
+            <a:endParaRPr lang="en-US"/>
+          </a:p>
+        </p:txBody>
+      </p:sp>
+      <p:sp>
+        <p:nvSpPr>
+          <p:cNvPr id="5" name="Oval 4">
+            <a:extLst>
+              <a:ext uri="{FF2B5EF4-FFF2-40B4-BE49-F238E27FC236}">
+                <a16:creationId xmlns:a16="http://schemas.microsoft.com/office/drawing/2014/main" id="{0958CABC-DDBF-4F90-9A89-137E2C85469E}"/>
+              </a:ext>
+            </a:extLst>
+          </p:cNvPr>
+          <p:cNvSpPr>
+            <a:spLocks noChangeAspect="1"/>
+          </p:cNvSpPr>
+          <p:nvPr/>
+        </p:nvSpPr>
+        <p:spPr>
+          <a:xfrm>
+            <a:off x="3229382" y="2957622"/>
+            <a:ext cx="548640" cy="548640"/>
+          </a:xfrm>
+          <a:prstGeom prst="ellipse">
+            <a:avLst/>
+          </a:prstGeom>
+          <a:noFill/>
+          <a:ln w="12700">
+            <a:solidFill>
+              <a:schemeClr val="tx1"/>
+            </a:solidFill>
+          </a:ln>
+        </p:spPr>
+        <p:style>
+          <a:lnRef idx="2">
+            <a:schemeClr val="accent1">
+              <a:shade val="50000"/>
+            </a:schemeClr>
+          </a:lnRef>
+          <a:fillRef idx="1">
+            <a:schemeClr val="accent1"/>
+          </a:fillRef>
+          <a:effectRef idx="0">
+            <a:schemeClr val="accent1"/>
+          </a:effectRef>
+          <a:fontRef idx="minor">
+            <a:schemeClr val="lt1"/>
+          </a:fontRef>
+        </p:style>
+        <p:txBody>
+          <a:bodyPr rtlCol="0" anchor="ctr"/>
+          <a:lstStyle/>
+          <a:p>
+            <a:pPr algn="ctr"/>
+            <a:endParaRPr lang="en-US"/>
+          </a:p>
+        </p:txBody>
+      </p:sp>
+      <p:cxnSp>
+        <p:nvCxnSpPr>
+          <p:cNvPr id="6" name="Straight Connector 5">
+            <a:extLst>
+              <a:ext uri="{FF2B5EF4-FFF2-40B4-BE49-F238E27FC236}">
+                <a16:creationId xmlns:a16="http://schemas.microsoft.com/office/drawing/2014/main" id="{336FD984-99A8-4057-9217-D58A4124DBEF}"/>
+              </a:ext>
+            </a:extLst>
+          </p:cNvPr>
+          <p:cNvCxnSpPr/>
+          <p:nvPr/>
+        </p:nvCxnSpPr>
+        <p:spPr>
+          <a:xfrm>
+            <a:off x="3503702" y="2679279"/>
+            <a:ext cx="0" cy="548640"/>
+          </a:xfrm>
+          <a:prstGeom prst="line">
+            <a:avLst/>
+          </a:prstGeom>
+          <a:ln w="9525">
+            <a:solidFill>
+              <a:schemeClr val="tx1"/>
+            </a:solidFill>
+            <a:prstDash val="dash"/>
+            <a:headEnd type="triangle" w="sm" len="sm"/>
+          </a:ln>
+        </p:spPr>
+        <p:style>
+          <a:lnRef idx="1">
+            <a:schemeClr val="accent1"/>
+          </a:lnRef>
+          <a:fillRef idx="0">
+            <a:schemeClr val="accent1"/>
+          </a:fillRef>
+          <a:effectRef idx="0">
+            <a:schemeClr val="accent1"/>
+          </a:effectRef>
+          <a:fontRef idx="minor">
+            <a:schemeClr val="tx1"/>
+          </a:fontRef>
+        </p:style>
+      </p:cxnSp>
+      <p:cxnSp>
+        <p:nvCxnSpPr>
+          <p:cNvPr id="7" name="Straight Connector 6">
+            <a:extLst>
+              <a:ext uri="{FF2B5EF4-FFF2-40B4-BE49-F238E27FC236}">
+                <a16:creationId xmlns:a16="http://schemas.microsoft.com/office/drawing/2014/main" id="{B9C3133D-B339-4123-8CDC-05CCC965DFA5}"/>
+              </a:ext>
+            </a:extLst>
+          </p:cNvPr>
+          <p:cNvCxnSpPr/>
+          <p:nvPr/>
+        </p:nvCxnSpPr>
+        <p:spPr>
+          <a:xfrm>
+            <a:off x="3503702" y="2672984"/>
+            <a:ext cx="526452" cy="215934"/>
+          </a:xfrm>
+          <a:prstGeom prst="line">
+            <a:avLst/>
+          </a:prstGeom>
+          <a:ln w="9525">
+            <a:solidFill>
+              <a:schemeClr val="tx1"/>
+            </a:solidFill>
+            <a:tailEnd type="triangle" w="sm" len="sm"/>
+          </a:ln>
+        </p:spPr>
+        <p:style>
+          <a:lnRef idx="1">
+            <a:schemeClr val="accent1"/>
+          </a:lnRef>
+          <a:fillRef idx="0">
+            <a:schemeClr val="accent1"/>
+          </a:fillRef>
+          <a:effectRef idx="0">
+            <a:schemeClr val="accent1"/>
+          </a:effectRef>
+          <a:fontRef idx="minor">
+            <a:schemeClr val="tx1"/>
+          </a:fontRef>
+        </p:style>
+      </p:cxnSp>
+      <p:cxnSp>
+        <p:nvCxnSpPr>
+          <p:cNvPr id="8" name="Straight Connector 7">
+            <a:extLst>
+              <a:ext uri="{FF2B5EF4-FFF2-40B4-BE49-F238E27FC236}">
+                <a16:creationId xmlns:a16="http://schemas.microsoft.com/office/drawing/2014/main" id="{18E43F48-D2A1-46E4-8AB9-0136D167142E}"/>
+              </a:ext>
+            </a:extLst>
+          </p:cNvPr>
+          <p:cNvCxnSpPr/>
+          <p:nvPr/>
+        </p:nvCxnSpPr>
+        <p:spPr>
+          <a:xfrm>
+            <a:off x="3503702" y="2956829"/>
+            <a:ext cx="439648" cy="0"/>
+          </a:xfrm>
+          <a:prstGeom prst="line">
+            <a:avLst/>
+          </a:prstGeom>
+          <a:ln w="9525">
+            <a:solidFill>
+              <a:schemeClr val="tx1"/>
+            </a:solidFill>
+            <a:prstDash val="dash"/>
+            <a:tailEnd type="triangle" w="sm" len="sm"/>
+          </a:ln>
+        </p:spPr>
+        <p:style>
+          <a:lnRef idx="1">
+            <a:schemeClr val="accent1"/>
+          </a:lnRef>
+          <a:fillRef idx="0">
+            <a:schemeClr val="accent1"/>
+          </a:fillRef>
+          <a:effectRef idx="0">
+            <a:schemeClr val="accent1"/>
+          </a:effectRef>
+          <a:fontRef idx="minor">
+            <a:schemeClr val="tx1"/>
+          </a:fontRef>
+        </p:style>
+      </p:cxnSp>
+      <mc:AlternateContent xmlns:mc="http://schemas.openxmlformats.org/markup-compatibility/2006">
+        <mc:Choice xmlns:a14="http://schemas.microsoft.com/office/drawing/2010/main" Requires="a14">
+          <p:sp>
+            <p:nvSpPr>
+              <p:cNvPr id="9" name="TextBox 8">
+                <a:extLst>
+                  <a:ext uri="{FF2B5EF4-FFF2-40B4-BE49-F238E27FC236}">
+                    <a16:creationId xmlns:a16="http://schemas.microsoft.com/office/drawing/2014/main" id="{73522415-BC0D-4912-9334-2D8E3711E0A2}"/>
+                  </a:ext>
+                </a:extLst>
+              </p:cNvPr>
+              <p:cNvSpPr txBox="1"/>
+              <p:nvPr/>
+            </p:nvSpPr>
+            <p:spPr>
+              <a:xfrm>
+                <a:off x="3887423" y="2652264"/>
+                <a:ext cx="142731" cy="230256"/>
+              </a:xfrm>
+              <a:prstGeom prst="rect">
+                <a:avLst/>
+              </a:prstGeom>
+              <a:noFill/>
+            </p:spPr>
+            <p:txBody>
+              <a:bodyPr wrap="none" lIns="0" rIns="0" rtlCol="0">
+                <a:spAutoFit/>
+              </a:bodyPr>
+              <a:lstStyle/>
+              <a:p>
+                <a14:m>
+                  <m:oMath xmlns:m="http://schemas.openxmlformats.org/officeDocument/2006/math">
+                    <m:acc>
+                      <m:accPr>
+                        <m:chr m:val="⃑"/>
+                        <m:ctrlPr>
+                          <a:rPr lang="en-US" altLang="zh-CN" sz="800" i="1" smtClean="0">
+                            <a:latin typeface="Cambria Math" panose="02040503050406030204" pitchFamily="18" charset="0"/>
+                          </a:rPr>
+                        </m:ctrlPr>
+                      </m:accPr>
+                      <m:e>
+                        <m:r>
+                          <a:rPr lang="en-US" altLang="zh-CN" sz="800" b="0" i="1" smtClean="0">
+                            <a:latin typeface="Cambria Math" panose="02040503050406030204" pitchFamily="18" charset="0"/>
+                          </a:rPr>
+                          <m:t>𝑉</m:t>
+                        </m:r>
+                      </m:e>
+                    </m:acc>
+                  </m:oMath>
+                </a14:m>
+                <a:r>
+                  <a:rPr lang="en-US" altLang="zh-CN" sz="800" baseline="-25000" dirty="0"/>
+                  <a:t>A1</a:t>
+                </a:r>
+                <a:endParaRPr lang="zh-CN" altLang="en-US" sz="800" baseline="-25000" dirty="0"/>
+              </a:p>
+            </p:txBody>
+          </p:sp>
+        </mc:Choice>
+        <mc:Fallback>
+          <p:sp>
+            <p:nvSpPr>
+              <p:cNvPr id="9" name="TextBox 8">
+                <a:extLst>
+                  <a:ext uri="{FF2B5EF4-FFF2-40B4-BE49-F238E27FC236}">
+                    <a16:creationId xmlns:a16="http://schemas.microsoft.com/office/drawing/2014/main" id="{73522415-BC0D-4912-9334-2D8E3711E0A2}"/>
+                  </a:ext>
+                </a:extLst>
+              </p:cNvPr>
+              <p:cNvSpPr txBox="1">
+                <a:spLocks noRot="1" noChangeAspect="1" noMove="1" noResize="1" noEditPoints="1" noAdjustHandles="1" noChangeArrowheads="1" noChangeShapeType="1" noTextEdit="1"/>
+              </p:cNvSpPr>
+              <p:nvPr/>
+            </p:nvSpPr>
+            <p:spPr>
+              <a:xfrm>
+                <a:off x="3887423" y="2652264"/>
+                <a:ext cx="142731" cy="230256"/>
+              </a:xfrm>
+              <a:prstGeom prst="rect">
+                <a:avLst/>
+              </a:prstGeom>
+              <a:blipFill>
+                <a:blip r:embed="rId2"/>
+                <a:stretch>
+                  <a:fillRect l="-26087" r="-30435" b="-5263"/>
+                </a:stretch>
+              </a:blipFill>
+            </p:spPr>
+            <p:txBody>
+              <a:bodyPr/>
+              <a:lstStyle/>
+              <a:p>
+                <a:r>
+                  <a:rPr lang="en-US">
+                    <a:noFill/>
+                  </a:rPr>
+                  <a:t> </a:t>
+                </a:r>
+              </a:p>
+            </p:txBody>
+          </p:sp>
+        </mc:Fallback>
+      </mc:AlternateContent>
+      <mc:AlternateContent xmlns:mc="http://schemas.openxmlformats.org/markup-compatibility/2006">
+        <mc:Choice xmlns:a14="http://schemas.microsoft.com/office/drawing/2010/main" Requires="a14">
+          <p:sp>
+            <p:nvSpPr>
+              <p:cNvPr id="10" name="TextBox 9">
+                <a:extLst>
+                  <a:ext uri="{FF2B5EF4-FFF2-40B4-BE49-F238E27FC236}">
+                    <a16:creationId xmlns:a16="http://schemas.microsoft.com/office/drawing/2014/main" id="{A6FE97DB-67FE-48DF-890F-AA137F9FBDAC}"/>
+                  </a:ext>
+                </a:extLst>
+              </p:cNvPr>
+              <p:cNvSpPr txBox="1"/>
+              <p:nvPr/>
+            </p:nvSpPr>
+            <p:spPr>
+              <a:xfrm>
+                <a:off x="3056442" y="3021317"/>
+                <a:ext cx="142731" cy="230256"/>
+              </a:xfrm>
+              <a:prstGeom prst="rect">
+                <a:avLst/>
+              </a:prstGeom>
+              <a:noFill/>
+            </p:spPr>
+            <p:txBody>
+              <a:bodyPr wrap="none" lIns="0" rIns="0" rtlCol="0">
+                <a:spAutoFit/>
+              </a:bodyPr>
+              <a:lstStyle/>
+              <a:p>
+                <a14:m>
+                  <m:oMath xmlns:m="http://schemas.openxmlformats.org/officeDocument/2006/math">
+                    <m:acc>
+                      <m:accPr>
+                        <m:chr m:val="⃑"/>
+                        <m:ctrlPr>
+                          <a:rPr lang="en-US" altLang="zh-CN" sz="800" i="1" smtClean="0">
+                            <a:latin typeface="Cambria Math" panose="02040503050406030204" pitchFamily="18" charset="0"/>
+                          </a:rPr>
+                        </m:ctrlPr>
+                      </m:accPr>
+                      <m:e>
+                        <m:r>
+                          <a:rPr lang="en-US" altLang="zh-CN" sz="800" b="0" i="1" smtClean="0">
+                            <a:latin typeface="Cambria Math" panose="02040503050406030204" pitchFamily="18" charset="0"/>
+                          </a:rPr>
+                          <m:t>𝑉</m:t>
+                        </m:r>
+                      </m:e>
+                    </m:acc>
+                  </m:oMath>
+                </a14:m>
+                <a:r>
+                  <a:rPr lang="en-US" altLang="zh-CN" sz="800" baseline="-25000" dirty="0"/>
+                  <a:t>B1</a:t>
+                </a:r>
+                <a:endParaRPr lang="zh-CN" altLang="en-US" sz="800" baseline="-25000" dirty="0"/>
+              </a:p>
+            </p:txBody>
+          </p:sp>
+        </mc:Choice>
+        <mc:Fallback>
+          <p:sp>
+            <p:nvSpPr>
+              <p:cNvPr id="10" name="TextBox 9">
+                <a:extLst>
+                  <a:ext uri="{FF2B5EF4-FFF2-40B4-BE49-F238E27FC236}">
+                    <a16:creationId xmlns:a16="http://schemas.microsoft.com/office/drawing/2014/main" id="{A6FE97DB-67FE-48DF-890F-AA137F9FBDAC}"/>
+                  </a:ext>
+                </a:extLst>
+              </p:cNvPr>
+              <p:cNvSpPr txBox="1">
+                <a:spLocks noRot="1" noChangeAspect="1" noMove="1" noResize="1" noEditPoints="1" noAdjustHandles="1" noChangeArrowheads="1" noChangeShapeType="1" noTextEdit="1"/>
+              </p:cNvSpPr>
+              <p:nvPr/>
+            </p:nvSpPr>
+            <p:spPr>
+              <a:xfrm>
+                <a:off x="3056442" y="3021317"/>
+                <a:ext cx="142731" cy="230256"/>
+              </a:xfrm>
+              <a:prstGeom prst="rect">
+                <a:avLst/>
+              </a:prstGeom>
+              <a:blipFill>
+                <a:blip r:embed="rId3"/>
+                <a:stretch>
+                  <a:fillRect l="-25000" r="-25000" b="-5405"/>
+                </a:stretch>
+              </a:blipFill>
+            </p:spPr>
+            <p:txBody>
+              <a:bodyPr/>
+              <a:lstStyle/>
+              <a:p>
+                <a:r>
+                  <a:rPr lang="en-US">
+                    <a:noFill/>
+                  </a:rPr>
+                  <a:t> </a:t>
+                </a:r>
+              </a:p>
+            </p:txBody>
+          </p:sp>
+        </mc:Fallback>
+      </mc:AlternateContent>
+      <mc:AlternateContent xmlns:mc="http://schemas.openxmlformats.org/markup-compatibility/2006">
+        <mc:Choice xmlns:a14="http://schemas.microsoft.com/office/drawing/2010/main" Requires="a14">
+          <p:sp>
+            <p:nvSpPr>
+              <p:cNvPr id="11" name="TextBox 10">
+                <a:extLst>
+                  <a:ext uri="{FF2B5EF4-FFF2-40B4-BE49-F238E27FC236}">
+                    <a16:creationId xmlns:a16="http://schemas.microsoft.com/office/drawing/2014/main" id="{51EF6962-2ECF-4204-B039-1DB2F5FE1A0C}"/>
+                  </a:ext>
+                </a:extLst>
+              </p:cNvPr>
+              <p:cNvSpPr txBox="1"/>
+              <p:nvPr/>
+            </p:nvSpPr>
+            <p:spPr>
+              <a:xfrm>
+                <a:off x="3404227" y="2748544"/>
+                <a:ext cx="93872" cy="218650"/>
+              </a:xfrm>
+              <a:prstGeom prst="rect">
+                <a:avLst/>
+              </a:prstGeom>
+              <a:noFill/>
+            </p:spPr>
+            <p:txBody>
+              <a:bodyPr wrap="none" lIns="0" rIns="0" rtlCol="0">
+                <a:spAutoFit/>
+              </a:bodyPr>
+              <a:lstStyle/>
+              <a:p>
+                <a:pPr/>
+                <a14:m>
+                  <m:oMathPara xmlns:m="http://schemas.openxmlformats.org/officeDocument/2006/math">
+                    <m:oMathParaPr>
+                      <m:jc m:val="centerGroup"/>
+                    </m:oMathParaPr>
+                    <m:oMath xmlns:m="http://schemas.openxmlformats.org/officeDocument/2006/math">
+                      <m:acc>
+                        <m:accPr>
+                          <m:chr m:val="̂"/>
+                          <m:ctrlPr>
+                            <a:rPr lang="en-US" altLang="zh-CN" sz="800" i="1" smtClean="0">
+                              <a:latin typeface="Cambria Math" panose="02040503050406030204" pitchFamily="18" charset="0"/>
+                            </a:rPr>
+                          </m:ctrlPr>
+                        </m:accPr>
+                        <m:e>
+                          <m:r>
+                            <a:rPr lang="en-US" altLang="zh-CN" sz="800" b="0" i="1" smtClean="0">
+                              <a:latin typeface="Cambria Math" panose="02040503050406030204" pitchFamily="18" charset="0"/>
+                            </a:rPr>
+                            <m:t>𝑁</m:t>
+                          </m:r>
+                        </m:e>
+                      </m:acc>
+                    </m:oMath>
+                  </m:oMathPara>
+                </a14:m>
+                <a:endParaRPr lang="zh-CN" altLang="en-US" sz="800" baseline="-25000" dirty="0"/>
+              </a:p>
+            </p:txBody>
+          </p:sp>
+        </mc:Choice>
+        <mc:Fallback>
+          <p:sp>
+            <p:nvSpPr>
+              <p:cNvPr id="11" name="TextBox 10">
+                <a:extLst>
+                  <a:ext uri="{FF2B5EF4-FFF2-40B4-BE49-F238E27FC236}">
+                    <a16:creationId xmlns:a16="http://schemas.microsoft.com/office/drawing/2014/main" id="{51EF6962-2ECF-4204-B039-1DB2F5FE1A0C}"/>
+                  </a:ext>
+                </a:extLst>
+              </p:cNvPr>
+              <p:cNvSpPr txBox="1">
+                <a:spLocks noRot="1" noChangeAspect="1" noMove="1" noResize="1" noEditPoints="1" noAdjustHandles="1" noChangeArrowheads="1" noChangeShapeType="1" noTextEdit="1"/>
+              </p:cNvSpPr>
+              <p:nvPr/>
+            </p:nvSpPr>
+            <p:spPr>
+              <a:xfrm>
+                <a:off x="3404227" y="2748544"/>
+                <a:ext cx="93872" cy="218650"/>
+              </a:xfrm>
+              <a:prstGeom prst="rect">
+                <a:avLst/>
+              </a:prstGeom>
+              <a:blipFill>
+                <a:blip r:embed="rId4"/>
+                <a:stretch>
+                  <a:fillRect l="-31250" r="-68750"/>
+                </a:stretch>
+              </a:blipFill>
+            </p:spPr>
+            <p:txBody>
+              <a:bodyPr/>
+              <a:lstStyle/>
+              <a:p>
+                <a:r>
+                  <a:rPr lang="en-US">
+                    <a:noFill/>
+                  </a:rPr>
+                  <a:t> </a:t>
+                </a:r>
+              </a:p>
+            </p:txBody>
+          </p:sp>
+        </mc:Fallback>
+      </mc:AlternateContent>
+      <mc:AlternateContent xmlns:mc="http://schemas.openxmlformats.org/markup-compatibility/2006">
+        <mc:Choice xmlns:a14="http://schemas.microsoft.com/office/drawing/2010/main" Requires="a14">
+          <p:sp>
+            <p:nvSpPr>
+              <p:cNvPr id="12" name="TextBox 11">
+                <a:extLst>
+                  <a:ext uri="{FF2B5EF4-FFF2-40B4-BE49-F238E27FC236}">
+                    <a16:creationId xmlns:a16="http://schemas.microsoft.com/office/drawing/2014/main" id="{BC0C661D-5C01-4397-ACDA-C648BA1360E6}"/>
+                  </a:ext>
+                </a:extLst>
+              </p:cNvPr>
+              <p:cNvSpPr txBox="1"/>
+              <p:nvPr/>
+            </p:nvSpPr>
+            <p:spPr>
+              <a:xfrm>
+                <a:off x="3778022" y="2923032"/>
+                <a:ext cx="79188" cy="218650"/>
+              </a:xfrm>
+              <a:prstGeom prst="rect">
+                <a:avLst/>
+              </a:prstGeom>
+              <a:noFill/>
+            </p:spPr>
+            <p:txBody>
+              <a:bodyPr wrap="none" lIns="0" rIns="0" rtlCol="0">
+                <a:spAutoFit/>
+              </a:bodyPr>
+              <a:lstStyle/>
+              <a:p>
+                <a:pPr/>
+                <a14:m>
+                  <m:oMathPara xmlns:m="http://schemas.openxmlformats.org/officeDocument/2006/math">
+                    <m:oMathParaPr>
+                      <m:jc m:val="centerGroup"/>
+                    </m:oMathParaPr>
+                    <m:oMath xmlns:m="http://schemas.openxmlformats.org/officeDocument/2006/math">
+                      <m:acc>
+                        <m:accPr>
+                          <m:chr m:val="̂"/>
+                          <m:ctrlPr>
+                            <a:rPr lang="en-US" altLang="zh-CN" sz="800" i="1" smtClean="0">
+                              <a:latin typeface="Cambria Math" panose="02040503050406030204" pitchFamily="18" charset="0"/>
+                            </a:rPr>
+                          </m:ctrlPr>
+                        </m:accPr>
+                        <m:e>
+                          <m:r>
+                            <a:rPr lang="en-US" altLang="zh-CN" sz="800" b="0" i="1" smtClean="0">
+                              <a:latin typeface="Cambria Math" panose="02040503050406030204" pitchFamily="18" charset="0"/>
+                            </a:rPr>
+                            <m:t>𝑇</m:t>
+                          </m:r>
+                        </m:e>
+                      </m:acc>
+                    </m:oMath>
+                  </m:oMathPara>
+                </a14:m>
+                <a:endParaRPr lang="zh-CN" altLang="en-US" sz="800" baseline="-25000" dirty="0"/>
+              </a:p>
+            </p:txBody>
+          </p:sp>
+        </mc:Choice>
+        <mc:Fallback>
+          <p:sp>
+            <p:nvSpPr>
+              <p:cNvPr id="12" name="TextBox 11">
+                <a:extLst>
+                  <a:ext uri="{FF2B5EF4-FFF2-40B4-BE49-F238E27FC236}">
+                    <a16:creationId xmlns:a16="http://schemas.microsoft.com/office/drawing/2014/main" id="{BC0C661D-5C01-4397-ACDA-C648BA1360E6}"/>
+                  </a:ext>
+                </a:extLst>
+              </p:cNvPr>
+              <p:cNvSpPr txBox="1">
+                <a:spLocks noRot="1" noChangeAspect="1" noMove="1" noResize="1" noEditPoints="1" noAdjustHandles="1" noChangeArrowheads="1" noChangeShapeType="1" noTextEdit="1"/>
+              </p:cNvSpPr>
+              <p:nvPr/>
+            </p:nvSpPr>
+            <p:spPr>
+              <a:xfrm>
+                <a:off x="3778022" y="2923032"/>
+                <a:ext cx="79188" cy="218650"/>
+              </a:xfrm>
+              <a:prstGeom prst="rect">
+                <a:avLst/>
+              </a:prstGeom>
+              <a:blipFill>
+                <a:blip r:embed="rId5"/>
+                <a:stretch>
+                  <a:fillRect l="-38462" r="-76923"/>
+                </a:stretch>
+              </a:blipFill>
+            </p:spPr>
+            <p:txBody>
+              <a:bodyPr/>
+              <a:lstStyle/>
+              <a:p>
+                <a:r>
+                  <a:rPr lang="en-US">
+                    <a:noFill/>
+                  </a:rPr>
+                  <a:t> </a:t>
+                </a:r>
+              </a:p>
+            </p:txBody>
+          </p:sp>
+        </mc:Fallback>
+      </mc:AlternateContent>
+      <p:sp>
+        <p:nvSpPr>
+          <p:cNvPr id="13" name="TextBox 12">
+            <a:extLst>
+              <a:ext uri="{FF2B5EF4-FFF2-40B4-BE49-F238E27FC236}">
+                <a16:creationId xmlns:a16="http://schemas.microsoft.com/office/drawing/2014/main" id="{5B9CCE1D-C34B-41B2-A8CA-7394B62E0806}"/>
+              </a:ext>
+            </a:extLst>
+          </p:cNvPr>
+          <p:cNvSpPr txBox="1">
+            <a:spLocks noChangeAspect="1"/>
+          </p:cNvSpPr>
+          <p:nvPr/>
+        </p:nvSpPr>
+        <p:spPr>
+          <a:xfrm>
+            <a:off x="3430773" y="2406965"/>
+            <a:ext cx="67326" cy="230832"/>
+          </a:xfrm>
+          <a:prstGeom prst="rect">
+            <a:avLst/>
+          </a:prstGeom>
+          <a:noFill/>
+        </p:spPr>
+        <p:txBody>
+          <a:bodyPr wrap="none" lIns="0" rIns="0" rtlCol="0">
+            <a:spAutoFit/>
+          </a:bodyPr>
+          <a:lstStyle/>
+          <a:p>
+            <a:r>
+              <a:rPr lang="en-US" altLang="zh-CN" sz="900" dirty="0"/>
+              <a:t>A</a:t>
+            </a:r>
+            <a:endParaRPr lang="zh-CN" altLang="en-US" sz="900" dirty="0"/>
+          </a:p>
+        </p:txBody>
+      </p:sp>
+      <p:sp>
+        <p:nvSpPr>
+          <p:cNvPr id="14" name="TextBox 13">
+            <a:extLst>
+              <a:ext uri="{FF2B5EF4-FFF2-40B4-BE49-F238E27FC236}">
+                <a16:creationId xmlns:a16="http://schemas.microsoft.com/office/drawing/2014/main" id="{AF1140F9-CCA4-44EB-9E5E-6A0E67C2CD2F}"/>
+              </a:ext>
+            </a:extLst>
+          </p:cNvPr>
+          <p:cNvSpPr txBox="1">
+            <a:spLocks noChangeAspect="1"/>
+          </p:cNvSpPr>
+          <p:nvPr/>
+        </p:nvSpPr>
+        <p:spPr>
+          <a:xfrm>
+            <a:off x="3435581" y="3260343"/>
+            <a:ext cx="62518" cy="230832"/>
+          </a:xfrm>
+          <a:prstGeom prst="rect">
+            <a:avLst/>
+          </a:prstGeom>
+          <a:noFill/>
+        </p:spPr>
+        <p:txBody>
+          <a:bodyPr wrap="none" lIns="0" rIns="0" rtlCol="0">
+            <a:spAutoFit/>
+          </a:bodyPr>
+          <a:lstStyle/>
+          <a:p>
+            <a:r>
+              <a:rPr lang="en-US" altLang="zh-CN" sz="900" dirty="0"/>
+              <a:t>B</a:t>
+            </a:r>
+            <a:endParaRPr lang="zh-CN" altLang="en-US" sz="900" dirty="0"/>
+          </a:p>
+        </p:txBody>
+      </p:sp>
+      <p:cxnSp>
+        <p:nvCxnSpPr>
+          <p:cNvPr id="15" name="Straight Connector 14">
+            <a:extLst>
+              <a:ext uri="{FF2B5EF4-FFF2-40B4-BE49-F238E27FC236}">
+                <a16:creationId xmlns:a16="http://schemas.microsoft.com/office/drawing/2014/main" id="{E2F5965D-0967-4F37-A0B9-0944FBBE0532}"/>
+              </a:ext>
+            </a:extLst>
+          </p:cNvPr>
+          <p:cNvCxnSpPr/>
+          <p:nvPr/>
+        </p:nvCxnSpPr>
+        <p:spPr>
+          <a:xfrm>
+            <a:off x="2977250" y="3011206"/>
+            <a:ext cx="526452" cy="215934"/>
+          </a:xfrm>
+          <a:prstGeom prst="line">
+            <a:avLst/>
+          </a:prstGeom>
+          <a:ln w="9525">
+            <a:solidFill>
+              <a:schemeClr val="tx1"/>
+            </a:solidFill>
+            <a:headEnd type="triangle" w="sm" len="sm"/>
+            <a:tailEnd type="none" w="sm" len="sm"/>
+          </a:ln>
+        </p:spPr>
+        <p:style>
+          <a:lnRef idx="1">
+            <a:schemeClr val="accent1"/>
+          </a:lnRef>
+          <a:fillRef idx="0">
+            <a:schemeClr val="accent1"/>
+          </a:fillRef>
+          <a:effectRef idx="0">
+            <a:schemeClr val="accent1"/>
+          </a:effectRef>
+          <a:fontRef idx="minor">
+            <a:schemeClr val="tx1"/>
+          </a:fontRef>
+        </p:style>
+      </p:cxnSp>
+    </p:spTree>
+    <p:extLst>
+      <p:ext uri="{BB962C8B-B14F-4D97-AF65-F5344CB8AC3E}">
+        <p14:creationId xmlns:p14="http://schemas.microsoft.com/office/powerpoint/2010/main" val="483842107"/>
       </p:ext>
     </p:extLst>
   </p:cSld>

--- a/Word/Diagrams/chapter9/chap 9.figures.pptx
+++ b/Word/Diagrams/chapter9/chap 9.figures.pptx
@@ -5,7 +5,7 @@
     <p:sldMasterId id="2147483660" r:id="rId1"/>
   </p:sldMasterIdLst>
   <p:notesMasterIdLst>
-    <p:notesMasterId r:id="rId22"/>
+    <p:notesMasterId r:id="rId24"/>
   </p:notesMasterIdLst>
   <p:sldIdLst>
     <p:sldId id="306" r:id="rId2"/>
@@ -28,6 +28,8 @@
     <p:sldId id="321" r:id="rId19"/>
     <p:sldId id="322" r:id="rId20"/>
     <p:sldId id="323" r:id="rId21"/>
+    <p:sldId id="324" r:id="rId22"/>
+    <p:sldId id="325" r:id="rId23"/>
   </p:sldIdLst>
   <p:sldSz cx="9144000" cy="6858000" type="screen4x3"/>
   <p:notesSz cx="6858000" cy="9144000"/>
@@ -228,7 +230,7 @@
             <a:fld id="{9CCF083D-F2BC-4786-8C77-844DFCD3515B}" type="datetimeFigureOut">
               <a:rPr lang="zh-TW" altLang="en-US" smtClean="0"/>
               <a:pPr/>
-              <a:t>2021/6/25</a:t>
+              <a:t>2021/6/27</a:t>
             </a:fld>
             <a:endParaRPr lang="zh-TW" altLang="en-US"/>
           </a:p>
@@ -692,7 +694,7 @@
             <a:fld id="{E3D07B0C-BD95-41BE-BB3E-AC75822DF381}" type="datetimeFigureOut">
               <a:rPr lang="en-US" smtClean="0"/>
               <a:pPr/>
-              <a:t>6/25/2021</a:t>
+              <a:t>6/27/2021</a:t>
             </a:fld>
             <a:endParaRPr lang="en-US" dirty="0"/>
           </a:p>
@@ -857,7 +859,7 @@
             <a:fld id="{E3D07B0C-BD95-41BE-BB3E-AC75822DF381}" type="datetimeFigureOut">
               <a:rPr lang="en-US" smtClean="0"/>
               <a:pPr/>
-              <a:t>6/25/2021</a:t>
+              <a:t>6/27/2021</a:t>
             </a:fld>
             <a:endParaRPr lang="en-US" dirty="0"/>
           </a:p>
@@ -1033,7 +1035,7 @@
             <a:fld id="{E3D07B0C-BD95-41BE-BB3E-AC75822DF381}" type="datetimeFigureOut">
               <a:rPr lang="en-US" smtClean="0"/>
               <a:pPr/>
-              <a:t>6/25/2021</a:t>
+              <a:t>6/27/2021</a:t>
             </a:fld>
             <a:endParaRPr lang="en-US" dirty="0"/>
           </a:p>
@@ -1198,7 +1200,7 @@
             <a:fld id="{E3D07B0C-BD95-41BE-BB3E-AC75822DF381}" type="datetimeFigureOut">
               <a:rPr lang="en-US" smtClean="0"/>
               <a:pPr/>
-              <a:t>6/25/2021</a:t>
+              <a:t>6/27/2021</a:t>
             </a:fld>
             <a:endParaRPr lang="en-US" dirty="0"/>
           </a:p>
@@ -1441,7 +1443,7 @@
             <a:fld id="{E3D07B0C-BD95-41BE-BB3E-AC75822DF381}" type="datetimeFigureOut">
               <a:rPr lang="en-US" smtClean="0"/>
               <a:pPr/>
-              <a:t>6/25/2021</a:t>
+              <a:t>6/27/2021</a:t>
             </a:fld>
             <a:endParaRPr lang="en-US" dirty="0"/>
           </a:p>
@@ -1725,7 +1727,7 @@
             <a:fld id="{E3D07B0C-BD95-41BE-BB3E-AC75822DF381}" type="datetimeFigureOut">
               <a:rPr lang="en-US" smtClean="0"/>
               <a:pPr/>
-              <a:t>6/25/2021</a:t>
+              <a:t>6/27/2021</a:t>
             </a:fld>
             <a:endParaRPr lang="en-US" dirty="0"/>
           </a:p>
@@ -2154,7 +2156,7 @@
             <a:fld id="{E3D07B0C-BD95-41BE-BB3E-AC75822DF381}" type="datetimeFigureOut">
               <a:rPr lang="en-US" smtClean="0"/>
               <a:pPr/>
-              <a:t>6/25/2021</a:t>
+              <a:t>6/27/2021</a:t>
             </a:fld>
             <a:endParaRPr lang="en-US" dirty="0"/>
           </a:p>
@@ -2268,7 +2270,7 @@
             <a:fld id="{E3D07B0C-BD95-41BE-BB3E-AC75822DF381}" type="datetimeFigureOut">
               <a:rPr lang="en-US" smtClean="0"/>
               <a:pPr/>
-              <a:t>6/25/2021</a:t>
+              <a:t>6/27/2021</a:t>
             </a:fld>
             <a:endParaRPr lang="en-US" dirty="0"/>
           </a:p>
@@ -2360,7 +2362,7 @@
             <a:fld id="{E3D07B0C-BD95-41BE-BB3E-AC75822DF381}" type="datetimeFigureOut">
               <a:rPr lang="en-US" smtClean="0"/>
               <a:pPr/>
-              <a:t>6/25/2021</a:t>
+              <a:t>6/27/2021</a:t>
             </a:fld>
             <a:endParaRPr lang="en-US" dirty="0"/>
           </a:p>
@@ -2551,7 +2553,7 @@
             <a:fld id="{E3D07B0C-BD95-41BE-BB3E-AC75822DF381}" type="datetimeFigureOut">
               <a:rPr lang="en-US" smtClean="0"/>
               <a:pPr/>
-              <a:t>6/25/2021</a:t>
+              <a:t>6/27/2021</a:t>
             </a:fld>
             <a:endParaRPr lang="en-US" dirty="0"/>
           </a:p>
@@ -2869,7 +2871,7 @@
             <a:fld id="{E3D07B0C-BD95-41BE-BB3E-AC75822DF381}" type="datetimeFigureOut">
               <a:rPr lang="en-US" smtClean="0"/>
               <a:pPr/>
-              <a:t>6/25/2021</a:t>
+              <a:t>6/27/2021</a:t>
             </a:fld>
             <a:endParaRPr lang="en-US" dirty="0"/>
           </a:p>
@@ -3251,7 +3253,7 @@
             <a:fld id="{E3D07B0C-BD95-41BE-BB3E-AC75822DF381}" type="datetimeFigureOut">
               <a:rPr lang="en-US" smtClean="0"/>
               <a:pPr/>
-              <a:t>6/25/2021</a:t>
+              <a:t>6/27/2021</a:t>
             </a:fld>
             <a:endParaRPr lang="en-US" dirty="0"/>
           </a:p>
@@ -19209,8 +19211,8 @@
           </a:fontRef>
         </p:style>
       </p:cxnSp>
-      <mc:AlternateContent xmlns:mc="http://schemas.openxmlformats.org/markup-compatibility/2006">
-        <mc:Choice xmlns:a14="http://schemas.microsoft.com/office/drawing/2010/main" Requires="a14">
+      <mc:AlternateContent xmlns:mc="http://schemas.openxmlformats.org/markup-compatibility/2006" xmlns:a14="http://schemas.microsoft.com/office/drawing/2010/main">
+        <mc:Choice Requires="a14">
           <p:sp>
             <p:nvSpPr>
               <p:cNvPr id="8" name="TextBox 7">
@@ -19270,7 +19272,7 @@
             </p:txBody>
           </p:sp>
         </mc:Choice>
-        <mc:Fallback>
+        <mc:Fallback xmlns="">
           <p:sp>
             <p:nvSpPr>
               <p:cNvPr id="8" name="TextBox 7">
@@ -19315,8 +19317,8 @@
           </p:sp>
         </mc:Fallback>
       </mc:AlternateContent>
-      <mc:AlternateContent xmlns:mc="http://schemas.openxmlformats.org/markup-compatibility/2006">
-        <mc:Choice xmlns:a14="http://schemas.microsoft.com/office/drawing/2010/main" Requires="a14">
+      <mc:AlternateContent xmlns:mc="http://schemas.openxmlformats.org/markup-compatibility/2006" xmlns:a14="http://schemas.microsoft.com/office/drawing/2010/main">
+        <mc:Choice Requires="a14">
           <p:sp>
             <p:nvSpPr>
               <p:cNvPr id="9" name="TextBox 8">
@@ -19376,7 +19378,7 @@
             </p:txBody>
           </p:sp>
         </mc:Choice>
-        <mc:Fallback>
+        <mc:Fallback xmlns="">
           <p:sp>
             <p:nvSpPr>
               <p:cNvPr id="9" name="TextBox 8">
@@ -19421,8 +19423,8 @@
           </p:sp>
         </mc:Fallback>
       </mc:AlternateContent>
-      <mc:AlternateContent xmlns:mc="http://schemas.openxmlformats.org/markup-compatibility/2006">
-        <mc:Choice xmlns:a14="http://schemas.microsoft.com/office/drawing/2010/main" Requires="a14">
+      <mc:AlternateContent xmlns:mc="http://schemas.openxmlformats.org/markup-compatibility/2006" xmlns:a14="http://schemas.microsoft.com/office/drawing/2010/main">
+        <mc:Choice Requires="a14">
           <p:sp>
             <p:nvSpPr>
               <p:cNvPr id="10" name="TextBox 9">
@@ -19490,7 +19492,7 @@
             </p:txBody>
           </p:sp>
         </mc:Choice>
-        <mc:Fallback>
+        <mc:Fallback xmlns="">
           <p:sp>
             <p:nvSpPr>
               <p:cNvPr id="10" name="TextBox 9">
@@ -19535,8 +19537,8 @@
           </p:sp>
         </mc:Fallback>
       </mc:AlternateContent>
-      <mc:AlternateContent xmlns:mc="http://schemas.openxmlformats.org/markup-compatibility/2006">
-        <mc:Choice xmlns:a14="http://schemas.microsoft.com/office/drawing/2010/main" Requires="a14">
+      <mc:AlternateContent xmlns:mc="http://schemas.openxmlformats.org/markup-compatibility/2006" xmlns:a14="http://schemas.microsoft.com/office/drawing/2010/main">
+        <mc:Choice Requires="a14">
           <p:sp>
             <p:nvSpPr>
               <p:cNvPr id="11" name="TextBox 10">
@@ -19598,7 +19600,7 @@
             </p:txBody>
           </p:sp>
         </mc:Choice>
-        <mc:Fallback>
+        <mc:Fallback xmlns="">
           <p:sp>
             <p:nvSpPr>
               <p:cNvPr id="11" name="TextBox 10">
@@ -19948,8 +19950,8 @@
           </a:fontRef>
         </p:style>
       </p:cxnSp>
-      <mc:AlternateContent xmlns:mc="http://schemas.openxmlformats.org/markup-compatibility/2006">
-        <mc:Choice xmlns:a14="http://schemas.microsoft.com/office/drawing/2010/main" Requires="a14">
+      <mc:AlternateContent xmlns:mc="http://schemas.openxmlformats.org/markup-compatibility/2006" xmlns:a14="http://schemas.microsoft.com/office/drawing/2010/main">
+        <mc:Choice Requires="a14">
           <p:sp>
             <p:nvSpPr>
               <p:cNvPr id="19" name="TextBox 18">
@@ -20011,7 +20013,7 @@
             </p:txBody>
           </p:sp>
         </mc:Choice>
-        <mc:Fallback>
+        <mc:Fallback xmlns="">
           <p:sp>
             <p:nvSpPr>
               <p:cNvPr id="19" name="TextBox 18">
@@ -20056,8 +20058,8 @@
           </p:sp>
         </mc:Fallback>
       </mc:AlternateContent>
-      <mc:AlternateContent xmlns:mc="http://schemas.openxmlformats.org/markup-compatibility/2006">
-        <mc:Choice xmlns:a14="http://schemas.microsoft.com/office/drawing/2010/main" Requires="a14">
+      <mc:AlternateContent xmlns:mc="http://schemas.openxmlformats.org/markup-compatibility/2006" xmlns:a14="http://schemas.microsoft.com/office/drawing/2010/main">
+        <mc:Choice Requires="a14">
           <p:sp>
             <p:nvSpPr>
               <p:cNvPr id="20" name="TextBox 19">
@@ -20119,7 +20121,7 @@
             </p:txBody>
           </p:sp>
         </mc:Choice>
-        <mc:Fallback>
+        <mc:Fallback xmlns="">
           <p:sp>
             <p:nvSpPr>
               <p:cNvPr id="20" name="TextBox 19">
@@ -21912,8 +21914,8 @@
           </a:fontRef>
         </p:style>
       </p:cxnSp>
-      <mc:AlternateContent xmlns:mc="http://schemas.openxmlformats.org/markup-compatibility/2006">
-        <mc:Choice xmlns:a14="http://schemas.microsoft.com/office/drawing/2010/main" Requires="a14">
+      <mc:AlternateContent xmlns:mc="http://schemas.openxmlformats.org/markup-compatibility/2006" xmlns:a14="http://schemas.microsoft.com/office/drawing/2010/main">
+        <mc:Choice Requires="a14">
           <p:sp>
             <p:nvSpPr>
               <p:cNvPr id="9" name="TextBox 8">
@@ -21973,7 +21975,7 @@
             </p:txBody>
           </p:sp>
         </mc:Choice>
-        <mc:Fallback>
+        <mc:Fallback xmlns="">
           <p:sp>
             <p:nvSpPr>
               <p:cNvPr id="9" name="TextBox 8">
@@ -22018,8 +22020,8 @@
           </p:sp>
         </mc:Fallback>
       </mc:AlternateContent>
-      <mc:AlternateContent xmlns:mc="http://schemas.openxmlformats.org/markup-compatibility/2006">
-        <mc:Choice xmlns:a14="http://schemas.microsoft.com/office/drawing/2010/main" Requires="a14">
+      <mc:AlternateContent xmlns:mc="http://schemas.openxmlformats.org/markup-compatibility/2006" xmlns:a14="http://schemas.microsoft.com/office/drawing/2010/main">
+        <mc:Choice Requires="a14">
           <p:sp>
             <p:nvSpPr>
               <p:cNvPr id="10" name="TextBox 9">
@@ -22079,7 +22081,7 @@
             </p:txBody>
           </p:sp>
         </mc:Choice>
-        <mc:Fallback>
+        <mc:Fallback xmlns="">
           <p:sp>
             <p:nvSpPr>
               <p:cNvPr id="10" name="TextBox 9">
@@ -22124,8 +22126,8 @@
           </p:sp>
         </mc:Fallback>
       </mc:AlternateContent>
-      <mc:AlternateContent xmlns:mc="http://schemas.openxmlformats.org/markup-compatibility/2006">
-        <mc:Choice xmlns:a14="http://schemas.microsoft.com/office/drawing/2010/main" Requires="a14">
+      <mc:AlternateContent xmlns:mc="http://schemas.openxmlformats.org/markup-compatibility/2006" xmlns:a14="http://schemas.microsoft.com/office/drawing/2010/main">
+        <mc:Choice Requires="a14">
           <p:sp>
             <p:nvSpPr>
               <p:cNvPr id="11" name="TextBox 10">
@@ -22187,7 +22189,7 @@
             </p:txBody>
           </p:sp>
         </mc:Choice>
-        <mc:Fallback>
+        <mc:Fallback xmlns="">
           <p:sp>
             <p:nvSpPr>
               <p:cNvPr id="11" name="TextBox 10">
@@ -22232,8 +22234,8 @@
           </p:sp>
         </mc:Fallback>
       </mc:AlternateContent>
-      <mc:AlternateContent xmlns:mc="http://schemas.openxmlformats.org/markup-compatibility/2006">
-        <mc:Choice xmlns:a14="http://schemas.microsoft.com/office/drawing/2010/main" Requires="a14">
+      <mc:AlternateContent xmlns:mc="http://schemas.openxmlformats.org/markup-compatibility/2006" xmlns:a14="http://schemas.microsoft.com/office/drawing/2010/main">
+        <mc:Choice Requires="a14">
           <p:sp>
             <p:nvSpPr>
               <p:cNvPr id="12" name="TextBox 11">
@@ -22295,7 +22297,7 @@
             </p:txBody>
           </p:sp>
         </mc:Choice>
-        <mc:Fallback>
+        <mc:Fallback xmlns="">
           <p:sp>
             <p:nvSpPr>
               <p:cNvPr id="12" name="TextBox 11">
@@ -22463,6 +22465,2124 @@
     <p:extLst>
       <p:ext uri="{BB962C8B-B14F-4D97-AF65-F5344CB8AC3E}">
         <p14:creationId xmlns:p14="http://schemas.microsoft.com/office/powerpoint/2010/main" val="483842107"/>
+      </p:ext>
+    </p:extLst>
+  </p:cSld>
+  <p:clrMapOvr>
+    <a:masterClrMapping/>
+  </p:clrMapOvr>
+</p:sld>
+</file>
+
+<file path=ppt/slides/slide21.xml><?xml version="1.0" encoding="utf-8"?>
+<p:sld xmlns:a="http://schemas.openxmlformats.org/drawingml/2006/main" xmlns:r="http://schemas.openxmlformats.org/officeDocument/2006/relationships" xmlns:p="http://schemas.openxmlformats.org/presentationml/2006/main">
+  <p:cSld>
+    <p:spTree>
+      <p:nvGrpSpPr>
+        <p:cNvPr id="1" name=""/>
+        <p:cNvGrpSpPr/>
+        <p:nvPr/>
+      </p:nvGrpSpPr>
+      <p:grpSpPr>
+        <a:xfrm>
+          <a:off x="0" y="0"/>
+          <a:ext cx="0" cy="0"/>
+          <a:chOff x="0" y="0"/>
+          <a:chExt cx="0" cy="0"/>
+        </a:xfrm>
+      </p:grpSpPr>
+      <p:sp>
+        <p:nvSpPr>
+          <p:cNvPr id="2" name="Rectangle 1">
+            <a:extLst>
+              <a:ext uri="{FF2B5EF4-FFF2-40B4-BE49-F238E27FC236}">
+                <a16:creationId xmlns:a16="http://schemas.microsoft.com/office/drawing/2014/main" id="{6D370F31-A304-4D50-A94A-FA1851FBE3F1}"/>
+              </a:ext>
+            </a:extLst>
+          </p:cNvPr>
+          <p:cNvSpPr/>
+          <p:nvPr/>
+        </p:nvSpPr>
+        <p:spPr>
+          <a:xfrm>
+            <a:off x="1652016" y="1829016"/>
+            <a:ext cx="4267200" cy="2324099"/>
+          </a:xfrm>
+          <a:prstGeom prst="rect">
+            <a:avLst/>
+          </a:prstGeom>
+          <a:noFill/>
+          <a:ln w="9525">
+            <a:prstDash val="sysDash"/>
+          </a:ln>
+        </p:spPr>
+        <p:style>
+          <a:lnRef idx="2">
+            <a:schemeClr val="accent1">
+              <a:shade val="50000"/>
+            </a:schemeClr>
+          </a:lnRef>
+          <a:fillRef idx="1">
+            <a:schemeClr val="accent1"/>
+          </a:fillRef>
+          <a:effectRef idx="0">
+            <a:schemeClr val="accent1"/>
+          </a:effectRef>
+          <a:fontRef idx="minor">
+            <a:schemeClr val="lt1"/>
+          </a:fontRef>
+        </p:style>
+        <p:txBody>
+          <a:bodyPr rtlCol="0" anchor="ctr"/>
+          <a:lstStyle/>
+          <a:p>
+            <a:pPr algn="ctr"/>
+            <a:endParaRPr lang="en-US" sz="800"/>
+          </a:p>
+        </p:txBody>
+      </p:sp>
+      <p:sp>
+        <p:nvSpPr>
+          <p:cNvPr id="3" name="TextBox 2">
+            <a:extLst>
+              <a:ext uri="{FF2B5EF4-FFF2-40B4-BE49-F238E27FC236}">
+                <a16:creationId xmlns:a16="http://schemas.microsoft.com/office/drawing/2014/main" id="{7706EFFA-FE9E-4953-9EC4-D5DE5BB6E9EA}"/>
+              </a:ext>
+            </a:extLst>
+          </p:cNvPr>
+          <p:cNvSpPr txBox="1"/>
+          <p:nvPr/>
+        </p:nvSpPr>
+        <p:spPr>
+          <a:xfrm>
+            <a:off x="3056442" y="4301734"/>
+            <a:ext cx="2125158" cy="338554"/>
+          </a:xfrm>
+          <a:prstGeom prst="rect">
+            <a:avLst/>
+          </a:prstGeom>
+          <a:noFill/>
+          <a:ln>
+            <a:noFill/>
+          </a:ln>
+        </p:spPr>
+        <p:txBody>
+          <a:bodyPr wrap="square" lIns="0" rIns="0" rtlCol="0">
+            <a:spAutoFit/>
+          </a:bodyPr>
+          <a:lstStyle/>
+          <a:p>
+            <a:r>
+              <a:rPr lang="en-US" altLang="zh-TW" sz="1600" dirty="0"/>
+              <a:t>Figure 9-28</a:t>
+            </a:r>
+            <a:endParaRPr lang="zh-TW" altLang="en-US" sz="1600" baseline="-25000" dirty="0"/>
+          </a:p>
+        </p:txBody>
+      </p:sp>
+      <p:sp>
+        <p:nvSpPr>
+          <p:cNvPr id="4" name="Rectangle 3">
+            <a:extLst>
+              <a:ext uri="{FF2B5EF4-FFF2-40B4-BE49-F238E27FC236}">
+                <a16:creationId xmlns:a16="http://schemas.microsoft.com/office/drawing/2014/main" id="{BCA871AE-DA83-474A-9728-E3CF40ADF98C}"/>
+              </a:ext>
+            </a:extLst>
+          </p:cNvPr>
+          <p:cNvSpPr/>
+          <p:nvPr/>
+        </p:nvSpPr>
+        <p:spPr>
+          <a:xfrm>
+            <a:off x="3268265" y="2755715"/>
+            <a:ext cx="457200" cy="736387"/>
+          </a:xfrm>
+          <a:prstGeom prst="rect">
+            <a:avLst/>
+          </a:prstGeom>
+          <a:noFill/>
+          <a:ln w="12700">
+            <a:solidFill>
+              <a:schemeClr val="tx1"/>
+            </a:solidFill>
+          </a:ln>
+        </p:spPr>
+        <p:style>
+          <a:lnRef idx="2">
+            <a:schemeClr val="accent1">
+              <a:shade val="50000"/>
+            </a:schemeClr>
+          </a:lnRef>
+          <a:fillRef idx="1">
+            <a:schemeClr val="accent1"/>
+          </a:fillRef>
+          <a:effectRef idx="0">
+            <a:schemeClr val="accent1"/>
+          </a:effectRef>
+          <a:fontRef idx="minor">
+            <a:schemeClr val="lt1"/>
+          </a:fontRef>
+        </p:style>
+        <p:txBody>
+          <a:bodyPr rtlCol="0" anchor="ctr"/>
+          <a:lstStyle/>
+          <a:p>
+            <a:pPr algn="ctr"/>
+            <a:endParaRPr lang="en-US"/>
+          </a:p>
+        </p:txBody>
+      </p:sp>
+      <p:cxnSp>
+        <p:nvCxnSpPr>
+          <p:cNvPr id="5" name="Straight Connector 4">
+            <a:extLst>
+              <a:ext uri="{FF2B5EF4-FFF2-40B4-BE49-F238E27FC236}">
+                <a16:creationId xmlns:a16="http://schemas.microsoft.com/office/drawing/2014/main" id="{C3F8E844-5A55-40EE-8140-96CF9D7461A2}"/>
+              </a:ext>
+            </a:extLst>
+          </p:cNvPr>
+          <p:cNvCxnSpPr/>
+          <p:nvPr/>
+        </p:nvCxnSpPr>
+        <p:spPr>
+          <a:xfrm>
+            <a:off x="3268265" y="3383912"/>
+            <a:ext cx="594360" cy="463"/>
+          </a:xfrm>
+          <a:prstGeom prst="line">
+            <a:avLst/>
+          </a:prstGeom>
+          <a:ln w="9525">
+            <a:solidFill>
+              <a:schemeClr val="tx1"/>
+            </a:solidFill>
+            <a:tailEnd type="triangle" w="sm" len="sm"/>
+          </a:ln>
+        </p:spPr>
+        <p:style>
+          <a:lnRef idx="1">
+            <a:schemeClr val="accent1"/>
+          </a:lnRef>
+          <a:fillRef idx="0">
+            <a:schemeClr val="accent1"/>
+          </a:fillRef>
+          <a:effectRef idx="0">
+            <a:schemeClr val="accent1"/>
+          </a:effectRef>
+          <a:fontRef idx="minor">
+            <a:schemeClr val="tx1"/>
+          </a:fontRef>
+        </p:style>
+      </p:cxnSp>
+      <p:sp>
+        <p:nvSpPr>
+          <p:cNvPr id="6" name="椭圆 35">
+            <a:extLst>
+              <a:ext uri="{FF2B5EF4-FFF2-40B4-BE49-F238E27FC236}">
+                <a16:creationId xmlns:a16="http://schemas.microsoft.com/office/drawing/2014/main" id="{6F03759A-60AC-4AC0-948C-9B8B0B9D9D1E}"/>
+              </a:ext>
+            </a:extLst>
+          </p:cNvPr>
+          <p:cNvSpPr/>
+          <p:nvPr/>
+        </p:nvSpPr>
+        <p:spPr>
+          <a:xfrm>
+            <a:off x="3478865" y="3105908"/>
+            <a:ext cx="36000" cy="36000"/>
+          </a:xfrm>
+          <a:prstGeom prst="ellipse">
+            <a:avLst/>
+          </a:prstGeom>
+          <a:solidFill>
+            <a:schemeClr val="tx1"/>
+          </a:solidFill>
+          <a:ln>
+            <a:noFill/>
+          </a:ln>
+        </p:spPr>
+        <p:style>
+          <a:lnRef idx="2">
+            <a:schemeClr val="accent1">
+              <a:shade val="50000"/>
+            </a:schemeClr>
+          </a:lnRef>
+          <a:fillRef idx="1">
+            <a:schemeClr val="accent1"/>
+          </a:fillRef>
+          <a:effectRef idx="0">
+            <a:schemeClr val="accent1"/>
+          </a:effectRef>
+          <a:fontRef idx="minor">
+            <a:schemeClr val="lt1"/>
+          </a:fontRef>
+        </p:style>
+        <p:txBody>
+          <a:bodyPr rtlCol="0" anchor="ctr"/>
+          <a:lstStyle/>
+          <a:p>
+            <a:pPr algn="ctr"/>
+            <a:endParaRPr lang="zh-CN" altLang="en-US"/>
+          </a:p>
+        </p:txBody>
+      </p:sp>
+      <p:sp>
+        <p:nvSpPr>
+          <p:cNvPr id="7" name="椭圆 35">
+            <a:extLst>
+              <a:ext uri="{FF2B5EF4-FFF2-40B4-BE49-F238E27FC236}">
+                <a16:creationId xmlns:a16="http://schemas.microsoft.com/office/drawing/2014/main" id="{2350497D-6493-4C1D-B789-2C886844105E}"/>
+              </a:ext>
+            </a:extLst>
+          </p:cNvPr>
+          <p:cNvSpPr/>
+          <p:nvPr/>
+        </p:nvSpPr>
+        <p:spPr>
+          <a:xfrm>
+            <a:off x="3248553" y="3370085"/>
+            <a:ext cx="36000" cy="36000"/>
+          </a:xfrm>
+          <a:prstGeom prst="ellipse">
+            <a:avLst/>
+          </a:prstGeom>
+          <a:solidFill>
+            <a:schemeClr val="tx1"/>
+          </a:solidFill>
+          <a:ln>
+            <a:noFill/>
+          </a:ln>
+        </p:spPr>
+        <p:style>
+          <a:lnRef idx="2">
+            <a:schemeClr val="accent1">
+              <a:shade val="50000"/>
+            </a:schemeClr>
+          </a:lnRef>
+          <a:fillRef idx="1">
+            <a:schemeClr val="accent1"/>
+          </a:fillRef>
+          <a:effectRef idx="0">
+            <a:schemeClr val="accent1"/>
+          </a:effectRef>
+          <a:fontRef idx="minor">
+            <a:schemeClr val="lt1"/>
+          </a:fontRef>
+        </p:style>
+        <p:txBody>
+          <a:bodyPr rtlCol="0" anchor="ctr"/>
+          <a:lstStyle/>
+          <a:p>
+            <a:pPr algn="ctr"/>
+            <a:endParaRPr lang="zh-CN" altLang="en-US"/>
+          </a:p>
+        </p:txBody>
+      </p:sp>
+      <p:cxnSp>
+        <p:nvCxnSpPr>
+          <p:cNvPr id="8" name="Straight Connector 7">
+            <a:extLst>
+              <a:ext uri="{FF2B5EF4-FFF2-40B4-BE49-F238E27FC236}">
+                <a16:creationId xmlns:a16="http://schemas.microsoft.com/office/drawing/2014/main" id="{2DD9CB33-9CAC-4BE9-A400-5B9AF945645C}"/>
+              </a:ext>
+            </a:extLst>
+          </p:cNvPr>
+          <p:cNvCxnSpPr>
+            <a:stCxn id="6" idx="3"/>
+            <a:endCxn id="7" idx="7"/>
+          </p:cNvCxnSpPr>
+          <p:nvPr/>
+        </p:nvCxnSpPr>
+        <p:spPr>
+          <a:xfrm flipH="1">
+            <a:off x="3279281" y="3136636"/>
+            <a:ext cx="204856" cy="238721"/>
+          </a:xfrm>
+          <a:prstGeom prst="line">
+            <a:avLst/>
+          </a:prstGeom>
+          <a:ln w="9525">
+            <a:solidFill>
+              <a:schemeClr val="tx1"/>
+            </a:solidFill>
+            <a:tailEnd type="triangle" w="sm" len="sm"/>
+          </a:ln>
+        </p:spPr>
+        <p:style>
+          <a:lnRef idx="1">
+            <a:schemeClr val="accent1"/>
+          </a:lnRef>
+          <a:fillRef idx="0">
+            <a:schemeClr val="accent1"/>
+          </a:fillRef>
+          <a:effectRef idx="0">
+            <a:schemeClr val="accent1"/>
+          </a:effectRef>
+          <a:fontRef idx="minor">
+            <a:schemeClr val="tx1"/>
+          </a:fontRef>
+        </p:style>
+      </p:cxnSp>
+      <p:cxnSp>
+        <p:nvCxnSpPr>
+          <p:cNvPr id="9" name="Straight Connector 8">
+            <a:extLst>
+              <a:ext uri="{FF2B5EF4-FFF2-40B4-BE49-F238E27FC236}">
+                <a16:creationId xmlns:a16="http://schemas.microsoft.com/office/drawing/2014/main" id="{3701B1C8-87C3-4274-B8D3-949617EA5ECD}"/>
+              </a:ext>
+            </a:extLst>
+          </p:cNvPr>
+          <p:cNvCxnSpPr/>
+          <p:nvPr/>
+        </p:nvCxnSpPr>
+        <p:spPr>
+          <a:xfrm>
+            <a:off x="3493722" y="3122940"/>
+            <a:ext cx="548640" cy="0"/>
+          </a:xfrm>
+          <a:prstGeom prst="line">
+            <a:avLst/>
+          </a:prstGeom>
+          <a:ln w="9525">
+            <a:solidFill>
+              <a:schemeClr val="tx1"/>
+            </a:solidFill>
+            <a:tailEnd type="triangle" w="sm" len="sm"/>
+          </a:ln>
+        </p:spPr>
+        <p:style>
+          <a:lnRef idx="1">
+            <a:schemeClr val="accent1"/>
+          </a:lnRef>
+          <a:fillRef idx="0">
+            <a:schemeClr val="accent1"/>
+          </a:fillRef>
+          <a:effectRef idx="0">
+            <a:schemeClr val="accent1"/>
+          </a:effectRef>
+          <a:fontRef idx="minor">
+            <a:schemeClr val="tx1"/>
+          </a:fontRef>
+        </p:style>
+      </p:cxnSp>
+      <mc:AlternateContent xmlns:mc="http://schemas.openxmlformats.org/markup-compatibility/2006">
+        <mc:Choice xmlns:a14="http://schemas.microsoft.com/office/drawing/2010/main" Requires="a14">
+          <p:sp>
+            <p:nvSpPr>
+              <p:cNvPr id="10" name="TextBox 9">
+                <a:extLst>
+                  <a:ext uri="{FF2B5EF4-FFF2-40B4-BE49-F238E27FC236}">
+                    <a16:creationId xmlns:a16="http://schemas.microsoft.com/office/drawing/2014/main" id="{570D2F0E-CE59-413F-AFCA-93D09185D680}"/>
+                  </a:ext>
+                </a:extLst>
+              </p:cNvPr>
+              <p:cNvSpPr txBox="1"/>
+              <p:nvPr/>
+            </p:nvSpPr>
+            <p:spPr>
+              <a:xfrm>
+                <a:off x="3889804" y="3254957"/>
+                <a:ext cx="177997" cy="230256"/>
+              </a:xfrm>
+              <a:prstGeom prst="rect">
+                <a:avLst/>
+              </a:prstGeom>
+              <a:noFill/>
+            </p:spPr>
+            <p:txBody>
+              <a:bodyPr wrap="square" lIns="0" rIns="0" rtlCol="0">
+                <a:spAutoFit/>
+              </a:bodyPr>
+              <a:lstStyle/>
+              <a:p>
+                <a14:m>
+                  <m:oMath xmlns:m="http://schemas.openxmlformats.org/officeDocument/2006/math">
+                    <m:acc>
+                      <m:accPr>
+                        <m:chr m:val="⃑"/>
+                        <m:ctrlPr>
+                          <a:rPr lang="en-US" altLang="zh-CN" sz="800" i="1" smtClean="0">
+                            <a:latin typeface="Cambria Math" panose="02040503050406030204" pitchFamily="18" charset="0"/>
+                          </a:rPr>
+                        </m:ctrlPr>
+                      </m:accPr>
+                      <m:e>
+                        <m:r>
+                          <a:rPr lang="en-US" altLang="zh-CN" sz="800" b="0" i="1" smtClean="0">
+                            <a:latin typeface="Cambria Math" panose="02040503050406030204" pitchFamily="18" charset="0"/>
+                          </a:rPr>
+                          <m:t>𝑉</m:t>
+                        </m:r>
+                      </m:e>
+                    </m:acc>
+                  </m:oMath>
+                </a14:m>
+                <a:r>
+                  <a:rPr lang="en-US" altLang="zh-CN" sz="800" baseline="-25000" dirty="0"/>
+                  <a:t>AP1</a:t>
+                </a:r>
+                <a:endParaRPr lang="zh-CN" altLang="en-US" sz="800" baseline="-25000" dirty="0"/>
+              </a:p>
+            </p:txBody>
+          </p:sp>
+        </mc:Choice>
+        <mc:Fallback>
+          <p:sp>
+            <p:nvSpPr>
+              <p:cNvPr id="10" name="TextBox 9">
+                <a:extLst>
+                  <a:ext uri="{FF2B5EF4-FFF2-40B4-BE49-F238E27FC236}">
+                    <a16:creationId xmlns:a16="http://schemas.microsoft.com/office/drawing/2014/main" id="{570D2F0E-CE59-413F-AFCA-93D09185D680}"/>
+                  </a:ext>
+                </a:extLst>
+              </p:cNvPr>
+              <p:cNvSpPr txBox="1">
+                <a:spLocks noRot="1" noChangeAspect="1" noMove="1" noResize="1" noEditPoints="1" noAdjustHandles="1" noChangeArrowheads="1" noChangeShapeType="1" noTextEdit="1"/>
+              </p:cNvSpPr>
+              <p:nvPr/>
+            </p:nvSpPr>
+            <p:spPr>
+              <a:xfrm>
+                <a:off x="3889804" y="3254957"/>
+                <a:ext cx="177997" cy="230256"/>
+              </a:xfrm>
+              <a:prstGeom prst="rect">
+                <a:avLst/>
+              </a:prstGeom>
+              <a:blipFill>
+                <a:blip r:embed="rId2"/>
+                <a:stretch>
+                  <a:fillRect l="-20690" r="-24138" b="-2632"/>
+                </a:stretch>
+              </a:blipFill>
+            </p:spPr>
+            <p:txBody>
+              <a:bodyPr/>
+              <a:lstStyle/>
+              <a:p>
+                <a:r>
+                  <a:rPr lang="en-US">
+                    <a:noFill/>
+                  </a:rPr>
+                  <a:t> </a:t>
+                </a:r>
+              </a:p>
+            </p:txBody>
+          </p:sp>
+        </mc:Fallback>
+      </mc:AlternateContent>
+      <p:sp>
+        <p:nvSpPr>
+          <p:cNvPr id="11" name="TextBox 10">
+            <a:extLst>
+              <a:ext uri="{FF2B5EF4-FFF2-40B4-BE49-F238E27FC236}">
+                <a16:creationId xmlns:a16="http://schemas.microsoft.com/office/drawing/2014/main" id="{B334A0D7-A29B-45E6-A97C-E7631230D1BF}"/>
+              </a:ext>
+            </a:extLst>
+          </p:cNvPr>
+          <p:cNvSpPr txBox="1">
+            <a:spLocks noChangeAspect="1"/>
+          </p:cNvSpPr>
+          <p:nvPr/>
+        </p:nvSpPr>
+        <p:spPr>
+          <a:xfrm>
+            <a:off x="3465141" y="2579654"/>
+            <a:ext cx="67326" cy="230832"/>
+          </a:xfrm>
+          <a:prstGeom prst="rect">
+            <a:avLst/>
+          </a:prstGeom>
+          <a:noFill/>
+        </p:spPr>
+        <p:txBody>
+          <a:bodyPr wrap="none" lIns="0" rIns="0" rtlCol="0">
+            <a:spAutoFit/>
+          </a:bodyPr>
+          <a:lstStyle/>
+          <a:p>
+            <a:r>
+              <a:rPr lang="en-US" altLang="zh-CN" sz="900" dirty="0"/>
+              <a:t>A</a:t>
+            </a:r>
+            <a:endParaRPr lang="zh-CN" altLang="en-US" sz="900" dirty="0"/>
+          </a:p>
+        </p:txBody>
+      </p:sp>
+      <mc:AlternateContent xmlns:mc="http://schemas.openxmlformats.org/markup-compatibility/2006">
+        <mc:Choice xmlns:a14="http://schemas.microsoft.com/office/drawing/2010/main" Requires="a14">
+          <p:sp>
+            <p:nvSpPr>
+              <p:cNvPr id="12" name="TextBox 11">
+                <a:extLst>
+                  <a:ext uri="{FF2B5EF4-FFF2-40B4-BE49-F238E27FC236}">
+                    <a16:creationId xmlns:a16="http://schemas.microsoft.com/office/drawing/2014/main" id="{D771A4BD-D487-42DA-B63D-0329675237C1}"/>
+                  </a:ext>
+                </a:extLst>
+              </p:cNvPr>
+              <p:cNvSpPr txBox="1"/>
+              <p:nvPr/>
+            </p:nvSpPr>
+            <p:spPr>
+              <a:xfrm>
+                <a:off x="4063969" y="2990780"/>
+                <a:ext cx="142731" cy="230256"/>
+              </a:xfrm>
+              <a:prstGeom prst="rect">
+                <a:avLst/>
+              </a:prstGeom>
+              <a:noFill/>
+            </p:spPr>
+            <p:txBody>
+              <a:bodyPr wrap="none" lIns="0" rIns="0" rtlCol="0">
+                <a:spAutoFit/>
+              </a:bodyPr>
+              <a:lstStyle/>
+              <a:p>
+                <a14:m>
+                  <m:oMath xmlns:m="http://schemas.openxmlformats.org/officeDocument/2006/math">
+                    <m:acc>
+                      <m:accPr>
+                        <m:chr m:val="⃑"/>
+                        <m:ctrlPr>
+                          <a:rPr lang="en-US" altLang="zh-CN" sz="800" i="1" smtClean="0">
+                            <a:latin typeface="Cambria Math" panose="02040503050406030204" pitchFamily="18" charset="0"/>
+                          </a:rPr>
+                        </m:ctrlPr>
+                      </m:accPr>
+                      <m:e>
+                        <m:r>
+                          <a:rPr lang="en-US" altLang="zh-CN" sz="800" b="0" i="1" smtClean="0">
+                            <a:latin typeface="Cambria Math" panose="02040503050406030204" pitchFamily="18" charset="0"/>
+                          </a:rPr>
+                          <m:t>𝑉</m:t>
+                        </m:r>
+                      </m:e>
+                    </m:acc>
+                  </m:oMath>
+                </a14:m>
+                <a:r>
+                  <a:rPr lang="en-US" altLang="zh-CN" sz="800" baseline="-25000" dirty="0"/>
+                  <a:t>A1</a:t>
+                </a:r>
+                <a:endParaRPr lang="zh-CN" altLang="en-US" sz="800" baseline="-25000" dirty="0"/>
+              </a:p>
+            </p:txBody>
+          </p:sp>
+        </mc:Choice>
+        <mc:Fallback>
+          <p:sp>
+            <p:nvSpPr>
+              <p:cNvPr id="12" name="TextBox 11">
+                <a:extLst>
+                  <a:ext uri="{FF2B5EF4-FFF2-40B4-BE49-F238E27FC236}">
+                    <a16:creationId xmlns:a16="http://schemas.microsoft.com/office/drawing/2014/main" id="{D771A4BD-D487-42DA-B63D-0329675237C1}"/>
+                  </a:ext>
+                </a:extLst>
+              </p:cNvPr>
+              <p:cNvSpPr txBox="1">
+                <a:spLocks noRot="1" noChangeAspect="1" noMove="1" noResize="1" noEditPoints="1" noAdjustHandles="1" noChangeArrowheads="1" noChangeShapeType="1" noTextEdit="1"/>
+              </p:cNvSpPr>
+              <p:nvPr/>
+            </p:nvSpPr>
+            <p:spPr>
+              <a:xfrm>
+                <a:off x="4063969" y="2990780"/>
+                <a:ext cx="142731" cy="230256"/>
+              </a:xfrm>
+              <a:prstGeom prst="rect">
+                <a:avLst/>
+              </a:prstGeom>
+              <a:blipFill>
+                <a:blip r:embed="rId3"/>
+                <a:stretch>
+                  <a:fillRect l="-26087" r="-30435" b="-5405"/>
+                </a:stretch>
+              </a:blipFill>
+            </p:spPr>
+            <p:txBody>
+              <a:bodyPr/>
+              <a:lstStyle/>
+              <a:p>
+                <a:r>
+                  <a:rPr lang="en-US">
+                    <a:noFill/>
+                  </a:rPr>
+                  <a:t> </a:t>
+                </a:r>
+              </a:p>
+            </p:txBody>
+          </p:sp>
+        </mc:Fallback>
+      </mc:AlternateContent>
+      <mc:AlternateContent xmlns:mc="http://schemas.openxmlformats.org/markup-compatibility/2006">
+        <mc:Choice xmlns:a14="http://schemas.microsoft.com/office/drawing/2010/main" Requires="a14">
+          <p:sp>
+            <p:nvSpPr>
+              <p:cNvPr id="13" name="TextBox 12">
+                <a:extLst>
+                  <a:ext uri="{FF2B5EF4-FFF2-40B4-BE49-F238E27FC236}">
+                    <a16:creationId xmlns:a16="http://schemas.microsoft.com/office/drawing/2014/main" id="{504A28D5-BE8D-4D58-85A2-6211339A5256}"/>
+                  </a:ext>
+                </a:extLst>
+              </p:cNvPr>
+              <p:cNvSpPr txBox="1"/>
+              <p:nvPr/>
+            </p:nvSpPr>
+            <p:spPr>
+              <a:xfrm>
+                <a:off x="3405335" y="3170419"/>
+                <a:ext cx="144078" cy="230256"/>
+              </a:xfrm>
+              <a:prstGeom prst="rect">
+                <a:avLst/>
+              </a:prstGeom>
+              <a:noFill/>
+            </p:spPr>
+            <p:txBody>
+              <a:bodyPr wrap="none" lIns="0" rIns="0" rtlCol="0">
+                <a:spAutoFit/>
+              </a:bodyPr>
+              <a:lstStyle/>
+              <a:p>
+                <a14:m>
+                  <m:oMath xmlns:m="http://schemas.openxmlformats.org/officeDocument/2006/math">
+                    <m:acc>
+                      <m:accPr>
+                        <m:chr m:val="⃑"/>
+                        <m:ctrlPr>
+                          <a:rPr lang="en-US" altLang="zh-CN" sz="800" i="1" smtClean="0">
+                            <a:latin typeface="Cambria Math" panose="02040503050406030204" pitchFamily="18" charset="0"/>
+                          </a:rPr>
+                        </m:ctrlPr>
+                      </m:accPr>
+                      <m:e>
+                        <m:r>
+                          <a:rPr lang="en-US" altLang="zh-CN" sz="800" b="0" i="1" smtClean="0">
+                            <a:latin typeface="Cambria Math" panose="02040503050406030204" pitchFamily="18" charset="0"/>
+                          </a:rPr>
+                          <m:t>𝑅</m:t>
+                        </m:r>
+                      </m:e>
+                    </m:acc>
+                  </m:oMath>
+                </a14:m>
+                <a:r>
+                  <a:rPr lang="en-US" altLang="zh-CN" sz="800" baseline="-25000" dirty="0"/>
+                  <a:t>AP</a:t>
+                </a:r>
+                <a:endParaRPr lang="zh-CN" altLang="en-US" sz="800" baseline="-25000" dirty="0"/>
+              </a:p>
+            </p:txBody>
+          </p:sp>
+        </mc:Choice>
+        <mc:Fallback>
+          <p:sp>
+            <p:nvSpPr>
+              <p:cNvPr id="13" name="TextBox 12">
+                <a:extLst>
+                  <a:ext uri="{FF2B5EF4-FFF2-40B4-BE49-F238E27FC236}">
+                    <a16:creationId xmlns:a16="http://schemas.microsoft.com/office/drawing/2014/main" id="{504A28D5-BE8D-4D58-85A2-6211339A5256}"/>
+                  </a:ext>
+                </a:extLst>
+              </p:cNvPr>
+              <p:cNvSpPr txBox="1">
+                <a:spLocks noRot="1" noChangeAspect="1" noMove="1" noResize="1" noEditPoints="1" noAdjustHandles="1" noChangeArrowheads="1" noChangeShapeType="1" noTextEdit="1"/>
+              </p:cNvSpPr>
+              <p:nvPr/>
+            </p:nvSpPr>
+            <p:spPr>
+              <a:xfrm>
+                <a:off x="3405335" y="3170419"/>
+                <a:ext cx="144078" cy="230256"/>
+              </a:xfrm>
+              <a:prstGeom prst="rect">
+                <a:avLst/>
+              </a:prstGeom>
+              <a:blipFill>
+                <a:blip r:embed="rId4"/>
+                <a:stretch>
+                  <a:fillRect l="-26087" r="-30435" b="-5263"/>
+                </a:stretch>
+              </a:blipFill>
+            </p:spPr>
+            <p:txBody>
+              <a:bodyPr/>
+              <a:lstStyle/>
+              <a:p>
+                <a:r>
+                  <a:rPr lang="en-US">
+                    <a:noFill/>
+                  </a:rPr>
+                  <a:t> </a:t>
+                </a:r>
+              </a:p>
+            </p:txBody>
+          </p:sp>
+        </mc:Fallback>
+      </mc:AlternateContent>
+      <p:sp>
+        <p:nvSpPr>
+          <p:cNvPr id="14" name="TextBox 13">
+            <a:extLst>
+              <a:ext uri="{FF2B5EF4-FFF2-40B4-BE49-F238E27FC236}">
+                <a16:creationId xmlns:a16="http://schemas.microsoft.com/office/drawing/2014/main" id="{8DD5D789-5C3B-4672-AFF3-AC99F0E0A56D}"/>
+              </a:ext>
+            </a:extLst>
+          </p:cNvPr>
+          <p:cNvSpPr txBox="1">
+            <a:spLocks noChangeAspect="1"/>
+          </p:cNvSpPr>
+          <p:nvPr/>
+        </p:nvSpPr>
+        <p:spPr>
+          <a:xfrm>
+            <a:off x="3168561" y="3267239"/>
+            <a:ext cx="52900" cy="215444"/>
+          </a:xfrm>
+          <a:prstGeom prst="rect">
+            <a:avLst/>
+          </a:prstGeom>
+          <a:noFill/>
+        </p:spPr>
+        <p:txBody>
+          <a:bodyPr wrap="none" lIns="0" rIns="0" rtlCol="0">
+            <a:spAutoFit/>
+          </a:bodyPr>
+          <a:lstStyle/>
+          <a:p>
+            <a:r>
+              <a:rPr lang="en-US" altLang="zh-CN" sz="800" dirty="0"/>
+              <a:t>P</a:t>
+            </a:r>
+            <a:endParaRPr lang="zh-CN" altLang="en-US" sz="800" dirty="0"/>
+          </a:p>
+        </p:txBody>
+      </p:sp>
+      <mc:AlternateContent xmlns:mc="http://schemas.openxmlformats.org/markup-compatibility/2006">
+        <mc:Choice xmlns:a14="http://schemas.microsoft.com/office/drawing/2010/main" Requires="a14">
+          <p:sp>
+            <p:nvSpPr>
+              <p:cNvPr id="15" name="TextBox 14">
+                <a:extLst>
+                  <a:ext uri="{FF2B5EF4-FFF2-40B4-BE49-F238E27FC236}">
+                    <a16:creationId xmlns:a16="http://schemas.microsoft.com/office/drawing/2014/main" id="{CF8713CB-839E-4ABF-8B48-009C4499D279}"/>
+                  </a:ext>
+                </a:extLst>
+              </p:cNvPr>
+              <p:cNvSpPr txBox="1"/>
+              <p:nvPr/>
+            </p:nvSpPr>
+            <p:spPr>
+              <a:xfrm>
+                <a:off x="3346771" y="3509133"/>
+                <a:ext cx="152286" cy="212622"/>
+              </a:xfrm>
+              <a:prstGeom prst="rect">
+                <a:avLst/>
+              </a:prstGeom>
+              <a:noFill/>
+            </p:spPr>
+            <p:txBody>
+              <a:bodyPr wrap="none" lIns="0" rIns="0" rtlCol="0">
+                <a:spAutoFit/>
+              </a:bodyPr>
+              <a:lstStyle/>
+              <a:p>
+                <a14:m>
+                  <m:oMath xmlns:m="http://schemas.openxmlformats.org/officeDocument/2006/math">
+                    <m:acc>
+                      <m:accPr>
+                        <m:chr m:val="⃑"/>
+                        <m:ctrlPr>
+                          <a:rPr lang="en-US" altLang="zh-CN" sz="800" i="1" smtClean="0">
+                            <a:latin typeface="Cambria Math" panose="02040503050406030204" pitchFamily="18" charset="0"/>
+                          </a:rPr>
+                        </m:ctrlPr>
+                      </m:accPr>
+                      <m:e>
+                        <m:r>
+                          <m:rPr>
+                            <m:sty m:val="p"/>
+                          </m:rPr>
+                          <a:rPr lang="el-GR" altLang="zh-CN" sz="800" i="1" smtClean="0">
+                            <a:latin typeface="Cambria Math" panose="02040503050406030204" pitchFamily="18" charset="0"/>
+                          </a:rPr>
+                          <m:t>ω</m:t>
+                        </m:r>
+                      </m:e>
+                    </m:acc>
+                  </m:oMath>
+                </a14:m>
+                <a:r>
+                  <a:rPr lang="en-US" altLang="zh-CN" sz="800" baseline="-25000" dirty="0"/>
+                  <a:t>A1</a:t>
+                </a:r>
+                <a:endParaRPr lang="zh-CN" altLang="en-US" sz="800" baseline="-25000" dirty="0"/>
+              </a:p>
+            </p:txBody>
+          </p:sp>
+        </mc:Choice>
+        <mc:Fallback>
+          <p:sp>
+            <p:nvSpPr>
+              <p:cNvPr id="15" name="TextBox 14">
+                <a:extLst>
+                  <a:ext uri="{FF2B5EF4-FFF2-40B4-BE49-F238E27FC236}">
+                    <a16:creationId xmlns:a16="http://schemas.microsoft.com/office/drawing/2014/main" id="{CF8713CB-839E-4ABF-8B48-009C4499D279}"/>
+                  </a:ext>
+                </a:extLst>
+              </p:cNvPr>
+              <p:cNvSpPr txBox="1">
+                <a:spLocks noRot="1" noChangeAspect="1" noMove="1" noResize="1" noEditPoints="1" noAdjustHandles="1" noChangeArrowheads="1" noChangeShapeType="1" noTextEdit="1"/>
+              </p:cNvSpPr>
+              <p:nvPr/>
+            </p:nvSpPr>
+            <p:spPr>
+              <a:xfrm>
+                <a:off x="3346771" y="3509133"/>
+                <a:ext cx="152286" cy="212622"/>
+              </a:xfrm>
+              <a:prstGeom prst="rect">
+                <a:avLst/>
+              </a:prstGeom>
+              <a:blipFill>
+                <a:blip r:embed="rId5"/>
+                <a:stretch>
+                  <a:fillRect l="-16000" r="-28000" b="-2857"/>
+                </a:stretch>
+              </a:blipFill>
+            </p:spPr>
+            <p:txBody>
+              <a:bodyPr/>
+              <a:lstStyle/>
+              <a:p>
+                <a:r>
+                  <a:rPr lang="en-US">
+                    <a:noFill/>
+                  </a:rPr>
+                  <a:t> </a:t>
+                </a:r>
+              </a:p>
+            </p:txBody>
+          </p:sp>
+        </mc:Fallback>
+      </mc:AlternateContent>
+      <p:sp>
+        <p:nvSpPr>
+          <p:cNvPr id="16" name="TextBox 15">
+            <a:extLst>
+              <a:ext uri="{FF2B5EF4-FFF2-40B4-BE49-F238E27FC236}">
+                <a16:creationId xmlns:a16="http://schemas.microsoft.com/office/drawing/2014/main" id="{5339EF5F-61BC-4043-9263-6E73E319C46E}"/>
+              </a:ext>
+            </a:extLst>
+          </p:cNvPr>
+          <p:cNvSpPr txBox="1">
+            <a:spLocks noChangeAspect="1"/>
+          </p:cNvSpPr>
+          <p:nvPr/>
+        </p:nvSpPr>
+        <p:spPr>
+          <a:xfrm>
+            <a:off x="3413785" y="2938993"/>
+            <a:ext cx="280526" cy="215444"/>
+          </a:xfrm>
+          <a:prstGeom prst="rect">
+            <a:avLst/>
+          </a:prstGeom>
+          <a:noFill/>
+        </p:spPr>
+        <p:txBody>
+          <a:bodyPr wrap="none" lIns="0" rIns="0" rtlCol="0">
+            <a:spAutoFit/>
+          </a:bodyPr>
+          <a:lstStyle/>
+          <a:p>
+            <a:r>
+              <a:rPr lang="en-US" altLang="zh-CN" sz="800" dirty="0"/>
+              <a:t>Center</a:t>
+            </a:r>
+            <a:endParaRPr lang="zh-CN" altLang="en-US" sz="800" dirty="0"/>
+          </a:p>
+        </p:txBody>
+      </p:sp>
+      <p:sp>
+        <p:nvSpPr>
+          <p:cNvPr id="17" name="Arc 16">
+            <a:extLst>
+              <a:ext uri="{FF2B5EF4-FFF2-40B4-BE49-F238E27FC236}">
+                <a16:creationId xmlns:a16="http://schemas.microsoft.com/office/drawing/2014/main" id="{8C16806E-4944-4E74-A8AD-A2E47788F59A}"/>
+              </a:ext>
+            </a:extLst>
+          </p:cNvPr>
+          <p:cNvSpPr>
+            <a:spLocks noChangeAspect="1"/>
+          </p:cNvSpPr>
+          <p:nvPr/>
+        </p:nvSpPr>
+        <p:spPr>
+          <a:xfrm rot="10800000">
+            <a:off x="3168560" y="3315686"/>
+            <a:ext cx="291983" cy="290391"/>
+          </a:xfrm>
+          <a:prstGeom prst="arc">
+            <a:avLst/>
+          </a:prstGeom>
+          <a:ln w="9525">
+            <a:solidFill>
+              <a:schemeClr val="tx1"/>
+            </a:solidFill>
+            <a:headEnd type="triangle" w="sm" len="sm"/>
+          </a:ln>
+        </p:spPr>
+        <p:style>
+          <a:lnRef idx="1">
+            <a:schemeClr val="accent1"/>
+          </a:lnRef>
+          <a:fillRef idx="0">
+            <a:schemeClr val="accent1"/>
+          </a:fillRef>
+          <a:effectRef idx="0">
+            <a:schemeClr val="accent1"/>
+          </a:effectRef>
+          <a:fontRef idx="minor">
+            <a:schemeClr val="tx1"/>
+          </a:fontRef>
+        </p:style>
+        <p:txBody>
+          <a:bodyPr rtlCol="0" anchor="ctr"/>
+          <a:lstStyle/>
+          <a:p>
+            <a:pPr algn="ctr"/>
+            <a:endParaRPr lang="en-US"/>
+          </a:p>
+        </p:txBody>
+      </p:sp>
+    </p:spTree>
+    <p:extLst>
+      <p:ext uri="{BB962C8B-B14F-4D97-AF65-F5344CB8AC3E}">
+        <p14:creationId xmlns:p14="http://schemas.microsoft.com/office/powerpoint/2010/main" val="1620025213"/>
+      </p:ext>
+    </p:extLst>
+  </p:cSld>
+  <p:clrMapOvr>
+    <a:masterClrMapping/>
+  </p:clrMapOvr>
+</p:sld>
+</file>
+
+<file path=ppt/slides/slide22.xml><?xml version="1.0" encoding="utf-8"?>
+<p:sld xmlns:a="http://schemas.openxmlformats.org/drawingml/2006/main" xmlns:r="http://schemas.openxmlformats.org/officeDocument/2006/relationships" xmlns:p="http://schemas.openxmlformats.org/presentationml/2006/main">
+  <p:cSld>
+    <p:spTree>
+      <p:nvGrpSpPr>
+        <p:cNvPr id="1" name=""/>
+        <p:cNvGrpSpPr/>
+        <p:nvPr/>
+      </p:nvGrpSpPr>
+      <p:grpSpPr>
+        <a:xfrm>
+          <a:off x="0" y="0"/>
+          <a:ext cx="0" cy="0"/>
+          <a:chOff x="0" y="0"/>
+          <a:chExt cx="0" cy="0"/>
+        </a:xfrm>
+      </p:grpSpPr>
+      <p:sp>
+        <p:nvSpPr>
+          <p:cNvPr id="2" name="Rectangle 1">
+            <a:extLst>
+              <a:ext uri="{FF2B5EF4-FFF2-40B4-BE49-F238E27FC236}">
+                <a16:creationId xmlns:a16="http://schemas.microsoft.com/office/drawing/2014/main" id="{77CA295F-440A-427E-83E0-334FE593271F}"/>
+              </a:ext>
+            </a:extLst>
+          </p:cNvPr>
+          <p:cNvSpPr/>
+          <p:nvPr/>
+        </p:nvSpPr>
+        <p:spPr>
+          <a:xfrm>
+            <a:off x="1652016" y="1829016"/>
+            <a:ext cx="4267200" cy="2324099"/>
+          </a:xfrm>
+          <a:prstGeom prst="rect">
+            <a:avLst/>
+          </a:prstGeom>
+          <a:noFill/>
+          <a:ln w="9525">
+            <a:prstDash val="sysDash"/>
+          </a:ln>
+        </p:spPr>
+        <p:style>
+          <a:lnRef idx="2">
+            <a:schemeClr val="accent1">
+              <a:shade val="50000"/>
+            </a:schemeClr>
+          </a:lnRef>
+          <a:fillRef idx="1">
+            <a:schemeClr val="accent1"/>
+          </a:fillRef>
+          <a:effectRef idx="0">
+            <a:schemeClr val="accent1"/>
+          </a:effectRef>
+          <a:fontRef idx="minor">
+            <a:schemeClr val="lt1"/>
+          </a:fontRef>
+        </p:style>
+        <p:txBody>
+          <a:bodyPr rtlCol="0" anchor="ctr"/>
+          <a:lstStyle/>
+          <a:p>
+            <a:pPr algn="ctr"/>
+            <a:endParaRPr lang="en-US" sz="800"/>
+          </a:p>
+        </p:txBody>
+      </p:sp>
+      <p:sp>
+        <p:nvSpPr>
+          <p:cNvPr id="3" name="TextBox 2">
+            <a:extLst>
+              <a:ext uri="{FF2B5EF4-FFF2-40B4-BE49-F238E27FC236}">
+                <a16:creationId xmlns:a16="http://schemas.microsoft.com/office/drawing/2014/main" id="{77D06B90-3B9E-44A3-AF6F-5C74F978533A}"/>
+              </a:ext>
+            </a:extLst>
+          </p:cNvPr>
+          <p:cNvSpPr txBox="1"/>
+          <p:nvPr/>
+        </p:nvSpPr>
+        <p:spPr>
+          <a:xfrm>
+            <a:off x="3067944" y="4301734"/>
+            <a:ext cx="2125158" cy="338554"/>
+          </a:xfrm>
+          <a:prstGeom prst="rect">
+            <a:avLst/>
+          </a:prstGeom>
+          <a:noFill/>
+          <a:ln>
+            <a:noFill/>
+          </a:ln>
+        </p:spPr>
+        <p:txBody>
+          <a:bodyPr wrap="square" lIns="0" rIns="0" rtlCol="0">
+            <a:spAutoFit/>
+          </a:bodyPr>
+          <a:lstStyle/>
+          <a:p>
+            <a:r>
+              <a:rPr lang="en-US" altLang="zh-TW" sz="1600"/>
+              <a:t>Figure 9-29</a:t>
+            </a:r>
+            <a:endParaRPr lang="zh-TW" altLang="en-US" sz="1600" baseline="-25000" dirty="0"/>
+          </a:p>
+        </p:txBody>
+      </p:sp>
+      <p:sp>
+        <p:nvSpPr>
+          <p:cNvPr id="4" name="Rectangle 3">
+            <a:extLst>
+              <a:ext uri="{FF2B5EF4-FFF2-40B4-BE49-F238E27FC236}">
+                <a16:creationId xmlns:a16="http://schemas.microsoft.com/office/drawing/2014/main" id="{CFC48D93-04D4-4CEA-A875-39CDCFA36248}"/>
+              </a:ext>
+            </a:extLst>
+          </p:cNvPr>
+          <p:cNvSpPr/>
+          <p:nvPr/>
+        </p:nvSpPr>
+        <p:spPr>
+          <a:xfrm>
+            <a:off x="3653579" y="2226628"/>
+            <a:ext cx="457200" cy="736387"/>
+          </a:xfrm>
+          <a:prstGeom prst="rect">
+            <a:avLst/>
+          </a:prstGeom>
+          <a:noFill/>
+          <a:ln w="12700">
+            <a:solidFill>
+              <a:schemeClr val="tx1"/>
+            </a:solidFill>
+          </a:ln>
+        </p:spPr>
+        <p:style>
+          <a:lnRef idx="2">
+            <a:schemeClr val="accent1">
+              <a:shade val="50000"/>
+            </a:schemeClr>
+          </a:lnRef>
+          <a:fillRef idx="1">
+            <a:schemeClr val="accent1"/>
+          </a:fillRef>
+          <a:effectRef idx="0">
+            <a:schemeClr val="accent1"/>
+          </a:effectRef>
+          <a:fontRef idx="minor">
+            <a:schemeClr val="lt1"/>
+          </a:fontRef>
+        </p:style>
+        <p:txBody>
+          <a:bodyPr rtlCol="0" anchor="ctr"/>
+          <a:lstStyle/>
+          <a:p>
+            <a:pPr algn="ctr"/>
+            <a:endParaRPr lang="en-US"/>
+          </a:p>
+        </p:txBody>
+      </p:sp>
+      <p:sp>
+        <p:nvSpPr>
+          <p:cNvPr id="5" name="椭圆 35">
+            <a:extLst>
+              <a:ext uri="{FF2B5EF4-FFF2-40B4-BE49-F238E27FC236}">
+                <a16:creationId xmlns:a16="http://schemas.microsoft.com/office/drawing/2014/main" id="{01E8C49D-3379-40B4-B7A6-E3F1FE83CC90}"/>
+              </a:ext>
+            </a:extLst>
+          </p:cNvPr>
+          <p:cNvSpPr/>
+          <p:nvPr/>
+        </p:nvSpPr>
+        <p:spPr>
+          <a:xfrm>
+            <a:off x="3864179" y="2576821"/>
+            <a:ext cx="36000" cy="36000"/>
+          </a:xfrm>
+          <a:prstGeom prst="ellipse">
+            <a:avLst/>
+          </a:prstGeom>
+          <a:solidFill>
+            <a:schemeClr val="tx1"/>
+          </a:solidFill>
+          <a:ln>
+            <a:noFill/>
+          </a:ln>
+        </p:spPr>
+        <p:style>
+          <a:lnRef idx="2">
+            <a:schemeClr val="accent1">
+              <a:shade val="50000"/>
+            </a:schemeClr>
+          </a:lnRef>
+          <a:fillRef idx="1">
+            <a:schemeClr val="accent1"/>
+          </a:fillRef>
+          <a:effectRef idx="0">
+            <a:schemeClr val="accent1"/>
+          </a:effectRef>
+          <a:fontRef idx="minor">
+            <a:schemeClr val="lt1"/>
+          </a:fontRef>
+        </p:style>
+        <p:txBody>
+          <a:bodyPr rtlCol="0" anchor="ctr"/>
+          <a:lstStyle/>
+          <a:p>
+            <a:pPr algn="ctr"/>
+            <a:endParaRPr lang="zh-CN" altLang="en-US"/>
+          </a:p>
+        </p:txBody>
+      </p:sp>
+      <p:sp>
+        <p:nvSpPr>
+          <p:cNvPr id="6" name="椭圆 35">
+            <a:extLst>
+              <a:ext uri="{FF2B5EF4-FFF2-40B4-BE49-F238E27FC236}">
+                <a16:creationId xmlns:a16="http://schemas.microsoft.com/office/drawing/2014/main" id="{B982A18C-544E-46D3-BD7D-A28FC9D465E1}"/>
+              </a:ext>
+            </a:extLst>
+          </p:cNvPr>
+          <p:cNvSpPr/>
+          <p:nvPr/>
+        </p:nvSpPr>
+        <p:spPr>
+          <a:xfrm>
+            <a:off x="3633867" y="2840998"/>
+            <a:ext cx="36000" cy="36000"/>
+          </a:xfrm>
+          <a:prstGeom prst="ellipse">
+            <a:avLst/>
+          </a:prstGeom>
+          <a:solidFill>
+            <a:schemeClr val="tx1"/>
+          </a:solidFill>
+          <a:ln>
+            <a:noFill/>
+          </a:ln>
+        </p:spPr>
+        <p:style>
+          <a:lnRef idx="2">
+            <a:schemeClr val="accent1">
+              <a:shade val="50000"/>
+            </a:schemeClr>
+          </a:lnRef>
+          <a:fillRef idx="1">
+            <a:schemeClr val="accent1"/>
+          </a:fillRef>
+          <a:effectRef idx="0">
+            <a:schemeClr val="accent1"/>
+          </a:effectRef>
+          <a:fontRef idx="minor">
+            <a:schemeClr val="lt1"/>
+          </a:fontRef>
+        </p:style>
+        <p:txBody>
+          <a:bodyPr rtlCol="0" anchor="ctr"/>
+          <a:lstStyle/>
+          <a:p>
+            <a:pPr algn="ctr"/>
+            <a:endParaRPr lang="zh-CN" altLang="en-US"/>
+          </a:p>
+        </p:txBody>
+      </p:sp>
+      <p:cxnSp>
+        <p:nvCxnSpPr>
+          <p:cNvPr id="7" name="Straight Connector 6">
+            <a:extLst>
+              <a:ext uri="{FF2B5EF4-FFF2-40B4-BE49-F238E27FC236}">
+                <a16:creationId xmlns:a16="http://schemas.microsoft.com/office/drawing/2014/main" id="{9A9FE2BC-16E8-46FE-95E7-00AE3A718748}"/>
+              </a:ext>
+            </a:extLst>
+          </p:cNvPr>
+          <p:cNvCxnSpPr>
+            <a:stCxn id="5" idx="3"/>
+            <a:endCxn id="6" idx="7"/>
+          </p:cNvCxnSpPr>
+          <p:nvPr/>
+        </p:nvCxnSpPr>
+        <p:spPr>
+          <a:xfrm flipH="1">
+            <a:off x="3664595" y="2607549"/>
+            <a:ext cx="204856" cy="238721"/>
+          </a:xfrm>
+          <a:prstGeom prst="line">
+            <a:avLst/>
+          </a:prstGeom>
+          <a:ln w="9525">
+            <a:solidFill>
+              <a:schemeClr val="tx1"/>
+            </a:solidFill>
+            <a:tailEnd type="triangle" w="sm" len="sm"/>
+          </a:ln>
+        </p:spPr>
+        <p:style>
+          <a:lnRef idx="1">
+            <a:schemeClr val="accent1"/>
+          </a:lnRef>
+          <a:fillRef idx="0">
+            <a:schemeClr val="accent1"/>
+          </a:fillRef>
+          <a:effectRef idx="0">
+            <a:schemeClr val="accent1"/>
+          </a:effectRef>
+          <a:fontRef idx="minor">
+            <a:schemeClr val="tx1"/>
+          </a:fontRef>
+        </p:style>
+      </p:cxnSp>
+      <p:sp>
+        <p:nvSpPr>
+          <p:cNvPr id="8" name="TextBox 7">
+            <a:extLst>
+              <a:ext uri="{FF2B5EF4-FFF2-40B4-BE49-F238E27FC236}">
+                <a16:creationId xmlns:a16="http://schemas.microsoft.com/office/drawing/2014/main" id="{C7BB1D4E-27F2-4268-873A-22CFEC72CA94}"/>
+              </a:ext>
+            </a:extLst>
+          </p:cNvPr>
+          <p:cNvSpPr txBox="1">
+            <a:spLocks noChangeAspect="1"/>
+          </p:cNvSpPr>
+          <p:nvPr/>
+        </p:nvSpPr>
+        <p:spPr>
+          <a:xfrm>
+            <a:off x="3850455" y="2050567"/>
+            <a:ext cx="67326" cy="230832"/>
+          </a:xfrm>
+          <a:prstGeom prst="rect">
+            <a:avLst/>
+          </a:prstGeom>
+          <a:noFill/>
+        </p:spPr>
+        <p:txBody>
+          <a:bodyPr wrap="none" lIns="0" rIns="0" rtlCol="0">
+            <a:spAutoFit/>
+          </a:bodyPr>
+          <a:lstStyle/>
+          <a:p>
+            <a:r>
+              <a:rPr lang="en-US" altLang="zh-CN" sz="900" dirty="0"/>
+              <a:t>A</a:t>
+            </a:r>
+            <a:endParaRPr lang="zh-CN" altLang="en-US" sz="900" dirty="0"/>
+          </a:p>
+        </p:txBody>
+      </p:sp>
+      <mc:AlternateContent xmlns:mc="http://schemas.openxmlformats.org/markup-compatibility/2006">
+        <mc:Choice xmlns:a14="http://schemas.microsoft.com/office/drawing/2010/main" Requires="a14">
+          <p:sp>
+            <p:nvSpPr>
+              <p:cNvPr id="9" name="TextBox 8">
+                <a:extLst>
+                  <a:ext uri="{FF2B5EF4-FFF2-40B4-BE49-F238E27FC236}">
+                    <a16:creationId xmlns:a16="http://schemas.microsoft.com/office/drawing/2014/main" id="{A6EF90FC-1978-4DCF-9332-637F85CC7130}"/>
+                  </a:ext>
+                </a:extLst>
+              </p:cNvPr>
+              <p:cNvSpPr txBox="1"/>
+              <p:nvPr/>
+            </p:nvSpPr>
+            <p:spPr>
+              <a:xfrm>
+                <a:off x="3812079" y="2628178"/>
+                <a:ext cx="144078" cy="230256"/>
+              </a:xfrm>
+              <a:prstGeom prst="rect">
+                <a:avLst/>
+              </a:prstGeom>
+              <a:noFill/>
+            </p:spPr>
+            <p:txBody>
+              <a:bodyPr wrap="none" lIns="0" rIns="0" rtlCol="0">
+                <a:spAutoFit/>
+              </a:bodyPr>
+              <a:lstStyle/>
+              <a:p>
+                <a14:m>
+                  <m:oMath xmlns:m="http://schemas.openxmlformats.org/officeDocument/2006/math">
+                    <m:acc>
+                      <m:accPr>
+                        <m:chr m:val="⃑"/>
+                        <m:ctrlPr>
+                          <a:rPr lang="en-US" altLang="zh-CN" sz="800" i="1" smtClean="0">
+                            <a:latin typeface="Cambria Math" panose="02040503050406030204" pitchFamily="18" charset="0"/>
+                          </a:rPr>
+                        </m:ctrlPr>
+                      </m:accPr>
+                      <m:e>
+                        <m:r>
+                          <a:rPr lang="en-US" altLang="zh-CN" sz="800" b="0" i="1" smtClean="0">
+                            <a:latin typeface="Cambria Math" panose="02040503050406030204" pitchFamily="18" charset="0"/>
+                          </a:rPr>
+                          <m:t>𝑅</m:t>
+                        </m:r>
+                      </m:e>
+                    </m:acc>
+                  </m:oMath>
+                </a14:m>
+                <a:r>
+                  <a:rPr lang="en-US" altLang="zh-CN" sz="800" baseline="-25000" dirty="0"/>
+                  <a:t>AP</a:t>
+                </a:r>
+                <a:endParaRPr lang="zh-CN" altLang="en-US" sz="800" baseline="-25000" dirty="0"/>
+              </a:p>
+            </p:txBody>
+          </p:sp>
+        </mc:Choice>
+        <mc:Fallback>
+          <p:sp>
+            <p:nvSpPr>
+              <p:cNvPr id="9" name="TextBox 8">
+                <a:extLst>
+                  <a:ext uri="{FF2B5EF4-FFF2-40B4-BE49-F238E27FC236}">
+                    <a16:creationId xmlns:a16="http://schemas.microsoft.com/office/drawing/2014/main" id="{A6EF90FC-1978-4DCF-9332-637F85CC7130}"/>
+                  </a:ext>
+                </a:extLst>
+              </p:cNvPr>
+              <p:cNvSpPr txBox="1">
+                <a:spLocks noRot="1" noChangeAspect="1" noMove="1" noResize="1" noEditPoints="1" noAdjustHandles="1" noChangeArrowheads="1" noChangeShapeType="1" noTextEdit="1"/>
+              </p:cNvSpPr>
+              <p:nvPr/>
+            </p:nvSpPr>
+            <p:spPr>
+              <a:xfrm>
+                <a:off x="3812079" y="2628178"/>
+                <a:ext cx="144078" cy="230256"/>
+              </a:xfrm>
+              <a:prstGeom prst="rect">
+                <a:avLst/>
+              </a:prstGeom>
+              <a:blipFill>
+                <a:blip r:embed="rId2"/>
+                <a:stretch>
+                  <a:fillRect l="-25000" r="-25000" b="-5263"/>
+                </a:stretch>
+              </a:blipFill>
+            </p:spPr>
+            <p:txBody>
+              <a:bodyPr/>
+              <a:lstStyle/>
+              <a:p>
+                <a:r>
+                  <a:rPr lang="en-US">
+                    <a:noFill/>
+                  </a:rPr>
+                  <a:t> </a:t>
+                </a:r>
+              </a:p>
+            </p:txBody>
+          </p:sp>
+        </mc:Fallback>
+      </mc:AlternateContent>
+      <p:sp>
+        <p:nvSpPr>
+          <p:cNvPr id="10" name="TextBox 9">
+            <a:extLst>
+              <a:ext uri="{FF2B5EF4-FFF2-40B4-BE49-F238E27FC236}">
+                <a16:creationId xmlns:a16="http://schemas.microsoft.com/office/drawing/2014/main" id="{95E6097E-9229-45F8-A548-D3D1E12FCD8A}"/>
+              </a:ext>
+            </a:extLst>
+          </p:cNvPr>
+          <p:cNvSpPr txBox="1">
+            <a:spLocks noChangeAspect="1"/>
+          </p:cNvSpPr>
+          <p:nvPr/>
+        </p:nvSpPr>
+        <p:spPr>
+          <a:xfrm>
+            <a:off x="3585623" y="2628178"/>
+            <a:ext cx="52900" cy="215444"/>
+          </a:xfrm>
+          <a:prstGeom prst="rect">
+            <a:avLst/>
+          </a:prstGeom>
+          <a:noFill/>
+        </p:spPr>
+        <p:txBody>
+          <a:bodyPr wrap="none" lIns="0" rIns="0" rtlCol="0">
+            <a:spAutoFit/>
+          </a:bodyPr>
+          <a:lstStyle/>
+          <a:p>
+            <a:r>
+              <a:rPr lang="en-US" altLang="zh-CN" sz="800" dirty="0"/>
+              <a:t>P</a:t>
+            </a:r>
+            <a:endParaRPr lang="zh-CN" altLang="en-US" sz="800" dirty="0"/>
+          </a:p>
+        </p:txBody>
+      </p:sp>
+      <mc:AlternateContent xmlns:mc="http://schemas.openxmlformats.org/markup-compatibility/2006">
+        <mc:Choice xmlns:a14="http://schemas.microsoft.com/office/drawing/2010/main" Requires="a14">
+          <p:sp>
+            <p:nvSpPr>
+              <p:cNvPr id="11" name="TextBox 10">
+                <a:extLst>
+                  <a:ext uri="{FF2B5EF4-FFF2-40B4-BE49-F238E27FC236}">
+                    <a16:creationId xmlns:a16="http://schemas.microsoft.com/office/drawing/2014/main" id="{610072D9-525C-4811-ABB3-AAECCCA47946}"/>
+                  </a:ext>
+                </a:extLst>
+              </p:cNvPr>
+              <p:cNvSpPr txBox="1"/>
+              <p:nvPr/>
+            </p:nvSpPr>
+            <p:spPr>
+              <a:xfrm>
+                <a:off x="3743407" y="3041243"/>
+                <a:ext cx="152286" cy="212622"/>
+              </a:xfrm>
+              <a:prstGeom prst="rect">
+                <a:avLst/>
+              </a:prstGeom>
+              <a:noFill/>
+            </p:spPr>
+            <p:txBody>
+              <a:bodyPr wrap="none" lIns="0" rIns="0" rtlCol="0">
+                <a:spAutoFit/>
+              </a:bodyPr>
+              <a:lstStyle/>
+              <a:p>
+                <a14:m>
+                  <m:oMath xmlns:m="http://schemas.openxmlformats.org/officeDocument/2006/math">
+                    <m:acc>
+                      <m:accPr>
+                        <m:chr m:val="⃑"/>
+                        <m:ctrlPr>
+                          <a:rPr lang="en-US" altLang="zh-CN" sz="800" i="1" smtClean="0">
+                            <a:latin typeface="Cambria Math" panose="02040503050406030204" pitchFamily="18" charset="0"/>
+                          </a:rPr>
+                        </m:ctrlPr>
+                      </m:accPr>
+                      <m:e>
+                        <m:r>
+                          <m:rPr>
+                            <m:sty m:val="p"/>
+                          </m:rPr>
+                          <a:rPr lang="el-GR" altLang="zh-CN" sz="800" i="1" smtClean="0">
+                            <a:latin typeface="Cambria Math" panose="02040503050406030204" pitchFamily="18" charset="0"/>
+                          </a:rPr>
+                          <m:t>ω</m:t>
+                        </m:r>
+                      </m:e>
+                    </m:acc>
+                  </m:oMath>
+                </a14:m>
+                <a:r>
+                  <a:rPr lang="en-US" altLang="zh-CN" sz="800" baseline="-25000" dirty="0"/>
+                  <a:t>A1</a:t>
+                </a:r>
+                <a:endParaRPr lang="zh-CN" altLang="en-US" sz="800" baseline="-25000" dirty="0"/>
+              </a:p>
+            </p:txBody>
+          </p:sp>
+        </mc:Choice>
+        <mc:Fallback>
+          <p:sp>
+            <p:nvSpPr>
+              <p:cNvPr id="11" name="TextBox 10">
+                <a:extLst>
+                  <a:ext uri="{FF2B5EF4-FFF2-40B4-BE49-F238E27FC236}">
+                    <a16:creationId xmlns:a16="http://schemas.microsoft.com/office/drawing/2014/main" id="{610072D9-525C-4811-ABB3-AAECCCA47946}"/>
+                  </a:ext>
+                </a:extLst>
+              </p:cNvPr>
+              <p:cNvSpPr txBox="1">
+                <a:spLocks noRot="1" noChangeAspect="1" noMove="1" noResize="1" noEditPoints="1" noAdjustHandles="1" noChangeArrowheads="1" noChangeShapeType="1" noTextEdit="1"/>
+              </p:cNvSpPr>
+              <p:nvPr/>
+            </p:nvSpPr>
+            <p:spPr>
+              <a:xfrm>
+                <a:off x="3743407" y="3041243"/>
+                <a:ext cx="152286" cy="212622"/>
+              </a:xfrm>
+              <a:prstGeom prst="rect">
+                <a:avLst/>
+              </a:prstGeom>
+              <a:blipFill>
+                <a:blip r:embed="rId3"/>
+                <a:stretch>
+                  <a:fillRect l="-16000" r="-28000" b="-2857"/>
+                </a:stretch>
+              </a:blipFill>
+            </p:spPr>
+            <p:txBody>
+              <a:bodyPr/>
+              <a:lstStyle/>
+              <a:p>
+                <a:r>
+                  <a:rPr lang="en-US">
+                    <a:noFill/>
+                  </a:rPr>
+                  <a:t> </a:t>
+                </a:r>
+              </a:p>
+            </p:txBody>
+          </p:sp>
+        </mc:Fallback>
+      </mc:AlternateContent>
+      <p:sp>
+        <p:nvSpPr>
+          <p:cNvPr id="12" name="Arc 11">
+            <a:extLst>
+              <a:ext uri="{FF2B5EF4-FFF2-40B4-BE49-F238E27FC236}">
+                <a16:creationId xmlns:a16="http://schemas.microsoft.com/office/drawing/2014/main" id="{3A2F6725-B86C-4F52-AF51-2EEA8F3E0F95}"/>
+              </a:ext>
+            </a:extLst>
+          </p:cNvPr>
+          <p:cNvSpPr>
+            <a:spLocks noChangeAspect="1"/>
+          </p:cNvSpPr>
+          <p:nvPr/>
+        </p:nvSpPr>
+        <p:spPr>
+          <a:xfrm rot="10800000">
+            <a:off x="3565196" y="2847796"/>
+            <a:ext cx="291983" cy="290391"/>
+          </a:xfrm>
+          <a:prstGeom prst="arc">
+            <a:avLst/>
+          </a:prstGeom>
+          <a:ln w="9525">
+            <a:solidFill>
+              <a:schemeClr val="tx1"/>
+            </a:solidFill>
+            <a:headEnd type="triangle" w="sm" len="sm"/>
+          </a:ln>
+        </p:spPr>
+        <p:style>
+          <a:lnRef idx="1">
+            <a:schemeClr val="accent1"/>
+          </a:lnRef>
+          <a:fillRef idx="0">
+            <a:schemeClr val="accent1"/>
+          </a:fillRef>
+          <a:effectRef idx="0">
+            <a:schemeClr val="accent1"/>
+          </a:effectRef>
+          <a:fontRef idx="minor">
+            <a:schemeClr val="tx1"/>
+          </a:fontRef>
+        </p:style>
+        <p:txBody>
+          <a:bodyPr rtlCol="0" anchor="ctr"/>
+          <a:lstStyle/>
+          <a:p>
+            <a:pPr algn="ctr"/>
+            <a:endParaRPr lang="en-US"/>
+          </a:p>
+        </p:txBody>
+      </p:sp>
+      <mc:AlternateContent xmlns:mc="http://schemas.openxmlformats.org/markup-compatibility/2006">
+        <mc:Choice xmlns:a14="http://schemas.microsoft.com/office/drawing/2010/main" Requires="a14">
+          <p:sp>
+            <p:nvSpPr>
+              <p:cNvPr id="13" name="TextBox 12">
+                <a:extLst>
+                  <a:ext uri="{FF2B5EF4-FFF2-40B4-BE49-F238E27FC236}">
+                    <a16:creationId xmlns:a16="http://schemas.microsoft.com/office/drawing/2014/main" id="{BC06FF15-70A2-4BBF-B544-6AEC989FDEEA}"/>
+                  </a:ext>
+                </a:extLst>
+              </p:cNvPr>
+              <p:cNvSpPr txBox="1"/>
+              <p:nvPr/>
+            </p:nvSpPr>
+            <p:spPr>
+              <a:xfrm>
+                <a:off x="2557713" y="3041243"/>
+                <a:ext cx="152286" cy="212622"/>
+              </a:xfrm>
+              <a:prstGeom prst="rect">
+                <a:avLst/>
+              </a:prstGeom>
+              <a:noFill/>
+            </p:spPr>
+            <p:txBody>
+              <a:bodyPr wrap="none" lIns="0" rIns="0" rtlCol="0">
+                <a:spAutoFit/>
+              </a:bodyPr>
+              <a:lstStyle/>
+              <a:p>
+                <a14:m>
+                  <m:oMath xmlns:m="http://schemas.openxmlformats.org/officeDocument/2006/math">
+                    <m:acc>
+                      <m:accPr>
+                        <m:chr m:val="⃑"/>
+                        <m:ctrlPr>
+                          <a:rPr lang="en-US" altLang="zh-CN" sz="800" i="1" smtClean="0">
+                            <a:latin typeface="Cambria Math" panose="02040503050406030204" pitchFamily="18" charset="0"/>
+                          </a:rPr>
+                        </m:ctrlPr>
+                      </m:accPr>
+                      <m:e>
+                        <m:r>
+                          <m:rPr>
+                            <m:sty m:val="p"/>
+                          </m:rPr>
+                          <a:rPr lang="el-GR" altLang="zh-CN" sz="800" i="1" smtClean="0">
+                            <a:latin typeface="Cambria Math" panose="02040503050406030204" pitchFamily="18" charset="0"/>
+                          </a:rPr>
+                          <m:t>ω</m:t>
+                        </m:r>
+                      </m:e>
+                    </m:acc>
+                  </m:oMath>
+                </a14:m>
+                <a:r>
+                  <a:rPr lang="en-US" altLang="zh-CN" sz="800" baseline="-25000" dirty="0"/>
+                  <a:t>B1</a:t>
+                </a:r>
+                <a:endParaRPr lang="zh-CN" altLang="en-US" sz="800" baseline="-25000" dirty="0"/>
+              </a:p>
+            </p:txBody>
+          </p:sp>
+        </mc:Choice>
+        <mc:Fallback>
+          <p:sp>
+            <p:nvSpPr>
+              <p:cNvPr id="13" name="TextBox 12">
+                <a:extLst>
+                  <a:ext uri="{FF2B5EF4-FFF2-40B4-BE49-F238E27FC236}">
+                    <a16:creationId xmlns:a16="http://schemas.microsoft.com/office/drawing/2014/main" id="{BC06FF15-70A2-4BBF-B544-6AEC989FDEEA}"/>
+                  </a:ext>
+                </a:extLst>
+              </p:cNvPr>
+              <p:cNvSpPr txBox="1">
+                <a:spLocks noRot="1" noChangeAspect="1" noMove="1" noResize="1" noEditPoints="1" noAdjustHandles="1" noChangeArrowheads="1" noChangeShapeType="1" noTextEdit="1"/>
+              </p:cNvSpPr>
+              <p:nvPr/>
+            </p:nvSpPr>
+            <p:spPr>
+              <a:xfrm>
+                <a:off x="2557713" y="3041243"/>
+                <a:ext cx="152286" cy="212622"/>
+              </a:xfrm>
+              <a:prstGeom prst="rect">
+                <a:avLst/>
+              </a:prstGeom>
+              <a:blipFill>
+                <a:blip r:embed="rId4"/>
+                <a:stretch>
+                  <a:fillRect l="-20000" r="-28000" b="-2857"/>
+                </a:stretch>
+              </a:blipFill>
+            </p:spPr>
+            <p:txBody>
+              <a:bodyPr/>
+              <a:lstStyle/>
+              <a:p>
+                <a:r>
+                  <a:rPr lang="en-US">
+                    <a:noFill/>
+                  </a:rPr>
+                  <a:t> </a:t>
+                </a:r>
+              </a:p>
+            </p:txBody>
+          </p:sp>
+        </mc:Fallback>
+      </mc:AlternateContent>
+      <p:sp>
+        <p:nvSpPr>
+          <p:cNvPr id="14" name="Arc 13">
+            <a:extLst>
+              <a:ext uri="{FF2B5EF4-FFF2-40B4-BE49-F238E27FC236}">
+                <a16:creationId xmlns:a16="http://schemas.microsoft.com/office/drawing/2014/main" id="{E53B9E23-31A8-432C-B6AE-5F77482C6D20}"/>
+              </a:ext>
+            </a:extLst>
+          </p:cNvPr>
+          <p:cNvSpPr>
+            <a:spLocks noChangeAspect="1"/>
+          </p:cNvSpPr>
+          <p:nvPr/>
+        </p:nvSpPr>
+        <p:spPr>
+          <a:xfrm rot="10800000">
+            <a:off x="2698766" y="2876998"/>
+            <a:ext cx="291983" cy="290391"/>
+          </a:xfrm>
+          <a:prstGeom prst="arc">
+            <a:avLst>
+              <a:gd name="adj1" fmla="val 17533225"/>
+              <a:gd name="adj2" fmla="val 3370763"/>
+            </a:avLst>
+          </a:prstGeom>
+          <a:ln w="9525">
+            <a:solidFill>
+              <a:schemeClr val="tx1"/>
+            </a:solidFill>
+            <a:headEnd type="triangle" w="sm" len="sm"/>
+          </a:ln>
+        </p:spPr>
+        <p:style>
+          <a:lnRef idx="1">
+            <a:schemeClr val="accent1"/>
+          </a:lnRef>
+          <a:fillRef idx="0">
+            <a:schemeClr val="accent1"/>
+          </a:fillRef>
+          <a:effectRef idx="0">
+            <a:schemeClr val="accent1"/>
+          </a:effectRef>
+          <a:fontRef idx="minor">
+            <a:schemeClr val="tx1"/>
+          </a:fontRef>
+        </p:style>
+        <p:txBody>
+          <a:bodyPr rtlCol="0" anchor="ctr"/>
+          <a:lstStyle/>
+          <a:p>
+            <a:pPr algn="ctr"/>
+            <a:endParaRPr lang="en-US"/>
+          </a:p>
+        </p:txBody>
+      </p:sp>
+      <p:sp>
+        <p:nvSpPr>
+          <p:cNvPr id="15" name="TextBox 14">
+            <a:extLst>
+              <a:ext uri="{FF2B5EF4-FFF2-40B4-BE49-F238E27FC236}">
+                <a16:creationId xmlns:a16="http://schemas.microsoft.com/office/drawing/2014/main" id="{236B7F34-9F72-4016-B9B6-2712AD8ABEAD}"/>
+              </a:ext>
+            </a:extLst>
+          </p:cNvPr>
+          <p:cNvSpPr txBox="1">
+            <a:spLocks noChangeAspect="1"/>
+          </p:cNvSpPr>
+          <p:nvPr/>
+        </p:nvSpPr>
+        <p:spPr>
+          <a:xfrm>
+            <a:off x="3181324" y="2409906"/>
+            <a:ext cx="62518" cy="230832"/>
+          </a:xfrm>
+          <a:prstGeom prst="rect">
+            <a:avLst/>
+          </a:prstGeom>
+          <a:noFill/>
+        </p:spPr>
+        <p:txBody>
+          <a:bodyPr wrap="none" lIns="0" rIns="0" rtlCol="0">
+            <a:spAutoFit/>
+          </a:bodyPr>
+          <a:lstStyle/>
+          <a:p>
+            <a:r>
+              <a:rPr lang="en-US" altLang="zh-CN" sz="900" dirty="0"/>
+              <a:t>B</a:t>
+            </a:r>
+            <a:endParaRPr lang="zh-CN" altLang="en-US" sz="900" dirty="0"/>
+          </a:p>
+        </p:txBody>
+      </p:sp>
+      <mc:AlternateContent xmlns:mc="http://schemas.openxmlformats.org/markup-compatibility/2006">
+        <mc:Choice xmlns:a14="http://schemas.microsoft.com/office/drawing/2010/main" Requires="a14">
+          <p:sp>
+            <p:nvSpPr>
+              <p:cNvPr id="16" name="TextBox 15">
+                <a:extLst>
+                  <a:ext uri="{FF2B5EF4-FFF2-40B4-BE49-F238E27FC236}">
+                    <a16:creationId xmlns:a16="http://schemas.microsoft.com/office/drawing/2014/main" id="{E070E230-B56F-4089-A284-793A0CF5BEB0}"/>
+                  </a:ext>
+                </a:extLst>
+              </p:cNvPr>
+              <p:cNvSpPr txBox="1"/>
+              <p:nvPr/>
+            </p:nvSpPr>
+            <p:spPr>
+              <a:xfrm>
+                <a:off x="3277890" y="2720436"/>
+                <a:ext cx="144078" cy="230256"/>
+              </a:xfrm>
+              <a:prstGeom prst="rect">
+                <a:avLst/>
+              </a:prstGeom>
+              <a:noFill/>
+            </p:spPr>
+            <p:txBody>
+              <a:bodyPr wrap="none" lIns="0" rIns="0" rtlCol="0">
+                <a:spAutoFit/>
+              </a:bodyPr>
+              <a:lstStyle/>
+              <a:p>
+                <a14:m>
+                  <m:oMath xmlns:m="http://schemas.openxmlformats.org/officeDocument/2006/math">
+                    <m:acc>
+                      <m:accPr>
+                        <m:chr m:val="⃑"/>
+                        <m:ctrlPr>
+                          <a:rPr lang="en-US" altLang="zh-CN" sz="800" i="1" smtClean="0">
+                            <a:latin typeface="Cambria Math" panose="02040503050406030204" pitchFamily="18" charset="0"/>
+                          </a:rPr>
+                        </m:ctrlPr>
+                      </m:accPr>
+                      <m:e>
+                        <m:r>
+                          <a:rPr lang="en-US" altLang="zh-CN" sz="800" b="0" i="1" smtClean="0">
+                            <a:latin typeface="Cambria Math" panose="02040503050406030204" pitchFamily="18" charset="0"/>
+                          </a:rPr>
+                          <m:t>𝑅</m:t>
+                        </m:r>
+                      </m:e>
+                    </m:acc>
+                  </m:oMath>
+                </a14:m>
+                <a:r>
+                  <a:rPr lang="en-US" altLang="zh-CN" sz="800" baseline="-25000" dirty="0"/>
+                  <a:t>BP</a:t>
+                </a:r>
+                <a:endParaRPr lang="zh-CN" altLang="en-US" sz="800" baseline="-25000" dirty="0"/>
+              </a:p>
+            </p:txBody>
+          </p:sp>
+        </mc:Choice>
+        <mc:Fallback>
+          <p:sp>
+            <p:nvSpPr>
+              <p:cNvPr id="16" name="TextBox 15">
+                <a:extLst>
+                  <a:ext uri="{FF2B5EF4-FFF2-40B4-BE49-F238E27FC236}">
+                    <a16:creationId xmlns:a16="http://schemas.microsoft.com/office/drawing/2014/main" id="{E070E230-B56F-4089-A284-793A0CF5BEB0}"/>
+                  </a:ext>
+                </a:extLst>
+              </p:cNvPr>
+              <p:cNvSpPr txBox="1">
+                <a:spLocks noRot="1" noChangeAspect="1" noMove="1" noResize="1" noEditPoints="1" noAdjustHandles="1" noChangeArrowheads="1" noChangeShapeType="1" noTextEdit="1"/>
+              </p:cNvSpPr>
+              <p:nvPr/>
+            </p:nvSpPr>
+            <p:spPr>
+              <a:xfrm>
+                <a:off x="3277890" y="2720436"/>
+                <a:ext cx="144078" cy="230256"/>
+              </a:xfrm>
+              <a:prstGeom prst="rect">
+                <a:avLst/>
+              </a:prstGeom>
+              <a:blipFill>
+                <a:blip r:embed="rId5"/>
+                <a:stretch>
+                  <a:fillRect l="-26087" r="-30435" b="-5263"/>
+                </a:stretch>
+              </a:blipFill>
+            </p:spPr>
+            <p:txBody>
+              <a:bodyPr/>
+              <a:lstStyle/>
+              <a:p>
+                <a:r>
+                  <a:rPr lang="en-US">
+                    <a:noFill/>
+                  </a:rPr>
+                  <a:t> </a:t>
+                </a:r>
+              </a:p>
+            </p:txBody>
+          </p:sp>
+        </mc:Fallback>
+      </mc:AlternateContent>
+      <p:sp>
+        <p:nvSpPr>
+          <p:cNvPr id="17" name="Rectangle 16">
+            <a:extLst>
+              <a:ext uri="{FF2B5EF4-FFF2-40B4-BE49-F238E27FC236}">
+                <a16:creationId xmlns:a16="http://schemas.microsoft.com/office/drawing/2014/main" id="{C4322D16-F101-4414-AA62-C7562438ECC8}"/>
+              </a:ext>
+            </a:extLst>
+          </p:cNvPr>
+          <p:cNvSpPr/>
+          <p:nvPr/>
+        </p:nvSpPr>
+        <p:spPr>
+          <a:xfrm rot="2700000">
+            <a:off x="3001728" y="2585401"/>
+            <a:ext cx="457200" cy="736387"/>
+          </a:xfrm>
+          <a:prstGeom prst="rect">
+            <a:avLst/>
+          </a:prstGeom>
+          <a:noFill/>
+          <a:ln w="12700">
+            <a:solidFill>
+              <a:schemeClr val="tx1"/>
+            </a:solidFill>
+          </a:ln>
+        </p:spPr>
+        <p:style>
+          <a:lnRef idx="2">
+            <a:schemeClr val="accent1">
+              <a:shade val="50000"/>
+            </a:schemeClr>
+          </a:lnRef>
+          <a:fillRef idx="1">
+            <a:schemeClr val="accent1"/>
+          </a:fillRef>
+          <a:effectRef idx="0">
+            <a:schemeClr val="accent1"/>
+          </a:effectRef>
+          <a:fontRef idx="minor">
+            <a:schemeClr val="lt1"/>
+          </a:fontRef>
+        </p:style>
+        <p:txBody>
+          <a:bodyPr rtlCol="0" anchor="ctr"/>
+          <a:lstStyle/>
+          <a:p>
+            <a:pPr algn="ctr"/>
+            <a:endParaRPr lang="en-US"/>
+          </a:p>
+        </p:txBody>
+      </p:sp>
+      <p:sp>
+        <p:nvSpPr>
+          <p:cNvPr id="18" name="椭圆 35">
+            <a:extLst>
+              <a:ext uri="{FF2B5EF4-FFF2-40B4-BE49-F238E27FC236}">
+                <a16:creationId xmlns:a16="http://schemas.microsoft.com/office/drawing/2014/main" id="{BE818111-44AB-4A02-9E88-C857A3BB444D}"/>
+              </a:ext>
+            </a:extLst>
+          </p:cNvPr>
+          <p:cNvSpPr/>
+          <p:nvPr/>
+        </p:nvSpPr>
+        <p:spPr>
+          <a:xfrm rot="2700000">
+            <a:off x="3212328" y="2935594"/>
+            <a:ext cx="36000" cy="36000"/>
+          </a:xfrm>
+          <a:prstGeom prst="ellipse">
+            <a:avLst/>
+          </a:prstGeom>
+          <a:solidFill>
+            <a:schemeClr val="tx1"/>
+          </a:solidFill>
+          <a:ln>
+            <a:noFill/>
+          </a:ln>
+        </p:spPr>
+        <p:style>
+          <a:lnRef idx="2">
+            <a:schemeClr val="accent1">
+              <a:shade val="50000"/>
+            </a:schemeClr>
+          </a:lnRef>
+          <a:fillRef idx="1">
+            <a:schemeClr val="accent1"/>
+          </a:fillRef>
+          <a:effectRef idx="0">
+            <a:schemeClr val="accent1"/>
+          </a:effectRef>
+          <a:fontRef idx="minor">
+            <a:schemeClr val="lt1"/>
+          </a:fontRef>
+        </p:style>
+        <p:txBody>
+          <a:bodyPr rtlCol="0" anchor="ctr"/>
+          <a:lstStyle/>
+          <a:p>
+            <a:pPr algn="ctr"/>
+            <a:endParaRPr lang="zh-CN" altLang="en-US"/>
+          </a:p>
+        </p:txBody>
+      </p:sp>
+      <p:cxnSp>
+        <p:nvCxnSpPr>
+          <p:cNvPr id="19" name="Straight Connector 18">
+            <a:extLst>
+              <a:ext uri="{FF2B5EF4-FFF2-40B4-BE49-F238E27FC236}">
+                <a16:creationId xmlns:a16="http://schemas.microsoft.com/office/drawing/2014/main" id="{FACE3F74-F5BA-4A7F-B226-30FE5482B364}"/>
+              </a:ext>
+            </a:extLst>
+          </p:cNvPr>
+          <p:cNvCxnSpPr>
+            <a:stCxn id="6" idx="2"/>
+            <a:endCxn id="18" idx="7"/>
+          </p:cNvCxnSpPr>
+          <p:nvPr/>
+        </p:nvCxnSpPr>
+        <p:spPr>
+          <a:xfrm flipH="1">
+            <a:off x="3248328" y="2858998"/>
+            <a:ext cx="385539" cy="94596"/>
+          </a:xfrm>
+          <a:prstGeom prst="line">
+            <a:avLst/>
+          </a:prstGeom>
+          <a:ln w="9525">
+            <a:solidFill>
+              <a:schemeClr val="tx1"/>
+            </a:solidFill>
+            <a:headEnd type="triangle" w="sm" len="sm"/>
+            <a:tailEnd type="none" w="sm" len="sm"/>
+          </a:ln>
+        </p:spPr>
+        <p:style>
+          <a:lnRef idx="1">
+            <a:schemeClr val="accent1"/>
+          </a:lnRef>
+          <a:fillRef idx="0">
+            <a:schemeClr val="accent1"/>
+          </a:fillRef>
+          <a:effectRef idx="0">
+            <a:schemeClr val="accent1"/>
+          </a:effectRef>
+          <a:fontRef idx="minor">
+            <a:schemeClr val="tx1"/>
+          </a:fontRef>
+        </p:style>
+      </p:cxnSp>
+    </p:spTree>
+    <p:extLst>
+      <p:ext uri="{BB962C8B-B14F-4D97-AF65-F5344CB8AC3E}">
+        <p14:creationId xmlns:p14="http://schemas.microsoft.com/office/powerpoint/2010/main" val="1786192035"/>
       </p:ext>
     </p:extLst>
   </p:cSld>

--- a/Word/Diagrams/chapter9/chap 9.figures.pptx
+++ b/Word/Diagrams/chapter9/chap 9.figures.pptx
@@ -230,7 +230,7 @@
             <a:fld id="{9CCF083D-F2BC-4786-8C77-844DFCD3515B}" type="datetimeFigureOut">
               <a:rPr lang="zh-TW" altLang="en-US" smtClean="0"/>
               <a:pPr/>
-              <a:t>2021/6/27</a:t>
+              <a:t>2021/6/28</a:t>
             </a:fld>
             <a:endParaRPr lang="zh-TW" altLang="en-US"/>
           </a:p>
@@ -694,7 +694,7 @@
             <a:fld id="{E3D07B0C-BD95-41BE-BB3E-AC75822DF381}" type="datetimeFigureOut">
               <a:rPr lang="en-US" smtClean="0"/>
               <a:pPr/>
-              <a:t>6/27/2021</a:t>
+              <a:t>6/28/2021</a:t>
             </a:fld>
             <a:endParaRPr lang="en-US" dirty="0"/>
           </a:p>
@@ -859,7 +859,7 @@
             <a:fld id="{E3D07B0C-BD95-41BE-BB3E-AC75822DF381}" type="datetimeFigureOut">
               <a:rPr lang="en-US" smtClean="0"/>
               <a:pPr/>
-              <a:t>6/27/2021</a:t>
+              <a:t>6/28/2021</a:t>
             </a:fld>
             <a:endParaRPr lang="en-US" dirty="0"/>
           </a:p>
@@ -1035,7 +1035,7 @@
             <a:fld id="{E3D07B0C-BD95-41BE-BB3E-AC75822DF381}" type="datetimeFigureOut">
               <a:rPr lang="en-US" smtClean="0"/>
               <a:pPr/>
-              <a:t>6/27/2021</a:t>
+              <a:t>6/28/2021</a:t>
             </a:fld>
             <a:endParaRPr lang="en-US" dirty="0"/>
           </a:p>
@@ -1200,7 +1200,7 @@
             <a:fld id="{E3D07B0C-BD95-41BE-BB3E-AC75822DF381}" type="datetimeFigureOut">
               <a:rPr lang="en-US" smtClean="0"/>
               <a:pPr/>
-              <a:t>6/27/2021</a:t>
+              <a:t>6/28/2021</a:t>
             </a:fld>
             <a:endParaRPr lang="en-US" dirty="0"/>
           </a:p>
@@ -1443,7 +1443,7 @@
             <a:fld id="{E3D07B0C-BD95-41BE-BB3E-AC75822DF381}" type="datetimeFigureOut">
               <a:rPr lang="en-US" smtClean="0"/>
               <a:pPr/>
-              <a:t>6/27/2021</a:t>
+              <a:t>6/28/2021</a:t>
             </a:fld>
             <a:endParaRPr lang="en-US" dirty="0"/>
           </a:p>
@@ -1727,7 +1727,7 @@
             <a:fld id="{E3D07B0C-BD95-41BE-BB3E-AC75822DF381}" type="datetimeFigureOut">
               <a:rPr lang="en-US" smtClean="0"/>
               <a:pPr/>
-              <a:t>6/27/2021</a:t>
+              <a:t>6/28/2021</a:t>
             </a:fld>
             <a:endParaRPr lang="en-US" dirty="0"/>
           </a:p>
@@ -2156,7 +2156,7 @@
             <a:fld id="{E3D07B0C-BD95-41BE-BB3E-AC75822DF381}" type="datetimeFigureOut">
               <a:rPr lang="en-US" smtClean="0"/>
               <a:pPr/>
-              <a:t>6/27/2021</a:t>
+              <a:t>6/28/2021</a:t>
             </a:fld>
             <a:endParaRPr lang="en-US" dirty="0"/>
           </a:p>
@@ -2270,7 +2270,7 @@
             <a:fld id="{E3D07B0C-BD95-41BE-BB3E-AC75822DF381}" type="datetimeFigureOut">
               <a:rPr lang="en-US" smtClean="0"/>
               <a:pPr/>
-              <a:t>6/27/2021</a:t>
+              <a:t>6/28/2021</a:t>
             </a:fld>
             <a:endParaRPr lang="en-US" dirty="0"/>
           </a:p>
@@ -2362,7 +2362,7 @@
             <a:fld id="{E3D07B0C-BD95-41BE-BB3E-AC75822DF381}" type="datetimeFigureOut">
               <a:rPr lang="en-US" smtClean="0"/>
               <a:pPr/>
-              <a:t>6/27/2021</a:t>
+              <a:t>6/28/2021</a:t>
             </a:fld>
             <a:endParaRPr lang="en-US" dirty="0"/>
           </a:p>
@@ -2553,7 +2553,7 @@
             <a:fld id="{E3D07B0C-BD95-41BE-BB3E-AC75822DF381}" type="datetimeFigureOut">
               <a:rPr lang="en-US" smtClean="0"/>
               <a:pPr/>
-              <a:t>6/27/2021</a:t>
+              <a:t>6/28/2021</a:t>
             </a:fld>
             <a:endParaRPr lang="en-US" dirty="0"/>
           </a:p>
@@ -2871,7 +2871,7 @@
             <a:fld id="{E3D07B0C-BD95-41BE-BB3E-AC75822DF381}" type="datetimeFigureOut">
               <a:rPr lang="en-US" smtClean="0"/>
               <a:pPr/>
-              <a:t>6/27/2021</a:t>
+              <a:t>6/28/2021</a:t>
             </a:fld>
             <a:endParaRPr lang="en-US" dirty="0"/>
           </a:p>
@@ -3253,7 +3253,7 @@
             <a:fld id="{E3D07B0C-BD95-41BE-BB3E-AC75822DF381}" type="datetimeFigureOut">
               <a:rPr lang="en-US" smtClean="0"/>
               <a:pPr/>
-              <a:t>6/27/2021</a:t>
+              <a:t>6/28/2021</a:t>
             </a:fld>
             <a:endParaRPr lang="en-US" dirty="0"/>
           </a:p>
@@ -22641,13 +22641,15 @@
               </a:ext>
             </a:extLst>
           </p:cNvPr>
-          <p:cNvCxnSpPr/>
+          <p:cNvCxnSpPr>
+            <a:cxnSpLocks/>
+          </p:cNvCxnSpPr>
           <p:nvPr/>
         </p:nvCxnSpPr>
         <p:spPr>
           <a:xfrm>
             <a:off x="3268265" y="3383912"/>
-            <a:ext cx="594360" cy="463"/>
+            <a:ext cx="608036" cy="255622"/>
           </a:xfrm>
           <a:prstGeom prst="line">
             <a:avLst/>
@@ -22805,6 +22807,7 @@
             <a:solidFill>
               <a:schemeClr val="tx1"/>
             </a:solidFill>
+            <a:prstDash val="dash"/>
             <a:tailEnd type="triangle" w="sm" len="sm"/>
           </a:ln>
         </p:spPr>
@@ -22881,7 +22884,7 @@
             </p:nvSpPr>
             <p:spPr>
               <a:xfrm>
-                <a:off x="3889804" y="3254957"/>
+                <a:off x="3562106" y="3494868"/>
                 <a:ext cx="177997" cy="230256"/>
               </a:xfrm>
               <a:prstGeom prst="rect">
@@ -22943,7 +22946,7 @@
             </p:nvSpPr>
             <p:spPr>
               <a:xfrm>
-                <a:off x="3889804" y="3254957"/>
+                <a:off x="3562106" y="3494868"/>
                 <a:ext cx="177997" cy="230256"/>
               </a:xfrm>
               <a:prstGeom prst="rect">
@@ -22952,7 +22955,7 @@
               <a:blipFill>
                 <a:blip r:embed="rId2"/>
                 <a:stretch>
-                  <a:fillRect l="-20690" r="-24138" b="-2632"/>
+                  <a:fillRect l="-20000" r="-20000" b="-5263"/>
                 </a:stretch>
               </a:blipFill>
             </p:spPr>
@@ -23009,8 +23012,8 @@
           </a:p>
         </p:txBody>
       </p:sp>
-      <mc:AlternateContent xmlns:mc="http://schemas.openxmlformats.org/markup-compatibility/2006">
-        <mc:Choice xmlns:a14="http://schemas.microsoft.com/office/drawing/2010/main" Requires="a14">
+      <mc:AlternateContent xmlns:mc="http://schemas.openxmlformats.org/markup-compatibility/2006" xmlns:a14="http://schemas.microsoft.com/office/drawing/2010/main">
+        <mc:Choice Requires="a14">
           <p:sp>
             <p:nvSpPr>
               <p:cNvPr id="12" name="TextBox 11">
@@ -23070,7 +23073,7 @@
             </p:txBody>
           </p:sp>
         </mc:Choice>
-        <mc:Fallback>
+        <mc:Fallback xmlns="">
           <p:sp>
             <p:nvSpPr>
               <p:cNvPr id="12" name="TextBox 11">
@@ -23131,7 +23134,7 @@
             </p:nvSpPr>
             <p:spPr>
               <a:xfrm>
-                <a:off x="3405335" y="3170419"/>
+                <a:off x="3292302" y="3021508"/>
                 <a:ext cx="144078" cy="230256"/>
               </a:xfrm>
               <a:prstGeom prst="rect">
@@ -23193,7 +23196,7 @@
             </p:nvSpPr>
             <p:spPr>
               <a:xfrm>
-                <a:off x="3405335" y="3170419"/>
+                <a:off x="3292302" y="3021508"/>
                 <a:ext cx="144078" cy="230256"/>
               </a:xfrm>
               <a:prstGeom prst="rect">
@@ -23202,7 +23205,7 @@
               <a:blipFill>
                 <a:blip r:embed="rId4"/>
                 <a:stretch>
-                  <a:fillRect l="-26087" r="-30435" b="-5263"/>
+                  <a:fillRect l="-25000" r="-25000" b="-5405"/>
                 </a:stretch>
               </a:blipFill>
             </p:spPr>
@@ -23275,7 +23278,7 @@
             </p:nvSpPr>
             <p:spPr>
               <a:xfrm>
-                <a:off x="3346771" y="3509133"/>
+                <a:off x="3026716" y="2537559"/>
                 <a:ext cx="152286" cy="212622"/>
               </a:xfrm>
               <a:prstGeom prst="rect">
@@ -23340,7 +23343,7 @@
             </p:nvSpPr>
             <p:spPr>
               <a:xfrm>
-                <a:off x="3346771" y="3509133"/>
+                <a:off x="3026716" y="2537559"/>
                 <a:ext cx="152286" cy="212622"/>
               </a:xfrm>
               <a:prstGeom prst="rect">
@@ -23349,7 +23352,7 @@
               <a:blipFill>
                 <a:blip r:embed="rId5"/>
                 <a:stretch>
-                  <a:fillRect l="-16000" r="-28000" b="-2857"/>
+                  <a:fillRect l="-20833" r="-33333" b="-5714"/>
                 </a:stretch>
               </a:blipFill>
             </p:spPr>
@@ -23421,8 +23424,8 @@
           <p:nvPr/>
         </p:nvSpPr>
         <p:spPr>
-          <a:xfrm rot="10800000">
-            <a:off x="3168560" y="3315686"/>
+          <a:xfrm rot="15482501">
+            <a:off x="3165851" y="2661586"/>
             <a:ext cx="291983" cy="290391"/>
           </a:xfrm>
           <a:prstGeom prst="arc">
@@ -23447,6 +23450,545 @@
           </a:effectRef>
           <a:fontRef idx="minor">
             <a:schemeClr val="tx1"/>
+          </a:fontRef>
+        </p:style>
+        <p:txBody>
+          <a:bodyPr rtlCol="0" anchor="ctr"/>
+          <a:lstStyle/>
+          <a:p>
+            <a:pPr algn="ctr"/>
+            <a:endParaRPr lang="en-US"/>
+          </a:p>
+        </p:txBody>
+      </p:sp>
+      <p:cxnSp>
+        <p:nvCxnSpPr>
+          <p:cNvPr id="20" name="Straight Connector 19">
+            <a:extLst>
+              <a:ext uri="{FF2B5EF4-FFF2-40B4-BE49-F238E27FC236}">
+                <a16:creationId xmlns:a16="http://schemas.microsoft.com/office/drawing/2014/main" id="{278B67F8-61A5-4B3B-869D-567FF34AF13F}"/>
+              </a:ext>
+            </a:extLst>
+          </p:cNvPr>
+          <p:cNvCxnSpPr/>
+          <p:nvPr/>
+        </p:nvCxnSpPr>
+        <p:spPr>
+          <a:xfrm>
+            <a:off x="3279281" y="3385607"/>
+            <a:ext cx="548640" cy="0"/>
+          </a:xfrm>
+          <a:prstGeom prst="line">
+            <a:avLst/>
+          </a:prstGeom>
+          <a:ln w="9525">
+            <a:solidFill>
+              <a:schemeClr val="tx1"/>
+            </a:solidFill>
+            <a:prstDash val="sysDot"/>
+            <a:tailEnd type="arrow" w="sm" len="sm"/>
+          </a:ln>
+        </p:spPr>
+        <p:style>
+          <a:lnRef idx="1">
+            <a:schemeClr val="accent1"/>
+          </a:lnRef>
+          <a:fillRef idx="0">
+            <a:schemeClr val="accent1"/>
+          </a:fillRef>
+          <a:effectRef idx="0">
+            <a:schemeClr val="accent1"/>
+          </a:effectRef>
+          <a:fontRef idx="minor">
+            <a:schemeClr val="tx1"/>
+          </a:fontRef>
+        </p:style>
+      </p:cxnSp>
+      <p:cxnSp>
+        <p:nvCxnSpPr>
+          <p:cNvPr id="21" name="Straight Connector 20">
+            <a:extLst>
+              <a:ext uri="{FF2B5EF4-FFF2-40B4-BE49-F238E27FC236}">
+                <a16:creationId xmlns:a16="http://schemas.microsoft.com/office/drawing/2014/main" id="{47BAF50E-405C-462F-BB14-8C81E2A531B0}"/>
+              </a:ext>
+            </a:extLst>
+          </p:cNvPr>
+          <p:cNvCxnSpPr>
+            <a:cxnSpLocks/>
+          </p:cNvCxnSpPr>
+          <p:nvPr/>
+        </p:nvCxnSpPr>
+        <p:spPr>
+          <a:xfrm>
+            <a:off x="3827921" y="3383912"/>
+            <a:ext cx="48380" cy="253053"/>
+          </a:xfrm>
+          <a:prstGeom prst="line">
+            <a:avLst/>
+          </a:prstGeom>
+          <a:ln w="9525">
+            <a:solidFill>
+              <a:schemeClr val="tx1"/>
+            </a:solidFill>
+            <a:prstDash val="sysDot"/>
+            <a:tailEnd type="arrow" w="sm" len="sm"/>
+          </a:ln>
+        </p:spPr>
+        <p:style>
+          <a:lnRef idx="1">
+            <a:schemeClr val="accent1"/>
+          </a:lnRef>
+          <a:fillRef idx="0">
+            <a:schemeClr val="accent1"/>
+          </a:fillRef>
+          <a:effectRef idx="0">
+            <a:schemeClr val="accent1"/>
+          </a:effectRef>
+          <a:fontRef idx="minor">
+            <a:schemeClr val="tx1"/>
+          </a:fontRef>
+        </p:style>
+      </p:cxnSp>
+      <mc:AlternateContent xmlns:mc="http://schemas.openxmlformats.org/markup-compatibility/2006">
+        <mc:Choice xmlns:a14="http://schemas.microsoft.com/office/drawing/2010/main" Requires="a14">
+          <p:sp>
+            <p:nvSpPr>
+              <p:cNvPr id="23" name="TextBox 22">
+                <a:extLst>
+                  <a:ext uri="{FF2B5EF4-FFF2-40B4-BE49-F238E27FC236}">
+                    <a16:creationId xmlns:a16="http://schemas.microsoft.com/office/drawing/2014/main" id="{ABD71B82-77BA-4A6E-A57C-1414E946CD81}"/>
+                  </a:ext>
+                </a:extLst>
+              </p:cNvPr>
+              <p:cNvSpPr txBox="1"/>
+              <p:nvPr/>
+            </p:nvSpPr>
+            <p:spPr>
+              <a:xfrm>
+                <a:off x="3530941" y="3187928"/>
+                <a:ext cx="142731" cy="230256"/>
+              </a:xfrm>
+              <a:prstGeom prst="rect">
+                <a:avLst/>
+              </a:prstGeom>
+              <a:noFill/>
+            </p:spPr>
+            <p:txBody>
+              <a:bodyPr wrap="none" lIns="0" rIns="0" rtlCol="0">
+                <a:spAutoFit/>
+              </a:bodyPr>
+              <a:lstStyle/>
+              <a:p>
+                <a14:m>
+                  <m:oMath xmlns:m="http://schemas.openxmlformats.org/officeDocument/2006/math">
+                    <m:acc>
+                      <m:accPr>
+                        <m:chr m:val="⃑"/>
+                        <m:ctrlPr>
+                          <a:rPr lang="en-US" altLang="zh-CN" sz="800" i="1" smtClean="0">
+                            <a:latin typeface="Cambria Math" panose="02040503050406030204" pitchFamily="18" charset="0"/>
+                          </a:rPr>
+                        </m:ctrlPr>
+                      </m:accPr>
+                      <m:e>
+                        <m:r>
+                          <a:rPr lang="en-US" altLang="zh-CN" sz="800" b="0" i="1" smtClean="0">
+                            <a:latin typeface="Cambria Math" panose="02040503050406030204" pitchFamily="18" charset="0"/>
+                          </a:rPr>
+                          <m:t>𝑉</m:t>
+                        </m:r>
+                      </m:e>
+                    </m:acc>
+                  </m:oMath>
+                </a14:m>
+                <a:r>
+                  <a:rPr lang="en-US" altLang="zh-CN" sz="800" baseline="-25000" dirty="0"/>
+                  <a:t>A1</a:t>
+                </a:r>
+                <a:endParaRPr lang="zh-CN" altLang="en-US" sz="800" baseline="-25000" dirty="0"/>
+              </a:p>
+            </p:txBody>
+          </p:sp>
+        </mc:Choice>
+        <mc:Fallback>
+          <p:sp>
+            <p:nvSpPr>
+              <p:cNvPr id="23" name="TextBox 22">
+                <a:extLst>
+                  <a:ext uri="{FF2B5EF4-FFF2-40B4-BE49-F238E27FC236}">
+                    <a16:creationId xmlns:a16="http://schemas.microsoft.com/office/drawing/2014/main" id="{ABD71B82-77BA-4A6E-A57C-1414E946CD81}"/>
+                  </a:ext>
+                </a:extLst>
+              </p:cNvPr>
+              <p:cNvSpPr txBox="1">
+                <a:spLocks noRot="1" noChangeAspect="1" noMove="1" noResize="1" noEditPoints="1" noAdjustHandles="1" noChangeArrowheads="1" noChangeShapeType="1" noTextEdit="1"/>
+              </p:cNvSpPr>
+              <p:nvPr/>
+            </p:nvSpPr>
+            <p:spPr>
+              <a:xfrm>
+                <a:off x="3530941" y="3187928"/>
+                <a:ext cx="142731" cy="230256"/>
+              </a:xfrm>
+              <a:prstGeom prst="rect">
+                <a:avLst/>
+              </a:prstGeom>
+              <a:blipFill>
+                <a:blip r:embed="rId6"/>
+                <a:stretch>
+                  <a:fillRect l="-25000" r="-25000" b="-2632"/>
+                </a:stretch>
+              </a:blipFill>
+            </p:spPr>
+            <p:txBody>
+              <a:bodyPr/>
+              <a:lstStyle/>
+              <a:p>
+                <a:r>
+                  <a:rPr lang="en-US">
+                    <a:noFill/>
+                  </a:rPr>
+                  <a:t> </a:t>
+                </a:r>
+              </a:p>
+            </p:txBody>
+          </p:sp>
+        </mc:Fallback>
+      </mc:AlternateContent>
+      <mc:AlternateContent xmlns:mc="http://schemas.openxmlformats.org/markup-compatibility/2006">
+        <mc:Choice xmlns:a14="http://schemas.microsoft.com/office/drawing/2010/main" Requires="a14">
+          <p:sp>
+            <p:nvSpPr>
+              <p:cNvPr id="24" name="TextBox 23">
+                <a:extLst>
+                  <a:ext uri="{FF2B5EF4-FFF2-40B4-BE49-F238E27FC236}">
+                    <a16:creationId xmlns:a16="http://schemas.microsoft.com/office/drawing/2014/main" id="{FB8F1917-4974-4AFB-8BD1-2C28666A467A}"/>
+                  </a:ext>
+                </a:extLst>
+              </p:cNvPr>
+              <p:cNvSpPr txBox="1"/>
+              <p:nvPr/>
+            </p:nvSpPr>
+            <p:spPr>
+              <a:xfrm>
+                <a:off x="4364315" y="3243035"/>
+                <a:ext cx="415370" cy="230256"/>
+              </a:xfrm>
+              <a:prstGeom prst="rect">
+                <a:avLst/>
+              </a:prstGeom>
+              <a:noFill/>
+            </p:spPr>
+            <p:txBody>
+              <a:bodyPr wrap="none" lIns="0" rIns="0" rtlCol="0">
+                <a:spAutoFit/>
+              </a:bodyPr>
+              <a:lstStyle/>
+              <a:p>
+                <a14:m>
+                  <m:oMath xmlns:m="http://schemas.openxmlformats.org/officeDocument/2006/math">
+                    <m:acc>
+                      <m:accPr>
+                        <m:chr m:val="⃑"/>
+                        <m:ctrlPr>
+                          <a:rPr lang="en-US" altLang="zh-CN" sz="800" i="1" smtClean="0">
+                            <a:latin typeface="Cambria Math" panose="02040503050406030204" pitchFamily="18" charset="0"/>
+                          </a:rPr>
+                        </m:ctrlPr>
+                      </m:accPr>
+                      <m:e>
+                        <m:r>
+                          <m:rPr>
+                            <m:sty m:val="p"/>
+                          </m:rPr>
+                          <a:rPr lang="el-GR" altLang="zh-CN" sz="800" i="1" smtClean="0">
+                            <a:latin typeface="Cambria Math" panose="02040503050406030204" pitchFamily="18" charset="0"/>
+                          </a:rPr>
+                          <m:t>ω</m:t>
+                        </m:r>
+                      </m:e>
+                    </m:acc>
+                  </m:oMath>
+                </a14:m>
+                <a:r>
+                  <a:rPr lang="en-US" altLang="zh-CN" sz="800" baseline="-25000" dirty="0"/>
+                  <a:t>A1</a:t>
+                </a:r>
+                <a:r>
+                  <a:rPr lang="en-US" altLang="zh-CN" sz="800" dirty="0"/>
+                  <a:t> </a:t>
+                </a:r>
+                <a14:m>
+                  <m:oMath xmlns:m="http://schemas.openxmlformats.org/officeDocument/2006/math">
+                    <m:r>
+                      <a:rPr lang="en-US" altLang="zh-CN" sz="800" i="1" smtClean="0">
+                        <a:latin typeface="Cambria Math" panose="02040503050406030204" pitchFamily="18" charset="0"/>
+                        <a:ea typeface="Cambria Math" panose="02040503050406030204" pitchFamily="18" charset="0"/>
+                      </a:rPr>
+                      <m:t>×</m:t>
+                    </m:r>
+                    <m:acc>
+                      <m:accPr>
+                        <m:chr m:val="⃑"/>
+                        <m:ctrlPr>
+                          <a:rPr lang="en-US" altLang="zh-CN" sz="800" i="1">
+                            <a:latin typeface="Cambria Math" panose="02040503050406030204" pitchFamily="18" charset="0"/>
+                          </a:rPr>
+                        </m:ctrlPr>
+                      </m:accPr>
+                      <m:e>
+                        <m:r>
+                          <a:rPr lang="en-US" altLang="zh-CN" sz="800" i="1">
+                            <a:latin typeface="Cambria Math" panose="02040503050406030204" pitchFamily="18" charset="0"/>
+                          </a:rPr>
+                          <m:t>𝑅</m:t>
+                        </m:r>
+                      </m:e>
+                    </m:acc>
+                  </m:oMath>
+                </a14:m>
+                <a:r>
+                  <a:rPr lang="en-US" altLang="zh-CN" sz="800" baseline="-25000" dirty="0"/>
+                  <a:t>AP</a:t>
+                </a:r>
+                <a:endParaRPr lang="zh-CN" altLang="en-US" sz="800" baseline="-25000" dirty="0"/>
+              </a:p>
+            </p:txBody>
+          </p:sp>
+        </mc:Choice>
+        <mc:Fallback>
+          <p:sp>
+            <p:nvSpPr>
+              <p:cNvPr id="24" name="TextBox 23">
+                <a:extLst>
+                  <a:ext uri="{FF2B5EF4-FFF2-40B4-BE49-F238E27FC236}">
+                    <a16:creationId xmlns:a16="http://schemas.microsoft.com/office/drawing/2014/main" id="{FB8F1917-4974-4AFB-8BD1-2C28666A467A}"/>
+                  </a:ext>
+                </a:extLst>
+              </p:cNvPr>
+              <p:cNvSpPr txBox="1">
+                <a:spLocks noRot="1" noChangeAspect="1" noMove="1" noResize="1" noEditPoints="1" noAdjustHandles="1" noChangeArrowheads="1" noChangeShapeType="1" noTextEdit="1"/>
+              </p:cNvSpPr>
+              <p:nvPr/>
+            </p:nvSpPr>
+            <p:spPr>
+              <a:xfrm>
+                <a:off x="4364315" y="3243035"/>
+                <a:ext cx="415370" cy="230256"/>
+              </a:xfrm>
+              <a:prstGeom prst="rect">
+                <a:avLst/>
+              </a:prstGeom>
+              <a:blipFill>
+                <a:blip r:embed="rId7"/>
+                <a:stretch>
+                  <a:fillRect l="-7353" r="-10294"/>
+                </a:stretch>
+              </a:blipFill>
+            </p:spPr>
+            <p:txBody>
+              <a:bodyPr/>
+              <a:lstStyle/>
+              <a:p>
+                <a:r>
+                  <a:rPr lang="en-US">
+                    <a:noFill/>
+                  </a:rPr>
+                  <a:t> </a:t>
+                </a:r>
+              </a:p>
+            </p:txBody>
+          </p:sp>
+        </mc:Fallback>
+      </mc:AlternateContent>
+      <p:sp>
+        <p:nvSpPr>
+          <p:cNvPr id="27" name="Freeform 13">
+            <a:extLst>
+              <a:ext uri="{FF2B5EF4-FFF2-40B4-BE49-F238E27FC236}">
+                <a16:creationId xmlns:a16="http://schemas.microsoft.com/office/drawing/2014/main" id="{0EDEAB20-EB91-47DE-89B8-19BE0E50B473}"/>
+              </a:ext>
+            </a:extLst>
+          </p:cNvPr>
+          <p:cNvSpPr/>
+          <p:nvPr/>
+        </p:nvSpPr>
+        <p:spPr>
+          <a:xfrm rot="15196401">
+            <a:off x="4048510" y="3190244"/>
+            <a:ext cx="115855" cy="473189"/>
+          </a:xfrm>
+          <a:custGeom>
+            <a:avLst/>
+            <a:gdLst>
+              <a:gd name="connsiteX0" fmla="*/ 156390 w 156390"/>
+              <a:gd name="connsiteY0" fmla="*/ 0 h 567708"/>
+              <a:gd name="connsiteX1" fmla="*/ 378 w 156390"/>
+              <a:gd name="connsiteY1" fmla="*/ 177679 h 567708"/>
+              <a:gd name="connsiteX2" fmla="*/ 113053 w 156390"/>
+              <a:gd name="connsiteY2" fmla="*/ 407363 h 567708"/>
+              <a:gd name="connsiteX3" fmla="*/ 130388 w 156390"/>
+              <a:gd name="connsiteY3" fmla="*/ 567708 h 567708"/>
+              <a:gd name="connsiteX4" fmla="*/ 130388 w 156390"/>
+              <a:gd name="connsiteY4" fmla="*/ 567708 h 567708"/>
+              <a:gd name="connsiteX0" fmla="*/ 156390 w 157057"/>
+              <a:gd name="connsiteY0" fmla="*/ 0 h 567708"/>
+              <a:gd name="connsiteX1" fmla="*/ 378 w 157057"/>
+              <a:gd name="connsiteY1" fmla="*/ 177679 h 567708"/>
+              <a:gd name="connsiteX2" fmla="*/ 113053 w 157057"/>
+              <a:gd name="connsiteY2" fmla="*/ 407363 h 567708"/>
+              <a:gd name="connsiteX3" fmla="*/ 130388 w 157057"/>
+              <a:gd name="connsiteY3" fmla="*/ 567708 h 567708"/>
+              <a:gd name="connsiteX4" fmla="*/ 130388 w 157057"/>
+              <a:gd name="connsiteY4" fmla="*/ 567708 h 567708"/>
+              <a:gd name="connsiteX0" fmla="*/ 156390 w 168460"/>
+              <a:gd name="connsiteY0" fmla="*/ 0 h 567708"/>
+              <a:gd name="connsiteX1" fmla="*/ 378 w 168460"/>
+              <a:gd name="connsiteY1" fmla="*/ 177679 h 567708"/>
+              <a:gd name="connsiteX2" fmla="*/ 113053 w 168460"/>
+              <a:gd name="connsiteY2" fmla="*/ 407363 h 567708"/>
+              <a:gd name="connsiteX3" fmla="*/ 130388 w 168460"/>
+              <a:gd name="connsiteY3" fmla="*/ 567708 h 567708"/>
+              <a:gd name="connsiteX4" fmla="*/ 130388 w 168460"/>
+              <a:gd name="connsiteY4" fmla="*/ 567708 h 567708"/>
+              <a:gd name="connsiteX0" fmla="*/ 139118 w 152058"/>
+              <a:gd name="connsiteY0" fmla="*/ 0 h 567708"/>
+              <a:gd name="connsiteX1" fmla="*/ 441 w 152058"/>
+              <a:gd name="connsiteY1" fmla="*/ 234016 h 567708"/>
+              <a:gd name="connsiteX2" fmla="*/ 95781 w 152058"/>
+              <a:gd name="connsiteY2" fmla="*/ 407363 h 567708"/>
+              <a:gd name="connsiteX3" fmla="*/ 113116 w 152058"/>
+              <a:gd name="connsiteY3" fmla="*/ 567708 h 567708"/>
+              <a:gd name="connsiteX4" fmla="*/ 113116 w 152058"/>
+              <a:gd name="connsiteY4" fmla="*/ 567708 h 567708"/>
+              <a:gd name="connsiteX0" fmla="*/ 138981 w 197949"/>
+              <a:gd name="connsiteY0" fmla="*/ 0 h 567708"/>
+              <a:gd name="connsiteX1" fmla="*/ 304 w 197949"/>
+              <a:gd name="connsiteY1" fmla="*/ 234016 h 567708"/>
+              <a:gd name="connsiteX2" fmla="*/ 195318 w 197949"/>
+              <a:gd name="connsiteY2" fmla="*/ 312023 h 567708"/>
+              <a:gd name="connsiteX3" fmla="*/ 112979 w 197949"/>
+              <a:gd name="connsiteY3" fmla="*/ 567708 h 567708"/>
+              <a:gd name="connsiteX4" fmla="*/ 112979 w 197949"/>
+              <a:gd name="connsiteY4" fmla="*/ 567708 h 567708"/>
+              <a:gd name="connsiteX0" fmla="*/ 138964 w 197932"/>
+              <a:gd name="connsiteY0" fmla="*/ 0 h 567708"/>
+              <a:gd name="connsiteX1" fmla="*/ 287 w 197932"/>
+              <a:gd name="connsiteY1" fmla="*/ 234016 h 567708"/>
+              <a:gd name="connsiteX2" fmla="*/ 195301 w 197932"/>
+              <a:gd name="connsiteY2" fmla="*/ 312023 h 567708"/>
+              <a:gd name="connsiteX3" fmla="*/ 112962 w 197932"/>
+              <a:gd name="connsiteY3" fmla="*/ 567708 h 567708"/>
+              <a:gd name="connsiteX4" fmla="*/ 112962 w 197932"/>
+              <a:gd name="connsiteY4" fmla="*/ 567708 h 567708"/>
+              <a:gd name="connsiteX0" fmla="*/ 108671 w 166544"/>
+              <a:gd name="connsiteY0" fmla="*/ 0 h 567708"/>
+              <a:gd name="connsiteX1" fmla="*/ 330 w 166544"/>
+              <a:gd name="connsiteY1" fmla="*/ 303355 h 567708"/>
+              <a:gd name="connsiteX2" fmla="*/ 165008 w 166544"/>
+              <a:gd name="connsiteY2" fmla="*/ 312023 h 567708"/>
+              <a:gd name="connsiteX3" fmla="*/ 82669 w 166544"/>
+              <a:gd name="connsiteY3" fmla="*/ 567708 h 567708"/>
+              <a:gd name="connsiteX4" fmla="*/ 82669 w 166544"/>
+              <a:gd name="connsiteY4" fmla="*/ 567708 h 567708"/>
+              <a:gd name="connsiteX0" fmla="*/ 108831 w 179543"/>
+              <a:gd name="connsiteY0" fmla="*/ 0 h 567708"/>
+              <a:gd name="connsiteX1" fmla="*/ 490 w 179543"/>
+              <a:gd name="connsiteY1" fmla="*/ 303355 h 567708"/>
+              <a:gd name="connsiteX2" fmla="*/ 178169 w 179543"/>
+              <a:gd name="connsiteY2" fmla="*/ 403030 h 567708"/>
+              <a:gd name="connsiteX3" fmla="*/ 82829 w 179543"/>
+              <a:gd name="connsiteY3" fmla="*/ 567708 h 567708"/>
+              <a:gd name="connsiteX4" fmla="*/ 82829 w 179543"/>
+              <a:gd name="connsiteY4" fmla="*/ 567708 h 567708"/>
+              <a:gd name="connsiteX0" fmla="*/ 115928 w 203752"/>
+              <a:gd name="connsiteY0" fmla="*/ 0 h 539876"/>
+              <a:gd name="connsiteX1" fmla="*/ 12350 w 203752"/>
+              <a:gd name="connsiteY1" fmla="*/ 275523 h 539876"/>
+              <a:gd name="connsiteX2" fmla="*/ 190029 w 203752"/>
+              <a:gd name="connsiteY2" fmla="*/ 375198 h 539876"/>
+              <a:gd name="connsiteX3" fmla="*/ 94689 w 203752"/>
+              <a:gd name="connsiteY3" fmla="*/ 539876 h 539876"/>
+              <a:gd name="connsiteX4" fmla="*/ 94689 w 203752"/>
+              <a:gd name="connsiteY4" fmla="*/ 539876 h 539876"/>
+              <a:gd name="connsiteX0" fmla="*/ 115928 w 203752"/>
+              <a:gd name="connsiteY0" fmla="*/ 0 h 539876"/>
+              <a:gd name="connsiteX1" fmla="*/ 12350 w 203752"/>
+              <a:gd name="connsiteY1" fmla="*/ 275523 h 539876"/>
+              <a:gd name="connsiteX2" fmla="*/ 190029 w 203752"/>
+              <a:gd name="connsiteY2" fmla="*/ 375198 h 539876"/>
+              <a:gd name="connsiteX3" fmla="*/ 94689 w 203752"/>
+              <a:gd name="connsiteY3" fmla="*/ 539876 h 539876"/>
+              <a:gd name="connsiteX4" fmla="*/ 94689 w 203752"/>
+              <a:gd name="connsiteY4" fmla="*/ 539876 h 539876"/>
+            </a:gdLst>
+            <a:ahLst/>
+            <a:cxnLst>
+              <a:cxn ang="0">
+                <a:pos x="connsiteX0" y="connsiteY0"/>
+              </a:cxn>
+              <a:cxn ang="0">
+                <a:pos x="connsiteX1" y="connsiteY1"/>
+              </a:cxn>
+              <a:cxn ang="0">
+                <a:pos x="connsiteX2" y="connsiteY2"/>
+              </a:cxn>
+              <a:cxn ang="0">
+                <a:pos x="connsiteX3" y="connsiteY3"/>
+              </a:cxn>
+              <a:cxn ang="0">
+                <a:pos x="connsiteX4" y="connsiteY4"/>
+              </a:cxn>
+            </a:cxnLst>
+            <a:rect l="l" t="t" r="r" b="b"/>
+            <a:pathLst>
+              <a:path w="203752" h="539876">
+                <a:moveTo>
+                  <a:pt x="115928" y="0"/>
+                </a:moveTo>
+                <a:cubicBezTo>
+                  <a:pt x="90818" y="56722"/>
+                  <a:pt x="0" y="212990"/>
+                  <a:pt x="12350" y="275523"/>
+                </a:cubicBezTo>
+                <a:cubicBezTo>
+                  <a:pt x="24700" y="338056"/>
+                  <a:pt x="176306" y="331139"/>
+                  <a:pt x="190029" y="375198"/>
+                </a:cubicBezTo>
+                <a:cubicBezTo>
+                  <a:pt x="203752" y="419257"/>
+                  <a:pt x="110579" y="512430"/>
+                  <a:pt x="94689" y="539876"/>
+                </a:cubicBezTo>
+                <a:lnTo>
+                  <a:pt x="94689" y="539876"/>
+                </a:lnTo>
+              </a:path>
+            </a:pathLst>
+          </a:custGeom>
+          <a:noFill/>
+          <a:ln w="6350">
+            <a:solidFill>
+              <a:schemeClr val="tx1"/>
+            </a:solidFill>
+            <a:headEnd type="arrow" w="sm" len="sm"/>
+          </a:ln>
+        </p:spPr>
+        <p:style>
+          <a:lnRef idx="2">
+            <a:schemeClr val="accent1">
+              <a:shade val="50000"/>
+            </a:schemeClr>
+          </a:lnRef>
+          <a:fillRef idx="1">
+            <a:schemeClr val="accent1"/>
+          </a:fillRef>
+          <a:effectRef idx="0">
+            <a:schemeClr val="accent1"/>
+          </a:effectRef>
+          <a:fontRef idx="minor">
+            <a:schemeClr val="lt1"/>
           </a:fontRef>
         </p:style>
         <p:txBody>
@@ -23760,6 +24302,7 @@
             <a:solidFill>
               <a:schemeClr val="tx1"/>
             </a:solidFill>
+            <a:prstDash val="dash"/>
             <a:tailEnd type="triangle" w="sm" len="sm"/>
           </a:ln>
         </p:spPr>
@@ -23832,7 +24375,7 @@
             </p:nvSpPr>
             <p:spPr>
               <a:xfrm>
-                <a:off x="3812079" y="2628178"/>
+                <a:off x="3692348" y="2462329"/>
                 <a:ext cx="144078" cy="230256"/>
               </a:xfrm>
               <a:prstGeom prst="rect">
@@ -23894,7 +24437,7 @@
             </p:nvSpPr>
             <p:spPr>
               <a:xfrm>
-                <a:off x="3812079" y="2628178"/>
+                <a:off x="3692348" y="2462329"/>
                 <a:ext cx="144078" cy="230256"/>
               </a:xfrm>
               <a:prstGeom prst="rect">
@@ -23903,7 +24446,7 @@
               <a:blipFill>
                 <a:blip r:embed="rId2"/>
                 <a:stretch>
-                  <a:fillRect l="-25000" r="-25000" b="-5263"/>
+                  <a:fillRect l="-26087" r="-30435" b="-2632"/>
                 </a:stretch>
               </a:blipFill>
             </p:spPr>
@@ -23960,169 +24503,8 @@
           </a:p>
         </p:txBody>
       </p:sp>
-      <mc:AlternateContent xmlns:mc="http://schemas.openxmlformats.org/markup-compatibility/2006">
-        <mc:Choice xmlns:a14="http://schemas.microsoft.com/office/drawing/2010/main" Requires="a14">
-          <p:sp>
-            <p:nvSpPr>
-              <p:cNvPr id="11" name="TextBox 10">
-                <a:extLst>
-                  <a:ext uri="{FF2B5EF4-FFF2-40B4-BE49-F238E27FC236}">
-                    <a16:creationId xmlns:a16="http://schemas.microsoft.com/office/drawing/2014/main" id="{610072D9-525C-4811-ABB3-AAECCCA47946}"/>
-                  </a:ext>
-                </a:extLst>
-              </p:cNvPr>
-              <p:cNvSpPr txBox="1"/>
-              <p:nvPr/>
-            </p:nvSpPr>
-            <p:spPr>
-              <a:xfrm>
-                <a:off x="3743407" y="3041243"/>
-                <a:ext cx="152286" cy="212622"/>
-              </a:xfrm>
-              <a:prstGeom prst="rect">
-                <a:avLst/>
-              </a:prstGeom>
-              <a:noFill/>
-            </p:spPr>
-            <p:txBody>
-              <a:bodyPr wrap="none" lIns="0" rIns="0" rtlCol="0">
-                <a:spAutoFit/>
-              </a:bodyPr>
-              <a:lstStyle/>
-              <a:p>
-                <a14:m>
-                  <m:oMath xmlns:m="http://schemas.openxmlformats.org/officeDocument/2006/math">
-                    <m:acc>
-                      <m:accPr>
-                        <m:chr m:val="⃑"/>
-                        <m:ctrlPr>
-                          <a:rPr lang="en-US" altLang="zh-CN" sz="800" i="1" smtClean="0">
-                            <a:latin typeface="Cambria Math" panose="02040503050406030204" pitchFamily="18" charset="0"/>
-                          </a:rPr>
-                        </m:ctrlPr>
-                      </m:accPr>
-                      <m:e>
-                        <m:r>
-                          <m:rPr>
-                            <m:sty m:val="p"/>
-                          </m:rPr>
-                          <a:rPr lang="el-GR" altLang="zh-CN" sz="800" i="1" smtClean="0">
-                            <a:latin typeface="Cambria Math" panose="02040503050406030204" pitchFamily="18" charset="0"/>
-                          </a:rPr>
-                          <m:t>ω</m:t>
-                        </m:r>
-                      </m:e>
-                    </m:acc>
-                  </m:oMath>
-                </a14:m>
-                <a:r>
-                  <a:rPr lang="en-US" altLang="zh-CN" sz="800" baseline="-25000" dirty="0"/>
-                  <a:t>A1</a:t>
-                </a:r>
-                <a:endParaRPr lang="zh-CN" altLang="en-US" sz="800" baseline="-25000" dirty="0"/>
-              </a:p>
-            </p:txBody>
-          </p:sp>
-        </mc:Choice>
-        <mc:Fallback>
-          <p:sp>
-            <p:nvSpPr>
-              <p:cNvPr id="11" name="TextBox 10">
-                <a:extLst>
-                  <a:ext uri="{FF2B5EF4-FFF2-40B4-BE49-F238E27FC236}">
-                    <a16:creationId xmlns:a16="http://schemas.microsoft.com/office/drawing/2014/main" id="{610072D9-525C-4811-ABB3-AAECCCA47946}"/>
-                  </a:ext>
-                </a:extLst>
-              </p:cNvPr>
-              <p:cNvSpPr txBox="1">
-                <a:spLocks noRot="1" noChangeAspect="1" noMove="1" noResize="1" noEditPoints="1" noAdjustHandles="1" noChangeArrowheads="1" noChangeShapeType="1" noTextEdit="1"/>
-              </p:cNvSpPr>
-              <p:nvPr/>
-            </p:nvSpPr>
-            <p:spPr>
-              <a:xfrm>
-                <a:off x="3743407" y="3041243"/>
-                <a:ext cx="152286" cy="212622"/>
-              </a:xfrm>
-              <a:prstGeom prst="rect">
-                <a:avLst/>
-              </a:prstGeom>
-              <a:blipFill>
-                <a:blip r:embed="rId3"/>
-                <a:stretch>
-                  <a:fillRect l="-16000" r="-28000" b="-2857"/>
-                </a:stretch>
-              </a:blipFill>
-            </p:spPr>
-            <p:txBody>
-              <a:bodyPr/>
-              <a:lstStyle/>
-              <a:p>
-                <a:r>
-                  <a:rPr lang="en-US">
-                    <a:noFill/>
-                  </a:rPr>
-                  <a:t> </a:t>
-                </a:r>
-              </a:p>
-            </p:txBody>
-          </p:sp>
-        </mc:Fallback>
-      </mc:AlternateContent>
-      <p:sp>
-        <p:nvSpPr>
-          <p:cNvPr id="12" name="Arc 11">
-            <a:extLst>
-              <a:ext uri="{FF2B5EF4-FFF2-40B4-BE49-F238E27FC236}">
-                <a16:creationId xmlns:a16="http://schemas.microsoft.com/office/drawing/2014/main" id="{3A2F6725-B86C-4F52-AF51-2EEA8F3E0F95}"/>
-              </a:ext>
-            </a:extLst>
-          </p:cNvPr>
-          <p:cNvSpPr>
-            <a:spLocks noChangeAspect="1"/>
-          </p:cNvSpPr>
-          <p:nvPr/>
-        </p:nvSpPr>
-        <p:spPr>
-          <a:xfrm rot="10800000">
-            <a:off x="3565196" y="2847796"/>
-            <a:ext cx="291983" cy="290391"/>
-          </a:xfrm>
-          <a:prstGeom prst="arc">
-            <a:avLst/>
-          </a:prstGeom>
-          <a:ln w="9525">
-            <a:solidFill>
-              <a:schemeClr val="tx1"/>
-            </a:solidFill>
-            <a:headEnd type="triangle" w="sm" len="sm"/>
-          </a:ln>
-        </p:spPr>
-        <p:style>
-          <a:lnRef idx="1">
-            <a:schemeClr val="accent1"/>
-          </a:lnRef>
-          <a:fillRef idx="0">
-            <a:schemeClr val="accent1"/>
-          </a:fillRef>
-          <a:effectRef idx="0">
-            <a:schemeClr val="accent1"/>
-          </a:effectRef>
-          <a:fontRef idx="minor">
-            <a:schemeClr val="tx1"/>
-          </a:fontRef>
-        </p:style>
-        <p:txBody>
-          <a:bodyPr rtlCol="0" anchor="ctr"/>
-          <a:lstStyle/>
-          <a:p>
-            <a:pPr algn="ctr"/>
-            <a:endParaRPr lang="en-US"/>
-          </a:p>
-        </p:txBody>
-      </p:sp>
-      <mc:AlternateContent xmlns:mc="http://schemas.openxmlformats.org/markup-compatibility/2006">
-        <mc:Choice xmlns:a14="http://schemas.microsoft.com/office/drawing/2010/main" Requires="a14">
+      <mc:AlternateContent xmlns:mc="http://schemas.openxmlformats.org/markup-compatibility/2006" xmlns:a14="http://schemas.microsoft.com/office/drawing/2010/main">
+        <mc:Choice Requires="a14">
           <p:sp>
             <p:nvSpPr>
               <p:cNvPr id="13" name="TextBox 12">
@@ -24185,7 +24567,7 @@
             </p:txBody>
           </p:sp>
         </mc:Choice>
-        <mc:Fallback>
+        <mc:Fallback xmlns="">
           <p:sp>
             <p:nvSpPr>
               <p:cNvPr id="13" name="TextBox 12">
@@ -24323,8 +24705,8 @@
           </a:p>
         </p:txBody>
       </p:sp>
-      <mc:AlternateContent xmlns:mc="http://schemas.openxmlformats.org/markup-compatibility/2006">
-        <mc:Choice xmlns:a14="http://schemas.microsoft.com/office/drawing/2010/main" Requires="a14">
+      <mc:AlternateContent xmlns:mc="http://schemas.openxmlformats.org/markup-compatibility/2006" xmlns:a14="http://schemas.microsoft.com/office/drawing/2010/main">
+        <mc:Choice Requires="a14">
           <p:sp>
             <p:nvSpPr>
               <p:cNvPr id="16" name="TextBox 15">
@@ -24384,7 +24766,7 @@
             </p:txBody>
           </p:sp>
         </mc:Choice>
-        <mc:Fallback>
+        <mc:Fallback xmlns="">
           <p:sp>
             <p:nvSpPr>
               <p:cNvPr id="16" name="TextBox 15">
@@ -24560,6 +24942,7 @@
             <a:solidFill>
               <a:schemeClr val="tx1"/>
             </a:solidFill>
+            <a:prstDash val="dash"/>
             <a:headEnd type="triangle" w="sm" len="sm"/>
             <a:tailEnd type="none" w="sm" len="sm"/>
           </a:ln>
@@ -24579,6 +24962,1739 @@
           </a:fontRef>
         </p:style>
       </p:cxnSp>
+      <p:cxnSp>
+        <p:nvCxnSpPr>
+          <p:cNvPr id="20" name="Straight Connector 19">
+            <a:extLst>
+              <a:ext uri="{FF2B5EF4-FFF2-40B4-BE49-F238E27FC236}">
+                <a16:creationId xmlns:a16="http://schemas.microsoft.com/office/drawing/2014/main" id="{621B18B9-F132-497B-81DD-461CB94AFD4D}"/>
+              </a:ext>
+            </a:extLst>
+          </p:cNvPr>
+          <p:cNvCxnSpPr/>
+          <p:nvPr/>
+        </p:nvCxnSpPr>
+        <p:spPr>
+          <a:xfrm>
+            <a:off x="3870960" y="2590800"/>
+            <a:ext cx="548640" cy="0"/>
+          </a:xfrm>
+          <a:prstGeom prst="line">
+            <a:avLst/>
+          </a:prstGeom>
+          <a:ln w="9525">
+            <a:solidFill>
+              <a:schemeClr val="tx1"/>
+            </a:solidFill>
+            <a:tailEnd type="triangle" w="sm" len="sm"/>
+          </a:ln>
+        </p:spPr>
+        <p:style>
+          <a:lnRef idx="1">
+            <a:schemeClr val="accent1"/>
+          </a:lnRef>
+          <a:fillRef idx="0">
+            <a:schemeClr val="accent1"/>
+          </a:fillRef>
+          <a:effectRef idx="0">
+            <a:schemeClr val="accent1"/>
+          </a:effectRef>
+          <a:fontRef idx="minor">
+            <a:schemeClr val="tx1"/>
+          </a:fontRef>
+        </p:style>
+      </p:cxnSp>
+      <mc:AlternateContent xmlns:mc="http://schemas.openxmlformats.org/markup-compatibility/2006">
+        <mc:Choice xmlns:a14="http://schemas.microsoft.com/office/drawing/2010/main" Requires="a14">
+          <p:sp>
+            <p:nvSpPr>
+              <p:cNvPr id="21" name="TextBox 20">
+                <a:extLst>
+                  <a:ext uri="{FF2B5EF4-FFF2-40B4-BE49-F238E27FC236}">
+                    <a16:creationId xmlns:a16="http://schemas.microsoft.com/office/drawing/2014/main" id="{05105851-B464-4F61-8EBB-CF0B8F1AA565}"/>
+                  </a:ext>
+                </a:extLst>
+              </p:cNvPr>
+              <p:cNvSpPr txBox="1"/>
+              <p:nvPr/>
+            </p:nvSpPr>
+            <p:spPr>
+              <a:xfrm>
+                <a:off x="4443556" y="2475672"/>
+                <a:ext cx="142731" cy="230256"/>
+              </a:xfrm>
+              <a:prstGeom prst="rect">
+                <a:avLst/>
+              </a:prstGeom>
+              <a:noFill/>
+            </p:spPr>
+            <p:txBody>
+              <a:bodyPr wrap="none" lIns="0" rIns="0" rtlCol="0">
+                <a:spAutoFit/>
+              </a:bodyPr>
+              <a:lstStyle/>
+              <a:p>
+                <a14:m>
+                  <m:oMath xmlns:m="http://schemas.openxmlformats.org/officeDocument/2006/math">
+                    <m:acc>
+                      <m:accPr>
+                        <m:chr m:val="⃑"/>
+                        <m:ctrlPr>
+                          <a:rPr lang="en-US" altLang="zh-CN" sz="800" i="1" smtClean="0">
+                            <a:latin typeface="Cambria Math" panose="02040503050406030204" pitchFamily="18" charset="0"/>
+                          </a:rPr>
+                        </m:ctrlPr>
+                      </m:accPr>
+                      <m:e>
+                        <m:r>
+                          <a:rPr lang="en-US" altLang="zh-CN" sz="800" b="0" i="1" smtClean="0">
+                            <a:latin typeface="Cambria Math" panose="02040503050406030204" pitchFamily="18" charset="0"/>
+                          </a:rPr>
+                          <m:t>𝑉</m:t>
+                        </m:r>
+                      </m:e>
+                    </m:acc>
+                  </m:oMath>
+                </a14:m>
+                <a:r>
+                  <a:rPr lang="en-US" altLang="zh-CN" sz="800" baseline="-25000" dirty="0"/>
+                  <a:t>A1</a:t>
+                </a:r>
+                <a:endParaRPr lang="zh-CN" altLang="en-US" sz="800" baseline="-25000" dirty="0"/>
+              </a:p>
+            </p:txBody>
+          </p:sp>
+        </mc:Choice>
+        <mc:Fallback>
+          <p:sp>
+            <p:nvSpPr>
+              <p:cNvPr id="21" name="TextBox 20">
+                <a:extLst>
+                  <a:ext uri="{FF2B5EF4-FFF2-40B4-BE49-F238E27FC236}">
+                    <a16:creationId xmlns:a16="http://schemas.microsoft.com/office/drawing/2014/main" id="{05105851-B464-4F61-8EBB-CF0B8F1AA565}"/>
+                  </a:ext>
+                </a:extLst>
+              </p:cNvPr>
+              <p:cNvSpPr txBox="1">
+                <a:spLocks noRot="1" noChangeAspect="1" noMove="1" noResize="1" noEditPoints="1" noAdjustHandles="1" noChangeArrowheads="1" noChangeShapeType="1" noTextEdit="1"/>
+              </p:cNvSpPr>
+              <p:nvPr/>
+            </p:nvSpPr>
+            <p:spPr>
+              <a:xfrm>
+                <a:off x="4443556" y="2475672"/>
+                <a:ext cx="142731" cy="230256"/>
+              </a:xfrm>
+              <a:prstGeom prst="rect">
+                <a:avLst/>
+              </a:prstGeom>
+              <a:blipFill>
+                <a:blip r:embed="rId6"/>
+                <a:stretch>
+                  <a:fillRect l="-26087" r="-30435" b="-5263"/>
+                </a:stretch>
+              </a:blipFill>
+            </p:spPr>
+            <p:txBody>
+              <a:bodyPr/>
+              <a:lstStyle/>
+              <a:p>
+                <a:r>
+                  <a:rPr lang="en-US">
+                    <a:noFill/>
+                  </a:rPr>
+                  <a:t> </a:t>
+                </a:r>
+              </a:p>
+            </p:txBody>
+          </p:sp>
+        </mc:Fallback>
+      </mc:AlternateContent>
+      <mc:AlternateContent xmlns:mc="http://schemas.openxmlformats.org/markup-compatibility/2006">
+        <mc:Choice xmlns:a14="http://schemas.microsoft.com/office/drawing/2010/main" Requires="a14">
+          <p:sp>
+            <p:nvSpPr>
+              <p:cNvPr id="22" name="TextBox 21">
+                <a:extLst>
+                  <a:ext uri="{FF2B5EF4-FFF2-40B4-BE49-F238E27FC236}">
+                    <a16:creationId xmlns:a16="http://schemas.microsoft.com/office/drawing/2014/main" id="{375B34D4-985B-47B5-A1B8-B4CC3E17BF85}"/>
+                  </a:ext>
+                </a:extLst>
+              </p:cNvPr>
+              <p:cNvSpPr txBox="1"/>
+              <p:nvPr/>
+            </p:nvSpPr>
+            <p:spPr>
+              <a:xfrm>
+                <a:off x="3399759" y="2003450"/>
+                <a:ext cx="152286" cy="212622"/>
+              </a:xfrm>
+              <a:prstGeom prst="rect">
+                <a:avLst/>
+              </a:prstGeom>
+              <a:noFill/>
+            </p:spPr>
+            <p:txBody>
+              <a:bodyPr wrap="none" lIns="0" rIns="0" rtlCol="0">
+                <a:spAutoFit/>
+              </a:bodyPr>
+              <a:lstStyle/>
+              <a:p>
+                <a14:m>
+                  <m:oMath xmlns:m="http://schemas.openxmlformats.org/officeDocument/2006/math">
+                    <m:acc>
+                      <m:accPr>
+                        <m:chr m:val="⃑"/>
+                        <m:ctrlPr>
+                          <a:rPr lang="en-US" altLang="zh-CN" sz="800" i="1" smtClean="0">
+                            <a:latin typeface="Cambria Math" panose="02040503050406030204" pitchFamily="18" charset="0"/>
+                          </a:rPr>
+                        </m:ctrlPr>
+                      </m:accPr>
+                      <m:e>
+                        <m:r>
+                          <m:rPr>
+                            <m:sty m:val="p"/>
+                          </m:rPr>
+                          <a:rPr lang="el-GR" altLang="zh-CN" sz="800" i="1" smtClean="0">
+                            <a:latin typeface="Cambria Math" panose="02040503050406030204" pitchFamily="18" charset="0"/>
+                          </a:rPr>
+                          <m:t>ω</m:t>
+                        </m:r>
+                      </m:e>
+                    </m:acc>
+                  </m:oMath>
+                </a14:m>
+                <a:r>
+                  <a:rPr lang="en-US" altLang="zh-CN" sz="800" baseline="-25000" dirty="0"/>
+                  <a:t>A1</a:t>
+                </a:r>
+                <a:endParaRPr lang="zh-CN" altLang="en-US" sz="800" baseline="-25000" dirty="0"/>
+              </a:p>
+            </p:txBody>
+          </p:sp>
+        </mc:Choice>
+        <mc:Fallback>
+          <p:sp>
+            <p:nvSpPr>
+              <p:cNvPr id="22" name="TextBox 21">
+                <a:extLst>
+                  <a:ext uri="{FF2B5EF4-FFF2-40B4-BE49-F238E27FC236}">
+                    <a16:creationId xmlns:a16="http://schemas.microsoft.com/office/drawing/2014/main" id="{375B34D4-985B-47B5-A1B8-B4CC3E17BF85}"/>
+                  </a:ext>
+                </a:extLst>
+              </p:cNvPr>
+              <p:cNvSpPr txBox="1">
+                <a:spLocks noRot="1" noChangeAspect="1" noMove="1" noResize="1" noEditPoints="1" noAdjustHandles="1" noChangeArrowheads="1" noChangeShapeType="1" noTextEdit="1"/>
+              </p:cNvSpPr>
+              <p:nvPr/>
+            </p:nvSpPr>
+            <p:spPr>
+              <a:xfrm>
+                <a:off x="3399759" y="2003450"/>
+                <a:ext cx="152286" cy="212622"/>
+              </a:xfrm>
+              <a:prstGeom prst="rect">
+                <a:avLst/>
+              </a:prstGeom>
+              <a:blipFill>
+                <a:blip r:embed="rId7"/>
+                <a:stretch>
+                  <a:fillRect l="-20000" r="-28000" b="-2857"/>
+                </a:stretch>
+              </a:blipFill>
+            </p:spPr>
+            <p:txBody>
+              <a:bodyPr/>
+              <a:lstStyle/>
+              <a:p>
+                <a:r>
+                  <a:rPr lang="en-US">
+                    <a:noFill/>
+                  </a:rPr>
+                  <a:t> </a:t>
+                </a:r>
+              </a:p>
+            </p:txBody>
+          </p:sp>
+        </mc:Fallback>
+      </mc:AlternateContent>
+      <p:sp>
+        <p:nvSpPr>
+          <p:cNvPr id="23" name="Arc 22">
+            <a:extLst>
+              <a:ext uri="{FF2B5EF4-FFF2-40B4-BE49-F238E27FC236}">
+                <a16:creationId xmlns:a16="http://schemas.microsoft.com/office/drawing/2014/main" id="{ECBF8741-3BCF-49B7-8F1F-331199E3F11A}"/>
+              </a:ext>
+            </a:extLst>
+          </p:cNvPr>
+          <p:cNvSpPr>
+            <a:spLocks noChangeAspect="1"/>
+          </p:cNvSpPr>
+          <p:nvPr/>
+        </p:nvSpPr>
+        <p:spPr>
+          <a:xfrm rot="15482501">
+            <a:off x="3538894" y="2127477"/>
+            <a:ext cx="291983" cy="290391"/>
+          </a:xfrm>
+          <a:prstGeom prst="arc">
+            <a:avLst/>
+          </a:prstGeom>
+          <a:ln w="9525">
+            <a:solidFill>
+              <a:schemeClr val="tx1"/>
+            </a:solidFill>
+            <a:headEnd type="triangle" w="sm" len="sm"/>
+          </a:ln>
+        </p:spPr>
+        <p:style>
+          <a:lnRef idx="1">
+            <a:schemeClr val="accent1"/>
+          </a:lnRef>
+          <a:fillRef idx="0">
+            <a:schemeClr val="accent1"/>
+          </a:fillRef>
+          <a:effectRef idx="0">
+            <a:schemeClr val="accent1"/>
+          </a:effectRef>
+          <a:fontRef idx="minor">
+            <a:schemeClr val="tx1"/>
+          </a:fontRef>
+        </p:style>
+        <p:txBody>
+          <a:bodyPr rtlCol="0" anchor="ctr"/>
+          <a:lstStyle/>
+          <a:p>
+            <a:pPr algn="ctr"/>
+            <a:endParaRPr lang="en-US"/>
+          </a:p>
+        </p:txBody>
+      </p:sp>
+      <mc:AlternateContent xmlns:mc="http://schemas.openxmlformats.org/markup-compatibility/2006">
+        <mc:Choice xmlns:a14="http://schemas.microsoft.com/office/drawing/2010/main" Requires="a14">
+          <p:sp>
+            <p:nvSpPr>
+              <p:cNvPr id="25" name="TextBox 24">
+                <a:extLst>
+                  <a:ext uri="{FF2B5EF4-FFF2-40B4-BE49-F238E27FC236}">
+                    <a16:creationId xmlns:a16="http://schemas.microsoft.com/office/drawing/2014/main" id="{F2B05340-5A58-4E81-AF93-1BB1282EA6BA}"/>
+                  </a:ext>
+                </a:extLst>
+              </p:cNvPr>
+              <p:cNvSpPr txBox="1"/>
+              <p:nvPr/>
+            </p:nvSpPr>
+            <p:spPr>
+              <a:xfrm>
+                <a:off x="3878503" y="3118510"/>
+                <a:ext cx="174791" cy="230256"/>
+              </a:xfrm>
+              <a:prstGeom prst="rect">
+                <a:avLst/>
+              </a:prstGeom>
+              <a:noFill/>
+            </p:spPr>
+            <p:txBody>
+              <a:bodyPr wrap="none" lIns="0" rIns="0" rtlCol="0">
+                <a:spAutoFit/>
+              </a:bodyPr>
+              <a:lstStyle/>
+              <a:p>
+                <a14:m>
+                  <m:oMath xmlns:m="http://schemas.openxmlformats.org/officeDocument/2006/math">
+                    <m:acc>
+                      <m:accPr>
+                        <m:chr m:val="⃑"/>
+                        <m:ctrlPr>
+                          <a:rPr lang="en-US" altLang="zh-CN" sz="800" i="1" smtClean="0">
+                            <a:latin typeface="Cambria Math" panose="02040503050406030204" pitchFamily="18" charset="0"/>
+                          </a:rPr>
+                        </m:ctrlPr>
+                      </m:accPr>
+                      <m:e>
+                        <m:r>
+                          <a:rPr lang="en-US" altLang="zh-CN" sz="800" b="0" i="1" smtClean="0">
+                            <a:latin typeface="Cambria Math" panose="02040503050406030204" pitchFamily="18" charset="0"/>
+                          </a:rPr>
+                          <m:t>𝑉</m:t>
+                        </m:r>
+                      </m:e>
+                    </m:acc>
+                  </m:oMath>
+                </a14:m>
+                <a:r>
+                  <a:rPr lang="en-US" altLang="zh-CN" sz="800" baseline="-25000" dirty="0"/>
+                  <a:t>BP1</a:t>
+                </a:r>
+                <a:endParaRPr lang="zh-CN" altLang="en-US" sz="800" baseline="-25000" dirty="0"/>
+              </a:p>
+            </p:txBody>
+          </p:sp>
+        </mc:Choice>
+        <mc:Fallback>
+          <p:sp>
+            <p:nvSpPr>
+              <p:cNvPr id="25" name="TextBox 24">
+                <a:extLst>
+                  <a:ext uri="{FF2B5EF4-FFF2-40B4-BE49-F238E27FC236}">
+                    <a16:creationId xmlns:a16="http://schemas.microsoft.com/office/drawing/2014/main" id="{F2B05340-5A58-4E81-AF93-1BB1282EA6BA}"/>
+                  </a:ext>
+                </a:extLst>
+              </p:cNvPr>
+              <p:cNvSpPr txBox="1">
+                <a:spLocks noRot="1" noChangeAspect="1" noMove="1" noResize="1" noEditPoints="1" noAdjustHandles="1" noChangeArrowheads="1" noChangeShapeType="1" noTextEdit="1"/>
+              </p:cNvSpPr>
+              <p:nvPr/>
+            </p:nvSpPr>
+            <p:spPr>
+              <a:xfrm>
+                <a:off x="3878503" y="3118510"/>
+                <a:ext cx="174791" cy="230256"/>
+              </a:xfrm>
+              <a:prstGeom prst="rect">
+                <a:avLst/>
+              </a:prstGeom>
+              <a:blipFill>
+                <a:blip r:embed="rId8"/>
+                <a:stretch>
+                  <a:fillRect l="-20690" r="-24138" b="-5405"/>
+                </a:stretch>
+              </a:blipFill>
+            </p:spPr>
+            <p:txBody>
+              <a:bodyPr/>
+              <a:lstStyle/>
+              <a:p>
+                <a:r>
+                  <a:rPr lang="en-US">
+                    <a:noFill/>
+                  </a:rPr>
+                  <a:t> </a:t>
+                </a:r>
+              </a:p>
+            </p:txBody>
+          </p:sp>
+        </mc:Fallback>
+      </mc:AlternateContent>
+      <p:cxnSp>
+        <p:nvCxnSpPr>
+          <p:cNvPr id="26" name="Straight Connector 25">
+            <a:extLst>
+              <a:ext uri="{FF2B5EF4-FFF2-40B4-BE49-F238E27FC236}">
+                <a16:creationId xmlns:a16="http://schemas.microsoft.com/office/drawing/2014/main" id="{D94A64FA-FF04-46D4-B69B-17C19FFC26CD}"/>
+              </a:ext>
+            </a:extLst>
+          </p:cNvPr>
+          <p:cNvCxnSpPr>
+            <a:cxnSpLocks/>
+          </p:cNvCxnSpPr>
+          <p:nvPr/>
+        </p:nvCxnSpPr>
+        <p:spPr>
+          <a:xfrm>
+            <a:off x="3232945" y="2963015"/>
+            <a:ext cx="10897" cy="601416"/>
+          </a:xfrm>
+          <a:prstGeom prst="line">
+            <a:avLst/>
+          </a:prstGeom>
+          <a:ln w="9525">
+            <a:solidFill>
+              <a:schemeClr val="tx1"/>
+            </a:solidFill>
+            <a:tailEnd type="triangle" w="sm" len="sm"/>
+          </a:ln>
+        </p:spPr>
+        <p:style>
+          <a:lnRef idx="1">
+            <a:schemeClr val="accent1"/>
+          </a:lnRef>
+          <a:fillRef idx="0">
+            <a:schemeClr val="accent1"/>
+          </a:fillRef>
+          <a:effectRef idx="0">
+            <a:schemeClr val="accent1"/>
+          </a:effectRef>
+          <a:fontRef idx="minor">
+            <a:schemeClr val="tx1"/>
+          </a:fontRef>
+        </p:style>
+      </p:cxnSp>
+      <mc:AlternateContent xmlns:mc="http://schemas.openxmlformats.org/markup-compatibility/2006">
+        <mc:Choice xmlns:a14="http://schemas.microsoft.com/office/drawing/2010/main" Requires="a14">
+          <p:sp>
+            <p:nvSpPr>
+              <p:cNvPr id="27" name="TextBox 26">
+                <a:extLst>
+                  <a:ext uri="{FF2B5EF4-FFF2-40B4-BE49-F238E27FC236}">
+                    <a16:creationId xmlns:a16="http://schemas.microsoft.com/office/drawing/2014/main" id="{5DDCD475-7DB3-4A82-A266-DC4FF841D6C7}"/>
+                  </a:ext>
+                </a:extLst>
+              </p:cNvPr>
+              <p:cNvSpPr txBox="1"/>
+              <p:nvPr/>
+            </p:nvSpPr>
+            <p:spPr>
+              <a:xfrm>
+                <a:off x="3212583" y="3509018"/>
+                <a:ext cx="139525" cy="230256"/>
+              </a:xfrm>
+              <a:prstGeom prst="rect">
+                <a:avLst/>
+              </a:prstGeom>
+              <a:noFill/>
+            </p:spPr>
+            <p:txBody>
+              <a:bodyPr wrap="none" lIns="0" rIns="0" rtlCol="0">
+                <a:spAutoFit/>
+              </a:bodyPr>
+              <a:lstStyle/>
+              <a:p>
+                <a14:m>
+                  <m:oMath xmlns:m="http://schemas.openxmlformats.org/officeDocument/2006/math">
+                    <m:acc>
+                      <m:accPr>
+                        <m:chr m:val="⃑"/>
+                        <m:ctrlPr>
+                          <a:rPr lang="en-US" altLang="zh-CN" sz="800" i="1" smtClean="0">
+                            <a:latin typeface="Cambria Math" panose="02040503050406030204" pitchFamily="18" charset="0"/>
+                          </a:rPr>
+                        </m:ctrlPr>
+                      </m:accPr>
+                      <m:e>
+                        <m:r>
+                          <a:rPr lang="en-US" altLang="zh-CN" sz="800" b="0" i="1" smtClean="0">
+                            <a:latin typeface="Cambria Math" panose="02040503050406030204" pitchFamily="18" charset="0"/>
+                          </a:rPr>
+                          <m:t>𝑉</m:t>
+                        </m:r>
+                      </m:e>
+                    </m:acc>
+                  </m:oMath>
+                </a14:m>
+                <a:r>
+                  <a:rPr lang="en-US" altLang="zh-CN" sz="800" baseline="-25000" dirty="0"/>
+                  <a:t>B1</a:t>
+                </a:r>
+                <a:endParaRPr lang="zh-CN" altLang="en-US" sz="800" baseline="-25000" dirty="0"/>
+              </a:p>
+            </p:txBody>
+          </p:sp>
+        </mc:Choice>
+        <mc:Fallback>
+          <p:sp>
+            <p:nvSpPr>
+              <p:cNvPr id="27" name="TextBox 26">
+                <a:extLst>
+                  <a:ext uri="{FF2B5EF4-FFF2-40B4-BE49-F238E27FC236}">
+                    <a16:creationId xmlns:a16="http://schemas.microsoft.com/office/drawing/2014/main" id="{5DDCD475-7DB3-4A82-A266-DC4FF841D6C7}"/>
+                  </a:ext>
+                </a:extLst>
+              </p:cNvPr>
+              <p:cNvSpPr txBox="1">
+                <a:spLocks noRot="1" noChangeAspect="1" noMove="1" noResize="1" noEditPoints="1" noAdjustHandles="1" noChangeArrowheads="1" noChangeShapeType="1" noTextEdit="1"/>
+              </p:cNvSpPr>
+              <p:nvPr/>
+            </p:nvSpPr>
+            <p:spPr>
+              <a:xfrm>
+                <a:off x="3212583" y="3509018"/>
+                <a:ext cx="139525" cy="230256"/>
+              </a:xfrm>
+              <a:prstGeom prst="rect">
+                <a:avLst/>
+              </a:prstGeom>
+              <a:blipFill>
+                <a:blip r:embed="rId9"/>
+                <a:stretch>
+                  <a:fillRect l="-26087" r="-30435" b="-5405"/>
+                </a:stretch>
+              </a:blipFill>
+            </p:spPr>
+            <p:txBody>
+              <a:bodyPr/>
+              <a:lstStyle/>
+              <a:p>
+                <a:r>
+                  <a:rPr lang="en-US">
+                    <a:noFill/>
+                  </a:rPr>
+                  <a:t> </a:t>
+                </a:r>
+              </a:p>
+            </p:txBody>
+          </p:sp>
+        </mc:Fallback>
+      </mc:AlternateContent>
+      <p:cxnSp>
+        <p:nvCxnSpPr>
+          <p:cNvPr id="29" name="Straight Connector 28">
+            <a:extLst>
+              <a:ext uri="{FF2B5EF4-FFF2-40B4-BE49-F238E27FC236}">
+                <a16:creationId xmlns:a16="http://schemas.microsoft.com/office/drawing/2014/main" id="{F040D60A-21C7-49C4-8F90-491D6868D203}"/>
+              </a:ext>
+            </a:extLst>
+          </p:cNvPr>
+          <p:cNvCxnSpPr>
+            <a:cxnSpLocks/>
+          </p:cNvCxnSpPr>
+          <p:nvPr/>
+        </p:nvCxnSpPr>
+        <p:spPr>
+          <a:xfrm>
+            <a:off x="3643247" y="2854655"/>
+            <a:ext cx="608036" cy="255622"/>
+          </a:xfrm>
+          <a:prstGeom prst="line">
+            <a:avLst/>
+          </a:prstGeom>
+          <a:ln w="9525">
+            <a:solidFill>
+              <a:schemeClr val="tx1"/>
+            </a:solidFill>
+            <a:tailEnd type="triangle" w="sm" len="sm"/>
+          </a:ln>
+        </p:spPr>
+        <p:style>
+          <a:lnRef idx="1">
+            <a:schemeClr val="accent1"/>
+          </a:lnRef>
+          <a:fillRef idx="0">
+            <a:schemeClr val="accent1"/>
+          </a:fillRef>
+          <a:effectRef idx="0">
+            <a:schemeClr val="accent1"/>
+          </a:effectRef>
+          <a:fontRef idx="minor">
+            <a:schemeClr val="tx1"/>
+          </a:fontRef>
+        </p:style>
+      </p:cxnSp>
+      <mc:AlternateContent xmlns:mc="http://schemas.openxmlformats.org/markup-compatibility/2006">
+        <mc:Choice xmlns:a14="http://schemas.microsoft.com/office/drawing/2010/main" Requires="a14">
+          <p:sp>
+            <p:nvSpPr>
+              <p:cNvPr id="30" name="TextBox 29">
+                <a:extLst>
+                  <a:ext uri="{FF2B5EF4-FFF2-40B4-BE49-F238E27FC236}">
+                    <a16:creationId xmlns:a16="http://schemas.microsoft.com/office/drawing/2014/main" id="{35D18338-4876-41CA-A872-C7353532118A}"/>
+                  </a:ext>
+                </a:extLst>
+              </p:cNvPr>
+              <p:cNvSpPr txBox="1"/>
+              <p:nvPr/>
+            </p:nvSpPr>
+            <p:spPr>
+              <a:xfrm>
+                <a:off x="4208484" y="3070391"/>
+                <a:ext cx="177997" cy="230256"/>
+              </a:xfrm>
+              <a:prstGeom prst="rect">
+                <a:avLst/>
+              </a:prstGeom>
+              <a:noFill/>
+            </p:spPr>
+            <p:txBody>
+              <a:bodyPr wrap="square" lIns="0" rIns="0" rtlCol="0">
+                <a:spAutoFit/>
+              </a:bodyPr>
+              <a:lstStyle/>
+              <a:p>
+                <a14:m>
+                  <m:oMath xmlns:m="http://schemas.openxmlformats.org/officeDocument/2006/math">
+                    <m:acc>
+                      <m:accPr>
+                        <m:chr m:val="⃑"/>
+                        <m:ctrlPr>
+                          <a:rPr lang="en-US" altLang="zh-CN" sz="800" i="1" smtClean="0">
+                            <a:latin typeface="Cambria Math" panose="02040503050406030204" pitchFamily="18" charset="0"/>
+                          </a:rPr>
+                        </m:ctrlPr>
+                      </m:accPr>
+                      <m:e>
+                        <m:r>
+                          <a:rPr lang="en-US" altLang="zh-CN" sz="800" b="0" i="1" smtClean="0">
+                            <a:latin typeface="Cambria Math" panose="02040503050406030204" pitchFamily="18" charset="0"/>
+                          </a:rPr>
+                          <m:t>𝑉</m:t>
+                        </m:r>
+                      </m:e>
+                    </m:acc>
+                  </m:oMath>
+                </a14:m>
+                <a:r>
+                  <a:rPr lang="en-US" altLang="zh-CN" sz="800" baseline="-25000" dirty="0"/>
+                  <a:t>AP1</a:t>
+                </a:r>
+                <a:endParaRPr lang="zh-CN" altLang="en-US" sz="800" baseline="-25000" dirty="0"/>
+              </a:p>
+            </p:txBody>
+          </p:sp>
+        </mc:Choice>
+        <mc:Fallback>
+          <p:sp>
+            <p:nvSpPr>
+              <p:cNvPr id="30" name="TextBox 29">
+                <a:extLst>
+                  <a:ext uri="{FF2B5EF4-FFF2-40B4-BE49-F238E27FC236}">
+                    <a16:creationId xmlns:a16="http://schemas.microsoft.com/office/drawing/2014/main" id="{35D18338-4876-41CA-A872-C7353532118A}"/>
+                  </a:ext>
+                </a:extLst>
+              </p:cNvPr>
+              <p:cNvSpPr txBox="1">
+                <a:spLocks noRot="1" noChangeAspect="1" noMove="1" noResize="1" noEditPoints="1" noAdjustHandles="1" noChangeArrowheads="1" noChangeShapeType="1" noTextEdit="1"/>
+              </p:cNvSpPr>
+              <p:nvPr/>
+            </p:nvSpPr>
+            <p:spPr>
+              <a:xfrm>
+                <a:off x="4208484" y="3070391"/>
+                <a:ext cx="177997" cy="230256"/>
+              </a:xfrm>
+              <a:prstGeom prst="rect">
+                <a:avLst/>
+              </a:prstGeom>
+              <a:blipFill>
+                <a:blip r:embed="rId10"/>
+                <a:stretch>
+                  <a:fillRect l="-20000" r="-20000" b="-5405"/>
+                </a:stretch>
+              </a:blipFill>
+            </p:spPr>
+            <p:txBody>
+              <a:bodyPr/>
+              <a:lstStyle/>
+              <a:p>
+                <a:r>
+                  <a:rPr lang="en-US">
+                    <a:noFill/>
+                  </a:rPr>
+                  <a:t> </a:t>
+                </a:r>
+              </a:p>
+            </p:txBody>
+          </p:sp>
+        </mc:Fallback>
+      </mc:AlternateContent>
+      <p:cxnSp>
+        <p:nvCxnSpPr>
+          <p:cNvPr id="33" name="Straight Connector 32">
+            <a:extLst>
+              <a:ext uri="{FF2B5EF4-FFF2-40B4-BE49-F238E27FC236}">
+                <a16:creationId xmlns:a16="http://schemas.microsoft.com/office/drawing/2014/main" id="{77316A38-97DA-484C-A716-C0F751DC657D}"/>
+              </a:ext>
+            </a:extLst>
+          </p:cNvPr>
+          <p:cNvCxnSpPr>
+            <a:cxnSpLocks/>
+          </p:cNvCxnSpPr>
+          <p:nvPr/>
+        </p:nvCxnSpPr>
+        <p:spPr>
+          <a:xfrm>
+            <a:off x="3652846" y="2863018"/>
+            <a:ext cx="211276" cy="467970"/>
+          </a:xfrm>
+          <a:prstGeom prst="line">
+            <a:avLst/>
+          </a:prstGeom>
+          <a:ln w="9525">
+            <a:solidFill>
+              <a:schemeClr val="tx1"/>
+            </a:solidFill>
+            <a:tailEnd type="triangle" w="sm" len="sm"/>
+          </a:ln>
+        </p:spPr>
+        <p:style>
+          <a:lnRef idx="1">
+            <a:schemeClr val="accent1"/>
+          </a:lnRef>
+          <a:fillRef idx="0">
+            <a:schemeClr val="accent1"/>
+          </a:fillRef>
+          <a:effectRef idx="0">
+            <a:schemeClr val="accent1"/>
+          </a:effectRef>
+          <a:fontRef idx="minor">
+            <a:schemeClr val="tx1"/>
+          </a:fontRef>
+        </p:style>
+      </p:cxnSp>
+      <p:cxnSp>
+        <p:nvCxnSpPr>
+          <p:cNvPr id="35" name="Straight Connector 34">
+            <a:extLst>
+              <a:ext uri="{FF2B5EF4-FFF2-40B4-BE49-F238E27FC236}">
+                <a16:creationId xmlns:a16="http://schemas.microsoft.com/office/drawing/2014/main" id="{A2182E74-60C1-474B-8496-59043FE40D1F}"/>
+              </a:ext>
+            </a:extLst>
+          </p:cNvPr>
+          <p:cNvCxnSpPr/>
+          <p:nvPr/>
+        </p:nvCxnSpPr>
+        <p:spPr>
+          <a:xfrm>
+            <a:off x="3650367" y="2854655"/>
+            <a:ext cx="548640" cy="0"/>
+          </a:xfrm>
+          <a:prstGeom prst="line">
+            <a:avLst/>
+          </a:prstGeom>
+          <a:ln w="9525">
+            <a:solidFill>
+              <a:schemeClr val="tx1"/>
+            </a:solidFill>
+            <a:prstDash val="sysDot"/>
+            <a:tailEnd type="arrow" w="sm" len="sm"/>
+          </a:ln>
+        </p:spPr>
+        <p:style>
+          <a:lnRef idx="1">
+            <a:schemeClr val="accent1"/>
+          </a:lnRef>
+          <a:fillRef idx="0">
+            <a:schemeClr val="accent1"/>
+          </a:fillRef>
+          <a:effectRef idx="0">
+            <a:schemeClr val="accent1"/>
+          </a:effectRef>
+          <a:fontRef idx="minor">
+            <a:schemeClr val="tx1"/>
+          </a:fontRef>
+        </p:style>
+      </p:cxnSp>
+      <p:cxnSp>
+        <p:nvCxnSpPr>
+          <p:cNvPr id="36" name="Straight Connector 35">
+            <a:extLst>
+              <a:ext uri="{FF2B5EF4-FFF2-40B4-BE49-F238E27FC236}">
+                <a16:creationId xmlns:a16="http://schemas.microsoft.com/office/drawing/2014/main" id="{876668A4-16C1-49DC-8D94-101B79B3EC7E}"/>
+              </a:ext>
+            </a:extLst>
+          </p:cNvPr>
+          <p:cNvCxnSpPr>
+            <a:cxnSpLocks/>
+          </p:cNvCxnSpPr>
+          <p:nvPr/>
+        </p:nvCxnSpPr>
+        <p:spPr>
+          <a:xfrm>
+            <a:off x="4199007" y="2852960"/>
+            <a:ext cx="48380" cy="253053"/>
+          </a:xfrm>
+          <a:prstGeom prst="line">
+            <a:avLst/>
+          </a:prstGeom>
+          <a:ln w="9525">
+            <a:solidFill>
+              <a:schemeClr val="tx1"/>
+            </a:solidFill>
+            <a:prstDash val="sysDot"/>
+            <a:tailEnd type="arrow" w="sm" len="sm"/>
+          </a:ln>
+        </p:spPr>
+        <p:style>
+          <a:lnRef idx="1">
+            <a:schemeClr val="accent1"/>
+          </a:lnRef>
+          <a:fillRef idx="0">
+            <a:schemeClr val="accent1"/>
+          </a:fillRef>
+          <a:effectRef idx="0">
+            <a:schemeClr val="accent1"/>
+          </a:effectRef>
+          <a:fontRef idx="minor">
+            <a:schemeClr val="tx1"/>
+          </a:fontRef>
+        </p:style>
+      </p:cxnSp>
+      <p:cxnSp>
+        <p:nvCxnSpPr>
+          <p:cNvPr id="37" name="Straight Connector 36">
+            <a:extLst>
+              <a:ext uri="{FF2B5EF4-FFF2-40B4-BE49-F238E27FC236}">
+                <a16:creationId xmlns:a16="http://schemas.microsoft.com/office/drawing/2014/main" id="{D52CAC07-C54A-4428-A120-9679B188A31C}"/>
+              </a:ext>
+            </a:extLst>
+          </p:cNvPr>
+          <p:cNvCxnSpPr>
+            <a:cxnSpLocks/>
+          </p:cNvCxnSpPr>
+          <p:nvPr/>
+        </p:nvCxnSpPr>
+        <p:spPr>
+          <a:xfrm>
+            <a:off x="3653698" y="2860192"/>
+            <a:ext cx="10897" cy="601416"/>
+          </a:xfrm>
+          <a:prstGeom prst="line">
+            <a:avLst/>
+          </a:prstGeom>
+          <a:ln w="9525">
+            <a:solidFill>
+              <a:schemeClr val="tx1"/>
+            </a:solidFill>
+            <a:prstDash val="sysDot"/>
+            <a:tailEnd type="arrow" w="sm" len="sm"/>
+          </a:ln>
+        </p:spPr>
+        <p:style>
+          <a:lnRef idx="1">
+            <a:schemeClr val="accent1"/>
+          </a:lnRef>
+          <a:fillRef idx="0">
+            <a:schemeClr val="accent1"/>
+          </a:fillRef>
+          <a:effectRef idx="0">
+            <a:schemeClr val="accent1"/>
+          </a:effectRef>
+          <a:fontRef idx="minor">
+            <a:schemeClr val="tx1"/>
+          </a:fontRef>
+        </p:style>
+      </p:cxnSp>
+      <p:cxnSp>
+        <p:nvCxnSpPr>
+          <p:cNvPr id="38" name="Straight Connector 37">
+            <a:extLst>
+              <a:ext uri="{FF2B5EF4-FFF2-40B4-BE49-F238E27FC236}">
+                <a16:creationId xmlns:a16="http://schemas.microsoft.com/office/drawing/2014/main" id="{40CDE122-BD79-42EF-AB06-09E7DA085115}"/>
+              </a:ext>
+            </a:extLst>
+          </p:cNvPr>
+          <p:cNvCxnSpPr>
+            <a:cxnSpLocks/>
+          </p:cNvCxnSpPr>
+          <p:nvPr/>
+        </p:nvCxnSpPr>
+        <p:spPr>
+          <a:xfrm flipV="1">
+            <a:off x="3659146" y="3317649"/>
+            <a:ext cx="203137" cy="143959"/>
+          </a:xfrm>
+          <a:prstGeom prst="line">
+            <a:avLst/>
+          </a:prstGeom>
+          <a:ln w="9525">
+            <a:solidFill>
+              <a:schemeClr val="tx1"/>
+            </a:solidFill>
+            <a:prstDash val="sysDot"/>
+            <a:tailEnd type="arrow" w="sm" len="sm"/>
+          </a:ln>
+        </p:spPr>
+        <p:style>
+          <a:lnRef idx="1">
+            <a:schemeClr val="accent1"/>
+          </a:lnRef>
+          <a:fillRef idx="0">
+            <a:schemeClr val="accent1"/>
+          </a:fillRef>
+          <a:effectRef idx="0">
+            <a:schemeClr val="accent1"/>
+          </a:effectRef>
+          <a:fontRef idx="minor">
+            <a:schemeClr val="tx1"/>
+          </a:fontRef>
+        </p:style>
+      </p:cxnSp>
+      <mc:AlternateContent xmlns:mc="http://schemas.openxmlformats.org/markup-compatibility/2006">
+        <mc:Choice xmlns:a14="http://schemas.microsoft.com/office/drawing/2010/main" Requires="a14">
+          <p:sp>
+            <p:nvSpPr>
+              <p:cNvPr id="45" name="TextBox 44">
+                <a:extLst>
+                  <a:ext uri="{FF2B5EF4-FFF2-40B4-BE49-F238E27FC236}">
+                    <a16:creationId xmlns:a16="http://schemas.microsoft.com/office/drawing/2014/main" id="{F76B9171-2636-4DC7-9ED0-CC1DB4FBC8ED}"/>
+                  </a:ext>
+                </a:extLst>
+              </p:cNvPr>
+              <p:cNvSpPr txBox="1"/>
+              <p:nvPr/>
+            </p:nvSpPr>
+            <p:spPr>
+              <a:xfrm>
+                <a:off x="3508049" y="3028612"/>
+                <a:ext cx="139525" cy="230256"/>
+              </a:xfrm>
+              <a:prstGeom prst="rect">
+                <a:avLst/>
+              </a:prstGeom>
+              <a:noFill/>
+            </p:spPr>
+            <p:txBody>
+              <a:bodyPr wrap="none" lIns="0" rIns="0" rtlCol="0">
+                <a:spAutoFit/>
+              </a:bodyPr>
+              <a:lstStyle/>
+              <a:p>
+                <a14:m>
+                  <m:oMath xmlns:m="http://schemas.openxmlformats.org/officeDocument/2006/math">
+                    <m:acc>
+                      <m:accPr>
+                        <m:chr m:val="⃑"/>
+                        <m:ctrlPr>
+                          <a:rPr lang="en-US" altLang="zh-CN" sz="800" i="1" smtClean="0">
+                            <a:latin typeface="Cambria Math" panose="02040503050406030204" pitchFamily="18" charset="0"/>
+                          </a:rPr>
+                        </m:ctrlPr>
+                      </m:accPr>
+                      <m:e>
+                        <m:r>
+                          <a:rPr lang="en-US" altLang="zh-CN" sz="800" b="0" i="1" smtClean="0">
+                            <a:latin typeface="Cambria Math" panose="02040503050406030204" pitchFamily="18" charset="0"/>
+                          </a:rPr>
+                          <m:t>𝑉</m:t>
+                        </m:r>
+                      </m:e>
+                    </m:acc>
+                  </m:oMath>
+                </a14:m>
+                <a:r>
+                  <a:rPr lang="en-US" altLang="zh-CN" sz="800" baseline="-25000" dirty="0"/>
+                  <a:t>B1</a:t>
+                </a:r>
+                <a:endParaRPr lang="zh-CN" altLang="en-US" sz="800" baseline="-25000" dirty="0"/>
+              </a:p>
+            </p:txBody>
+          </p:sp>
+        </mc:Choice>
+        <mc:Fallback>
+          <p:sp>
+            <p:nvSpPr>
+              <p:cNvPr id="45" name="TextBox 44">
+                <a:extLst>
+                  <a:ext uri="{FF2B5EF4-FFF2-40B4-BE49-F238E27FC236}">
+                    <a16:creationId xmlns:a16="http://schemas.microsoft.com/office/drawing/2014/main" id="{F76B9171-2636-4DC7-9ED0-CC1DB4FBC8ED}"/>
+                  </a:ext>
+                </a:extLst>
+              </p:cNvPr>
+              <p:cNvSpPr txBox="1">
+                <a:spLocks noRot="1" noChangeAspect="1" noMove="1" noResize="1" noEditPoints="1" noAdjustHandles="1" noChangeArrowheads="1" noChangeShapeType="1" noTextEdit="1"/>
+              </p:cNvSpPr>
+              <p:nvPr/>
+            </p:nvSpPr>
+            <p:spPr>
+              <a:xfrm>
+                <a:off x="3508049" y="3028612"/>
+                <a:ext cx="139525" cy="230256"/>
+              </a:xfrm>
+              <a:prstGeom prst="rect">
+                <a:avLst/>
+              </a:prstGeom>
+              <a:blipFill>
+                <a:blip r:embed="rId11"/>
+                <a:stretch>
+                  <a:fillRect l="-26087" r="-30435" b="-2632"/>
+                </a:stretch>
+              </a:blipFill>
+            </p:spPr>
+            <p:txBody>
+              <a:bodyPr/>
+              <a:lstStyle/>
+              <a:p>
+                <a:r>
+                  <a:rPr lang="en-US">
+                    <a:noFill/>
+                  </a:rPr>
+                  <a:t> </a:t>
+                </a:r>
+              </a:p>
+            </p:txBody>
+          </p:sp>
+        </mc:Fallback>
+      </mc:AlternateContent>
+      <mc:AlternateContent xmlns:mc="http://schemas.openxmlformats.org/markup-compatibility/2006">
+        <mc:Choice xmlns:a14="http://schemas.microsoft.com/office/drawing/2010/main" Requires="a14">
+          <p:sp>
+            <p:nvSpPr>
+              <p:cNvPr id="46" name="TextBox 45">
+                <a:extLst>
+                  <a:ext uri="{FF2B5EF4-FFF2-40B4-BE49-F238E27FC236}">
+                    <a16:creationId xmlns:a16="http://schemas.microsoft.com/office/drawing/2014/main" id="{7DEB74D6-25B7-4237-8CC9-E883158DCD53}"/>
+                  </a:ext>
+                </a:extLst>
+              </p:cNvPr>
+              <p:cNvSpPr txBox="1"/>
+              <p:nvPr/>
+            </p:nvSpPr>
+            <p:spPr>
+              <a:xfrm>
+                <a:off x="4441604" y="3449303"/>
+                <a:ext cx="408958" cy="230256"/>
+              </a:xfrm>
+              <a:prstGeom prst="rect">
+                <a:avLst/>
+              </a:prstGeom>
+              <a:noFill/>
+            </p:spPr>
+            <p:txBody>
+              <a:bodyPr wrap="none" lIns="0" rIns="0" rtlCol="0">
+                <a:spAutoFit/>
+              </a:bodyPr>
+              <a:lstStyle/>
+              <a:p>
+                <a14:m>
+                  <m:oMath xmlns:m="http://schemas.openxmlformats.org/officeDocument/2006/math">
+                    <m:acc>
+                      <m:accPr>
+                        <m:chr m:val="⃑"/>
+                        <m:ctrlPr>
+                          <a:rPr lang="en-US" altLang="zh-CN" sz="800" i="1" smtClean="0">
+                            <a:latin typeface="Cambria Math" panose="02040503050406030204" pitchFamily="18" charset="0"/>
+                          </a:rPr>
+                        </m:ctrlPr>
+                      </m:accPr>
+                      <m:e>
+                        <m:r>
+                          <m:rPr>
+                            <m:sty m:val="p"/>
+                          </m:rPr>
+                          <a:rPr lang="el-GR" altLang="zh-CN" sz="800" i="1" smtClean="0">
+                            <a:latin typeface="Cambria Math" panose="02040503050406030204" pitchFamily="18" charset="0"/>
+                          </a:rPr>
+                          <m:t>ω</m:t>
+                        </m:r>
+                      </m:e>
+                    </m:acc>
+                  </m:oMath>
+                </a14:m>
+                <a:r>
+                  <a:rPr lang="en-US" altLang="zh-CN" sz="800" baseline="-25000" dirty="0"/>
+                  <a:t>B1</a:t>
+                </a:r>
+                <a:r>
+                  <a:rPr lang="en-US" altLang="zh-CN" sz="800" dirty="0"/>
+                  <a:t> </a:t>
+                </a:r>
+                <a14:m>
+                  <m:oMath xmlns:m="http://schemas.openxmlformats.org/officeDocument/2006/math">
+                    <m:r>
+                      <a:rPr lang="en-US" altLang="zh-CN" sz="800" i="1" smtClean="0">
+                        <a:latin typeface="Cambria Math" panose="02040503050406030204" pitchFamily="18" charset="0"/>
+                        <a:ea typeface="Cambria Math" panose="02040503050406030204" pitchFamily="18" charset="0"/>
+                      </a:rPr>
+                      <m:t>×</m:t>
+                    </m:r>
+                    <m:acc>
+                      <m:accPr>
+                        <m:chr m:val="⃑"/>
+                        <m:ctrlPr>
+                          <a:rPr lang="en-US" altLang="zh-CN" sz="800" i="1">
+                            <a:latin typeface="Cambria Math" panose="02040503050406030204" pitchFamily="18" charset="0"/>
+                          </a:rPr>
+                        </m:ctrlPr>
+                      </m:accPr>
+                      <m:e>
+                        <m:r>
+                          <a:rPr lang="en-US" altLang="zh-CN" sz="800" i="1">
+                            <a:latin typeface="Cambria Math" panose="02040503050406030204" pitchFamily="18" charset="0"/>
+                          </a:rPr>
+                          <m:t>𝑅</m:t>
+                        </m:r>
+                      </m:e>
+                    </m:acc>
+                  </m:oMath>
+                </a14:m>
+                <a:r>
+                  <a:rPr lang="en-US" altLang="zh-CN" sz="800" baseline="-25000" dirty="0"/>
+                  <a:t>BP</a:t>
+                </a:r>
+                <a:endParaRPr lang="zh-CN" altLang="en-US" sz="800" baseline="-25000" dirty="0"/>
+              </a:p>
+            </p:txBody>
+          </p:sp>
+        </mc:Choice>
+        <mc:Fallback>
+          <p:sp>
+            <p:nvSpPr>
+              <p:cNvPr id="46" name="TextBox 45">
+                <a:extLst>
+                  <a:ext uri="{FF2B5EF4-FFF2-40B4-BE49-F238E27FC236}">
+                    <a16:creationId xmlns:a16="http://schemas.microsoft.com/office/drawing/2014/main" id="{7DEB74D6-25B7-4237-8CC9-E883158DCD53}"/>
+                  </a:ext>
+                </a:extLst>
+              </p:cNvPr>
+              <p:cNvSpPr txBox="1">
+                <a:spLocks noRot="1" noChangeAspect="1" noMove="1" noResize="1" noEditPoints="1" noAdjustHandles="1" noChangeArrowheads="1" noChangeShapeType="1" noTextEdit="1"/>
+              </p:cNvSpPr>
+              <p:nvPr/>
+            </p:nvSpPr>
+            <p:spPr>
+              <a:xfrm>
+                <a:off x="4441604" y="3449303"/>
+                <a:ext cx="408958" cy="230256"/>
+              </a:xfrm>
+              <a:prstGeom prst="rect">
+                <a:avLst/>
+              </a:prstGeom>
+              <a:blipFill>
+                <a:blip r:embed="rId12"/>
+                <a:stretch>
+                  <a:fillRect l="-7463" r="-10448"/>
+                </a:stretch>
+              </a:blipFill>
+            </p:spPr>
+            <p:txBody>
+              <a:bodyPr/>
+              <a:lstStyle/>
+              <a:p>
+                <a:r>
+                  <a:rPr lang="en-US">
+                    <a:noFill/>
+                  </a:rPr>
+                  <a:t> </a:t>
+                </a:r>
+              </a:p>
+            </p:txBody>
+          </p:sp>
+        </mc:Fallback>
+      </mc:AlternateContent>
+      <p:sp>
+        <p:nvSpPr>
+          <p:cNvPr id="47" name="Freeform 13">
+            <a:extLst>
+              <a:ext uri="{FF2B5EF4-FFF2-40B4-BE49-F238E27FC236}">
+                <a16:creationId xmlns:a16="http://schemas.microsoft.com/office/drawing/2014/main" id="{3194BACD-251E-4E64-BCC7-12C562376374}"/>
+              </a:ext>
+            </a:extLst>
+          </p:cNvPr>
+          <p:cNvSpPr/>
+          <p:nvPr/>
+        </p:nvSpPr>
+        <p:spPr>
+          <a:xfrm rot="16942609">
+            <a:off x="4016797" y="3150368"/>
+            <a:ext cx="141145" cy="658477"/>
+          </a:xfrm>
+          <a:custGeom>
+            <a:avLst/>
+            <a:gdLst>
+              <a:gd name="connsiteX0" fmla="*/ 156390 w 156390"/>
+              <a:gd name="connsiteY0" fmla="*/ 0 h 567708"/>
+              <a:gd name="connsiteX1" fmla="*/ 378 w 156390"/>
+              <a:gd name="connsiteY1" fmla="*/ 177679 h 567708"/>
+              <a:gd name="connsiteX2" fmla="*/ 113053 w 156390"/>
+              <a:gd name="connsiteY2" fmla="*/ 407363 h 567708"/>
+              <a:gd name="connsiteX3" fmla="*/ 130388 w 156390"/>
+              <a:gd name="connsiteY3" fmla="*/ 567708 h 567708"/>
+              <a:gd name="connsiteX4" fmla="*/ 130388 w 156390"/>
+              <a:gd name="connsiteY4" fmla="*/ 567708 h 567708"/>
+              <a:gd name="connsiteX0" fmla="*/ 156390 w 157057"/>
+              <a:gd name="connsiteY0" fmla="*/ 0 h 567708"/>
+              <a:gd name="connsiteX1" fmla="*/ 378 w 157057"/>
+              <a:gd name="connsiteY1" fmla="*/ 177679 h 567708"/>
+              <a:gd name="connsiteX2" fmla="*/ 113053 w 157057"/>
+              <a:gd name="connsiteY2" fmla="*/ 407363 h 567708"/>
+              <a:gd name="connsiteX3" fmla="*/ 130388 w 157057"/>
+              <a:gd name="connsiteY3" fmla="*/ 567708 h 567708"/>
+              <a:gd name="connsiteX4" fmla="*/ 130388 w 157057"/>
+              <a:gd name="connsiteY4" fmla="*/ 567708 h 567708"/>
+              <a:gd name="connsiteX0" fmla="*/ 156390 w 168460"/>
+              <a:gd name="connsiteY0" fmla="*/ 0 h 567708"/>
+              <a:gd name="connsiteX1" fmla="*/ 378 w 168460"/>
+              <a:gd name="connsiteY1" fmla="*/ 177679 h 567708"/>
+              <a:gd name="connsiteX2" fmla="*/ 113053 w 168460"/>
+              <a:gd name="connsiteY2" fmla="*/ 407363 h 567708"/>
+              <a:gd name="connsiteX3" fmla="*/ 130388 w 168460"/>
+              <a:gd name="connsiteY3" fmla="*/ 567708 h 567708"/>
+              <a:gd name="connsiteX4" fmla="*/ 130388 w 168460"/>
+              <a:gd name="connsiteY4" fmla="*/ 567708 h 567708"/>
+              <a:gd name="connsiteX0" fmla="*/ 139118 w 152058"/>
+              <a:gd name="connsiteY0" fmla="*/ 0 h 567708"/>
+              <a:gd name="connsiteX1" fmla="*/ 441 w 152058"/>
+              <a:gd name="connsiteY1" fmla="*/ 234016 h 567708"/>
+              <a:gd name="connsiteX2" fmla="*/ 95781 w 152058"/>
+              <a:gd name="connsiteY2" fmla="*/ 407363 h 567708"/>
+              <a:gd name="connsiteX3" fmla="*/ 113116 w 152058"/>
+              <a:gd name="connsiteY3" fmla="*/ 567708 h 567708"/>
+              <a:gd name="connsiteX4" fmla="*/ 113116 w 152058"/>
+              <a:gd name="connsiteY4" fmla="*/ 567708 h 567708"/>
+              <a:gd name="connsiteX0" fmla="*/ 138981 w 197949"/>
+              <a:gd name="connsiteY0" fmla="*/ 0 h 567708"/>
+              <a:gd name="connsiteX1" fmla="*/ 304 w 197949"/>
+              <a:gd name="connsiteY1" fmla="*/ 234016 h 567708"/>
+              <a:gd name="connsiteX2" fmla="*/ 195318 w 197949"/>
+              <a:gd name="connsiteY2" fmla="*/ 312023 h 567708"/>
+              <a:gd name="connsiteX3" fmla="*/ 112979 w 197949"/>
+              <a:gd name="connsiteY3" fmla="*/ 567708 h 567708"/>
+              <a:gd name="connsiteX4" fmla="*/ 112979 w 197949"/>
+              <a:gd name="connsiteY4" fmla="*/ 567708 h 567708"/>
+              <a:gd name="connsiteX0" fmla="*/ 138964 w 197932"/>
+              <a:gd name="connsiteY0" fmla="*/ 0 h 567708"/>
+              <a:gd name="connsiteX1" fmla="*/ 287 w 197932"/>
+              <a:gd name="connsiteY1" fmla="*/ 234016 h 567708"/>
+              <a:gd name="connsiteX2" fmla="*/ 195301 w 197932"/>
+              <a:gd name="connsiteY2" fmla="*/ 312023 h 567708"/>
+              <a:gd name="connsiteX3" fmla="*/ 112962 w 197932"/>
+              <a:gd name="connsiteY3" fmla="*/ 567708 h 567708"/>
+              <a:gd name="connsiteX4" fmla="*/ 112962 w 197932"/>
+              <a:gd name="connsiteY4" fmla="*/ 567708 h 567708"/>
+              <a:gd name="connsiteX0" fmla="*/ 108671 w 166544"/>
+              <a:gd name="connsiteY0" fmla="*/ 0 h 567708"/>
+              <a:gd name="connsiteX1" fmla="*/ 330 w 166544"/>
+              <a:gd name="connsiteY1" fmla="*/ 303355 h 567708"/>
+              <a:gd name="connsiteX2" fmla="*/ 165008 w 166544"/>
+              <a:gd name="connsiteY2" fmla="*/ 312023 h 567708"/>
+              <a:gd name="connsiteX3" fmla="*/ 82669 w 166544"/>
+              <a:gd name="connsiteY3" fmla="*/ 567708 h 567708"/>
+              <a:gd name="connsiteX4" fmla="*/ 82669 w 166544"/>
+              <a:gd name="connsiteY4" fmla="*/ 567708 h 567708"/>
+              <a:gd name="connsiteX0" fmla="*/ 108831 w 179543"/>
+              <a:gd name="connsiteY0" fmla="*/ 0 h 567708"/>
+              <a:gd name="connsiteX1" fmla="*/ 490 w 179543"/>
+              <a:gd name="connsiteY1" fmla="*/ 303355 h 567708"/>
+              <a:gd name="connsiteX2" fmla="*/ 178169 w 179543"/>
+              <a:gd name="connsiteY2" fmla="*/ 403030 h 567708"/>
+              <a:gd name="connsiteX3" fmla="*/ 82829 w 179543"/>
+              <a:gd name="connsiteY3" fmla="*/ 567708 h 567708"/>
+              <a:gd name="connsiteX4" fmla="*/ 82829 w 179543"/>
+              <a:gd name="connsiteY4" fmla="*/ 567708 h 567708"/>
+              <a:gd name="connsiteX0" fmla="*/ 115928 w 203752"/>
+              <a:gd name="connsiteY0" fmla="*/ 0 h 539876"/>
+              <a:gd name="connsiteX1" fmla="*/ 12350 w 203752"/>
+              <a:gd name="connsiteY1" fmla="*/ 275523 h 539876"/>
+              <a:gd name="connsiteX2" fmla="*/ 190029 w 203752"/>
+              <a:gd name="connsiteY2" fmla="*/ 375198 h 539876"/>
+              <a:gd name="connsiteX3" fmla="*/ 94689 w 203752"/>
+              <a:gd name="connsiteY3" fmla="*/ 539876 h 539876"/>
+              <a:gd name="connsiteX4" fmla="*/ 94689 w 203752"/>
+              <a:gd name="connsiteY4" fmla="*/ 539876 h 539876"/>
+              <a:gd name="connsiteX0" fmla="*/ 115928 w 203752"/>
+              <a:gd name="connsiteY0" fmla="*/ 0 h 539876"/>
+              <a:gd name="connsiteX1" fmla="*/ 12350 w 203752"/>
+              <a:gd name="connsiteY1" fmla="*/ 275523 h 539876"/>
+              <a:gd name="connsiteX2" fmla="*/ 190029 w 203752"/>
+              <a:gd name="connsiteY2" fmla="*/ 375198 h 539876"/>
+              <a:gd name="connsiteX3" fmla="*/ 94689 w 203752"/>
+              <a:gd name="connsiteY3" fmla="*/ 539876 h 539876"/>
+              <a:gd name="connsiteX4" fmla="*/ 94689 w 203752"/>
+              <a:gd name="connsiteY4" fmla="*/ 539876 h 539876"/>
+            </a:gdLst>
+            <a:ahLst/>
+            <a:cxnLst>
+              <a:cxn ang="0">
+                <a:pos x="connsiteX0" y="connsiteY0"/>
+              </a:cxn>
+              <a:cxn ang="0">
+                <a:pos x="connsiteX1" y="connsiteY1"/>
+              </a:cxn>
+              <a:cxn ang="0">
+                <a:pos x="connsiteX2" y="connsiteY2"/>
+              </a:cxn>
+              <a:cxn ang="0">
+                <a:pos x="connsiteX3" y="connsiteY3"/>
+              </a:cxn>
+              <a:cxn ang="0">
+                <a:pos x="connsiteX4" y="connsiteY4"/>
+              </a:cxn>
+            </a:cxnLst>
+            <a:rect l="l" t="t" r="r" b="b"/>
+            <a:pathLst>
+              <a:path w="203752" h="539876">
+                <a:moveTo>
+                  <a:pt x="115928" y="0"/>
+                </a:moveTo>
+                <a:cubicBezTo>
+                  <a:pt x="90818" y="56722"/>
+                  <a:pt x="0" y="212990"/>
+                  <a:pt x="12350" y="275523"/>
+                </a:cubicBezTo>
+                <a:cubicBezTo>
+                  <a:pt x="24700" y="338056"/>
+                  <a:pt x="176306" y="331139"/>
+                  <a:pt x="190029" y="375198"/>
+                </a:cubicBezTo>
+                <a:cubicBezTo>
+                  <a:pt x="203752" y="419257"/>
+                  <a:pt x="110579" y="512430"/>
+                  <a:pt x="94689" y="539876"/>
+                </a:cubicBezTo>
+                <a:lnTo>
+                  <a:pt x="94689" y="539876"/>
+                </a:lnTo>
+              </a:path>
+            </a:pathLst>
+          </a:custGeom>
+          <a:noFill/>
+          <a:ln w="6350">
+            <a:solidFill>
+              <a:schemeClr val="tx1"/>
+            </a:solidFill>
+            <a:headEnd type="arrow" w="sm" len="sm"/>
+          </a:ln>
+        </p:spPr>
+        <p:style>
+          <a:lnRef idx="2">
+            <a:schemeClr val="accent1">
+              <a:shade val="50000"/>
+            </a:schemeClr>
+          </a:lnRef>
+          <a:fillRef idx="1">
+            <a:schemeClr val="accent1"/>
+          </a:fillRef>
+          <a:effectRef idx="0">
+            <a:schemeClr val="accent1"/>
+          </a:effectRef>
+          <a:fontRef idx="minor">
+            <a:schemeClr val="lt1"/>
+          </a:fontRef>
+        </p:style>
+        <p:txBody>
+          <a:bodyPr rtlCol="0" anchor="ctr"/>
+          <a:lstStyle/>
+          <a:p>
+            <a:pPr algn="ctr"/>
+            <a:endParaRPr lang="en-US"/>
+          </a:p>
+        </p:txBody>
+      </p:sp>
+      <mc:AlternateContent xmlns:mc="http://schemas.openxmlformats.org/markup-compatibility/2006">
+        <mc:Choice xmlns:a14="http://schemas.microsoft.com/office/drawing/2010/main" Requires="a14">
+          <p:sp>
+            <p:nvSpPr>
+              <p:cNvPr id="48" name="TextBox 47">
+                <a:extLst>
+                  <a:ext uri="{FF2B5EF4-FFF2-40B4-BE49-F238E27FC236}">
+                    <a16:creationId xmlns:a16="http://schemas.microsoft.com/office/drawing/2014/main" id="{3E0F7026-73CF-451B-B351-C998E72B00B2}"/>
+                  </a:ext>
+                </a:extLst>
+              </p:cNvPr>
+              <p:cNvSpPr txBox="1"/>
+              <p:nvPr/>
+            </p:nvSpPr>
+            <p:spPr>
+              <a:xfrm>
+                <a:off x="4723627" y="2720436"/>
+                <a:ext cx="415370" cy="230256"/>
+              </a:xfrm>
+              <a:prstGeom prst="rect">
+                <a:avLst/>
+              </a:prstGeom>
+              <a:noFill/>
+            </p:spPr>
+            <p:txBody>
+              <a:bodyPr wrap="none" lIns="0" rIns="0" rtlCol="0">
+                <a:spAutoFit/>
+              </a:bodyPr>
+              <a:lstStyle/>
+              <a:p>
+                <a14:m>
+                  <m:oMath xmlns:m="http://schemas.openxmlformats.org/officeDocument/2006/math">
+                    <m:acc>
+                      <m:accPr>
+                        <m:chr m:val="⃑"/>
+                        <m:ctrlPr>
+                          <a:rPr lang="en-US" altLang="zh-CN" sz="800" i="1" smtClean="0">
+                            <a:latin typeface="Cambria Math" panose="02040503050406030204" pitchFamily="18" charset="0"/>
+                          </a:rPr>
+                        </m:ctrlPr>
+                      </m:accPr>
+                      <m:e>
+                        <m:r>
+                          <m:rPr>
+                            <m:sty m:val="p"/>
+                          </m:rPr>
+                          <a:rPr lang="el-GR" altLang="zh-CN" sz="800" i="1" smtClean="0">
+                            <a:latin typeface="Cambria Math" panose="02040503050406030204" pitchFamily="18" charset="0"/>
+                          </a:rPr>
+                          <m:t>ω</m:t>
+                        </m:r>
+                      </m:e>
+                    </m:acc>
+                  </m:oMath>
+                </a14:m>
+                <a:r>
+                  <a:rPr lang="en-US" altLang="zh-CN" sz="800" baseline="-25000" dirty="0"/>
+                  <a:t>A1</a:t>
+                </a:r>
+                <a:r>
+                  <a:rPr lang="en-US" altLang="zh-CN" sz="800" dirty="0"/>
+                  <a:t> </a:t>
+                </a:r>
+                <a14:m>
+                  <m:oMath xmlns:m="http://schemas.openxmlformats.org/officeDocument/2006/math">
+                    <m:r>
+                      <a:rPr lang="en-US" altLang="zh-CN" sz="800" i="1" smtClean="0">
+                        <a:latin typeface="Cambria Math" panose="02040503050406030204" pitchFamily="18" charset="0"/>
+                        <a:ea typeface="Cambria Math" panose="02040503050406030204" pitchFamily="18" charset="0"/>
+                      </a:rPr>
+                      <m:t>×</m:t>
+                    </m:r>
+                    <m:acc>
+                      <m:accPr>
+                        <m:chr m:val="⃑"/>
+                        <m:ctrlPr>
+                          <a:rPr lang="en-US" altLang="zh-CN" sz="800" i="1">
+                            <a:latin typeface="Cambria Math" panose="02040503050406030204" pitchFamily="18" charset="0"/>
+                          </a:rPr>
+                        </m:ctrlPr>
+                      </m:accPr>
+                      <m:e>
+                        <m:r>
+                          <a:rPr lang="en-US" altLang="zh-CN" sz="800" i="1">
+                            <a:latin typeface="Cambria Math" panose="02040503050406030204" pitchFamily="18" charset="0"/>
+                          </a:rPr>
+                          <m:t>𝑅</m:t>
+                        </m:r>
+                      </m:e>
+                    </m:acc>
+                  </m:oMath>
+                </a14:m>
+                <a:r>
+                  <a:rPr lang="en-US" altLang="zh-CN" sz="800" baseline="-25000" dirty="0"/>
+                  <a:t>AP</a:t>
+                </a:r>
+                <a:endParaRPr lang="zh-CN" altLang="en-US" sz="800" baseline="-25000" dirty="0"/>
+              </a:p>
+            </p:txBody>
+          </p:sp>
+        </mc:Choice>
+        <mc:Fallback>
+          <p:sp>
+            <p:nvSpPr>
+              <p:cNvPr id="48" name="TextBox 47">
+                <a:extLst>
+                  <a:ext uri="{FF2B5EF4-FFF2-40B4-BE49-F238E27FC236}">
+                    <a16:creationId xmlns:a16="http://schemas.microsoft.com/office/drawing/2014/main" id="{3E0F7026-73CF-451B-B351-C998E72B00B2}"/>
+                  </a:ext>
+                </a:extLst>
+              </p:cNvPr>
+              <p:cNvSpPr txBox="1">
+                <a:spLocks noRot="1" noChangeAspect="1" noMove="1" noResize="1" noEditPoints="1" noAdjustHandles="1" noChangeArrowheads="1" noChangeShapeType="1" noTextEdit="1"/>
+              </p:cNvSpPr>
+              <p:nvPr/>
+            </p:nvSpPr>
+            <p:spPr>
+              <a:xfrm>
+                <a:off x="4723627" y="2720436"/>
+                <a:ext cx="415370" cy="230256"/>
+              </a:xfrm>
+              <a:prstGeom prst="rect">
+                <a:avLst/>
+              </a:prstGeom>
+              <a:blipFill>
+                <a:blip r:embed="rId13"/>
+                <a:stretch>
+                  <a:fillRect l="-7353" r="-10294" b="-2632"/>
+                </a:stretch>
+              </a:blipFill>
+            </p:spPr>
+            <p:txBody>
+              <a:bodyPr/>
+              <a:lstStyle/>
+              <a:p>
+                <a:r>
+                  <a:rPr lang="en-US">
+                    <a:noFill/>
+                  </a:rPr>
+                  <a:t> </a:t>
+                </a:r>
+              </a:p>
+            </p:txBody>
+          </p:sp>
+        </mc:Fallback>
+      </mc:AlternateContent>
+      <p:sp>
+        <p:nvSpPr>
+          <p:cNvPr id="49" name="Freeform 13">
+            <a:extLst>
+              <a:ext uri="{FF2B5EF4-FFF2-40B4-BE49-F238E27FC236}">
+                <a16:creationId xmlns:a16="http://schemas.microsoft.com/office/drawing/2014/main" id="{1E1095B1-37A4-4697-99B0-B2C76B6C67B4}"/>
+              </a:ext>
+            </a:extLst>
+          </p:cNvPr>
+          <p:cNvSpPr/>
+          <p:nvPr/>
+        </p:nvSpPr>
+        <p:spPr>
+          <a:xfrm rot="15196401">
+            <a:off x="4422443" y="2681499"/>
+            <a:ext cx="115855" cy="473189"/>
+          </a:xfrm>
+          <a:custGeom>
+            <a:avLst/>
+            <a:gdLst>
+              <a:gd name="connsiteX0" fmla="*/ 156390 w 156390"/>
+              <a:gd name="connsiteY0" fmla="*/ 0 h 567708"/>
+              <a:gd name="connsiteX1" fmla="*/ 378 w 156390"/>
+              <a:gd name="connsiteY1" fmla="*/ 177679 h 567708"/>
+              <a:gd name="connsiteX2" fmla="*/ 113053 w 156390"/>
+              <a:gd name="connsiteY2" fmla="*/ 407363 h 567708"/>
+              <a:gd name="connsiteX3" fmla="*/ 130388 w 156390"/>
+              <a:gd name="connsiteY3" fmla="*/ 567708 h 567708"/>
+              <a:gd name="connsiteX4" fmla="*/ 130388 w 156390"/>
+              <a:gd name="connsiteY4" fmla="*/ 567708 h 567708"/>
+              <a:gd name="connsiteX0" fmla="*/ 156390 w 157057"/>
+              <a:gd name="connsiteY0" fmla="*/ 0 h 567708"/>
+              <a:gd name="connsiteX1" fmla="*/ 378 w 157057"/>
+              <a:gd name="connsiteY1" fmla="*/ 177679 h 567708"/>
+              <a:gd name="connsiteX2" fmla="*/ 113053 w 157057"/>
+              <a:gd name="connsiteY2" fmla="*/ 407363 h 567708"/>
+              <a:gd name="connsiteX3" fmla="*/ 130388 w 157057"/>
+              <a:gd name="connsiteY3" fmla="*/ 567708 h 567708"/>
+              <a:gd name="connsiteX4" fmla="*/ 130388 w 157057"/>
+              <a:gd name="connsiteY4" fmla="*/ 567708 h 567708"/>
+              <a:gd name="connsiteX0" fmla="*/ 156390 w 168460"/>
+              <a:gd name="connsiteY0" fmla="*/ 0 h 567708"/>
+              <a:gd name="connsiteX1" fmla="*/ 378 w 168460"/>
+              <a:gd name="connsiteY1" fmla="*/ 177679 h 567708"/>
+              <a:gd name="connsiteX2" fmla="*/ 113053 w 168460"/>
+              <a:gd name="connsiteY2" fmla="*/ 407363 h 567708"/>
+              <a:gd name="connsiteX3" fmla="*/ 130388 w 168460"/>
+              <a:gd name="connsiteY3" fmla="*/ 567708 h 567708"/>
+              <a:gd name="connsiteX4" fmla="*/ 130388 w 168460"/>
+              <a:gd name="connsiteY4" fmla="*/ 567708 h 567708"/>
+              <a:gd name="connsiteX0" fmla="*/ 139118 w 152058"/>
+              <a:gd name="connsiteY0" fmla="*/ 0 h 567708"/>
+              <a:gd name="connsiteX1" fmla="*/ 441 w 152058"/>
+              <a:gd name="connsiteY1" fmla="*/ 234016 h 567708"/>
+              <a:gd name="connsiteX2" fmla="*/ 95781 w 152058"/>
+              <a:gd name="connsiteY2" fmla="*/ 407363 h 567708"/>
+              <a:gd name="connsiteX3" fmla="*/ 113116 w 152058"/>
+              <a:gd name="connsiteY3" fmla="*/ 567708 h 567708"/>
+              <a:gd name="connsiteX4" fmla="*/ 113116 w 152058"/>
+              <a:gd name="connsiteY4" fmla="*/ 567708 h 567708"/>
+              <a:gd name="connsiteX0" fmla="*/ 138981 w 197949"/>
+              <a:gd name="connsiteY0" fmla="*/ 0 h 567708"/>
+              <a:gd name="connsiteX1" fmla="*/ 304 w 197949"/>
+              <a:gd name="connsiteY1" fmla="*/ 234016 h 567708"/>
+              <a:gd name="connsiteX2" fmla="*/ 195318 w 197949"/>
+              <a:gd name="connsiteY2" fmla="*/ 312023 h 567708"/>
+              <a:gd name="connsiteX3" fmla="*/ 112979 w 197949"/>
+              <a:gd name="connsiteY3" fmla="*/ 567708 h 567708"/>
+              <a:gd name="connsiteX4" fmla="*/ 112979 w 197949"/>
+              <a:gd name="connsiteY4" fmla="*/ 567708 h 567708"/>
+              <a:gd name="connsiteX0" fmla="*/ 138964 w 197932"/>
+              <a:gd name="connsiteY0" fmla="*/ 0 h 567708"/>
+              <a:gd name="connsiteX1" fmla="*/ 287 w 197932"/>
+              <a:gd name="connsiteY1" fmla="*/ 234016 h 567708"/>
+              <a:gd name="connsiteX2" fmla="*/ 195301 w 197932"/>
+              <a:gd name="connsiteY2" fmla="*/ 312023 h 567708"/>
+              <a:gd name="connsiteX3" fmla="*/ 112962 w 197932"/>
+              <a:gd name="connsiteY3" fmla="*/ 567708 h 567708"/>
+              <a:gd name="connsiteX4" fmla="*/ 112962 w 197932"/>
+              <a:gd name="connsiteY4" fmla="*/ 567708 h 567708"/>
+              <a:gd name="connsiteX0" fmla="*/ 108671 w 166544"/>
+              <a:gd name="connsiteY0" fmla="*/ 0 h 567708"/>
+              <a:gd name="connsiteX1" fmla="*/ 330 w 166544"/>
+              <a:gd name="connsiteY1" fmla="*/ 303355 h 567708"/>
+              <a:gd name="connsiteX2" fmla="*/ 165008 w 166544"/>
+              <a:gd name="connsiteY2" fmla="*/ 312023 h 567708"/>
+              <a:gd name="connsiteX3" fmla="*/ 82669 w 166544"/>
+              <a:gd name="connsiteY3" fmla="*/ 567708 h 567708"/>
+              <a:gd name="connsiteX4" fmla="*/ 82669 w 166544"/>
+              <a:gd name="connsiteY4" fmla="*/ 567708 h 567708"/>
+              <a:gd name="connsiteX0" fmla="*/ 108831 w 179543"/>
+              <a:gd name="connsiteY0" fmla="*/ 0 h 567708"/>
+              <a:gd name="connsiteX1" fmla="*/ 490 w 179543"/>
+              <a:gd name="connsiteY1" fmla="*/ 303355 h 567708"/>
+              <a:gd name="connsiteX2" fmla="*/ 178169 w 179543"/>
+              <a:gd name="connsiteY2" fmla="*/ 403030 h 567708"/>
+              <a:gd name="connsiteX3" fmla="*/ 82829 w 179543"/>
+              <a:gd name="connsiteY3" fmla="*/ 567708 h 567708"/>
+              <a:gd name="connsiteX4" fmla="*/ 82829 w 179543"/>
+              <a:gd name="connsiteY4" fmla="*/ 567708 h 567708"/>
+              <a:gd name="connsiteX0" fmla="*/ 115928 w 203752"/>
+              <a:gd name="connsiteY0" fmla="*/ 0 h 539876"/>
+              <a:gd name="connsiteX1" fmla="*/ 12350 w 203752"/>
+              <a:gd name="connsiteY1" fmla="*/ 275523 h 539876"/>
+              <a:gd name="connsiteX2" fmla="*/ 190029 w 203752"/>
+              <a:gd name="connsiteY2" fmla="*/ 375198 h 539876"/>
+              <a:gd name="connsiteX3" fmla="*/ 94689 w 203752"/>
+              <a:gd name="connsiteY3" fmla="*/ 539876 h 539876"/>
+              <a:gd name="connsiteX4" fmla="*/ 94689 w 203752"/>
+              <a:gd name="connsiteY4" fmla="*/ 539876 h 539876"/>
+              <a:gd name="connsiteX0" fmla="*/ 115928 w 203752"/>
+              <a:gd name="connsiteY0" fmla="*/ 0 h 539876"/>
+              <a:gd name="connsiteX1" fmla="*/ 12350 w 203752"/>
+              <a:gd name="connsiteY1" fmla="*/ 275523 h 539876"/>
+              <a:gd name="connsiteX2" fmla="*/ 190029 w 203752"/>
+              <a:gd name="connsiteY2" fmla="*/ 375198 h 539876"/>
+              <a:gd name="connsiteX3" fmla="*/ 94689 w 203752"/>
+              <a:gd name="connsiteY3" fmla="*/ 539876 h 539876"/>
+              <a:gd name="connsiteX4" fmla="*/ 94689 w 203752"/>
+              <a:gd name="connsiteY4" fmla="*/ 539876 h 539876"/>
+            </a:gdLst>
+            <a:ahLst/>
+            <a:cxnLst>
+              <a:cxn ang="0">
+                <a:pos x="connsiteX0" y="connsiteY0"/>
+              </a:cxn>
+              <a:cxn ang="0">
+                <a:pos x="connsiteX1" y="connsiteY1"/>
+              </a:cxn>
+              <a:cxn ang="0">
+                <a:pos x="connsiteX2" y="connsiteY2"/>
+              </a:cxn>
+              <a:cxn ang="0">
+                <a:pos x="connsiteX3" y="connsiteY3"/>
+              </a:cxn>
+              <a:cxn ang="0">
+                <a:pos x="connsiteX4" y="connsiteY4"/>
+              </a:cxn>
+            </a:cxnLst>
+            <a:rect l="l" t="t" r="r" b="b"/>
+            <a:pathLst>
+              <a:path w="203752" h="539876">
+                <a:moveTo>
+                  <a:pt x="115928" y="0"/>
+                </a:moveTo>
+                <a:cubicBezTo>
+                  <a:pt x="90818" y="56722"/>
+                  <a:pt x="0" y="212990"/>
+                  <a:pt x="12350" y="275523"/>
+                </a:cubicBezTo>
+                <a:cubicBezTo>
+                  <a:pt x="24700" y="338056"/>
+                  <a:pt x="176306" y="331139"/>
+                  <a:pt x="190029" y="375198"/>
+                </a:cubicBezTo>
+                <a:cubicBezTo>
+                  <a:pt x="203752" y="419257"/>
+                  <a:pt x="110579" y="512430"/>
+                  <a:pt x="94689" y="539876"/>
+                </a:cubicBezTo>
+                <a:lnTo>
+                  <a:pt x="94689" y="539876"/>
+                </a:lnTo>
+              </a:path>
+            </a:pathLst>
+          </a:custGeom>
+          <a:noFill/>
+          <a:ln w="6350">
+            <a:solidFill>
+              <a:schemeClr val="tx1"/>
+            </a:solidFill>
+            <a:headEnd type="arrow" w="sm" len="sm"/>
+          </a:ln>
+        </p:spPr>
+        <p:style>
+          <a:lnRef idx="2">
+            <a:schemeClr val="accent1">
+              <a:shade val="50000"/>
+            </a:schemeClr>
+          </a:lnRef>
+          <a:fillRef idx="1">
+            <a:schemeClr val="accent1"/>
+          </a:fillRef>
+          <a:effectRef idx="0">
+            <a:schemeClr val="accent1"/>
+          </a:effectRef>
+          <a:fontRef idx="minor">
+            <a:schemeClr val="lt1"/>
+          </a:fontRef>
+        </p:style>
+        <p:txBody>
+          <a:bodyPr rtlCol="0" anchor="ctr"/>
+          <a:lstStyle/>
+          <a:p>
+            <a:pPr algn="ctr"/>
+            <a:endParaRPr lang="en-US"/>
+          </a:p>
+        </p:txBody>
+      </p:sp>
     </p:spTree>
     <p:extLst>
       <p:ext uri="{BB962C8B-B14F-4D97-AF65-F5344CB8AC3E}">

--- a/Word/Diagrams/chapter9/chap 9.figures.pptx
+++ b/Word/Diagrams/chapter9/chap 9.figures.pptx
@@ -23435,7 +23435,8 @@
             <a:solidFill>
               <a:schemeClr val="tx1"/>
             </a:solidFill>
-            <a:headEnd type="triangle" w="sm" len="sm"/>
+            <a:headEnd type="none" w="sm" len="sm"/>
+            <a:tailEnd type="triangle" w="sm" len="sm"/>
           </a:ln>
         </p:spPr>
         <p:style>
@@ -23457,7 +23458,7 @@
           <a:lstStyle/>
           <a:p>
             <a:pPr algn="ctr"/>
-            <a:endParaRPr lang="en-US"/>
+            <a:endParaRPr lang="en-US" dirty="0"/>
           </a:p>
         </p:txBody>
       </p:sp>
@@ -25245,7 +25246,8 @@
             <a:solidFill>
               <a:schemeClr val="tx1"/>
             </a:solidFill>
-            <a:headEnd type="triangle" w="sm" len="sm"/>
+            <a:headEnd type="none" w="sm" len="sm"/>
+            <a:tailEnd type="triangle" w="sm" len="sm"/>
           </a:ln>
         </p:spPr>
         <p:style>

--- a/Word/Diagrams/chapter9/chap 9.figures.pptx
+++ b/Word/Diagrams/chapter9/chap 9.figures.pptx
@@ -230,7 +230,7 @@
             <a:fld id="{9CCF083D-F2BC-4786-8C77-844DFCD3515B}" type="datetimeFigureOut">
               <a:rPr lang="zh-TW" altLang="en-US" smtClean="0"/>
               <a:pPr/>
-              <a:t>2021/6/28</a:t>
+              <a:t>2021/7/1</a:t>
             </a:fld>
             <a:endParaRPr lang="zh-TW" altLang="en-US"/>
           </a:p>
@@ -694,7 +694,7 @@
             <a:fld id="{E3D07B0C-BD95-41BE-BB3E-AC75822DF381}" type="datetimeFigureOut">
               <a:rPr lang="en-US" smtClean="0"/>
               <a:pPr/>
-              <a:t>6/28/2021</a:t>
+              <a:t>7/1/2021</a:t>
             </a:fld>
             <a:endParaRPr lang="en-US" dirty="0"/>
           </a:p>
@@ -859,7 +859,7 @@
             <a:fld id="{E3D07B0C-BD95-41BE-BB3E-AC75822DF381}" type="datetimeFigureOut">
               <a:rPr lang="en-US" smtClean="0"/>
               <a:pPr/>
-              <a:t>6/28/2021</a:t>
+              <a:t>7/1/2021</a:t>
             </a:fld>
             <a:endParaRPr lang="en-US" dirty="0"/>
           </a:p>
@@ -1035,7 +1035,7 @@
             <a:fld id="{E3D07B0C-BD95-41BE-BB3E-AC75822DF381}" type="datetimeFigureOut">
               <a:rPr lang="en-US" smtClean="0"/>
               <a:pPr/>
-              <a:t>6/28/2021</a:t>
+              <a:t>7/1/2021</a:t>
             </a:fld>
             <a:endParaRPr lang="en-US" dirty="0"/>
           </a:p>
@@ -1200,7 +1200,7 @@
             <a:fld id="{E3D07B0C-BD95-41BE-BB3E-AC75822DF381}" type="datetimeFigureOut">
               <a:rPr lang="en-US" smtClean="0"/>
               <a:pPr/>
-              <a:t>6/28/2021</a:t>
+              <a:t>7/1/2021</a:t>
             </a:fld>
             <a:endParaRPr lang="en-US" dirty="0"/>
           </a:p>
@@ -1443,7 +1443,7 @@
             <a:fld id="{E3D07B0C-BD95-41BE-BB3E-AC75822DF381}" type="datetimeFigureOut">
               <a:rPr lang="en-US" smtClean="0"/>
               <a:pPr/>
-              <a:t>6/28/2021</a:t>
+              <a:t>7/1/2021</a:t>
             </a:fld>
             <a:endParaRPr lang="en-US" dirty="0"/>
           </a:p>
@@ -1727,7 +1727,7 @@
             <a:fld id="{E3D07B0C-BD95-41BE-BB3E-AC75822DF381}" type="datetimeFigureOut">
               <a:rPr lang="en-US" smtClean="0"/>
               <a:pPr/>
-              <a:t>6/28/2021</a:t>
+              <a:t>7/1/2021</a:t>
             </a:fld>
             <a:endParaRPr lang="en-US" dirty="0"/>
           </a:p>
@@ -2156,7 +2156,7 @@
             <a:fld id="{E3D07B0C-BD95-41BE-BB3E-AC75822DF381}" type="datetimeFigureOut">
               <a:rPr lang="en-US" smtClean="0"/>
               <a:pPr/>
-              <a:t>6/28/2021</a:t>
+              <a:t>7/1/2021</a:t>
             </a:fld>
             <a:endParaRPr lang="en-US" dirty="0"/>
           </a:p>
@@ -2270,7 +2270,7 @@
             <a:fld id="{E3D07B0C-BD95-41BE-BB3E-AC75822DF381}" type="datetimeFigureOut">
               <a:rPr lang="en-US" smtClean="0"/>
               <a:pPr/>
-              <a:t>6/28/2021</a:t>
+              <a:t>7/1/2021</a:t>
             </a:fld>
             <a:endParaRPr lang="en-US" dirty="0"/>
           </a:p>
@@ -2362,7 +2362,7 @@
             <a:fld id="{E3D07B0C-BD95-41BE-BB3E-AC75822DF381}" type="datetimeFigureOut">
               <a:rPr lang="en-US" smtClean="0"/>
               <a:pPr/>
-              <a:t>6/28/2021</a:t>
+              <a:t>7/1/2021</a:t>
             </a:fld>
             <a:endParaRPr lang="en-US" dirty="0"/>
           </a:p>
@@ -2553,7 +2553,7 @@
             <a:fld id="{E3D07B0C-BD95-41BE-BB3E-AC75822DF381}" type="datetimeFigureOut">
               <a:rPr lang="en-US" smtClean="0"/>
               <a:pPr/>
-              <a:t>6/28/2021</a:t>
+              <a:t>7/1/2021</a:t>
             </a:fld>
             <a:endParaRPr lang="en-US" dirty="0"/>
           </a:p>
@@ -2871,7 +2871,7 @@
             <a:fld id="{E3D07B0C-BD95-41BE-BB3E-AC75822DF381}" type="datetimeFigureOut">
               <a:rPr lang="en-US" smtClean="0"/>
               <a:pPr/>
-              <a:t>6/28/2021</a:t>
+              <a:t>7/1/2021</a:t>
             </a:fld>
             <a:endParaRPr lang="en-US" dirty="0"/>
           </a:p>
@@ -3253,7 +3253,7 @@
             <a:fld id="{E3D07B0C-BD95-41BE-BB3E-AC75822DF381}" type="datetimeFigureOut">
               <a:rPr lang="en-US" smtClean="0"/>
               <a:pPr/>
-              <a:t>6/28/2021</a:t>
+              <a:t>7/1/2021</a:t>
             </a:fld>
             <a:endParaRPr lang="en-US" dirty="0"/>
           </a:p>
@@ -9630,7 +9630,7 @@
         <p:spPr>
           <a:xfrm>
             <a:off x="2852825" y="2286000"/>
-            <a:ext cx="107402" cy="215444"/>
+            <a:ext cx="171522" cy="215444"/>
           </a:xfrm>
           <a:prstGeom prst="rect">
             <a:avLst/>
@@ -9645,7 +9645,7 @@
           <a:p>
             <a:r>
               <a:rPr lang="en-US" altLang="zh-TW" sz="800" dirty="0"/>
-              <a:t>R1</a:t>
+              <a:t>RG1</a:t>
             </a:r>
             <a:endParaRPr lang="zh-TW" altLang="en-US" sz="800" baseline="-25000" dirty="0"/>
           </a:p>
@@ -9666,7 +9666,7 @@
         <p:spPr>
           <a:xfrm>
             <a:off x="3208763" y="2598660"/>
-            <a:ext cx="107402" cy="215444"/>
+            <a:ext cx="171522" cy="215444"/>
           </a:xfrm>
           <a:prstGeom prst="rect">
             <a:avLst/>
@@ -9681,7 +9681,7 @@
           <a:p>
             <a:r>
               <a:rPr lang="en-US" altLang="zh-TW" sz="800" dirty="0"/>
-              <a:t>R3</a:t>
+              <a:t>RG3</a:t>
             </a:r>
             <a:endParaRPr lang="zh-TW" altLang="en-US" sz="800" baseline="-25000" dirty="0"/>
           </a:p>
@@ -9702,7 +9702,7 @@
         <p:spPr>
           <a:xfrm>
             <a:off x="3563675" y="2964386"/>
-            <a:ext cx="107402" cy="215444"/>
+            <a:ext cx="171522" cy="215444"/>
           </a:xfrm>
           <a:prstGeom prst="rect">
             <a:avLst/>
@@ -9717,7 +9717,7 @@
           <a:p>
             <a:r>
               <a:rPr lang="en-US" altLang="zh-TW" sz="800" dirty="0"/>
-              <a:t>R2</a:t>
+              <a:t>RG2</a:t>
             </a:r>
             <a:endParaRPr lang="zh-TW" altLang="en-US" sz="800" baseline="-25000" dirty="0"/>
           </a:p>
@@ -22868,8 +22868,8 @@
           </a:fontRef>
         </p:style>
       </p:cxnSp>
-      <mc:AlternateContent xmlns:mc="http://schemas.openxmlformats.org/markup-compatibility/2006">
-        <mc:Choice xmlns:a14="http://schemas.microsoft.com/office/drawing/2010/main" Requires="a14">
+      <mc:AlternateContent xmlns:mc="http://schemas.openxmlformats.org/markup-compatibility/2006" xmlns:a14="http://schemas.microsoft.com/office/drawing/2010/main">
+        <mc:Choice Requires="a14">
           <p:sp>
             <p:nvSpPr>
               <p:cNvPr id="10" name="TextBox 9">
@@ -22929,7 +22929,7 @@
             </p:txBody>
           </p:sp>
         </mc:Choice>
-        <mc:Fallback>
+        <mc:Fallback xmlns="">
           <p:sp>
             <p:nvSpPr>
               <p:cNvPr id="10" name="TextBox 9">
@@ -23118,8 +23118,8 @@
           </p:sp>
         </mc:Fallback>
       </mc:AlternateContent>
-      <mc:AlternateContent xmlns:mc="http://schemas.openxmlformats.org/markup-compatibility/2006">
-        <mc:Choice xmlns:a14="http://schemas.microsoft.com/office/drawing/2010/main" Requires="a14">
+      <mc:AlternateContent xmlns:mc="http://schemas.openxmlformats.org/markup-compatibility/2006" xmlns:a14="http://schemas.microsoft.com/office/drawing/2010/main">
+        <mc:Choice Requires="a14">
           <p:sp>
             <p:nvSpPr>
               <p:cNvPr id="13" name="TextBox 12">
@@ -23179,7 +23179,7 @@
             </p:txBody>
           </p:sp>
         </mc:Choice>
-        <mc:Fallback>
+        <mc:Fallback xmlns="">
           <p:sp>
             <p:nvSpPr>
               <p:cNvPr id="13" name="TextBox 12">
@@ -23262,8 +23262,8 @@
           </a:p>
         </p:txBody>
       </p:sp>
-      <mc:AlternateContent xmlns:mc="http://schemas.openxmlformats.org/markup-compatibility/2006">
-        <mc:Choice xmlns:a14="http://schemas.microsoft.com/office/drawing/2010/main" Requires="a14">
+      <mc:AlternateContent xmlns:mc="http://schemas.openxmlformats.org/markup-compatibility/2006" xmlns:a14="http://schemas.microsoft.com/office/drawing/2010/main">
+        <mc:Choice Requires="a14">
           <p:sp>
             <p:nvSpPr>
               <p:cNvPr id="15" name="TextBox 14">
@@ -23326,7 +23326,7 @@
             </p:txBody>
           </p:sp>
         </mc:Choice>
-        <mc:Fallback>
+        <mc:Fallback xmlns="">
           <p:sp>
             <p:nvSpPr>
               <p:cNvPr id="15" name="TextBox 14">
@@ -23550,8 +23550,8 @@
           </a:fontRef>
         </p:style>
       </p:cxnSp>
-      <mc:AlternateContent xmlns:mc="http://schemas.openxmlformats.org/markup-compatibility/2006">
-        <mc:Choice xmlns:a14="http://schemas.microsoft.com/office/drawing/2010/main" Requires="a14">
+      <mc:AlternateContent xmlns:mc="http://schemas.openxmlformats.org/markup-compatibility/2006" xmlns:a14="http://schemas.microsoft.com/office/drawing/2010/main">
+        <mc:Choice Requires="a14">
           <p:sp>
             <p:nvSpPr>
               <p:cNvPr id="23" name="TextBox 22">
@@ -23611,7 +23611,7 @@
             </p:txBody>
           </p:sp>
         </mc:Choice>
-        <mc:Fallback>
+        <mc:Fallback xmlns="">
           <p:sp>
             <p:nvSpPr>
               <p:cNvPr id="23" name="TextBox 22">
@@ -23656,8 +23656,8 @@
           </p:sp>
         </mc:Fallback>
       </mc:AlternateContent>
-      <mc:AlternateContent xmlns:mc="http://schemas.openxmlformats.org/markup-compatibility/2006">
-        <mc:Choice xmlns:a14="http://schemas.microsoft.com/office/drawing/2010/main" Requires="a14">
+      <mc:AlternateContent xmlns:mc="http://schemas.openxmlformats.org/markup-compatibility/2006" xmlns:a14="http://schemas.microsoft.com/office/drawing/2010/main">
+        <mc:Choice Requires="a14">
           <p:sp>
             <p:nvSpPr>
               <p:cNvPr id="24" name="TextBox 23">
@@ -23757,7 +23757,7 @@
             </p:txBody>
           </p:sp>
         </mc:Choice>
-        <mc:Fallback>
+        <mc:Fallback xmlns="">
           <p:sp>
             <p:nvSpPr>
               <p:cNvPr id="24" name="TextBox 23">
@@ -24360,8 +24360,8 @@
           </a:p>
         </p:txBody>
       </p:sp>
-      <mc:AlternateContent xmlns:mc="http://schemas.openxmlformats.org/markup-compatibility/2006">
-        <mc:Choice xmlns:a14="http://schemas.microsoft.com/office/drawing/2010/main" Requires="a14">
+      <mc:AlternateContent xmlns:mc="http://schemas.openxmlformats.org/markup-compatibility/2006" xmlns:a14="http://schemas.microsoft.com/office/drawing/2010/main">
+        <mc:Choice Requires="a14">
           <p:sp>
             <p:nvSpPr>
               <p:cNvPr id="9" name="TextBox 8">
@@ -24421,7 +24421,7 @@
             </p:txBody>
           </p:sp>
         </mc:Choice>
-        <mc:Fallback>
+        <mc:Fallback xmlns="">
           <p:sp>
             <p:nvSpPr>
               <p:cNvPr id="9" name="TextBox 8">
@@ -25005,8 +25005,8 @@
           </a:fontRef>
         </p:style>
       </p:cxnSp>
-      <mc:AlternateContent xmlns:mc="http://schemas.openxmlformats.org/markup-compatibility/2006">
-        <mc:Choice xmlns:a14="http://schemas.microsoft.com/office/drawing/2010/main" Requires="a14">
+      <mc:AlternateContent xmlns:mc="http://schemas.openxmlformats.org/markup-compatibility/2006" xmlns:a14="http://schemas.microsoft.com/office/drawing/2010/main">
+        <mc:Choice Requires="a14">
           <p:sp>
             <p:nvSpPr>
               <p:cNvPr id="21" name="TextBox 20">
@@ -25066,7 +25066,7 @@
             </p:txBody>
           </p:sp>
         </mc:Choice>
-        <mc:Fallback>
+        <mc:Fallback xmlns="">
           <p:sp>
             <p:nvSpPr>
               <p:cNvPr id="21" name="TextBox 20">
@@ -25111,8 +25111,8 @@
           </p:sp>
         </mc:Fallback>
       </mc:AlternateContent>
-      <mc:AlternateContent xmlns:mc="http://schemas.openxmlformats.org/markup-compatibility/2006">
-        <mc:Choice xmlns:a14="http://schemas.microsoft.com/office/drawing/2010/main" Requires="a14">
+      <mc:AlternateContent xmlns:mc="http://schemas.openxmlformats.org/markup-compatibility/2006" xmlns:a14="http://schemas.microsoft.com/office/drawing/2010/main">
+        <mc:Choice Requires="a14">
           <p:sp>
             <p:nvSpPr>
               <p:cNvPr id="22" name="TextBox 21">
@@ -25175,7 +25175,7 @@
             </p:txBody>
           </p:sp>
         </mc:Choice>
-        <mc:Fallback>
+        <mc:Fallback xmlns="">
           <p:sp>
             <p:nvSpPr>
               <p:cNvPr id="22" name="TextBox 21">
@@ -25273,8 +25273,8 @@
           </a:p>
         </p:txBody>
       </p:sp>
-      <mc:AlternateContent xmlns:mc="http://schemas.openxmlformats.org/markup-compatibility/2006">
-        <mc:Choice xmlns:a14="http://schemas.microsoft.com/office/drawing/2010/main" Requires="a14">
+      <mc:AlternateContent xmlns:mc="http://schemas.openxmlformats.org/markup-compatibility/2006" xmlns:a14="http://schemas.microsoft.com/office/drawing/2010/main">
+        <mc:Choice Requires="a14">
           <p:sp>
             <p:nvSpPr>
               <p:cNvPr id="25" name="TextBox 24">
@@ -25334,7 +25334,7 @@
             </p:txBody>
           </p:sp>
         </mc:Choice>
-        <mc:Fallback>
+        <mc:Fallback xmlns="">
           <p:sp>
             <p:nvSpPr>
               <p:cNvPr id="25" name="TextBox 24">
@@ -25423,8 +25423,8 @@
           </a:fontRef>
         </p:style>
       </p:cxnSp>
-      <mc:AlternateContent xmlns:mc="http://schemas.openxmlformats.org/markup-compatibility/2006">
-        <mc:Choice xmlns:a14="http://schemas.microsoft.com/office/drawing/2010/main" Requires="a14">
+      <mc:AlternateContent xmlns:mc="http://schemas.openxmlformats.org/markup-compatibility/2006" xmlns:a14="http://schemas.microsoft.com/office/drawing/2010/main">
+        <mc:Choice Requires="a14">
           <p:sp>
             <p:nvSpPr>
               <p:cNvPr id="27" name="TextBox 26">
@@ -25484,7 +25484,7 @@
             </p:txBody>
           </p:sp>
         </mc:Choice>
-        <mc:Fallback>
+        <mc:Fallback xmlns="">
           <p:sp>
             <p:nvSpPr>
               <p:cNvPr id="27" name="TextBox 26">
@@ -25573,8 +25573,8 @@
           </a:fontRef>
         </p:style>
       </p:cxnSp>
-      <mc:AlternateContent xmlns:mc="http://schemas.openxmlformats.org/markup-compatibility/2006">
-        <mc:Choice xmlns:a14="http://schemas.microsoft.com/office/drawing/2010/main" Requires="a14">
+      <mc:AlternateContent xmlns:mc="http://schemas.openxmlformats.org/markup-compatibility/2006" xmlns:a14="http://schemas.microsoft.com/office/drawing/2010/main">
+        <mc:Choice Requires="a14">
           <p:sp>
             <p:nvSpPr>
               <p:cNvPr id="30" name="TextBox 29">
@@ -25634,7 +25634,7 @@
             </p:txBody>
           </p:sp>
         </mc:Choice>
-        <mc:Fallback>
+        <mc:Fallback xmlns="">
           <p:sp>
             <p:nvSpPr>
               <p:cNvPr id="30" name="TextBox 29">
@@ -25901,8 +25901,8 @@
           </a:fontRef>
         </p:style>
       </p:cxnSp>
-      <mc:AlternateContent xmlns:mc="http://schemas.openxmlformats.org/markup-compatibility/2006">
-        <mc:Choice xmlns:a14="http://schemas.microsoft.com/office/drawing/2010/main" Requires="a14">
+      <mc:AlternateContent xmlns:mc="http://schemas.openxmlformats.org/markup-compatibility/2006" xmlns:a14="http://schemas.microsoft.com/office/drawing/2010/main">
+        <mc:Choice Requires="a14">
           <p:sp>
             <p:nvSpPr>
               <p:cNvPr id="45" name="TextBox 44">
@@ -25962,7 +25962,7 @@
             </p:txBody>
           </p:sp>
         </mc:Choice>
-        <mc:Fallback>
+        <mc:Fallback xmlns="">
           <p:sp>
             <p:nvSpPr>
               <p:cNvPr id="45" name="TextBox 44">
@@ -26007,8 +26007,8 @@
           </p:sp>
         </mc:Fallback>
       </mc:AlternateContent>
-      <mc:AlternateContent xmlns:mc="http://schemas.openxmlformats.org/markup-compatibility/2006">
-        <mc:Choice xmlns:a14="http://schemas.microsoft.com/office/drawing/2010/main" Requires="a14">
+      <mc:AlternateContent xmlns:mc="http://schemas.openxmlformats.org/markup-compatibility/2006" xmlns:a14="http://schemas.microsoft.com/office/drawing/2010/main">
+        <mc:Choice Requires="a14">
           <p:sp>
             <p:nvSpPr>
               <p:cNvPr id="46" name="TextBox 45">
@@ -26108,7 +26108,7 @@
             </p:txBody>
           </p:sp>
         </mc:Choice>
-        <mc:Fallback>
+        <mc:Fallback xmlns="">
           <p:sp>
             <p:nvSpPr>
               <p:cNvPr id="46" name="TextBox 45">
@@ -26352,8 +26352,8 @@
           </a:p>
         </p:txBody>
       </p:sp>
-      <mc:AlternateContent xmlns:mc="http://schemas.openxmlformats.org/markup-compatibility/2006">
-        <mc:Choice xmlns:a14="http://schemas.microsoft.com/office/drawing/2010/main" Requires="a14">
+      <mc:AlternateContent xmlns:mc="http://schemas.openxmlformats.org/markup-compatibility/2006" xmlns:a14="http://schemas.microsoft.com/office/drawing/2010/main">
+        <mc:Choice Requires="a14">
           <p:sp>
             <p:nvSpPr>
               <p:cNvPr id="48" name="TextBox 47">
@@ -26453,7 +26453,7 @@
             </p:txBody>
           </p:sp>
         </mc:Choice>
-        <mc:Fallback>
+        <mc:Fallback xmlns="">
           <p:sp>
             <p:nvSpPr>
               <p:cNvPr id="48" name="TextBox 47">
